--- a/figures/sem_venn_figures.pptx
+++ b/figures/sem_venn_figures.pptx
@@ -5,11 +5,14 @@
     <p:sldMasterId id="2147483648" r:id="rId1"/>
   </p:sldMasterIdLst>
   <p:notesMasterIdLst>
-    <p:notesMasterId r:id="rId4"/>
+    <p:notesMasterId r:id="rId7"/>
   </p:notesMasterIdLst>
   <p:sldIdLst>
     <p:sldId id="256" r:id="rId2"/>
     <p:sldId id="257" r:id="rId3"/>
+    <p:sldId id="258" r:id="rId4"/>
+    <p:sldId id="259" r:id="rId5"/>
+    <p:sldId id="260" r:id="rId6"/>
   </p:sldIdLst>
   <p:sldSz cx="12192000" cy="6858000"/>
   <p:notesSz cx="6858000" cy="9144000"/>
@@ -108,6 +111,11 @@
       </a:defRPr>
     </a:lvl9pPr>
   </p:defaultTextStyle>
+  <p:extLst>
+    <p:ext uri="{EFAFB233-063F-42B5-8137-9DF3F51BA10A}">
+      <p15:sldGuideLst xmlns:p15="http://schemas.microsoft.com/office/powerpoint/2012/main"/>
+    </p:ext>
+  </p:extLst>
 </p:presentation>
 </file>
 
@@ -193,7 +201,7 @@
           <a:p>
             <a:fld id="{3361DBBF-9048-E34E-A120-F3301ADA26C3}" type="datetimeFigureOut">
               <a:rPr lang="en-US" smtClean="0"/>
-              <a:t>11/4/21</a:t>
+              <a:t>11/17/21</a:t>
             </a:fld>
             <a:endParaRPr lang="en-US"/>
           </a:p>
@@ -547,6 +555,180 @@
 </p:notes>
 </file>
 
+<file path=ppt/notesSlides/notesSlide2.xml><?xml version="1.0" encoding="utf-8"?>
+<p:notes xmlns:a="http://schemas.openxmlformats.org/drawingml/2006/main" xmlns:r="http://schemas.openxmlformats.org/officeDocument/2006/relationships" xmlns:p="http://schemas.openxmlformats.org/presentationml/2006/main">
+  <p:cSld>
+    <p:spTree>
+      <p:nvGrpSpPr>
+        <p:cNvPr id="1" name=""/>
+        <p:cNvGrpSpPr/>
+        <p:nvPr/>
+      </p:nvGrpSpPr>
+      <p:grpSpPr>
+        <a:xfrm>
+          <a:off x="0" y="0"/>
+          <a:ext cx="0" cy="0"/>
+          <a:chOff x="0" y="0"/>
+          <a:chExt cx="0" cy="0"/>
+        </a:xfrm>
+      </p:grpSpPr>
+      <p:sp>
+        <p:nvSpPr>
+          <p:cNvPr id="2" name="Slide Image Placeholder 1"/>
+          <p:cNvSpPr>
+            <a:spLocks noGrp="1" noRot="1" noChangeAspect="1"/>
+          </p:cNvSpPr>
+          <p:nvPr>
+            <p:ph type="sldImg"/>
+          </p:nvPr>
+        </p:nvSpPr>
+        <p:spPr/>
+      </p:sp>
+      <p:sp>
+        <p:nvSpPr>
+          <p:cNvPr id="3" name="Notes Placeholder 2"/>
+          <p:cNvSpPr>
+            <a:spLocks noGrp="1"/>
+          </p:cNvSpPr>
+          <p:nvPr>
+            <p:ph type="body" idx="1"/>
+          </p:nvPr>
+        </p:nvSpPr>
+        <p:spPr/>
+        <p:txBody>
+          <a:bodyPr/>
+          <a:lstStyle/>
+          <a:p>
+            <a:r>
+              <a:rPr lang="en-US" dirty="0"/>
+              <a:t>Venn diagram of variance partitioning</a:t>
+            </a:r>
+          </a:p>
+        </p:txBody>
+      </p:sp>
+      <p:sp>
+        <p:nvSpPr>
+          <p:cNvPr id="4" name="Slide Number Placeholder 3"/>
+          <p:cNvSpPr>
+            <a:spLocks noGrp="1"/>
+          </p:cNvSpPr>
+          <p:nvPr>
+            <p:ph type="sldNum" sz="quarter" idx="5"/>
+          </p:nvPr>
+        </p:nvSpPr>
+        <p:spPr/>
+        <p:txBody>
+          <a:bodyPr/>
+          <a:lstStyle/>
+          <a:p>
+            <a:fld id="{B23B3E7E-11E4-144F-B215-ADFB597CAF46}" type="slidenum">
+              <a:rPr lang="en-US" smtClean="0"/>
+              <a:t>3</a:t>
+            </a:fld>
+            <a:endParaRPr lang="en-US"/>
+          </a:p>
+        </p:txBody>
+      </p:sp>
+    </p:spTree>
+    <p:extLst>
+      <p:ext uri="{BB962C8B-B14F-4D97-AF65-F5344CB8AC3E}">
+        <p14:creationId xmlns:p14="http://schemas.microsoft.com/office/powerpoint/2010/main" val="109745768"/>
+      </p:ext>
+    </p:extLst>
+  </p:cSld>
+  <p:clrMapOvr>
+    <a:masterClrMapping/>
+  </p:clrMapOvr>
+</p:notes>
+</file>
+
+<file path=ppt/notesSlides/notesSlide3.xml><?xml version="1.0" encoding="utf-8"?>
+<p:notes xmlns:a="http://schemas.openxmlformats.org/drawingml/2006/main" xmlns:r="http://schemas.openxmlformats.org/officeDocument/2006/relationships" xmlns:p="http://schemas.openxmlformats.org/presentationml/2006/main">
+  <p:cSld>
+    <p:spTree>
+      <p:nvGrpSpPr>
+        <p:cNvPr id="1" name=""/>
+        <p:cNvGrpSpPr/>
+        <p:nvPr/>
+      </p:nvGrpSpPr>
+      <p:grpSpPr>
+        <a:xfrm>
+          <a:off x="0" y="0"/>
+          <a:ext cx="0" cy="0"/>
+          <a:chOff x="0" y="0"/>
+          <a:chExt cx="0" cy="0"/>
+        </a:xfrm>
+      </p:grpSpPr>
+      <p:sp>
+        <p:nvSpPr>
+          <p:cNvPr id="2" name="Slide Image Placeholder 1"/>
+          <p:cNvSpPr>
+            <a:spLocks noGrp="1" noRot="1" noChangeAspect="1"/>
+          </p:cNvSpPr>
+          <p:nvPr>
+            <p:ph type="sldImg"/>
+          </p:nvPr>
+        </p:nvSpPr>
+        <p:spPr/>
+      </p:sp>
+      <p:sp>
+        <p:nvSpPr>
+          <p:cNvPr id="3" name="Notes Placeholder 2"/>
+          <p:cNvSpPr>
+            <a:spLocks noGrp="1"/>
+          </p:cNvSpPr>
+          <p:nvPr>
+            <p:ph type="body" idx="1"/>
+          </p:nvPr>
+        </p:nvSpPr>
+        <p:spPr/>
+        <p:txBody>
+          <a:bodyPr/>
+          <a:lstStyle/>
+          <a:p>
+            <a:r>
+              <a:rPr lang="en-US" dirty="0"/>
+              <a:t>Venn diagram of variance partitioning</a:t>
+            </a:r>
+          </a:p>
+        </p:txBody>
+      </p:sp>
+      <p:sp>
+        <p:nvSpPr>
+          <p:cNvPr id="4" name="Slide Number Placeholder 3"/>
+          <p:cNvSpPr>
+            <a:spLocks noGrp="1"/>
+          </p:cNvSpPr>
+          <p:nvPr>
+            <p:ph type="sldNum" sz="quarter" idx="5"/>
+          </p:nvPr>
+        </p:nvSpPr>
+        <p:spPr/>
+        <p:txBody>
+          <a:bodyPr/>
+          <a:lstStyle/>
+          <a:p>
+            <a:fld id="{B23B3E7E-11E4-144F-B215-ADFB597CAF46}" type="slidenum">
+              <a:rPr lang="en-US" smtClean="0"/>
+              <a:t>4</a:t>
+            </a:fld>
+            <a:endParaRPr lang="en-US"/>
+          </a:p>
+        </p:txBody>
+      </p:sp>
+    </p:spTree>
+    <p:extLst>
+      <p:ext uri="{BB962C8B-B14F-4D97-AF65-F5344CB8AC3E}">
+        <p14:creationId xmlns:p14="http://schemas.microsoft.com/office/powerpoint/2010/main" val="1076906806"/>
+      </p:ext>
+    </p:extLst>
+  </p:cSld>
+  <p:clrMapOvr>
+    <a:masterClrMapping/>
+  </p:clrMapOvr>
+</p:notes>
+</file>
+
 <file path=ppt/slideLayouts/slideLayout1.xml><?xml version="1.0" encoding="utf-8"?>
 <p:sldLayout xmlns:a="http://schemas.openxmlformats.org/drawingml/2006/main" xmlns:r="http://schemas.openxmlformats.org/officeDocument/2006/relationships" xmlns:p="http://schemas.openxmlformats.org/presentationml/2006/main" type="title" preserve="1">
   <p:cSld name="Title Slide">
@@ -694,7 +876,7 @@
           <a:p>
             <a:fld id="{CD91ABF4-99EA-9A4C-8826-87C21CFC9DF7}" type="datetimeFigureOut">
               <a:rPr lang="en-US" smtClean="0"/>
-              <a:t>11/4/21</a:t>
+              <a:t>11/17/21</a:t>
             </a:fld>
             <a:endParaRPr lang="en-US" dirty="0"/>
           </a:p>
@@ -892,7 +1074,7 @@
           <a:p>
             <a:fld id="{CD91ABF4-99EA-9A4C-8826-87C21CFC9DF7}" type="datetimeFigureOut">
               <a:rPr lang="en-US" smtClean="0"/>
-              <a:t>11/4/21</a:t>
+              <a:t>11/17/21</a:t>
             </a:fld>
             <a:endParaRPr lang="en-US" dirty="0"/>
           </a:p>
@@ -1100,7 +1282,7 @@
           <a:p>
             <a:fld id="{CD91ABF4-99EA-9A4C-8826-87C21CFC9DF7}" type="datetimeFigureOut">
               <a:rPr lang="en-US" smtClean="0"/>
-              <a:t>11/4/21</a:t>
+              <a:t>11/17/21</a:t>
             </a:fld>
             <a:endParaRPr lang="en-US" dirty="0"/>
           </a:p>
@@ -1298,7 +1480,7 @@
           <a:p>
             <a:fld id="{CD91ABF4-99EA-9A4C-8826-87C21CFC9DF7}" type="datetimeFigureOut">
               <a:rPr lang="en-US" smtClean="0"/>
-              <a:t>11/4/21</a:t>
+              <a:t>11/17/21</a:t>
             </a:fld>
             <a:endParaRPr lang="en-US" dirty="0"/>
           </a:p>
@@ -1573,7 +1755,7 @@
           <a:p>
             <a:fld id="{CD91ABF4-99EA-9A4C-8826-87C21CFC9DF7}" type="datetimeFigureOut">
               <a:rPr lang="en-US" smtClean="0"/>
-              <a:t>11/4/21</a:t>
+              <a:t>11/17/21</a:t>
             </a:fld>
             <a:endParaRPr lang="en-US" dirty="0"/>
           </a:p>
@@ -1838,7 +2020,7 @@
           <a:p>
             <a:fld id="{CD91ABF4-99EA-9A4C-8826-87C21CFC9DF7}" type="datetimeFigureOut">
               <a:rPr lang="en-US" smtClean="0"/>
-              <a:t>11/4/21</a:t>
+              <a:t>11/17/21</a:t>
             </a:fld>
             <a:endParaRPr lang="en-US" dirty="0"/>
           </a:p>
@@ -2250,7 +2432,7 @@
           <a:p>
             <a:fld id="{CD91ABF4-99EA-9A4C-8826-87C21CFC9DF7}" type="datetimeFigureOut">
               <a:rPr lang="en-US" smtClean="0"/>
-              <a:t>11/4/21</a:t>
+              <a:t>11/17/21</a:t>
             </a:fld>
             <a:endParaRPr lang="en-US" dirty="0"/>
           </a:p>
@@ -2391,7 +2573,7 @@
           <a:p>
             <a:fld id="{CD91ABF4-99EA-9A4C-8826-87C21CFC9DF7}" type="datetimeFigureOut">
               <a:rPr lang="en-US" smtClean="0"/>
-              <a:t>11/4/21</a:t>
+              <a:t>11/17/21</a:t>
             </a:fld>
             <a:endParaRPr lang="en-US" dirty="0"/>
           </a:p>
@@ -2504,7 +2686,7 @@
           <a:p>
             <a:fld id="{CD91ABF4-99EA-9A4C-8826-87C21CFC9DF7}" type="datetimeFigureOut">
               <a:rPr lang="en-US" smtClean="0"/>
-              <a:t>11/4/21</a:t>
+              <a:t>11/17/21</a:t>
             </a:fld>
             <a:endParaRPr lang="en-US" dirty="0"/>
           </a:p>
@@ -2815,7 +2997,7 @@
           <a:p>
             <a:fld id="{CD91ABF4-99EA-9A4C-8826-87C21CFC9DF7}" type="datetimeFigureOut">
               <a:rPr lang="en-US" smtClean="0"/>
-              <a:t>11/4/21</a:t>
+              <a:t>11/17/21</a:t>
             </a:fld>
             <a:endParaRPr lang="en-US" dirty="0"/>
           </a:p>
@@ -3103,7 +3285,7 @@
           <a:p>
             <a:fld id="{CD91ABF4-99EA-9A4C-8826-87C21CFC9DF7}" type="datetimeFigureOut">
               <a:rPr lang="en-US" smtClean="0"/>
-              <a:t>11/4/21</a:t>
+              <a:t>11/17/21</a:t>
             </a:fld>
             <a:endParaRPr lang="en-US" dirty="0"/>
           </a:p>
@@ -3344,7 +3526,7 @@
           <a:p>
             <a:fld id="{CD91ABF4-99EA-9A4C-8826-87C21CFC9DF7}" type="datetimeFigureOut">
               <a:rPr lang="en-US" smtClean="0"/>
-              <a:t>11/4/21</a:t>
+              <a:t>11/17/21</a:t>
             </a:fld>
             <a:endParaRPr lang="en-US" dirty="0"/>
           </a:p>
@@ -4587,8 +4769,8 @@
         </p:nvSpPr>
         <p:spPr>
           <a:xfrm>
-            <a:off x="1839435" y="3080146"/>
-            <a:ext cx="1115287" cy="369332"/>
+            <a:off x="1987018" y="3080146"/>
+            <a:ext cx="946560" cy="369332"/>
           </a:xfrm>
           <a:prstGeom prst="rect">
             <a:avLst/>
@@ -4611,7 +4793,7 @@
                 <a:latin typeface="Arial" panose="020B0604020202020204" pitchFamily="34" charset="0"/>
                 <a:cs typeface="Arial" panose="020B0604020202020204" pitchFamily="34" charset="0"/>
               </a:rPr>
-              <a:t>0.0396**</a:t>
+              <a:t>0.040**</a:t>
             </a:r>
           </a:p>
         </p:txBody>
@@ -4631,7 +4813,7 @@
         <p:spPr>
           <a:xfrm>
             <a:off x="6079474" y="3115666"/>
-            <a:ext cx="1143000" cy="369332"/>
+            <a:ext cx="982109" cy="369332"/>
           </a:xfrm>
           <a:prstGeom prst="rect">
             <a:avLst/>
@@ -4656,7 +4838,7 @@
                 <a:latin typeface="Arial" panose="020B0604020202020204" pitchFamily="34" charset="0"/>
                 <a:cs typeface="Arial" panose="020B0604020202020204" pitchFamily="34" charset="0"/>
               </a:rPr>
-              <a:t>0.3914**</a:t>
+              <a:t>0.391**</a:t>
             </a:r>
           </a:p>
         </p:txBody>
@@ -4675,8 +4857,8 @@
         </p:nvSpPr>
         <p:spPr>
           <a:xfrm>
-            <a:off x="6785016" y="1550391"/>
-            <a:ext cx="1247899" cy="369332"/>
+            <a:off x="6982937" y="1551222"/>
+            <a:ext cx="1028948" cy="369332"/>
           </a:xfrm>
           <a:prstGeom prst="rect">
             <a:avLst/>
@@ -4701,7 +4883,7 @@
                 <a:latin typeface="Arial" panose="020B0604020202020204" pitchFamily="34" charset="0"/>
                 <a:cs typeface="Arial" panose="020B0604020202020204" pitchFamily="34" charset="0"/>
               </a:rPr>
-              <a:t>0.2367***</a:t>
+              <a:t>0.237***</a:t>
             </a:r>
           </a:p>
         </p:txBody>
@@ -4721,7 +4903,7 @@
         <p:spPr>
           <a:xfrm>
             <a:off x="9147088" y="3080146"/>
-            <a:ext cx="1143000" cy="369332"/>
+            <a:ext cx="1020486" cy="369332"/>
           </a:xfrm>
           <a:prstGeom prst="rect">
             <a:avLst/>
@@ -4746,7 +4928,7 @@
                 <a:latin typeface="Arial" panose="020B0604020202020204" pitchFamily="34" charset="0"/>
                 <a:cs typeface="Arial" panose="020B0604020202020204" pitchFamily="34" charset="0"/>
               </a:rPr>
-              <a:t>-2.2790**</a:t>
+              <a:t>-2.279**</a:t>
             </a:r>
           </a:p>
         </p:txBody>
@@ -4942,8 +5124,8 @@
         </p:nvSpPr>
         <p:spPr>
           <a:xfrm>
-            <a:off x="3244624" y="3683896"/>
-            <a:ext cx="955901" cy="369332"/>
+            <a:off x="3313758" y="3638365"/>
+            <a:ext cx="870174" cy="369332"/>
           </a:xfrm>
           <a:prstGeom prst="rect">
             <a:avLst/>
@@ -4975,7 +5157,7 @@
                 <a:latin typeface="Arial" panose="020B0604020202020204" pitchFamily="34" charset="0"/>
                 <a:cs typeface="Arial" panose="020B0604020202020204" pitchFamily="34" charset="0"/>
               </a:rPr>
-              <a:t>-0.1611</a:t>
+              <a:t>-0.161</a:t>
             </a:r>
           </a:p>
         </p:txBody>
@@ -4995,7 +5177,7 @@
         <p:spPr>
           <a:xfrm>
             <a:off x="3802268" y="4147671"/>
-            <a:ext cx="952054" cy="369332"/>
+            <a:ext cx="771792" cy="369332"/>
           </a:xfrm>
           <a:prstGeom prst="rect">
             <a:avLst/>
@@ -5027,7 +5209,7 @@
                 <a:latin typeface="Arial" panose="020B0604020202020204" pitchFamily="34" charset="0"/>
                 <a:cs typeface="Arial" panose="020B0604020202020204" pitchFamily="34" charset="0"/>
               </a:rPr>
-              <a:t>0.4860</a:t>
+              <a:t>0.486</a:t>
             </a:r>
           </a:p>
         </p:txBody>
@@ -5047,7 +5229,7 @@
         <p:spPr>
           <a:xfrm>
             <a:off x="4925785" y="3963005"/>
-            <a:ext cx="952054" cy="369332"/>
+            <a:ext cx="771792" cy="369332"/>
           </a:xfrm>
           <a:prstGeom prst="rect">
             <a:avLst/>
@@ -5079,7 +5261,7 @@
                 <a:latin typeface="Arial" panose="020B0604020202020204" pitchFamily="34" charset="0"/>
                 <a:cs typeface="Arial" panose="020B0604020202020204" pitchFamily="34" charset="0"/>
               </a:rPr>
-              <a:t>0.0027</a:t>
+              <a:t>0.003</a:t>
             </a:r>
           </a:p>
         </p:txBody>
@@ -5099,7 +5281,7 @@
         <p:spPr>
           <a:xfrm>
             <a:off x="6219261" y="3967301"/>
-            <a:ext cx="895594" cy="369332"/>
+            <a:ext cx="763676" cy="369332"/>
           </a:xfrm>
           <a:prstGeom prst="rect">
             <a:avLst/>
@@ -5131,7 +5313,7 @@
                 <a:latin typeface="Arial" panose="020B0604020202020204" pitchFamily="34" charset="0"/>
                 <a:cs typeface="Arial" panose="020B0604020202020204" pitchFamily="34" charset="0"/>
               </a:rPr>
-              <a:t>0.0671</a:t>
+              <a:t>0.067</a:t>
             </a:r>
           </a:p>
         </p:txBody>
@@ -5150,8 +5332,8 @@
         </p:nvSpPr>
         <p:spPr>
           <a:xfrm>
-            <a:off x="7962860" y="3677033"/>
-            <a:ext cx="984515" cy="369332"/>
+            <a:off x="7962861" y="3677033"/>
+            <a:ext cx="835114" cy="369332"/>
           </a:xfrm>
           <a:prstGeom prst="rect">
             <a:avLst/>
@@ -5183,7 +5365,7 @@
                 <a:latin typeface="Arial" panose="020B0604020202020204" pitchFamily="34" charset="0"/>
                 <a:cs typeface="Arial" panose="020B0604020202020204" pitchFamily="34" charset="0"/>
               </a:rPr>
-              <a:t>-0.6455</a:t>
+              <a:t>-0.646</a:t>
             </a:r>
           </a:p>
         </p:txBody>
@@ -5203,7 +5385,7 @@
         <p:spPr>
           <a:xfrm>
             <a:off x="7381360" y="4193903"/>
-            <a:ext cx="984514" cy="369332"/>
+            <a:ext cx="835114" cy="369332"/>
           </a:xfrm>
           <a:prstGeom prst="rect">
             <a:avLst/>
@@ -5235,7 +5417,7 @@
                 <a:latin typeface="Arial" panose="020B0604020202020204" pitchFamily="34" charset="0"/>
                 <a:cs typeface="Arial" panose="020B0604020202020204" pitchFamily="34" charset="0"/>
               </a:rPr>
-              <a:t>-0.0391</a:t>
+              <a:t>-0.039</a:t>
             </a:r>
           </a:p>
         </p:txBody>
@@ -5255,7 +5437,7 @@
         <p:spPr>
           <a:xfrm>
             <a:off x="3599151" y="942839"/>
-            <a:ext cx="952054" cy="369332"/>
+            <a:ext cx="770968" cy="369332"/>
           </a:xfrm>
           <a:prstGeom prst="rect">
             <a:avLst/>
@@ -5287,7 +5469,7 @@
                 <a:latin typeface="Arial" panose="020B0604020202020204" pitchFamily="34" charset="0"/>
                 <a:cs typeface="Arial" panose="020B0604020202020204" pitchFamily="34" charset="0"/>
               </a:rPr>
-              <a:t>0.0083</a:t>
+              <a:t>0.008</a:t>
             </a:r>
           </a:p>
         </p:txBody>
@@ -5322,10 +5504,2011 @@
           <a:chExt cx="0" cy="0"/>
         </a:xfrm>
       </p:grpSpPr>
+      <p:sp>
+        <p:nvSpPr>
+          <p:cNvPr id="2" name="Oval 1">
+            <a:extLst>
+              <a:ext uri="{FF2B5EF4-FFF2-40B4-BE49-F238E27FC236}">
+                <a16:creationId xmlns:a16="http://schemas.microsoft.com/office/drawing/2014/main" id="{ABDFBAC5-1D7C-4844-B9F9-941E6CABA206}"/>
+              </a:ext>
+            </a:extLst>
+          </p:cNvPr>
+          <p:cNvSpPr/>
+          <p:nvPr/>
+        </p:nvSpPr>
+        <p:spPr>
+          <a:xfrm>
+            <a:off x="3258293" y="1696686"/>
+            <a:ext cx="2604654" cy="2740232"/>
+          </a:xfrm>
+          <a:prstGeom prst="ellipse">
+            <a:avLst/>
+          </a:prstGeom>
+          <a:noFill/>
+          <a:ln>
+            <a:solidFill>
+              <a:schemeClr val="tx1"/>
+            </a:solidFill>
+          </a:ln>
+        </p:spPr>
+        <p:style>
+          <a:lnRef idx="2">
+            <a:schemeClr val="accent1">
+              <a:shade val="50000"/>
+            </a:schemeClr>
+          </a:lnRef>
+          <a:fillRef idx="1">
+            <a:schemeClr val="accent1"/>
+          </a:fillRef>
+          <a:effectRef idx="0">
+            <a:schemeClr val="accent1"/>
+          </a:effectRef>
+          <a:fontRef idx="minor">
+            <a:schemeClr val="lt1"/>
+          </a:fontRef>
+        </p:style>
+        <p:txBody>
+          <a:bodyPr rtlCol="0" anchor="ctr"/>
+          <a:lstStyle/>
+          <a:p>
+            <a:pPr algn="ctr"/>
+            <a:endParaRPr lang="en-US"/>
+          </a:p>
+        </p:txBody>
+      </p:sp>
+      <p:sp>
+        <p:nvSpPr>
+          <p:cNvPr id="3" name="Oval 2">
+            <a:extLst>
+              <a:ext uri="{FF2B5EF4-FFF2-40B4-BE49-F238E27FC236}">
+                <a16:creationId xmlns:a16="http://schemas.microsoft.com/office/drawing/2014/main" id="{50F6445B-A35C-1549-949B-2546B11108E8}"/>
+              </a:ext>
+            </a:extLst>
+          </p:cNvPr>
+          <p:cNvSpPr/>
+          <p:nvPr/>
+        </p:nvSpPr>
+        <p:spPr>
+          <a:xfrm>
+            <a:off x="4846120" y="945572"/>
+            <a:ext cx="4360225" cy="4099956"/>
+          </a:xfrm>
+          <a:prstGeom prst="ellipse">
+            <a:avLst/>
+          </a:prstGeom>
+          <a:noFill/>
+          <a:ln>
+            <a:solidFill>
+              <a:schemeClr val="tx1"/>
+            </a:solidFill>
+          </a:ln>
+        </p:spPr>
+        <p:style>
+          <a:lnRef idx="2">
+            <a:schemeClr val="accent1">
+              <a:shade val="50000"/>
+            </a:schemeClr>
+          </a:lnRef>
+          <a:fillRef idx="1">
+            <a:schemeClr val="accent1"/>
+          </a:fillRef>
+          <a:effectRef idx="0">
+            <a:schemeClr val="accent1"/>
+          </a:effectRef>
+          <a:fontRef idx="minor">
+            <a:schemeClr val="lt1"/>
+          </a:fontRef>
+        </p:style>
+        <p:txBody>
+          <a:bodyPr rtlCol="0" anchor="ctr"/>
+          <a:lstStyle/>
+          <a:p>
+            <a:pPr algn="ctr"/>
+            <a:endParaRPr lang="en-US"/>
+          </a:p>
+        </p:txBody>
+      </p:sp>
+      <p:sp>
+        <p:nvSpPr>
+          <p:cNvPr id="4" name="Oval 3">
+            <a:extLst>
+              <a:ext uri="{FF2B5EF4-FFF2-40B4-BE49-F238E27FC236}">
+                <a16:creationId xmlns:a16="http://schemas.microsoft.com/office/drawing/2014/main" id="{C8F89E68-3A52-8247-A1FE-A8CF47352C31}"/>
+              </a:ext>
+            </a:extLst>
+          </p:cNvPr>
+          <p:cNvSpPr/>
+          <p:nvPr/>
+        </p:nvSpPr>
+        <p:spPr>
+          <a:xfrm>
+            <a:off x="3906982" y="2995550"/>
+            <a:ext cx="2854035" cy="2882736"/>
+          </a:xfrm>
+          <a:prstGeom prst="ellipse">
+            <a:avLst/>
+          </a:prstGeom>
+          <a:noFill/>
+          <a:ln>
+            <a:solidFill>
+              <a:schemeClr val="tx1"/>
+            </a:solidFill>
+          </a:ln>
+        </p:spPr>
+        <p:style>
+          <a:lnRef idx="2">
+            <a:schemeClr val="accent1">
+              <a:shade val="50000"/>
+            </a:schemeClr>
+          </a:lnRef>
+          <a:fillRef idx="1">
+            <a:schemeClr val="accent1"/>
+          </a:fillRef>
+          <a:effectRef idx="0">
+            <a:schemeClr val="accent1"/>
+          </a:effectRef>
+          <a:fontRef idx="minor">
+            <a:schemeClr val="lt1"/>
+          </a:fontRef>
+        </p:style>
+        <p:txBody>
+          <a:bodyPr rtlCol="0" anchor="ctr"/>
+          <a:lstStyle/>
+          <a:p>
+            <a:pPr algn="ctr"/>
+            <a:endParaRPr lang="en-US"/>
+          </a:p>
+        </p:txBody>
+      </p:sp>
+      <p:sp>
+        <p:nvSpPr>
+          <p:cNvPr id="5" name="TextBox 4">
+            <a:extLst>
+              <a:ext uri="{FF2B5EF4-FFF2-40B4-BE49-F238E27FC236}">
+                <a16:creationId xmlns:a16="http://schemas.microsoft.com/office/drawing/2014/main" id="{468C6069-BA96-9E40-8437-18F5A8D5A767}"/>
+              </a:ext>
+            </a:extLst>
+          </p:cNvPr>
+          <p:cNvSpPr txBox="1"/>
+          <p:nvPr/>
+        </p:nvSpPr>
+        <p:spPr>
+          <a:xfrm>
+            <a:off x="6923314" y="2527958"/>
+            <a:ext cx="1840675" cy="369332"/>
+          </a:xfrm>
+          <a:prstGeom prst="rect">
+            <a:avLst/>
+          </a:prstGeom>
+          <a:noFill/>
+        </p:spPr>
+        <p:txBody>
+          <a:bodyPr wrap="square" rtlCol="0">
+            <a:spAutoFit/>
+          </a:bodyPr>
+          <a:lstStyle/>
+          <a:p>
+            <a:r>
+              <a:rPr lang="en-US" dirty="0">
+                <a:latin typeface="Arial" panose="020B0604020202020204" pitchFamily="34" charset="0"/>
+                <a:cs typeface="Arial" panose="020B0604020202020204" pitchFamily="34" charset="0"/>
+              </a:rPr>
+              <a:t>Niche breadth</a:t>
+            </a:r>
+          </a:p>
+        </p:txBody>
+      </p:sp>
+      <p:sp>
+        <p:nvSpPr>
+          <p:cNvPr id="6" name="TextBox 5">
+            <a:extLst>
+              <a:ext uri="{FF2B5EF4-FFF2-40B4-BE49-F238E27FC236}">
+                <a16:creationId xmlns:a16="http://schemas.microsoft.com/office/drawing/2014/main" id="{AA65B116-EA42-DE4A-AFA1-1F5F883DF204}"/>
+              </a:ext>
+            </a:extLst>
+          </p:cNvPr>
+          <p:cNvSpPr txBox="1"/>
+          <p:nvPr/>
+        </p:nvSpPr>
+        <p:spPr>
+          <a:xfrm>
+            <a:off x="4413661" y="4907909"/>
+            <a:ext cx="1840675" cy="369332"/>
+          </a:xfrm>
+          <a:prstGeom prst="rect">
+            <a:avLst/>
+          </a:prstGeom>
+          <a:noFill/>
+        </p:spPr>
+        <p:txBody>
+          <a:bodyPr wrap="square" rtlCol="0">
+            <a:spAutoFit/>
+          </a:bodyPr>
+          <a:lstStyle/>
+          <a:p>
+            <a:r>
+              <a:rPr lang="en-US" dirty="0">
+                <a:latin typeface="Arial" panose="020B0604020202020204" pitchFamily="34" charset="0"/>
+                <a:cs typeface="Arial" panose="020B0604020202020204" pitchFamily="34" charset="0"/>
+              </a:rPr>
+              <a:t>Body size</a:t>
+            </a:r>
+          </a:p>
+        </p:txBody>
+      </p:sp>
+      <p:sp>
+        <p:nvSpPr>
+          <p:cNvPr id="7" name="TextBox 6">
+            <a:extLst>
+              <a:ext uri="{FF2B5EF4-FFF2-40B4-BE49-F238E27FC236}">
+                <a16:creationId xmlns:a16="http://schemas.microsoft.com/office/drawing/2014/main" id="{A72E2609-B025-0840-BB63-D989569E86F1}"/>
+              </a:ext>
+            </a:extLst>
+          </p:cNvPr>
+          <p:cNvSpPr txBox="1"/>
+          <p:nvPr/>
+        </p:nvSpPr>
+        <p:spPr>
+          <a:xfrm>
+            <a:off x="3564576" y="2201393"/>
+            <a:ext cx="1173680" cy="646331"/>
+          </a:xfrm>
+          <a:prstGeom prst="rect">
+            <a:avLst/>
+          </a:prstGeom>
+          <a:noFill/>
+        </p:spPr>
+        <p:txBody>
+          <a:bodyPr wrap="square" rtlCol="0">
+            <a:spAutoFit/>
+          </a:bodyPr>
+          <a:lstStyle/>
+          <a:p>
+            <a:pPr algn="ctr"/>
+            <a:r>
+              <a:rPr lang="en-US" dirty="0">
+                <a:latin typeface="Arial" panose="020B0604020202020204" pitchFamily="34" charset="0"/>
+                <a:cs typeface="Arial" panose="020B0604020202020204" pitchFamily="34" charset="0"/>
+              </a:rPr>
+              <a:t>Migratory distance</a:t>
+            </a:r>
+          </a:p>
+        </p:txBody>
+      </p:sp>
+      <p:sp>
+        <p:nvSpPr>
+          <p:cNvPr id="9" name="TextBox 8">
+            <a:extLst>
+              <a:ext uri="{FF2B5EF4-FFF2-40B4-BE49-F238E27FC236}">
+                <a16:creationId xmlns:a16="http://schemas.microsoft.com/office/drawing/2014/main" id="{1E601120-75B5-5749-850E-37BB69F4F026}"/>
+              </a:ext>
+            </a:extLst>
+          </p:cNvPr>
+          <p:cNvSpPr txBox="1"/>
+          <p:nvPr/>
+        </p:nvSpPr>
+        <p:spPr>
+          <a:xfrm>
+            <a:off x="7197632" y="2894154"/>
+            <a:ext cx="1191690" cy="369332"/>
+          </a:xfrm>
+          <a:prstGeom prst="rect">
+            <a:avLst/>
+          </a:prstGeom>
+          <a:noFill/>
+        </p:spPr>
+        <p:txBody>
+          <a:bodyPr wrap="square" rtlCol="0">
+            <a:spAutoFit/>
+          </a:bodyPr>
+          <a:lstStyle/>
+          <a:p>
+            <a:r>
+              <a:rPr lang="en-US" dirty="0">
+                <a:latin typeface="Arial" panose="020B0604020202020204" pitchFamily="34" charset="0"/>
+                <a:cs typeface="Arial" panose="020B0604020202020204" pitchFamily="34" charset="0"/>
+              </a:rPr>
+              <a:t>R</a:t>
+            </a:r>
+            <a:r>
+              <a:rPr lang="en-US" baseline="30000" dirty="0">
+                <a:latin typeface="Arial" panose="020B0604020202020204" pitchFamily="34" charset="0"/>
+                <a:cs typeface="Arial" panose="020B0604020202020204" pitchFamily="34" charset="0"/>
+              </a:rPr>
+              <a:t>2</a:t>
+            </a:r>
+            <a:r>
+              <a:rPr lang="en-US" dirty="0">
+                <a:latin typeface="Arial" panose="020B0604020202020204" pitchFamily="34" charset="0"/>
+                <a:cs typeface="Arial" panose="020B0604020202020204" pitchFamily="34" charset="0"/>
+              </a:rPr>
+              <a:t> = 0.05</a:t>
+            </a:r>
+          </a:p>
+        </p:txBody>
+      </p:sp>
+      <p:sp>
+        <p:nvSpPr>
+          <p:cNvPr id="10" name="TextBox 9">
+            <a:extLst>
+              <a:ext uri="{FF2B5EF4-FFF2-40B4-BE49-F238E27FC236}">
+                <a16:creationId xmlns:a16="http://schemas.microsoft.com/office/drawing/2014/main" id="{0D888F98-CF7C-0346-818A-B2A92BCEBF31}"/>
+              </a:ext>
+            </a:extLst>
+          </p:cNvPr>
+          <p:cNvSpPr txBox="1"/>
+          <p:nvPr/>
+        </p:nvSpPr>
+        <p:spPr>
+          <a:xfrm>
+            <a:off x="3681841" y="2847724"/>
+            <a:ext cx="1191690" cy="369332"/>
+          </a:xfrm>
+          <a:prstGeom prst="rect">
+            <a:avLst/>
+          </a:prstGeom>
+          <a:noFill/>
+        </p:spPr>
+        <p:txBody>
+          <a:bodyPr wrap="square" rtlCol="0">
+            <a:spAutoFit/>
+          </a:bodyPr>
+          <a:lstStyle/>
+          <a:p>
+            <a:r>
+              <a:rPr lang="en-US" dirty="0">
+                <a:latin typeface="Arial" panose="020B0604020202020204" pitchFamily="34" charset="0"/>
+                <a:cs typeface="Arial" panose="020B0604020202020204" pitchFamily="34" charset="0"/>
+              </a:rPr>
+              <a:t>R</a:t>
+            </a:r>
+            <a:r>
+              <a:rPr lang="en-US" baseline="30000" dirty="0">
+                <a:latin typeface="Arial" panose="020B0604020202020204" pitchFamily="34" charset="0"/>
+                <a:cs typeface="Arial" panose="020B0604020202020204" pitchFamily="34" charset="0"/>
+              </a:rPr>
+              <a:t>2</a:t>
+            </a:r>
+            <a:r>
+              <a:rPr lang="en-US" dirty="0">
+                <a:latin typeface="Arial" panose="020B0604020202020204" pitchFamily="34" charset="0"/>
+                <a:cs typeface="Arial" panose="020B0604020202020204" pitchFamily="34" charset="0"/>
+              </a:rPr>
+              <a:t> = 0.03</a:t>
+            </a:r>
+          </a:p>
+        </p:txBody>
+      </p:sp>
+      <p:sp>
+        <p:nvSpPr>
+          <p:cNvPr id="11" name="TextBox 10">
+            <a:extLst>
+              <a:ext uri="{FF2B5EF4-FFF2-40B4-BE49-F238E27FC236}">
+                <a16:creationId xmlns:a16="http://schemas.microsoft.com/office/drawing/2014/main" id="{5D136E10-03A2-F545-A119-5BEAD2691EC4}"/>
+              </a:ext>
+            </a:extLst>
+          </p:cNvPr>
+          <p:cNvSpPr txBox="1"/>
+          <p:nvPr/>
+        </p:nvSpPr>
+        <p:spPr>
+          <a:xfrm>
+            <a:off x="3964775" y="3889145"/>
+            <a:ext cx="1191690" cy="369332"/>
+          </a:xfrm>
+          <a:prstGeom prst="rect">
+            <a:avLst/>
+          </a:prstGeom>
+          <a:noFill/>
+        </p:spPr>
+        <p:txBody>
+          <a:bodyPr wrap="square" rtlCol="0">
+            <a:spAutoFit/>
+          </a:bodyPr>
+          <a:lstStyle/>
+          <a:p>
+            <a:r>
+              <a:rPr lang="en-US" dirty="0">
+                <a:latin typeface="Arial" panose="020B0604020202020204" pitchFamily="34" charset="0"/>
+                <a:cs typeface="Arial" panose="020B0604020202020204" pitchFamily="34" charset="0"/>
+              </a:rPr>
+              <a:t>R</a:t>
+            </a:r>
+            <a:r>
+              <a:rPr lang="en-US" baseline="30000" dirty="0">
+                <a:latin typeface="Arial" panose="020B0604020202020204" pitchFamily="34" charset="0"/>
+                <a:cs typeface="Arial" panose="020B0604020202020204" pitchFamily="34" charset="0"/>
+              </a:rPr>
+              <a:t>2</a:t>
+            </a:r>
+            <a:r>
+              <a:rPr lang="en-US" dirty="0">
+                <a:latin typeface="Arial" panose="020B0604020202020204" pitchFamily="34" charset="0"/>
+                <a:cs typeface="Arial" panose="020B0604020202020204" pitchFamily="34" charset="0"/>
+              </a:rPr>
+              <a:t> = 0.00</a:t>
+            </a:r>
+          </a:p>
+        </p:txBody>
+      </p:sp>
+      <p:sp>
+        <p:nvSpPr>
+          <p:cNvPr id="13" name="TextBox 12">
+            <a:extLst>
+              <a:ext uri="{FF2B5EF4-FFF2-40B4-BE49-F238E27FC236}">
+                <a16:creationId xmlns:a16="http://schemas.microsoft.com/office/drawing/2014/main" id="{1ABC6687-76B3-B042-A4FC-8BFFF12A1B71}"/>
+              </a:ext>
+            </a:extLst>
+          </p:cNvPr>
+          <p:cNvSpPr txBox="1"/>
+          <p:nvPr/>
+        </p:nvSpPr>
+        <p:spPr>
+          <a:xfrm>
+            <a:off x="6847107" y="5227058"/>
+            <a:ext cx="1698668" cy="369332"/>
+          </a:xfrm>
+          <a:prstGeom prst="rect">
+            <a:avLst/>
+          </a:prstGeom>
+          <a:noFill/>
+        </p:spPr>
+        <p:txBody>
+          <a:bodyPr wrap="square" rtlCol="0">
+            <a:spAutoFit/>
+          </a:bodyPr>
+          <a:lstStyle/>
+          <a:p>
+            <a:r>
+              <a:rPr lang="en-US" dirty="0">
+                <a:latin typeface="Arial" panose="020B0604020202020204" pitchFamily="34" charset="0"/>
+                <a:cs typeface="Arial" panose="020B0604020202020204" pitchFamily="34" charset="0"/>
+              </a:rPr>
+              <a:t>Total R</a:t>
+            </a:r>
+            <a:r>
+              <a:rPr lang="en-US" baseline="30000" dirty="0">
+                <a:latin typeface="Arial" panose="020B0604020202020204" pitchFamily="34" charset="0"/>
+                <a:cs typeface="Arial" panose="020B0604020202020204" pitchFamily="34" charset="0"/>
+              </a:rPr>
+              <a:t>2</a:t>
+            </a:r>
+            <a:r>
+              <a:rPr lang="en-US" dirty="0">
+                <a:latin typeface="Arial" panose="020B0604020202020204" pitchFamily="34" charset="0"/>
+                <a:cs typeface="Arial" panose="020B0604020202020204" pitchFamily="34" charset="0"/>
+              </a:rPr>
+              <a:t> = 0.05</a:t>
+            </a:r>
+          </a:p>
+        </p:txBody>
+      </p:sp>
+      <p:sp>
+        <p:nvSpPr>
+          <p:cNvPr id="14" name="TextBox 13">
+            <a:extLst>
+              <a:ext uri="{FF2B5EF4-FFF2-40B4-BE49-F238E27FC236}">
+                <a16:creationId xmlns:a16="http://schemas.microsoft.com/office/drawing/2014/main" id="{B2E904DA-61D3-5D47-AD47-932D13DDF817}"/>
+              </a:ext>
+            </a:extLst>
+          </p:cNvPr>
+          <p:cNvSpPr txBox="1"/>
+          <p:nvPr/>
+        </p:nvSpPr>
+        <p:spPr>
+          <a:xfrm>
+            <a:off x="3062569" y="853239"/>
+            <a:ext cx="2430234" cy="646331"/>
+          </a:xfrm>
+          <a:prstGeom prst="rect">
+            <a:avLst/>
+          </a:prstGeom>
+          <a:noFill/>
+        </p:spPr>
+        <p:txBody>
+          <a:bodyPr wrap="square" rtlCol="0">
+            <a:spAutoFit/>
+          </a:bodyPr>
+          <a:lstStyle/>
+          <a:p>
+            <a:r>
+              <a:rPr lang="en-US" dirty="0">
+                <a:latin typeface="Arial" panose="020B0604020202020204" pitchFamily="34" charset="0"/>
+                <a:cs typeface="Arial" panose="020B0604020202020204" pitchFamily="34" charset="0"/>
+              </a:rPr>
+              <a:t>Response: </a:t>
+            </a:r>
+          </a:p>
+          <a:p>
+            <a:r>
+              <a:rPr lang="en-US" dirty="0">
+                <a:latin typeface="Arial" panose="020B0604020202020204" pitchFamily="34" charset="0"/>
+                <a:cs typeface="Arial" panose="020B0604020202020204" pitchFamily="34" charset="0"/>
+              </a:rPr>
+              <a:t>Population trend</a:t>
+            </a:r>
+          </a:p>
+        </p:txBody>
+      </p:sp>
+      <p:sp>
+        <p:nvSpPr>
+          <p:cNvPr id="15" name="TextBox 14">
+            <a:extLst>
+              <a:ext uri="{FF2B5EF4-FFF2-40B4-BE49-F238E27FC236}">
+                <a16:creationId xmlns:a16="http://schemas.microsoft.com/office/drawing/2014/main" id="{931B04C7-4682-484D-8E28-42E78AF540F6}"/>
+              </a:ext>
+            </a:extLst>
+          </p:cNvPr>
+          <p:cNvSpPr txBox="1"/>
+          <p:nvPr/>
+        </p:nvSpPr>
+        <p:spPr>
+          <a:xfrm>
+            <a:off x="5438251" y="4073811"/>
+            <a:ext cx="1191690" cy="369332"/>
+          </a:xfrm>
+          <a:prstGeom prst="rect">
+            <a:avLst/>
+          </a:prstGeom>
+          <a:noFill/>
+        </p:spPr>
+        <p:txBody>
+          <a:bodyPr wrap="square" rtlCol="0">
+            <a:spAutoFit/>
+          </a:bodyPr>
+          <a:lstStyle/>
+          <a:p>
+            <a:r>
+              <a:rPr lang="en-US" dirty="0">
+                <a:latin typeface="Arial" panose="020B0604020202020204" pitchFamily="34" charset="0"/>
+                <a:cs typeface="Arial" panose="020B0604020202020204" pitchFamily="34" charset="0"/>
+              </a:rPr>
+              <a:t>R</a:t>
+            </a:r>
+            <a:r>
+              <a:rPr lang="en-US" baseline="30000" dirty="0">
+                <a:latin typeface="Arial" panose="020B0604020202020204" pitchFamily="34" charset="0"/>
+                <a:cs typeface="Arial" panose="020B0604020202020204" pitchFamily="34" charset="0"/>
+              </a:rPr>
+              <a:t>2</a:t>
+            </a:r>
+            <a:r>
+              <a:rPr lang="en-US" dirty="0">
+                <a:latin typeface="Arial" panose="020B0604020202020204" pitchFamily="34" charset="0"/>
+                <a:cs typeface="Arial" panose="020B0604020202020204" pitchFamily="34" charset="0"/>
+              </a:rPr>
+              <a:t> = 0.00</a:t>
+            </a:r>
+          </a:p>
+        </p:txBody>
+      </p:sp>
     </p:spTree>
     <p:extLst>
       <p:ext uri="{BB962C8B-B14F-4D97-AF65-F5344CB8AC3E}">
         <p14:creationId xmlns:p14="http://schemas.microsoft.com/office/powerpoint/2010/main" val="2114340536"/>
+      </p:ext>
+    </p:extLst>
+  </p:cSld>
+  <p:clrMapOvr>
+    <a:masterClrMapping/>
+  </p:clrMapOvr>
+</p:sld>
+</file>
+
+<file path=ppt/slides/slide3.xml><?xml version="1.0" encoding="utf-8"?>
+<p:sld xmlns:a="http://schemas.openxmlformats.org/drawingml/2006/main" xmlns:r="http://schemas.openxmlformats.org/officeDocument/2006/relationships" xmlns:p="http://schemas.openxmlformats.org/presentationml/2006/main">
+  <p:cSld>
+    <p:spTree>
+      <p:nvGrpSpPr>
+        <p:cNvPr id="1" name=""/>
+        <p:cNvGrpSpPr/>
+        <p:nvPr/>
+      </p:nvGrpSpPr>
+      <p:grpSpPr>
+        <a:xfrm>
+          <a:off x="0" y="0"/>
+          <a:ext cx="0" cy="0"/>
+          <a:chOff x="0" y="0"/>
+          <a:chExt cx="0" cy="0"/>
+        </a:xfrm>
+      </p:grpSpPr>
+      <p:sp>
+        <p:nvSpPr>
+          <p:cNvPr id="2" name="Oval 1">
+            <a:extLst>
+              <a:ext uri="{FF2B5EF4-FFF2-40B4-BE49-F238E27FC236}">
+                <a16:creationId xmlns:a16="http://schemas.microsoft.com/office/drawing/2014/main" id="{ABDFBAC5-1D7C-4844-B9F9-941E6CABA206}"/>
+              </a:ext>
+            </a:extLst>
+          </p:cNvPr>
+          <p:cNvSpPr/>
+          <p:nvPr/>
+        </p:nvSpPr>
+        <p:spPr>
+          <a:xfrm>
+            <a:off x="3258293" y="1696686"/>
+            <a:ext cx="2604654" cy="2740232"/>
+          </a:xfrm>
+          <a:prstGeom prst="ellipse">
+            <a:avLst/>
+          </a:prstGeom>
+          <a:noFill/>
+          <a:ln>
+            <a:solidFill>
+              <a:schemeClr val="tx1"/>
+            </a:solidFill>
+          </a:ln>
+        </p:spPr>
+        <p:style>
+          <a:lnRef idx="2">
+            <a:schemeClr val="accent1">
+              <a:shade val="50000"/>
+            </a:schemeClr>
+          </a:lnRef>
+          <a:fillRef idx="1">
+            <a:schemeClr val="accent1"/>
+          </a:fillRef>
+          <a:effectRef idx="0">
+            <a:schemeClr val="accent1"/>
+          </a:effectRef>
+          <a:fontRef idx="minor">
+            <a:schemeClr val="lt1"/>
+          </a:fontRef>
+        </p:style>
+        <p:txBody>
+          <a:bodyPr rtlCol="0" anchor="ctr"/>
+          <a:lstStyle/>
+          <a:p>
+            <a:pPr algn="ctr"/>
+            <a:endParaRPr lang="en-US"/>
+          </a:p>
+        </p:txBody>
+      </p:sp>
+      <p:sp>
+        <p:nvSpPr>
+          <p:cNvPr id="3" name="Oval 2">
+            <a:extLst>
+              <a:ext uri="{FF2B5EF4-FFF2-40B4-BE49-F238E27FC236}">
+                <a16:creationId xmlns:a16="http://schemas.microsoft.com/office/drawing/2014/main" id="{50F6445B-A35C-1549-949B-2546B11108E8}"/>
+              </a:ext>
+            </a:extLst>
+          </p:cNvPr>
+          <p:cNvSpPr/>
+          <p:nvPr/>
+        </p:nvSpPr>
+        <p:spPr>
+          <a:xfrm>
+            <a:off x="4846120" y="945572"/>
+            <a:ext cx="4360225" cy="4099956"/>
+          </a:xfrm>
+          <a:prstGeom prst="ellipse">
+            <a:avLst/>
+          </a:prstGeom>
+          <a:noFill/>
+          <a:ln>
+            <a:solidFill>
+              <a:schemeClr val="tx1"/>
+            </a:solidFill>
+          </a:ln>
+        </p:spPr>
+        <p:style>
+          <a:lnRef idx="2">
+            <a:schemeClr val="accent1">
+              <a:shade val="50000"/>
+            </a:schemeClr>
+          </a:lnRef>
+          <a:fillRef idx="1">
+            <a:schemeClr val="accent1"/>
+          </a:fillRef>
+          <a:effectRef idx="0">
+            <a:schemeClr val="accent1"/>
+          </a:effectRef>
+          <a:fontRef idx="minor">
+            <a:schemeClr val="lt1"/>
+          </a:fontRef>
+        </p:style>
+        <p:txBody>
+          <a:bodyPr rtlCol="0" anchor="ctr"/>
+          <a:lstStyle/>
+          <a:p>
+            <a:pPr algn="ctr"/>
+            <a:endParaRPr lang="en-US"/>
+          </a:p>
+        </p:txBody>
+      </p:sp>
+      <p:sp>
+        <p:nvSpPr>
+          <p:cNvPr id="4" name="Oval 3">
+            <a:extLst>
+              <a:ext uri="{FF2B5EF4-FFF2-40B4-BE49-F238E27FC236}">
+                <a16:creationId xmlns:a16="http://schemas.microsoft.com/office/drawing/2014/main" id="{C8F89E68-3A52-8247-A1FE-A8CF47352C31}"/>
+              </a:ext>
+            </a:extLst>
+          </p:cNvPr>
+          <p:cNvSpPr/>
+          <p:nvPr/>
+        </p:nvSpPr>
+        <p:spPr>
+          <a:xfrm>
+            <a:off x="3906982" y="2995550"/>
+            <a:ext cx="2854035" cy="2882736"/>
+          </a:xfrm>
+          <a:prstGeom prst="ellipse">
+            <a:avLst/>
+          </a:prstGeom>
+          <a:noFill/>
+          <a:ln>
+            <a:solidFill>
+              <a:schemeClr val="tx1"/>
+            </a:solidFill>
+          </a:ln>
+        </p:spPr>
+        <p:style>
+          <a:lnRef idx="2">
+            <a:schemeClr val="accent1">
+              <a:shade val="50000"/>
+            </a:schemeClr>
+          </a:lnRef>
+          <a:fillRef idx="1">
+            <a:schemeClr val="accent1"/>
+          </a:fillRef>
+          <a:effectRef idx="0">
+            <a:schemeClr val="accent1"/>
+          </a:effectRef>
+          <a:fontRef idx="minor">
+            <a:schemeClr val="lt1"/>
+          </a:fontRef>
+        </p:style>
+        <p:txBody>
+          <a:bodyPr rtlCol="0" anchor="ctr"/>
+          <a:lstStyle/>
+          <a:p>
+            <a:pPr algn="ctr"/>
+            <a:endParaRPr lang="en-US"/>
+          </a:p>
+        </p:txBody>
+      </p:sp>
+      <p:sp>
+        <p:nvSpPr>
+          <p:cNvPr id="5" name="TextBox 4">
+            <a:extLst>
+              <a:ext uri="{FF2B5EF4-FFF2-40B4-BE49-F238E27FC236}">
+                <a16:creationId xmlns:a16="http://schemas.microsoft.com/office/drawing/2014/main" id="{468C6069-BA96-9E40-8437-18F5A8D5A767}"/>
+              </a:ext>
+            </a:extLst>
+          </p:cNvPr>
+          <p:cNvSpPr txBox="1"/>
+          <p:nvPr/>
+        </p:nvSpPr>
+        <p:spPr>
+          <a:xfrm>
+            <a:off x="6923314" y="2527958"/>
+            <a:ext cx="1840675" cy="369332"/>
+          </a:xfrm>
+          <a:prstGeom prst="rect">
+            <a:avLst/>
+          </a:prstGeom>
+          <a:noFill/>
+        </p:spPr>
+        <p:txBody>
+          <a:bodyPr wrap="square" rtlCol="0">
+            <a:spAutoFit/>
+          </a:bodyPr>
+          <a:lstStyle/>
+          <a:p>
+            <a:r>
+              <a:rPr lang="en-US" dirty="0">
+                <a:latin typeface="Arial" panose="020B0604020202020204" pitchFamily="34" charset="0"/>
+                <a:cs typeface="Arial" panose="020B0604020202020204" pitchFamily="34" charset="0"/>
+              </a:rPr>
+              <a:t>Niche breadth</a:t>
+            </a:r>
+          </a:p>
+        </p:txBody>
+      </p:sp>
+      <p:sp>
+        <p:nvSpPr>
+          <p:cNvPr id="6" name="TextBox 5">
+            <a:extLst>
+              <a:ext uri="{FF2B5EF4-FFF2-40B4-BE49-F238E27FC236}">
+                <a16:creationId xmlns:a16="http://schemas.microsoft.com/office/drawing/2014/main" id="{AA65B116-EA42-DE4A-AFA1-1F5F883DF204}"/>
+              </a:ext>
+            </a:extLst>
+          </p:cNvPr>
+          <p:cNvSpPr txBox="1"/>
+          <p:nvPr/>
+        </p:nvSpPr>
+        <p:spPr>
+          <a:xfrm>
+            <a:off x="4413661" y="4907909"/>
+            <a:ext cx="1840675" cy="369332"/>
+          </a:xfrm>
+          <a:prstGeom prst="rect">
+            <a:avLst/>
+          </a:prstGeom>
+          <a:noFill/>
+        </p:spPr>
+        <p:txBody>
+          <a:bodyPr wrap="square" rtlCol="0">
+            <a:spAutoFit/>
+          </a:bodyPr>
+          <a:lstStyle/>
+          <a:p>
+            <a:r>
+              <a:rPr lang="en-US" dirty="0">
+                <a:latin typeface="Arial" panose="020B0604020202020204" pitchFamily="34" charset="0"/>
+                <a:cs typeface="Arial" panose="020B0604020202020204" pitchFamily="34" charset="0"/>
+              </a:rPr>
+              <a:t>Body size</a:t>
+            </a:r>
+          </a:p>
+        </p:txBody>
+      </p:sp>
+      <p:sp>
+        <p:nvSpPr>
+          <p:cNvPr id="7" name="TextBox 6">
+            <a:extLst>
+              <a:ext uri="{FF2B5EF4-FFF2-40B4-BE49-F238E27FC236}">
+                <a16:creationId xmlns:a16="http://schemas.microsoft.com/office/drawing/2014/main" id="{A72E2609-B025-0840-BB63-D989569E86F1}"/>
+              </a:ext>
+            </a:extLst>
+          </p:cNvPr>
+          <p:cNvSpPr txBox="1"/>
+          <p:nvPr/>
+        </p:nvSpPr>
+        <p:spPr>
+          <a:xfrm>
+            <a:off x="3564576" y="2201393"/>
+            <a:ext cx="1173680" cy="646331"/>
+          </a:xfrm>
+          <a:prstGeom prst="rect">
+            <a:avLst/>
+          </a:prstGeom>
+          <a:noFill/>
+        </p:spPr>
+        <p:txBody>
+          <a:bodyPr wrap="square" rtlCol="0">
+            <a:spAutoFit/>
+          </a:bodyPr>
+          <a:lstStyle/>
+          <a:p>
+            <a:pPr algn="ctr"/>
+            <a:r>
+              <a:rPr lang="en-US" dirty="0">
+                <a:latin typeface="Arial" panose="020B0604020202020204" pitchFamily="34" charset="0"/>
+                <a:cs typeface="Arial" panose="020B0604020202020204" pitchFamily="34" charset="0"/>
+              </a:rPr>
+              <a:t>Migratory distance</a:t>
+            </a:r>
+          </a:p>
+        </p:txBody>
+      </p:sp>
+      <p:sp>
+        <p:nvSpPr>
+          <p:cNvPr id="9" name="TextBox 8">
+            <a:extLst>
+              <a:ext uri="{FF2B5EF4-FFF2-40B4-BE49-F238E27FC236}">
+                <a16:creationId xmlns:a16="http://schemas.microsoft.com/office/drawing/2014/main" id="{1E601120-75B5-5749-850E-37BB69F4F026}"/>
+              </a:ext>
+            </a:extLst>
+          </p:cNvPr>
+          <p:cNvSpPr txBox="1"/>
+          <p:nvPr/>
+        </p:nvSpPr>
+        <p:spPr>
+          <a:xfrm>
+            <a:off x="7197632" y="2894154"/>
+            <a:ext cx="1191690" cy="369332"/>
+          </a:xfrm>
+          <a:prstGeom prst="rect">
+            <a:avLst/>
+          </a:prstGeom>
+          <a:noFill/>
+        </p:spPr>
+        <p:txBody>
+          <a:bodyPr wrap="square" rtlCol="0">
+            <a:spAutoFit/>
+          </a:bodyPr>
+          <a:lstStyle/>
+          <a:p>
+            <a:r>
+              <a:rPr lang="en-US" dirty="0">
+                <a:latin typeface="Arial" panose="020B0604020202020204" pitchFamily="34" charset="0"/>
+                <a:cs typeface="Arial" panose="020B0604020202020204" pitchFamily="34" charset="0"/>
+              </a:rPr>
+              <a:t>R</a:t>
+            </a:r>
+            <a:r>
+              <a:rPr lang="en-US" baseline="30000" dirty="0">
+                <a:latin typeface="Arial" panose="020B0604020202020204" pitchFamily="34" charset="0"/>
+                <a:cs typeface="Arial" panose="020B0604020202020204" pitchFamily="34" charset="0"/>
+              </a:rPr>
+              <a:t>2</a:t>
+            </a:r>
+            <a:r>
+              <a:rPr lang="en-US" dirty="0">
+                <a:latin typeface="Arial" panose="020B0604020202020204" pitchFamily="34" charset="0"/>
+                <a:cs typeface="Arial" panose="020B0604020202020204" pitchFamily="34" charset="0"/>
+              </a:rPr>
+              <a:t> = 0.08</a:t>
+            </a:r>
+          </a:p>
+        </p:txBody>
+      </p:sp>
+      <p:sp>
+        <p:nvSpPr>
+          <p:cNvPr id="10" name="TextBox 9">
+            <a:extLst>
+              <a:ext uri="{FF2B5EF4-FFF2-40B4-BE49-F238E27FC236}">
+                <a16:creationId xmlns:a16="http://schemas.microsoft.com/office/drawing/2014/main" id="{0D888F98-CF7C-0346-818A-B2A92BCEBF31}"/>
+              </a:ext>
+            </a:extLst>
+          </p:cNvPr>
+          <p:cNvSpPr txBox="1"/>
+          <p:nvPr/>
+        </p:nvSpPr>
+        <p:spPr>
+          <a:xfrm>
+            <a:off x="3681841" y="2847724"/>
+            <a:ext cx="1191690" cy="369332"/>
+          </a:xfrm>
+          <a:prstGeom prst="rect">
+            <a:avLst/>
+          </a:prstGeom>
+          <a:noFill/>
+        </p:spPr>
+        <p:txBody>
+          <a:bodyPr wrap="square" rtlCol="0">
+            <a:spAutoFit/>
+          </a:bodyPr>
+          <a:lstStyle/>
+          <a:p>
+            <a:r>
+              <a:rPr lang="en-US" dirty="0">
+                <a:latin typeface="Arial" panose="020B0604020202020204" pitchFamily="34" charset="0"/>
+                <a:cs typeface="Arial" panose="020B0604020202020204" pitchFamily="34" charset="0"/>
+              </a:rPr>
+              <a:t>R</a:t>
+            </a:r>
+            <a:r>
+              <a:rPr lang="en-US" baseline="30000" dirty="0">
+                <a:latin typeface="Arial" panose="020B0604020202020204" pitchFamily="34" charset="0"/>
+                <a:cs typeface="Arial" panose="020B0604020202020204" pitchFamily="34" charset="0"/>
+              </a:rPr>
+              <a:t>2</a:t>
+            </a:r>
+            <a:r>
+              <a:rPr lang="en-US" dirty="0">
+                <a:latin typeface="Arial" panose="020B0604020202020204" pitchFamily="34" charset="0"/>
+                <a:cs typeface="Arial" panose="020B0604020202020204" pitchFamily="34" charset="0"/>
+              </a:rPr>
+              <a:t> = 0.01</a:t>
+            </a:r>
+          </a:p>
+        </p:txBody>
+      </p:sp>
+      <p:sp>
+        <p:nvSpPr>
+          <p:cNvPr id="11" name="TextBox 10">
+            <a:extLst>
+              <a:ext uri="{FF2B5EF4-FFF2-40B4-BE49-F238E27FC236}">
+                <a16:creationId xmlns:a16="http://schemas.microsoft.com/office/drawing/2014/main" id="{5D136E10-03A2-F545-A119-5BEAD2691EC4}"/>
+              </a:ext>
+            </a:extLst>
+          </p:cNvPr>
+          <p:cNvSpPr txBox="1"/>
+          <p:nvPr/>
+        </p:nvSpPr>
+        <p:spPr>
+          <a:xfrm>
+            <a:off x="4842406" y="5227058"/>
+            <a:ext cx="1191690" cy="369332"/>
+          </a:xfrm>
+          <a:prstGeom prst="rect">
+            <a:avLst/>
+          </a:prstGeom>
+          <a:noFill/>
+        </p:spPr>
+        <p:txBody>
+          <a:bodyPr wrap="square" rtlCol="0">
+            <a:spAutoFit/>
+          </a:bodyPr>
+          <a:lstStyle/>
+          <a:p>
+            <a:r>
+              <a:rPr lang="en-US" dirty="0">
+                <a:latin typeface="Arial" panose="020B0604020202020204" pitchFamily="34" charset="0"/>
+                <a:cs typeface="Arial" panose="020B0604020202020204" pitchFamily="34" charset="0"/>
+              </a:rPr>
+              <a:t>R</a:t>
+            </a:r>
+            <a:r>
+              <a:rPr lang="en-US" baseline="30000" dirty="0">
+                <a:latin typeface="Arial" panose="020B0604020202020204" pitchFamily="34" charset="0"/>
+                <a:cs typeface="Arial" panose="020B0604020202020204" pitchFamily="34" charset="0"/>
+              </a:rPr>
+              <a:t>2</a:t>
+            </a:r>
+            <a:r>
+              <a:rPr lang="en-US" dirty="0">
+                <a:latin typeface="Arial" panose="020B0604020202020204" pitchFamily="34" charset="0"/>
+                <a:cs typeface="Arial" panose="020B0604020202020204" pitchFamily="34" charset="0"/>
+              </a:rPr>
+              <a:t> = 0.02</a:t>
+            </a:r>
+          </a:p>
+        </p:txBody>
+      </p:sp>
+      <p:sp>
+        <p:nvSpPr>
+          <p:cNvPr id="12" name="TextBox 11">
+            <a:extLst>
+              <a:ext uri="{FF2B5EF4-FFF2-40B4-BE49-F238E27FC236}">
+                <a16:creationId xmlns:a16="http://schemas.microsoft.com/office/drawing/2014/main" id="{635EA56D-DF4F-6F4A-A26E-A3B901D534A4}"/>
+              </a:ext>
+            </a:extLst>
+          </p:cNvPr>
+          <p:cNvSpPr txBox="1"/>
+          <p:nvPr/>
+        </p:nvSpPr>
+        <p:spPr>
+          <a:xfrm>
+            <a:off x="4779121" y="2650608"/>
+            <a:ext cx="1191690" cy="369332"/>
+          </a:xfrm>
+          <a:prstGeom prst="rect">
+            <a:avLst/>
+          </a:prstGeom>
+          <a:noFill/>
+        </p:spPr>
+        <p:txBody>
+          <a:bodyPr wrap="square" rtlCol="0">
+            <a:spAutoFit/>
+          </a:bodyPr>
+          <a:lstStyle/>
+          <a:p>
+            <a:r>
+              <a:rPr lang="en-US" dirty="0">
+                <a:latin typeface="Arial" panose="020B0604020202020204" pitchFamily="34" charset="0"/>
+                <a:cs typeface="Arial" panose="020B0604020202020204" pitchFamily="34" charset="0"/>
+              </a:rPr>
+              <a:t>R</a:t>
+            </a:r>
+            <a:r>
+              <a:rPr lang="en-US" baseline="30000" dirty="0">
+                <a:latin typeface="Arial" panose="020B0604020202020204" pitchFamily="34" charset="0"/>
+                <a:cs typeface="Arial" panose="020B0604020202020204" pitchFamily="34" charset="0"/>
+              </a:rPr>
+              <a:t>2</a:t>
+            </a:r>
+            <a:r>
+              <a:rPr lang="en-US" dirty="0">
+                <a:latin typeface="Arial" panose="020B0604020202020204" pitchFamily="34" charset="0"/>
+                <a:cs typeface="Arial" panose="020B0604020202020204" pitchFamily="34" charset="0"/>
+              </a:rPr>
+              <a:t> = 0.05</a:t>
+            </a:r>
+          </a:p>
+        </p:txBody>
+      </p:sp>
+      <p:sp>
+        <p:nvSpPr>
+          <p:cNvPr id="13" name="TextBox 12">
+            <a:extLst>
+              <a:ext uri="{FF2B5EF4-FFF2-40B4-BE49-F238E27FC236}">
+                <a16:creationId xmlns:a16="http://schemas.microsoft.com/office/drawing/2014/main" id="{1ABC6687-76B3-B042-A4FC-8BFFF12A1B71}"/>
+              </a:ext>
+            </a:extLst>
+          </p:cNvPr>
+          <p:cNvSpPr txBox="1"/>
+          <p:nvPr/>
+        </p:nvSpPr>
+        <p:spPr>
+          <a:xfrm>
+            <a:off x="6847107" y="5227058"/>
+            <a:ext cx="1698668" cy="369332"/>
+          </a:xfrm>
+          <a:prstGeom prst="rect">
+            <a:avLst/>
+          </a:prstGeom>
+          <a:noFill/>
+        </p:spPr>
+        <p:txBody>
+          <a:bodyPr wrap="square" rtlCol="0">
+            <a:spAutoFit/>
+          </a:bodyPr>
+          <a:lstStyle/>
+          <a:p>
+            <a:r>
+              <a:rPr lang="en-US" dirty="0">
+                <a:latin typeface="Arial" panose="020B0604020202020204" pitchFamily="34" charset="0"/>
+                <a:cs typeface="Arial" panose="020B0604020202020204" pitchFamily="34" charset="0"/>
+              </a:rPr>
+              <a:t>Total R</a:t>
+            </a:r>
+            <a:r>
+              <a:rPr lang="en-US" baseline="30000" dirty="0">
+                <a:latin typeface="Arial" panose="020B0604020202020204" pitchFamily="34" charset="0"/>
+                <a:cs typeface="Arial" panose="020B0604020202020204" pitchFamily="34" charset="0"/>
+              </a:rPr>
+              <a:t>2</a:t>
+            </a:r>
+            <a:r>
+              <a:rPr lang="en-US" dirty="0">
+                <a:latin typeface="Arial" panose="020B0604020202020204" pitchFamily="34" charset="0"/>
+                <a:cs typeface="Arial" panose="020B0604020202020204" pitchFamily="34" charset="0"/>
+              </a:rPr>
+              <a:t> = 0.13</a:t>
+            </a:r>
+          </a:p>
+        </p:txBody>
+      </p:sp>
+      <p:sp>
+        <p:nvSpPr>
+          <p:cNvPr id="14" name="TextBox 13">
+            <a:extLst>
+              <a:ext uri="{FF2B5EF4-FFF2-40B4-BE49-F238E27FC236}">
+                <a16:creationId xmlns:a16="http://schemas.microsoft.com/office/drawing/2014/main" id="{B2E904DA-61D3-5D47-AD47-932D13DDF817}"/>
+              </a:ext>
+            </a:extLst>
+          </p:cNvPr>
+          <p:cNvSpPr txBox="1"/>
+          <p:nvPr/>
+        </p:nvSpPr>
+        <p:spPr>
+          <a:xfrm>
+            <a:off x="3062569" y="853239"/>
+            <a:ext cx="2430234" cy="646331"/>
+          </a:xfrm>
+          <a:prstGeom prst="rect">
+            <a:avLst/>
+          </a:prstGeom>
+          <a:noFill/>
+        </p:spPr>
+        <p:txBody>
+          <a:bodyPr wrap="square" rtlCol="0">
+            <a:spAutoFit/>
+          </a:bodyPr>
+          <a:lstStyle/>
+          <a:p>
+            <a:r>
+              <a:rPr lang="en-US" dirty="0">
+                <a:latin typeface="Arial" panose="020B0604020202020204" pitchFamily="34" charset="0"/>
+                <a:cs typeface="Arial" panose="020B0604020202020204" pitchFamily="34" charset="0"/>
+              </a:rPr>
+              <a:t>Response: </a:t>
+            </a:r>
+          </a:p>
+          <a:p>
+            <a:r>
+              <a:rPr lang="en-US" dirty="0">
+                <a:latin typeface="Arial" panose="020B0604020202020204" pitchFamily="34" charset="0"/>
+                <a:cs typeface="Arial" panose="020B0604020202020204" pitchFamily="34" charset="0"/>
+              </a:rPr>
+              <a:t>Δ Range area</a:t>
+            </a:r>
+          </a:p>
+        </p:txBody>
+      </p:sp>
+    </p:spTree>
+    <p:extLst>
+      <p:ext uri="{BB962C8B-B14F-4D97-AF65-F5344CB8AC3E}">
+        <p14:creationId xmlns:p14="http://schemas.microsoft.com/office/powerpoint/2010/main" val="128356054"/>
+      </p:ext>
+    </p:extLst>
+  </p:cSld>
+  <p:clrMapOvr>
+    <a:masterClrMapping/>
+  </p:clrMapOvr>
+</p:sld>
+</file>
+
+<file path=ppt/slides/slide4.xml><?xml version="1.0" encoding="utf-8"?>
+<p:sld xmlns:a="http://schemas.openxmlformats.org/drawingml/2006/main" xmlns:r="http://schemas.openxmlformats.org/officeDocument/2006/relationships" xmlns:p="http://schemas.openxmlformats.org/presentationml/2006/main">
+  <p:cSld>
+    <p:spTree>
+      <p:nvGrpSpPr>
+        <p:cNvPr id="1" name=""/>
+        <p:cNvGrpSpPr/>
+        <p:nvPr/>
+      </p:nvGrpSpPr>
+      <p:grpSpPr>
+        <a:xfrm>
+          <a:off x="0" y="0"/>
+          <a:ext cx="0" cy="0"/>
+          <a:chOff x="0" y="0"/>
+          <a:chExt cx="0" cy="0"/>
+        </a:xfrm>
+      </p:grpSpPr>
+      <p:sp>
+        <p:nvSpPr>
+          <p:cNvPr id="2" name="Oval 1">
+            <a:extLst>
+              <a:ext uri="{FF2B5EF4-FFF2-40B4-BE49-F238E27FC236}">
+                <a16:creationId xmlns:a16="http://schemas.microsoft.com/office/drawing/2014/main" id="{ABDFBAC5-1D7C-4844-B9F9-941E6CABA206}"/>
+              </a:ext>
+            </a:extLst>
+          </p:cNvPr>
+          <p:cNvSpPr/>
+          <p:nvPr/>
+        </p:nvSpPr>
+        <p:spPr>
+          <a:xfrm>
+            <a:off x="3258293" y="1696686"/>
+            <a:ext cx="2604654" cy="2740232"/>
+          </a:xfrm>
+          <a:prstGeom prst="ellipse">
+            <a:avLst/>
+          </a:prstGeom>
+          <a:noFill/>
+          <a:ln>
+            <a:solidFill>
+              <a:schemeClr val="tx1"/>
+            </a:solidFill>
+          </a:ln>
+        </p:spPr>
+        <p:style>
+          <a:lnRef idx="2">
+            <a:schemeClr val="accent1">
+              <a:shade val="50000"/>
+            </a:schemeClr>
+          </a:lnRef>
+          <a:fillRef idx="1">
+            <a:schemeClr val="accent1"/>
+          </a:fillRef>
+          <a:effectRef idx="0">
+            <a:schemeClr val="accent1"/>
+          </a:effectRef>
+          <a:fontRef idx="minor">
+            <a:schemeClr val="lt1"/>
+          </a:fontRef>
+        </p:style>
+        <p:txBody>
+          <a:bodyPr rtlCol="0" anchor="ctr"/>
+          <a:lstStyle/>
+          <a:p>
+            <a:pPr algn="ctr"/>
+            <a:endParaRPr lang="en-US"/>
+          </a:p>
+        </p:txBody>
+      </p:sp>
+      <p:sp>
+        <p:nvSpPr>
+          <p:cNvPr id="3" name="Oval 2">
+            <a:extLst>
+              <a:ext uri="{FF2B5EF4-FFF2-40B4-BE49-F238E27FC236}">
+                <a16:creationId xmlns:a16="http://schemas.microsoft.com/office/drawing/2014/main" id="{50F6445B-A35C-1549-949B-2546B11108E8}"/>
+              </a:ext>
+            </a:extLst>
+          </p:cNvPr>
+          <p:cNvSpPr/>
+          <p:nvPr/>
+        </p:nvSpPr>
+        <p:spPr>
+          <a:xfrm>
+            <a:off x="4846120" y="945572"/>
+            <a:ext cx="4360225" cy="4099956"/>
+          </a:xfrm>
+          <a:prstGeom prst="ellipse">
+            <a:avLst/>
+          </a:prstGeom>
+          <a:noFill/>
+          <a:ln>
+            <a:solidFill>
+              <a:schemeClr val="tx1"/>
+            </a:solidFill>
+          </a:ln>
+        </p:spPr>
+        <p:style>
+          <a:lnRef idx="2">
+            <a:schemeClr val="accent1">
+              <a:shade val="50000"/>
+            </a:schemeClr>
+          </a:lnRef>
+          <a:fillRef idx="1">
+            <a:schemeClr val="accent1"/>
+          </a:fillRef>
+          <a:effectRef idx="0">
+            <a:schemeClr val="accent1"/>
+          </a:effectRef>
+          <a:fontRef idx="minor">
+            <a:schemeClr val="lt1"/>
+          </a:fontRef>
+        </p:style>
+        <p:txBody>
+          <a:bodyPr rtlCol="0" anchor="ctr"/>
+          <a:lstStyle/>
+          <a:p>
+            <a:pPr algn="ctr"/>
+            <a:endParaRPr lang="en-US"/>
+          </a:p>
+        </p:txBody>
+      </p:sp>
+      <p:sp>
+        <p:nvSpPr>
+          <p:cNvPr id="4" name="Oval 3">
+            <a:extLst>
+              <a:ext uri="{FF2B5EF4-FFF2-40B4-BE49-F238E27FC236}">
+                <a16:creationId xmlns:a16="http://schemas.microsoft.com/office/drawing/2014/main" id="{C8F89E68-3A52-8247-A1FE-A8CF47352C31}"/>
+              </a:ext>
+            </a:extLst>
+          </p:cNvPr>
+          <p:cNvSpPr/>
+          <p:nvPr/>
+        </p:nvSpPr>
+        <p:spPr>
+          <a:xfrm>
+            <a:off x="3906982" y="2995550"/>
+            <a:ext cx="2854035" cy="2882736"/>
+          </a:xfrm>
+          <a:prstGeom prst="ellipse">
+            <a:avLst/>
+          </a:prstGeom>
+          <a:noFill/>
+          <a:ln>
+            <a:solidFill>
+              <a:schemeClr val="tx1"/>
+            </a:solidFill>
+          </a:ln>
+        </p:spPr>
+        <p:style>
+          <a:lnRef idx="2">
+            <a:schemeClr val="accent1">
+              <a:shade val="50000"/>
+            </a:schemeClr>
+          </a:lnRef>
+          <a:fillRef idx="1">
+            <a:schemeClr val="accent1"/>
+          </a:fillRef>
+          <a:effectRef idx="0">
+            <a:schemeClr val="accent1"/>
+          </a:effectRef>
+          <a:fontRef idx="minor">
+            <a:schemeClr val="lt1"/>
+          </a:fontRef>
+        </p:style>
+        <p:txBody>
+          <a:bodyPr rtlCol="0" anchor="ctr"/>
+          <a:lstStyle/>
+          <a:p>
+            <a:pPr algn="ctr"/>
+            <a:endParaRPr lang="en-US"/>
+          </a:p>
+        </p:txBody>
+      </p:sp>
+      <p:sp>
+        <p:nvSpPr>
+          <p:cNvPr id="5" name="TextBox 4">
+            <a:extLst>
+              <a:ext uri="{FF2B5EF4-FFF2-40B4-BE49-F238E27FC236}">
+                <a16:creationId xmlns:a16="http://schemas.microsoft.com/office/drawing/2014/main" id="{468C6069-BA96-9E40-8437-18F5A8D5A767}"/>
+              </a:ext>
+            </a:extLst>
+          </p:cNvPr>
+          <p:cNvSpPr txBox="1"/>
+          <p:nvPr/>
+        </p:nvSpPr>
+        <p:spPr>
+          <a:xfrm>
+            <a:off x="6923314" y="2527958"/>
+            <a:ext cx="1840675" cy="369332"/>
+          </a:xfrm>
+          <a:prstGeom prst="rect">
+            <a:avLst/>
+          </a:prstGeom>
+          <a:noFill/>
+        </p:spPr>
+        <p:txBody>
+          <a:bodyPr wrap="square" rtlCol="0">
+            <a:spAutoFit/>
+          </a:bodyPr>
+          <a:lstStyle/>
+          <a:p>
+            <a:r>
+              <a:rPr lang="en-US" dirty="0">
+                <a:latin typeface="Arial" panose="020B0604020202020204" pitchFamily="34" charset="0"/>
+                <a:cs typeface="Arial" panose="020B0604020202020204" pitchFamily="34" charset="0"/>
+              </a:rPr>
+              <a:t>Niche breadth</a:t>
+            </a:r>
+          </a:p>
+        </p:txBody>
+      </p:sp>
+      <p:sp>
+        <p:nvSpPr>
+          <p:cNvPr id="6" name="TextBox 5">
+            <a:extLst>
+              <a:ext uri="{FF2B5EF4-FFF2-40B4-BE49-F238E27FC236}">
+                <a16:creationId xmlns:a16="http://schemas.microsoft.com/office/drawing/2014/main" id="{AA65B116-EA42-DE4A-AFA1-1F5F883DF204}"/>
+              </a:ext>
+            </a:extLst>
+          </p:cNvPr>
+          <p:cNvSpPr txBox="1"/>
+          <p:nvPr/>
+        </p:nvSpPr>
+        <p:spPr>
+          <a:xfrm>
+            <a:off x="4413661" y="4907909"/>
+            <a:ext cx="1840675" cy="369332"/>
+          </a:xfrm>
+          <a:prstGeom prst="rect">
+            <a:avLst/>
+          </a:prstGeom>
+          <a:noFill/>
+        </p:spPr>
+        <p:txBody>
+          <a:bodyPr wrap="square" rtlCol="0">
+            <a:spAutoFit/>
+          </a:bodyPr>
+          <a:lstStyle/>
+          <a:p>
+            <a:r>
+              <a:rPr lang="en-US" dirty="0">
+                <a:latin typeface="Arial" panose="020B0604020202020204" pitchFamily="34" charset="0"/>
+                <a:cs typeface="Arial" panose="020B0604020202020204" pitchFamily="34" charset="0"/>
+              </a:rPr>
+              <a:t>Body size</a:t>
+            </a:r>
+          </a:p>
+        </p:txBody>
+      </p:sp>
+      <p:sp>
+        <p:nvSpPr>
+          <p:cNvPr id="7" name="TextBox 6">
+            <a:extLst>
+              <a:ext uri="{FF2B5EF4-FFF2-40B4-BE49-F238E27FC236}">
+                <a16:creationId xmlns:a16="http://schemas.microsoft.com/office/drawing/2014/main" id="{A72E2609-B025-0840-BB63-D989569E86F1}"/>
+              </a:ext>
+            </a:extLst>
+          </p:cNvPr>
+          <p:cNvSpPr txBox="1"/>
+          <p:nvPr/>
+        </p:nvSpPr>
+        <p:spPr>
+          <a:xfrm>
+            <a:off x="3564576" y="2201393"/>
+            <a:ext cx="1173680" cy="646331"/>
+          </a:xfrm>
+          <a:prstGeom prst="rect">
+            <a:avLst/>
+          </a:prstGeom>
+          <a:noFill/>
+        </p:spPr>
+        <p:txBody>
+          <a:bodyPr wrap="square" rtlCol="0">
+            <a:spAutoFit/>
+          </a:bodyPr>
+          <a:lstStyle/>
+          <a:p>
+            <a:pPr algn="ctr"/>
+            <a:r>
+              <a:rPr lang="en-US" dirty="0">
+                <a:latin typeface="Arial" panose="020B0604020202020204" pitchFamily="34" charset="0"/>
+                <a:cs typeface="Arial" panose="020B0604020202020204" pitchFamily="34" charset="0"/>
+              </a:rPr>
+              <a:t>Migratory distance</a:t>
+            </a:r>
+          </a:p>
+        </p:txBody>
+      </p:sp>
+      <p:sp>
+        <p:nvSpPr>
+          <p:cNvPr id="9" name="TextBox 8">
+            <a:extLst>
+              <a:ext uri="{FF2B5EF4-FFF2-40B4-BE49-F238E27FC236}">
+                <a16:creationId xmlns:a16="http://schemas.microsoft.com/office/drawing/2014/main" id="{1E601120-75B5-5749-850E-37BB69F4F026}"/>
+              </a:ext>
+            </a:extLst>
+          </p:cNvPr>
+          <p:cNvSpPr txBox="1"/>
+          <p:nvPr/>
+        </p:nvSpPr>
+        <p:spPr>
+          <a:xfrm>
+            <a:off x="7197632" y="2894154"/>
+            <a:ext cx="1191690" cy="369332"/>
+          </a:xfrm>
+          <a:prstGeom prst="rect">
+            <a:avLst/>
+          </a:prstGeom>
+          <a:noFill/>
+        </p:spPr>
+        <p:txBody>
+          <a:bodyPr wrap="square" rtlCol="0">
+            <a:spAutoFit/>
+          </a:bodyPr>
+          <a:lstStyle/>
+          <a:p>
+            <a:r>
+              <a:rPr lang="en-US" dirty="0">
+                <a:latin typeface="Arial" panose="020B0604020202020204" pitchFamily="34" charset="0"/>
+                <a:cs typeface="Arial" panose="020B0604020202020204" pitchFamily="34" charset="0"/>
+              </a:rPr>
+              <a:t>R</a:t>
+            </a:r>
+            <a:r>
+              <a:rPr lang="en-US" baseline="30000" dirty="0">
+                <a:latin typeface="Arial" panose="020B0604020202020204" pitchFamily="34" charset="0"/>
+                <a:cs typeface="Arial" panose="020B0604020202020204" pitchFamily="34" charset="0"/>
+              </a:rPr>
+              <a:t>2</a:t>
+            </a:r>
+            <a:r>
+              <a:rPr lang="en-US" dirty="0">
+                <a:latin typeface="Arial" panose="020B0604020202020204" pitchFamily="34" charset="0"/>
+                <a:cs typeface="Arial" panose="020B0604020202020204" pitchFamily="34" charset="0"/>
+              </a:rPr>
+              <a:t> = 0.05</a:t>
+            </a:r>
+          </a:p>
+        </p:txBody>
+      </p:sp>
+      <p:sp>
+        <p:nvSpPr>
+          <p:cNvPr id="10" name="TextBox 9">
+            <a:extLst>
+              <a:ext uri="{FF2B5EF4-FFF2-40B4-BE49-F238E27FC236}">
+                <a16:creationId xmlns:a16="http://schemas.microsoft.com/office/drawing/2014/main" id="{0D888F98-CF7C-0346-818A-B2A92BCEBF31}"/>
+              </a:ext>
+            </a:extLst>
+          </p:cNvPr>
+          <p:cNvSpPr txBox="1"/>
+          <p:nvPr/>
+        </p:nvSpPr>
+        <p:spPr>
+          <a:xfrm>
+            <a:off x="3681841" y="2847724"/>
+            <a:ext cx="1191690" cy="369332"/>
+          </a:xfrm>
+          <a:prstGeom prst="rect">
+            <a:avLst/>
+          </a:prstGeom>
+          <a:noFill/>
+        </p:spPr>
+        <p:txBody>
+          <a:bodyPr wrap="square" rtlCol="0">
+            <a:spAutoFit/>
+          </a:bodyPr>
+          <a:lstStyle/>
+          <a:p>
+            <a:r>
+              <a:rPr lang="en-US" dirty="0">
+                <a:latin typeface="Arial" panose="020B0604020202020204" pitchFamily="34" charset="0"/>
+                <a:cs typeface="Arial" panose="020B0604020202020204" pitchFamily="34" charset="0"/>
+              </a:rPr>
+              <a:t>R</a:t>
+            </a:r>
+            <a:r>
+              <a:rPr lang="en-US" baseline="30000" dirty="0">
+                <a:latin typeface="Arial" panose="020B0604020202020204" pitchFamily="34" charset="0"/>
+                <a:cs typeface="Arial" panose="020B0604020202020204" pitchFamily="34" charset="0"/>
+              </a:rPr>
+              <a:t>2</a:t>
+            </a:r>
+            <a:r>
+              <a:rPr lang="en-US" dirty="0">
+                <a:latin typeface="Arial" panose="020B0604020202020204" pitchFamily="34" charset="0"/>
+                <a:cs typeface="Arial" panose="020B0604020202020204" pitchFamily="34" charset="0"/>
+              </a:rPr>
+              <a:t> = 0.03</a:t>
+            </a:r>
+          </a:p>
+        </p:txBody>
+      </p:sp>
+      <p:sp>
+        <p:nvSpPr>
+          <p:cNvPr id="12" name="TextBox 11">
+            <a:extLst>
+              <a:ext uri="{FF2B5EF4-FFF2-40B4-BE49-F238E27FC236}">
+                <a16:creationId xmlns:a16="http://schemas.microsoft.com/office/drawing/2014/main" id="{635EA56D-DF4F-6F4A-A26E-A3B901D534A4}"/>
+              </a:ext>
+            </a:extLst>
+          </p:cNvPr>
+          <p:cNvSpPr txBox="1"/>
+          <p:nvPr/>
+        </p:nvSpPr>
+        <p:spPr>
+          <a:xfrm>
+            <a:off x="4685109" y="5227058"/>
+            <a:ext cx="1191690" cy="369332"/>
+          </a:xfrm>
+          <a:prstGeom prst="rect">
+            <a:avLst/>
+          </a:prstGeom>
+          <a:noFill/>
+        </p:spPr>
+        <p:txBody>
+          <a:bodyPr wrap="square" rtlCol="0">
+            <a:spAutoFit/>
+          </a:bodyPr>
+          <a:lstStyle/>
+          <a:p>
+            <a:r>
+              <a:rPr lang="en-US" dirty="0">
+                <a:latin typeface="Arial" panose="020B0604020202020204" pitchFamily="34" charset="0"/>
+                <a:cs typeface="Arial" panose="020B0604020202020204" pitchFamily="34" charset="0"/>
+              </a:rPr>
+              <a:t>R</a:t>
+            </a:r>
+            <a:r>
+              <a:rPr lang="en-US" baseline="30000" dirty="0">
+                <a:latin typeface="Arial" panose="020B0604020202020204" pitchFamily="34" charset="0"/>
+                <a:cs typeface="Arial" panose="020B0604020202020204" pitchFamily="34" charset="0"/>
+              </a:rPr>
+              <a:t>2</a:t>
+            </a:r>
+            <a:r>
+              <a:rPr lang="en-US" dirty="0">
+                <a:latin typeface="Arial" panose="020B0604020202020204" pitchFamily="34" charset="0"/>
+                <a:cs typeface="Arial" panose="020B0604020202020204" pitchFamily="34" charset="0"/>
+              </a:rPr>
+              <a:t> = 0.01</a:t>
+            </a:r>
+          </a:p>
+        </p:txBody>
+      </p:sp>
+      <p:sp>
+        <p:nvSpPr>
+          <p:cNvPr id="13" name="TextBox 12">
+            <a:extLst>
+              <a:ext uri="{FF2B5EF4-FFF2-40B4-BE49-F238E27FC236}">
+                <a16:creationId xmlns:a16="http://schemas.microsoft.com/office/drawing/2014/main" id="{1ABC6687-76B3-B042-A4FC-8BFFF12A1B71}"/>
+              </a:ext>
+            </a:extLst>
+          </p:cNvPr>
+          <p:cNvSpPr txBox="1"/>
+          <p:nvPr/>
+        </p:nvSpPr>
+        <p:spPr>
+          <a:xfrm>
+            <a:off x="6847107" y="5227058"/>
+            <a:ext cx="1698668" cy="369332"/>
+          </a:xfrm>
+          <a:prstGeom prst="rect">
+            <a:avLst/>
+          </a:prstGeom>
+          <a:noFill/>
+        </p:spPr>
+        <p:txBody>
+          <a:bodyPr wrap="square" rtlCol="0">
+            <a:spAutoFit/>
+          </a:bodyPr>
+          <a:lstStyle/>
+          <a:p>
+            <a:r>
+              <a:rPr lang="en-US" dirty="0">
+                <a:latin typeface="Arial" panose="020B0604020202020204" pitchFamily="34" charset="0"/>
+                <a:cs typeface="Arial" panose="020B0604020202020204" pitchFamily="34" charset="0"/>
+              </a:rPr>
+              <a:t>Total R</a:t>
+            </a:r>
+            <a:r>
+              <a:rPr lang="en-US" baseline="30000" dirty="0">
+                <a:latin typeface="Arial" panose="020B0604020202020204" pitchFamily="34" charset="0"/>
+                <a:cs typeface="Arial" panose="020B0604020202020204" pitchFamily="34" charset="0"/>
+              </a:rPr>
+              <a:t>2</a:t>
+            </a:r>
+            <a:r>
+              <a:rPr lang="en-US" dirty="0">
+                <a:latin typeface="Arial" panose="020B0604020202020204" pitchFamily="34" charset="0"/>
+                <a:cs typeface="Arial" panose="020B0604020202020204" pitchFamily="34" charset="0"/>
+              </a:rPr>
+              <a:t> = 0.06</a:t>
+            </a:r>
+          </a:p>
+        </p:txBody>
+      </p:sp>
+      <p:sp>
+        <p:nvSpPr>
+          <p:cNvPr id="14" name="TextBox 13">
+            <a:extLst>
+              <a:ext uri="{FF2B5EF4-FFF2-40B4-BE49-F238E27FC236}">
+                <a16:creationId xmlns:a16="http://schemas.microsoft.com/office/drawing/2014/main" id="{B2E904DA-61D3-5D47-AD47-932D13DDF817}"/>
+              </a:ext>
+            </a:extLst>
+          </p:cNvPr>
+          <p:cNvSpPr txBox="1"/>
+          <p:nvPr/>
+        </p:nvSpPr>
+        <p:spPr>
+          <a:xfrm>
+            <a:off x="3062569" y="853239"/>
+            <a:ext cx="2430234" cy="646331"/>
+          </a:xfrm>
+          <a:prstGeom prst="rect">
+            <a:avLst/>
+          </a:prstGeom>
+          <a:noFill/>
+        </p:spPr>
+        <p:txBody>
+          <a:bodyPr wrap="square" rtlCol="0">
+            <a:spAutoFit/>
+          </a:bodyPr>
+          <a:lstStyle/>
+          <a:p>
+            <a:r>
+              <a:rPr lang="en-US" dirty="0">
+                <a:latin typeface="Arial" panose="020B0604020202020204" pitchFamily="34" charset="0"/>
+                <a:cs typeface="Arial" panose="020B0604020202020204" pitchFamily="34" charset="0"/>
+              </a:rPr>
+              <a:t>Response: </a:t>
+            </a:r>
+          </a:p>
+          <a:p>
+            <a:r>
+              <a:rPr lang="en-US" dirty="0">
+                <a:latin typeface="Arial" panose="020B0604020202020204" pitchFamily="34" charset="0"/>
+                <a:cs typeface="Arial" panose="020B0604020202020204" pitchFamily="34" charset="0"/>
+              </a:rPr>
+              <a:t>Δ Range occupancy</a:t>
+            </a:r>
+          </a:p>
+        </p:txBody>
+      </p:sp>
+      <p:sp>
+        <p:nvSpPr>
+          <p:cNvPr id="15" name="TextBox 14">
+            <a:extLst>
+              <a:ext uri="{FF2B5EF4-FFF2-40B4-BE49-F238E27FC236}">
+                <a16:creationId xmlns:a16="http://schemas.microsoft.com/office/drawing/2014/main" id="{1BE283E6-FA2F-2649-9C5C-01F6B90E748E}"/>
+              </a:ext>
+            </a:extLst>
+          </p:cNvPr>
+          <p:cNvSpPr txBox="1"/>
+          <p:nvPr/>
+        </p:nvSpPr>
+        <p:spPr>
+          <a:xfrm>
+            <a:off x="4926375" y="3237678"/>
+            <a:ext cx="1191690" cy="369332"/>
+          </a:xfrm>
+          <a:prstGeom prst="rect">
+            <a:avLst/>
+          </a:prstGeom>
+          <a:noFill/>
+        </p:spPr>
+        <p:txBody>
+          <a:bodyPr wrap="square" rtlCol="0">
+            <a:spAutoFit/>
+          </a:bodyPr>
+          <a:lstStyle/>
+          <a:p>
+            <a:r>
+              <a:rPr lang="en-US" dirty="0">
+                <a:latin typeface="Arial" panose="020B0604020202020204" pitchFamily="34" charset="0"/>
+                <a:cs typeface="Arial" panose="020B0604020202020204" pitchFamily="34" charset="0"/>
+              </a:rPr>
+              <a:t>R</a:t>
+            </a:r>
+            <a:r>
+              <a:rPr lang="en-US" baseline="30000" dirty="0">
+                <a:latin typeface="Arial" panose="020B0604020202020204" pitchFamily="34" charset="0"/>
+                <a:cs typeface="Arial" panose="020B0604020202020204" pitchFamily="34" charset="0"/>
+              </a:rPr>
+              <a:t>2</a:t>
+            </a:r>
+            <a:r>
+              <a:rPr lang="en-US" dirty="0">
+                <a:latin typeface="Arial" panose="020B0604020202020204" pitchFamily="34" charset="0"/>
+                <a:cs typeface="Arial" panose="020B0604020202020204" pitchFamily="34" charset="0"/>
+              </a:rPr>
+              <a:t> = 0</a:t>
+            </a:r>
+          </a:p>
+        </p:txBody>
+      </p:sp>
+    </p:spTree>
+    <p:extLst>
+      <p:ext uri="{BB962C8B-B14F-4D97-AF65-F5344CB8AC3E}">
+        <p14:creationId xmlns:p14="http://schemas.microsoft.com/office/powerpoint/2010/main" val="1063157910"/>
+      </p:ext>
+    </p:extLst>
+  </p:cSld>
+  <p:clrMapOvr>
+    <a:masterClrMapping/>
+  </p:clrMapOvr>
+</p:sld>
+</file>
+
+<file path=ppt/slides/slide5.xml><?xml version="1.0" encoding="utf-8"?>
+<p:sld xmlns:a="http://schemas.openxmlformats.org/drawingml/2006/main" xmlns:r="http://schemas.openxmlformats.org/officeDocument/2006/relationships" xmlns:p="http://schemas.openxmlformats.org/presentationml/2006/main">
+  <p:cSld>
+    <p:spTree>
+      <p:nvGrpSpPr>
+        <p:cNvPr id="1" name=""/>
+        <p:cNvGrpSpPr/>
+        <p:nvPr/>
+      </p:nvGrpSpPr>
+      <p:grpSpPr>
+        <a:xfrm>
+          <a:off x="0" y="0"/>
+          <a:ext cx="0" cy="0"/>
+          <a:chOff x="0" y="0"/>
+          <a:chExt cx="0" cy="0"/>
+        </a:xfrm>
+      </p:grpSpPr>
+      <p:pic>
+        <p:nvPicPr>
+          <p:cNvPr id="3" name="Picture 2" descr="Diagram, venn diagram&#10;&#10;Description automatically generated">
+            <a:extLst>
+              <a:ext uri="{FF2B5EF4-FFF2-40B4-BE49-F238E27FC236}">
+                <a16:creationId xmlns:a16="http://schemas.microsoft.com/office/drawing/2014/main" id="{B479E6AD-1E57-FA47-A49F-C42A1B72B626}"/>
+              </a:ext>
+            </a:extLst>
+          </p:cNvPr>
+          <p:cNvPicPr>
+            <a:picLocks noChangeAspect="1"/>
+          </p:cNvPicPr>
+          <p:nvPr/>
+        </p:nvPicPr>
+        <p:blipFill>
+          <a:blip r:embed="rId2"/>
+          <a:stretch>
+            <a:fillRect/>
+          </a:stretch>
+        </p:blipFill>
+        <p:spPr>
+          <a:xfrm>
+            <a:off x="1113889" y="415141"/>
+            <a:ext cx="3986153" cy="3183082"/>
+          </a:xfrm>
+          <a:prstGeom prst="rect">
+            <a:avLst/>
+          </a:prstGeom>
+        </p:spPr>
+      </p:pic>
+      <p:pic>
+        <p:nvPicPr>
+          <p:cNvPr id="5" name="Picture 4" descr="Diagram, venn diagram&#10;&#10;Description automatically generated">
+            <a:extLst>
+              <a:ext uri="{FF2B5EF4-FFF2-40B4-BE49-F238E27FC236}">
+                <a16:creationId xmlns:a16="http://schemas.microsoft.com/office/drawing/2014/main" id="{6DAC579D-6F8C-2247-9E48-85F1CFA84375}"/>
+              </a:ext>
+            </a:extLst>
+          </p:cNvPr>
+          <p:cNvPicPr>
+            <a:picLocks noChangeAspect="1"/>
+          </p:cNvPicPr>
+          <p:nvPr/>
+        </p:nvPicPr>
+        <p:blipFill>
+          <a:blip r:embed="rId3"/>
+          <a:stretch>
+            <a:fillRect/>
+          </a:stretch>
+        </p:blipFill>
+        <p:spPr>
+          <a:xfrm>
+            <a:off x="5358410" y="415140"/>
+            <a:ext cx="3986152" cy="3183081"/>
+          </a:xfrm>
+          <a:prstGeom prst="rect">
+            <a:avLst/>
+          </a:prstGeom>
+        </p:spPr>
+      </p:pic>
+      <p:pic>
+        <p:nvPicPr>
+          <p:cNvPr id="7" name="Picture 6" descr="Diagram, venn diagram&#10;&#10;Description automatically generated">
+            <a:extLst>
+              <a:ext uri="{FF2B5EF4-FFF2-40B4-BE49-F238E27FC236}">
+                <a16:creationId xmlns:a16="http://schemas.microsoft.com/office/drawing/2014/main" id="{F15C712D-308D-424D-AE45-B7BA7A854A22}"/>
+              </a:ext>
+            </a:extLst>
+          </p:cNvPr>
+          <p:cNvPicPr>
+            <a:picLocks noChangeAspect="1"/>
+          </p:cNvPicPr>
+          <p:nvPr/>
+        </p:nvPicPr>
+        <p:blipFill>
+          <a:blip r:embed="rId4"/>
+          <a:stretch>
+            <a:fillRect/>
+          </a:stretch>
+        </p:blipFill>
+        <p:spPr>
+          <a:xfrm>
+            <a:off x="3365334" y="3598221"/>
+            <a:ext cx="3986152" cy="3183081"/>
+          </a:xfrm>
+          <a:prstGeom prst="rect">
+            <a:avLst/>
+          </a:prstGeom>
+        </p:spPr>
+      </p:pic>
+      <p:cxnSp>
+        <p:nvCxnSpPr>
+          <p:cNvPr id="9" name="Straight Connector 8">
+            <a:extLst>
+              <a:ext uri="{FF2B5EF4-FFF2-40B4-BE49-F238E27FC236}">
+                <a16:creationId xmlns:a16="http://schemas.microsoft.com/office/drawing/2014/main" id="{1844228F-E7D7-EE43-B023-758DCF8E935C}"/>
+              </a:ext>
+            </a:extLst>
+          </p:cNvPr>
+          <p:cNvCxnSpPr>
+            <a:cxnSpLocks/>
+          </p:cNvCxnSpPr>
+          <p:nvPr/>
+        </p:nvCxnSpPr>
+        <p:spPr>
+          <a:xfrm>
+            <a:off x="712520" y="3598221"/>
+            <a:ext cx="9547761" cy="0"/>
+          </a:xfrm>
+          <a:prstGeom prst="line">
+            <a:avLst/>
+          </a:prstGeom>
+          <a:ln>
+            <a:solidFill>
+              <a:schemeClr val="tx1"/>
+            </a:solidFill>
+          </a:ln>
+        </p:spPr>
+        <p:style>
+          <a:lnRef idx="1">
+            <a:schemeClr val="accent1"/>
+          </a:lnRef>
+          <a:fillRef idx="0">
+            <a:schemeClr val="accent1"/>
+          </a:fillRef>
+          <a:effectRef idx="0">
+            <a:schemeClr val="accent1"/>
+          </a:effectRef>
+          <a:fontRef idx="minor">
+            <a:schemeClr val="tx1"/>
+          </a:fontRef>
+        </p:style>
+      </p:cxnSp>
+      <p:cxnSp>
+        <p:nvCxnSpPr>
+          <p:cNvPr id="12" name="Straight Connector 11">
+            <a:extLst>
+              <a:ext uri="{FF2B5EF4-FFF2-40B4-BE49-F238E27FC236}">
+                <a16:creationId xmlns:a16="http://schemas.microsoft.com/office/drawing/2014/main" id="{2FA85D60-BCA4-B949-9830-F93A1CEB99C1}"/>
+              </a:ext>
+            </a:extLst>
+          </p:cNvPr>
+          <p:cNvCxnSpPr>
+            <a:cxnSpLocks/>
+            <a:endCxn id="7" idx="0"/>
+          </p:cNvCxnSpPr>
+          <p:nvPr/>
+        </p:nvCxnSpPr>
+        <p:spPr>
+          <a:xfrm>
+            <a:off x="5358410" y="213756"/>
+            <a:ext cx="0" cy="3384465"/>
+          </a:xfrm>
+          <a:prstGeom prst="line">
+            <a:avLst/>
+          </a:prstGeom>
+          <a:ln>
+            <a:solidFill>
+              <a:schemeClr val="tx1"/>
+            </a:solidFill>
+          </a:ln>
+        </p:spPr>
+        <p:style>
+          <a:lnRef idx="1">
+            <a:schemeClr val="accent1"/>
+          </a:lnRef>
+          <a:fillRef idx="0">
+            <a:schemeClr val="accent1"/>
+          </a:fillRef>
+          <a:effectRef idx="0">
+            <a:schemeClr val="accent1"/>
+          </a:effectRef>
+          <a:fontRef idx="minor">
+            <a:schemeClr val="tx1"/>
+          </a:fontRef>
+        </p:style>
+      </p:cxnSp>
+    </p:spTree>
+    <p:extLst>
+      <p:ext uri="{BB962C8B-B14F-4D97-AF65-F5344CB8AC3E}">
+        <p14:creationId xmlns:p14="http://schemas.microsoft.com/office/powerpoint/2010/main" val="1749384182"/>
       </p:ext>
     </p:extLst>
   </p:cSld>

--- a/figures/sem_venn_figures.pptx
+++ b/figures/sem_venn_figures.pptx
@@ -201,7 +201,7 @@
           <a:p>
             <a:fld id="{3361DBBF-9048-E34E-A120-F3301ADA26C3}" type="datetimeFigureOut">
               <a:rPr lang="en-US" smtClean="0"/>
-              <a:t>11/17/21</a:t>
+              <a:t>11/24/21</a:t>
             </a:fld>
             <a:endParaRPr lang="en-US"/>
           </a:p>
@@ -876,7 +876,7 @@
           <a:p>
             <a:fld id="{CD91ABF4-99EA-9A4C-8826-87C21CFC9DF7}" type="datetimeFigureOut">
               <a:rPr lang="en-US" smtClean="0"/>
-              <a:t>11/17/21</a:t>
+              <a:t>11/24/21</a:t>
             </a:fld>
             <a:endParaRPr lang="en-US" dirty="0"/>
           </a:p>
@@ -1074,7 +1074,7 @@
           <a:p>
             <a:fld id="{CD91ABF4-99EA-9A4C-8826-87C21CFC9DF7}" type="datetimeFigureOut">
               <a:rPr lang="en-US" smtClean="0"/>
-              <a:t>11/17/21</a:t>
+              <a:t>11/24/21</a:t>
             </a:fld>
             <a:endParaRPr lang="en-US" dirty="0"/>
           </a:p>
@@ -1282,7 +1282,7 @@
           <a:p>
             <a:fld id="{CD91ABF4-99EA-9A4C-8826-87C21CFC9DF7}" type="datetimeFigureOut">
               <a:rPr lang="en-US" smtClean="0"/>
-              <a:t>11/17/21</a:t>
+              <a:t>11/24/21</a:t>
             </a:fld>
             <a:endParaRPr lang="en-US" dirty="0"/>
           </a:p>
@@ -1480,7 +1480,7 @@
           <a:p>
             <a:fld id="{CD91ABF4-99EA-9A4C-8826-87C21CFC9DF7}" type="datetimeFigureOut">
               <a:rPr lang="en-US" smtClean="0"/>
-              <a:t>11/17/21</a:t>
+              <a:t>11/24/21</a:t>
             </a:fld>
             <a:endParaRPr lang="en-US" dirty="0"/>
           </a:p>
@@ -1755,7 +1755,7 @@
           <a:p>
             <a:fld id="{CD91ABF4-99EA-9A4C-8826-87C21CFC9DF7}" type="datetimeFigureOut">
               <a:rPr lang="en-US" smtClean="0"/>
-              <a:t>11/17/21</a:t>
+              <a:t>11/24/21</a:t>
             </a:fld>
             <a:endParaRPr lang="en-US" dirty="0"/>
           </a:p>
@@ -2020,7 +2020,7 @@
           <a:p>
             <a:fld id="{CD91ABF4-99EA-9A4C-8826-87C21CFC9DF7}" type="datetimeFigureOut">
               <a:rPr lang="en-US" smtClean="0"/>
-              <a:t>11/17/21</a:t>
+              <a:t>11/24/21</a:t>
             </a:fld>
             <a:endParaRPr lang="en-US" dirty="0"/>
           </a:p>
@@ -2432,7 +2432,7 @@
           <a:p>
             <a:fld id="{CD91ABF4-99EA-9A4C-8826-87C21CFC9DF7}" type="datetimeFigureOut">
               <a:rPr lang="en-US" smtClean="0"/>
-              <a:t>11/17/21</a:t>
+              <a:t>11/24/21</a:t>
             </a:fld>
             <a:endParaRPr lang="en-US" dirty="0"/>
           </a:p>
@@ -2573,7 +2573,7 @@
           <a:p>
             <a:fld id="{CD91ABF4-99EA-9A4C-8826-87C21CFC9DF7}" type="datetimeFigureOut">
               <a:rPr lang="en-US" smtClean="0"/>
-              <a:t>11/17/21</a:t>
+              <a:t>11/24/21</a:t>
             </a:fld>
             <a:endParaRPr lang="en-US" dirty="0"/>
           </a:p>
@@ -2686,7 +2686,7 @@
           <a:p>
             <a:fld id="{CD91ABF4-99EA-9A4C-8826-87C21CFC9DF7}" type="datetimeFigureOut">
               <a:rPr lang="en-US" smtClean="0"/>
-              <a:t>11/17/21</a:t>
+              <a:t>11/24/21</a:t>
             </a:fld>
             <a:endParaRPr lang="en-US" dirty="0"/>
           </a:p>
@@ -2997,7 +2997,7 @@
           <a:p>
             <a:fld id="{CD91ABF4-99EA-9A4C-8826-87C21CFC9DF7}" type="datetimeFigureOut">
               <a:rPr lang="en-US" smtClean="0"/>
-              <a:t>11/17/21</a:t>
+              <a:t>11/24/21</a:t>
             </a:fld>
             <a:endParaRPr lang="en-US" dirty="0"/>
           </a:p>
@@ -3285,7 +3285,7 @@
           <a:p>
             <a:fld id="{CD91ABF4-99EA-9A4C-8826-87C21CFC9DF7}" type="datetimeFigureOut">
               <a:rPr lang="en-US" smtClean="0"/>
-              <a:t>11/17/21</a:t>
+              <a:t>11/24/21</a:t>
             </a:fld>
             <a:endParaRPr lang="en-US" dirty="0"/>
           </a:p>
@@ -3526,7 +3526,7 @@
           <a:p>
             <a:fld id="{CD91ABF4-99EA-9A4C-8826-87C21CFC9DF7}" type="datetimeFigureOut">
               <a:rPr lang="en-US" smtClean="0"/>
-              <a:t>11/17/21</a:t>
+              <a:t>11/24/21</a:t>
             </a:fld>
             <a:endParaRPr lang="en-US" dirty="0"/>
           </a:p>
@@ -4777,9 +4777,7 @@
           </a:prstGeom>
           <a:noFill/>
           <a:ln>
-            <a:solidFill>
-              <a:schemeClr val="tx1"/>
-            </a:solidFill>
+            <a:noFill/>
           </a:ln>
         </p:spPr>
         <p:txBody>
@@ -4812,8 +4810,137 @@
         </p:nvSpPr>
         <p:spPr>
           <a:xfrm>
-            <a:off x="6079474" y="3115666"/>
+            <a:off x="6057241" y="2948820"/>
             <a:ext cx="982109" cy="369332"/>
+          </a:xfrm>
+          <a:prstGeom prst="rect">
+            <a:avLst/>
+          </a:prstGeom>
+          <a:solidFill>
+            <a:schemeClr val="bg1"/>
+          </a:solidFill>
+          <a:ln>
+            <a:noFill/>
+          </a:ln>
+        </p:spPr>
+        <p:txBody>
+          <a:bodyPr wrap="square" rtlCol="0">
+            <a:spAutoFit/>
+          </a:bodyPr>
+          <a:lstStyle/>
+          <a:p>
+            <a:r>
+              <a:rPr lang="en-US" dirty="0">
+                <a:latin typeface="Arial" panose="020B0604020202020204" pitchFamily="34" charset="0"/>
+                <a:cs typeface="Arial" panose="020B0604020202020204" pitchFamily="34" charset="0"/>
+              </a:rPr>
+              <a:t>0.391**</a:t>
+            </a:r>
+          </a:p>
+        </p:txBody>
+      </p:sp>
+      <p:sp>
+        <p:nvSpPr>
+          <p:cNvPr id="63" name="TextBox 62">
+            <a:extLst>
+              <a:ext uri="{FF2B5EF4-FFF2-40B4-BE49-F238E27FC236}">
+                <a16:creationId xmlns:a16="http://schemas.microsoft.com/office/drawing/2014/main" id="{7D9A6CDB-03FE-7B45-94EA-C7318C14533D}"/>
+              </a:ext>
+            </a:extLst>
+          </p:cNvPr>
+          <p:cNvSpPr txBox="1"/>
+          <p:nvPr/>
+        </p:nvSpPr>
+        <p:spPr>
+          <a:xfrm>
+            <a:off x="6982937" y="1551222"/>
+            <a:ext cx="1028948" cy="369332"/>
+          </a:xfrm>
+          <a:prstGeom prst="rect">
+            <a:avLst/>
+          </a:prstGeom>
+          <a:solidFill>
+            <a:schemeClr val="bg1"/>
+          </a:solidFill>
+          <a:ln>
+            <a:noFill/>
+          </a:ln>
+        </p:spPr>
+        <p:txBody>
+          <a:bodyPr wrap="square" rtlCol="0">
+            <a:spAutoFit/>
+          </a:bodyPr>
+          <a:lstStyle/>
+          <a:p>
+            <a:r>
+              <a:rPr lang="en-US" dirty="0">
+                <a:latin typeface="Arial" panose="020B0604020202020204" pitchFamily="34" charset="0"/>
+                <a:cs typeface="Arial" panose="020B0604020202020204" pitchFamily="34" charset="0"/>
+              </a:rPr>
+              <a:t>0.237***</a:t>
+            </a:r>
+          </a:p>
+        </p:txBody>
+      </p:sp>
+      <p:sp>
+        <p:nvSpPr>
+          <p:cNvPr id="64" name="TextBox 63">
+            <a:extLst>
+              <a:ext uri="{FF2B5EF4-FFF2-40B4-BE49-F238E27FC236}">
+                <a16:creationId xmlns:a16="http://schemas.microsoft.com/office/drawing/2014/main" id="{01CF280E-35E6-5C49-A4E7-4477CCE1C83C}"/>
+              </a:ext>
+            </a:extLst>
+          </p:cNvPr>
+          <p:cNvSpPr txBox="1"/>
+          <p:nvPr/>
+        </p:nvSpPr>
+        <p:spPr>
+          <a:xfrm>
+            <a:off x="9147088" y="3080146"/>
+            <a:ext cx="1020486" cy="369332"/>
+          </a:xfrm>
+          <a:prstGeom prst="rect">
+            <a:avLst/>
+          </a:prstGeom>
+          <a:solidFill>
+            <a:schemeClr val="bg1"/>
+          </a:solidFill>
+          <a:ln>
+            <a:noFill/>
+          </a:ln>
+        </p:spPr>
+        <p:txBody>
+          <a:bodyPr wrap="square" rtlCol="0">
+            <a:spAutoFit/>
+          </a:bodyPr>
+          <a:lstStyle/>
+          <a:p>
+            <a:r>
+              <a:rPr lang="en-US" dirty="0">
+                <a:latin typeface="Arial" panose="020B0604020202020204" pitchFamily="34" charset="0"/>
+                <a:cs typeface="Arial" panose="020B0604020202020204" pitchFamily="34" charset="0"/>
+              </a:rPr>
+              <a:t>-2.279**</a:t>
+            </a:r>
+          </a:p>
+        </p:txBody>
+      </p:sp>
+      <p:sp>
+        <p:nvSpPr>
+          <p:cNvPr id="65" name="TextBox 64">
+            <a:extLst>
+              <a:ext uri="{FF2B5EF4-FFF2-40B4-BE49-F238E27FC236}">
+                <a16:creationId xmlns:a16="http://schemas.microsoft.com/office/drawing/2014/main" id="{11881172-249F-6945-AA11-ADEA2F47D833}"/>
+              </a:ext>
+            </a:extLst>
+          </p:cNvPr>
+          <p:cNvSpPr txBox="1"/>
+          <p:nvPr/>
+        </p:nvSpPr>
+        <p:spPr>
+          <a:xfrm>
+            <a:off x="1811722" y="1516772"/>
+            <a:ext cx="1143000" cy="369332"/>
           </a:xfrm>
           <a:prstGeom prst="rect">
             <a:avLst/>
@@ -4838,17 +4965,31 @@
                 <a:latin typeface="Arial" panose="020B0604020202020204" pitchFamily="34" charset="0"/>
                 <a:cs typeface="Arial" panose="020B0604020202020204" pitchFamily="34" charset="0"/>
               </a:rPr>
-              <a:t>0.391**</a:t>
-            </a:r>
-          </a:p>
-        </p:txBody>
-      </p:sp>
-      <p:sp>
-        <p:nvSpPr>
-          <p:cNvPr id="63" name="TextBox 62">
-            <a:extLst>
-              <a:ext uri="{FF2B5EF4-FFF2-40B4-BE49-F238E27FC236}">
-                <a16:creationId xmlns:a16="http://schemas.microsoft.com/office/drawing/2014/main" id="{7D9A6CDB-03FE-7B45-94EA-C7318C14533D}"/>
+              <a:t>R</a:t>
+            </a:r>
+            <a:r>
+              <a:rPr lang="en-US" baseline="30000" dirty="0">
+                <a:latin typeface="Arial" panose="020B0604020202020204" pitchFamily="34" charset="0"/>
+                <a:cs typeface="Arial" panose="020B0604020202020204" pitchFamily="34" charset="0"/>
+              </a:rPr>
+              <a:t>2 </a:t>
+            </a:r>
+            <a:r>
+              <a:rPr lang="en-US" dirty="0">
+                <a:latin typeface="Arial" panose="020B0604020202020204" pitchFamily="34" charset="0"/>
+                <a:cs typeface="Arial" panose="020B0604020202020204" pitchFamily="34" charset="0"/>
+              </a:rPr>
+              <a:t>= 0.10</a:t>
+            </a:r>
+          </a:p>
+        </p:txBody>
+      </p:sp>
+      <p:sp>
+        <p:nvSpPr>
+          <p:cNvPr id="66" name="TextBox 65">
+            <a:extLst>
+              <a:ext uri="{FF2B5EF4-FFF2-40B4-BE49-F238E27FC236}">
+                <a16:creationId xmlns:a16="http://schemas.microsoft.com/office/drawing/2014/main" id="{13470268-36AA-D447-9BC4-B2084AF7F89E}"/>
               </a:ext>
             </a:extLst>
           </p:cNvPr>
@@ -4857,8 +4998,8 @@
         </p:nvSpPr>
         <p:spPr>
           <a:xfrm>
-            <a:off x="6982937" y="1551222"/>
-            <a:ext cx="1028948" cy="369332"/>
+            <a:off x="4754321" y="1516772"/>
+            <a:ext cx="1143000" cy="369332"/>
           </a:xfrm>
           <a:prstGeom prst="rect">
             <a:avLst/>
@@ -4883,17 +5024,31 @@
                 <a:latin typeface="Arial" panose="020B0604020202020204" pitchFamily="34" charset="0"/>
                 <a:cs typeface="Arial" panose="020B0604020202020204" pitchFamily="34" charset="0"/>
               </a:rPr>
-              <a:t>0.237***</a:t>
-            </a:r>
-          </a:p>
-        </p:txBody>
-      </p:sp>
-      <p:sp>
-        <p:nvSpPr>
-          <p:cNvPr id="64" name="TextBox 63">
-            <a:extLst>
-              <a:ext uri="{FF2B5EF4-FFF2-40B4-BE49-F238E27FC236}">
-                <a16:creationId xmlns:a16="http://schemas.microsoft.com/office/drawing/2014/main" id="{01CF280E-35E6-5C49-A4E7-4477CCE1C83C}"/>
+              <a:t>R</a:t>
+            </a:r>
+            <a:r>
+              <a:rPr lang="en-US" baseline="30000" dirty="0">
+                <a:latin typeface="Arial" panose="020B0604020202020204" pitchFamily="34" charset="0"/>
+                <a:cs typeface="Arial" panose="020B0604020202020204" pitchFamily="34" charset="0"/>
+              </a:rPr>
+              <a:t>2 </a:t>
+            </a:r>
+            <a:r>
+              <a:rPr lang="en-US" dirty="0">
+                <a:latin typeface="Arial" panose="020B0604020202020204" pitchFamily="34" charset="0"/>
+                <a:cs typeface="Arial" panose="020B0604020202020204" pitchFamily="34" charset="0"/>
+              </a:rPr>
+              <a:t>= 0.13</a:t>
+            </a:r>
+          </a:p>
+        </p:txBody>
+      </p:sp>
+      <p:sp>
+        <p:nvSpPr>
+          <p:cNvPr id="67" name="TextBox 66">
+            <a:extLst>
+              <a:ext uri="{FF2B5EF4-FFF2-40B4-BE49-F238E27FC236}">
+                <a16:creationId xmlns:a16="http://schemas.microsoft.com/office/drawing/2014/main" id="{723B4A81-5B5B-D64E-98DB-FB4E06A7606B}"/>
               </a:ext>
             </a:extLst>
           </p:cNvPr>
@@ -4902,8 +5057,8 @@
         </p:nvSpPr>
         <p:spPr>
           <a:xfrm>
-            <a:off x="9147088" y="3080146"/>
-            <a:ext cx="1020486" cy="369332"/>
+            <a:off x="9089625" y="1530229"/>
+            <a:ext cx="1143000" cy="369332"/>
           </a:xfrm>
           <a:prstGeom prst="rect">
             <a:avLst/>
@@ -4928,51 +5083,6 @@
                 <a:latin typeface="Arial" panose="020B0604020202020204" pitchFamily="34" charset="0"/>
                 <a:cs typeface="Arial" panose="020B0604020202020204" pitchFamily="34" charset="0"/>
               </a:rPr>
-              <a:t>-2.279**</a:t>
-            </a:r>
-          </a:p>
-        </p:txBody>
-      </p:sp>
-      <p:sp>
-        <p:nvSpPr>
-          <p:cNvPr id="65" name="TextBox 64">
-            <a:extLst>
-              <a:ext uri="{FF2B5EF4-FFF2-40B4-BE49-F238E27FC236}">
-                <a16:creationId xmlns:a16="http://schemas.microsoft.com/office/drawing/2014/main" id="{11881172-249F-6945-AA11-ADEA2F47D833}"/>
-              </a:ext>
-            </a:extLst>
-          </p:cNvPr>
-          <p:cNvSpPr txBox="1"/>
-          <p:nvPr/>
-        </p:nvSpPr>
-        <p:spPr>
-          <a:xfrm>
-            <a:off x="1811722" y="1516772"/>
-            <a:ext cx="1143000" cy="369332"/>
-          </a:xfrm>
-          <a:prstGeom prst="rect">
-            <a:avLst/>
-          </a:prstGeom>
-          <a:solidFill>
-            <a:schemeClr val="bg1"/>
-          </a:solidFill>
-          <a:ln>
-            <a:solidFill>
-              <a:schemeClr val="tx1"/>
-            </a:solidFill>
-          </a:ln>
-        </p:spPr>
-        <p:txBody>
-          <a:bodyPr wrap="square" rtlCol="0">
-            <a:spAutoFit/>
-          </a:bodyPr>
-          <a:lstStyle/>
-          <a:p>
-            <a:r>
-              <a:rPr lang="en-US" dirty="0">
-                <a:latin typeface="Arial" panose="020B0604020202020204" pitchFamily="34" charset="0"/>
-                <a:cs typeface="Arial" panose="020B0604020202020204" pitchFamily="34" charset="0"/>
-              </a:rPr>
               <a:t>R</a:t>
             </a:r>
             <a:r>
@@ -4994,10 +5104,10 @@
       </p:sp>
       <p:sp>
         <p:nvSpPr>
-          <p:cNvPr id="66" name="TextBox 65">
-            <a:extLst>
-              <a:ext uri="{FF2B5EF4-FFF2-40B4-BE49-F238E27FC236}">
-                <a16:creationId xmlns:a16="http://schemas.microsoft.com/office/drawing/2014/main" id="{13470268-36AA-D447-9BC4-B2084AF7F89E}"/>
+          <p:cNvPr id="68" name="TextBox 67">
+            <a:extLst>
+              <a:ext uri="{FF2B5EF4-FFF2-40B4-BE49-F238E27FC236}">
+                <a16:creationId xmlns:a16="http://schemas.microsoft.com/office/drawing/2014/main" id="{229F2343-9840-634F-8470-AB22B0378E21}"/>
               </a:ext>
             </a:extLst>
           </p:cNvPr>
@@ -5006,8 +5116,8 @@
         </p:nvSpPr>
         <p:spPr>
           <a:xfrm>
-            <a:off x="4754321" y="1516772"/>
-            <a:ext cx="1143000" cy="369332"/>
+            <a:off x="3413535" y="3643420"/>
+            <a:ext cx="870174" cy="369332"/>
           </a:xfrm>
           <a:prstGeom prst="rect">
             <a:avLst/>
@@ -5016,129 +5126,7 @@
             <a:schemeClr val="bg1"/>
           </a:solidFill>
           <a:ln>
-            <a:solidFill>
-              <a:schemeClr val="tx1"/>
-            </a:solidFill>
-          </a:ln>
-        </p:spPr>
-        <p:txBody>
-          <a:bodyPr wrap="square" rtlCol="0">
-            <a:spAutoFit/>
-          </a:bodyPr>
-          <a:lstStyle/>
-          <a:p>
-            <a:r>
-              <a:rPr lang="en-US" dirty="0">
-                <a:latin typeface="Arial" panose="020B0604020202020204" pitchFamily="34" charset="0"/>
-                <a:cs typeface="Arial" panose="020B0604020202020204" pitchFamily="34" charset="0"/>
-              </a:rPr>
-              <a:t>R</a:t>
-            </a:r>
-            <a:r>
-              <a:rPr lang="en-US" baseline="30000" dirty="0">
-                <a:latin typeface="Arial" panose="020B0604020202020204" pitchFamily="34" charset="0"/>
-                <a:cs typeface="Arial" panose="020B0604020202020204" pitchFamily="34" charset="0"/>
-              </a:rPr>
-              <a:t>2 </a:t>
-            </a:r>
-            <a:r>
-              <a:rPr lang="en-US" dirty="0">
-                <a:latin typeface="Arial" panose="020B0604020202020204" pitchFamily="34" charset="0"/>
-                <a:cs typeface="Arial" panose="020B0604020202020204" pitchFamily="34" charset="0"/>
-              </a:rPr>
-              <a:t>= 0.13</a:t>
-            </a:r>
-          </a:p>
-        </p:txBody>
-      </p:sp>
-      <p:sp>
-        <p:nvSpPr>
-          <p:cNvPr id="67" name="TextBox 66">
-            <a:extLst>
-              <a:ext uri="{FF2B5EF4-FFF2-40B4-BE49-F238E27FC236}">
-                <a16:creationId xmlns:a16="http://schemas.microsoft.com/office/drawing/2014/main" id="{723B4A81-5B5B-D64E-98DB-FB4E06A7606B}"/>
-              </a:ext>
-            </a:extLst>
-          </p:cNvPr>
-          <p:cNvSpPr txBox="1"/>
-          <p:nvPr/>
-        </p:nvSpPr>
-        <p:spPr>
-          <a:xfrm>
-            <a:off x="9089625" y="1530229"/>
-            <a:ext cx="1143000" cy="369332"/>
-          </a:xfrm>
-          <a:prstGeom prst="rect">
-            <a:avLst/>
-          </a:prstGeom>
-          <a:solidFill>
-            <a:schemeClr val="bg1"/>
-          </a:solidFill>
-          <a:ln>
-            <a:solidFill>
-              <a:schemeClr val="tx1"/>
-            </a:solidFill>
-          </a:ln>
-        </p:spPr>
-        <p:txBody>
-          <a:bodyPr wrap="square" rtlCol="0">
-            <a:spAutoFit/>
-          </a:bodyPr>
-          <a:lstStyle/>
-          <a:p>
-            <a:r>
-              <a:rPr lang="en-US" dirty="0">
-                <a:latin typeface="Arial" panose="020B0604020202020204" pitchFamily="34" charset="0"/>
-                <a:cs typeface="Arial" panose="020B0604020202020204" pitchFamily="34" charset="0"/>
-              </a:rPr>
-              <a:t>R</a:t>
-            </a:r>
-            <a:r>
-              <a:rPr lang="en-US" baseline="30000" dirty="0">
-                <a:latin typeface="Arial" panose="020B0604020202020204" pitchFamily="34" charset="0"/>
-                <a:cs typeface="Arial" panose="020B0604020202020204" pitchFamily="34" charset="0"/>
-              </a:rPr>
-              <a:t>2 </a:t>
-            </a:r>
-            <a:r>
-              <a:rPr lang="en-US" dirty="0">
-                <a:latin typeface="Arial" panose="020B0604020202020204" pitchFamily="34" charset="0"/>
-                <a:cs typeface="Arial" panose="020B0604020202020204" pitchFamily="34" charset="0"/>
-              </a:rPr>
-              <a:t>= 0.10</a:t>
-            </a:r>
-          </a:p>
-        </p:txBody>
-      </p:sp>
-      <p:sp>
-        <p:nvSpPr>
-          <p:cNvPr id="68" name="TextBox 67">
-            <a:extLst>
-              <a:ext uri="{FF2B5EF4-FFF2-40B4-BE49-F238E27FC236}">
-                <a16:creationId xmlns:a16="http://schemas.microsoft.com/office/drawing/2014/main" id="{229F2343-9840-634F-8470-AB22B0378E21}"/>
-              </a:ext>
-            </a:extLst>
-          </p:cNvPr>
-          <p:cNvSpPr txBox="1"/>
-          <p:nvPr/>
-        </p:nvSpPr>
-        <p:spPr>
-          <a:xfrm>
-            <a:off x="3313758" y="3638365"/>
-            <a:ext cx="870174" cy="369332"/>
-          </a:xfrm>
-          <a:prstGeom prst="rect">
-            <a:avLst/>
-          </a:prstGeom>
-          <a:solidFill>
-            <a:schemeClr val="bg1"/>
-          </a:solidFill>
-          <a:ln>
-            <a:solidFill>
-              <a:schemeClr val="bg2">
-                <a:lumMod val="50000"/>
-              </a:schemeClr>
-            </a:solidFill>
+            <a:noFill/>
           </a:ln>
         </p:spPr>
         <p:txBody>
@@ -5176,7 +5164,7 @@
         </p:nvSpPr>
         <p:spPr>
           <a:xfrm>
-            <a:off x="3802268" y="4147671"/>
+            <a:off x="3871886" y="4056879"/>
             <a:ext cx="771792" cy="369332"/>
           </a:xfrm>
           <a:prstGeom prst="rect">
@@ -5186,11 +5174,7 @@
             <a:schemeClr val="bg1"/>
           </a:solidFill>
           <a:ln>
-            <a:solidFill>
-              <a:schemeClr val="bg2">
-                <a:lumMod val="50000"/>
-              </a:schemeClr>
-            </a:solidFill>
+            <a:noFill/>
           </a:ln>
         </p:spPr>
         <p:txBody>
@@ -5228,7 +5212,7 @@
         </p:nvSpPr>
         <p:spPr>
           <a:xfrm>
-            <a:off x="4925785" y="3963005"/>
+            <a:off x="5032538" y="3992468"/>
             <a:ext cx="771792" cy="369332"/>
           </a:xfrm>
           <a:prstGeom prst="rect">
@@ -5238,11 +5222,7 @@
             <a:schemeClr val="bg1"/>
           </a:solidFill>
           <a:ln>
-            <a:solidFill>
-              <a:schemeClr val="bg2">
-                <a:lumMod val="50000"/>
-              </a:schemeClr>
-            </a:solidFill>
+            <a:noFill/>
           </a:ln>
         </p:spPr>
         <p:txBody>
@@ -5280,7 +5260,7 @@
         </p:nvSpPr>
         <p:spPr>
           <a:xfrm>
-            <a:off x="6219261" y="3967301"/>
+            <a:off x="6313849" y="3992468"/>
             <a:ext cx="763676" cy="369332"/>
           </a:xfrm>
           <a:prstGeom prst="rect">
@@ -5290,11 +5270,7 @@
             <a:schemeClr val="bg1"/>
           </a:solidFill>
           <a:ln>
-            <a:solidFill>
-              <a:schemeClr val="bg2">
-                <a:lumMod val="50000"/>
-              </a:schemeClr>
-            </a:solidFill>
+            <a:noFill/>
           </a:ln>
         </p:spPr>
         <p:txBody>
@@ -5332,7 +5308,7 @@
         </p:nvSpPr>
         <p:spPr>
           <a:xfrm>
-            <a:off x="7962861" y="3677033"/>
+            <a:off x="7752459" y="3593673"/>
             <a:ext cx="835114" cy="369332"/>
           </a:xfrm>
           <a:prstGeom prst="rect">
@@ -5342,11 +5318,7 @@
             <a:schemeClr val="bg1"/>
           </a:solidFill>
           <a:ln>
-            <a:solidFill>
-              <a:schemeClr val="bg2">
-                <a:lumMod val="50000"/>
-              </a:schemeClr>
-            </a:solidFill>
+            <a:noFill/>
           </a:ln>
         </p:spPr>
         <p:txBody>
@@ -5384,7 +5356,7 @@
         </p:nvSpPr>
         <p:spPr>
           <a:xfrm>
-            <a:off x="7381360" y="4193903"/>
+            <a:off x="7385911" y="4060653"/>
             <a:ext cx="835114" cy="369332"/>
           </a:xfrm>
           <a:prstGeom prst="rect">
@@ -5394,11 +5366,7 @@
             <a:schemeClr val="bg1"/>
           </a:solidFill>
           <a:ln>
-            <a:solidFill>
-              <a:schemeClr val="bg2">
-                <a:lumMod val="50000"/>
-              </a:schemeClr>
-            </a:solidFill>
+            <a:noFill/>
           </a:ln>
         </p:spPr>
         <p:txBody>
@@ -5436,7 +5404,7 @@
         </p:nvSpPr>
         <p:spPr>
           <a:xfrm>
-            <a:off x="3599151" y="942839"/>
+            <a:off x="3544828" y="1189662"/>
             <a:ext cx="770968" cy="369332"/>
           </a:xfrm>
           <a:prstGeom prst="rect">
@@ -5446,11 +5414,7 @@
             <a:schemeClr val="bg1"/>
           </a:solidFill>
           <a:ln>
-            <a:solidFill>
-              <a:schemeClr val="bg2">
-                <a:lumMod val="50000"/>
-              </a:schemeClr>
-            </a:solidFill>
+            <a:noFill/>
           </a:ln>
         </p:spPr>
         <p:txBody>
@@ -5524,7 +5488,11 @@
           <a:prstGeom prst="ellipse">
             <a:avLst/>
           </a:prstGeom>
-          <a:noFill/>
+          <a:solidFill>
+            <a:srgbClr val="D883FF">
+              <a:alpha val="50196"/>
+            </a:srgbClr>
+          </a:solidFill>
           <a:ln>
             <a:solidFill>
               <a:schemeClr val="tx1"/>
@@ -5576,7 +5544,11 @@
           <a:prstGeom prst="ellipse">
             <a:avLst/>
           </a:prstGeom>
-          <a:noFill/>
+          <a:solidFill>
+            <a:srgbClr val="76D6FF">
+              <a:alpha val="50196"/>
+            </a:srgbClr>
+          </a:solidFill>
           <a:ln>
             <a:solidFill>
               <a:schemeClr val="tx1"/>
@@ -5628,7 +5600,11 @@
           <a:prstGeom prst="ellipse">
             <a:avLst/>
           </a:prstGeom>
-          <a:noFill/>
+          <a:solidFill>
+            <a:srgbClr val="4E8F00">
+              <a:alpha val="50196"/>
+            </a:srgbClr>
+          </a:solidFill>
           <a:ln>
             <a:solidFill>
               <a:schemeClr val="tx1"/>
@@ -5789,7 +5765,7 @@
         </p:nvSpPr>
         <p:spPr>
           <a:xfrm>
-            <a:off x="7197632" y="2894154"/>
+            <a:off x="7352878" y="2894154"/>
             <a:ext cx="1191690" cy="369332"/>
           </a:xfrm>
           <a:prstGeom prst="rect">
@@ -5808,7 +5784,121 @@
                 <a:latin typeface="Arial" panose="020B0604020202020204" pitchFamily="34" charset="0"/>
                 <a:cs typeface="Arial" panose="020B0604020202020204" pitchFamily="34" charset="0"/>
               </a:rPr>
-              <a:t>R</a:t>
+              <a:t>0.05</a:t>
+            </a:r>
+          </a:p>
+        </p:txBody>
+      </p:sp>
+      <p:sp>
+        <p:nvSpPr>
+          <p:cNvPr id="10" name="TextBox 9">
+            <a:extLst>
+              <a:ext uri="{FF2B5EF4-FFF2-40B4-BE49-F238E27FC236}">
+                <a16:creationId xmlns:a16="http://schemas.microsoft.com/office/drawing/2014/main" id="{0D888F98-CF7C-0346-818A-B2A92BCEBF31}"/>
+              </a:ext>
+            </a:extLst>
+          </p:cNvPr>
+          <p:cNvSpPr txBox="1"/>
+          <p:nvPr/>
+        </p:nvSpPr>
+        <p:spPr>
+          <a:xfrm>
+            <a:off x="3780706" y="2847724"/>
+            <a:ext cx="1191690" cy="369332"/>
+          </a:xfrm>
+          <a:prstGeom prst="rect">
+            <a:avLst/>
+          </a:prstGeom>
+          <a:noFill/>
+        </p:spPr>
+        <p:txBody>
+          <a:bodyPr wrap="square" rtlCol="0">
+            <a:spAutoFit/>
+          </a:bodyPr>
+          <a:lstStyle/>
+          <a:p>
+            <a:r>
+              <a:rPr lang="en-US" dirty="0">
+                <a:latin typeface="Arial" panose="020B0604020202020204" pitchFamily="34" charset="0"/>
+                <a:cs typeface="Arial" panose="020B0604020202020204" pitchFamily="34" charset="0"/>
+              </a:rPr>
+              <a:t>0.03</a:t>
+            </a:r>
+          </a:p>
+        </p:txBody>
+      </p:sp>
+      <p:sp>
+        <p:nvSpPr>
+          <p:cNvPr id="11" name="TextBox 10">
+            <a:extLst>
+              <a:ext uri="{FF2B5EF4-FFF2-40B4-BE49-F238E27FC236}">
+                <a16:creationId xmlns:a16="http://schemas.microsoft.com/office/drawing/2014/main" id="{5D136E10-03A2-F545-A119-5BEAD2691EC4}"/>
+              </a:ext>
+            </a:extLst>
+          </p:cNvPr>
+          <p:cNvSpPr txBox="1"/>
+          <p:nvPr/>
+        </p:nvSpPr>
+        <p:spPr>
+          <a:xfrm>
+            <a:off x="4221766" y="3889145"/>
+            <a:ext cx="1191690" cy="369332"/>
+          </a:xfrm>
+          <a:prstGeom prst="rect">
+            <a:avLst/>
+          </a:prstGeom>
+          <a:noFill/>
+        </p:spPr>
+        <p:txBody>
+          <a:bodyPr wrap="square" rtlCol="0">
+            <a:spAutoFit/>
+          </a:bodyPr>
+          <a:lstStyle/>
+          <a:p>
+            <a:r>
+              <a:rPr lang="en-US" dirty="0">
+                <a:latin typeface="Arial" panose="020B0604020202020204" pitchFamily="34" charset="0"/>
+                <a:cs typeface="Arial" panose="020B0604020202020204" pitchFamily="34" charset="0"/>
+              </a:rPr>
+              <a:t>0.00</a:t>
+            </a:r>
+          </a:p>
+        </p:txBody>
+      </p:sp>
+      <p:sp>
+        <p:nvSpPr>
+          <p:cNvPr id="13" name="TextBox 12">
+            <a:extLst>
+              <a:ext uri="{FF2B5EF4-FFF2-40B4-BE49-F238E27FC236}">
+                <a16:creationId xmlns:a16="http://schemas.microsoft.com/office/drawing/2014/main" id="{1ABC6687-76B3-B042-A4FC-8BFFF12A1B71}"/>
+              </a:ext>
+            </a:extLst>
+          </p:cNvPr>
+          <p:cNvSpPr txBox="1"/>
+          <p:nvPr/>
+        </p:nvSpPr>
+        <p:spPr>
+          <a:xfrm>
+            <a:off x="6847107" y="5227058"/>
+            <a:ext cx="1698668" cy="369332"/>
+          </a:xfrm>
+          <a:prstGeom prst="rect">
+            <a:avLst/>
+          </a:prstGeom>
+          <a:noFill/>
+        </p:spPr>
+        <p:txBody>
+          <a:bodyPr wrap="square" rtlCol="0">
+            <a:spAutoFit/>
+          </a:bodyPr>
+          <a:lstStyle/>
+          <a:p>
+            <a:r>
+              <a:rPr lang="en-US" dirty="0">
+                <a:latin typeface="Arial" panose="020B0604020202020204" pitchFamily="34" charset="0"/>
+                <a:cs typeface="Arial" panose="020B0604020202020204" pitchFamily="34" charset="0"/>
+              </a:rPr>
+              <a:t>Total R</a:t>
             </a:r>
             <a:r>
               <a:rPr lang="en-US" baseline="30000" dirty="0">
@@ -5829,162 +5919,6 @@
       </p:sp>
       <p:sp>
         <p:nvSpPr>
-          <p:cNvPr id="10" name="TextBox 9">
-            <a:extLst>
-              <a:ext uri="{FF2B5EF4-FFF2-40B4-BE49-F238E27FC236}">
-                <a16:creationId xmlns:a16="http://schemas.microsoft.com/office/drawing/2014/main" id="{0D888F98-CF7C-0346-818A-B2A92BCEBF31}"/>
-              </a:ext>
-            </a:extLst>
-          </p:cNvPr>
-          <p:cNvSpPr txBox="1"/>
-          <p:nvPr/>
-        </p:nvSpPr>
-        <p:spPr>
-          <a:xfrm>
-            <a:off x="3681841" y="2847724"/>
-            <a:ext cx="1191690" cy="369332"/>
-          </a:xfrm>
-          <a:prstGeom prst="rect">
-            <a:avLst/>
-          </a:prstGeom>
-          <a:noFill/>
-        </p:spPr>
-        <p:txBody>
-          <a:bodyPr wrap="square" rtlCol="0">
-            <a:spAutoFit/>
-          </a:bodyPr>
-          <a:lstStyle/>
-          <a:p>
-            <a:r>
-              <a:rPr lang="en-US" dirty="0">
-                <a:latin typeface="Arial" panose="020B0604020202020204" pitchFamily="34" charset="0"/>
-                <a:cs typeface="Arial" panose="020B0604020202020204" pitchFamily="34" charset="0"/>
-              </a:rPr>
-              <a:t>R</a:t>
-            </a:r>
-            <a:r>
-              <a:rPr lang="en-US" baseline="30000" dirty="0">
-                <a:latin typeface="Arial" panose="020B0604020202020204" pitchFamily="34" charset="0"/>
-                <a:cs typeface="Arial" panose="020B0604020202020204" pitchFamily="34" charset="0"/>
-              </a:rPr>
-              <a:t>2</a:t>
-            </a:r>
-            <a:r>
-              <a:rPr lang="en-US" dirty="0">
-                <a:latin typeface="Arial" panose="020B0604020202020204" pitchFamily="34" charset="0"/>
-                <a:cs typeface="Arial" panose="020B0604020202020204" pitchFamily="34" charset="0"/>
-              </a:rPr>
-              <a:t> = 0.03</a:t>
-            </a:r>
-          </a:p>
-        </p:txBody>
-      </p:sp>
-      <p:sp>
-        <p:nvSpPr>
-          <p:cNvPr id="11" name="TextBox 10">
-            <a:extLst>
-              <a:ext uri="{FF2B5EF4-FFF2-40B4-BE49-F238E27FC236}">
-                <a16:creationId xmlns:a16="http://schemas.microsoft.com/office/drawing/2014/main" id="{5D136E10-03A2-F545-A119-5BEAD2691EC4}"/>
-              </a:ext>
-            </a:extLst>
-          </p:cNvPr>
-          <p:cNvSpPr txBox="1"/>
-          <p:nvPr/>
-        </p:nvSpPr>
-        <p:spPr>
-          <a:xfrm>
-            <a:off x="3964775" y="3889145"/>
-            <a:ext cx="1191690" cy="369332"/>
-          </a:xfrm>
-          <a:prstGeom prst="rect">
-            <a:avLst/>
-          </a:prstGeom>
-          <a:noFill/>
-        </p:spPr>
-        <p:txBody>
-          <a:bodyPr wrap="square" rtlCol="0">
-            <a:spAutoFit/>
-          </a:bodyPr>
-          <a:lstStyle/>
-          <a:p>
-            <a:r>
-              <a:rPr lang="en-US" dirty="0">
-                <a:latin typeface="Arial" panose="020B0604020202020204" pitchFamily="34" charset="0"/>
-                <a:cs typeface="Arial" panose="020B0604020202020204" pitchFamily="34" charset="0"/>
-              </a:rPr>
-              <a:t>R</a:t>
-            </a:r>
-            <a:r>
-              <a:rPr lang="en-US" baseline="30000" dirty="0">
-                <a:latin typeface="Arial" panose="020B0604020202020204" pitchFamily="34" charset="0"/>
-                <a:cs typeface="Arial" panose="020B0604020202020204" pitchFamily="34" charset="0"/>
-              </a:rPr>
-              <a:t>2</a:t>
-            </a:r>
-            <a:r>
-              <a:rPr lang="en-US" dirty="0">
-                <a:latin typeface="Arial" panose="020B0604020202020204" pitchFamily="34" charset="0"/>
-                <a:cs typeface="Arial" panose="020B0604020202020204" pitchFamily="34" charset="0"/>
-              </a:rPr>
-              <a:t> = 0.00</a:t>
-            </a:r>
-          </a:p>
-        </p:txBody>
-      </p:sp>
-      <p:sp>
-        <p:nvSpPr>
-          <p:cNvPr id="13" name="TextBox 12">
-            <a:extLst>
-              <a:ext uri="{FF2B5EF4-FFF2-40B4-BE49-F238E27FC236}">
-                <a16:creationId xmlns:a16="http://schemas.microsoft.com/office/drawing/2014/main" id="{1ABC6687-76B3-B042-A4FC-8BFFF12A1B71}"/>
-              </a:ext>
-            </a:extLst>
-          </p:cNvPr>
-          <p:cNvSpPr txBox="1"/>
-          <p:nvPr/>
-        </p:nvSpPr>
-        <p:spPr>
-          <a:xfrm>
-            <a:off x="6847107" y="5227058"/>
-            <a:ext cx="1698668" cy="369332"/>
-          </a:xfrm>
-          <a:prstGeom prst="rect">
-            <a:avLst/>
-          </a:prstGeom>
-          <a:noFill/>
-        </p:spPr>
-        <p:txBody>
-          <a:bodyPr wrap="square" rtlCol="0">
-            <a:spAutoFit/>
-          </a:bodyPr>
-          <a:lstStyle/>
-          <a:p>
-            <a:r>
-              <a:rPr lang="en-US" dirty="0">
-                <a:latin typeface="Arial" panose="020B0604020202020204" pitchFamily="34" charset="0"/>
-                <a:cs typeface="Arial" panose="020B0604020202020204" pitchFamily="34" charset="0"/>
-              </a:rPr>
-              <a:t>Total R</a:t>
-            </a:r>
-            <a:r>
-              <a:rPr lang="en-US" baseline="30000" dirty="0">
-                <a:latin typeface="Arial" panose="020B0604020202020204" pitchFamily="34" charset="0"/>
-                <a:cs typeface="Arial" panose="020B0604020202020204" pitchFamily="34" charset="0"/>
-              </a:rPr>
-              <a:t>2</a:t>
-            </a:r>
-            <a:r>
-              <a:rPr lang="en-US" dirty="0">
-                <a:latin typeface="Arial" panose="020B0604020202020204" pitchFamily="34" charset="0"/>
-                <a:cs typeface="Arial" panose="020B0604020202020204" pitchFamily="34" charset="0"/>
-              </a:rPr>
-              <a:t> = 0.05</a:t>
-            </a:r>
-          </a:p>
-        </p:txBody>
-      </p:sp>
-      <p:sp>
-        <p:nvSpPr>
           <p:cNvPr id="14" name="TextBox 13">
             <a:extLst>
               <a:ext uri="{FF2B5EF4-FFF2-40B4-BE49-F238E27FC236}">
@@ -6063,21 +5997,7 @@
                 <a:latin typeface="Arial" panose="020B0604020202020204" pitchFamily="34" charset="0"/>
                 <a:cs typeface="Arial" panose="020B0604020202020204" pitchFamily="34" charset="0"/>
               </a:rPr>
-              <a:t>R</a:t>
-            </a:r>
-            <a:r>
-              <a:rPr lang="en-US" baseline="30000" dirty="0">
-                <a:latin typeface="Arial" panose="020B0604020202020204" pitchFamily="34" charset="0"/>
-                <a:cs typeface="Arial" panose="020B0604020202020204" pitchFamily="34" charset="0"/>
-              </a:rPr>
-              <a:t>2</a:t>
-            </a:r>
-            <a:r>
-              <a:rPr lang="en-US" dirty="0">
-                <a:latin typeface="Arial" panose="020B0604020202020204" pitchFamily="34" charset="0"/>
-                <a:cs typeface="Arial" panose="020B0604020202020204" pitchFamily="34" charset="0"/>
-              </a:rPr>
-              <a:t> = 0.00</a:t>
+              <a:t>    0.00</a:t>
             </a:r>
           </a:p>
         </p:txBody>
@@ -6114,10 +6034,10 @@
       </p:grpSpPr>
       <p:sp>
         <p:nvSpPr>
-          <p:cNvPr id="2" name="Oval 1">
-            <a:extLst>
-              <a:ext uri="{FF2B5EF4-FFF2-40B4-BE49-F238E27FC236}">
-                <a16:creationId xmlns:a16="http://schemas.microsoft.com/office/drawing/2014/main" id="{ABDFBAC5-1D7C-4844-B9F9-941E6CABA206}"/>
+          <p:cNvPr id="15" name="Oval 14">
+            <a:extLst>
+              <a:ext uri="{FF2B5EF4-FFF2-40B4-BE49-F238E27FC236}">
+                <a16:creationId xmlns:a16="http://schemas.microsoft.com/office/drawing/2014/main" id="{FB38B2EB-7AE2-0040-B297-19057AA3F54E}"/>
               </a:ext>
             </a:extLst>
           </p:cNvPr>
@@ -6132,7 +6052,11 @@
           <a:prstGeom prst="ellipse">
             <a:avLst/>
           </a:prstGeom>
-          <a:noFill/>
+          <a:solidFill>
+            <a:srgbClr val="D883FF">
+              <a:alpha val="50196"/>
+            </a:srgbClr>
+          </a:solidFill>
           <a:ln>
             <a:solidFill>
               <a:schemeClr val="tx1"/>
@@ -6166,10 +6090,10 @@
       </p:sp>
       <p:sp>
         <p:nvSpPr>
-          <p:cNvPr id="3" name="Oval 2">
-            <a:extLst>
-              <a:ext uri="{FF2B5EF4-FFF2-40B4-BE49-F238E27FC236}">
-                <a16:creationId xmlns:a16="http://schemas.microsoft.com/office/drawing/2014/main" id="{50F6445B-A35C-1549-949B-2546B11108E8}"/>
+          <p:cNvPr id="16" name="Oval 15">
+            <a:extLst>
+              <a:ext uri="{FF2B5EF4-FFF2-40B4-BE49-F238E27FC236}">
+                <a16:creationId xmlns:a16="http://schemas.microsoft.com/office/drawing/2014/main" id="{4946C67C-741D-EA42-B1C0-20A39E5A59F1}"/>
               </a:ext>
             </a:extLst>
           </p:cNvPr>
@@ -6184,7 +6108,11 @@
           <a:prstGeom prst="ellipse">
             <a:avLst/>
           </a:prstGeom>
-          <a:noFill/>
+          <a:solidFill>
+            <a:srgbClr val="76D6FF">
+              <a:alpha val="50196"/>
+            </a:srgbClr>
+          </a:solidFill>
           <a:ln>
             <a:solidFill>
               <a:schemeClr val="tx1"/>
@@ -6218,10 +6146,10 @@
       </p:sp>
       <p:sp>
         <p:nvSpPr>
-          <p:cNvPr id="4" name="Oval 3">
-            <a:extLst>
-              <a:ext uri="{FF2B5EF4-FFF2-40B4-BE49-F238E27FC236}">
-                <a16:creationId xmlns:a16="http://schemas.microsoft.com/office/drawing/2014/main" id="{C8F89E68-3A52-8247-A1FE-A8CF47352C31}"/>
+          <p:cNvPr id="17" name="Oval 16">
+            <a:extLst>
+              <a:ext uri="{FF2B5EF4-FFF2-40B4-BE49-F238E27FC236}">
+                <a16:creationId xmlns:a16="http://schemas.microsoft.com/office/drawing/2014/main" id="{5E710C7B-AE6D-304F-AC97-493F8752B745}"/>
               </a:ext>
             </a:extLst>
           </p:cNvPr>
@@ -6236,7 +6164,11 @@
           <a:prstGeom prst="ellipse">
             <a:avLst/>
           </a:prstGeom>
-          <a:noFill/>
+          <a:solidFill>
+            <a:srgbClr val="4E8F00">
+              <a:alpha val="50196"/>
+            </a:srgbClr>
+          </a:solidFill>
           <a:ln>
             <a:solidFill>
               <a:schemeClr val="tx1"/>
@@ -6397,7 +6329,7 @@
         </p:nvSpPr>
         <p:spPr>
           <a:xfrm>
-            <a:off x="7197632" y="2894154"/>
+            <a:off x="7313196" y="2859310"/>
             <a:ext cx="1191690" cy="369332"/>
           </a:xfrm>
           <a:prstGeom prst="rect">
@@ -6416,31 +6348,55 @@
                 <a:latin typeface="Arial" panose="020B0604020202020204" pitchFamily="34" charset="0"/>
                 <a:cs typeface="Arial" panose="020B0604020202020204" pitchFamily="34" charset="0"/>
               </a:rPr>
-              <a:t>R</a:t>
-            </a:r>
-            <a:r>
-              <a:rPr lang="en-US" baseline="30000" dirty="0">
-                <a:latin typeface="Arial" panose="020B0604020202020204" pitchFamily="34" charset="0"/>
-                <a:cs typeface="Arial" panose="020B0604020202020204" pitchFamily="34" charset="0"/>
-              </a:rPr>
-              <a:t>2</a:t>
-            </a:r>
+              <a:t>0.08</a:t>
+            </a:r>
+          </a:p>
+        </p:txBody>
+      </p:sp>
+      <p:sp>
+        <p:nvSpPr>
+          <p:cNvPr id="10" name="TextBox 9">
+            <a:extLst>
+              <a:ext uri="{FF2B5EF4-FFF2-40B4-BE49-F238E27FC236}">
+                <a16:creationId xmlns:a16="http://schemas.microsoft.com/office/drawing/2014/main" id="{0D888F98-CF7C-0346-818A-B2A92BCEBF31}"/>
+              </a:ext>
+            </a:extLst>
+          </p:cNvPr>
+          <p:cNvSpPr txBox="1"/>
+          <p:nvPr/>
+        </p:nvSpPr>
+        <p:spPr>
+          <a:xfrm>
+            <a:off x="3764874" y="2835274"/>
+            <a:ext cx="1191690" cy="369332"/>
+          </a:xfrm>
+          <a:prstGeom prst="rect">
+            <a:avLst/>
+          </a:prstGeom>
+          <a:noFill/>
+        </p:spPr>
+        <p:txBody>
+          <a:bodyPr wrap="square" rtlCol="0">
+            <a:spAutoFit/>
+          </a:bodyPr>
+          <a:lstStyle/>
+          <a:p>
             <a:r>
               <a:rPr lang="en-US" dirty="0">
                 <a:latin typeface="Arial" panose="020B0604020202020204" pitchFamily="34" charset="0"/>
                 <a:cs typeface="Arial" panose="020B0604020202020204" pitchFamily="34" charset="0"/>
               </a:rPr>
-              <a:t> = 0.08</a:t>
-            </a:r>
-          </a:p>
-        </p:txBody>
-      </p:sp>
-      <p:sp>
-        <p:nvSpPr>
-          <p:cNvPr id="10" name="TextBox 9">
-            <a:extLst>
-              <a:ext uri="{FF2B5EF4-FFF2-40B4-BE49-F238E27FC236}">
-                <a16:creationId xmlns:a16="http://schemas.microsoft.com/office/drawing/2014/main" id="{0D888F98-CF7C-0346-818A-B2A92BCEBF31}"/>
+              <a:t>0.01</a:t>
+            </a:r>
+          </a:p>
+        </p:txBody>
+      </p:sp>
+      <p:sp>
+        <p:nvSpPr>
+          <p:cNvPr id="11" name="TextBox 10">
+            <a:extLst>
+              <a:ext uri="{FF2B5EF4-FFF2-40B4-BE49-F238E27FC236}">
+                <a16:creationId xmlns:a16="http://schemas.microsoft.com/office/drawing/2014/main" id="{5D136E10-03A2-F545-A119-5BEAD2691EC4}"/>
               </a:ext>
             </a:extLst>
           </p:cNvPr>
@@ -6449,7 +6405,7 @@
         </p:nvSpPr>
         <p:spPr>
           <a:xfrm>
-            <a:off x="3681841" y="2847724"/>
+            <a:off x="4842406" y="5227058"/>
             <a:ext cx="1191690" cy="369332"/>
           </a:xfrm>
           <a:prstGeom prst="rect">
@@ -6468,125 +6424,45 @@
                 <a:latin typeface="Arial" panose="020B0604020202020204" pitchFamily="34" charset="0"/>
                 <a:cs typeface="Arial" panose="020B0604020202020204" pitchFamily="34" charset="0"/>
               </a:rPr>
-              <a:t>R</a:t>
-            </a:r>
-            <a:r>
-              <a:rPr lang="en-US" baseline="30000" dirty="0">
-                <a:latin typeface="Arial" panose="020B0604020202020204" pitchFamily="34" charset="0"/>
-                <a:cs typeface="Arial" panose="020B0604020202020204" pitchFamily="34" charset="0"/>
-              </a:rPr>
-              <a:t>2</a:t>
-            </a:r>
+              <a:t>0.02</a:t>
+            </a:r>
+          </a:p>
+        </p:txBody>
+      </p:sp>
+      <p:sp>
+        <p:nvSpPr>
+          <p:cNvPr id="12" name="TextBox 11">
+            <a:extLst>
+              <a:ext uri="{FF2B5EF4-FFF2-40B4-BE49-F238E27FC236}">
+                <a16:creationId xmlns:a16="http://schemas.microsoft.com/office/drawing/2014/main" id="{635EA56D-DF4F-6F4A-A26E-A3B901D534A4}"/>
+              </a:ext>
+            </a:extLst>
+          </p:cNvPr>
+          <p:cNvSpPr txBox="1"/>
+          <p:nvPr/>
+        </p:nvSpPr>
+        <p:spPr>
+          <a:xfrm>
+            <a:off x="4933800" y="2579171"/>
+            <a:ext cx="1191690" cy="369332"/>
+          </a:xfrm>
+          <a:prstGeom prst="rect">
+            <a:avLst/>
+          </a:prstGeom>
+          <a:noFill/>
+        </p:spPr>
+        <p:txBody>
+          <a:bodyPr wrap="square" rtlCol="0">
+            <a:spAutoFit/>
+          </a:bodyPr>
+          <a:lstStyle/>
+          <a:p>
             <a:r>
               <a:rPr lang="en-US" dirty="0">
                 <a:latin typeface="Arial" panose="020B0604020202020204" pitchFamily="34" charset="0"/>
                 <a:cs typeface="Arial" panose="020B0604020202020204" pitchFamily="34" charset="0"/>
               </a:rPr>
-              <a:t> = 0.01</a:t>
-            </a:r>
-          </a:p>
-        </p:txBody>
-      </p:sp>
-      <p:sp>
-        <p:nvSpPr>
-          <p:cNvPr id="11" name="TextBox 10">
-            <a:extLst>
-              <a:ext uri="{FF2B5EF4-FFF2-40B4-BE49-F238E27FC236}">
-                <a16:creationId xmlns:a16="http://schemas.microsoft.com/office/drawing/2014/main" id="{5D136E10-03A2-F545-A119-5BEAD2691EC4}"/>
-              </a:ext>
-            </a:extLst>
-          </p:cNvPr>
-          <p:cNvSpPr txBox="1"/>
-          <p:nvPr/>
-        </p:nvSpPr>
-        <p:spPr>
-          <a:xfrm>
-            <a:off x="4842406" y="5227058"/>
-            <a:ext cx="1191690" cy="369332"/>
-          </a:xfrm>
-          <a:prstGeom prst="rect">
-            <a:avLst/>
-          </a:prstGeom>
-          <a:noFill/>
-        </p:spPr>
-        <p:txBody>
-          <a:bodyPr wrap="square" rtlCol="0">
-            <a:spAutoFit/>
-          </a:bodyPr>
-          <a:lstStyle/>
-          <a:p>
-            <a:r>
-              <a:rPr lang="en-US" dirty="0">
-                <a:latin typeface="Arial" panose="020B0604020202020204" pitchFamily="34" charset="0"/>
-                <a:cs typeface="Arial" panose="020B0604020202020204" pitchFamily="34" charset="0"/>
-              </a:rPr>
-              <a:t>R</a:t>
-            </a:r>
-            <a:r>
-              <a:rPr lang="en-US" baseline="30000" dirty="0">
-                <a:latin typeface="Arial" panose="020B0604020202020204" pitchFamily="34" charset="0"/>
-                <a:cs typeface="Arial" panose="020B0604020202020204" pitchFamily="34" charset="0"/>
-              </a:rPr>
-              <a:t>2</a:t>
-            </a:r>
-            <a:r>
-              <a:rPr lang="en-US" dirty="0">
-                <a:latin typeface="Arial" panose="020B0604020202020204" pitchFamily="34" charset="0"/>
-                <a:cs typeface="Arial" panose="020B0604020202020204" pitchFamily="34" charset="0"/>
-              </a:rPr>
-              <a:t> = 0.02</a:t>
-            </a:r>
-          </a:p>
-        </p:txBody>
-      </p:sp>
-      <p:sp>
-        <p:nvSpPr>
-          <p:cNvPr id="12" name="TextBox 11">
-            <a:extLst>
-              <a:ext uri="{FF2B5EF4-FFF2-40B4-BE49-F238E27FC236}">
-                <a16:creationId xmlns:a16="http://schemas.microsoft.com/office/drawing/2014/main" id="{635EA56D-DF4F-6F4A-A26E-A3B901D534A4}"/>
-              </a:ext>
-            </a:extLst>
-          </p:cNvPr>
-          <p:cNvSpPr txBox="1"/>
-          <p:nvPr/>
-        </p:nvSpPr>
-        <p:spPr>
-          <a:xfrm>
-            <a:off x="4779121" y="2650608"/>
-            <a:ext cx="1191690" cy="369332"/>
-          </a:xfrm>
-          <a:prstGeom prst="rect">
-            <a:avLst/>
-          </a:prstGeom>
-          <a:noFill/>
-        </p:spPr>
-        <p:txBody>
-          <a:bodyPr wrap="square" rtlCol="0">
-            <a:spAutoFit/>
-          </a:bodyPr>
-          <a:lstStyle/>
-          <a:p>
-            <a:r>
-              <a:rPr lang="en-US" dirty="0">
-                <a:latin typeface="Arial" panose="020B0604020202020204" pitchFamily="34" charset="0"/>
-                <a:cs typeface="Arial" panose="020B0604020202020204" pitchFamily="34" charset="0"/>
-              </a:rPr>
-              <a:t>R</a:t>
-            </a:r>
-            <a:r>
-              <a:rPr lang="en-US" baseline="30000" dirty="0">
-                <a:latin typeface="Arial" panose="020B0604020202020204" pitchFamily="34" charset="0"/>
-                <a:cs typeface="Arial" panose="020B0604020202020204" pitchFamily="34" charset="0"/>
-              </a:rPr>
-              <a:t>2</a:t>
-            </a:r>
-            <a:r>
-              <a:rPr lang="en-US" dirty="0">
-                <a:latin typeface="Arial" panose="020B0604020202020204" pitchFamily="34" charset="0"/>
-                <a:cs typeface="Arial" panose="020B0604020202020204" pitchFamily="34" charset="0"/>
-              </a:rPr>
-              <a:t> = 0.05</a:t>
+              <a:t>0.05</a:t>
             </a:r>
           </a:p>
         </p:txBody>
@@ -6722,10 +6598,10 @@
       </p:grpSpPr>
       <p:sp>
         <p:nvSpPr>
-          <p:cNvPr id="2" name="Oval 1">
-            <a:extLst>
-              <a:ext uri="{FF2B5EF4-FFF2-40B4-BE49-F238E27FC236}">
-                <a16:creationId xmlns:a16="http://schemas.microsoft.com/office/drawing/2014/main" id="{ABDFBAC5-1D7C-4844-B9F9-941E6CABA206}"/>
+          <p:cNvPr id="16" name="Oval 15">
+            <a:extLst>
+              <a:ext uri="{FF2B5EF4-FFF2-40B4-BE49-F238E27FC236}">
+                <a16:creationId xmlns:a16="http://schemas.microsoft.com/office/drawing/2014/main" id="{D3A9B734-5CD6-0346-BB13-FFCD7B9319B6}"/>
               </a:ext>
             </a:extLst>
           </p:cNvPr>
@@ -6740,7 +6616,11 @@
           <a:prstGeom prst="ellipse">
             <a:avLst/>
           </a:prstGeom>
-          <a:noFill/>
+          <a:solidFill>
+            <a:srgbClr val="D883FF">
+              <a:alpha val="50196"/>
+            </a:srgbClr>
+          </a:solidFill>
           <a:ln>
             <a:solidFill>
               <a:schemeClr val="tx1"/>
@@ -6774,10 +6654,10 @@
       </p:sp>
       <p:sp>
         <p:nvSpPr>
-          <p:cNvPr id="3" name="Oval 2">
-            <a:extLst>
-              <a:ext uri="{FF2B5EF4-FFF2-40B4-BE49-F238E27FC236}">
-                <a16:creationId xmlns:a16="http://schemas.microsoft.com/office/drawing/2014/main" id="{50F6445B-A35C-1549-949B-2546B11108E8}"/>
+          <p:cNvPr id="17" name="Oval 16">
+            <a:extLst>
+              <a:ext uri="{FF2B5EF4-FFF2-40B4-BE49-F238E27FC236}">
+                <a16:creationId xmlns:a16="http://schemas.microsoft.com/office/drawing/2014/main" id="{5B84AC04-C576-984A-956E-3BEF13835382}"/>
               </a:ext>
             </a:extLst>
           </p:cNvPr>
@@ -6792,7 +6672,11 @@
           <a:prstGeom prst="ellipse">
             <a:avLst/>
           </a:prstGeom>
-          <a:noFill/>
+          <a:solidFill>
+            <a:srgbClr val="76D6FF">
+              <a:alpha val="50196"/>
+            </a:srgbClr>
+          </a:solidFill>
           <a:ln>
             <a:solidFill>
               <a:schemeClr val="tx1"/>
@@ -6826,10 +6710,10 @@
       </p:sp>
       <p:sp>
         <p:nvSpPr>
-          <p:cNvPr id="4" name="Oval 3">
-            <a:extLst>
-              <a:ext uri="{FF2B5EF4-FFF2-40B4-BE49-F238E27FC236}">
-                <a16:creationId xmlns:a16="http://schemas.microsoft.com/office/drawing/2014/main" id="{C8F89E68-3A52-8247-A1FE-A8CF47352C31}"/>
+          <p:cNvPr id="18" name="Oval 17">
+            <a:extLst>
+              <a:ext uri="{FF2B5EF4-FFF2-40B4-BE49-F238E27FC236}">
+                <a16:creationId xmlns:a16="http://schemas.microsoft.com/office/drawing/2014/main" id="{74672F33-6D1B-4C41-A681-D01F0F267F3B}"/>
               </a:ext>
             </a:extLst>
           </p:cNvPr>
@@ -6844,7 +6728,11 @@
           <a:prstGeom prst="ellipse">
             <a:avLst/>
           </a:prstGeom>
-          <a:noFill/>
+          <a:solidFill>
+            <a:srgbClr val="4E8F00">
+              <a:alpha val="50196"/>
+            </a:srgbClr>
+          </a:solidFill>
           <a:ln>
             <a:solidFill>
               <a:schemeClr val="tx1"/>
@@ -7005,7 +6893,7 @@
         </p:nvSpPr>
         <p:spPr>
           <a:xfrm>
-            <a:off x="7197632" y="2894154"/>
+            <a:off x="7375311" y="2859310"/>
             <a:ext cx="1191690" cy="369332"/>
           </a:xfrm>
           <a:prstGeom prst="rect">
@@ -7024,7 +6912,121 @@
                 <a:latin typeface="Arial" panose="020B0604020202020204" pitchFamily="34" charset="0"/>
                 <a:cs typeface="Arial" panose="020B0604020202020204" pitchFamily="34" charset="0"/>
               </a:rPr>
-              <a:t>R</a:t>
+              <a:t>0.05</a:t>
+            </a:r>
+          </a:p>
+        </p:txBody>
+      </p:sp>
+      <p:sp>
+        <p:nvSpPr>
+          <p:cNvPr id="10" name="TextBox 9">
+            <a:extLst>
+              <a:ext uri="{FF2B5EF4-FFF2-40B4-BE49-F238E27FC236}">
+                <a16:creationId xmlns:a16="http://schemas.microsoft.com/office/drawing/2014/main" id="{0D888F98-CF7C-0346-818A-B2A92BCEBF31}"/>
+              </a:ext>
+            </a:extLst>
+          </p:cNvPr>
+          <p:cNvSpPr txBox="1"/>
+          <p:nvPr/>
+        </p:nvSpPr>
+        <p:spPr>
+          <a:xfrm>
+            <a:off x="3820892" y="2821299"/>
+            <a:ext cx="1191690" cy="369332"/>
+          </a:xfrm>
+          <a:prstGeom prst="rect">
+            <a:avLst/>
+          </a:prstGeom>
+          <a:noFill/>
+        </p:spPr>
+        <p:txBody>
+          <a:bodyPr wrap="square" rtlCol="0">
+            <a:spAutoFit/>
+          </a:bodyPr>
+          <a:lstStyle/>
+          <a:p>
+            <a:r>
+              <a:rPr lang="en-US" dirty="0">
+                <a:latin typeface="Arial" panose="020B0604020202020204" pitchFamily="34" charset="0"/>
+                <a:cs typeface="Arial" panose="020B0604020202020204" pitchFamily="34" charset="0"/>
+              </a:rPr>
+              <a:t>0.03</a:t>
+            </a:r>
+          </a:p>
+        </p:txBody>
+      </p:sp>
+      <p:sp>
+        <p:nvSpPr>
+          <p:cNvPr id="12" name="TextBox 11">
+            <a:extLst>
+              <a:ext uri="{FF2B5EF4-FFF2-40B4-BE49-F238E27FC236}">
+                <a16:creationId xmlns:a16="http://schemas.microsoft.com/office/drawing/2014/main" id="{635EA56D-DF4F-6F4A-A26E-A3B901D534A4}"/>
+              </a:ext>
+            </a:extLst>
+          </p:cNvPr>
+          <p:cNvSpPr txBox="1"/>
+          <p:nvPr/>
+        </p:nvSpPr>
+        <p:spPr>
+          <a:xfrm>
+            <a:off x="4685109" y="5227058"/>
+            <a:ext cx="1191690" cy="369332"/>
+          </a:xfrm>
+          <a:prstGeom prst="rect">
+            <a:avLst/>
+          </a:prstGeom>
+          <a:noFill/>
+        </p:spPr>
+        <p:txBody>
+          <a:bodyPr wrap="square" rtlCol="0">
+            <a:spAutoFit/>
+          </a:bodyPr>
+          <a:lstStyle/>
+          <a:p>
+            <a:r>
+              <a:rPr lang="en-US" dirty="0">
+                <a:latin typeface="Arial" panose="020B0604020202020204" pitchFamily="34" charset="0"/>
+                <a:cs typeface="Arial" panose="020B0604020202020204" pitchFamily="34" charset="0"/>
+              </a:rPr>
+              <a:t>0.01</a:t>
+            </a:r>
+          </a:p>
+        </p:txBody>
+      </p:sp>
+      <p:sp>
+        <p:nvSpPr>
+          <p:cNvPr id="13" name="TextBox 12">
+            <a:extLst>
+              <a:ext uri="{FF2B5EF4-FFF2-40B4-BE49-F238E27FC236}">
+                <a16:creationId xmlns:a16="http://schemas.microsoft.com/office/drawing/2014/main" id="{1ABC6687-76B3-B042-A4FC-8BFFF12A1B71}"/>
+              </a:ext>
+            </a:extLst>
+          </p:cNvPr>
+          <p:cNvSpPr txBox="1"/>
+          <p:nvPr/>
+        </p:nvSpPr>
+        <p:spPr>
+          <a:xfrm>
+            <a:off x="6847107" y="5227058"/>
+            <a:ext cx="1698668" cy="369332"/>
+          </a:xfrm>
+          <a:prstGeom prst="rect">
+            <a:avLst/>
+          </a:prstGeom>
+          <a:noFill/>
+        </p:spPr>
+        <p:txBody>
+          <a:bodyPr wrap="square" rtlCol="0">
+            <a:spAutoFit/>
+          </a:bodyPr>
+          <a:lstStyle/>
+          <a:p>
+            <a:r>
+              <a:rPr lang="en-US" dirty="0">
+                <a:latin typeface="Arial" panose="020B0604020202020204" pitchFamily="34" charset="0"/>
+                <a:cs typeface="Arial" panose="020B0604020202020204" pitchFamily="34" charset="0"/>
+              </a:rPr>
+              <a:t>Total R</a:t>
             </a:r>
             <a:r>
               <a:rPr lang="en-US" baseline="30000" dirty="0">
@@ -7038,162 +7040,6 @@
                 <a:latin typeface="Arial" panose="020B0604020202020204" pitchFamily="34" charset="0"/>
                 <a:cs typeface="Arial" panose="020B0604020202020204" pitchFamily="34" charset="0"/>
               </a:rPr>
-              <a:t> = 0.05</a:t>
-            </a:r>
-          </a:p>
-        </p:txBody>
-      </p:sp>
-      <p:sp>
-        <p:nvSpPr>
-          <p:cNvPr id="10" name="TextBox 9">
-            <a:extLst>
-              <a:ext uri="{FF2B5EF4-FFF2-40B4-BE49-F238E27FC236}">
-                <a16:creationId xmlns:a16="http://schemas.microsoft.com/office/drawing/2014/main" id="{0D888F98-CF7C-0346-818A-B2A92BCEBF31}"/>
-              </a:ext>
-            </a:extLst>
-          </p:cNvPr>
-          <p:cNvSpPr txBox="1"/>
-          <p:nvPr/>
-        </p:nvSpPr>
-        <p:spPr>
-          <a:xfrm>
-            <a:off x="3681841" y="2847724"/>
-            <a:ext cx="1191690" cy="369332"/>
-          </a:xfrm>
-          <a:prstGeom prst="rect">
-            <a:avLst/>
-          </a:prstGeom>
-          <a:noFill/>
-        </p:spPr>
-        <p:txBody>
-          <a:bodyPr wrap="square" rtlCol="0">
-            <a:spAutoFit/>
-          </a:bodyPr>
-          <a:lstStyle/>
-          <a:p>
-            <a:r>
-              <a:rPr lang="en-US" dirty="0">
-                <a:latin typeface="Arial" panose="020B0604020202020204" pitchFamily="34" charset="0"/>
-                <a:cs typeface="Arial" panose="020B0604020202020204" pitchFamily="34" charset="0"/>
-              </a:rPr>
-              <a:t>R</a:t>
-            </a:r>
-            <a:r>
-              <a:rPr lang="en-US" baseline="30000" dirty="0">
-                <a:latin typeface="Arial" panose="020B0604020202020204" pitchFamily="34" charset="0"/>
-                <a:cs typeface="Arial" panose="020B0604020202020204" pitchFamily="34" charset="0"/>
-              </a:rPr>
-              <a:t>2</a:t>
-            </a:r>
-            <a:r>
-              <a:rPr lang="en-US" dirty="0">
-                <a:latin typeface="Arial" panose="020B0604020202020204" pitchFamily="34" charset="0"/>
-                <a:cs typeface="Arial" panose="020B0604020202020204" pitchFamily="34" charset="0"/>
-              </a:rPr>
-              <a:t> = 0.03</a:t>
-            </a:r>
-          </a:p>
-        </p:txBody>
-      </p:sp>
-      <p:sp>
-        <p:nvSpPr>
-          <p:cNvPr id="12" name="TextBox 11">
-            <a:extLst>
-              <a:ext uri="{FF2B5EF4-FFF2-40B4-BE49-F238E27FC236}">
-                <a16:creationId xmlns:a16="http://schemas.microsoft.com/office/drawing/2014/main" id="{635EA56D-DF4F-6F4A-A26E-A3B901D534A4}"/>
-              </a:ext>
-            </a:extLst>
-          </p:cNvPr>
-          <p:cNvSpPr txBox="1"/>
-          <p:nvPr/>
-        </p:nvSpPr>
-        <p:spPr>
-          <a:xfrm>
-            <a:off x="4685109" y="5227058"/>
-            <a:ext cx="1191690" cy="369332"/>
-          </a:xfrm>
-          <a:prstGeom prst="rect">
-            <a:avLst/>
-          </a:prstGeom>
-          <a:noFill/>
-        </p:spPr>
-        <p:txBody>
-          <a:bodyPr wrap="square" rtlCol="0">
-            <a:spAutoFit/>
-          </a:bodyPr>
-          <a:lstStyle/>
-          <a:p>
-            <a:r>
-              <a:rPr lang="en-US" dirty="0">
-                <a:latin typeface="Arial" panose="020B0604020202020204" pitchFamily="34" charset="0"/>
-                <a:cs typeface="Arial" panose="020B0604020202020204" pitchFamily="34" charset="0"/>
-              </a:rPr>
-              <a:t>R</a:t>
-            </a:r>
-            <a:r>
-              <a:rPr lang="en-US" baseline="30000" dirty="0">
-                <a:latin typeface="Arial" panose="020B0604020202020204" pitchFamily="34" charset="0"/>
-                <a:cs typeface="Arial" panose="020B0604020202020204" pitchFamily="34" charset="0"/>
-              </a:rPr>
-              <a:t>2</a:t>
-            </a:r>
-            <a:r>
-              <a:rPr lang="en-US" dirty="0">
-                <a:latin typeface="Arial" panose="020B0604020202020204" pitchFamily="34" charset="0"/>
-                <a:cs typeface="Arial" panose="020B0604020202020204" pitchFamily="34" charset="0"/>
-              </a:rPr>
-              <a:t> = 0.01</a:t>
-            </a:r>
-          </a:p>
-        </p:txBody>
-      </p:sp>
-      <p:sp>
-        <p:nvSpPr>
-          <p:cNvPr id="13" name="TextBox 12">
-            <a:extLst>
-              <a:ext uri="{FF2B5EF4-FFF2-40B4-BE49-F238E27FC236}">
-                <a16:creationId xmlns:a16="http://schemas.microsoft.com/office/drawing/2014/main" id="{1ABC6687-76B3-B042-A4FC-8BFFF12A1B71}"/>
-              </a:ext>
-            </a:extLst>
-          </p:cNvPr>
-          <p:cNvSpPr txBox="1"/>
-          <p:nvPr/>
-        </p:nvSpPr>
-        <p:spPr>
-          <a:xfrm>
-            <a:off x="6847107" y="5227058"/>
-            <a:ext cx="1698668" cy="369332"/>
-          </a:xfrm>
-          <a:prstGeom prst="rect">
-            <a:avLst/>
-          </a:prstGeom>
-          <a:noFill/>
-        </p:spPr>
-        <p:txBody>
-          <a:bodyPr wrap="square" rtlCol="0">
-            <a:spAutoFit/>
-          </a:bodyPr>
-          <a:lstStyle/>
-          <a:p>
-            <a:r>
-              <a:rPr lang="en-US" dirty="0">
-                <a:latin typeface="Arial" panose="020B0604020202020204" pitchFamily="34" charset="0"/>
-                <a:cs typeface="Arial" panose="020B0604020202020204" pitchFamily="34" charset="0"/>
-              </a:rPr>
-              <a:t>Total R</a:t>
-            </a:r>
-            <a:r>
-              <a:rPr lang="en-US" baseline="30000" dirty="0">
-                <a:latin typeface="Arial" panose="020B0604020202020204" pitchFamily="34" charset="0"/>
-                <a:cs typeface="Arial" panose="020B0604020202020204" pitchFamily="34" charset="0"/>
-              </a:rPr>
-              <a:t>2</a:t>
-            </a:r>
-            <a:r>
-              <a:rPr lang="en-US" dirty="0">
-                <a:latin typeface="Arial" panose="020B0604020202020204" pitchFamily="34" charset="0"/>
-                <a:cs typeface="Arial" panose="020B0604020202020204" pitchFamily="34" charset="0"/>
-              </a:rPr>
               <a:t> = 0.06</a:t>
             </a:r>
           </a:p>
@@ -7260,7 +7106,7 @@
         </p:nvSpPr>
         <p:spPr>
           <a:xfrm>
-            <a:off x="4926375" y="3237678"/>
+            <a:off x="5182990" y="3189863"/>
             <a:ext cx="1191690" cy="369332"/>
           </a:xfrm>
           <a:prstGeom prst="rect">
@@ -7279,21 +7125,7 @@
                 <a:latin typeface="Arial" panose="020B0604020202020204" pitchFamily="34" charset="0"/>
                 <a:cs typeface="Arial" panose="020B0604020202020204" pitchFamily="34" charset="0"/>
               </a:rPr>
-              <a:t>R</a:t>
-            </a:r>
-            <a:r>
-              <a:rPr lang="en-US" baseline="30000" dirty="0">
-                <a:latin typeface="Arial" panose="020B0604020202020204" pitchFamily="34" charset="0"/>
-                <a:cs typeface="Arial" panose="020B0604020202020204" pitchFamily="34" charset="0"/>
-              </a:rPr>
-              <a:t>2</a:t>
-            </a:r>
-            <a:r>
-              <a:rPr lang="en-US" dirty="0">
-                <a:latin typeface="Arial" panose="020B0604020202020204" pitchFamily="34" charset="0"/>
-                <a:cs typeface="Arial" panose="020B0604020202020204" pitchFamily="34" charset="0"/>
-              </a:rPr>
-              <a:t> = 0</a:t>
+              <a:t>0</a:t>
             </a:r>
           </a:p>
         </p:txBody>
@@ -7328,102 +7160,12 @@
           <a:chExt cx="0" cy="0"/>
         </a:xfrm>
       </p:grpSpPr>
-      <p:pic>
-        <p:nvPicPr>
-          <p:cNvPr id="3" name="Picture 2" descr="Diagram, venn diagram&#10;&#10;Description automatically generated">
-            <a:extLst>
-              <a:ext uri="{FF2B5EF4-FFF2-40B4-BE49-F238E27FC236}">
-                <a16:creationId xmlns:a16="http://schemas.microsoft.com/office/drawing/2014/main" id="{B479E6AD-1E57-FA47-A49F-C42A1B72B626}"/>
-              </a:ext>
-            </a:extLst>
-          </p:cNvPr>
-          <p:cNvPicPr>
-            <a:picLocks noChangeAspect="1"/>
-          </p:cNvPicPr>
-          <p:nvPr/>
-        </p:nvPicPr>
-        <p:blipFill>
-          <a:blip r:embed="rId2"/>
-          <a:stretch>
-            <a:fillRect/>
-          </a:stretch>
-        </p:blipFill>
-        <p:spPr>
-          <a:xfrm>
-            <a:off x="1113889" y="415141"/>
-            <a:ext cx="3986153" cy="3183082"/>
-          </a:xfrm>
-          <a:prstGeom prst="rect">
-            <a:avLst/>
-          </a:prstGeom>
-        </p:spPr>
-      </p:pic>
-      <p:pic>
-        <p:nvPicPr>
-          <p:cNvPr id="5" name="Picture 4" descr="Diagram, venn diagram&#10;&#10;Description automatically generated">
-            <a:extLst>
-              <a:ext uri="{FF2B5EF4-FFF2-40B4-BE49-F238E27FC236}">
-                <a16:creationId xmlns:a16="http://schemas.microsoft.com/office/drawing/2014/main" id="{6DAC579D-6F8C-2247-9E48-85F1CFA84375}"/>
-              </a:ext>
-            </a:extLst>
-          </p:cNvPr>
-          <p:cNvPicPr>
-            <a:picLocks noChangeAspect="1"/>
-          </p:cNvPicPr>
-          <p:nvPr/>
-        </p:nvPicPr>
-        <p:blipFill>
-          <a:blip r:embed="rId3"/>
-          <a:stretch>
-            <a:fillRect/>
-          </a:stretch>
-        </p:blipFill>
-        <p:spPr>
-          <a:xfrm>
-            <a:off x="5358410" y="415140"/>
-            <a:ext cx="3986152" cy="3183081"/>
-          </a:xfrm>
-          <a:prstGeom prst="rect">
-            <a:avLst/>
-          </a:prstGeom>
-        </p:spPr>
-      </p:pic>
-      <p:pic>
-        <p:nvPicPr>
-          <p:cNvPr id="7" name="Picture 6" descr="Diagram, venn diagram&#10;&#10;Description automatically generated">
-            <a:extLst>
-              <a:ext uri="{FF2B5EF4-FFF2-40B4-BE49-F238E27FC236}">
-                <a16:creationId xmlns:a16="http://schemas.microsoft.com/office/drawing/2014/main" id="{F15C712D-308D-424D-AE45-B7BA7A854A22}"/>
-              </a:ext>
-            </a:extLst>
-          </p:cNvPr>
-          <p:cNvPicPr>
-            <a:picLocks noChangeAspect="1"/>
-          </p:cNvPicPr>
-          <p:nvPr/>
-        </p:nvPicPr>
-        <p:blipFill>
-          <a:blip r:embed="rId4"/>
-          <a:stretch>
-            <a:fillRect/>
-          </a:stretch>
-        </p:blipFill>
-        <p:spPr>
-          <a:xfrm>
-            <a:off x="3365334" y="3598221"/>
-            <a:ext cx="3986152" cy="3183081"/>
-          </a:xfrm>
-          <a:prstGeom prst="rect">
-            <a:avLst/>
-          </a:prstGeom>
-        </p:spPr>
-      </p:pic>
       <p:cxnSp>
         <p:nvCxnSpPr>
-          <p:cNvPr id="9" name="Straight Connector 8">
-            <a:extLst>
-              <a:ext uri="{FF2B5EF4-FFF2-40B4-BE49-F238E27FC236}">
-                <a16:creationId xmlns:a16="http://schemas.microsoft.com/office/drawing/2014/main" id="{1844228F-E7D7-EE43-B023-758DCF8E935C}"/>
+          <p:cNvPr id="12" name="Straight Connector 11">
+            <a:extLst>
+              <a:ext uri="{FF2B5EF4-FFF2-40B4-BE49-F238E27FC236}">
+                <a16:creationId xmlns:a16="http://schemas.microsoft.com/office/drawing/2014/main" id="{2FA85D60-BCA4-B949-9830-F93A1CEB99C1}"/>
               </a:ext>
             </a:extLst>
           </p:cNvPr>
@@ -7434,8 +7176,8 @@
         </p:nvCxnSpPr>
         <p:spPr>
           <a:xfrm>
-            <a:off x="712520" y="3598221"/>
-            <a:ext cx="9547761" cy="0"/>
+            <a:off x="5358410" y="0"/>
+            <a:ext cx="0" cy="3598221"/>
           </a:xfrm>
           <a:prstGeom prst="line">
             <a:avLst/>
@@ -7461,25 +7203,114 @@
           </a:fontRef>
         </p:style>
       </p:cxnSp>
+      <p:pic>
+        <p:nvPicPr>
+          <p:cNvPr id="4" name="Picture 3" descr="Diagram, venn diagram&#10;&#10;Description automatically generated">
+            <a:extLst>
+              <a:ext uri="{FF2B5EF4-FFF2-40B4-BE49-F238E27FC236}">
+                <a16:creationId xmlns:a16="http://schemas.microsoft.com/office/drawing/2014/main" id="{24938801-CD55-1D43-A9F2-45ABF628FF1B}"/>
+              </a:ext>
+            </a:extLst>
+          </p:cNvPr>
+          <p:cNvPicPr>
+            <a:picLocks noChangeAspect="1"/>
+          </p:cNvPicPr>
+          <p:nvPr/>
+        </p:nvPicPr>
+        <p:blipFill>
+          <a:blip r:embed="rId2"/>
+          <a:stretch>
+            <a:fillRect/>
+          </a:stretch>
+        </p:blipFill>
+        <p:spPr>
+          <a:xfrm>
+            <a:off x="3349371" y="3428592"/>
+            <a:ext cx="4274057" cy="3382012"/>
+          </a:xfrm>
+          <a:prstGeom prst="rect">
+            <a:avLst/>
+          </a:prstGeom>
+        </p:spPr>
+      </p:pic>
+      <p:pic>
+        <p:nvPicPr>
+          <p:cNvPr id="8" name="Picture 7" descr="Diagram, venn diagram&#10;&#10;Description automatically generated">
+            <a:extLst>
+              <a:ext uri="{FF2B5EF4-FFF2-40B4-BE49-F238E27FC236}">
+                <a16:creationId xmlns:a16="http://schemas.microsoft.com/office/drawing/2014/main" id="{5D9C5DD3-27C9-6643-827C-A522F6902B7E}"/>
+              </a:ext>
+            </a:extLst>
+          </p:cNvPr>
+          <p:cNvPicPr>
+            <a:picLocks noChangeAspect="1"/>
+          </p:cNvPicPr>
+          <p:nvPr/>
+        </p:nvPicPr>
+        <p:blipFill>
+          <a:blip r:embed="rId3"/>
+          <a:stretch>
+            <a:fillRect/>
+          </a:stretch>
+        </p:blipFill>
+        <p:spPr>
+          <a:xfrm>
+            <a:off x="1005905" y="59271"/>
+            <a:ext cx="4274062" cy="3382016"/>
+          </a:xfrm>
+          <a:prstGeom prst="rect">
+            <a:avLst/>
+          </a:prstGeom>
+        </p:spPr>
+      </p:pic>
+      <p:pic>
+        <p:nvPicPr>
+          <p:cNvPr id="11" name="Picture 10" descr="Diagram, venn diagram&#10;&#10;Description automatically generated">
+            <a:extLst>
+              <a:ext uri="{FF2B5EF4-FFF2-40B4-BE49-F238E27FC236}">
+                <a16:creationId xmlns:a16="http://schemas.microsoft.com/office/drawing/2014/main" id="{23E9CB6A-A98A-1746-9C25-949243428D32}"/>
+              </a:ext>
+            </a:extLst>
+          </p:cNvPr>
+          <p:cNvPicPr>
+            <a:picLocks noChangeAspect="1"/>
+          </p:cNvPicPr>
+          <p:nvPr/>
+        </p:nvPicPr>
+        <p:blipFill>
+          <a:blip r:embed="rId4"/>
+          <a:stretch>
+            <a:fillRect/>
+          </a:stretch>
+        </p:blipFill>
+        <p:spPr>
+          <a:xfrm>
+            <a:off x="5436854" y="59272"/>
+            <a:ext cx="4274059" cy="3382014"/>
+          </a:xfrm>
+          <a:prstGeom prst="rect">
+            <a:avLst/>
+          </a:prstGeom>
+        </p:spPr>
+      </p:pic>
       <p:cxnSp>
         <p:nvCxnSpPr>
-          <p:cNvPr id="12" name="Straight Connector 11">
-            <a:extLst>
-              <a:ext uri="{FF2B5EF4-FFF2-40B4-BE49-F238E27FC236}">
-                <a16:creationId xmlns:a16="http://schemas.microsoft.com/office/drawing/2014/main" id="{2FA85D60-BCA4-B949-9830-F93A1CEB99C1}"/>
+          <p:cNvPr id="9" name="Straight Connector 8">
+            <a:extLst>
+              <a:ext uri="{FF2B5EF4-FFF2-40B4-BE49-F238E27FC236}">
+                <a16:creationId xmlns:a16="http://schemas.microsoft.com/office/drawing/2014/main" id="{1844228F-E7D7-EE43-B023-758DCF8E935C}"/>
               </a:ext>
             </a:extLst>
           </p:cNvPr>
           <p:cNvCxnSpPr>
             <a:cxnSpLocks/>
-            <a:endCxn id="7" idx="0"/>
           </p:cNvCxnSpPr>
           <p:nvPr/>
         </p:nvCxnSpPr>
         <p:spPr>
           <a:xfrm>
-            <a:off x="5358410" y="213756"/>
-            <a:ext cx="0" cy="3384465"/>
+            <a:off x="712520" y="3420096"/>
+            <a:ext cx="9547761" cy="0"/>
           </a:xfrm>
           <a:prstGeom prst="line">
             <a:avLst/>

--- a/figures/sem_venn_figures.pptx
+++ b/figures/sem_venn_figures.pptx
@@ -201,7 +201,7 @@
           <a:p>
             <a:fld id="{3361DBBF-9048-E34E-A120-F3301ADA26C3}" type="datetimeFigureOut">
               <a:rPr lang="en-US" smtClean="0"/>
-              <a:t>11/24/21</a:t>
+              <a:t>12/2/21</a:t>
             </a:fld>
             <a:endParaRPr lang="en-US"/>
           </a:p>
@@ -876,7 +876,7 @@
           <a:p>
             <a:fld id="{CD91ABF4-99EA-9A4C-8826-87C21CFC9DF7}" type="datetimeFigureOut">
               <a:rPr lang="en-US" smtClean="0"/>
-              <a:t>11/24/21</a:t>
+              <a:t>12/2/21</a:t>
             </a:fld>
             <a:endParaRPr lang="en-US" dirty="0"/>
           </a:p>
@@ -1074,7 +1074,7 @@
           <a:p>
             <a:fld id="{CD91ABF4-99EA-9A4C-8826-87C21CFC9DF7}" type="datetimeFigureOut">
               <a:rPr lang="en-US" smtClean="0"/>
-              <a:t>11/24/21</a:t>
+              <a:t>12/2/21</a:t>
             </a:fld>
             <a:endParaRPr lang="en-US" dirty="0"/>
           </a:p>
@@ -1282,7 +1282,7 @@
           <a:p>
             <a:fld id="{CD91ABF4-99EA-9A4C-8826-87C21CFC9DF7}" type="datetimeFigureOut">
               <a:rPr lang="en-US" smtClean="0"/>
-              <a:t>11/24/21</a:t>
+              <a:t>12/2/21</a:t>
             </a:fld>
             <a:endParaRPr lang="en-US" dirty="0"/>
           </a:p>
@@ -1480,7 +1480,7 @@
           <a:p>
             <a:fld id="{CD91ABF4-99EA-9A4C-8826-87C21CFC9DF7}" type="datetimeFigureOut">
               <a:rPr lang="en-US" smtClean="0"/>
-              <a:t>11/24/21</a:t>
+              <a:t>12/2/21</a:t>
             </a:fld>
             <a:endParaRPr lang="en-US" dirty="0"/>
           </a:p>
@@ -1755,7 +1755,7 @@
           <a:p>
             <a:fld id="{CD91ABF4-99EA-9A4C-8826-87C21CFC9DF7}" type="datetimeFigureOut">
               <a:rPr lang="en-US" smtClean="0"/>
-              <a:t>11/24/21</a:t>
+              <a:t>12/2/21</a:t>
             </a:fld>
             <a:endParaRPr lang="en-US" dirty="0"/>
           </a:p>
@@ -2020,7 +2020,7 @@
           <a:p>
             <a:fld id="{CD91ABF4-99EA-9A4C-8826-87C21CFC9DF7}" type="datetimeFigureOut">
               <a:rPr lang="en-US" smtClean="0"/>
-              <a:t>11/24/21</a:t>
+              <a:t>12/2/21</a:t>
             </a:fld>
             <a:endParaRPr lang="en-US" dirty="0"/>
           </a:p>
@@ -2432,7 +2432,7 @@
           <a:p>
             <a:fld id="{CD91ABF4-99EA-9A4C-8826-87C21CFC9DF7}" type="datetimeFigureOut">
               <a:rPr lang="en-US" smtClean="0"/>
-              <a:t>11/24/21</a:t>
+              <a:t>12/2/21</a:t>
             </a:fld>
             <a:endParaRPr lang="en-US" dirty="0"/>
           </a:p>
@@ -2573,7 +2573,7 @@
           <a:p>
             <a:fld id="{CD91ABF4-99EA-9A4C-8826-87C21CFC9DF7}" type="datetimeFigureOut">
               <a:rPr lang="en-US" smtClean="0"/>
-              <a:t>11/24/21</a:t>
+              <a:t>12/2/21</a:t>
             </a:fld>
             <a:endParaRPr lang="en-US" dirty="0"/>
           </a:p>
@@ -2686,7 +2686,7 @@
           <a:p>
             <a:fld id="{CD91ABF4-99EA-9A4C-8826-87C21CFC9DF7}" type="datetimeFigureOut">
               <a:rPr lang="en-US" smtClean="0"/>
-              <a:t>11/24/21</a:t>
+              <a:t>12/2/21</a:t>
             </a:fld>
             <a:endParaRPr lang="en-US" dirty="0"/>
           </a:p>
@@ -2997,7 +2997,7 @@
           <a:p>
             <a:fld id="{CD91ABF4-99EA-9A4C-8826-87C21CFC9DF7}" type="datetimeFigureOut">
               <a:rPr lang="en-US" smtClean="0"/>
-              <a:t>11/24/21</a:t>
+              <a:t>12/2/21</a:t>
             </a:fld>
             <a:endParaRPr lang="en-US" dirty="0"/>
           </a:p>
@@ -3285,7 +3285,7 @@
           <a:p>
             <a:fld id="{CD91ABF4-99EA-9A4C-8826-87C21CFC9DF7}" type="datetimeFigureOut">
               <a:rPr lang="en-US" smtClean="0"/>
-              <a:t>11/24/21</a:t>
+              <a:t>12/2/21</a:t>
             </a:fld>
             <a:endParaRPr lang="en-US" dirty="0"/>
           </a:p>
@@ -3526,7 +3526,7 @@
           <a:p>
             <a:fld id="{CD91ABF4-99EA-9A4C-8826-87C21CFC9DF7}" type="datetimeFigureOut">
               <a:rPr lang="en-US" smtClean="0"/>
-              <a:t>11/24/21</a:t>
+              <a:t>12/2/21</a:t>
             </a:fld>
             <a:endParaRPr lang="en-US" dirty="0"/>
           </a:p>
@@ -5538,8 +5538,8 @@
         </p:nvSpPr>
         <p:spPr>
           <a:xfrm>
-            <a:off x="4846120" y="945572"/>
-            <a:ext cx="4360225" cy="4099956"/>
+            <a:off x="4884965" y="1691216"/>
+            <a:ext cx="2854035" cy="2745702"/>
           </a:xfrm>
           <a:prstGeom prst="ellipse">
             <a:avLst/>
@@ -5650,7 +5650,7 @@
         </p:nvSpPr>
         <p:spPr>
           <a:xfrm>
-            <a:off x="6923314" y="2527958"/>
+            <a:off x="5862947" y="2480625"/>
             <a:ext cx="1840675" cy="369332"/>
           </a:xfrm>
           <a:prstGeom prst="rect">
@@ -5765,7 +5765,7 @@
         </p:nvSpPr>
         <p:spPr>
           <a:xfrm>
-            <a:off x="7352878" y="2894154"/>
+            <a:off x="6425516" y="2786852"/>
             <a:ext cx="1191690" cy="369332"/>
           </a:xfrm>
           <a:prstGeom prst="rect">
@@ -5784,7 +5784,7 @@
                 <a:latin typeface="Arial" panose="020B0604020202020204" pitchFamily="34" charset="0"/>
                 <a:cs typeface="Arial" panose="020B0604020202020204" pitchFamily="34" charset="0"/>
               </a:rPr>
-              <a:t>0.05</a:t>
+              <a:t>0.002</a:t>
             </a:r>
           </a:p>
         </p:txBody>
@@ -5822,7 +5822,7 @@
                 <a:latin typeface="Arial" panose="020B0604020202020204" pitchFamily="34" charset="0"/>
                 <a:cs typeface="Arial" panose="020B0604020202020204" pitchFamily="34" charset="0"/>
               </a:rPr>
-              <a:t>0.03</a:t>
+              <a:t>0.009</a:t>
             </a:r>
           </a:p>
         </p:txBody>
@@ -5860,7 +5860,7 @@
                 <a:latin typeface="Arial" panose="020B0604020202020204" pitchFamily="34" charset="0"/>
                 <a:cs typeface="Arial" panose="020B0604020202020204" pitchFamily="34" charset="0"/>
               </a:rPr>
-              <a:t>0.00</a:t>
+              <a:t>0.001</a:t>
             </a:r>
           </a:p>
         </p:txBody>
@@ -5912,7 +5912,7 @@
                 <a:latin typeface="Arial" panose="020B0604020202020204" pitchFamily="34" charset="0"/>
                 <a:cs typeface="Arial" panose="020B0604020202020204" pitchFamily="34" charset="0"/>
               </a:rPr>
-              <a:t> = 0.05</a:t>
+              <a:t> = 0.03</a:t>
             </a:r>
           </a:p>
         </p:txBody>
@@ -5978,7 +5978,7 @@
         </p:nvSpPr>
         <p:spPr>
           <a:xfrm>
-            <a:off x="5438251" y="4073811"/>
+            <a:off x="5549503" y="3732554"/>
             <a:ext cx="1191690" cy="369332"/>
           </a:xfrm>
           <a:prstGeom prst="rect">
@@ -5997,7 +5997,121 @@
                 <a:latin typeface="Arial" panose="020B0604020202020204" pitchFamily="34" charset="0"/>
                 <a:cs typeface="Arial" panose="020B0604020202020204" pitchFamily="34" charset="0"/>
               </a:rPr>
-              <a:t>    0.00</a:t>
+              <a:t>    0.001</a:t>
+            </a:r>
+          </a:p>
+        </p:txBody>
+      </p:sp>
+      <p:sp>
+        <p:nvSpPr>
+          <p:cNvPr id="16" name="TextBox 15">
+            <a:extLst>
+              <a:ext uri="{FF2B5EF4-FFF2-40B4-BE49-F238E27FC236}">
+                <a16:creationId xmlns:a16="http://schemas.microsoft.com/office/drawing/2014/main" id="{03C64C24-8110-CC4E-A8B8-DCC0C5EC93CA}"/>
+              </a:ext>
+            </a:extLst>
+          </p:cNvPr>
+          <p:cNvSpPr txBox="1"/>
+          <p:nvPr/>
+        </p:nvSpPr>
+        <p:spPr>
+          <a:xfrm>
+            <a:off x="4693484" y="3197875"/>
+            <a:ext cx="1191690" cy="369332"/>
+          </a:xfrm>
+          <a:prstGeom prst="rect">
+            <a:avLst/>
+          </a:prstGeom>
+          <a:noFill/>
+        </p:spPr>
+        <p:txBody>
+          <a:bodyPr wrap="square" rtlCol="0">
+            <a:spAutoFit/>
+          </a:bodyPr>
+          <a:lstStyle/>
+          <a:p>
+            <a:r>
+              <a:rPr lang="en-US" dirty="0">
+                <a:latin typeface="Arial" panose="020B0604020202020204" pitchFamily="34" charset="0"/>
+                <a:cs typeface="Arial" panose="020B0604020202020204" pitchFamily="34" charset="0"/>
+              </a:rPr>
+              <a:t>    -0.002</a:t>
+            </a:r>
+          </a:p>
+        </p:txBody>
+      </p:sp>
+      <p:sp>
+        <p:nvSpPr>
+          <p:cNvPr id="17" name="TextBox 16">
+            <a:extLst>
+              <a:ext uri="{FF2B5EF4-FFF2-40B4-BE49-F238E27FC236}">
+                <a16:creationId xmlns:a16="http://schemas.microsoft.com/office/drawing/2014/main" id="{A7BF877D-C41B-8D4E-A6B8-52FF866DF85F}"/>
+              </a:ext>
+            </a:extLst>
+          </p:cNvPr>
+          <p:cNvSpPr txBox="1"/>
+          <p:nvPr/>
+        </p:nvSpPr>
+        <p:spPr>
+          <a:xfrm>
+            <a:off x="4805610" y="2512692"/>
+            <a:ext cx="1191690" cy="369332"/>
+          </a:xfrm>
+          <a:prstGeom prst="rect">
+            <a:avLst/>
+          </a:prstGeom>
+          <a:noFill/>
+        </p:spPr>
+        <p:txBody>
+          <a:bodyPr wrap="square" rtlCol="0">
+            <a:spAutoFit/>
+          </a:bodyPr>
+          <a:lstStyle/>
+          <a:p>
+            <a:r>
+              <a:rPr lang="en-US" dirty="0">
+                <a:latin typeface="Arial" panose="020B0604020202020204" pitchFamily="34" charset="0"/>
+                <a:cs typeface="Arial" panose="020B0604020202020204" pitchFamily="34" charset="0"/>
+              </a:rPr>
+              <a:t>   -0.004</a:t>
+            </a:r>
+          </a:p>
+        </p:txBody>
+      </p:sp>
+      <p:sp>
+        <p:nvSpPr>
+          <p:cNvPr id="18" name="TextBox 17">
+            <a:extLst>
+              <a:ext uri="{FF2B5EF4-FFF2-40B4-BE49-F238E27FC236}">
+                <a16:creationId xmlns:a16="http://schemas.microsoft.com/office/drawing/2014/main" id="{7ECEB26D-2648-FA45-9390-6736BC12E74B}"/>
+              </a:ext>
+            </a:extLst>
+          </p:cNvPr>
+          <p:cNvSpPr txBox="1"/>
+          <p:nvPr/>
+        </p:nvSpPr>
+        <p:spPr>
+          <a:xfrm>
+            <a:off x="4817611" y="5252851"/>
+            <a:ext cx="1191690" cy="369332"/>
+          </a:xfrm>
+          <a:prstGeom prst="rect">
+            <a:avLst/>
+          </a:prstGeom>
+          <a:noFill/>
+        </p:spPr>
+        <p:txBody>
+          <a:bodyPr wrap="square" rtlCol="0">
+            <a:spAutoFit/>
+          </a:bodyPr>
+          <a:lstStyle/>
+          <a:p>
+            <a:r>
+              <a:rPr lang="en-US" dirty="0">
+                <a:latin typeface="Arial" panose="020B0604020202020204" pitchFamily="34" charset="0"/>
+                <a:cs typeface="Arial" panose="020B0604020202020204" pitchFamily="34" charset="0"/>
+              </a:rPr>
+              <a:t>    -0.010</a:t>
             </a:r>
           </a:p>
         </p:txBody>
@@ -6348,7 +6462,7 @@
                 <a:latin typeface="Arial" panose="020B0604020202020204" pitchFamily="34" charset="0"/>
                 <a:cs typeface="Arial" panose="020B0604020202020204" pitchFamily="34" charset="0"/>
               </a:rPr>
-              <a:t>0.08</a:t>
+              <a:t>0.080</a:t>
             </a:r>
           </a:p>
         </p:txBody>
@@ -6386,7 +6500,7 @@
                 <a:latin typeface="Arial" panose="020B0604020202020204" pitchFamily="34" charset="0"/>
                 <a:cs typeface="Arial" panose="020B0604020202020204" pitchFamily="34" charset="0"/>
               </a:rPr>
-              <a:t>0.01</a:t>
+              <a:t>0.013</a:t>
             </a:r>
           </a:p>
         </p:txBody>
@@ -6424,7 +6538,7 @@
                 <a:latin typeface="Arial" panose="020B0604020202020204" pitchFamily="34" charset="0"/>
                 <a:cs typeface="Arial" panose="020B0604020202020204" pitchFamily="34" charset="0"/>
               </a:rPr>
-              <a:t>0.02</a:t>
+              <a:t>0.014</a:t>
             </a:r>
           </a:p>
         </p:txBody>
@@ -6443,7 +6557,7 @@
         </p:nvSpPr>
         <p:spPr>
           <a:xfrm>
-            <a:off x="4933800" y="2579171"/>
+            <a:off x="5021987" y="2532317"/>
             <a:ext cx="1191690" cy="369332"/>
           </a:xfrm>
           <a:prstGeom prst="rect">
@@ -6462,7 +6576,7 @@
                 <a:latin typeface="Arial" panose="020B0604020202020204" pitchFamily="34" charset="0"/>
                 <a:cs typeface="Arial" panose="020B0604020202020204" pitchFamily="34" charset="0"/>
               </a:rPr>
-              <a:t>0.05</a:t>
+              <a:t>0.051</a:t>
             </a:r>
           </a:p>
         </p:txBody>
@@ -6514,7 +6628,7 @@
                 <a:latin typeface="Arial" panose="020B0604020202020204" pitchFamily="34" charset="0"/>
                 <a:cs typeface="Arial" panose="020B0604020202020204" pitchFamily="34" charset="0"/>
               </a:rPr>
-              <a:t> = 0.13</a:t>
+              <a:t> = 0.14</a:t>
             </a:r>
           </a:p>
         </p:txBody>
@@ -6562,6 +6676,120 @@
                 <a:cs typeface="Arial" panose="020B0604020202020204" pitchFamily="34" charset="0"/>
               </a:rPr>
               <a:t>Δ Range area</a:t>
+            </a:r>
+          </a:p>
+        </p:txBody>
+      </p:sp>
+      <p:sp>
+        <p:nvSpPr>
+          <p:cNvPr id="18" name="TextBox 17">
+            <a:extLst>
+              <a:ext uri="{FF2B5EF4-FFF2-40B4-BE49-F238E27FC236}">
+                <a16:creationId xmlns:a16="http://schemas.microsoft.com/office/drawing/2014/main" id="{7A448C98-C00D-3945-8F42-44BDA3E9E311}"/>
+              </a:ext>
+            </a:extLst>
+          </p:cNvPr>
+          <p:cNvSpPr txBox="1"/>
+          <p:nvPr/>
+        </p:nvSpPr>
+        <p:spPr>
+          <a:xfrm>
+            <a:off x="5677191" y="3973685"/>
+            <a:ext cx="1191690" cy="369332"/>
+          </a:xfrm>
+          <a:prstGeom prst="rect">
+            <a:avLst/>
+          </a:prstGeom>
+          <a:noFill/>
+        </p:spPr>
+        <p:txBody>
+          <a:bodyPr wrap="square" rtlCol="0">
+            <a:spAutoFit/>
+          </a:bodyPr>
+          <a:lstStyle/>
+          <a:p>
+            <a:r>
+              <a:rPr lang="en-US" dirty="0">
+                <a:latin typeface="Arial" panose="020B0604020202020204" pitchFamily="34" charset="0"/>
+                <a:cs typeface="Arial" panose="020B0604020202020204" pitchFamily="34" charset="0"/>
+              </a:rPr>
+              <a:t>-0.006</a:t>
+            </a:r>
+          </a:p>
+        </p:txBody>
+      </p:sp>
+      <p:sp>
+        <p:nvSpPr>
+          <p:cNvPr id="19" name="TextBox 18">
+            <a:extLst>
+              <a:ext uri="{FF2B5EF4-FFF2-40B4-BE49-F238E27FC236}">
+                <a16:creationId xmlns:a16="http://schemas.microsoft.com/office/drawing/2014/main" id="{7437538F-20F8-1243-A954-D362466845B5}"/>
+              </a:ext>
+            </a:extLst>
+          </p:cNvPr>
+          <p:cNvSpPr txBox="1"/>
+          <p:nvPr/>
+        </p:nvSpPr>
+        <p:spPr>
+          <a:xfrm>
+            <a:off x="4956564" y="3260113"/>
+            <a:ext cx="1191690" cy="369332"/>
+          </a:xfrm>
+          <a:prstGeom prst="rect">
+            <a:avLst/>
+          </a:prstGeom>
+          <a:noFill/>
+        </p:spPr>
+        <p:txBody>
+          <a:bodyPr wrap="square" rtlCol="0">
+            <a:spAutoFit/>
+          </a:bodyPr>
+          <a:lstStyle/>
+          <a:p>
+            <a:r>
+              <a:rPr lang="en-US" dirty="0">
+                <a:latin typeface="Arial" panose="020B0604020202020204" pitchFamily="34" charset="0"/>
+                <a:cs typeface="Arial" panose="020B0604020202020204" pitchFamily="34" charset="0"/>
+              </a:rPr>
+              <a:t>-0.006</a:t>
+            </a:r>
+          </a:p>
+        </p:txBody>
+      </p:sp>
+      <p:sp>
+        <p:nvSpPr>
+          <p:cNvPr id="20" name="TextBox 19">
+            <a:extLst>
+              <a:ext uri="{FF2B5EF4-FFF2-40B4-BE49-F238E27FC236}">
+                <a16:creationId xmlns:a16="http://schemas.microsoft.com/office/drawing/2014/main" id="{29C52A15-D948-2E4D-A453-929ABD17C398}"/>
+              </a:ext>
+            </a:extLst>
+          </p:cNvPr>
+          <p:cNvSpPr txBox="1"/>
+          <p:nvPr/>
+        </p:nvSpPr>
+        <p:spPr>
+          <a:xfrm>
+            <a:off x="4195839" y="3769498"/>
+            <a:ext cx="1191690" cy="369332"/>
+          </a:xfrm>
+          <a:prstGeom prst="rect">
+            <a:avLst/>
+          </a:prstGeom>
+          <a:noFill/>
+        </p:spPr>
+        <p:txBody>
+          <a:bodyPr wrap="square" rtlCol="0">
+            <a:spAutoFit/>
+          </a:bodyPr>
+          <a:lstStyle/>
+          <a:p>
+            <a:r>
+              <a:rPr lang="en-US" dirty="0">
+                <a:latin typeface="Arial" panose="020B0604020202020204" pitchFamily="34" charset="0"/>
+                <a:cs typeface="Arial" panose="020B0604020202020204" pitchFamily="34" charset="0"/>
+              </a:rPr>
+              <a:t>-0.007</a:t>
             </a:r>
           </a:p>
         </p:txBody>
@@ -6666,8 +6894,8 @@
         </p:nvSpPr>
         <p:spPr>
           <a:xfrm>
-            <a:off x="4846120" y="945572"/>
-            <a:ext cx="4360225" cy="4099956"/>
+            <a:off x="4846120" y="1499570"/>
+            <a:ext cx="3539891" cy="3545958"/>
           </a:xfrm>
           <a:prstGeom prst="ellipse">
             <a:avLst/>
@@ -6778,7 +7006,7 @@
         </p:nvSpPr>
         <p:spPr>
           <a:xfrm>
-            <a:off x="6923314" y="2527958"/>
+            <a:off x="6204141" y="2386885"/>
             <a:ext cx="1840675" cy="369332"/>
           </a:xfrm>
           <a:prstGeom prst="rect">
@@ -6893,7 +7121,7 @@
         </p:nvSpPr>
         <p:spPr>
           <a:xfrm>
-            <a:off x="7375311" y="2859310"/>
+            <a:off x="6868881" y="2720527"/>
             <a:ext cx="1191690" cy="369332"/>
           </a:xfrm>
           <a:prstGeom prst="rect">
@@ -6912,7 +7140,7 @@
                 <a:latin typeface="Arial" panose="020B0604020202020204" pitchFamily="34" charset="0"/>
                 <a:cs typeface="Arial" panose="020B0604020202020204" pitchFamily="34" charset="0"/>
               </a:rPr>
-              <a:t>0.05</a:t>
+              <a:t>0.043</a:t>
             </a:r>
           </a:p>
         </p:txBody>
@@ -6950,7 +7178,7 @@
                 <a:latin typeface="Arial" panose="020B0604020202020204" pitchFamily="34" charset="0"/>
                 <a:cs typeface="Arial" panose="020B0604020202020204" pitchFamily="34" charset="0"/>
               </a:rPr>
-              <a:t>0.03</a:t>
+              <a:t>0.030</a:t>
             </a:r>
           </a:p>
         </p:txBody>
@@ -6988,7 +7216,7 @@
                 <a:latin typeface="Arial" panose="020B0604020202020204" pitchFamily="34" charset="0"/>
                 <a:cs typeface="Arial" panose="020B0604020202020204" pitchFamily="34" charset="0"/>
               </a:rPr>
-              <a:t>0.01</a:t>
+              <a:t>-0.0001</a:t>
             </a:r>
           </a:p>
         </p:txBody>
@@ -7106,7 +7334,7 @@
         </p:nvSpPr>
         <p:spPr>
           <a:xfrm>
-            <a:off x="5182990" y="3189863"/>
+            <a:off x="5012582" y="3201737"/>
             <a:ext cx="1191690" cy="369332"/>
           </a:xfrm>
           <a:prstGeom prst="rect">
@@ -7125,7 +7353,121 @@
                 <a:latin typeface="Arial" panose="020B0604020202020204" pitchFamily="34" charset="0"/>
                 <a:cs typeface="Arial" panose="020B0604020202020204" pitchFamily="34" charset="0"/>
               </a:rPr>
-              <a:t>0</a:t>
+              <a:t>0.003</a:t>
+            </a:r>
+          </a:p>
+        </p:txBody>
+      </p:sp>
+      <p:sp>
+        <p:nvSpPr>
+          <p:cNvPr id="19" name="TextBox 18">
+            <a:extLst>
+              <a:ext uri="{FF2B5EF4-FFF2-40B4-BE49-F238E27FC236}">
+                <a16:creationId xmlns:a16="http://schemas.microsoft.com/office/drawing/2014/main" id="{D45C2AEA-599D-514D-99FC-0EEAC9E6C3A6}"/>
+              </a:ext>
+            </a:extLst>
+          </p:cNvPr>
+          <p:cNvSpPr txBox="1"/>
+          <p:nvPr/>
+        </p:nvSpPr>
+        <p:spPr>
+          <a:xfrm>
+            <a:off x="5747111" y="3996999"/>
+            <a:ext cx="1191690" cy="369332"/>
+          </a:xfrm>
+          <a:prstGeom prst="rect">
+            <a:avLst/>
+          </a:prstGeom>
+          <a:noFill/>
+        </p:spPr>
+        <p:txBody>
+          <a:bodyPr wrap="square" rtlCol="0">
+            <a:spAutoFit/>
+          </a:bodyPr>
+          <a:lstStyle/>
+          <a:p>
+            <a:r>
+              <a:rPr lang="en-US" dirty="0">
+                <a:latin typeface="Arial" panose="020B0604020202020204" pitchFamily="34" charset="0"/>
+                <a:cs typeface="Arial" panose="020B0604020202020204" pitchFamily="34" charset="0"/>
+              </a:rPr>
+              <a:t>-0.004</a:t>
+            </a:r>
+          </a:p>
+        </p:txBody>
+      </p:sp>
+      <p:sp>
+        <p:nvSpPr>
+          <p:cNvPr id="20" name="TextBox 19">
+            <a:extLst>
+              <a:ext uri="{FF2B5EF4-FFF2-40B4-BE49-F238E27FC236}">
+                <a16:creationId xmlns:a16="http://schemas.microsoft.com/office/drawing/2014/main" id="{2EE6FE01-9CD9-5A4E-8A4C-38AC0ADDFC28}"/>
+              </a:ext>
+            </a:extLst>
+          </p:cNvPr>
+          <p:cNvSpPr txBox="1"/>
+          <p:nvPr/>
+        </p:nvSpPr>
+        <p:spPr>
+          <a:xfrm>
+            <a:off x="4142411" y="3777256"/>
+            <a:ext cx="1191690" cy="369332"/>
+          </a:xfrm>
+          <a:prstGeom prst="rect">
+            <a:avLst/>
+          </a:prstGeom>
+          <a:noFill/>
+        </p:spPr>
+        <p:txBody>
+          <a:bodyPr wrap="square" rtlCol="0">
+            <a:spAutoFit/>
+          </a:bodyPr>
+          <a:lstStyle/>
+          <a:p>
+            <a:r>
+              <a:rPr lang="en-US" dirty="0">
+                <a:latin typeface="Arial" panose="020B0604020202020204" pitchFamily="34" charset="0"/>
+                <a:cs typeface="Arial" panose="020B0604020202020204" pitchFamily="34" charset="0"/>
+              </a:rPr>
+              <a:t>-0.007</a:t>
+            </a:r>
+          </a:p>
+        </p:txBody>
+      </p:sp>
+      <p:sp>
+        <p:nvSpPr>
+          <p:cNvPr id="21" name="TextBox 20">
+            <a:extLst>
+              <a:ext uri="{FF2B5EF4-FFF2-40B4-BE49-F238E27FC236}">
+                <a16:creationId xmlns:a16="http://schemas.microsoft.com/office/drawing/2014/main" id="{5A2A41AC-37B8-3A43-9997-E6848A0D1F9B}"/>
+              </a:ext>
+            </a:extLst>
+          </p:cNvPr>
+          <p:cNvSpPr txBox="1"/>
+          <p:nvPr/>
+        </p:nvSpPr>
+        <p:spPr>
+          <a:xfrm>
+            <a:off x="4892435" y="2535861"/>
+            <a:ext cx="1191690" cy="369332"/>
+          </a:xfrm>
+          <a:prstGeom prst="rect">
+            <a:avLst/>
+          </a:prstGeom>
+          <a:noFill/>
+        </p:spPr>
+        <p:txBody>
+          <a:bodyPr wrap="square" rtlCol="0">
+            <a:spAutoFit/>
+          </a:bodyPr>
+          <a:lstStyle/>
+          <a:p>
+            <a:r>
+              <a:rPr lang="en-US" dirty="0">
+                <a:latin typeface="Arial" panose="020B0604020202020204" pitchFamily="34" charset="0"/>
+                <a:cs typeface="Arial" panose="020B0604020202020204" pitchFamily="34" charset="0"/>
+              </a:rPr>
+              <a:t>-0.007</a:t>
             </a:r>
           </a:p>
         </p:txBody>
@@ -7203,96 +7545,6 @@
           </a:fontRef>
         </p:style>
       </p:cxnSp>
-      <p:pic>
-        <p:nvPicPr>
-          <p:cNvPr id="4" name="Picture 3" descr="Diagram, venn diagram&#10;&#10;Description automatically generated">
-            <a:extLst>
-              <a:ext uri="{FF2B5EF4-FFF2-40B4-BE49-F238E27FC236}">
-                <a16:creationId xmlns:a16="http://schemas.microsoft.com/office/drawing/2014/main" id="{24938801-CD55-1D43-A9F2-45ABF628FF1B}"/>
-              </a:ext>
-            </a:extLst>
-          </p:cNvPr>
-          <p:cNvPicPr>
-            <a:picLocks noChangeAspect="1"/>
-          </p:cNvPicPr>
-          <p:nvPr/>
-        </p:nvPicPr>
-        <p:blipFill>
-          <a:blip r:embed="rId2"/>
-          <a:stretch>
-            <a:fillRect/>
-          </a:stretch>
-        </p:blipFill>
-        <p:spPr>
-          <a:xfrm>
-            <a:off x="3349371" y="3428592"/>
-            <a:ext cx="4274057" cy="3382012"/>
-          </a:xfrm>
-          <a:prstGeom prst="rect">
-            <a:avLst/>
-          </a:prstGeom>
-        </p:spPr>
-      </p:pic>
-      <p:pic>
-        <p:nvPicPr>
-          <p:cNvPr id="8" name="Picture 7" descr="Diagram, venn diagram&#10;&#10;Description automatically generated">
-            <a:extLst>
-              <a:ext uri="{FF2B5EF4-FFF2-40B4-BE49-F238E27FC236}">
-                <a16:creationId xmlns:a16="http://schemas.microsoft.com/office/drawing/2014/main" id="{5D9C5DD3-27C9-6643-827C-A522F6902B7E}"/>
-              </a:ext>
-            </a:extLst>
-          </p:cNvPr>
-          <p:cNvPicPr>
-            <a:picLocks noChangeAspect="1"/>
-          </p:cNvPicPr>
-          <p:nvPr/>
-        </p:nvPicPr>
-        <p:blipFill>
-          <a:blip r:embed="rId3"/>
-          <a:stretch>
-            <a:fillRect/>
-          </a:stretch>
-        </p:blipFill>
-        <p:spPr>
-          <a:xfrm>
-            <a:off x="1005905" y="59271"/>
-            <a:ext cx="4274062" cy="3382016"/>
-          </a:xfrm>
-          <a:prstGeom prst="rect">
-            <a:avLst/>
-          </a:prstGeom>
-        </p:spPr>
-      </p:pic>
-      <p:pic>
-        <p:nvPicPr>
-          <p:cNvPr id="11" name="Picture 10" descr="Diagram, venn diagram&#10;&#10;Description automatically generated">
-            <a:extLst>
-              <a:ext uri="{FF2B5EF4-FFF2-40B4-BE49-F238E27FC236}">
-                <a16:creationId xmlns:a16="http://schemas.microsoft.com/office/drawing/2014/main" id="{23E9CB6A-A98A-1746-9C25-949243428D32}"/>
-              </a:ext>
-            </a:extLst>
-          </p:cNvPr>
-          <p:cNvPicPr>
-            <a:picLocks noChangeAspect="1"/>
-          </p:cNvPicPr>
-          <p:nvPr/>
-        </p:nvPicPr>
-        <p:blipFill>
-          <a:blip r:embed="rId4"/>
-          <a:stretch>
-            <a:fillRect/>
-          </a:stretch>
-        </p:blipFill>
-        <p:spPr>
-          <a:xfrm>
-            <a:off x="5436854" y="59272"/>
-            <a:ext cx="4274059" cy="3382014"/>
-          </a:xfrm>
-          <a:prstGeom prst="rect">
-            <a:avLst/>
-          </a:prstGeom>
-        </p:spPr>
-      </p:pic>
       <p:cxnSp>
         <p:nvCxnSpPr>
           <p:cNvPr id="9" name="Straight Connector 8">
@@ -7336,6 +7588,96 @@
           </a:fontRef>
         </p:style>
       </p:cxnSp>
+      <p:pic>
+        <p:nvPicPr>
+          <p:cNvPr id="3" name="Picture 2" descr="Diagram, venn diagram&#10;&#10;Description automatically generated">
+            <a:extLst>
+              <a:ext uri="{FF2B5EF4-FFF2-40B4-BE49-F238E27FC236}">
+                <a16:creationId xmlns:a16="http://schemas.microsoft.com/office/drawing/2014/main" id="{1120F291-139B-7A49-90C0-F174CA4450F2}"/>
+              </a:ext>
+            </a:extLst>
+          </p:cNvPr>
+          <p:cNvPicPr>
+            <a:picLocks noChangeAspect="1"/>
+          </p:cNvPicPr>
+          <p:nvPr/>
+        </p:nvPicPr>
+        <p:blipFill>
+          <a:blip r:embed="rId2"/>
+          <a:stretch>
+            <a:fillRect/>
+          </a:stretch>
+        </p:blipFill>
+        <p:spPr>
+          <a:xfrm>
+            <a:off x="3391916" y="3437904"/>
+            <a:ext cx="3932988" cy="3274969"/>
+          </a:xfrm>
+          <a:prstGeom prst="rect">
+            <a:avLst/>
+          </a:prstGeom>
+        </p:spPr>
+      </p:pic>
+      <p:pic>
+        <p:nvPicPr>
+          <p:cNvPr id="6" name="Picture 5" descr="Diagram, venn diagram&#10;&#10;Description automatically generated">
+            <a:extLst>
+              <a:ext uri="{FF2B5EF4-FFF2-40B4-BE49-F238E27FC236}">
+                <a16:creationId xmlns:a16="http://schemas.microsoft.com/office/drawing/2014/main" id="{1B5B60BC-D898-4A47-B596-C2D4674E0169}"/>
+              </a:ext>
+            </a:extLst>
+          </p:cNvPr>
+          <p:cNvPicPr>
+            <a:picLocks noChangeAspect="1"/>
+          </p:cNvPicPr>
+          <p:nvPr/>
+        </p:nvPicPr>
+        <p:blipFill>
+          <a:blip r:embed="rId3"/>
+          <a:stretch>
+            <a:fillRect/>
+          </a:stretch>
+        </p:blipFill>
+        <p:spPr>
+          <a:xfrm>
+            <a:off x="5486400" y="145127"/>
+            <a:ext cx="3932989" cy="3274970"/>
+          </a:xfrm>
+          <a:prstGeom prst="rect">
+            <a:avLst/>
+          </a:prstGeom>
+        </p:spPr>
+      </p:pic>
+      <p:pic>
+        <p:nvPicPr>
+          <p:cNvPr id="10" name="Picture 9" descr="Diagram, venn diagram&#10;&#10;Description automatically generated">
+            <a:extLst>
+              <a:ext uri="{FF2B5EF4-FFF2-40B4-BE49-F238E27FC236}">
+                <a16:creationId xmlns:a16="http://schemas.microsoft.com/office/drawing/2014/main" id="{76796962-AFFC-3843-B71F-8707CB729E2D}"/>
+              </a:ext>
+            </a:extLst>
+          </p:cNvPr>
+          <p:cNvPicPr>
+            <a:picLocks noChangeAspect="1"/>
+          </p:cNvPicPr>
+          <p:nvPr/>
+        </p:nvPicPr>
+        <p:blipFill>
+          <a:blip r:embed="rId4"/>
+          <a:stretch>
+            <a:fillRect/>
+          </a:stretch>
+        </p:blipFill>
+        <p:spPr>
+          <a:xfrm>
+            <a:off x="1576689" y="145125"/>
+            <a:ext cx="3630453" cy="3274971"/>
+          </a:xfrm>
+          <a:prstGeom prst="rect">
+            <a:avLst/>
+          </a:prstGeom>
+        </p:spPr>
+      </p:pic>
     </p:spTree>
     <p:extLst>
       <p:ext uri="{BB962C8B-B14F-4D97-AF65-F5344CB8AC3E}">

--- a/figures/sem_venn_figures.pptx
+++ b/figures/sem_venn_figures.pptx
@@ -5,14 +5,16 @@
     <p:sldMasterId id="2147483648" r:id="rId1"/>
   </p:sldMasterIdLst>
   <p:notesMasterIdLst>
-    <p:notesMasterId r:id="rId7"/>
+    <p:notesMasterId r:id="rId9"/>
   </p:notesMasterIdLst>
   <p:sldIdLst>
     <p:sldId id="256" r:id="rId2"/>
-    <p:sldId id="257" r:id="rId3"/>
-    <p:sldId id="258" r:id="rId4"/>
-    <p:sldId id="259" r:id="rId5"/>
-    <p:sldId id="260" r:id="rId6"/>
+    <p:sldId id="261" r:id="rId3"/>
+    <p:sldId id="262" r:id="rId4"/>
+    <p:sldId id="257" r:id="rId5"/>
+    <p:sldId id="258" r:id="rId6"/>
+    <p:sldId id="259" r:id="rId7"/>
+    <p:sldId id="260" r:id="rId8"/>
   </p:sldIdLst>
   <p:sldSz cx="12192000" cy="6858000"/>
   <p:notesSz cx="6858000" cy="9144000"/>
@@ -201,7 +203,7 @@
           <a:p>
             <a:fld id="{3361DBBF-9048-E34E-A120-F3301ADA26C3}" type="datetimeFigureOut">
               <a:rPr lang="en-US" smtClean="0"/>
-              <a:t>12/2/21</a:t>
+              <a:t>2/7/22</a:t>
             </a:fld>
             <a:endParaRPr lang="en-US"/>
           </a:p>
@@ -536,7 +538,7 @@
           <a:p>
             <a:fld id="{B23B3E7E-11E4-144F-B215-ADFB597CAF46}" type="slidenum">
               <a:rPr lang="en-US" smtClean="0"/>
-              <a:t>2</a:t>
+              <a:t>4</a:t>
             </a:fld>
             <a:endParaRPr lang="en-US"/>
           </a:p>
@@ -623,7 +625,7 @@
           <a:p>
             <a:fld id="{B23B3E7E-11E4-144F-B215-ADFB597CAF46}" type="slidenum">
               <a:rPr lang="en-US" smtClean="0"/>
-              <a:t>3</a:t>
+              <a:t>5</a:t>
             </a:fld>
             <a:endParaRPr lang="en-US"/>
           </a:p>
@@ -710,7 +712,7 @@
           <a:p>
             <a:fld id="{B23B3E7E-11E4-144F-B215-ADFB597CAF46}" type="slidenum">
               <a:rPr lang="en-US" smtClean="0"/>
-              <a:t>4</a:t>
+              <a:t>6</a:t>
             </a:fld>
             <a:endParaRPr lang="en-US"/>
           </a:p>
@@ -876,7 +878,7 @@
           <a:p>
             <a:fld id="{CD91ABF4-99EA-9A4C-8826-87C21CFC9DF7}" type="datetimeFigureOut">
               <a:rPr lang="en-US" smtClean="0"/>
-              <a:t>12/2/21</a:t>
+              <a:t>2/7/22</a:t>
             </a:fld>
             <a:endParaRPr lang="en-US" dirty="0"/>
           </a:p>
@@ -1074,7 +1076,7 @@
           <a:p>
             <a:fld id="{CD91ABF4-99EA-9A4C-8826-87C21CFC9DF7}" type="datetimeFigureOut">
               <a:rPr lang="en-US" smtClean="0"/>
-              <a:t>12/2/21</a:t>
+              <a:t>2/7/22</a:t>
             </a:fld>
             <a:endParaRPr lang="en-US" dirty="0"/>
           </a:p>
@@ -1282,7 +1284,7 @@
           <a:p>
             <a:fld id="{CD91ABF4-99EA-9A4C-8826-87C21CFC9DF7}" type="datetimeFigureOut">
               <a:rPr lang="en-US" smtClean="0"/>
-              <a:t>12/2/21</a:t>
+              <a:t>2/7/22</a:t>
             </a:fld>
             <a:endParaRPr lang="en-US" dirty="0"/>
           </a:p>
@@ -1480,7 +1482,7 @@
           <a:p>
             <a:fld id="{CD91ABF4-99EA-9A4C-8826-87C21CFC9DF7}" type="datetimeFigureOut">
               <a:rPr lang="en-US" smtClean="0"/>
-              <a:t>12/2/21</a:t>
+              <a:t>2/7/22</a:t>
             </a:fld>
             <a:endParaRPr lang="en-US" dirty="0"/>
           </a:p>
@@ -1755,7 +1757,7 @@
           <a:p>
             <a:fld id="{CD91ABF4-99EA-9A4C-8826-87C21CFC9DF7}" type="datetimeFigureOut">
               <a:rPr lang="en-US" smtClean="0"/>
-              <a:t>12/2/21</a:t>
+              <a:t>2/7/22</a:t>
             </a:fld>
             <a:endParaRPr lang="en-US" dirty="0"/>
           </a:p>
@@ -2020,7 +2022,7 @@
           <a:p>
             <a:fld id="{CD91ABF4-99EA-9A4C-8826-87C21CFC9DF7}" type="datetimeFigureOut">
               <a:rPr lang="en-US" smtClean="0"/>
-              <a:t>12/2/21</a:t>
+              <a:t>2/7/22</a:t>
             </a:fld>
             <a:endParaRPr lang="en-US" dirty="0"/>
           </a:p>
@@ -2432,7 +2434,7 @@
           <a:p>
             <a:fld id="{CD91ABF4-99EA-9A4C-8826-87C21CFC9DF7}" type="datetimeFigureOut">
               <a:rPr lang="en-US" smtClean="0"/>
-              <a:t>12/2/21</a:t>
+              <a:t>2/7/22</a:t>
             </a:fld>
             <a:endParaRPr lang="en-US" dirty="0"/>
           </a:p>
@@ -2573,7 +2575,7 @@
           <a:p>
             <a:fld id="{CD91ABF4-99EA-9A4C-8826-87C21CFC9DF7}" type="datetimeFigureOut">
               <a:rPr lang="en-US" smtClean="0"/>
-              <a:t>12/2/21</a:t>
+              <a:t>2/7/22</a:t>
             </a:fld>
             <a:endParaRPr lang="en-US" dirty="0"/>
           </a:p>
@@ -2686,7 +2688,7 @@
           <a:p>
             <a:fld id="{CD91ABF4-99EA-9A4C-8826-87C21CFC9DF7}" type="datetimeFigureOut">
               <a:rPr lang="en-US" smtClean="0"/>
-              <a:t>12/2/21</a:t>
+              <a:t>2/7/22</a:t>
             </a:fld>
             <a:endParaRPr lang="en-US" dirty="0"/>
           </a:p>
@@ -2997,7 +2999,7 @@
           <a:p>
             <a:fld id="{CD91ABF4-99EA-9A4C-8826-87C21CFC9DF7}" type="datetimeFigureOut">
               <a:rPr lang="en-US" smtClean="0"/>
-              <a:t>12/2/21</a:t>
+              <a:t>2/7/22</a:t>
             </a:fld>
             <a:endParaRPr lang="en-US" dirty="0"/>
           </a:p>
@@ -3285,7 +3287,7 @@
           <a:p>
             <a:fld id="{CD91ABF4-99EA-9A4C-8826-87C21CFC9DF7}" type="datetimeFigureOut">
               <a:rPr lang="en-US" smtClean="0"/>
-              <a:t>12/2/21</a:t>
+              <a:t>2/7/22</a:t>
             </a:fld>
             <a:endParaRPr lang="en-US" dirty="0"/>
           </a:p>
@@ -3526,7 +3528,7 @@
           <a:p>
             <a:fld id="{CD91ABF4-99EA-9A4C-8826-87C21CFC9DF7}" type="datetimeFigureOut">
               <a:rPr lang="en-US" smtClean="0"/>
-              <a:t>12/2/21</a:t>
+              <a:t>2/7/22</a:t>
             </a:fld>
             <a:endParaRPr lang="en-US" dirty="0"/>
           </a:p>
@@ -5470,28 +5472,29 @@
       </p:grpSpPr>
       <p:sp>
         <p:nvSpPr>
-          <p:cNvPr id="2" name="Oval 1">
-            <a:extLst>
-              <a:ext uri="{FF2B5EF4-FFF2-40B4-BE49-F238E27FC236}">
-                <a16:creationId xmlns:a16="http://schemas.microsoft.com/office/drawing/2014/main" id="{ABDFBAC5-1D7C-4844-B9F9-941E6CABA206}"/>
-              </a:ext>
-            </a:extLst>
-          </p:cNvPr>
-          <p:cNvSpPr/>
-          <p:nvPr/>
-        </p:nvSpPr>
-        <p:spPr>
-          <a:xfrm>
-            <a:off x="3258293" y="1696686"/>
-            <a:ext cx="2604654" cy="2740232"/>
-          </a:xfrm>
-          <a:prstGeom prst="ellipse">
+          <p:cNvPr id="4" name="TextBox 3">
+            <a:extLst>
+              <a:ext uri="{FF2B5EF4-FFF2-40B4-BE49-F238E27FC236}">
+                <a16:creationId xmlns:a16="http://schemas.microsoft.com/office/drawing/2014/main" id="{A2830E8C-CB8D-2342-B74C-673CBF250C64}"/>
+              </a:ext>
+            </a:extLst>
+          </p:cNvPr>
+          <p:cNvSpPr txBox="1"/>
+          <p:nvPr/>
+        </p:nvSpPr>
+        <p:spPr>
+          <a:xfrm>
+            <a:off x="1961370" y="4656977"/>
+            <a:ext cx="2113808" cy="338554"/>
+          </a:xfrm>
+          <a:prstGeom prst="rect">
             <a:avLst/>
           </a:prstGeom>
           <a:solidFill>
-            <a:srgbClr val="D883FF">
-              <a:alpha val="50196"/>
-            </a:srgbClr>
+            <a:schemeClr val="accent6">
+              <a:lumMod val="60000"/>
+              <a:lumOff val="40000"/>
+            </a:schemeClr>
           </a:solidFill>
           <a:ln>
             <a:solidFill>
@@ -5499,55 +5502,47 @@
             </a:solidFill>
           </a:ln>
         </p:spPr>
-        <p:style>
-          <a:lnRef idx="2">
-            <a:schemeClr val="accent1">
-              <a:shade val="50000"/>
+        <p:txBody>
+          <a:bodyPr wrap="square" rtlCol="0">
+            <a:spAutoFit/>
+          </a:bodyPr>
+          <a:lstStyle/>
+          <a:p>
+            <a:r>
+              <a:rPr lang="en-US" sz="1600" dirty="0">
+                <a:latin typeface="Arial" panose="020B0604020202020204" pitchFamily="34" charset="0"/>
+                <a:cs typeface="Arial" panose="020B0604020202020204" pitchFamily="34" charset="0"/>
+              </a:rPr>
+              <a:t>Habitat niche breadth</a:t>
+            </a:r>
+          </a:p>
+        </p:txBody>
+      </p:sp>
+      <p:sp>
+        <p:nvSpPr>
+          <p:cNvPr id="5" name="TextBox 4">
+            <a:extLst>
+              <a:ext uri="{FF2B5EF4-FFF2-40B4-BE49-F238E27FC236}">
+                <a16:creationId xmlns:a16="http://schemas.microsoft.com/office/drawing/2014/main" id="{57B79E2B-E3EF-2D4D-9016-FA2EFDECFDA8}"/>
+              </a:ext>
+            </a:extLst>
+          </p:cNvPr>
+          <p:cNvSpPr txBox="1"/>
+          <p:nvPr/>
+        </p:nvSpPr>
+        <p:spPr>
+          <a:xfrm>
+            <a:off x="4878472" y="4643063"/>
+            <a:ext cx="2183111" cy="338554"/>
+          </a:xfrm>
+          <a:prstGeom prst="rect">
+            <a:avLst/>
+          </a:prstGeom>
+          <a:solidFill>
+            <a:schemeClr val="accent6">
+              <a:lumMod val="60000"/>
+              <a:lumOff val="40000"/>
             </a:schemeClr>
-          </a:lnRef>
-          <a:fillRef idx="1">
-            <a:schemeClr val="accent1"/>
-          </a:fillRef>
-          <a:effectRef idx="0">
-            <a:schemeClr val="accent1"/>
-          </a:effectRef>
-          <a:fontRef idx="minor">
-            <a:schemeClr val="lt1"/>
-          </a:fontRef>
-        </p:style>
-        <p:txBody>
-          <a:bodyPr rtlCol="0" anchor="ctr"/>
-          <a:lstStyle/>
-          <a:p>
-            <a:pPr algn="ctr"/>
-            <a:endParaRPr lang="en-US"/>
-          </a:p>
-        </p:txBody>
-      </p:sp>
-      <p:sp>
-        <p:nvSpPr>
-          <p:cNvPr id="3" name="Oval 2">
-            <a:extLst>
-              <a:ext uri="{FF2B5EF4-FFF2-40B4-BE49-F238E27FC236}">
-                <a16:creationId xmlns:a16="http://schemas.microsoft.com/office/drawing/2014/main" id="{50F6445B-A35C-1549-949B-2546B11108E8}"/>
-              </a:ext>
-            </a:extLst>
-          </p:cNvPr>
-          <p:cNvSpPr/>
-          <p:nvPr/>
-        </p:nvSpPr>
-        <p:spPr>
-          <a:xfrm>
-            <a:off x="4884965" y="1691216"/>
-            <a:ext cx="2854035" cy="2745702"/>
-          </a:xfrm>
-          <a:prstGeom prst="ellipse">
-            <a:avLst/>
-          </a:prstGeom>
-          <a:solidFill>
-            <a:srgbClr val="76D6FF">
-              <a:alpha val="50196"/>
-            </a:srgbClr>
           </a:solidFill>
           <a:ln>
             <a:solidFill>
@@ -5555,55 +5550,47 @@
             </a:solidFill>
           </a:ln>
         </p:spPr>
-        <p:style>
-          <a:lnRef idx="2">
-            <a:schemeClr val="accent1">
-              <a:shade val="50000"/>
+        <p:txBody>
+          <a:bodyPr wrap="square" rtlCol="0">
+            <a:spAutoFit/>
+          </a:bodyPr>
+          <a:lstStyle/>
+          <a:p>
+            <a:r>
+              <a:rPr lang="en-US" sz="1600" dirty="0">
+                <a:latin typeface="Arial" panose="020B0604020202020204" pitchFamily="34" charset="0"/>
+                <a:cs typeface="Arial" panose="020B0604020202020204" pitchFamily="34" charset="0"/>
+              </a:rPr>
+              <a:t>Climate niche breadth</a:t>
+            </a:r>
+          </a:p>
+        </p:txBody>
+      </p:sp>
+      <p:sp>
+        <p:nvSpPr>
+          <p:cNvPr id="6" name="TextBox 5">
+            <a:extLst>
+              <a:ext uri="{FF2B5EF4-FFF2-40B4-BE49-F238E27FC236}">
+                <a16:creationId xmlns:a16="http://schemas.microsoft.com/office/drawing/2014/main" id="{5939E09C-1A89-6440-B5EA-C79A0949A2CC}"/>
+              </a:ext>
+            </a:extLst>
+          </p:cNvPr>
+          <p:cNvSpPr txBox="1"/>
+          <p:nvPr/>
+        </p:nvSpPr>
+        <p:spPr>
+          <a:xfrm>
+            <a:off x="8011885" y="4643252"/>
+            <a:ext cx="1854346" cy="338554"/>
+          </a:xfrm>
+          <a:prstGeom prst="rect">
+            <a:avLst/>
+          </a:prstGeom>
+          <a:solidFill>
+            <a:schemeClr val="accent6">
+              <a:lumMod val="60000"/>
+              <a:lumOff val="40000"/>
             </a:schemeClr>
-          </a:lnRef>
-          <a:fillRef idx="1">
-            <a:schemeClr val="accent1"/>
-          </a:fillRef>
-          <a:effectRef idx="0">
-            <a:schemeClr val="accent1"/>
-          </a:effectRef>
-          <a:fontRef idx="minor">
-            <a:schemeClr val="lt1"/>
-          </a:fontRef>
-        </p:style>
-        <p:txBody>
-          <a:bodyPr rtlCol="0" anchor="ctr"/>
-          <a:lstStyle/>
-          <a:p>
-            <a:pPr algn="ctr"/>
-            <a:endParaRPr lang="en-US"/>
-          </a:p>
-        </p:txBody>
-      </p:sp>
-      <p:sp>
-        <p:nvSpPr>
-          <p:cNvPr id="4" name="Oval 3">
-            <a:extLst>
-              <a:ext uri="{FF2B5EF4-FFF2-40B4-BE49-F238E27FC236}">
-                <a16:creationId xmlns:a16="http://schemas.microsoft.com/office/drawing/2014/main" id="{C8F89E68-3A52-8247-A1FE-A8CF47352C31}"/>
-              </a:ext>
-            </a:extLst>
-          </p:cNvPr>
-          <p:cNvSpPr/>
-          <p:nvPr/>
-        </p:nvSpPr>
-        <p:spPr>
-          <a:xfrm>
-            <a:off x="3906982" y="2995550"/>
-            <a:ext cx="2854035" cy="2882736"/>
-          </a:xfrm>
-          <a:prstGeom prst="ellipse">
-            <a:avLst/>
-          </a:prstGeom>
-          <a:solidFill>
-            <a:srgbClr val="4E8F00">
-              <a:alpha val="50196"/>
-            </a:srgbClr>
           </a:solidFill>
           <a:ln>
             <a:solidFill>
@@ -5611,53 +5598,6 @@
             </a:solidFill>
           </a:ln>
         </p:spPr>
-        <p:style>
-          <a:lnRef idx="2">
-            <a:schemeClr val="accent1">
-              <a:shade val="50000"/>
-            </a:schemeClr>
-          </a:lnRef>
-          <a:fillRef idx="1">
-            <a:schemeClr val="accent1"/>
-          </a:fillRef>
-          <a:effectRef idx="0">
-            <a:schemeClr val="accent1"/>
-          </a:effectRef>
-          <a:fontRef idx="minor">
-            <a:schemeClr val="lt1"/>
-          </a:fontRef>
-        </p:style>
-        <p:txBody>
-          <a:bodyPr rtlCol="0" anchor="ctr"/>
-          <a:lstStyle/>
-          <a:p>
-            <a:pPr algn="ctr"/>
-            <a:endParaRPr lang="en-US"/>
-          </a:p>
-        </p:txBody>
-      </p:sp>
-      <p:sp>
-        <p:nvSpPr>
-          <p:cNvPr id="5" name="TextBox 4">
-            <a:extLst>
-              <a:ext uri="{FF2B5EF4-FFF2-40B4-BE49-F238E27FC236}">
-                <a16:creationId xmlns:a16="http://schemas.microsoft.com/office/drawing/2014/main" id="{468C6069-BA96-9E40-8437-18F5A8D5A767}"/>
-              </a:ext>
-            </a:extLst>
-          </p:cNvPr>
-          <p:cNvSpPr txBox="1"/>
-          <p:nvPr/>
-        </p:nvSpPr>
-        <p:spPr>
-          <a:xfrm>
-            <a:off x="5862947" y="2480625"/>
-            <a:ext cx="1840675" cy="369332"/>
-          </a:xfrm>
-          <a:prstGeom prst="rect">
-            <a:avLst/>
-          </a:prstGeom>
-          <a:noFill/>
-        </p:spPr>
         <p:txBody>
           <a:bodyPr wrap="square" rtlCol="0">
             <a:spAutoFit/>
@@ -5665,21 +5605,21 @@
           <a:lstStyle/>
           <a:p>
             <a:r>
-              <a:rPr lang="en-US" dirty="0">
-                <a:latin typeface="Arial" panose="020B0604020202020204" pitchFamily="34" charset="0"/>
-                <a:cs typeface="Arial" panose="020B0604020202020204" pitchFamily="34" charset="0"/>
-              </a:rPr>
-              <a:t>Niche breadth</a:t>
-            </a:r>
-          </a:p>
-        </p:txBody>
-      </p:sp>
-      <p:sp>
-        <p:nvSpPr>
-          <p:cNvPr id="6" name="TextBox 5">
-            <a:extLst>
-              <a:ext uri="{FF2B5EF4-FFF2-40B4-BE49-F238E27FC236}">
-                <a16:creationId xmlns:a16="http://schemas.microsoft.com/office/drawing/2014/main" id="{AA65B116-EA42-DE4A-AFA1-1F5F883DF204}"/>
+              <a:rPr lang="en-US" sz="1600" dirty="0">
+                <a:latin typeface="Arial" panose="020B0604020202020204" pitchFamily="34" charset="0"/>
+                <a:cs typeface="Arial" panose="020B0604020202020204" pitchFamily="34" charset="0"/>
+              </a:rPr>
+              <a:t>Diet niche breadth</a:t>
+            </a:r>
+          </a:p>
+        </p:txBody>
+      </p:sp>
+      <p:sp>
+        <p:nvSpPr>
+          <p:cNvPr id="7" name="TextBox 6">
+            <a:extLst>
+              <a:ext uri="{FF2B5EF4-FFF2-40B4-BE49-F238E27FC236}">
+                <a16:creationId xmlns:a16="http://schemas.microsoft.com/office/drawing/2014/main" id="{2C2485D8-F4C8-824F-B3D1-42CCAB075F42}"/>
               </a:ext>
             </a:extLst>
           </p:cNvPr>
@@ -5688,13 +5628,23 @@
         </p:nvSpPr>
         <p:spPr>
           <a:xfrm>
-            <a:off x="4413661" y="4907909"/>
-            <a:ext cx="1840675" cy="369332"/>
+            <a:off x="1983179" y="1930339"/>
+            <a:ext cx="2006930" cy="338554"/>
           </a:xfrm>
           <a:prstGeom prst="rect">
             <a:avLst/>
           </a:prstGeom>
-          <a:noFill/>
+          <a:solidFill>
+            <a:schemeClr val="accent5">
+              <a:lumMod val="60000"/>
+              <a:lumOff val="40000"/>
+            </a:schemeClr>
+          </a:solidFill>
+          <a:ln>
+            <a:solidFill>
+              <a:schemeClr val="tx1"/>
+            </a:solidFill>
+          </a:ln>
         </p:spPr>
         <p:txBody>
           <a:bodyPr wrap="square" rtlCol="0">
@@ -5703,21 +5653,21 @@
           <a:lstStyle/>
           <a:p>
             <a:r>
-              <a:rPr lang="en-US" dirty="0">
-                <a:latin typeface="Arial" panose="020B0604020202020204" pitchFamily="34" charset="0"/>
-                <a:cs typeface="Arial" panose="020B0604020202020204" pitchFamily="34" charset="0"/>
-              </a:rPr>
-              <a:t>Body size</a:t>
-            </a:r>
-          </a:p>
-        </p:txBody>
-      </p:sp>
-      <p:sp>
-        <p:nvSpPr>
-          <p:cNvPr id="7" name="TextBox 6">
-            <a:extLst>
-              <a:ext uri="{FF2B5EF4-FFF2-40B4-BE49-F238E27FC236}">
-                <a16:creationId xmlns:a16="http://schemas.microsoft.com/office/drawing/2014/main" id="{A72E2609-B025-0840-BB63-D989569E86F1}"/>
+              <a:rPr lang="en-US" sz="1600" dirty="0">
+                <a:latin typeface="Arial" panose="020B0604020202020204" pitchFamily="34" charset="0"/>
+                <a:cs typeface="Arial" panose="020B0604020202020204" pitchFamily="34" charset="0"/>
+              </a:rPr>
+              <a:t>Δ Range occupancy</a:t>
+            </a:r>
+          </a:p>
+        </p:txBody>
+      </p:sp>
+      <p:sp>
+        <p:nvSpPr>
+          <p:cNvPr id="8" name="TextBox 7">
+            <a:extLst>
+              <a:ext uri="{FF2B5EF4-FFF2-40B4-BE49-F238E27FC236}">
+                <a16:creationId xmlns:a16="http://schemas.microsoft.com/office/drawing/2014/main" id="{22848059-02D7-8846-819C-2D63C22A5FAD}"/>
               </a:ext>
             </a:extLst>
           </p:cNvPr>
@@ -5726,13 +5676,23 @@
         </p:nvSpPr>
         <p:spPr>
           <a:xfrm>
-            <a:off x="3564576" y="2201393"/>
-            <a:ext cx="1173680" cy="646331"/>
+            <a:off x="5285013" y="1930339"/>
+            <a:ext cx="1431968" cy="338554"/>
           </a:xfrm>
           <a:prstGeom prst="rect">
             <a:avLst/>
           </a:prstGeom>
-          <a:noFill/>
+          <a:solidFill>
+            <a:schemeClr val="accent5">
+              <a:lumMod val="60000"/>
+              <a:lumOff val="40000"/>
+            </a:schemeClr>
+          </a:solidFill>
+          <a:ln>
+            <a:solidFill>
+              <a:schemeClr val="tx1"/>
+            </a:solidFill>
+          </a:ln>
         </p:spPr>
         <p:txBody>
           <a:bodyPr wrap="square" rtlCol="0">
@@ -5740,13 +5700,12 @@
           </a:bodyPr>
           <a:lstStyle/>
           <a:p>
-            <a:pPr algn="ctr"/>
-            <a:r>
-              <a:rPr lang="en-US" dirty="0">
-                <a:latin typeface="Arial" panose="020B0604020202020204" pitchFamily="34" charset="0"/>
-                <a:cs typeface="Arial" panose="020B0604020202020204" pitchFamily="34" charset="0"/>
-              </a:rPr>
-              <a:t>Migratory distance</a:t>
+            <a:r>
+              <a:rPr lang="en-US" sz="1600" dirty="0">
+                <a:latin typeface="Arial" panose="020B0604020202020204" pitchFamily="34" charset="0"/>
+                <a:cs typeface="Arial" panose="020B0604020202020204" pitchFamily="34" charset="0"/>
+              </a:rPr>
+              <a:t>Δ Range area</a:t>
             </a:r>
           </a:p>
         </p:txBody>
@@ -5756,7 +5715,7 @@
           <p:cNvPr id="9" name="TextBox 8">
             <a:extLst>
               <a:ext uri="{FF2B5EF4-FFF2-40B4-BE49-F238E27FC236}">
-                <a16:creationId xmlns:a16="http://schemas.microsoft.com/office/drawing/2014/main" id="{1E601120-75B5-5749-850E-37BB69F4F026}"/>
+                <a16:creationId xmlns:a16="http://schemas.microsoft.com/office/drawing/2014/main" id="{A381E936-BD09-3B4E-8B21-194D90CF179C}"/>
               </a:ext>
             </a:extLst>
           </p:cNvPr>
@@ -5765,13 +5724,23 @@
         </p:nvSpPr>
         <p:spPr>
           <a:xfrm>
-            <a:off x="6425516" y="2786852"/>
-            <a:ext cx="1191690" cy="369332"/>
+            <a:off x="8116784" y="1930339"/>
+            <a:ext cx="1696010" cy="338554"/>
           </a:xfrm>
           <a:prstGeom prst="rect">
             <a:avLst/>
           </a:prstGeom>
-          <a:noFill/>
+          <a:solidFill>
+            <a:schemeClr val="accent5">
+              <a:lumMod val="60000"/>
+              <a:lumOff val="40000"/>
+            </a:schemeClr>
+          </a:solidFill>
+          <a:ln>
+            <a:solidFill>
+              <a:schemeClr val="tx1"/>
+            </a:solidFill>
+          </a:ln>
         </p:spPr>
         <p:txBody>
           <a:bodyPr wrap="square" rtlCol="0">
@@ -5780,21 +5749,545 @@
           <a:lstStyle/>
           <a:p>
             <a:r>
-              <a:rPr lang="en-US" dirty="0">
-                <a:latin typeface="Arial" panose="020B0604020202020204" pitchFamily="34" charset="0"/>
-                <a:cs typeface="Arial" panose="020B0604020202020204" pitchFamily="34" charset="0"/>
-              </a:rPr>
-              <a:t>0.002</a:t>
-            </a:r>
-          </a:p>
-        </p:txBody>
-      </p:sp>
-      <p:sp>
-        <p:nvSpPr>
-          <p:cNvPr id="10" name="TextBox 9">
-            <a:extLst>
-              <a:ext uri="{FF2B5EF4-FFF2-40B4-BE49-F238E27FC236}">
-                <a16:creationId xmlns:a16="http://schemas.microsoft.com/office/drawing/2014/main" id="{0D888F98-CF7C-0346-818A-B2A92BCEBF31}"/>
+              <a:rPr lang="en-US" sz="1600" dirty="0">
+                <a:latin typeface="Arial" panose="020B0604020202020204" pitchFamily="34" charset="0"/>
+                <a:cs typeface="Arial" panose="020B0604020202020204" pitchFamily="34" charset="0"/>
+              </a:rPr>
+              <a:t>Population trend</a:t>
+            </a:r>
+          </a:p>
+        </p:txBody>
+      </p:sp>
+      <p:cxnSp>
+        <p:nvCxnSpPr>
+          <p:cNvPr id="18" name="Straight Arrow Connector 17">
+            <a:extLst>
+              <a:ext uri="{FF2B5EF4-FFF2-40B4-BE49-F238E27FC236}">
+                <a16:creationId xmlns:a16="http://schemas.microsoft.com/office/drawing/2014/main" id="{DF06F7F1-EE0B-4849-8837-E59A2B8A8A1E}"/>
+              </a:ext>
+            </a:extLst>
+          </p:cNvPr>
+          <p:cNvCxnSpPr>
+            <a:cxnSpLocks/>
+            <a:stCxn id="4" idx="0"/>
+            <a:endCxn id="7" idx="2"/>
+          </p:cNvCxnSpPr>
+          <p:nvPr/>
+        </p:nvCxnSpPr>
+        <p:spPr>
+          <a:xfrm flipH="1" flipV="1">
+            <a:off x="2986644" y="2268893"/>
+            <a:ext cx="31630" cy="2388084"/>
+          </a:xfrm>
+          <a:prstGeom prst="straightConnector1">
+            <a:avLst/>
+          </a:prstGeom>
+          <a:ln w="38100">
+            <a:solidFill>
+              <a:schemeClr val="tx1"/>
+            </a:solidFill>
+            <a:prstDash val="solid"/>
+            <a:tailEnd type="triangle" w="lg" len="lg"/>
+          </a:ln>
+        </p:spPr>
+        <p:style>
+          <a:lnRef idx="1">
+            <a:schemeClr val="accent1"/>
+          </a:lnRef>
+          <a:fillRef idx="0">
+            <a:schemeClr val="accent1"/>
+          </a:fillRef>
+          <a:effectRef idx="0">
+            <a:schemeClr val="accent1"/>
+          </a:effectRef>
+          <a:fontRef idx="minor">
+            <a:schemeClr val="tx1"/>
+          </a:fontRef>
+        </p:style>
+      </p:cxnSp>
+      <p:cxnSp>
+        <p:nvCxnSpPr>
+          <p:cNvPr id="19" name="Straight Arrow Connector 18">
+            <a:extLst>
+              <a:ext uri="{FF2B5EF4-FFF2-40B4-BE49-F238E27FC236}">
+                <a16:creationId xmlns:a16="http://schemas.microsoft.com/office/drawing/2014/main" id="{50C60737-CACA-F84D-8894-31E466033DF1}"/>
+              </a:ext>
+            </a:extLst>
+          </p:cNvPr>
+          <p:cNvCxnSpPr>
+            <a:cxnSpLocks/>
+            <a:stCxn id="5" idx="0"/>
+          </p:cNvCxnSpPr>
+          <p:nvPr/>
+        </p:nvCxnSpPr>
+        <p:spPr>
+          <a:xfrm flipH="1" flipV="1">
+            <a:off x="3084000" y="2299483"/>
+            <a:ext cx="2886028" cy="2343580"/>
+          </a:xfrm>
+          <a:prstGeom prst="straightConnector1">
+            <a:avLst/>
+          </a:prstGeom>
+          <a:ln w="28575">
+            <a:solidFill>
+              <a:schemeClr val="bg2">
+                <a:lumMod val="50000"/>
+              </a:schemeClr>
+            </a:solidFill>
+            <a:prstDash val="dash"/>
+            <a:headEnd w="lg" len="lg"/>
+            <a:tailEnd type="triangle" w="lg" len="lg"/>
+          </a:ln>
+        </p:spPr>
+        <p:style>
+          <a:lnRef idx="1">
+            <a:schemeClr val="accent1"/>
+          </a:lnRef>
+          <a:fillRef idx="0">
+            <a:schemeClr val="accent1"/>
+          </a:fillRef>
+          <a:effectRef idx="0">
+            <a:schemeClr val="accent1"/>
+          </a:effectRef>
+          <a:fontRef idx="minor">
+            <a:schemeClr val="tx1"/>
+          </a:fontRef>
+        </p:style>
+      </p:cxnSp>
+      <p:cxnSp>
+        <p:nvCxnSpPr>
+          <p:cNvPr id="21" name="Straight Arrow Connector 20">
+            <a:extLst>
+              <a:ext uri="{FF2B5EF4-FFF2-40B4-BE49-F238E27FC236}">
+                <a16:creationId xmlns:a16="http://schemas.microsoft.com/office/drawing/2014/main" id="{AFBBAC6A-9674-F346-85B0-8DBDA2C997AE}"/>
+              </a:ext>
+            </a:extLst>
+          </p:cNvPr>
+          <p:cNvCxnSpPr>
+            <a:cxnSpLocks/>
+          </p:cNvCxnSpPr>
+          <p:nvPr/>
+        </p:nvCxnSpPr>
+        <p:spPr>
+          <a:xfrm flipH="1" flipV="1">
+            <a:off x="3210388" y="2299671"/>
+            <a:ext cx="5844856" cy="2343580"/>
+          </a:xfrm>
+          <a:prstGeom prst="straightConnector1">
+            <a:avLst/>
+          </a:prstGeom>
+          <a:ln w="28575">
+            <a:solidFill>
+              <a:schemeClr val="bg2">
+                <a:lumMod val="50000"/>
+              </a:schemeClr>
+            </a:solidFill>
+            <a:prstDash val="dash"/>
+            <a:tailEnd type="triangle" w="lg" len="lg"/>
+          </a:ln>
+        </p:spPr>
+        <p:style>
+          <a:lnRef idx="1">
+            <a:schemeClr val="accent1"/>
+          </a:lnRef>
+          <a:fillRef idx="0">
+            <a:schemeClr val="accent1"/>
+          </a:fillRef>
+          <a:effectRef idx="0">
+            <a:schemeClr val="accent1"/>
+          </a:effectRef>
+          <a:fontRef idx="minor">
+            <a:schemeClr val="tx1"/>
+          </a:fontRef>
+        </p:style>
+      </p:cxnSp>
+      <p:cxnSp>
+        <p:nvCxnSpPr>
+          <p:cNvPr id="23" name="Straight Arrow Connector 22">
+            <a:extLst>
+              <a:ext uri="{FF2B5EF4-FFF2-40B4-BE49-F238E27FC236}">
+                <a16:creationId xmlns:a16="http://schemas.microsoft.com/office/drawing/2014/main" id="{B09799FA-F7A4-074D-97C1-C7E639CB1DC8}"/>
+              </a:ext>
+            </a:extLst>
+          </p:cNvPr>
+          <p:cNvCxnSpPr>
+            <a:cxnSpLocks/>
+            <a:stCxn id="4" idx="0"/>
+          </p:cNvCxnSpPr>
+          <p:nvPr/>
+        </p:nvCxnSpPr>
+        <p:spPr>
+          <a:xfrm flipV="1">
+            <a:off x="3018274" y="2313020"/>
+            <a:ext cx="2851376" cy="2343957"/>
+          </a:xfrm>
+          <a:prstGeom prst="straightConnector1">
+            <a:avLst/>
+          </a:prstGeom>
+          <a:ln w="28575">
+            <a:solidFill>
+              <a:schemeClr val="bg2">
+                <a:lumMod val="50000"/>
+              </a:schemeClr>
+            </a:solidFill>
+            <a:prstDash val="dash"/>
+            <a:tailEnd type="triangle" w="lg" len="lg"/>
+          </a:ln>
+        </p:spPr>
+        <p:style>
+          <a:lnRef idx="1">
+            <a:schemeClr val="accent1"/>
+          </a:lnRef>
+          <a:fillRef idx="0">
+            <a:schemeClr val="accent1"/>
+          </a:fillRef>
+          <a:effectRef idx="0">
+            <a:schemeClr val="accent1"/>
+          </a:effectRef>
+          <a:fontRef idx="minor">
+            <a:schemeClr val="tx1"/>
+          </a:fontRef>
+        </p:style>
+      </p:cxnSp>
+      <p:cxnSp>
+        <p:nvCxnSpPr>
+          <p:cNvPr id="24" name="Straight Arrow Connector 23">
+            <a:extLst>
+              <a:ext uri="{FF2B5EF4-FFF2-40B4-BE49-F238E27FC236}">
+                <a16:creationId xmlns:a16="http://schemas.microsoft.com/office/drawing/2014/main" id="{972A6FB1-BF8C-F441-94FF-7D009FE0A18E}"/>
+              </a:ext>
+            </a:extLst>
+          </p:cNvPr>
+          <p:cNvCxnSpPr>
+            <a:cxnSpLocks/>
+          </p:cNvCxnSpPr>
+          <p:nvPr/>
+        </p:nvCxnSpPr>
+        <p:spPr>
+          <a:xfrm flipV="1">
+            <a:off x="6027650" y="2285384"/>
+            <a:ext cx="14062" cy="2343580"/>
+          </a:xfrm>
+          <a:prstGeom prst="straightConnector1">
+            <a:avLst/>
+          </a:prstGeom>
+          <a:ln w="38100">
+            <a:solidFill>
+              <a:schemeClr val="tx1"/>
+            </a:solidFill>
+            <a:prstDash val="solid"/>
+            <a:headEnd w="lg" len="lg"/>
+            <a:tailEnd type="triangle" w="lg" len="lg"/>
+          </a:ln>
+        </p:spPr>
+        <p:style>
+          <a:lnRef idx="1">
+            <a:schemeClr val="accent1"/>
+          </a:lnRef>
+          <a:fillRef idx="0">
+            <a:schemeClr val="accent1"/>
+          </a:fillRef>
+          <a:effectRef idx="0">
+            <a:schemeClr val="accent1"/>
+          </a:effectRef>
+          <a:fontRef idx="minor">
+            <a:schemeClr val="tx1"/>
+          </a:fontRef>
+        </p:style>
+      </p:cxnSp>
+      <p:cxnSp>
+        <p:nvCxnSpPr>
+          <p:cNvPr id="25" name="Straight Arrow Connector 24">
+            <a:extLst>
+              <a:ext uri="{FF2B5EF4-FFF2-40B4-BE49-F238E27FC236}">
+                <a16:creationId xmlns:a16="http://schemas.microsoft.com/office/drawing/2014/main" id="{45A391B6-D398-C84A-A9F8-7C99294FDE76}"/>
+              </a:ext>
+            </a:extLst>
+          </p:cNvPr>
+          <p:cNvCxnSpPr>
+            <a:cxnSpLocks/>
+            <a:stCxn id="6" idx="0"/>
+          </p:cNvCxnSpPr>
+          <p:nvPr/>
+        </p:nvCxnSpPr>
+        <p:spPr>
+          <a:xfrm flipH="1" flipV="1">
+            <a:off x="6155641" y="2297469"/>
+            <a:ext cx="2783417" cy="2345783"/>
+          </a:xfrm>
+          <a:prstGeom prst="straightConnector1">
+            <a:avLst/>
+          </a:prstGeom>
+          <a:ln w="28575">
+            <a:solidFill>
+              <a:schemeClr val="bg2">
+                <a:lumMod val="50000"/>
+              </a:schemeClr>
+            </a:solidFill>
+            <a:prstDash val="dash"/>
+            <a:tailEnd type="triangle" w="lg" len="lg"/>
+          </a:ln>
+        </p:spPr>
+        <p:style>
+          <a:lnRef idx="1">
+            <a:schemeClr val="accent1"/>
+          </a:lnRef>
+          <a:fillRef idx="0">
+            <a:schemeClr val="accent1"/>
+          </a:fillRef>
+          <a:effectRef idx="0">
+            <a:schemeClr val="accent1"/>
+          </a:effectRef>
+          <a:fontRef idx="minor">
+            <a:schemeClr val="tx1"/>
+          </a:fontRef>
+        </p:style>
+      </p:cxnSp>
+      <p:cxnSp>
+        <p:nvCxnSpPr>
+          <p:cNvPr id="33" name="Straight Arrow Connector 32">
+            <a:extLst>
+              <a:ext uri="{FF2B5EF4-FFF2-40B4-BE49-F238E27FC236}">
+                <a16:creationId xmlns:a16="http://schemas.microsoft.com/office/drawing/2014/main" id="{F3C7C845-1D72-394E-9DE1-542D0FCD9A35}"/>
+              </a:ext>
+            </a:extLst>
+          </p:cNvPr>
+          <p:cNvCxnSpPr>
+            <a:cxnSpLocks/>
+            <a:endCxn id="9" idx="2"/>
+          </p:cNvCxnSpPr>
+          <p:nvPr/>
+        </p:nvCxnSpPr>
+        <p:spPr>
+          <a:xfrm flipV="1">
+            <a:off x="6096000" y="2268893"/>
+            <a:ext cx="2868789" cy="2374362"/>
+          </a:xfrm>
+          <a:prstGeom prst="straightConnector1">
+            <a:avLst/>
+          </a:prstGeom>
+          <a:ln w="28575">
+            <a:solidFill>
+              <a:schemeClr val="bg2">
+                <a:lumMod val="50000"/>
+              </a:schemeClr>
+            </a:solidFill>
+            <a:prstDash val="dash"/>
+            <a:tailEnd type="triangle" w="lg" len="lg"/>
+          </a:ln>
+        </p:spPr>
+        <p:style>
+          <a:lnRef idx="1">
+            <a:schemeClr val="accent1"/>
+          </a:lnRef>
+          <a:fillRef idx="0">
+            <a:schemeClr val="accent1"/>
+          </a:fillRef>
+          <a:effectRef idx="0">
+            <a:schemeClr val="accent1"/>
+          </a:effectRef>
+          <a:fontRef idx="minor">
+            <a:schemeClr val="tx1"/>
+          </a:fontRef>
+        </p:style>
+      </p:cxnSp>
+      <p:cxnSp>
+        <p:nvCxnSpPr>
+          <p:cNvPr id="34" name="Straight Arrow Connector 33">
+            <a:extLst>
+              <a:ext uri="{FF2B5EF4-FFF2-40B4-BE49-F238E27FC236}">
+                <a16:creationId xmlns:a16="http://schemas.microsoft.com/office/drawing/2014/main" id="{DF0A842C-1866-5841-80CD-7B279AE72F53}"/>
+              </a:ext>
+            </a:extLst>
+          </p:cNvPr>
+          <p:cNvCxnSpPr>
+            <a:cxnSpLocks/>
+          </p:cNvCxnSpPr>
+          <p:nvPr/>
+        </p:nvCxnSpPr>
+        <p:spPr>
+          <a:xfrm flipV="1">
+            <a:off x="9070921" y="2269993"/>
+            <a:ext cx="37408" cy="2358971"/>
+          </a:xfrm>
+          <a:prstGeom prst="straightConnector1">
+            <a:avLst/>
+          </a:prstGeom>
+          <a:ln w="38100">
+            <a:solidFill>
+              <a:schemeClr val="tx1"/>
+            </a:solidFill>
+            <a:prstDash val="solid"/>
+            <a:headEnd w="lg" len="lg"/>
+            <a:tailEnd type="triangle" w="lg" len="lg"/>
+          </a:ln>
+        </p:spPr>
+        <p:style>
+          <a:lnRef idx="1">
+            <a:schemeClr val="accent1"/>
+          </a:lnRef>
+          <a:fillRef idx="0">
+            <a:schemeClr val="accent1"/>
+          </a:fillRef>
+          <a:effectRef idx="0">
+            <a:schemeClr val="accent1"/>
+          </a:effectRef>
+          <a:fontRef idx="minor">
+            <a:schemeClr val="tx1"/>
+          </a:fontRef>
+        </p:style>
+      </p:cxnSp>
+      <p:cxnSp>
+        <p:nvCxnSpPr>
+          <p:cNvPr id="35" name="Straight Arrow Connector 34">
+            <a:extLst>
+              <a:ext uri="{FF2B5EF4-FFF2-40B4-BE49-F238E27FC236}">
+                <a16:creationId xmlns:a16="http://schemas.microsoft.com/office/drawing/2014/main" id="{C54E97C6-5A60-374B-80FC-3BE7443DC76F}"/>
+              </a:ext>
+            </a:extLst>
+          </p:cNvPr>
+          <p:cNvCxnSpPr>
+            <a:cxnSpLocks/>
+          </p:cNvCxnSpPr>
+          <p:nvPr/>
+        </p:nvCxnSpPr>
+        <p:spPr>
+          <a:xfrm flipV="1">
+            <a:off x="3012345" y="2299670"/>
+            <a:ext cx="5769952" cy="2343581"/>
+          </a:xfrm>
+          <a:prstGeom prst="straightConnector1">
+            <a:avLst/>
+          </a:prstGeom>
+          <a:ln w="28575">
+            <a:solidFill>
+              <a:schemeClr val="bg2">
+                <a:lumMod val="50000"/>
+              </a:schemeClr>
+            </a:solidFill>
+            <a:prstDash val="dash"/>
+            <a:tailEnd type="triangle" w="lg" len="lg"/>
+          </a:ln>
+        </p:spPr>
+        <p:style>
+          <a:lnRef idx="1">
+            <a:schemeClr val="accent1"/>
+          </a:lnRef>
+          <a:fillRef idx="0">
+            <a:schemeClr val="accent1"/>
+          </a:fillRef>
+          <a:effectRef idx="0">
+            <a:schemeClr val="accent1"/>
+          </a:effectRef>
+          <a:fontRef idx="minor">
+            <a:schemeClr val="tx1"/>
+          </a:fontRef>
+        </p:style>
+      </p:cxnSp>
+      <p:cxnSp>
+        <p:nvCxnSpPr>
+          <p:cNvPr id="53" name="Elbow Connector 52">
+            <a:extLst>
+              <a:ext uri="{FF2B5EF4-FFF2-40B4-BE49-F238E27FC236}">
+                <a16:creationId xmlns:a16="http://schemas.microsoft.com/office/drawing/2014/main" id="{83342A54-600E-FF4A-BE6C-445538E8BA49}"/>
+              </a:ext>
+            </a:extLst>
+          </p:cNvPr>
+          <p:cNvCxnSpPr>
+            <a:stCxn id="9" idx="0"/>
+            <a:endCxn id="8" idx="0"/>
+          </p:cNvCxnSpPr>
+          <p:nvPr/>
+        </p:nvCxnSpPr>
+        <p:spPr>
+          <a:xfrm rot="16200000" flipV="1">
+            <a:off x="7482893" y="448443"/>
+            <a:ext cx="12700" cy="2963792"/>
+          </a:xfrm>
+          <a:prstGeom prst="bentConnector3">
+            <a:avLst>
+              <a:gd name="adj1" fmla="val 3375000"/>
+            </a:avLst>
+          </a:prstGeom>
+          <a:ln w="38100">
+            <a:solidFill>
+              <a:schemeClr val="tx1"/>
+            </a:solidFill>
+            <a:headEnd w="lg" len="lg"/>
+            <a:tailEnd type="triangle" w="lg" len="lg"/>
+          </a:ln>
+        </p:spPr>
+        <p:style>
+          <a:lnRef idx="1">
+            <a:schemeClr val="accent1"/>
+          </a:lnRef>
+          <a:fillRef idx="0">
+            <a:schemeClr val="accent1"/>
+          </a:fillRef>
+          <a:effectRef idx="0">
+            <a:schemeClr val="accent1"/>
+          </a:effectRef>
+          <a:fontRef idx="minor">
+            <a:schemeClr val="tx1"/>
+          </a:fontRef>
+        </p:style>
+      </p:cxnSp>
+      <p:cxnSp>
+        <p:nvCxnSpPr>
+          <p:cNvPr id="57" name="Elbow Connector 56">
+            <a:extLst>
+              <a:ext uri="{FF2B5EF4-FFF2-40B4-BE49-F238E27FC236}">
+                <a16:creationId xmlns:a16="http://schemas.microsoft.com/office/drawing/2014/main" id="{16E261F6-9F61-B444-B2A1-75894B79FF07}"/>
+              </a:ext>
+            </a:extLst>
+          </p:cNvPr>
+          <p:cNvCxnSpPr>
+            <a:cxnSpLocks/>
+          </p:cNvCxnSpPr>
+          <p:nvPr/>
+        </p:nvCxnSpPr>
+        <p:spPr>
+          <a:xfrm rot="16200000" flipV="1">
+            <a:off x="5892749" y="-813961"/>
+            <a:ext cx="9144" cy="5486400"/>
+          </a:xfrm>
+          <a:prstGeom prst="bentConnector3">
+            <a:avLst>
+              <a:gd name="adj1" fmla="val 6225000"/>
+            </a:avLst>
+          </a:prstGeom>
+          <a:ln w="28575">
+            <a:solidFill>
+              <a:schemeClr val="bg2">
+                <a:lumMod val="50000"/>
+              </a:schemeClr>
+            </a:solidFill>
+            <a:prstDash val="dash"/>
+            <a:headEnd w="lg" len="lg"/>
+            <a:tailEnd type="triangle" w="lg" len="lg"/>
+          </a:ln>
+        </p:spPr>
+        <p:style>
+          <a:lnRef idx="1">
+            <a:schemeClr val="accent1"/>
+          </a:lnRef>
+          <a:fillRef idx="0">
+            <a:schemeClr val="accent1"/>
+          </a:fillRef>
+          <a:effectRef idx="0">
+            <a:schemeClr val="accent1"/>
+          </a:effectRef>
+          <a:fontRef idx="minor">
+            <a:schemeClr val="tx1"/>
+          </a:fontRef>
+        </p:style>
+      </p:cxnSp>
+      <p:sp>
+        <p:nvSpPr>
+          <p:cNvPr id="61" name="TextBox 60">
+            <a:extLst>
+              <a:ext uri="{FF2B5EF4-FFF2-40B4-BE49-F238E27FC236}">
+                <a16:creationId xmlns:a16="http://schemas.microsoft.com/office/drawing/2014/main" id="{7F237DD3-2F5C-974E-9CE0-F803003B66D9}"/>
               </a:ext>
             </a:extLst>
           </p:cNvPr>
@@ -5803,13 +6296,16 @@
         </p:nvSpPr>
         <p:spPr>
           <a:xfrm>
-            <a:off x="3780706" y="2847724"/>
-            <a:ext cx="1191690" cy="369332"/>
+            <a:off x="1987018" y="3080146"/>
+            <a:ext cx="946560" cy="369332"/>
           </a:xfrm>
           <a:prstGeom prst="rect">
             <a:avLst/>
           </a:prstGeom>
           <a:noFill/>
+          <a:ln>
+            <a:noFill/>
+          </a:ln>
         </p:spPr>
         <p:txBody>
           <a:bodyPr wrap="square" rtlCol="0">
@@ -5822,17 +6318,17 @@
                 <a:latin typeface="Arial" panose="020B0604020202020204" pitchFamily="34" charset="0"/>
                 <a:cs typeface="Arial" panose="020B0604020202020204" pitchFamily="34" charset="0"/>
               </a:rPr>
-              <a:t>0.009</a:t>
-            </a:r>
-          </a:p>
-        </p:txBody>
-      </p:sp>
-      <p:sp>
-        <p:nvSpPr>
-          <p:cNvPr id="11" name="TextBox 10">
-            <a:extLst>
-              <a:ext uri="{FF2B5EF4-FFF2-40B4-BE49-F238E27FC236}">
-                <a16:creationId xmlns:a16="http://schemas.microsoft.com/office/drawing/2014/main" id="{5D136E10-03A2-F545-A119-5BEAD2691EC4}"/>
+              <a:t>0.039**</a:t>
+            </a:r>
+          </a:p>
+        </p:txBody>
+      </p:sp>
+      <p:sp>
+        <p:nvSpPr>
+          <p:cNvPr id="62" name="TextBox 61">
+            <a:extLst>
+              <a:ext uri="{FF2B5EF4-FFF2-40B4-BE49-F238E27FC236}">
+                <a16:creationId xmlns:a16="http://schemas.microsoft.com/office/drawing/2014/main" id="{DE1188E0-30F3-4B44-B6BF-33657D52FA8A}"/>
               </a:ext>
             </a:extLst>
           </p:cNvPr>
@@ -5841,13 +6337,18 @@
         </p:nvSpPr>
         <p:spPr>
           <a:xfrm>
-            <a:off x="4221766" y="3889145"/>
-            <a:ext cx="1191690" cy="369332"/>
+            <a:off x="6057241" y="2948820"/>
+            <a:ext cx="982109" cy="369332"/>
           </a:xfrm>
           <a:prstGeom prst="rect">
             <a:avLst/>
           </a:prstGeom>
-          <a:noFill/>
+          <a:solidFill>
+            <a:schemeClr val="bg1"/>
+          </a:solidFill>
+          <a:ln>
+            <a:noFill/>
+          </a:ln>
         </p:spPr>
         <p:txBody>
           <a:bodyPr wrap="square" rtlCol="0">
@@ -5860,17 +6361,17 @@
                 <a:latin typeface="Arial" panose="020B0604020202020204" pitchFamily="34" charset="0"/>
                 <a:cs typeface="Arial" panose="020B0604020202020204" pitchFamily="34" charset="0"/>
               </a:rPr>
-              <a:t>0.001</a:t>
-            </a:r>
-          </a:p>
-        </p:txBody>
-      </p:sp>
-      <p:sp>
-        <p:nvSpPr>
-          <p:cNvPr id="13" name="TextBox 12">
-            <a:extLst>
-              <a:ext uri="{FF2B5EF4-FFF2-40B4-BE49-F238E27FC236}">
-                <a16:creationId xmlns:a16="http://schemas.microsoft.com/office/drawing/2014/main" id="{1ABC6687-76B3-B042-A4FC-8BFFF12A1B71}"/>
+              <a:t>0.407**</a:t>
+            </a:r>
+          </a:p>
+        </p:txBody>
+      </p:sp>
+      <p:sp>
+        <p:nvSpPr>
+          <p:cNvPr id="63" name="TextBox 62">
+            <a:extLst>
+              <a:ext uri="{FF2B5EF4-FFF2-40B4-BE49-F238E27FC236}">
+                <a16:creationId xmlns:a16="http://schemas.microsoft.com/office/drawing/2014/main" id="{7D9A6CDB-03FE-7B45-94EA-C7318C14533D}"/>
               </a:ext>
             </a:extLst>
           </p:cNvPr>
@@ -5879,13 +6380,18 @@
         </p:nvSpPr>
         <p:spPr>
           <a:xfrm>
-            <a:off x="6847107" y="5227058"/>
-            <a:ext cx="1698668" cy="369332"/>
+            <a:off x="6982937" y="1551222"/>
+            <a:ext cx="1028948" cy="369332"/>
           </a:xfrm>
           <a:prstGeom prst="rect">
             <a:avLst/>
           </a:prstGeom>
-          <a:noFill/>
+          <a:solidFill>
+            <a:schemeClr val="bg1"/>
+          </a:solidFill>
+          <a:ln>
+            <a:noFill/>
+          </a:ln>
         </p:spPr>
         <p:txBody>
           <a:bodyPr wrap="square" rtlCol="0">
@@ -5898,31 +6404,17 @@
                 <a:latin typeface="Arial" panose="020B0604020202020204" pitchFamily="34" charset="0"/>
                 <a:cs typeface="Arial" panose="020B0604020202020204" pitchFamily="34" charset="0"/>
               </a:rPr>
-              <a:t>Total R</a:t>
-            </a:r>
-            <a:r>
-              <a:rPr lang="en-US" baseline="30000" dirty="0">
-                <a:latin typeface="Arial" panose="020B0604020202020204" pitchFamily="34" charset="0"/>
-                <a:cs typeface="Arial" panose="020B0604020202020204" pitchFamily="34" charset="0"/>
-              </a:rPr>
-              <a:t>2</a:t>
-            </a:r>
-            <a:r>
-              <a:rPr lang="en-US" dirty="0">
-                <a:latin typeface="Arial" panose="020B0604020202020204" pitchFamily="34" charset="0"/>
-                <a:cs typeface="Arial" panose="020B0604020202020204" pitchFamily="34" charset="0"/>
-              </a:rPr>
-              <a:t> = 0.03</a:t>
-            </a:r>
-          </a:p>
-        </p:txBody>
-      </p:sp>
-      <p:sp>
-        <p:nvSpPr>
-          <p:cNvPr id="14" name="TextBox 13">
-            <a:extLst>
-              <a:ext uri="{FF2B5EF4-FFF2-40B4-BE49-F238E27FC236}">
-                <a16:creationId xmlns:a16="http://schemas.microsoft.com/office/drawing/2014/main" id="{B2E904DA-61D3-5D47-AD47-932D13DDF817}"/>
+              <a:t>0.229**</a:t>
+            </a:r>
+          </a:p>
+        </p:txBody>
+      </p:sp>
+      <p:sp>
+        <p:nvSpPr>
+          <p:cNvPr id="64" name="TextBox 63">
+            <a:extLst>
+              <a:ext uri="{FF2B5EF4-FFF2-40B4-BE49-F238E27FC236}">
+                <a16:creationId xmlns:a16="http://schemas.microsoft.com/office/drawing/2014/main" id="{01CF280E-35E6-5C49-A4E7-4477CCE1C83C}"/>
               </a:ext>
             </a:extLst>
           </p:cNvPr>
@@ -5931,13 +6423,18 @@
         </p:nvSpPr>
         <p:spPr>
           <a:xfrm>
-            <a:off x="3062569" y="853239"/>
-            <a:ext cx="2430234" cy="646331"/>
+            <a:off x="9147088" y="3080146"/>
+            <a:ext cx="1020486" cy="369332"/>
           </a:xfrm>
           <a:prstGeom prst="rect">
             <a:avLst/>
           </a:prstGeom>
-          <a:noFill/>
+          <a:solidFill>
+            <a:schemeClr val="bg1"/>
+          </a:solidFill>
+          <a:ln>
+            <a:noFill/>
+          </a:ln>
         </p:spPr>
         <p:txBody>
           <a:bodyPr wrap="square" rtlCol="0">
@@ -5950,26 +6447,17 @@
                 <a:latin typeface="Arial" panose="020B0604020202020204" pitchFamily="34" charset="0"/>
                 <a:cs typeface="Arial" panose="020B0604020202020204" pitchFamily="34" charset="0"/>
               </a:rPr>
-              <a:t>Response: </a:t>
-            </a:r>
-          </a:p>
-          <a:p>
-            <a:r>
-              <a:rPr lang="en-US" dirty="0">
-                <a:latin typeface="Arial" panose="020B0604020202020204" pitchFamily="34" charset="0"/>
-                <a:cs typeface="Arial" panose="020B0604020202020204" pitchFamily="34" charset="0"/>
-              </a:rPr>
-              <a:t>Population trend</a:t>
-            </a:r>
-          </a:p>
-        </p:txBody>
-      </p:sp>
-      <p:sp>
-        <p:nvSpPr>
-          <p:cNvPr id="15" name="TextBox 14">
-            <a:extLst>
-              <a:ext uri="{FF2B5EF4-FFF2-40B4-BE49-F238E27FC236}">
-                <a16:creationId xmlns:a16="http://schemas.microsoft.com/office/drawing/2014/main" id="{931B04C7-4682-484D-8E28-42E78AF540F6}"/>
+              <a:t>-2.279**</a:t>
+            </a:r>
+          </a:p>
+        </p:txBody>
+      </p:sp>
+      <p:sp>
+        <p:nvSpPr>
+          <p:cNvPr id="65" name="TextBox 64">
+            <a:extLst>
+              <a:ext uri="{FF2B5EF4-FFF2-40B4-BE49-F238E27FC236}">
+                <a16:creationId xmlns:a16="http://schemas.microsoft.com/office/drawing/2014/main" id="{11881172-249F-6945-AA11-ADEA2F47D833}"/>
               </a:ext>
             </a:extLst>
           </p:cNvPr>
@@ -5978,13 +6466,20 @@
         </p:nvSpPr>
         <p:spPr>
           <a:xfrm>
-            <a:off x="5549503" y="3732554"/>
-            <a:ext cx="1191690" cy="369332"/>
+            <a:off x="1811722" y="1516772"/>
+            <a:ext cx="1143000" cy="369332"/>
           </a:xfrm>
           <a:prstGeom prst="rect">
             <a:avLst/>
           </a:prstGeom>
-          <a:noFill/>
+          <a:solidFill>
+            <a:schemeClr val="bg1"/>
+          </a:solidFill>
+          <a:ln>
+            <a:solidFill>
+              <a:schemeClr val="tx1"/>
+            </a:solidFill>
+          </a:ln>
         </p:spPr>
         <p:txBody>
           <a:bodyPr wrap="square" rtlCol="0">
@@ -5997,17 +6492,31 @@
                 <a:latin typeface="Arial" panose="020B0604020202020204" pitchFamily="34" charset="0"/>
                 <a:cs typeface="Arial" panose="020B0604020202020204" pitchFamily="34" charset="0"/>
               </a:rPr>
-              <a:t>    0.001</a:t>
-            </a:r>
-          </a:p>
-        </p:txBody>
-      </p:sp>
-      <p:sp>
-        <p:nvSpPr>
-          <p:cNvPr id="16" name="TextBox 15">
-            <a:extLst>
-              <a:ext uri="{FF2B5EF4-FFF2-40B4-BE49-F238E27FC236}">
-                <a16:creationId xmlns:a16="http://schemas.microsoft.com/office/drawing/2014/main" id="{03C64C24-8110-CC4E-A8B8-DCC0C5EC93CA}"/>
+              <a:t>R</a:t>
+            </a:r>
+            <a:r>
+              <a:rPr lang="en-US" baseline="30000" dirty="0">
+                <a:latin typeface="Arial" panose="020B0604020202020204" pitchFamily="34" charset="0"/>
+                <a:cs typeface="Arial" panose="020B0604020202020204" pitchFamily="34" charset="0"/>
+              </a:rPr>
+              <a:t>2 </a:t>
+            </a:r>
+            <a:r>
+              <a:rPr lang="en-US" dirty="0">
+                <a:latin typeface="Arial" panose="020B0604020202020204" pitchFamily="34" charset="0"/>
+                <a:cs typeface="Arial" panose="020B0604020202020204" pitchFamily="34" charset="0"/>
+              </a:rPr>
+              <a:t>= 0.09</a:t>
+            </a:r>
+          </a:p>
+        </p:txBody>
+      </p:sp>
+      <p:sp>
+        <p:nvSpPr>
+          <p:cNvPr id="66" name="TextBox 65">
+            <a:extLst>
+              <a:ext uri="{FF2B5EF4-FFF2-40B4-BE49-F238E27FC236}">
+                <a16:creationId xmlns:a16="http://schemas.microsoft.com/office/drawing/2014/main" id="{13470268-36AA-D447-9BC4-B2084AF7F89E}"/>
               </a:ext>
             </a:extLst>
           </p:cNvPr>
@@ -6016,13 +6525,20 @@
         </p:nvSpPr>
         <p:spPr>
           <a:xfrm>
-            <a:off x="4693484" y="3197875"/>
-            <a:ext cx="1191690" cy="369332"/>
+            <a:off x="4754321" y="1516772"/>
+            <a:ext cx="1143000" cy="369332"/>
           </a:xfrm>
           <a:prstGeom prst="rect">
             <a:avLst/>
           </a:prstGeom>
-          <a:noFill/>
+          <a:solidFill>
+            <a:schemeClr val="bg1"/>
+          </a:solidFill>
+          <a:ln>
+            <a:solidFill>
+              <a:schemeClr val="tx1"/>
+            </a:solidFill>
+          </a:ln>
         </p:spPr>
         <p:txBody>
           <a:bodyPr wrap="square" rtlCol="0">
@@ -6035,17 +6551,31 @@
                 <a:latin typeface="Arial" panose="020B0604020202020204" pitchFamily="34" charset="0"/>
                 <a:cs typeface="Arial" panose="020B0604020202020204" pitchFamily="34" charset="0"/>
               </a:rPr>
-              <a:t>    -0.002</a:t>
-            </a:r>
-          </a:p>
-        </p:txBody>
-      </p:sp>
-      <p:sp>
-        <p:nvSpPr>
-          <p:cNvPr id="17" name="TextBox 16">
-            <a:extLst>
-              <a:ext uri="{FF2B5EF4-FFF2-40B4-BE49-F238E27FC236}">
-                <a16:creationId xmlns:a16="http://schemas.microsoft.com/office/drawing/2014/main" id="{A7BF877D-C41B-8D4E-A6B8-52FF866DF85F}"/>
+              <a:t>R</a:t>
+            </a:r>
+            <a:r>
+              <a:rPr lang="en-US" baseline="30000" dirty="0">
+                <a:latin typeface="Arial" panose="020B0604020202020204" pitchFamily="34" charset="0"/>
+                <a:cs typeface="Arial" panose="020B0604020202020204" pitchFamily="34" charset="0"/>
+              </a:rPr>
+              <a:t>2 </a:t>
+            </a:r>
+            <a:r>
+              <a:rPr lang="en-US" dirty="0">
+                <a:latin typeface="Arial" panose="020B0604020202020204" pitchFamily="34" charset="0"/>
+                <a:cs typeface="Arial" panose="020B0604020202020204" pitchFamily="34" charset="0"/>
+              </a:rPr>
+              <a:t>= 0.14</a:t>
+            </a:r>
+          </a:p>
+        </p:txBody>
+      </p:sp>
+      <p:sp>
+        <p:nvSpPr>
+          <p:cNvPr id="67" name="TextBox 66">
+            <a:extLst>
+              <a:ext uri="{FF2B5EF4-FFF2-40B4-BE49-F238E27FC236}">
+                <a16:creationId xmlns:a16="http://schemas.microsoft.com/office/drawing/2014/main" id="{723B4A81-5B5B-D64E-98DB-FB4E06A7606B}"/>
               </a:ext>
             </a:extLst>
           </p:cNvPr>
@@ -6054,13 +6584,20 @@
         </p:nvSpPr>
         <p:spPr>
           <a:xfrm>
-            <a:off x="4805610" y="2512692"/>
-            <a:ext cx="1191690" cy="369332"/>
+            <a:off x="9089625" y="1530229"/>
+            <a:ext cx="1143000" cy="369332"/>
           </a:xfrm>
           <a:prstGeom prst="rect">
             <a:avLst/>
           </a:prstGeom>
-          <a:noFill/>
+          <a:solidFill>
+            <a:schemeClr val="bg1"/>
+          </a:solidFill>
+          <a:ln>
+            <a:solidFill>
+              <a:schemeClr val="tx1"/>
+            </a:solidFill>
+          </a:ln>
         </p:spPr>
         <p:txBody>
           <a:bodyPr wrap="square" rtlCol="0">
@@ -6073,17 +6610,31 @@
                 <a:latin typeface="Arial" panose="020B0604020202020204" pitchFamily="34" charset="0"/>
                 <a:cs typeface="Arial" panose="020B0604020202020204" pitchFamily="34" charset="0"/>
               </a:rPr>
-              <a:t>   -0.004</a:t>
-            </a:r>
-          </a:p>
-        </p:txBody>
-      </p:sp>
-      <p:sp>
-        <p:nvSpPr>
-          <p:cNvPr id="18" name="TextBox 17">
-            <a:extLst>
-              <a:ext uri="{FF2B5EF4-FFF2-40B4-BE49-F238E27FC236}">
-                <a16:creationId xmlns:a16="http://schemas.microsoft.com/office/drawing/2014/main" id="{7ECEB26D-2648-FA45-9390-6736BC12E74B}"/>
+              <a:t>R</a:t>
+            </a:r>
+            <a:r>
+              <a:rPr lang="en-US" baseline="30000" dirty="0">
+                <a:latin typeface="Arial" panose="020B0604020202020204" pitchFamily="34" charset="0"/>
+                <a:cs typeface="Arial" panose="020B0604020202020204" pitchFamily="34" charset="0"/>
+              </a:rPr>
+              <a:t>2 </a:t>
+            </a:r>
+            <a:r>
+              <a:rPr lang="en-US" dirty="0">
+                <a:latin typeface="Arial" panose="020B0604020202020204" pitchFamily="34" charset="0"/>
+                <a:cs typeface="Arial" panose="020B0604020202020204" pitchFamily="34" charset="0"/>
+              </a:rPr>
+              <a:t>= 0.10</a:t>
+            </a:r>
+          </a:p>
+        </p:txBody>
+      </p:sp>
+      <p:sp>
+        <p:nvSpPr>
+          <p:cNvPr id="68" name="TextBox 67">
+            <a:extLst>
+              <a:ext uri="{FF2B5EF4-FFF2-40B4-BE49-F238E27FC236}">
+                <a16:creationId xmlns:a16="http://schemas.microsoft.com/office/drawing/2014/main" id="{229F2343-9840-634F-8470-AB22B0378E21}"/>
               </a:ext>
             </a:extLst>
           </p:cNvPr>
@@ -6092,13 +6643,18 @@
         </p:nvSpPr>
         <p:spPr>
           <a:xfrm>
-            <a:off x="4817611" y="5252851"/>
-            <a:ext cx="1191690" cy="369332"/>
+            <a:off x="3413535" y="3643420"/>
+            <a:ext cx="870174" cy="369332"/>
           </a:xfrm>
           <a:prstGeom prst="rect">
             <a:avLst/>
           </a:prstGeom>
-          <a:noFill/>
+          <a:solidFill>
+            <a:schemeClr val="bg1"/>
+          </a:solidFill>
+          <a:ln>
+            <a:noFill/>
+          </a:ln>
         </p:spPr>
         <p:txBody>
           <a:bodyPr wrap="square" rtlCol="0">
@@ -6108,10 +6664,346 @@
           <a:p>
             <a:r>
               <a:rPr lang="en-US" dirty="0">
-                <a:latin typeface="Arial" panose="020B0604020202020204" pitchFamily="34" charset="0"/>
-                <a:cs typeface="Arial" panose="020B0604020202020204" pitchFamily="34" charset="0"/>
-              </a:rPr>
-              <a:t>    -0.010</a:t>
+                <a:solidFill>
+                  <a:schemeClr val="bg2">
+                    <a:lumMod val="50000"/>
+                  </a:schemeClr>
+                </a:solidFill>
+                <a:latin typeface="Arial" panose="020B0604020202020204" pitchFamily="34" charset="0"/>
+                <a:cs typeface="Arial" panose="020B0604020202020204" pitchFamily="34" charset="0"/>
+              </a:rPr>
+              <a:t>-0.133</a:t>
+            </a:r>
+          </a:p>
+        </p:txBody>
+      </p:sp>
+      <p:sp>
+        <p:nvSpPr>
+          <p:cNvPr id="69" name="TextBox 68">
+            <a:extLst>
+              <a:ext uri="{FF2B5EF4-FFF2-40B4-BE49-F238E27FC236}">
+                <a16:creationId xmlns:a16="http://schemas.microsoft.com/office/drawing/2014/main" id="{6157ED4D-535A-C846-879D-D9CC38289BB5}"/>
+              </a:ext>
+            </a:extLst>
+          </p:cNvPr>
+          <p:cNvSpPr txBox="1"/>
+          <p:nvPr/>
+        </p:nvSpPr>
+        <p:spPr>
+          <a:xfrm>
+            <a:off x="3871886" y="4056879"/>
+            <a:ext cx="771792" cy="369332"/>
+          </a:xfrm>
+          <a:prstGeom prst="rect">
+            <a:avLst/>
+          </a:prstGeom>
+          <a:solidFill>
+            <a:schemeClr val="bg1"/>
+          </a:solidFill>
+          <a:ln>
+            <a:noFill/>
+          </a:ln>
+        </p:spPr>
+        <p:txBody>
+          <a:bodyPr wrap="square" rtlCol="0">
+            <a:spAutoFit/>
+          </a:bodyPr>
+          <a:lstStyle/>
+          <a:p>
+            <a:r>
+              <a:rPr lang="en-US" dirty="0">
+                <a:solidFill>
+                  <a:schemeClr val="bg2">
+                    <a:lumMod val="50000"/>
+                  </a:schemeClr>
+                </a:solidFill>
+                <a:latin typeface="Arial" panose="020B0604020202020204" pitchFamily="34" charset="0"/>
+                <a:cs typeface="Arial" panose="020B0604020202020204" pitchFamily="34" charset="0"/>
+              </a:rPr>
+              <a:t>0.486</a:t>
+            </a:r>
+          </a:p>
+        </p:txBody>
+      </p:sp>
+      <p:sp>
+        <p:nvSpPr>
+          <p:cNvPr id="70" name="TextBox 69">
+            <a:extLst>
+              <a:ext uri="{FF2B5EF4-FFF2-40B4-BE49-F238E27FC236}">
+                <a16:creationId xmlns:a16="http://schemas.microsoft.com/office/drawing/2014/main" id="{B4F4D1A2-F6D4-4B43-9819-9DFD1AD36783}"/>
+              </a:ext>
+            </a:extLst>
+          </p:cNvPr>
+          <p:cNvSpPr txBox="1"/>
+          <p:nvPr/>
+        </p:nvSpPr>
+        <p:spPr>
+          <a:xfrm>
+            <a:off x="5032538" y="3992468"/>
+            <a:ext cx="771792" cy="369332"/>
+          </a:xfrm>
+          <a:prstGeom prst="rect">
+            <a:avLst/>
+          </a:prstGeom>
+          <a:solidFill>
+            <a:schemeClr val="bg1"/>
+          </a:solidFill>
+          <a:ln>
+            <a:noFill/>
+          </a:ln>
+        </p:spPr>
+        <p:txBody>
+          <a:bodyPr wrap="square" rtlCol="0">
+            <a:spAutoFit/>
+          </a:bodyPr>
+          <a:lstStyle/>
+          <a:p>
+            <a:r>
+              <a:rPr lang="en-US" dirty="0">
+                <a:solidFill>
+                  <a:schemeClr val="bg2">
+                    <a:lumMod val="50000"/>
+                  </a:schemeClr>
+                </a:solidFill>
+                <a:latin typeface="Arial" panose="020B0604020202020204" pitchFamily="34" charset="0"/>
+                <a:cs typeface="Arial" panose="020B0604020202020204" pitchFamily="34" charset="0"/>
+              </a:rPr>
+              <a:t>0.002</a:t>
+            </a:r>
+          </a:p>
+        </p:txBody>
+      </p:sp>
+      <p:sp>
+        <p:nvSpPr>
+          <p:cNvPr id="71" name="TextBox 70">
+            <a:extLst>
+              <a:ext uri="{FF2B5EF4-FFF2-40B4-BE49-F238E27FC236}">
+                <a16:creationId xmlns:a16="http://schemas.microsoft.com/office/drawing/2014/main" id="{6B98E97C-1B36-944E-A865-F1204C4BBA49}"/>
+              </a:ext>
+            </a:extLst>
+          </p:cNvPr>
+          <p:cNvSpPr txBox="1"/>
+          <p:nvPr/>
+        </p:nvSpPr>
+        <p:spPr>
+          <a:xfrm>
+            <a:off x="6313849" y="3992468"/>
+            <a:ext cx="763676" cy="369332"/>
+          </a:xfrm>
+          <a:prstGeom prst="rect">
+            <a:avLst/>
+          </a:prstGeom>
+          <a:solidFill>
+            <a:schemeClr val="bg1"/>
+          </a:solidFill>
+          <a:ln>
+            <a:noFill/>
+          </a:ln>
+        </p:spPr>
+        <p:txBody>
+          <a:bodyPr wrap="square" rtlCol="0">
+            <a:spAutoFit/>
+          </a:bodyPr>
+          <a:lstStyle/>
+          <a:p>
+            <a:r>
+              <a:rPr lang="en-US" dirty="0">
+                <a:solidFill>
+                  <a:schemeClr val="bg2">
+                    <a:lumMod val="50000"/>
+                  </a:schemeClr>
+                </a:solidFill>
+                <a:latin typeface="Arial" panose="020B0604020202020204" pitchFamily="34" charset="0"/>
+                <a:cs typeface="Arial" panose="020B0604020202020204" pitchFamily="34" charset="0"/>
+              </a:rPr>
+              <a:t>0.067</a:t>
+            </a:r>
+          </a:p>
+        </p:txBody>
+      </p:sp>
+      <p:sp>
+        <p:nvSpPr>
+          <p:cNvPr id="72" name="TextBox 71">
+            <a:extLst>
+              <a:ext uri="{FF2B5EF4-FFF2-40B4-BE49-F238E27FC236}">
+                <a16:creationId xmlns:a16="http://schemas.microsoft.com/office/drawing/2014/main" id="{3075672F-4EB4-B24A-B2F0-3967306C59CB}"/>
+              </a:ext>
+            </a:extLst>
+          </p:cNvPr>
+          <p:cNvSpPr txBox="1"/>
+          <p:nvPr/>
+        </p:nvSpPr>
+        <p:spPr>
+          <a:xfrm>
+            <a:off x="7752459" y="3593673"/>
+            <a:ext cx="835114" cy="369332"/>
+          </a:xfrm>
+          <a:prstGeom prst="rect">
+            <a:avLst/>
+          </a:prstGeom>
+          <a:solidFill>
+            <a:schemeClr val="bg1"/>
+          </a:solidFill>
+          <a:ln>
+            <a:noFill/>
+          </a:ln>
+        </p:spPr>
+        <p:txBody>
+          <a:bodyPr wrap="square" rtlCol="0">
+            <a:spAutoFit/>
+          </a:bodyPr>
+          <a:lstStyle/>
+          <a:p>
+            <a:r>
+              <a:rPr lang="en-US" dirty="0">
+                <a:solidFill>
+                  <a:schemeClr val="bg2">
+                    <a:lumMod val="50000"/>
+                  </a:schemeClr>
+                </a:solidFill>
+                <a:latin typeface="Arial" panose="020B0604020202020204" pitchFamily="34" charset="0"/>
+                <a:cs typeface="Arial" panose="020B0604020202020204" pitchFamily="34" charset="0"/>
+              </a:rPr>
+              <a:t>-0.779</a:t>
+            </a:r>
+          </a:p>
+        </p:txBody>
+      </p:sp>
+      <p:sp>
+        <p:nvSpPr>
+          <p:cNvPr id="73" name="TextBox 72">
+            <a:extLst>
+              <a:ext uri="{FF2B5EF4-FFF2-40B4-BE49-F238E27FC236}">
+                <a16:creationId xmlns:a16="http://schemas.microsoft.com/office/drawing/2014/main" id="{8DC21F49-3588-BE45-8572-119EAD0A1329}"/>
+              </a:ext>
+            </a:extLst>
+          </p:cNvPr>
+          <p:cNvSpPr txBox="1"/>
+          <p:nvPr/>
+        </p:nvSpPr>
+        <p:spPr>
+          <a:xfrm>
+            <a:off x="7385911" y="4060653"/>
+            <a:ext cx="835114" cy="369332"/>
+          </a:xfrm>
+          <a:prstGeom prst="rect">
+            <a:avLst/>
+          </a:prstGeom>
+          <a:solidFill>
+            <a:schemeClr val="bg1"/>
+          </a:solidFill>
+          <a:ln>
+            <a:noFill/>
+          </a:ln>
+        </p:spPr>
+        <p:txBody>
+          <a:bodyPr wrap="square" rtlCol="0">
+            <a:spAutoFit/>
+          </a:bodyPr>
+          <a:lstStyle/>
+          <a:p>
+            <a:r>
+              <a:rPr lang="en-US" dirty="0">
+                <a:solidFill>
+                  <a:schemeClr val="bg2">
+                    <a:lumMod val="50000"/>
+                  </a:schemeClr>
+                </a:solidFill>
+                <a:latin typeface="Arial" panose="020B0604020202020204" pitchFamily="34" charset="0"/>
+                <a:cs typeface="Arial" panose="020B0604020202020204" pitchFamily="34" charset="0"/>
+              </a:rPr>
+              <a:t>-0.040</a:t>
+            </a:r>
+          </a:p>
+        </p:txBody>
+      </p:sp>
+      <p:sp>
+        <p:nvSpPr>
+          <p:cNvPr id="74" name="TextBox 73">
+            <a:extLst>
+              <a:ext uri="{FF2B5EF4-FFF2-40B4-BE49-F238E27FC236}">
+                <a16:creationId xmlns:a16="http://schemas.microsoft.com/office/drawing/2014/main" id="{75474E52-9598-164F-AE5B-29344C178A13}"/>
+              </a:ext>
+            </a:extLst>
+          </p:cNvPr>
+          <p:cNvSpPr txBox="1"/>
+          <p:nvPr/>
+        </p:nvSpPr>
+        <p:spPr>
+          <a:xfrm>
+            <a:off x="3544828" y="1189662"/>
+            <a:ext cx="770968" cy="369332"/>
+          </a:xfrm>
+          <a:prstGeom prst="rect">
+            <a:avLst/>
+          </a:prstGeom>
+          <a:solidFill>
+            <a:schemeClr val="bg1"/>
+          </a:solidFill>
+          <a:ln>
+            <a:noFill/>
+          </a:ln>
+        </p:spPr>
+        <p:txBody>
+          <a:bodyPr wrap="square" rtlCol="0">
+            <a:spAutoFit/>
+          </a:bodyPr>
+          <a:lstStyle/>
+          <a:p>
+            <a:r>
+              <a:rPr lang="en-US" dirty="0">
+                <a:solidFill>
+                  <a:schemeClr val="bg2">
+                    <a:lumMod val="50000"/>
+                  </a:schemeClr>
+                </a:solidFill>
+                <a:latin typeface="Arial" panose="020B0604020202020204" pitchFamily="34" charset="0"/>
+                <a:cs typeface="Arial" panose="020B0604020202020204" pitchFamily="34" charset="0"/>
+              </a:rPr>
+              <a:t>0.008</a:t>
+            </a:r>
+          </a:p>
+        </p:txBody>
+      </p:sp>
+      <p:sp>
+        <p:nvSpPr>
+          <p:cNvPr id="37" name="TextBox 36">
+            <a:extLst>
+              <a:ext uri="{FF2B5EF4-FFF2-40B4-BE49-F238E27FC236}">
+                <a16:creationId xmlns:a16="http://schemas.microsoft.com/office/drawing/2014/main" id="{5AF5F606-C9E1-CD42-AD80-06E77D1BEC84}"/>
+              </a:ext>
+            </a:extLst>
+          </p:cNvPr>
+          <p:cNvSpPr txBox="1"/>
+          <p:nvPr/>
+        </p:nvSpPr>
+        <p:spPr>
+          <a:xfrm>
+            <a:off x="1798651" y="865022"/>
+            <a:ext cx="2045483" cy="369332"/>
+          </a:xfrm>
+          <a:prstGeom prst="rect">
+            <a:avLst/>
+          </a:prstGeom>
+          <a:solidFill>
+            <a:schemeClr val="bg1"/>
+          </a:solidFill>
+          <a:ln>
+            <a:noFill/>
+          </a:ln>
+        </p:spPr>
+        <p:txBody>
+          <a:bodyPr wrap="square" rtlCol="0">
+            <a:spAutoFit/>
+          </a:bodyPr>
+          <a:lstStyle/>
+          <a:p>
+            <a:r>
+              <a:rPr lang="en-US" b="1" dirty="0">
+                <a:latin typeface="Arial" panose="020B0604020202020204" pitchFamily="34" charset="0"/>
+                <a:cs typeface="Arial" panose="020B0604020202020204" pitchFamily="34" charset="0"/>
+              </a:rPr>
+              <a:t>A. Concavity = 1</a:t>
             </a:r>
           </a:p>
         </p:txBody>
@@ -6119,7 +7011,7 @@
     </p:spTree>
     <p:extLst>
       <p:ext uri="{BB962C8B-B14F-4D97-AF65-F5344CB8AC3E}">
-        <p14:creationId xmlns:p14="http://schemas.microsoft.com/office/powerpoint/2010/main" val="2114340536"/>
+        <p14:creationId xmlns:p14="http://schemas.microsoft.com/office/powerpoint/2010/main" val="95001193"/>
       </p:ext>
     </p:extLst>
   </p:cSld>
@@ -6148,28 +7040,29 @@
       </p:grpSpPr>
       <p:sp>
         <p:nvSpPr>
-          <p:cNvPr id="15" name="Oval 14">
-            <a:extLst>
-              <a:ext uri="{FF2B5EF4-FFF2-40B4-BE49-F238E27FC236}">
-                <a16:creationId xmlns:a16="http://schemas.microsoft.com/office/drawing/2014/main" id="{FB38B2EB-7AE2-0040-B297-19057AA3F54E}"/>
-              </a:ext>
-            </a:extLst>
-          </p:cNvPr>
-          <p:cNvSpPr/>
-          <p:nvPr/>
-        </p:nvSpPr>
-        <p:spPr>
-          <a:xfrm>
-            <a:off x="3258293" y="1696686"/>
-            <a:ext cx="2604654" cy="2740232"/>
-          </a:xfrm>
-          <a:prstGeom prst="ellipse">
+          <p:cNvPr id="4" name="TextBox 3">
+            <a:extLst>
+              <a:ext uri="{FF2B5EF4-FFF2-40B4-BE49-F238E27FC236}">
+                <a16:creationId xmlns:a16="http://schemas.microsoft.com/office/drawing/2014/main" id="{A2830E8C-CB8D-2342-B74C-673CBF250C64}"/>
+              </a:ext>
+            </a:extLst>
+          </p:cNvPr>
+          <p:cNvSpPr txBox="1"/>
+          <p:nvPr/>
+        </p:nvSpPr>
+        <p:spPr>
+          <a:xfrm>
+            <a:off x="1961370" y="4656977"/>
+            <a:ext cx="2113808" cy="338554"/>
+          </a:xfrm>
+          <a:prstGeom prst="rect">
             <a:avLst/>
           </a:prstGeom>
           <a:solidFill>
-            <a:srgbClr val="D883FF">
-              <a:alpha val="50196"/>
-            </a:srgbClr>
+            <a:schemeClr val="accent6">
+              <a:lumMod val="60000"/>
+              <a:lumOff val="40000"/>
+            </a:schemeClr>
           </a:solidFill>
           <a:ln>
             <a:solidFill>
@@ -6177,55 +7070,47 @@
             </a:solidFill>
           </a:ln>
         </p:spPr>
-        <p:style>
-          <a:lnRef idx="2">
-            <a:schemeClr val="accent1">
-              <a:shade val="50000"/>
+        <p:txBody>
+          <a:bodyPr wrap="square" rtlCol="0">
+            <a:spAutoFit/>
+          </a:bodyPr>
+          <a:lstStyle/>
+          <a:p>
+            <a:r>
+              <a:rPr lang="en-US" sz="1600" dirty="0">
+                <a:latin typeface="Arial" panose="020B0604020202020204" pitchFamily="34" charset="0"/>
+                <a:cs typeface="Arial" panose="020B0604020202020204" pitchFamily="34" charset="0"/>
+              </a:rPr>
+              <a:t>Habitat niche breadth</a:t>
+            </a:r>
+          </a:p>
+        </p:txBody>
+      </p:sp>
+      <p:sp>
+        <p:nvSpPr>
+          <p:cNvPr id="5" name="TextBox 4">
+            <a:extLst>
+              <a:ext uri="{FF2B5EF4-FFF2-40B4-BE49-F238E27FC236}">
+                <a16:creationId xmlns:a16="http://schemas.microsoft.com/office/drawing/2014/main" id="{57B79E2B-E3EF-2D4D-9016-FA2EFDECFDA8}"/>
+              </a:ext>
+            </a:extLst>
+          </p:cNvPr>
+          <p:cNvSpPr txBox="1"/>
+          <p:nvPr/>
+        </p:nvSpPr>
+        <p:spPr>
+          <a:xfrm>
+            <a:off x="4878472" y="4643063"/>
+            <a:ext cx="2183111" cy="338554"/>
+          </a:xfrm>
+          <a:prstGeom prst="rect">
+            <a:avLst/>
+          </a:prstGeom>
+          <a:solidFill>
+            <a:schemeClr val="accent6">
+              <a:lumMod val="60000"/>
+              <a:lumOff val="40000"/>
             </a:schemeClr>
-          </a:lnRef>
-          <a:fillRef idx="1">
-            <a:schemeClr val="accent1"/>
-          </a:fillRef>
-          <a:effectRef idx="0">
-            <a:schemeClr val="accent1"/>
-          </a:effectRef>
-          <a:fontRef idx="minor">
-            <a:schemeClr val="lt1"/>
-          </a:fontRef>
-        </p:style>
-        <p:txBody>
-          <a:bodyPr rtlCol="0" anchor="ctr"/>
-          <a:lstStyle/>
-          <a:p>
-            <a:pPr algn="ctr"/>
-            <a:endParaRPr lang="en-US"/>
-          </a:p>
-        </p:txBody>
-      </p:sp>
-      <p:sp>
-        <p:nvSpPr>
-          <p:cNvPr id="16" name="Oval 15">
-            <a:extLst>
-              <a:ext uri="{FF2B5EF4-FFF2-40B4-BE49-F238E27FC236}">
-                <a16:creationId xmlns:a16="http://schemas.microsoft.com/office/drawing/2014/main" id="{4946C67C-741D-EA42-B1C0-20A39E5A59F1}"/>
-              </a:ext>
-            </a:extLst>
-          </p:cNvPr>
-          <p:cNvSpPr/>
-          <p:nvPr/>
-        </p:nvSpPr>
-        <p:spPr>
-          <a:xfrm>
-            <a:off x="4846120" y="945572"/>
-            <a:ext cx="4360225" cy="4099956"/>
-          </a:xfrm>
-          <a:prstGeom prst="ellipse">
-            <a:avLst/>
-          </a:prstGeom>
-          <a:solidFill>
-            <a:srgbClr val="76D6FF">
-              <a:alpha val="50196"/>
-            </a:srgbClr>
           </a:solidFill>
           <a:ln>
             <a:solidFill>
@@ -6233,55 +7118,47 @@
             </a:solidFill>
           </a:ln>
         </p:spPr>
-        <p:style>
-          <a:lnRef idx="2">
-            <a:schemeClr val="accent1">
-              <a:shade val="50000"/>
+        <p:txBody>
+          <a:bodyPr wrap="square" rtlCol="0">
+            <a:spAutoFit/>
+          </a:bodyPr>
+          <a:lstStyle/>
+          <a:p>
+            <a:r>
+              <a:rPr lang="en-US" sz="1600" dirty="0">
+                <a:latin typeface="Arial" panose="020B0604020202020204" pitchFamily="34" charset="0"/>
+                <a:cs typeface="Arial" panose="020B0604020202020204" pitchFamily="34" charset="0"/>
+              </a:rPr>
+              <a:t>Climate niche breadth</a:t>
+            </a:r>
+          </a:p>
+        </p:txBody>
+      </p:sp>
+      <p:sp>
+        <p:nvSpPr>
+          <p:cNvPr id="6" name="TextBox 5">
+            <a:extLst>
+              <a:ext uri="{FF2B5EF4-FFF2-40B4-BE49-F238E27FC236}">
+                <a16:creationId xmlns:a16="http://schemas.microsoft.com/office/drawing/2014/main" id="{5939E09C-1A89-6440-B5EA-C79A0949A2CC}"/>
+              </a:ext>
+            </a:extLst>
+          </p:cNvPr>
+          <p:cNvSpPr txBox="1"/>
+          <p:nvPr/>
+        </p:nvSpPr>
+        <p:spPr>
+          <a:xfrm>
+            <a:off x="8011885" y="4643252"/>
+            <a:ext cx="1854346" cy="338554"/>
+          </a:xfrm>
+          <a:prstGeom prst="rect">
+            <a:avLst/>
+          </a:prstGeom>
+          <a:solidFill>
+            <a:schemeClr val="accent6">
+              <a:lumMod val="60000"/>
+              <a:lumOff val="40000"/>
             </a:schemeClr>
-          </a:lnRef>
-          <a:fillRef idx="1">
-            <a:schemeClr val="accent1"/>
-          </a:fillRef>
-          <a:effectRef idx="0">
-            <a:schemeClr val="accent1"/>
-          </a:effectRef>
-          <a:fontRef idx="minor">
-            <a:schemeClr val="lt1"/>
-          </a:fontRef>
-        </p:style>
-        <p:txBody>
-          <a:bodyPr rtlCol="0" anchor="ctr"/>
-          <a:lstStyle/>
-          <a:p>
-            <a:pPr algn="ctr"/>
-            <a:endParaRPr lang="en-US"/>
-          </a:p>
-        </p:txBody>
-      </p:sp>
-      <p:sp>
-        <p:nvSpPr>
-          <p:cNvPr id="17" name="Oval 16">
-            <a:extLst>
-              <a:ext uri="{FF2B5EF4-FFF2-40B4-BE49-F238E27FC236}">
-                <a16:creationId xmlns:a16="http://schemas.microsoft.com/office/drawing/2014/main" id="{5E710C7B-AE6D-304F-AC97-493F8752B745}"/>
-              </a:ext>
-            </a:extLst>
-          </p:cNvPr>
-          <p:cNvSpPr/>
-          <p:nvPr/>
-        </p:nvSpPr>
-        <p:spPr>
-          <a:xfrm>
-            <a:off x="3906982" y="2995550"/>
-            <a:ext cx="2854035" cy="2882736"/>
-          </a:xfrm>
-          <a:prstGeom prst="ellipse">
-            <a:avLst/>
-          </a:prstGeom>
-          <a:solidFill>
-            <a:srgbClr val="4E8F00">
-              <a:alpha val="50196"/>
-            </a:srgbClr>
           </a:solidFill>
           <a:ln>
             <a:solidFill>
@@ -6289,53 +7166,6 @@
             </a:solidFill>
           </a:ln>
         </p:spPr>
-        <p:style>
-          <a:lnRef idx="2">
-            <a:schemeClr val="accent1">
-              <a:shade val="50000"/>
-            </a:schemeClr>
-          </a:lnRef>
-          <a:fillRef idx="1">
-            <a:schemeClr val="accent1"/>
-          </a:fillRef>
-          <a:effectRef idx="0">
-            <a:schemeClr val="accent1"/>
-          </a:effectRef>
-          <a:fontRef idx="minor">
-            <a:schemeClr val="lt1"/>
-          </a:fontRef>
-        </p:style>
-        <p:txBody>
-          <a:bodyPr rtlCol="0" anchor="ctr"/>
-          <a:lstStyle/>
-          <a:p>
-            <a:pPr algn="ctr"/>
-            <a:endParaRPr lang="en-US"/>
-          </a:p>
-        </p:txBody>
-      </p:sp>
-      <p:sp>
-        <p:nvSpPr>
-          <p:cNvPr id="5" name="TextBox 4">
-            <a:extLst>
-              <a:ext uri="{FF2B5EF4-FFF2-40B4-BE49-F238E27FC236}">
-                <a16:creationId xmlns:a16="http://schemas.microsoft.com/office/drawing/2014/main" id="{468C6069-BA96-9E40-8437-18F5A8D5A767}"/>
-              </a:ext>
-            </a:extLst>
-          </p:cNvPr>
-          <p:cNvSpPr txBox="1"/>
-          <p:nvPr/>
-        </p:nvSpPr>
-        <p:spPr>
-          <a:xfrm>
-            <a:off x="6923314" y="2527958"/>
-            <a:ext cx="1840675" cy="369332"/>
-          </a:xfrm>
-          <a:prstGeom prst="rect">
-            <a:avLst/>
-          </a:prstGeom>
-          <a:noFill/>
-        </p:spPr>
         <p:txBody>
           <a:bodyPr wrap="square" rtlCol="0">
             <a:spAutoFit/>
@@ -6343,21 +7173,21 @@
           <a:lstStyle/>
           <a:p>
             <a:r>
-              <a:rPr lang="en-US" dirty="0">
-                <a:latin typeface="Arial" panose="020B0604020202020204" pitchFamily="34" charset="0"/>
-                <a:cs typeface="Arial" panose="020B0604020202020204" pitchFamily="34" charset="0"/>
-              </a:rPr>
-              <a:t>Niche breadth</a:t>
-            </a:r>
-          </a:p>
-        </p:txBody>
-      </p:sp>
-      <p:sp>
-        <p:nvSpPr>
-          <p:cNvPr id="6" name="TextBox 5">
-            <a:extLst>
-              <a:ext uri="{FF2B5EF4-FFF2-40B4-BE49-F238E27FC236}">
-                <a16:creationId xmlns:a16="http://schemas.microsoft.com/office/drawing/2014/main" id="{AA65B116-EA42-DE4A-AFA1-1F5F883DF204}"/>
+              <a:rPr lang="en-US" sz="1600" dirty="0">
+                <a:latin typeface="Arial" panose="020B0604020202020204" pitchFamily="34" charset="0"/>
+                <a:cs typeface="Arial" panose="020B0604020202020204" pitchFamily="34" charset="0"/>
+              </a:rPr>
+              <a:t>Diet niche breadth</a:t>
+            </a:r>
+          </a:p>
+        </p:txBody>
+      </p:sp>
+      <p:sp>
+        <p:nvSpPr>
+          <p:cNvPr id="7" name="TextBox 6">
+            <a:extLst>
+              <a:ext uri="{FF2B5EF4-FFF2-40B4-BE49-F238E27FC236}">
+                <a16:creationId xmlns:a16="http://schemas.microsoft.com/office/drawing/2014/main" id="{2C2485D8-F4C8-824F-B3D1-42CCAB075F42}"/>
               </a:ext>
             </a:extLst>
           </p:cNvPr>
@@ -6366,13 +7196,23 @@
         </p:nvSpPr>
         <p:spPr>
           <a:xfrm>
-            <a:off x="4413661" y="4907909"/>
-            <a:ext cx="1840675" cy="369332"/>
+            <a:off x="1983179" y="1930339"/>
+            <a:ext cx="2006930" cy="338554"/>
           </a:xfrm>
           <a:prstGeom prst="rect">
             <a:avLst/>
           </a:prstGeom>
-          <a:noFill/>
+          <a:solidFill>
+            <a:schemeClr val="accent5">
+              <a:lumMod val="60000"/>
+              <a:lumOff val="40000"/>
+            </a:schemeClr>
+          </a:solidFill>
+          <a:ln>
+            <a:solidFill>
+              <a:schemeClr val="tx1"/>
+            </a:solidFill>
+          </a:ln>
         </p:spPr>
         <p:txBody>
           <a:bodyPr wrap="square" rtlCol="0">
@@ -6381,21 +7221,21 @@
           <a:lstStyle/>
           <a:p>
             <a:r>
-              <a:rPr lang="en-US" dirty="0">
-                <a:latin typeface="Arial" panose="020B0604020202020204" pitchFamily="34" charset="0"/>
-                <a:cs typeface="Arial" panose="020B0604020202020204" pitchFamily="34" charset="0"/>
-              </a:rPr>
-              <a:t>Body size</a:t>
-            </a:r>
-          </a:p>
-        </p:txBody>
-      </p:sp>
-      <p:sp>
-        <p:nvSpPr>
-          <p:cNvPr id="7" name="TextBox 6">
-            <a:extLst>
-              <a:ext uri="{FF2B5EF4-FFF2-40B4-BE49-F238E27FC236}">
-                <a16:creationId xmlns:a16="http://schemas.microsoft.com/office/drawing/2014/main" id="{A72E2609-B025-0840-BB63-D989569E86F1}"/>
+              <a:rPr lang="en-US" sz="1600" dirty="0">
+                <a:latin typeface="Arial" panose="020B0604020202020204" pitchFamily="34" charset="0"/>
+                <a:cs typeface="Arial" panose="020B0604020202020204" pitchFamily="34" charset="0"/>
+              </a:rPr>
+              <a:t>Δ Range occupancy</a:t>
+            </a:r>
+          </a:p>
+        </p:txBody>
+      </p:sp>
+      <p:sp>
+        <p:nvSpPr>
+          <p:cNvPr id="8" name="TextBox 7">
+            <a:extLst>
+              <a:ext uri="{FF2B5EF4-FFF2-40B4-BE49-F238E27FC236}">
+                <a16:creationId xmlns:a16="http://schemas.microsoft.com/office/drawing/2014/main" id="{22848059-02D7-8846-819C-2D63C22A5FAD}"/>
               </a:ext>
             </a:extLst>
           </p:cNvPr>
@@ -6404,13 +7244,23 @@
         </p:nvSpPr>
         <p:spPr>
           <a:xfrm>
-            <a:off x="3564576" y="2201393"/>
-            <a:ext cx="1173680" cy="646331"/>
+            <a:off x="5285013" y="1930339"/>
+            <a:ext cx="1431968" cy="338554"/>
           </a:xfrm>
           <a:prstGeom prst="rect">
             <a:avLst/>
           </a:prstGeom>
-          <a:noFill/>
+          <a:solidFill>
+            <a:schemeClr val="accent5">
+              <a:lumMod val="60000"/>
+              <a:lumOff val="40000"/>
+            </a:schemeClr>
+          </a:solidFill>
+          <a:ln>
+            <a:solidFill>
+              <a:schemeClr val="tx1"/>
+            </a:solidFill>
+          </a:ln>
         </p:spPr>
         <p:txBody>
           <a:bodyPr wrap="square" rtlCol="0">
@@ -6418,13 +7268,12 @@
           </a:bodyPr>
           <a:lstStyle/>
           <a:p>
-            <a:pPr algn="ctr"/>
-            <a:r>
-              <a:rPr lang="en-US" dirty="0">
-                <a:latin typeface="Arial" panose="020B0604020202020204" pitchFamily="34" charset="0"/>
-                <a:cs typeface="Arial" panose="020B0604020202020204" pitchFamily="34" charset="0"/>
-              </a:rPr>
-              <a:t>Migratory distance</a:t>
+            <a:r>
+              <a:rPr lang="en-US" sz="1600" dirty="0">
+                <a:latin typeface="Arial" panose="020B0604020202020204" pitchFamily="34" charset="0"/>
+                <a:cs typeface="Arial" panose="020B0604020202020204" pitchFamily="34" charset="0"/>
+              </a:rPr>
+              <a:t>Δ Range area</a:t>
             </a:r>
           </a:p>
         </p:txBody>
@@ -6434,7 +7283,7 @@
           <p:cNvPr id="9" name="TextBox 8">
             <a:extLst>
               <a:ext uri="{FF2B5EF4-FFF2-40B4-BE49-F238E27FC236}">
-                <a16:creationId xmlns:a16="http://schemas.microsoft.com/office/drawing/2014/main" id="{1E601120-75B5-5749-850E-37BB69F4F026}"/>
+                <a16:creationId xmlns:a16="http://schemas.microsoft.com/office/drawing/2014/main" id="{A381E936-BD09-3B4E-8B21-194D90CF179C}"/>
               </a:ext>
             </a:extLst>
           </p:cNvPr>
@@ -6443,13 +7292,23 @@
         </p:nvSpPr>
         <p:spPr>
           <a:xfrm>
-            <a:off x="7313196" y="2859310"/>
-            <a:ext cx="1191690" cy="369332"/>
+            <a:off x="8116784" y="1930339"/>
+            <a:ext cx="1696010" cy="338554"/>
           </a:xfrm>
           <a:prstGeom prst="rect">
             <a:avLst/>
           </a:prstGeom>
-          <a:noFill/>
+          <a:solidFill>
+            <a:schemeClr val="accent5">
+              <a:lumMod val="60000"/>
+              <a:lumOff val="40000"/>
+            </a:schemeClr>
+          </a:solidFill>
+          <a:ln>
+            <a:solidFill>
+              <a:schemeClr val="tx1"/>
+            </a:solidFill>
+          </a:ln>
         </p:spPr>
         <p:txBody>
           <a:bodyPr wrap="square" rtlCol="0">
@@ -6458,21 +7317,545 @@
           <a:lstStyle/>
           <a:p>
             <a:r>
-              <a:rPr lang="en-US" dirty="0">
-                <a:latin typeface="Arial" panose="020B0604020202020204" pitchFamily="34" charset="0"/>
-                <a:cs typeface="Arial" panose="020B0604020202020204" pitchFamily="34" charset="0"/>
-              </a:rPr>
-              <a:t>0.080</a:t>
-            </a:r>
-          </a:p>
-        </p:txBody>
-      </p:sp>
-      <p:sp>
-        <p:nvSpPr>
-          <p:cNvPr id="10" name="TextBox 9">
-            <a:extLst>
-              <a:ext uri="{FF2B5EF4-FFF2-40B4-BE49-F238E27FC236}">
-                <a16:creationId xmlns:a16="http://schemas.microsoft.com/office/drawing/2014/main" id="{0D888F98-CF7C-0346-818A-B2A92BCEBF31}"/>
+              <a:rPr lang="en-US" sz="1600" dirty="0">
+                <a:latin typeface="Arial" panose="020B0604020202020204" pitchFamily="34" charset="0"/>
+                <a:cs typeface="Arial" panose="020B0604020202020204" pitchFamily="34" charset="0"/>
+              </a:rPr>
+              <a:t>Population trend</a:t>
+            </a:r>
+          </a:p>
+        </p:txBody>
+      </p:sp>
+      <p:cxnSp>
+        <p:nvCxnSpPr>
+          <p:cNvPr id="18" name="Straight Arrow Connector 17">
+            <a:extLst>
+              <a:ext uri="{FF2B5EF4-FFF2-40B4-BE49-F238E27FC236}">
+                <a16:creationId xmlns:a16="http://schemas.microsoft.com/office/drawing/2014/main" id="{DF06F7F1-EE0B-4849-8837-E59A2B8A8A1E}"/>
+              </a:ext>
+            </a:extLst>
+          </p:cNvPr>
+          <p:cNvCxnSpPr>
+            <a:cxnSpLocks/>
+            <a:stCxn id="4" idx="0"/>
+            <a:endCxn id="7" idx="2"/>
+          </p:cNvCxnSpPr>
+          <p:nvPr/>
+        </p:nvCxnSpPr>
+        <p:spPr>
+          <a:xfrm flipH="1" flipV="1">
+            <a:off x="2986644" y="2268893"/>
+            <a:ext cx="31630" cy="2388084"/>
+          </a:xfrm>
+          <a:prstGeom prst="straightConnector1">
+            <a:avLst/>
+          </a:prstGeom>
+          <a:ln w="38100">
+            <a:solidFill>
+              <a:schemeClr val="tx1"/>
+            </a:solidFill>
+            <a:prstDash val="solid"/>
+            <a:tailEnd type="triangle" w="lg" len="lg"/>
+          </a:ln>
+        </p:spPr>
+        <p:style>
+          <a:lnRef idx="1">
+            <a:schemeClr val="accent1"/>
+          </a:lnRef>
+          <a:fillRef idx="0">
+            <a:schemeClr val="accent1"/>
+          </a:fillRef>
+          <a:effectRef idx="0">
+            <a:schemeClr val="accent1"/>
+          </a:effectRef>
+          <a:fontRef idx="minor">
+            <a:schemeClr val="tx1"/>
+          </a:fontRef>
+        </p:style>
+      </p:cxnSp>
+      <p:cxnSp>
+        <p:nvCxnSpPr>
+          <p:cNvPr id="19" name="Straight Arrow Connector 18">
+            <a:extLst>
+              <a:ext uri="{FF2B5EF4-FFF2-40B4-BE49-F238E27FC236}">
+                <a16:creationId xmlns:a16="http://schemas.microsoft.com/office/drawing/2014/main" id="{50C60737-CACA-F84D-8894-31E466033DF1}"/>
+              </a:ext>
+            </a:extLst>
+          </p:cNvPr>
+          <p:cNvCxnSpPr>
+            <a:cxnSpLocks/>
+            <a:stCxn id="5" idx="0"/>
+          </p:cNvCxnSpPr>
+          <p:nvPr/>
+        </p:nvCxnSpPr>
+        <p:spPr>
+          <a:xfrm flipH="1" flipV="1">
+            <a:off x="3084000" y="2299483"/>
+            <a:ext cx="2886028" cy="2343580"/>
+          </a:xfrm>
+          <a:prstGeom prst="straightConnector1">
+            <a:avLst/>
+          </a:prstGeom>
+          <a:ln w="28575">
+            <a:solidFill>
+              <a:schemeClr val="bg2">
+                <a:lumMod val="50000"/>
+              </a:schemeClr>
+            </a:solidFill>
+            <a:prstDash val="dash"/>
+            <a:headEnd w="lg" len="lg"/>
+            <a:tailEnd type="triangle" w="lg" len="lg"/>
+          </a:ln>
+        </p:spPr>
+        <p:style>
+          <a:lnRef idx="1">
+            <a:schemeClr val="accent1"/>
+          </a:lnRef>
+          <a:fillRef idx="0">
+            <a:schemeClr val="accent1"/>
+          </a:fillRef>
+          <a:effectRef idx="0">
+            <a:schemeClr val="accent1"/>
+          </a:effectRef>
+          <a:fontRef idx="minor">
+            <a:schemeClr val="tx1"/>
+          </a:fontRef>
+        </p:style>
+      </p:cxnSp>
+      <p:cxnSp>
+        <p:nvCxnSpPr>
+          <p:cNvPr id="21" name="Straight Arrow Connector 20">
+            <a:extLst>
+              <a:ext uri="{FF2B5EF4-FFF2-40B4-BE49-F238E27FC236}">
+                <a16:creationId xmlns:a16="http://schemas.microsoft.com/office/drawing/2014/main" id="{AFBBAC6A-9674-F346-85B0-8DBDA2C997AE}"/>
+              </a:ext>
+            </a:extLst>
+          </p:cNvPr>
+          <p:cNvCxnSpPr>
+            <a:cxnSpLocks/>
+          </p:cNvCxnSpPr>
+          <p:nvPr/>
+        </p:nvCxnSpPr>
+        <p:spPr>
+          <a:xfrm flipH="1" flipV="1">
+            <a:off x="3210388" y="2299671"/>
+            <a:ext cx="5844856" cy="2343580"/>
+          </a:xfrm>
+          <a:prstGeom prst="straightConnector1">
+            <a:avLst/>
+          </a:prstGeom>
+          <a:ln w="28575">
+            <a:solidFill>
+              <a:schemeClr val="bg2">
+                <a:lumMod val="50000"/>
+              </a:schemeClr>
+            </a:solidFill>
+            <a:prstDash val="dash"/>
+            <a:tailEnd type="triangle" w="lg" len="lg"/>
+          </a:ln>
+        </p:spPr>
+        <p:style>
+          <a:lnRef idx="1">
+            <a:schemeClr val="accent1"/>
+          </a:lnRef>
+          <a:fillRef idx="0">
+            <a:schemeClr val="accent1"/>
+          </a:fillRef>
+          <a:effectRef idx="0">
+            <a:schemeClr val="accent1"/>
+          </a:effectRef>
+          <a:fontRef idx="minor">
+            <a:schemeClr val="tx1"/>
+          </a:fontRef>
+        </p:style>
+      </p:cxnSp>
+      <p:cxnSp>
+        <p:nvCxnSpPr>
+          <p:cNvPr id="23" name="Straight Arrow Connector 22">
+            <a:extLst>
+              <a:ext uri="{FF2B5EF4-FFF2-40B4-BE49-F238E27FC236}">
+                <a16:creationId xmlns:a16="http://schemas.microsoft.com/office/drawing/2014/main" id="{B09799FA-F7A4-074D-97C1-C7E639CB1DC8}"/>
+              </a:ext>
+            </a:extLst>
+          </p:cNvPr>
+          <p:cNvCxnSpPr>
+            <a:cxnSpLocks/>
+            <a:stCxn id="4" idx="0"/>
+          </p:cNvCxnSpPr>
+          <p:nvPr/>
+        </p:nvCxnSpPr>
+        <p:spPr>
+          <a:xfrm flipV="1">
+            <a:off x="3018274" y="2313020"/>
+            <a:ext cx="2851376" cy="2343957"/>
+          </a:xfrm>
+          <a:prstGeom prst="straightConnector1">
+            <a:avLst/>
+          </a:prstGeom>
+          <a:ln w="28575">
+            <a:solidFill>
+              <a:schemeClr val="bg2">
+                <a:lumMod val="50000"/>
+              </a:schemeClr>
+            </a:solidFill>
+            <a:prstDash val="dash"/>
+            <a:tailEnd type="triangle" w="lg" len="lg"/>
+          </a:ln>
+        </p:spPr>
+        <p:style>
+          <a:lnRef idx="1">
+            <a:schemeClr val="accent1"/>
+          </a:lnRef>
+          <a:fillRef idx="0">
+            <a:schemeClr val="accent1"/>
+          </a:fillRef>
+          <a:effectRef idx="0">
+            <a:schemeClr val="accent1"/>
+          </a:effectRef>
+          <a:fontRef idx="minor">
+            <a:schemeClr val="tx1"/>
+          </a:fontRef>
+        </p:style>
+      </p:cxnSp>
+      <p:cxnSp>
+        <p:nvCxnSpPr>
+          <p:cNvPr id="24" name="Straight Arrow Connector 23">
+            <a:extLst>
+              <a:ext uri="{FF2B5EF4-FFF2-40B4-BE49-F238E27FC236}">
+                <a16:creationId xmlns:a16="http://schemas.microsoft.com/office/drawing/2014/main" id="{972A6FB1-BF8C-F441-94FF-7D009FE0A18E}"/>
+              </a:ext>
+            </a:extLst>
+          </p:cNvPr>
+          <p:cNvCxnSpPr>
+            <a:cxnSpLocks/>
+          </p:cNvCxnSpPr>
+          <p:nvPr/>
+        </p:nvCxnSpPr>
+        <p:spPr>
+          <a:xfrm flipV="1">
+            <a:off x="6027650" y="2285384"/>
+            <a:ext cx="14062" cy="2343580"/>
+          </a:xfrm>
+          <a:prstGeom prst="straightConnector1">
+            <a:avLst/>
+          </a:prstGeom>
+          <a:ln w="38100">
+            <a:solidFill>
+              <a:schemeClr val="tx1"/>
+            </a:solidFill>
+            <a:prstDash val="solid"/>
+            <a:headEnd w="lg" len="lg"/>
+            <a:tailEnd type="triangle" w="lg" len="lg"/>
+          </a:ln>
+        </p:spPr>
+        <p:style>
+          <a:lnRef idx="1">
+            <a:schemeClr val="accent1"/>
+          </a:lnRef>
+          <a:fillRef idx="0">
+            <a:schemeClr val="accent1"/>
+          </a:fillRef>
+          <a:effectRef idx="0">
+            <a:schemeClr val="accent1"/>
+          </a:effectRef>
+          <a:fontRef idx="minor">
+            <a:schemeClr val="tx1"/>
+          </a:fontRef>
+        </p:style>
+      </p:cxnSp>
+      <p:cxnSp>
+        <p:nvCxnSpPr>
+          <p:cNvPr id="25" name="Straight Arrow Connector 24">
+            <a:extLst>
+              <a:ext uri="{FF2B5EF4-FFF2-40B4-BE49-F238E27FC236}">
+                <a16:creationId xmlns:a16="http://schemas.microsoft.com/office/drawing/2014/main" id="{45A391B6-D398-C84A-A9F8-7C99294FDE76}"/>
+              </a:ext>
+            </a:extLst>
+          </p:cNvPr>
+          <p:cNvCxnSpPr>
+            <a:cxnSpLocks/>
+            <a:stCxn id="6" idx="0"/>
+          </p:cNvCxnSpPr>
+          <p:nvPr/>
+        </p:nvCxnSpPr>
+        <p:spPr>
+          <a:xfrm flipH="1" flipV="1">
+            <a:off x="6155641" y="2297469"/>
+            <a:ext cx="2783417" cy="2345783"/>
+          </a:xfrm>
+          <a:prstGeom prst="straightConnector1">
+            <a:avLst/>
+          </a:prstGeom>
+          <a:ln w="28575">
+            <a:solidFill>
+              <a:schemeClr val="bg2">
+                <a:lumMod val="50000"/>
+              </a:schemeClr>
+            </a:solidFill>
+            <a:prstDash val="dash"/>
+            <a:tailEnd type="triangle" w="lg" len="lg"/>
+          </a:ln>
+        </p:spPr>
+        <p:style>
+          <a:lnRef idx="1">
+            <a:schemeClr val="accent1"/>
+          </a:lnRef>
+          <a:fillRef idx="0">
+            <a:schemeClr val="accent1"/>
+          </a:fillRef>
+          <a:effectRef idx="0">
+            <a:schemeClr val="accent1"/>
+          </a:effectRef>
+          <a:fontRef idx="minor">
+            <a:schemeClr val="tx1"/>
+          </a:fontRef>
+        </p:style>
+      </p:cxnSp>
+      <p:cxnSp>
+        <p:nvCxnSpPr>
+          <p:cNvPr id="33" name="Straight Arrow Connector 32">
+            <a:extLst>
+              <a:ext uri="{FF2B5EF4-FFF2-40B4-BE49-F238E27FC236}">
+                <a16:creationId xmlns:a16="http://schemas.microsoft.com/office/drawing/2014/main" id="{F3C7C845-1D72-394E-9DE1-542D0FCD9A35}"/>
+              </a:ext>
+            </a:extLst>
+          </p:cNvPr>
+          <p:cNvCxnSpPr>
+            <a:cxnSpLocks/>
+            <a:endCxn id="9" idx="2"/>
+          </p:cNvCxnSpPr>
+          <p:nvPr/>
+        </p:nvCxnSpPr>
+        <p:spPr>
+          <a:xfrm flipV="1">
+            <a:off x="6096000" y="2268893"/>
+            <a:ext cx="2868789" cy="2374362"/>
+          </a:xfrm>
+          <a:prstGeom prst="straightConnector1">
+            <a:avLst/>
+          </a:prstGeom>
+          <a:ln w="28575">
+            <a:solidFill>
+              <a:schemeClr val="bg2">
+                <a:lumMod val="50000"/>
+              </a:schemeClr>
+            </a:solidFill>
+            <a:prstDash val="dash"/>
+            <a:tailEnd type="triangle" w="lg" len="lg"/>
+          </a:ln>
+        </p:spPr>
+        <p:style>
+          <a:lnRef idx="1">
+            <a:schemeClr val="accent1"/>
+          </a:lnRef>
+          <a:fillRef idx="0">
+            <a:schemeClr val="accent1"/>
+          </a:fillRef>
+          <a:effectRef idx="0">
+            <a:schemeClr val="accent1"/>
+          </a:effectRef>
+          <a:fontRef idx="minor">
+            <a:schemeClr val="tx1"/>
+          </a:fontRef>
+        </p:style>
+      </p:cxnSp>
+      <p:cxnSp>
+        <p:nvCxnSpPr>
+          <p:cNvPr id="34" name="Straight Arrow Connector 33">
+            <a:extLst>
+              <a:ext uri="{FF2B5EF4-FFF2-40B4-BE49-F238E27FC236}">
+                <a16:creationId xmlns:a16="http://schemas.microsoft.com/office/drawing/2014/main" id="{DF0A842C-1866-5841-80CD-7B279AE72F53}"/>
+              </a:ext>
+            </a:extLst>
+          </p:cNvPr>
+          <p:cNvCxnSpPr>
+            <a:cxnSpLocks/>
+          </p:cNvCxnSpPr>
+          <p:nvPr/>
+        </p:nvCxnSpPr>
+        <p:spPr>
+          <a:xfrm flipV="1">
+            <a:off x="9070921" y="2269993"/>
+            <a:ext cx="37408" cy="2358971"/>
+          </a:xfrm>
+          <a:prstGeom prst="straightConnector1">
+            <a:avLst/>
+          </a:prstGeom>
+          <a:ln w="38100">
+            <a:solidFill>
+              <a:schemeClr val="tx1"/>
+            </a:solidFill>
+            <a:prstDash val="solid"/>
+            <a:headEnd w="lg" len="lg"/>
+            <a:tailEnd type="triangle" w="lg" len="lg"/>
+          </a:ln>
+        </p:spPr>
+        <p:style>
+          <a:lnRef idx="1">
+            <a:schemeClr val="accent1"/>
+          </a:lnRef>
+          <a:fillRef idx="0">
+            <a:schemeClr val="accent1"/>
+          </a:fillRef>
+          <a:effectRef idx="0">
+            <a:schemeClr val="accent1"/>
+          </a:effectRef>
+          <a:fontRef idx="minor">
+            <a:schemeClr val="tx1"/>
+          </a:fontRef>
+        </p:style>
+      </p:cxnSp>
+      <p:cxnSp>
+        <p:nvCxnSpPr>
+          <p:cNvPr id="35" name="Straight Arrow Connector 34">
+            <a:extLst>
+              <a:ext uri="{FF2B5EF4-FFF2-40B4-BE49-F238E27FC236}">
+                <a16:creationId xmlns:a16="http://schemas.microsoft.com/office/drawing/2014/main" id="{C54E97C6-5A60-374B-80FC-3BE7443DC76F}"/>
+              </a:ext>
+            </a:extLst>
+          </p:cNvPr>
+          <p:cNvCxnSpPr>
+            <a:cxnSpLocks/>
+          </p:cNvCxnSpPr>
+          <p:nvPr/>
+        </p:nvCxnSpPr>
+        <p:spPr>
+          <a:xfrm flipV="1">
+            <a:off x="3012345" y="2299670"/>
+            <a:ext cx="5769952" cy="2343581"/>
+          </a:xfrm>
+          <a:prstGeom prst="straightConnector1">
+            <a:avLst/>
+          </a:prstGeom>
+          <a:ln w="28575">
+            <a:solidFill>
+              <a:schemeClr val="bg2">
+                <a:lumMod val="50000"/>
+              </a:schemeClr>
+            </a:solidFill>
+            <a:prstDash val="dash"/>
+            <a:tailEnd type="triangle" w="lg" len="lg"/>
+          </a:ln>
+        </p:spPr>
+        <p:style>
+          <a:lnRef idx="1">
+            <a:schemeClr val="accent1"/>
+          </a:lnRef>
+          <a:fillRef idx="0">
+            <a:schemeClr val="accent1"/>
+          </a:fillRef>
+          <a:effectRef idx="0">
+            <a:schemeClr val="accent1"/>
+          </a:effectRef>
+          <a:fontRef idx="minor">
+            <a:schemeClr val="tx1"/>
+          </a:fontRef>
+        </p:style>
+      </p:cxnSp>
+      <p:cxnSp>
+        <p:nvCxnSpPr>
+          <p:cNvPr id="53" name="Elbow Connector 52">
+            <a:extLst>
+              <a:ext uri="{FF2B5EF4-FFF2-40B4-BE49-F238E27FC236}">
+                <a16:creationId xmlns:a16="http://schemas.microsoft.com/office/drawing/2014/main" id="{83342A54-600E-FF4A-BE6C-445538E8BA49}"/>
+              </a:ext>
+            </a:extLst>
+          </p:cNvPr>
+          <p:cNvCxnSpPr>
+            <a:stCxn id="9" idx="0"/>
+            <a:endCxn id="8" idx="0"/>
+          </p:cNvCxnSpPr>
+          <p:nvPr/>
+        </p:nvCxnSpPr>
+        <p:spPr>
+          <a:xfrm rot="16200000" flipV="1">
+            <a:off x="7482893" y="448443"/>
+            <a:ext cx="12700" cy="2963792"/>
+          </a:xfrm>
+          <a:prstGeom prst="bentConnector3">
+            <a:avLst>
+              <a:gd name="adj1" fmla="val 3375000"/>
+            </a:avLst>
+          </a:prstGeom>
+          <a:ln w="38100">
+            <a:solidFill>
+              <a:schemeClr val="tx1"/>
+            </a:solidFill>
+            <a:headEnd w="lg" len="lg"/>
+            <a:tailEnd type="triangle" w="lg" len="lg"/>
+          </a:ln>
+        </p:spPr>
+        <p:style>
+          <a:lnRef idx="1">
+            <a:schemeClr val="accent1"/>
+          </a:lnRef>
+          <a:fillRef idx="0">
+            <a:schemeClr val="accent1"/>
+          </a:fillRef>
+          <a:effectRef idx="0">
+            <a:schemeClr val="accent1"/>
+          </a:effectRef>
+          <a:fontRef idx="minor">
+            <a:schemeClr val="tx1"/>
+          </a:fontRef>
+        </p:style>
+      </p:cxnSp>
+      <p:cxnSp>
+        <p:nvCxnSpPr>
+          <p:cNvPr id="57" name="Elbow Connector 56">
+            <a:extLst>
+              <a:ext uri="{FF2B5EF4-FFF2-40B4-BE49-F238E27FC236}">
+                <a16:creationId xmlns:a16="http://schemas.microsoft.com/office/drawing/2014/main" id="{16E261F6-9F61-B444-B2A1-75894B79FF07}"/>
+              </a:ext>
+            </a:extLst>
+          </p:cNvPr>
+          <p:cNvCxnSpPr>
+            <a:cxnSpLocks/>
+          </p:cNvCxnSpPr>
+          <p:nvPr/>
+        </p:nvCxnSpPr>
+        <p:spPr>
+          <a:xfrm rot="16200000" flipV="1">
+            <a:off x="5892749" y="-813961"/>
+            <a:ext cx="9144" cy="5486400"/>
+          </a:xfrm>
+          <a:prstGeom prst="bentConnector3">
+            <a:avLst>
+              <a:gd name="adj1" fmla="val 6225000"/>
+            </a:avLst>
+          </a:prstGeom>
+          <a:ln w="28575">
+            <a:solidFill>
+              <a:schemeClr val="bg2">
+                <a:lumMod val="50000"/>
+              </a:schemeClr>
+            </a:solidFill>
+            <a:prstDash val="dash"/>
+            <a:headEnd w="lg" len="lg"/>
+            <a:tailEnd type="triangle" w="lg" len="lg"/>
+          </a:ln>
+        </p:spPr>
+        <p:style>
+          <a:lnRef idx="1">
+            <a:schemeClr val="accent1"/>
+          </a:lnRef>
+          <a:fillRef idx="0">
+            <a:schemeClr val="accent1"/>
+          </a:fillRef>
+          <a:effectRef idx="0">
+            <a:schemeClr val="accent1"/>
+          </a:effectRef>
+          <a:fontRef idx="minor">
+            <a:schemeClr val="tx1"/>
+          </a:fontRef>
+        </p:style>
+      </p:cxnSp>
+      <p:sp>
+        <p:nvSpPr>
+          <p:cNvPr id="61" name="TextBox 60">
+            <a:extLst>
+              <a:ext uri="{FF2B5EF4-FFF2-40B4-BE49-F238E27FC236}">
+                <a16:creationId xmlns:a16="http://schemas.microsoft.com/office/drawing/2014/main" id="{7F237DD3-2F5C-974E-9CE0-F803003B66D9}"/>
               </a:ext>
             </a:extLst>
           </p:cNvPr>
@@ -6481,13 +7864,16 @@
         </p:nvSpPr>
         <p:spPr>
           <a:xfrm>
-            <a:off x="3764874" y="2835274"/>
-            <a:ext cx="1191690" cy="369332"/>
+            <a:off x="1987018" y="3080146"/>
+            <a:ext cx="946560" cy="369332"/>
           </a:xfrm>
           <a:prstGeom prst="rect">
             <a:avLst/>
           </a:prstGeom>
           <a:noFill/>
+          <a:ln>
+            <a:noFill/>
+          </a:ln>
         </p:spPr>
         <p:txBody>
           <a:bodyPr wrap="square" rtlCol="0">
@@ -6500,17 +7886,17 @@
                 <a:latin typeface="Arial" panose="020B0604020202020204" pitchFamily="34" charset="0"/>
                 <a:cs typeface="Arial" panose="020B0604020202020204" pitchFamily="34" charset="0"/>
               </a:rPr>
-              <a:t>0.013</a:t>
-            </a:r>
-          </a:p>
-        </p:txBody>
-      </p:sp>
-      <p:sp>
-        <p:nvSpPr>
-          <p:cNvPr id="11" name="TextBox 10">
-            <a:extLst>
-              <a:ext uri="{FF2B5EF4-FFF2-40B4-BE49-F238E27FC236}">
-                <a16:creationId xmlns:a16="http://schemas.microsoft.com/office/drawing/2014/main" id="{5D136E10-03A2-F545-A119-5BEAD2691EC4}"/>
+              <a:t>0.040**</a:t>
+            </a:r>
+          </a:p>
+        </p:txBody>
+      </p:sp>
+      <p:sp>
+        <p:nvSpPr>
+          <p:cNvPr id="62" name="TextBox 61">
+            <a:extLst>
+              <a:ext uri="{FF2B5EF4-FFF2-40B4-BE49-F238E27FC236}">
+                <a16:creationId xmlns:a16="http://schemas.microsoft.com/office/drawing/2014/main" id="{DE1188E0-30F3-4B44-B6BF-33657D52FA8A}"/>
               </a:ext>
             </a:extLst>
           </p:cNvPr>
@@ -6519,13 +7905,18 @@
         </p:nvSpPr>
         <p:spPr>
           <a:xfrm>
-            <a:off x="4842406" y="5227058"/>
-            <a:ext cx="1191690" cy="369332"/>
+            <a:off x="6057241" y="2948820"/>
+            <a:ext cx="982109" cy="369332"/>
           </a:xfrm>
           <a:prstGeom prst="rect">
             <a:avLst/>
           </a:prstGeom>
-          <a:noFill/>
+          <a:solidFill>
+            <a:schemeClr val="bg1"/>
+          </a:solidFill>
+          <a:ln>
+            <a:noFill/>
+          </a:ln>
         </p:spPr>
         <p:txBody>
           <a:bodyPr wrap="square" rtlCol="0">
@@ -6538,17 +7929,17 @@
                 <a:latin typeface="Arial" panose="020B0604020202020204" pitchFamily="34" charset="0"/>
                 <a:cs typeface="Arial" panose="020B0604020202020204" pitchFamily="34" charset="0"/>
               </a:rPr>
-              <a:t>0.014</a:t>
-            </a:r>
-          </a:p>
-        </p:txBody>
-      </p:sp>
-      <p:sp>
-        <p:nvSpPr>
-          <p:cNvPr id="12" name="TextBox 11">
-            <a:extLst>
-              <a:ext uri="{FF2B5EF4-FFF2-40B4-BE49-F238E27FC236}">
-                <a16:creationId xmlns:a16="http://schemas.microsoft.com/office/drawing/2014/main" id="{635EA56D-DF4F-6F4A-A26E-A3B901D534A4}"/>
+              <a:t>0.307*</a:t>
+            </a:r>
+          </a:p>
+        </p:txBody>
+      </p:sp>
+      <p:sp>
+        <p:nvSpPr>
+          <p:cNvPr id="63" name="TextBox 62">
+            <a:extLst>
+              <a:ext uri="{FF2B5EF4-FFF2-40B4-BE49-F238E27FC236}">
+                <a16:creationId xmlns:a16="http://schemas.microsoft.com/office/drawing/2014/main" id="{7D9A6CDB-03FE-7B45-94EA-C7318C14533D}"/>
               </a:ext>
             </a:extLst>
           </p:cNvPr>
@@ -6557,13 +7948,18 @@
         </p:nvSpPr>
         <p:spPr>
           <a:xfrm>
-            <a:off x="5021987" y="2532317"/>
-            <a:ext cx="1191690" cy="369332"/>
+            <a:off x="6982937" y="1551222"/>
+            <a:ext cx="1028948" cy="369332"/>
           </a:xfrm>
           <a:prstGeom prst="rect">
             <a:avLst/>
           </a:prstGeom>
-          <a:noFill/>
+          <a:solidFill>
+            <a:schemeClr val="bg1"/>
+          </a:solidFill>
+          <a:ln>
+            <a:noFill/>
+          </a:ln>
         </p:spPr>
         <p:txBody>
           <a:bodyPr wrap="square" rtlCol="0">
@@ -6576,17 +7972,17 @@
                 <a:latin typeface="Arial" panose="020B0604020202020204" pitchFamily="34" charset="0"/>
                 <a:cs typeface="Arial" panose="020B0604020202020204" pitchFamily="34" charset="0"/>
               </a:rPr>
-              <a:t>0.051</a:t>
-            </a:r>
-          </a:p>
-        </p:txBody>
-      </p:sp>
-      <p:sp>
-        <p:nvSpPr>
-          <p:cNvPr id="13" name="TextBox 12">
-            <a:extLst>
-              <a:ext uri="{FF2B5EF4-FFF2-40B4-BE49-F238E27FC236}">
-                <a16:creationId xmlns:a16="http://schemas.microsoft.com/office/drawing/2014/main" id="{1ABC6687-76B3-B042-A4FC-8BFFF12A1B71}"/>
+              <a:t>0.243***</a:t>
+            </a:r>
+          </a:p>
+        </p:txBody>
+      </p:sp>
+      <p:sp>
+        <p:nvSpPr>
+          <p:cNvPr id="64" name="TextBox 63">
+            <a:extLst>
+              <a:ext uri="{FF2B5EF4-FFF2-40B4-BE49-F238E27FC236}">
+                <a16:creationId xmlns:a16="http://schemas.microsoft.com/office/drawing/2014/main" id="{01CF280E-35E6-5C49-A4E7-4477CCE1C83C}"/>
               </a:ext>
             </a:extLst>
           </p:cNvPr>
@@ -6595,13 +7991,18 @@
         </p:nvSpPr>
         <p:spPr>
           <a:xfrm>
-            <a:off x="6847107" y="5227058"/>
-            <a:ext cx="1698668" cy="369332"/>
+            <a:off x="9147088" y="3080146"/>
+            <a:ext cx="1020486" cy="369332"/>
           </a:xfrm>
           <a:prstGeom prst="rect">
             <a:avLst/>
           </a:prstGeom>
-          <a:noFill/>
+          <a:solidFill>
+            <a:schemeClr val="bg1"/>
+          </a:solidFill>
+          <a:ln>
+            <a:noFill/>
+          </a:ln>
         </p:spPr>
         <p:txBody>
           <a:bodyPr wrap="square" rtlCol="0">
@@ -6614,31 +8015,17 @@
                 <a:latin typeface="Arial" panose="020B0604020202020204" pitchFamily="34" charset="0"/>
                 <a:cs typeface="Arial" panose="020B0604020202020204" pitchFamily="34" charset="0"/>
               </a:rPr>
-              <a:t>Total R</a:t>
-            </a:r>
-            <a:r>
-              <a:rPr lang="en-US" baseline="30000" dirty="0">
-                <a:latin typeface="Arial" panose="020B0604020202020204" pitchFamily="34" charset="0"/>
-                <a:cs typeface="Arial" panose="020B0604020202020204" pitchFamily="34" charset="0"/>
-              </a:rPr>
-              <a:t>2</a:t>
-            </a:r>
-            <a:r>
-              <a:rPr lang="en-US" dirty="0">
-                <a:latin typeface="Arial" panose="020B0604020202020204" pitchFamily="34" charset="0"/>
-                <a:cs typeface="Arial" panose="020B0604020202020204" pitchFamily="34" charset="0"/>
-              </a:rPr>
-              <a:t> = 0.14</a:t>
-            </a:r>
-          </a:p>
-        </p:txBody>
-      </p:sp>
-      <p:sp>
-        <p:nvSpPr>
-          <p:cNvPr id="14" name="TextBox 13">
-            <a:extLst>
-              <a:ext uri="{FF2B5EF4-FFF2-40B4-BE49-F238E27FC236}">
-                <a16:creationId xmlns:a16="http://schemas.microsoft.com/office/drawing/2014/main" id="{B2E904DA-61D3-5D47-AD47-932D13DDF817}"/>
+              <a:t>-2.279**</a:t>
+            </a:r>
+          </a:p>
+        </p:txBody>
+      </p:sp>
+      <p:sp>
+        <p:nvSpPr>
+          <p:cNvPr id="65" name="TextBox 64">
+            <a:extLst>
+              <a:ext uri="{FF2B5EF4-FFF2-40B4-BE49-F238E27FC236}">
+                <a16:creationId xmlns:a16="http://schemas.microsoft.com/office/drawing/2014/main" id="{11881172-249F-6945-AA11-ADEA2F47D833}"/>
               </a:ext>
             </a:extLst>
           </p:cNvPr>
@@ -6647,13 +8034,20 @@
         </p:nvSpPr>
         <p:spPr>
           <a:xfrm>
-            <a:off x="3062569" y="853239"/>
-            <a:ext cx="2430234" cy="646331"/>
+            <a:off x="1811722" y="1516772"/>
+            <a:ext cx="1143000" cy="369332"/>
           </a:xfrm>
           <a:prstGeom prst="rect">
             <a:avLst/>
           </a:prstGeom>
-          <a:noFill/>
+          <a:solidFill>
+            <a:schemeClr val="bg1"/>
+          </a:solidFill>
+          <a:ln>
+            <a:solidFill>
+              <a:schemeClr val="tx1"/>
+            </a:solidFill>
+          </a:ln>
         </p:spPr>
         <p:txBody>
           <a:bodyPr wrap="square" rtlCol="0">
@@ -6666,26 +8060,31 @@
                 <a:latin typeface="Arial" panose="020B0604020202020204" pitchFamily="34" charset="0"/>
                 <a:cs typeface="Arial" panose="020B0604020202020204" pitchFamily="34" charset="0"/>
               </a:rPr>
-              <a:t>Response: </a:t>
-            </a:r>
-          </a:p>
-          <a:p>
+              <a:t>R</a:t>
+            </a:r>
+            <a:r>
+              <a:rPr lang="en-US" baseline="30000" dirty="0">
+                <a:latin typeface="Arial" panose="020B0604020202020204" pitchFamily="34" charset="0"/>
+                <a:cs typeface="Arial" panose="020B0604020202020204" pitchFamily="34" charset="0"/>
+              </a:rPr>
+              <a:t>2 </a:t>
+            </a:r>
             <a:r>
               <a:rPr lang="en-US" dirty="0">
                 <a:latin typeface="Arial" panose="020B0604020202020204" pitchFamily="34" charset="0"/>
                 <a:cs typeface="Arial" panose="020B0604020202020204" pitchFamily="34" charset="0"/>
               </a:rPr>
-              <a:t>Δ Range area</a:t>
-            </a:r>
-          </a:p>
-        </p:txBody>
-      </p:sp>
-      <p:sp>
-        <p:nvSpPr>
-          <p:cNvPr id="18" name="TextBox 17">
-            <a:extLst>
-              <a:ext uri="{FF2B5EF4-FFF2-40B4-BE49-F238E27FC236}">
-                <a16:creationId xmlns:a16="http://schemas.microsoft.com/office/drawing/2014/main" id="{7A448C98-C00D-3945-8F42-44BDA3E9E311}"/>
+              <a:t>= 0.10</a:t>
+            </a:r>
+          </a:p>
+        </p:txBody>
+      </p:sp>
+      <p:sp>
+        <p:nvSpPr>
+          <p:cNvPr id="66" name="TextBox 65">
+            <a:extLst>
+              <a:ext uri="{FF2B5EF4-FFF2-40B4-BE49-F238E27FC236}">
+                <a16:creationId xmlns:a16="http://schemas.microsoft.com/office/drawing/2014/main" id="{13470268-36AA-D447-9BC4-B2084AF7F89E}"/>
               </a:ext>
             </a:extLst>
           </p:cNvPr>
@@ -6694,13 +8093,20 @@
         </p:nvSpPr>
         <p:spPr>
           <a:xfrm>
-            <a:off x="5677191" y="3973685"/>
-            <a:ext cx="1191690" cy="369332"/>
+            <a:off x="4754321" y="1516772"/>
+            <a:ext cx="1143000" cy="369332"/>
           </a:xfrm>
           <a:prstGeom prst="rect">
             <a:avLst/>
           </a:prstGeom>
-          <a:noFill/>
+          <a:solidFill>
+            <a:schemeClr val="bg1"/>
+          </a:solidFill>
+          <a:ln>
+            <a:solidFill>
+              <a:schemeClr val="tx1"/>
+            </a:solidFill>
+          </a:ln>
         </p:spPr>
         <p:txBody>
           <a:bodyPr wrap="square" rtlCol="0">
@@ -6713,17 +8119,31 @@
                 <a:latin typeface="Arial" panose="020B0604020202020204" pitchFamily="34" charset="0"/>
                 <a:cs typeface="Arial" panose="020B0604020202020204" pitchFamily="34" charset="0"/>
               </a:rPr>
-              <a:t>-0.006</a:t>
-            </a:r>
-          </a:p>
-        </p:txBody>
-      </p:sp>
-      <p:sp>
-        <p:nvSpPr>
-          <p:cNvPr id="19" name="TextBox 18">
-            <a:extLst>
-              <a:ext uri="{FF2B5EF4-FFF2-40B4-BE49-F238E27FC236}">
-                <a16:creationId xmlns:a16="http://schemas.microsoft.com/office/drawing/2014/main" id="{7437538F-20F8-1243-A954-D362466845B5}"/>
+              <a:t>R</a:t>
+            </a:r>
+            <a:r>
+              <a:rPr lang="en-US" baseline="30000" dirty="0">
+                <a:latin typeface="Arial" panose="020B0604020202020204" pitchFamily="34" charset="0"/>
+                <a:cs typeface="Arial" panose="020B0604020202020204" pitchFamily="34" charset="0"/>
+              </a:rPr>
+              <a:t>2 </a:t>
+            </a:r>
+            <a:r>
+              <a:rPr lang="en-US" dirty="0">
+                <a:latin typeface="Arial" panose="020B0604020202020204" pitchFamily="34" charset="0"/>
+                <a:cs typeface="Arial" panose="020B0604020202020204" pitchFamily="34" charset="0"/>
+              </a:rPr>
+              <a:t>= 0.11</a:t>
+            </a:r>
+          </a:p>
+        </p:txBody>
+      </p:sp>
+      <p:sp>
+        <p:nvSpPr>
+          <p:cNvPr id="67" name="TextBox 66">
+            <a:extLst>
+              <a:ext uri="{FF2B5EF4-FFF2-40B4-BE49-F238E27FC236}">
+                <a16:creationId xmlns:a16="http://schemas.microsoft.com/office/drawing/2014/main" id="{723B4A81-5B5B-D64E-98DB-FB4E06A7606B}"/>
               </a:ext>
             </a:extLst>
           </p:cNvPr>
@@ -6732,13 +8152,20 @@
         </p:nvSpPr>
         <p:spPr>
           <a:xfrm>
-            <a:off x="4956564" y="3260113"/>
-            <a:ext cx="1191690" cy="369332"/>
+            <a:off x="9089625" y="1530229"/>
+            <a:ext cx="1143000" cy="369332"/>
           </a:xfrm>
           <a:prstGeom prst="rect">
             <a:avLst/>
           </a:prstGeom>
-          <a:noFill/>
+          <a:solidFill>
+            <a:schemeClr val="bg1"/>
+          </a:solidFill>
+          <a:ln>
+            <a:solidFill>
+              <a:schemeClr val="tx1"/>
+            </a:solidFill>
+          </a:ln>
         </p:spPr>
         <p:txBody>
           <a:bodyPr wrap="square" rtlCol="0">
@@ -6751,17 +8178,31 @@
                 <a:latin typeface="Arial" panose="020B0604020202020204" pitchFamily="34" charset="0"/>
                 <a:cs typeface="Arial" panose="020B0604020202020204" pitchFamily="34" charset="0"/>
               </a:rPr>
-              <a:t>-0.006</a:t>
-            </a:r>
-          </a:p>
-        </p:txBody>
-      </p:sp>
-      <p:sp>
-        <p:nvSpPr>
-          <p:cNvPr id="20" name="TextBox 19">
-            <a:extLst>
-              <a:ext uri="{FF2B5EF4-FFF2-40B4-BE49-F238E27FC236}">
-                <a16:creationId xmlns:a16="http://schemas.microsoft.com/office/drawing/2014/main" id="{29C52A15-D948-2E4D-A453-929ABD17C398}"/>
+              <a:t>R</a:t>
+            </a:r>
+            <a:r>
+              <a:rPr lang="en-US" baseline="30000" dirty="0">
+                <a:latin typeface="Arial" panose="020B0604020202020204" pitchFamily="34" charset="0"/>
+                <a:cs typeface="Arial" panose="020B0604020202020204" pitchFamily="34" charset="0"/>
+              </a:rPr>
+              <a:t>2 </a:t>
+            </a:r>
+            <a:r>
+              <a:rPr lang="en-US" dirty="0">
+                <a:latin typeface="Arial" panose="020B0604020202020204" pitchFamily="34" charset="0"/>
+                <a:cs typeface="Arial" panose="020B0604020202020204" pitchFamily="34" charset="0"/>
+              </a:rPr>
+              <a:t>= 0.10</a:t>
+            </a:r>
+          </a:p>
+        </p:txBody>
+      </p:sp>
+      <p:sp>
+        <p:nvSpPr>
+          <p:cNvPr id="68" name="TextBox 67">
+            <a:extLst>
+              <a:ext uri="{FF2B5EF4-FFF2-40B4-BE49-F238E27FC236}">
+                <a16:creationId xmlns:a16="http://schemas.microsoft.com/office/drawing/2014/main" id="{229F2343-9840-634F-8470-AB22B0378E21}"/>
               </a:ext>
             </a:extLst>
           </p:cNvPr>
@@ -6770,13 +8211,18 @@
         </p:nvSpPr>
         <p:spPr>
           <a:xfrm>
-            <a:off x="4195839" y="3769498"/>
-            <a:ext cx="1191690" cy="369332"/>
+            <a:off x="3413535" y="3643420"/>
+            <a:ext cx="870174" cy="369332"/>
           </a:xfrm>
           <a:prstGeom prst="rect">
             <a:avLst/>
           </a:prstGeom>
-          <a:noFill/>
+          <a:solidFill>
+            <a:schemeClr val="bg1"/>
+          </a:solidFill>
+          <a:ln>
+            <a:noFill/>
+          </a:ln>
         </p:spPr>
         <p:txBody>
           <a:bodyPr wrap="square" rtlCol="0">
@@ -6786,10 +8232,346 @@
           <a:p>
             <a:r>
               <a:rPr lang="en-US" dirty="0">
-                <a:latin typeface="Arial" panose="020B0604020202020204" pitchFamily="34" charset="0"/>
-                <a:cs typeface="Arial" panose="020B0604020202020204" pitchFamily="34" charset="0"/>
-              </a:rPr>
-              <a:t>-0.007</a:t>
+                <a:solidFill>
+                  <a:schemeClr val="bg2">
+                    <a:lumMod val="50000"/>
+                  </a:schemeClr>
+                </a:solidFill>
+                <a:latin typeface="Arial" panose="020B0604020202020204" pitchFamily="34" charset="0"/>
+                <a:cs typeface="Arial" panose="020B0604020202020204" pitchFamily="34" charset="0"/>
+              </a:rPr>
+              <a:t>-0.034</a:t>
+            </a:r>
+          </a:p>
+        </p:txBody>
+      </p:sp>
+      <p:sp>
+        <p:nvSpPr>
+          <p:cNvPr id="69" name="TextBox 68">
+            <a:extLst>
+              <a:ext uri="{FF2B5EF4-FFF2-40B4-BE49-F238E27FC236}">
+                <a16:creationId xmlns:a16="http://schemas.microsoft.com/office/drawing/2014/main" id="{6157ED4D-535A-C846-879D-D9CC38289BB5}"/>
+              </a:ext>
+            </a:extLst>
+          </p:cNvPr>
+          <p:cNvSpPr txBox="1"/>
+          <p:nvPr/>
+        </p:nvSpPr>
+        <p:spPr>
+          <a:xfrm>
+            <a:off x="3871886" y="4056879"/>
+            <a:ext cx="771792" cy="369332"/>
+          </a:xfrm>
+          <a:prstGeom prst="rect">
+            <a:avLst/>
+          </a:prstGeom>
+          <a:solidFill>
+            <a:schemeClr val="bg1"/>
+          </a:solidFill>
+          <a:ln>
+            <a:noFill/>
+          </a:ln>
+        </p:spPr>
+        <p:txBody>
+          <a:bodyPr wrap="square" rtlCol="0">
+            <a:spAutoFit/>
+          </a:bodyPr>
+          <a:lstStyle/>
+          <a:p>
+            <a:r>
+              <a:rPr lang="en-US" dirty="0">
+                <a:solidFill>
+                  <a:schemeClr val="bg2">
+                    <a:lumMod val="50000"/>
+                  </a:schemeClr>
+                </a:solidFill>
+                <a:latin typeface="Arial" panose="020B0604020202020204" pitchFamily="34" charset="0"/>
+                <a:cs typeface="Arial" panose="020B0604020202020204" pitchFamily="34" charset="0"/>
+              </a:rPr>
+              <a:t>0.486</a:t>
+            </a:r>
+          </a:p>
+        </p:txBody>
+      </p:sp>
+      <p:sp>
+        <p:nvSpPr>
+          <p:cNvPr id="70" name="TextBox 69">
+            <a:extLst>
+              <a:ext uri="{FF2B5EF4-FFF2-40B4-BE49-F238E27FC236}">
+                <a16:creationId xmlns:a16="http://schemas.microsoft.com/office/drawing/2014/main" id="{B4F4D1A2-F6D4-4B43-9819-9DFD1AD36783}"/>
+              </a:ext>
+            </a:extLst>
+          </p:cNvPr>
+          <p:cNvSpPr txBox="1"/>
+          <p:nvPr/>
+        </p:nvSpPr>
+        <p:spPr>
+          <a:xfrm>
+            <a:off x="5032538" y="3992468"/>
+            <a:ext cx="771792" cy="369332"/>
+          </a:xfrm>
+          <a:prstGeom prst="rect">
+            <a:avLst/>
+          </a:prstGeom>
+          <a:solidFill>
+            <a:schemeClr val="bg1"/>
+          </a:solidFill>
+          <a:ln>
+            <a:noFill/>
+          </a:ln>
+        </p:spPr>
+        <p:txBody>
+          <a:bodyPr wrap="square" rtlCol="0">
+            <a:spAutoFit/>
+          </a:bodyPr>
+          <a:lstStyle/>
+          <a:p>
+            <a:r>
+              <a:rPr lang="en-US" dirty="0">
+                <a:solidFill>
+                  <a:schemeClr val="bg2">
+                    <a:lumMod val="50000"/>
+                  </a:schemeClr>
+                </a:solidFill>
+                <a:latin typeface="Arial" panose="020B0604020202020204" pitchFamily="34" charset="0"/>
+                <a:cs typeface="Arial" panose="020B0604020202020204" pitchFamily="34" charset="0"/>
+              </a:rPr>
+              <a:t>0.003</a:t>
+            </a:r>
+          </a:p>
+        </p:txBody>
+      </p:sp>
+      <p:sp>
+        <p:nvSpPr>
+          <p:cNvPr id="71" name="TextBox 70">
+            <a:extLst>
+              <a:ext uri="{FF2B5EF4-FFF2-40B4-BE49-F238E27FC236}">
+                <a16:creationId xmlns:a16="http://schemas.microsoft.com/office/drawing/2014/main" id="{6B98E97C-1B36-944E-A865-F1204C4BBA49}"/>
+              </a:ext>
+            </a:extLst>
+          </p:cNvPr>
+          <p:cNvSpPr txBox="1"/>
+          <p:nvPr/>
+        </p:nvSpPr>
+        <p:spPr>
+          <a:xfrm>
+            <a:off x="6313849" y="3992468"/>
+            <a:ext cx="763676" cy="369332"/>
+          </a:xfrm>
+          <a:prstGeom prst="rect">
+            <a:avLst/>
+          </a:prstGeom>
+          <a:solidFill>
+            <a:schemeClr val="bg1"/>
+          </a:solidFill>
+          <a:ln>
+            <a:noFill/>
+          </a:ln>
+        </p:spPr>
+        <p:txBody>
+          <a:bodyPr wrap="square" rtlCol="0">
+            <a:spAutoFit/>
+          </a:bodyPr>
+          <a:lstStyle/>
+          <a:p>
+            <a:r>
+              <a:rPr lang="en-US" dirty="0">
+                <a:solidFill>
+                  <a:schemeClr val="bg2">
+                    <a:lumMod val="50000"/>
+                  </a:schemeClr>
+                </a:solidFill>
+                <a:latin typeface="Arial" panose="020B0604020202020204" pitchFamily="34" charset="0"/>
+                <a:cs typeface="Arial" panose="020B0604020202020204" pitchFamily="34" charset="0"/>
+              </a:rPr>
+              <a:t>0.067</a:t>
+            </a:r>
+          </a:p>
+        </p:txBody>
+      </p:sp>
+      <p:sp>
+        <p:nvSpPr>
+          <p:cNvPr id="72" name="TextBox 71">
+            <a:extLst>
+              <a:ext uri="{FF2B5EF4-FFF2-40B4-BE49-F238E27FC236}">
+                <a16:creationId xmlns:a16="http://schemas.microsoft.com/office/drawing/2014/main" id="{3075672F-4EB4-B24A-B2F0-3967306C59CB}"/>
+              </a:ext>
+            </a:extLst>
+          </p:cNvPr>
+          <p:cNvSpPr txBox="1"/>
+          <p:nvPr/>
+        </p:nvSpPr>
+        <p:spPr>
+          <a:xfrm>
+            <a:off x="7752459" y="3593673"/>
+            <a:ext cx="835114" cy="369332"/>
+          </a:xfrm>
+          <a:prstGeom prst="rect">
+            <a:avLst/>
+          </a:prstGeom>
+          <a:solidFill>
+            <a:schemeClr val="bg1"/>
+          </a:solidFill>
+          <a:ln>
+            <a:noFill/>
+          </a:ln>
+        </p:spPr>
+        <p:txBody>
+          <a:bodyPr wrap="square" rtlCol="0">
+            <a:spAutoFit/>
+          </a:bodyPr>
+          <a:lstStyle/>
+          <a:p>
+            <a:r>
+              <a:rPr lang="en-US" dirty="0">
+                <a:solidFill>
+                  <a:schemeClr val="bg2">
+                    <a:lumMod val="50000"/>
+                  </a:schemeClr>
+                </a:solidFill>
+                <a:latin typeface="Arial" panose="020B0604020202020204" pitchFamily="34" charset="0"/>
+                <a:cs typeface="Arial" panose="020B0604020202020204" pitchFamily="34" charset="0"/>
+              </a:rPr>
+              <a:t>-1.03</a:t>
+            </a:r>
+          </a:p>
+        </p:txBody>
+      </p:sp>
+      <p:sp>
+        <p:nvSpPr>
+          <p:cNvPr id="73" name="TextBox 72">
+            <a:extLst>
+              <a:ext uri="{FF2B5EF4-FFF2-40B4-BE49-F238E27FC236}">
+                <a16:creationId xmlns:a16="http://schemas.microsoft.com/office/drawing/2014/main" id="{8DC21F49-3588-BE45-8572-119EAD0A1329}"/>
+              </a:ext>
+            </a:extLst>
+          </p:cNvPr>
+          <p:cNvSpPr txBox="1"/>
+          <p:nvPr/>
+        </p:nvSpPr>
+        <p:spPr>
+          <a:xfrm>
+            <a:off x="7385911" y="4060653"/>
+            <a:ext cx="835114" cy="369332"/>
+          </a:xfrm>
+          <a:prstGeom prst="rect">
+            <a:avLst/>
+          </a:prstGeom>
+          <a:solidFill>
+            <a:schemeClr val="bg1"/>
+          </a:solidFill>
+          <a:ln>
+            <a:noFill/>
+          </a:ln>
+        </p:spPr>
+        <p:txBody>
+          <a:bodyPr wrap="square" rtlCol="0">
+            <a:spAutoFit/>
+          </a:bodyPr>
+          <a:lstStyle/>
+          <a:p>
+            <a:r>
+              <a:rPr lang="en-US" dirty="0">
+                <a:solidFill>
+                  <a:schemeClr val="bg2">
+                    <a:lumMod val="50000"/>
+                  </a:schemeClr>
+                </a:solidFill>
+                <a:latin typeface="Arial" panose="020B0604020202020204" pitchFamily="34" charset="0"/>
+                <a:cs typeface="Arial" panose="020B0604020202020204" pitchFamily="34" charset="0"/>
+              </a:rPr>
+              <a:t>-0.040</a:t>
+            </a:r>
+          </a:p>
+        </p:txBody>
+      </p:sp>
+      <p:sp>
+        <p:nvSpPr>
+          <p:cNvPr id="74" name="TextBox 73">
+            <a:extLst>
+              <a:ext uri="{FF2B5EF4-FFF2-40B4-BE49-F238E27FC236}">
+                <a16:creationId xmlns:a16="http://schemas.microsoft.com/office/drawing/2014/main" id="{75474E52-9598-164F-AE5B-29344C178A13}"/>
+              </a:ext>
+            </a:extLst>
+          </p:cNvPr>
+          <p:cNvSpPr txBox="1"/>
+          <p:nvPr/>
+        </p:nvSpPr>
+        <p:spPr>
+          <a:xfrm>
+            <a:off x="3544828" y="1189662"/>
+            <a:ext cx="770968" cy="369332"/>
+          </a:xfrm>
+          <a:prstGeom prst="rect">
+            <a:avLst/>
+          </a:prstGeom>
+          <a:solidFill>
+            <a:schemeClr val="bg1"/>
+          </a:solidFill>
+          <a:ln>
+            <a:noFill/>
+          </a:ln>
+        </p:spPr>
+        <p:txBody>
+          <a:bodyPr wrap="square" rtlCol="0">
+            <a:spAutoFit/>
+          </a:bodyPr>
+          <a:lstStyle/>
+          <a:p>
+            <a:r>
+              <a:rPr lang="en-US" dirty="0">
+                <a:solidFill>
+                  <a:schemeClr val="bg2">
+                    <a:lumMod val="50000"/>
+                  </a:schemeClr>
+                </a:solidFill>
+                <a:latin typeface="Arial" panose="020B0604020202020204" pitchFamily="34" charset="0"/>
+                <a:cs typeface="Arial" panose="020B0604020202020204" pitchFamily="34" charset="0"/>
+              </a:rPr>
+              <a:t>0.008</a:t>
+            </a:r>
+          </a:p>
+        </p:txBody>
+      </p:sp>
+      <p:sp>
+        <p:nvSpPr>
+          <p:cNvPr id="36" name="TextBox 35">
+            <a:extLst>
+              <a:ext uri="{FF2B5EF4-FFF2-40B4-BE49-F238E27FC236}">
+                <a16:creationId xmlns:a16="http://schemas.microsoft.com/office/drawing/2014/main" id="{A6F4CB6D-2D5D-2647-AC61-A3D73AF4F8E4}"/>
+              </a:ext>
+            </a:extLst>
+          </p:cNvPr>
+          <p:cNvSpPr txBox="1"/>
+          <p:nvPr/>
+        </p:nvSpPr>
+        <p:spPr>
+          <a:xfrm>
+            <a:off x="1803139" y="865022"/>
+            <a:ext cx="2045483" cy="369332"/>
+          </a:xfrm>
+          <a:prstGeom prst="rect">
+            <a:avLst/>
+          </a:prstGeom>
+          <a:solidFill>
+            <a:schemeClr val="bg1"/>
+          </a:solidFill>
+          <a:ln>
+            <a:noFill/>
+          </a:ln>
+        </p:spPr>
+        <p:txBody>
+          <a:bodyPr wrap="square" rtlCol="0">
+            <a:spAutoFit/>
+          </a:bodyPr>
+          <a:lstStyle/>
+          <a:p>
+            <a:r>
+              <a:rPr lang="en-US" b="1" dirty="0">
+                <a:latin typeface="Arial" panose="020B0604020202020204" pitchFamily="34" charset="0"/>
+                <a:cs typeface="Arial" panose="020B0604020202020204" pitchFamily="34" charset="0"/>
+              </a:rPr>
+              <a:t>B. Concavity = 3</a:t>
             </a:r>
           </a:p>
         </p:txBody>
@@ -6797,7 +8579,7 @@
     </p:spTree>
     <p:extLst>
       <p:ext uri="{BB962C8B-B14F-4D97-AF65-F5344CB8AC3E}">
-        <p14:creationId xmlns:p14="http://schemas.microsoft.com/office/powerpoint/2010/main" val="128356054"/>
+        <p14:creationId xmlns:p14="http://schemas.microsoft.com/office/powerpoint/2010/main" val="4149222957"/>
       </p:ext>
     </p:extLst>
   </p:cSld>
@@ -6826,10 +8608,10 @@
       </p:grpSpPr>
       <p:sp>
         <p:nvSpPr>
-          <p:cNvPr id="16" name="Oval 15">
-            <a:extLst>
-              <a:ext uri="{FF2B5EF4-FFF2-40B4-BE49-F238E27FC236}">
-                <a16:creationId xmlns:a16="http://schemas.microsoft.com/office/drawing/2014/main" id="{D3A9B734-5CD6-0346-BB13-FFCD7B9319B6}"/>
+          <p:cNvPr id="2" name="Oval 1">
+            <a:extLst>
+              <a:ext uri="{FF2B5EF4-FFF2-40B4-BE49-F238E27FC236}">
+                <a16:creationId xmlns:a16="http://schemas.microsoft.com/office/drawing/2014/main" id="{ABDFBAC5-1D7C-4844-B9F9-941E6CABA206}"/>
               </a:ext>
             </a:extLst>
           </p:cNvPr>
@@ -6838,8 +8620,8 @@
         </p:nvSpPr>
         <p:spPr>
           <a:xfrm>
-            <a:off x="3258293" y="1696686"/>
-            <a:ext cx="2604654" cy="2740232"/>
+            <a:off x="2792627" y="1499570"/>
+            <a:ext cx="3070320" cy="2937348"/>
           </a:xfrm>
           <a:prstGeom prst="ellipse">
             <a:avLst/>
@@ -6882,10 +8664,10 @@
       </p:sp>
       <p:sp>
         <p:nvSpPr>
-          <p:cNvPr id="17" name="Oval 16">
-            <a:extLst>
-              <a:ext uri="{FF2B5EF4-FFF2-40B4-BE49-F238E27FC236}">
-                <a16:creationId xmlns:a16="http://schemas.microsoft.com/office/drawing/2014/main" id="{5B84AC04-C576-984A-956E-3BEF13835382}"/>
+          <p:cNvPr id="3" name="Oval 2">
+            <a:extLst>
+              <a:ext uri="{FF2B5EF4-FFF2-40B4-BE49-F238E27FC236}">
+                <a16:creationId xmlns:a16="http://schemas.microsoft.com/office/drawing/2014/main" id="{50F6445B-A35C-1549-949B-2546B11108E8}"/>
               </a:ext>
             </a:extLst>
           </p:cNvPr>
@@ -6894,8 +8676,8 @@
         </p:nvSpPr>
         <p:spPr>
           <a:xfrm>
-            <a:off x="4846120" y="1499570"/>
-            <a:ext cx="3539891" cy="3545958"/>
+            <a:off x="4849093" y="1828836"/>
+            <a:ext cx="2558607" cy="2471508"/>
           </a:xfrm>
           <a:prstGeom prst="ellipse">
             <a:avLst/>
@@ -6938,10 +8720,10 @@
       </p:sp>
       <p:sp>
         <p:nvSpPr>
-          <p:cNvPr id="18" name="Oval 17">
-            <a:extLst>
-              <a:ext uri="{FF2B5EF4-FFF2-40B4-BE49-F238E27FC236}">
-                <a16:creationId xmlns:a16="http://schemas.microsoft.com/office/drawing/2014/main" id="{74672F33-6D1B-4C41-A681-D01F0F267F3B}"/>
+          <p:cNvPr id="4" name="Oval 3">
+            <a:extLst>
+              <a:ext uri="{FF2B5EF4-FFF2-40B4-BE49-F238E27FC236}">
+                <a16:creationId xmlns:a16="http://schemas.microsoft.com/office/drawing/2014/main" id="{C8F89E68-3A52-8247-A1FE-A8CF47352C31}"/>
               </a:ext>
             </a:extLst>
           </p:cNvPr>
@@ -6950,8 +8732,8 @@
         </p:nvSpPr>
         <p:spPr>
           <a:xfrm>
-            <a:off x="3906982" y="2995550"/>
-            <a:ext cx="2854035" cy="2882736"/>
+            <a:off x="4070526" y="3032390"/>
+            <a:ext cx="2548736" cy="2652948"/>
           </a:xfrm>
           <a:prstGeom prst="ellipse">
             <a:avLst/>
@@ -7006,8 +8788,8 @@
         </p:nvSpPr>
         <p:spPr>
           <a:xfrm>
-            <a:off x="6204141" y="2386885"/>
-            <a:ext cx="1840675" cy="369332"/>
+            <a:off x="5651131" y="2244544"/>
+            <a:ext cx="1922974" cy="646331"/>
           </a:xfrm>
           <a:prstGeom prst="rect">
             <a:avLst/>
@@ -7020,12 +8802,13 @@
           </a:bodyPr>
           <a:lstStyle/>
           <a:p>
+            <a:pPr algn="ctr"/>
             <a:r>
               <a:rPr lang="en-US" dirty="0">
                 <a:latin typeface="Arial" panose="020B0604020202020204" pitchFamily="34" charset="0"/>
                 <a:cs typeface="Arial" panose="020B0604020202020204" pitchFamily="34" charset="0"/>
               </a:rPr>
-              <a:t>Niche breadth</a:t>
+              <a:t>Diet niche breadth</a:t>
             </a:r>
           </a:p>
         </p:txBody>
@@ -7044,7 +8827,7 @@
         </p:nvSpPr>
         <p:spPr>
           <a:xfrm>
-            <a:off x="4413661" y="4907909"/>
+            <a:off x="4629165" y="4516980"/>
             <a:ext cx="1840675" cy="369332"/>
           </a:xfrm>
           <a:prstGeom prst="rect">
@@ -7121,7 +8904,7 @@
         </p:nvSpPr>
         <p:spPr>
           <a:xfrm>
-            <a:off x="6868881" y="2720527"/>
+            <a:off x="6216010" y="2799664"/>
             <a:ext cx="1191690" cy="369332"/>
           </a:xfrm>
           <a:prstGeom prst="rect">
@@ -7140,7 +8923,7 @@
                 <a:latin typeface="Arial" panose="020B0604020202020204" pitchFamily="34" charset="0"/>
                 <a:cs typeface="Arial" panose="020B0604020202020204" pitchFamily="34" charset="0"/>
               </a:rPr>
-              <a:t>0.043</a:t>
+              <a:t>0.002</a:t>
             </a:r>
           </a:p>
         </p:txBody>
@@ -7159,7 +8942,7 @@
         </p:nvSpPr>
         <p:spPr>
           <a:xfrm>
-            <a:off x="3820892" y="2821299"/>
+            <a:off x="3780706" y="2847724"/>
             <a:ext cx="1191690" cy="369332"/>
           </a:xfrm>
           <a:prstGeom prst="rect">
@@ -7178,6 +8961,1364 @@
                 <a:latin typeface="Arial" panose="020B0604020202020204" pitchFamily="34" charset="0"/>
                 <a:cs typeface="Arial" panose="020B0604020202020204" pitchFamily="34" charset="0"/>
               </a:rPr>
+              <a:t>0.009</a:t>
+            </a:r>
+          </a:p>
+        </p:txBody>
+      </p:sp>
+      <p:sp>
+        <p:nvSpPr>
+          <p:cNvPr id="11" name="TextBox 10">
+            <a:extLst>
+              <a:ext uri="{FF2B5EF4-FFF2-40B4-BE49-F238E27FC236}">
+                <a16:creationId xmlns:a16="http://schemas.microsoft.com/office/drawing/2014/main" id="{5D136E10-03A2-F545-A119-5BEAD2691EC4}"/>
+              </a:ext>
+            </a:extLst>
+          </p:cNvPr>
+          <p:cNvSpPr txBox="1"/>
+          <p:nvPr/>
+        </p:nvSpPr>
+        <p:spPr>
+          <a:xfrm>
+            <a:off x="4221766" y="3889145"/>
+            <a:ext cx="1191690" cy="369332"/>
+          </a:xfrm>
+          <a:prstGeom prst="rect">
+            <a:avLst/>
+          </a:prstGeom>
+          <a:noFill/>
+        </p:spPr>
+        <p:txBody>
+          <a:bodyPr wrap="square" rtlCol="0">
+            <a:spAutoFit/>
+          </a:bodyPr>
+          <a:lstStyle/>
+          <a:p>
+            <a:r>
+              <a:rPr lang="en-US" dirty="0">
+                <a:latin typeface="Arial" panose="020B0604020202020204" pitchFamily="34" charset="0"/>
+                <a:cs typeface="Arial" panose="020B0604020202020204" pitchFamily="34" charset="0"/>
+              </a:rPr>
+              <a:t>0.001</a:t>
+            </a:r>
+          </a:p>
+        </p:txBody>
+      </p:sp>
+      <p:sp>
+        <p:nvSpPr>
+          <p:cNvPr id="13" name="TextBox 12">
+            <a:extLst>
+              <a:ext uri="{FF2B5EF4-FFF2-40B4-BE49-F238E27FC236}">
+                <a16:creationId xmlns:a16="http://schemas.microsoft.com/office/drawing/2014/main" id="{1ABC6687-76B3-B042-A4FC-8BFFF12A1B71}"/>
+              </a:ext>
+            </a:extLst>
+          </p:cNvPr>
+          <p:cNvSpPr txBox="1"/>
+          <p:nvPr/>
+        </p:nvSpPr>
+        <p:spPr>
+          <a:xfrm>
+            <a:off x="6847107" y="5227058"/>
+            <a:ext cx="1698668" cy="369332"/>
+          </a:xfrm>
+          <a:prstGeom prst="rect">
+            <a:avLst/>
+          </a:prstGeom>
+          <a:noFill/>
+        </p:spPr>
+        <p:txBody>
+          <a:bodyPr wrap="square" rtlCol="0">
+            <a:spAutoFit/>
+          </a:bodyPr>
+          <a:lstStyle/>
+          <a:p>
+            <a:r>
+              <a:rPr lang="en-US" dirty="0">
+                <a:latin typeface="Arial" panose="020B0604020202020204" pitchFamily="34" charset="0"/>
+                <a:cs typeface="Arial" panose="020B0604020202020204" pitchFamily="34" charset="0"/>
+              </a:rPr>
+              <a:t>Total R</a:t>
+            </a:r>
+            <a:r>
+              <a:rPr lang="en-US" baseline="30000" dirty="0">
+                <a:latin typeface="Arial" panose="020B0604020202020204" pitchFamily="34" charset="0"/>
+                <a:cs typeface="Arial" panose="020B0604020202020204" pitchFamily="34" charset="0"/>
+              </a:rPr>
+              <a:t>2</a:t>
+            </a:r>
+            <a:r>
+              <a:rPr lang="en-US" dirty="0">
+                <a:latin typeface="Arial" panose="020B0604020202020204" pitchFamily="34" charset="0"/>
+                <a:cs typeface="Arial" panose="020B0604020202020204" pitchFamily="34" charset="0"/>
+              </a:rPr>
+              <a:t> = 0.03</a:t>
+            </a:r>
+          </a:p>
+        </p:txBody>
+      </p:sp>
+      <p:sp>
+        <p:nvSpPr>
+          <p:cNvPr id="14" name="TextBox 13">
+            <a:extLst>
+              <a:ext uri="{FF2B5EF4-FFF2-40B4-BE49-F238E27FC236}">
+                <a16:creationId xmlns:a16="http://schemas.microsoft.com/office/drawing/2014/main" id="{B2E904DA-61D3-5D47-AD47-932D13DDF817}"/>
+              </a:ext>
+            </a:extLst>
+          </p:cNvPr>
+          <p:cNvSpPr txBox="1"/>
+          <p:nvPr/>
+        </p:nvSpPr>
+        <p:spPr>
+          <a:xfrm>
+            <a:off x="3062569" y="853239"/>
+            <a:ext cx="2430234" cy="646331"/>
+          </a:xfrm>
+          <a:prstGeom prst="rect">
+            <a:avLst/>
+          </a:prstGeom>
+          <a:noFill/>
+        </p:spPr>
+        <p:txBody>
+          <a:bodyPr wrap="square" rtlCol="0">
+            <a:spAutoFit/>
+          </a:bodyPr>
+          <a:lstStyle/>
+          <a:p>
+            <a:r>
+              <a:rPr lang="en-US" dirty="0">
+                <a:latin typeface="Arial" panose="020B0604020202020204" pitchFamily="34" charset="0"/>
+                <a:cs typeface="Arial" panose="020B0604020202020204" pitchFamily="34" charset="0"/>
+              </a:rPr>
+              <a:t>Response: </a:t>
+            </a:r>
+          </a:p>
+          <a:p>
+            <a:r>
+              <a:rPr lang="en-US" dirty="0">
+                <a:latin typeface="Arial" panose="020B0604020202020204" pitchFamily="34" charset="0"/>
+                <a:cs typeface="Arial" panose="020B0604020202020204" pitchFamily="34" charset="0"/>
+              </a:rPr>
+              <a:t>Population trend</a:t>
+            </a:r>
+          </a:p>
+        </p:txBody>
+      </p:sp>
+      <p:sp>
+        <p:nvSpPr>
+          <p:cNvPr id="15" name="TextBox 14">
+            <a:extLst>
+              <a:ext uri="{FF2B5EF4-FFF2-40B4-BE49-F238E27FC236}">
+                <a16:creationId xmlns:a16="http://schemas.microsoft.com/office/drawing/2014/main" id="{931B04C7-4682-484D-8E28-42E78AF540F6}"/>
+              </a:ext>
+            </a:extLst>
+          </p:cNvPr>
+          <p:cNvSpPr txBox="1"/>
+          <p:nvPr/>
+        </p:nvSpPr>
+        <p:spPr>
+          <a:xfrm>
+            <a:off x="5549503" y="3732554"/>
+            <a:ext cx="1191690" cy="369332"/>
+          </a:xfrm>
+          <a:prstGeom prst="rect">
+            <a:avLst/>
+          </a:prstGeom>
+          <a:noFill/>
+        </p:spPr>
+        <p:txBody>
+          <a:bodyPr wrap="square" rtlCol="0">
+            <a:spAutoFit/>
+          </a:bodyPr>
+          <a:lstStyle/>
+          <a:p>
+            <a:r>
+              <a:rPr lang="en-US" dirty="0">
+                <a:latin typeface="Arial" panose="020B0604020202020204" pitchFamily="34" charset="0"/>
+                <a:cs typeface="Arial" panose="020B0604020202020204" pitchFamily="34" charset="0"/>
+              </a:rPr>
+              <a:t>    0.001</a:t>
+            </a:r>
+          </a:p>
+        </p:txBody>
+      </p:sp>
+      <p:sp>
+        <p:nvSpPr>
+          <p:cNvPr id="16" name="TextBox 15">
+            <a:extLst>
+              <a:ext uri="{FF2B5EF4-FFF2-40B4-BE49-F238E27FC236}">
+                <a16:creationId xmlns:a16="http://schemas.microsoft.com/office/drawing/2014/main" id="{03C64C24-8110-CC4E-A8B8-DCC0C5EC93CA}"/>
+              </a:ext>
+            </a:extLst>
+          </p:cNvPr>
+          <p:cNvSpPr txBox="1"/>
+          <p:nvPr/>
+        </p:nvSpPr>
+        <p:spPr>
+          <a:xfrm>
+            <a:off x="4693484" y="3197875"/>
+            <a:ext cx="1191690" cy="369332"/>
+          </a:xfrm>
+          <a:prstGeom prst="rect">
+            <a:avLst/>
+          </a:prstGeom>
+          <a:noFill/>
+        </p:spPr>
+        <p:txBody>
+          <a:bodyPr wrap="square" rtlCol="0">
+            <a:spAutoFit/>
+          </a:bodyPr>
+          <a:lstStyle/>
+          <a:p>
+            <a:r>
+              <a:rPr lang="en-US" dirty="0">
+                <a:latin typeface="Arial" panose="020B0604020202020204" pitchFamily="34" charset="0"/>
+                <a:cs typeface="Arial" panose="020B0604020202020204" pitchFamily="34" charset="0"/>
+              </a:rPr>
+              <a:t>    -0.002</a:t>
+            </a:r>
+          </a:p>
+        </p:txBody>
+      </p:sp>
+      <p:sp>
+        <p:nvSpPr>
+          <p:cNvPr id="17" name="TextBox 16">
+            <a:extLst>
+              <a:ext uri="{FF2B5EF4-FFF2-40B4-BE49-F238E27FC236}">
+                <a16:creationId xmlns:a16="http://schemas.microsoft.com/office/drawing/2014/main" id="{A7BF877D-C41B-8D4E-A6B8-52FF866DF85F}"/>
+              </a:ext>
+            </a:extLst>
+          </p:cNvPr>
+          <p:cNvSpPr txBox="1"/>
+          <p:nvPr/>
+        </p:nvSpPr>
+        <p:spPr>
+          <a:xfrm>
+            <a:off x="4805610" y="2512692"/>
+            <a:ext cx="1191690" cy="369332"/>
+          </a:xfrm>
+          <a:prstGeom prst="rect">
+            <a:avLst/>
+          </a:prstGeom>
+          <a:noFill/>
+        </p:spPr>
+        <p:txBody>
+          <a:bodyPr wrap="square" rtlCol="0">
+            <a:spAutoFit/>
+          </a:bodyPr>
+          <a:lstStyle/>
+          <a:p>
+            <a:r>
+              <a:rPr lang="en-US" dirty="0">
+                <a:latin typeface="Arial" panose="020B0604020202020204" pitchFamily="34" charset="0"/>
+                <a:cs typeface="Arial" panose="020B0604020202020204" pitchFamily="34" charset="0"/>
+              </a:rPr>
+              <a:t>   -0.004</a:t>
+            </a:r>
+          </a:p>
+        </p:txBody>
+      </p:sp>
+      <p:sp>
+        <p:nvSpPr>
+          <p:cNvPr id="18" name="TextBox 17">
+            <a:extLst>
+              <a:ext uri="{FF2B5EF4-FFF2-40B4-BE49-F238E27FC236}">
+                <a16:creationId xmlns:a16="http://schemas.microsoft.com/office/drawing/2014/main" id="{7ECEB26D-2648-FA45-9390-6736BC12E74B}"/>
+              </a:ext>
+            </a:extLst>
+          </p:cNvPr>
+          <p:cNvSpPr txBox="1"/>
+          <p:nvPr/>
+        </p:nvSpPr>
+        <p:spPr>
+          <a:xfrm>
+            <a:off x="4585506" y="4820412"/>
+            <a:ext cx="1191690" cy="369332"/>
+          </a:xfrm>
+          <a:prstGeom prst="rect">
+            <a:avLst/>
+          </a:prstGeom>
+          <a:noFill/>
+        </p:spPr>
+        <p:txBody>
+          <a:bodyPr wrap="square" rtlCol="0">
+            <a:spAutoFit/>
+          </a:bodyPr>
+          <a:lstStyle/>
+          <a:p>
+            <a:r>
+              <a:rPr lang="en-US" dirty="0">
+                <a:latin typeface="Arial" panose="020B0604020202020204" pitchFamily="34" charset="0"/>
+                <a:cs typeface="Arial" panose="020B0604020202020204" pitchFamily="34" charset="0"/>
+              </a:rPr>
+              <a:t>    -0.010</a:t>
+            </a:r>
+          </a:p>
+        </p:txBody>
+      </p:sp>
+    </p:spTree>
+    <p:extLst>
+      <p:ext uri="{BB962C8B-B14F-4D97-AF65-F5344CB8AC3E}">
+        <p14:creationId xmlns:p14="http://schemas.microsoft.com/office/powerpoint/2010/main" val="2114340536"/>
+      </p:ext>
+    </p:extLst>
+  </p:cSld>
+  <p:clrMapOvr>
+    <a:masterClrMapping/>
+  </p:clrMapOvr>
+</p:sld>
+</file>
+
+<file path=ppt/slides/slide5.xml><?xml version="1.0" encoding="utf-8"?>
+<p:sld xmlns:a="http://schemas.openxmlformats.org/drawingml/2006/main" xmlns:r="http://schemas.openxmlformats.org/officeDocument/2006/relationships" xmlns:p="http://schemas.openxmlformats.org/presentationml/2006/main">
+  <p:cSld>
+    <p:spTree>
+      <p:nvGrpSpPr>
+        <p:cNvPr id="1" name=""/>
+        <p:cNvGrpSpPr/>
+        <p:nvPr/>
+      </p:nvGrpSpPr>
+      <p:grpSpPr>
+        <a:xfrm>
+          <a:off x="0" y="0"/>
+          <a:ext cx="0" cy="0"/>
+          <a:chOff x="0" y="0"/>
+          <a:chExt cx="0" cy="0"/>
+        </a:xfrm>
+      </p:grpSpPr>
+      <p:sp>
+        <p:nvSpPr>
+          <p:cNvPr id="15" name="Oval 14">
+            <a:extLst>
+              <a:ext uri="{FF2B5EF4-FFF2-40B4-BE49-F238E27FC236}">
+                <a16:creationId xmlns:a16="http://schemas.microsoft.com/office/drawing/2014/main" id="{FB38B2EB-7AE2-0040-B297-19057AA3F54E}"/>
+              </a:ext>
+            </a:extLst>
+          </p:cNvPr>
+          <p:cNvSpPr/>
+          <p:nvPr/>
+        </p:nvSpPr>
+        <p:spPr>
+          <a:xfrm>
+            <a:off x="3258293" y="1696686"/>
+            <a:ext cx="2604654" cy="2740232"/>
+          </a:xfrm>
+          <a:prstGeom prst="ellipse">
+            <a:avLst/>
+          </a:prstGeom>
+          <a:solidFill>
+            <a:srgbClr val="D883FF">
+              <a:alpha val="50196"/>
+            </a:srgbClr>
+          </a:solidFill>
+          <a:ln>
+            <a:solidFill>
+              <a:schemeClr val="tx1"/>
+            </a:solidFill>
+          </a:ln>
+        </p:spPr>
+        <p:style>
+          <a:lnRef idx="2">
+            <a:schemeClr val="accent1">
+              <a:shade val="50000"/>
+            </a:schemeClr>
+          </a:lnRef>
+          <a:fillRef idx="1">
+            <a:schemeClr val="accent1"/>
+          </a:fillRef>
+          <a:effectRef idx="0">
+            <a:schemeClr val="accent1"/>
+          </a:effectRef>
+          <a:fontRef idx="minor">
+            <a:schemeClr val="lt1"/>
+          </a:fontRef>
+        </p:style>
+        <p:txBody>
+          <a:bodyPr rtlCol="0" anchor="ctr"/>
+          <a:lstStyle/>
+          <a:p>
+            <a:pPr algn="ctr"/>
+            <a:endParaRPr lang="en-US"/>
+          </a:p>
+        </p:txBody>
+      </p:sp>
+      <p:sp>
+        <p:nvSpPr>
+          <p:cNvPr id="16" name="Oval 15">
+            <a:extLst>
+              <a:ext uri="{FF2B5EF4-FFF2-40B4-BE49-F238E27FC236}">
+                <a16:creationId xmlns:a16="http://schemas.microsoft.com/office/drawing/2014/main" id="{4946C67C-741D-EA42-B1C0-20A39E5A59F1}"/>
+              </a:ext>
+            </a:extLst>
+          </p:cNvPr>
+          <p:cNvSpPr/>
+          <p:nvPr/>
+        </p:nvSpPr>
+        <p:spPr>
+          <a:xfrm>
+            <a:off x="4846120" y="1408670"/>
+            <a:ext cx="3755163" cy="3636858"/>
+          </a:xfrm>
+          <a:prstGeom prst="ellipse">
+            <a:avLst/>
+          </a:prstGeom>
+          <a:solidFill>
+            <a:srgbClr val="76D6FF">
+              <a:alpha val="50196"/>
+            </a:srgbClr>
+          </a:solidFill>
+          <a:ln>
+            <a:solidFill>
+              <a:schemeClr val="tx1"/>
+            </a:solidFill>
+          </a:ln>
+        </p:spPr>
+        <p:style>
+          <a:lnRef idx="2">
+            <a:schemeClr val="accent1">
+              <a:shade val="50000"/>
+            </a:schemeClr>
+          </a:lnRef>
+          <a:fillRef idx="1">
+            <a:schemeClr val="accent1"/>
+          </a:fillRef>
+          <a:effectRef idx="0">
+            <a:schemeClr val="accent1"/>
+          </a:effectRef>
+          <a:fontRef idx="minor">
+            <a:schemeClr val="lt1"/>
+          </a:fontRef>
+        </p:style>
+        <p:txBody>
+          <a:bodyPr rtlCol="0" anchor="ctr"/>
+          <a:lstStyle/>
+          <a:p>
+            <a:pPr algn="ctr"/>
+            <a:endParaRPr lang="en-US"/>
+          </a:p>
+        </p:txBody>
+      </p:sp>
+      <p:sp>
+        <p:nvSpPr>
+          <p:cNvPr id="17" name="Oval 16">
+            <a:extLst>
+              <a:ext uri="{FF2B5EF4-FFF2-40B4-BE49-F238E27FC236}">
+                <a16:creationId xmlns:a16="http://schemas.microsoft.com/office/drawing/2014/main" id="{5E710C7B-AE6D-304F-AC97-493F8752B745}"/>
+              </a:ext>
+            </a:extLst>
+          </p:cNvPr>
+          <p:cNvSpPr/>
+          <p:nvPr/>
+        </p:nvSpPr>
+        <p:spPr>
+          <a:xfrm>
+            <a:off x="3906982" y="2995550"/>
+            <a:ext cx="2854035" cy="2882736"/>
+          </a:xfrm>
+          <a:prstGeom prst="ellipse">
+            <a:avLst/>
+          </a:prstGeom>
+          <a:solidFill>
+            <a:srgbClr val="4E8F00">
+              <a:alpha val="50196"/>
+            </a:srgbClr>
+          </a:solidFill>
+          <a:ln>
+            <a:solidFill>
+              <a:schemeClr val="tx1"/>
+            </a:solidFill>
+          </a:ln>
+        </p:spPr>
+        <p:style>
+          <a:lnRef idx="2">
+            <a:schemeClr val="accent1">
+              <a:shade val="50000"/>
+            </a:schemeClr>
+          </a:lnRef>
+          <a:fillRef idx="1">
+            <a:schemeClr val="accent1"/>
+          </a:fillRef>
+          <a:effectRef idx="0">
+            <a:schemeClr val="accent1"/>
+          </a:effectRef>
+          <a:fontRef idx="minor">
+            <a:schemeClr val="lt1"/>
+          </a:fontRef>
+        </p:style>
+        <p:txBody>
+          <a:bodyPr rtlCol="0" anchor="ctr"/>
+          <a:lstStyle/>
+          <a:p>
+            <a:pPr algn="ctr"/>
+            <a:endParaRPr lang="en-US"/>
+          </a:p>
+        </p:txBody>
+      </p:sp>
+      <p:sp>
+        <p:nvSpPr>
+          <p:cNvPr id="5" name="TextBox 4">
+            <a:extLst>
+              <a:ext uri="{FF2B5EF4-FFF2-40B4-BE49-F238E27FC236}">
+                <a16:creationId xmlns:a16="http://schemas.microsoft.com/office/drawing/2014/main" id="{468C6069-BA96-9E40-8437-18F5A8D5A767}"/>
+              </a:ext>
+            </a:extLst>
+          </p:cNvPr>
+          <p:cNvSpPr txBox="1"/>
+          <p:nvPr/>
+        </p:nvSpPr>
+        <p:spPr>
+          <a:xfrm>
+            <a:off x="6168559" y="2343901"/>
+            <a:ext cx="1840675" cy="646331"/>
+          </a:xfrm>
+          <a:prstGeom prst="rect">
+            <a:avLst/>
+          </a:prstGeom>
+          <a:noFill/>
+        </p:spPr>
+        <p:txBody>
+          <a:bodyPr wrap="square" rtlCol="0">
+            <a:spAutoFit/>
+          </a:bodyPr>
+          <a:lstStyle/>
+          <a:p>
+            <a:pPr algn="ctr"/>
+            <a:r>
+              <a:rPr lang="en-US" dirty="0">
+                <a:latin typeface="Arial" panose="020B0604020202020204" pitchFamily="34" charset="0"/>
+                <a:cs typeface="Arial" panose="020B0604020202020204" pitchFamily="34" charset="0"/>
+              </a:rPr>
+              <a:t>Climate niche breadth</a:t>
+            </a:r>
+          </a:p>
+        </p:txBody>
+      </p:sp>
+      <p:sp>
+        <p:nvSpPr>
+          <p:cNvPr id="6" name="TextBox 5">
+            <a:extLst>
+              <a:ext uri="{FF2B5EF4-FFF2-40B4-BE49-F238E27FC236}">
+                <a16:creationId xmlns:a16="http://schemas.microsoft.com/office/drawing/2014/main" id="{AA65B116-EA42-DE4A-AFA1-1F5F883DF204}"/>
+              </a:ext>
+            </a:extLst>
+          </p:cNvPr>
+          <p:cNvSpPr txBox="1"/>
+          <p:nvPr/>
+        </p:nvSpPr>
+        <p:spPr>
+          <a:xfrm>
+            <a:off x="4413661" y="4907909"/>
+            <a:ext cx="1840675" cy="369332"/>
+          </a:xfrm>
+          <a:prstGeom prst="rect">
+            <a:avLst/>
+          </a:prstGeom>
+          <a:noFill/>
+        </p:spPr>
+        <p:txBody>
+          <a:bodyPr wrap="square" rtlCol="0">
+            <a:spAutoFit/>
+          </a:bodyPr>
+          <a:lstStyle/>
+          <a:p>
+            <a:r>
+              <a:rPr lang="en-US" dirty="0">
+                <a:latin typeface="Arial" panose="020B0604020202020204" pitchFamily="34" charset="0"/>
+                <a:cs typeface="Arial" panose="020B0604020202020204" pitchFamily="34" charset="0"/>
+              </a:rPr>
+              <a:t>Body size</a:t>
+            </a:r>
+          </a:p>
+        </p:txBody>
+      </p:sp>
+      <p:sp>
+        <p:nvSpPr>
+          <p:cNvPr id="7" name="TextBox 6">
+            <a:extLst>
+              <a:ext uri="{FF2B5EF4-FFF2-40B4-BE49-F238E27FC236}">
+                <a16:creationId xmlns:a16="http://schemas.microsoft.com/office/drawing/2014/main" id="{A72E2609-B025-0840-BB63-D989569E86F1}"/>
+              </a:ext>
+            </a:extLst>
+          </p:cNvPr>
+          <p:cNvSpPr txBox="1"/>
+          <p:nvPr/>
+        </p:nvSpPr>
+        <p:spPr>
+          <a:xfrm>
+            <a:off x="3564576" y="2201393"/>
+            <a:ext cx="1173680" cy="646331"/>
+          </a:xfrm>
+          <a:prstGeom prst="rect">
+            <a:avLst/>
+          </a:prstGeom>
+          <a:noFill/>
+        </p:spPr>
+        <p:txBody>
+          <a:bodyPr wrap="square" rtlCol="0">
+            <a:spAutoFit/>
+          </a:bodyPr>
+          <a:lstStyle/>
+          <a:p>
+            <a:pPr algn="ctr"/>
+            <a:r>
+              <a:rPr lang="en-US" dirty="0">
+                <a:latin typeface="Arial" panose="020B0604020202020204" pitchFamily="34" charset="0"/>
+                <a:cs typeface="Arial" panose="020B0604020202020204" pitchFamily="34" charset="0"/>
+              </a:rPr>
+              <a:t>Migratory distance</a:t>
+            </a:r>
+          </a:p>
+        </p:txBody>
+      </p:sp>
+      <p:sp>
+        <p:nvSpPr>
+          <p:cNvPr id="9" name="TextBox 8">
+            <a:extLst>
+              <a:ext uri="{FF2B5EF4-FFF2-40B4-BE49-F238E27FC236}">
+                <a16:creationId xmlns:a16="http://schemas.microsoft.com/office/drawing/2014/main" id="{1E601120-75B5-5749-850E-37BB69F4F026}"/>
+              </a:ext>
+            </a:extLst>
+          </p:cNvPr>
+          <p:cNvSpPr txBox="1"/>
+          <p:nvPr/>
+        </p:nvSpPr>
+        <p:spPr>
+          <a:xfrm>
+            <a:off x="6544391" y="3037279"/>
+            <a:ext cx="1191690" cy="369332"/>
+          </a:xfrm>
+          <a:prstGeom prst="rect">
+            <a:avLst/>
+          </a:prstGeom>
+          <a:noFill/>
+        </p:spPr>
+        <p:txBody>
+          <a:bodyPr wrap="square" rtlCol="0">
+            <a:spAutoFit/>
+          </a:bodyPr>
+          <a:lstStyle/>
+          <a:p>
+            <a:r>
+              <a:rPr lang="en-US" dirty="0">
+                <a:latin typeface="Arial" panose="020B0604020202020204" pitchFamily="34" charset="0"/>
+                <a:cs typeface="Arial" panose="020B0604020202020204" pitchFamily="34" charset="0"/>
+              </a:rPr>
+              <a:t>0.080</a:t>
+            </a:r>
+          </a:p>
+        </p:txBody>
+      </p:sp>
+      <p:sp>
+        <p:nvSpPr>
+          <p:cNvPr id="10" name="TextBox 9">
+            <a:extLst>
+              <a:ext uri="{FF2B5EF4-FFF2-40B4-BE49-F238E27FC236}">
+                <a16:creationId xmlns:a16="http://schemas.microsoft.com/office/drawing/2014/main" id="{0D888F98-CF7C-0346-818A-B2A92BCEBF31}"/>
+              </a:ext>
+            </a:extLst>
+          </p:cNvPr>
+          <p:cNvSpPr txBox="1"/>
+          <p:nvPr/>
+        </p:nvSpPr>
+        <p:spPr>
+          <a:xfrm>
+            <a:off x="3764874" y="2835274"/>
+            <a:ext cx="1191690" cy="369332"/>
+          </a:xfrm>
+          <a:prstGeom prst="rect">
+            <a:avLst/>
+          </a:prstGeom>
+          <a:noFill/>
+        </p:spPr>
+        <p:txBody>
+          <a:bodyPr wrap="square" rtlCol="0">
+            <a:spAutoFit/>
+          </a:bodyPr>
+          <a:lstStyle/>
+          <a:p>
+            <a:r>
+              <a:rPr lang="en-US" dirty="0">
+                <a:latin typeface="Arial" panose="020B0604020202020204" pitchFamily="34" charset="0"/>
+                <a:cs typeface="Arial" panose="020B0604020202020204" pitchFamily="34" charset="0"/>
+              </a:rPr>
+              <a:t>0.013</a:t>
+            </a:r>
+          </a:p>
+        </p:txBody>
+      </p:sp>
+      <p:sp>
+        <p:nvSpPr>
+          <p:cNvPr id="11" name="TextBox 10">
+            <a:extLst>
+              <a:ext uri="{FF2B5EF4-FFF2-40B4-BE49-F238E27FC236}">
+                <a16:creationId xmlns:a16="http://schemas.microsoft.com/office/drawing/2014/main" id="{5D136E10-03A2-F545-A119-5BEAD2691EC4}"/>
+              </a:ext>
+            </a:extLst>
+          </p:cNvPr>
+          <p:cNvSpPr txBox="1"/>
+          <p:nvPr/>
+        </p:nvSpPr>
+        <p:spPr>
+          <a:xfrm>
+            <a:off x="4842406" y="5227058"/>
+            <a:ext cx="1191690" cy="369332"/>
+          </a:xfrm>
+          <a:prstGeom prst="rect">
+            <a:avLst/>
+          </a:prstGeom>
+          <a:noFill/>
+        </p:spPr>
+        <p:txBody>
+          <a:bodyPr wrap="square" rtlCol="0">
+            <a:spAutoFit/>
+          </a:bodyPr>
+          <a:lstStyle/>
+          <a:p>
+            <a:r>
+              <a:rPr lang="en-US" dirty="0">
+                <a:latin typeface="Arial" panose="020B0604020202020204" pitchFamily="34" charset="0"/>
+                <a:cs typeface="Arial" panose="020B0604020202020204" pitchFamily="34" charset="0"/>
+              </a:rPr>
+              <a:t>0.014</a:t>
+            </a:r>
+          </a:p>
+        </p:txBody>
+      </p:sp>
+      <p:sp>
+        <p:nvSpPr>
+          <p:cNvPr id="12" name="TextBox 11">
+            <a:extLst>
+              <a:ext uri="{FF2B5EF4-FFF2-40B4-BE49-F238E27FC236}">
+                <a16:creationId xmlns:a16="http://schemas.microsoft.com/office/drawing/2014/main" id="{635EA56D-DF4F-6F4A-A26E-A3B901D534A4}"/>
+              </a:ext>
+            </a:extLst>
+          </p:cNvPr>
+          <p:cNvSpPr txBox="1"/>
+          <p:nvPr/>
+        </p:nvSpPr>
+        <p:spPr>
+          <a:xfrm>
+            <a:off x="5021987" y="2532317"/>
+            <a:ext cx="1191690" cy="369332"/>
+          </a:xfrm>
+          <a:prstGeom prst="rect">
+            <a:avLst/>
+          </a:prstGeom>
+          <a:noFill/>
+        </p:spPr>
+        <p:txBody>
+          <a:bodyPr wrap="square" rtlCol="0">
+            <a:spAutoFit/>
+          </a:bodyPr>
+          <a:lstStyle/>
+          <a:p>
+            <a:r>
+              <a:rPr lang="en-US" dirty="0">
+                <a:latin typeface="Arial" panose="020B0604020202020204" pitchFamily="34" charset="0"/>
+                <a:cs typeface="Arial" panose="020B0604020202020204" pitchFamily="34" charset="0"/>
+              </a:rPr>
+              <a:t>0.051</a:t>
+            </a:r>
+          </a:p>
+        </p:txBody>
+      </p:sp>
+      <p:sp>
+        <p:nvSpPr>
+          <p:cNvPr id="13" name="TextBox 12">
+            <a:extLst>
+              <a:ext uri="{FF2B5EF4-FFF2-40B4-BE49-F238E27FC236}">
+                <a16:creationId xmlns:a16="http://schemas.microsoft.com/office/drawing/2014/main" id="{1ABC6687-76B3-B042-A4FC-8BFFF12A1B71}"/>
+              </a:ext>
+            </a:extLst>
+          </p:cNvPr>
+          <p:cNvSpPr txBox="1"/>
+          <p:nvPr/>
+        </p:nvSpPr>
+        <p:spPr>
+          <a:xfrm>
+            <a:off x="6847107" y="5227058"/>
+            <a:ext cx="1698668" cy="369332"/>
+          </a:xfrm>
+          <a:prstGeom prst="rect">
+            <a:avLst/>
+          </a:prstGeom>
+          <a:noFill/>
+        </p:spPr>
+        <p:txBody>
+          <a:bodyPr wrap="square" rtlCol="0">
+            <a:spAutoFit/>
+          </a:bodyPr>
+          <a:lstStyle/>
+          <a:p>
+            <a:r>
+              <a:rPr lang="en-US" dirty="0">
+                <a:latin typeface="Arial" panose="020B0604020202020204" pitchFamily="34" charset="0"/>
+                <a:cs typeface="Arial" panose="020B0604020202020204" pitchFamily="34" charset="0"/>
+              </a:rPr>
+              <a:t>Total R</a:t>
+            </a:r>
+            <a:r>
+              <a:rPr lang="en-US" baseline="30000" dirty="0">
+                <a:latin typeface="Arial" panose="020B0604020202020204" pitchFamily="34" charset="0"/>
+                <a:cs typeface="Arial" panose="020B0604020202020204" pitchFamily="34" charset="0"/>
+              </a:rPr>
+              <a:t>2</a:t>
+            </a:r>
+            <a:r>
+              <a:rPr lang="en-US" dirty="0">
+                <a:latin typeface="Arial" panose="020B0604020202020204" pitchFamily="34" charset="0"/>
+                <a:cs typeface="Arial" panose="020B0604020202020204" pitchFamily="34" charset="0"/>
+              </a:rPr>
+              <a:t> = 0.14</a:t>
+            </a:r>
+          </a:p>
+        </p:txBody>
+      </p:sp>
+      <p:sp>
+        <p:nvSpPr>
+          <p:cNvPr id="14" name="TextBox 13">
+            <a:extLst>
+              <a:ext uri="{FF2B5EF4-FFF2-40B4-BE49-F238E27FC236}">
+                <a16:creationId xmlns:a16="http://schemas.microsoft.com/office/drawing/2014/main" id="{B2E904DA-61D3-5D47-AD47-932D13DDF817}"/>
+              </a:ext>
+            </a:extLst>
+          </p:cNvPr>
+          <p:cNvSpPr txBox="1"/>
+          <p:nvPr/>
+        </p:nvSpPr>
+        <p:spPr>
+          <a:xfrm>
+            <a:off x="3062569" y="853239"/>
+            <a:ext cx="2430234" cy="646331"/>
+          </a:xfrm>
+          <a:prstGeom prst="rect">
+            <a:avLst/>
+          </a:prstGeom>
+          <a:noFill/>
+        </p:spPr>
+        <p:txBody>
+          <a:bodyPr wrap="square" rtlCol="0">
+            <a:spAutoFit/>
+          </a:bodyPr>
+          <a:lstStyle/>
+          <a:p>
+            <a:r>
+              <a:rPr lang="en-US" dirty="0">
+                <a:latin typeface="Arial" panose="020B0604020202020204" pitchFamily="34" charset="0"/>
+                <a:cs typeface="Arial" panose="020B0604020202020204" pitchFamily="34" charset="0"/>
+              </a:rPr>
+              <a:t>Response: </a:t>
+            </a:r>
+          </a:p>
+          <a:p>
+            <a:r>
+              <a:rPr lang="en-US" dirty="0">
+                <a:latin typeface="Arial" panose="020B0604020202020204" pitchFamily="34" charset="0"/>
+                <a:cs typeface="Arial" panose="020B0604020202020204" pitchFamily="34" charset="0"/>
+              </a:rPr>
+              <a:t>Δ Range area</a:t>
+            </a:r>
+          </a:p>
+        </p:txBody>
+      </p:sp>
+      <p:sp>
+        <p:nvSpPr>
+          <p:cNvPr id="18" name="TextBox 17">
+            <a:extLst>
+              <a:ext uri="{FF2B5EF4-FFF2-40B4-BE49-F238E27FC236}">
+                <a16:creationId xmlns:a16="http://schemas.microsoft.com/office/drawing/2014/main" id="{7A448C98-C00D-3945-8F42-44BDA3E9E311}"/>
+              </a:ext>
+            </a:extLst>
+          </p:cNvPr>
+          <p:cNvSpPr txBox="1"/>
+          <p:nvPr/>
+        </p:nvSpPr>
+        <p:spPr>
+          <a:xfrm>
+            <a:off x="5677191" y="3973685"/>
+            <a:ext cx="1191690" cy="369332"/>
+          </a:xfrm>
+          <a:prstGeom prst="rect">
+            <a:avLst/>
+          </a:prstGeom>
+          <a:noFill/>
+        </p:spPr>
+        <p:txBody>
+          <a:bodyPr wrap="square" rtlCol="0">
+            <a:spAutoFit/>
+          </a:bodyPr>
+          <a:lstStyle/>
+          <a:p>
+            <a:r>
+              <a:rPr lang="en-US" dirty="0">
+                <a:latin typeface="Arial" panose="020B0604020202020204" pitchFamily="34" charset="0"/>
+                <a:cs typeface="Arial" panose="020B0604020202020204" pitchFamily="34" charset="0"/>
+              </a:rPr>
+              <a:t>-0.006</a:t>
+            </a:r>
+          </a:p>
+        </p:txBody>
+      </p:sp>
+      <p:sp>
+        <p:nvSpPr>
+          <p:cNvPr id="19" name="TextBox 18">
+            <a:extLst>
+              <a:ext uri="{FF2B5EF4-FFF2-40B4-BE49-F238E27FC236}">
+                <a16:creationId xmlns:a16="http://schemas.microsoft.com/office/drawing/2014/main" id="{7437538F-20F8-1243-A954-D362466845B5}"/>
+              </a:ext>
+            </a:extLst>
+          </p:cNvPr>
+          <p:cNvSpPr txBox="1"/>
+          <p:nvPr/>
+        </p:nvSpPr>
+        <p:spPr>
+          <a:xfrm>
+            <a:off x="4956564" y="3260113"/>
+            <a:ext cx="1191690" cy="369332"/>
+          </a:xfrm>
+          <a:prstGeom prst="rect">
+            <a:avLst/>
+          </a:prstGeom>
+          <a:noFill/>
+        </p:spPr>
+        <p:txBody>
+          <a:bodyPr wrap="square" rtlCol="0">
+            <a:spAutoFit/>
+          </a:bodyPr>
+          <a:lstStyle/>
+          <a:p>
+            <a:r>
+              <a:rPr lang="en-US" dirty="0">
+                <a:latin typeface="Arial" panose="020B0604020202020204" pitchFamily="34" charset="0"/>
+                <a:cs typeface="Arial" panose="020B0604020202020204" pitchFamily="34" charset="0"/>
+              </a:rPr>
+              <a:t>-0.006</a:t>
+            </a:r>
+          </a:p>
+        </p:txBody>
+      </p:sp>
+      <p:sp>
+        <p:nvSpPr>
+          <p:cNvPr id="20" name="TextBox 19">
+            <a:extLst>
+              <a:ext uri="{FF2B5EF4-FFF2-40B4-BE49-F238E27FC236}">
+                <a16:creationId xmlns:a16="http://schemas.microsoft.com/office/drawing/2014/main" id="{29C52A15-D948-2E4D-A453-929ABD17C398}"/>
+              </a:ext>
+            </a:extLst>
+          </p:cNvPr>
+          <p:cNvSpPr txBox="1"/>
+          <p:nvPr/>
+        </p:nvSpPr>
+        <p:spPr>
+          <a:xfrm>
+            <a:off x="4195839" y="3769498"/>
+            <a:ext cx="1191690" cy="369332"/>
+          </a:xfrm>
+          <a:prstGeom prst="rect">
+            <a:avLst/>
+          </a:prstGeom>
+          <a:noFill/>
+        </p:spPr>
+        <p:txBody>
+          <a:bodyPr wrap="square" rtlCol="0">
+            <a:spAutoFit/>
+          </a:bodyPr>
+          <a:lstStyle/>
+          <a:p>
+            <a:r>
+              <a:rPr lang="en-US" dirty="0">
+                <a:latin typeface="Arial" panose="020B0604020202020204" pitchFamily="34" charset="0"/>
+                <a:cs typeface="Arial" panose="020B0604020202020204" pitchFamily="34" charset="0"/>
+              </a:rPr>
+              <a:t>-0.007</a:t>
+            </a:r>
+          </a:p>
+        </p:txBody>
+      </p:sp>
+    </p:spTree>
+    <p:extLst>
+      <p:ext uri="{BB962C8B-B14F-4D97-AF65-F5344CB8AC3E}">
+        <p14:creationId xmlns:p14="http://schemas.microsoft.com/office/powerpoint/2010/main" val="128356054"/>
+      </p:ext>
+    </p:extLst>
+  </p:cSld>
+  <p:clrMapOvr>
+    <a:masterClrMapping/>
+  </p:clrMapOvr>
+</p:sld>
+</file>
+
+<file path=ppt/slides/slide6.xml><?xml version="1.0" encoding="utf-8"?>
+<p:sld xmlns:a="http://schemas.openxmlformats.org/drawingml/2006/main" xmlns:r="http://schemas.openxmlformats.org/officeDocument/2006/relationships" xmlns:p="http://schemas.openxmlformats.org/presentationml/2006/main">
+  <p:cSld>
+    <p:spTree>
+      <p:nvGrpSpPr>
+        <p:cNvPr id="1" name=""/>
+        <p:cNvGrpSpPr/>
+        <p:nvPr/>
+      </p:nvGrpSpPr>
+      <p:grpSpPr>
+        <a:xfrm>
+          <a:off x="0" y="0"/>
+          <a:ext cx="0" cy="0"/>
+          <a:chOff x="0" y="0"/>
+          <a:chExt cx="0" cy="0"/>
+        </a:xfrm>
+      </p:grpSpPr>
+      <p:sp>
+        <p:nvSpPr>
+          <p:cNvPr id="16" name="Oval 15">
+            <a:extLst>
+              <a:ext uri="{FF2B5EF4-FFF2-40B4-BE49-F238E27FC236}">
+                <a16:creationId xmlns:a16="http://schemas.microsoft.com/office/drawing/2014/main" id="{D3A9B734-5CD6-0346-BB13-FFCD7B9319B6}"/>
+              </a:ext>
+            </a:extLst>
+          </p:cNvPr>
+          <p:cNvSpPr/>
+          <p:nvPr/>
+        </p:nvSpPr>
+        <p:spPr>
+          <a:xfrm>
+            <a:off x="3258293" y="1696686"/>
+            <a:ext cx="2604654" cy="2740232"/>
+          </a:xfrm>
+          <a:prstGeom prst="ellipse">
+            <a:avLst/>
+          </a:prstGeom>
+          <a:solidFill>
+            <a:srgbClr val="D883FF">
+              <a:alpha val="50196"/>
+            </a:srgbClr>
+          </a:solidFill>
+          <a:ln>
+            <a:solidFill>
+              <a:schemeClr val="tx1"/>
+            </a:solidFill>
+          </a:ln>
+        </p:spPr>
+        <p:style>
+          <a:lnRef idx="2">
+            <a:schemeClr val="accent1">
+              <a:shade val="50000"/>
+            </a:schemeClr>
+          </a:lnRef>
+          <a:fillRef idx="1">
+            <a:schemeClr val="accent1"/>
+          </a:fillRef>
+          <a:effectRef idx="0">
+            <a:schemeClr val="accent1"/>
+          </a:effectRef>
+          <a:fontRef idx="minor">
+            <a:schemeClr val="lt1"/>
+          </a:fontRef>
+        </p:style>
+        <p:txBody>
+          <a:bodyPr rtlCol="0" anchor="ctr"/>
+          <a:lstStyle/>
+          <a:p>
+            <a:pPr algn="ctr"/>
+            <a:endParaRPr lang="en-US"/>
+          </a:p>
+        </p:txBody>
+      </p:sp>
+      <p:sp>
+        <p:nvSpPr>
+          <p:cNvPr id="17" name="Oval 16">
+            <a:extLst>
+              <a:ext uri="{FF2B5EF4-FFF2-40B4-BE49-F238E27FC236}">
+                <a16:creationId xmlns:a16="http://schemas.microsoft.com/office/drawing/2014/main" id="{5B84AC04-C576-984A-956E-3BEF13835382}"/>
+              </a:ext>
+            </a:extLst>
+          </p:cNvPr>
+          <p:cNvSpPr/>
+          <p:nvPr/>
+        </p:nvSpPr>
+        <p:spPr>
+          <a:xfrm>
+            <a:off x="4820636" y="1691793"/>
+            <a:ext cx="3239935" cy="3237807"/>
+          </a:xfrm>
+          <a:prstGeom prst="ellipse">
+            <a:avLst/>
+          </a:prstGeom>
+          <a:solidFill>
+            <a:srgbClr val="76D6FF">
+              <a:alpha val="50196"/>
+            </a:srgbClr>
+          </a:solidFill>
+          <a:ln>
+            <a:solidFill>
+              <a:schemeClr val="tx1"/>
+            </a:solidFill>
+          </a:ln>
+        </p:spPr>
+        <p:style>
+          <a:lnRef idx="2">
+            <a:schemeClr val="accent1">
+              <a:shade val="50000"/>
+            </a:schemeClr>
+          </a:lnRef>
+          <a:fillRef idx="1">
+            <a:schemeClr val="accent1"/>
+          </a:fillRef>
+          <a:effectRef idx="0">
+            <a:schemeClr val="accent1"/>
+          </a:effectRef>
+          <a:fontRef idx="minor">
+            <a:schemeClr val="lt1"/>
+          </a:fontRef>
+        </p:style>
+        <p:txBody>
+          <a:bodyPr rtlCol="0" anchor="ctr"/>
+          <a:lstStyle/>
+          <a:p>
+            <a:pPr algn="ctr"/>
+            <a:endParaRPr lang="en-US"/>
+          </a:p>
+        </p:txBody>
+      </p:sp>
+      <p:sp>
+        <p:nvSpPr>
+          <p:cNvPr id="18" name="Oval 17">
+            <a:extLst>
+              <a:ext uri="{FF2B5EF4-FFF2-40B4-BE49-F238E27FC236}">
+                <a16:creationId xmlns:a16="http://schemas.microsoft.com/office/drawing/2014/main" id="{74672F33-6D1B-4C41-A681-D01F0F267F3B}"/>
+              </a:ext>
+            </a:extLst>
+          </p:cNvPr>
+          <p:cNvSpPr/>
+          <p:nvPr/>
+        </p:nvSpPr>
+        <p:spPr>
+          <a:xfrm>
+            <a:off x="3956507" y="3097417"/>
+            <a:ext cx="2634190" cy="2687655"/>
+          </a:xfrm>
+          <a:prstGeom prst="ellipse">
+            <a:avLst/>
+          </a:prstGeom>
+          <a:solidFill>
+            <a:srgbClr val="4E8F00">
+              <a:alpha val="50196"/>
+            </a:srgbClr>
+          </a:solidFill>
+          <a:ln>
+            <a:solidFill>
+              <a:schemeClr val="tx1"/>
+            </a:solidFill>
+          </a:ln>
+        </p:spPr>
+        <p:style>
+          <a:lnRef idx="2">
+            <a:schemeClr val="accent1">
+              <a:shade val="50000"/>
+            </a:schemeClr>
+          </a:lnRef>
+          <a:fillRef idx="1">
+            <a:schemeClr val="accent1"/>
+          </a:fillRef>
+          <a:effectRef idx="0">
+            <a:schemeClr val="accent1"/>
+          </a:effectRef>
+          <a:fontRef idx="minor">
+            <a:schemeClr val="lt1"/>
+          </a:fontRef>
+        </p:style>
+        <p:txBody>
+          <a:bodyPr rtlCol="0" anchor="ctr"/>
+          <a:lstStyle/>
+          <a:p>
+            <a:pPr algn="ctr"/>
+            <a:endParaRPr lang="en-US"/>
+          </a:p>
+        </p:txBody>
+      </p:sp>
+      <p:sp>
+        <p:nvSpPr>
+          <p:cNvPr id="5" name="TextBox 4">
+            <a:extLst>
+              <a:ext uri="{FF2B5EF4-FFF2-40B4-BE49-F238E27FC236}">
+                <a16:creationId xmlns:a16="http://schemas.microsoft.com/office/drawing/2014/main" id="{468C6069-BA96-9E40-8437-18F5A8D5A767}"/>
+              </a:ext>
+            </a:extLst>
+          </p:cNvPr>
+          <p:cNvSpPr txBox="1"/>
+          <p:nvPr/>
+        </p:nvSpPr>
+        <p:spPr>
+          <a:xfrm>
+            <a:off x="5710796" y="2503246"/>
+            <a:ext cx="1840675" cy="646331"/>
+          </a:xfrm>
+          <a:prstGeom prst="rect">
+            <a:avLst/>
+          </a:prstGeom>
+          <a:noFill/>
+        </p:spPr>
+        <p:txBody>
+          <a:bodyPr wrap="square" rtlCol="0">
+            <a:spAutoFit/>
+          </a:bodyPr>
+          <a:lstStyle/>
+          <a:p>
+            <a:pPr algn="ctr"/>
+            <a:r>
+              <a:rPr lang="en-US" dirty="0">
+                <a:latin typeface="Arial" panose="020B0604020202020204" pitchFamily="34" charset="0"/>
+                <a:cs typeface="Arial" panose="020B0604020202020204" pitchFamily="34" charset="0"/>
+              </a:rPr>
+              <a:t>Habitat niche breadth</a:t>
+            </a:r>
+          </a:p>
+        </p:txBody>
+      </p:sp>
+      <p:sp>
+        <p:nvSpPr>
+          <p:cNvPr id="6" name="TextBox 5">
+            <a:extLst>
+              <a:ext uri="{FF2B5EF4-FFF2-40B4-BE49-F238E27FC236}">
+                <a16:creationId xmlns:a16="http://schemas.microsoft.com/office/drawing/2014/main" id="{AA65B116-EA42-DE4A-AFA1-1F5F883DF204}"/>
+              </a:ext>
+            </a:extLst>
+          </p:cNvPr>
+          <p:cNvSpPr txBox="1"/>
+          <p:nvPr/>
+        </p:nvSpPr>
+        <p:spPr>
+          <a:xfrm>
+            <a:off x="4425756" y="4750488"/>
+            <a:ext cx="1840675" cy="369332"/>
+          </a:xfrm>
+          <a:prstGeom prst="rect">
+            <a:avLst/>
+          </a:prstGeom>
+          <a:noFill/>
+        </p:spPr>
+        <p:txBody>
+          <a:bodyPr wrap="square" rtlCol="0">
+            <a:spAutoFit/>
+          </a:bodyPr>
+          <a:lstStyle/>
+          <a:p>
+            <a:r>
+              <a:rPr lang="en-US" dirty="0">
+                <a:latin typeface="Arial" panose="020B0604020202020204" pitchFamily="34" charset="0"/>
+                <a:cs typeface="Arial" panose="020B0604020202020204" pitchFamily="34" charset="0"/>
+              </a:rPr>
+              <a:t>Body size</a:t>
+            </a:r>
+          </a:p>
+        </p:txBody>
+      </p:sp>
+      <p:sp>
+        <p:nvSpPr>
+          <p:cNvPr id="7" name="TextBox 6">
+            <a:extLst>
+              <a:ext uri="{FF2B5EF4-FFF2-40B4-BE49-F238E27FC236}">
+                <a16:creationId xmlns:a16="http://schemas.microsoft.com/office/drawing/2014/main" id="{A72E2609-B025-0840-BB63-D989569E86F1}"/>
+              </a:ext>
+            </a:extLst>
+          </p:cNvPr>
+          <p:cNvSpPr txBox="1"/>
+          <p:nvPr/>
+        </p:nvSpPr>
+        <p:spPr>
+          <a:xfrm>
+            <a:off x="3564576" y="2201393"/>
+            <a:ext cx="1173680" cy="646331"/>
+          </a:xfrm>
+          <a:prstGeom prst="rect">
+            <a:avLst/>
+          </a:prstGeom>
+          <a:noFill/>
+        </p:spPr>
+        <p:txBody>
+          <a:bodyPr wrap="square" rtlCol="0">
+            <a:spAutoFit/>
+          </a:bodyPr>
+          <a:lstStyle/>
+          <a:p>
+            <a:pPr algn="ctr"/>
+            <a:r>
+              <a:rPr lang="en-US" dirty="0">
+                <a:latin typeface="Arial" panose="020B0604020202020204" pitchFamily="34" charset="0"/>
+                <a:cs typeface="Arial" panose="020B0604020202020204" pitchFamily="34" charset="0"/>
+              </a:rPr>
+              <a:t>Migratory distance</a:t>
+            </a:r>
+          </a:p>
+        </p:txBody>
+      </p:sp>
+      <p:sp>
+        <p:nvSpPr>
+          <p:cNvPr id="9" name="TextBox 8">
+            <a:extLst>
+              <a:ext uri="{FF2B5EF4-FFF2-40B4-BE49-F238E27FC236}">
+                <a16:creationId xmlns:a16="http://schemas.microsoft.com/office/drawing/2014/main" id="{1E601120-75B5-5749-850E-37BB69F4F026}"/>
+              </a:ext>
+            </a:extLst>
+          </p:cNvPr>
+          <p:cNvSpPr txBox="1"/>
+          <p:nvPr/>
+        </p:nvSpPr>
+        <p:spPr>
+          <a:xfrm>
+            <a:off x="6342956" y="3104457"/>
+            <a:ext cx="1191690" cy="369332"/>
+          </a:xfrm>
+          <a:prstGeom prst="rect">
+            <a:avLst/>
+          </a:prstGeom>
+          <a:noFill/>
+        </p:spPr>
+        <p:txBody>
+          <a:bodyPr wrap="square" rtlCol="0">
+            <a:spAutoFit/>
+          </a:bodyPr>
+          <a:lstStyle/>
+          <a:p>
+            <a:r>
+              <a:rPr lang="en-US" dirty="0">
+                <a:latin typeface="Arial" panose="020B0604020202020204" pitchFamily="34" charset="0"/>
+                <a:cs typeface="Arial" panose="020B0604020202020204" pitchFamily="34" charset="0"/>
+              </a:rPr>
+              <a:t>0.043</a:t>
+            </a:r>
+          </a:p>
+        </p:txBody>
+      </p:sp>
+      <p:sp>
+        <p:nvSpPr>
+          <p:cNvPr id="10" name="TextBox 9">
+            <a:extLst>
+              <a:ext uri="{FF2B5EF4-FFF2-40B4-BE49-F238E27FC236}">
+                <a16:creationId xmlns:a16="http://schemas.microsoft.com/office/drawing/2014/main" id="{0D888F98-CF7C-0346-818A-B2A92BCEBF31}"/>
+              </a:ext>
+            </a:extLst>
+          </p:cNvPr>
+          <p:cNvSpPr txBox="1"/>
+          <p:nvPr/>
+        </p:nvSpPr>
+        <p:spPr>
+          <a:xfrm>
+            <a:off x="3820892" y="2821299"/>
+            <a:ext cx="1191690" cy="369332"/>
+          </a:xfrm>
+          <a:prstGeom prst="rect">
+            <a:avLst/>
+          </a:prstGeom>
+          <a:noFill/>
+        </p:spPr>
+        <p:txBody>
+          <a:bodyPr wrap="square" rtlCol="0">
+            <a:spAutoFit/>
+          </a:bodyPr>
+          <a:lstStyle/>
+          <a:p>
+            <a:r>
+              <a:rPr lang="en-US" dirty="0">
+                <a:latin typeface="Arial" panose="020B0604020202020204" pitchFamily="34" charset="0"/>
+                <a:cs typeface="Arial" panose="020B0604020202020204" pitchFamily="34" charset="0"/>
+              </a:rPr>
               <a:t>0.030</a:t>
             </a:r>
           </a:p>
@@ -7197,7 +10338,7 @@
         </p:nvSpPr>
         <p:spPr>
           <a:xfrm>
-            <a:off x="4685109" y="5227058"/>
+            <a:off x="4560620" y="5064546"/>
             <a:ext cx="1191690" cy="369332"/>
           </a:xfrm>
           <a:prstGeom prst="rect">
@@ -7485,7 +10626,7 @@
 </p:sld>
 </file>
 
-<file path=ppt/slides/slide5.xml><?xml version="1.0" encoding="utf-8"?>
+<file path=ppt/slides/slide7.xml><?xml version="1.0" encoding="utf-8"?>
 <p:sld xmlns:a="http://schemas.openxmlformats.org/drawingml/2006/main" xmlns:r="http://schemas.openxmlformats.org/officeDocument/2006/relationships" xmlns:p="http://schemas.openxmlformats.org/presentationml/2006/main">
   <p:cSld>
     <p:spTree>

--- a/figures/sem_venn_figures.pptx
+++ b/figures/sem_venn_figures.pptx
@@ -5,7 +5,7 @@
     <p:sldMasterId id="2147483648" r:id="rId1"/>
   </p:sldMasterIdLst>
   <p:notesMasterIdLst>
-    <p:notesMasterId r:id="rId9"/>
+    <p:notesMasterId r:id="rId10"/>
   </p:notesMasterIdLst>
   <p:sldIdLst>
     <p:sldId id="256" r:id="rId2"/>
@@ -15,6 +15,7 @@
     <p:sldId id="258" r:id="rId6"/>
     <p:sldId id="259" r:id="rId7"/>
     <p:sldId id="260" r:id="rId8"/>
+    <p:sldId id="263" r:id="rId9"/>
   </p:sldIdLst>
   <p:sldSz cx="12192000" cy="6858000"/>
   <p:notesSz cx="6858000" cy="9144000"/>
@@ -10731,10 +10732,10 @@
       </p:cxnSp>
       <p:pic>
         <p:nvPicPr>
-          <p:cNvPr id="3" name="Picture 2" descr="Diagram, venn diagram&#10;&#10;Description automatically generated">
-            <a:extLst>
-              <a:ext uri="{FF2B5EF4-FFF2-40B4-BE49-F238E27FC236}">
-                <a16:creationId xmlns:a16="http://schemas.microsoft.com/office/drawing/2014/main" id="{1120F291-139B-7A49-90C0-F174CA4450F2}"/>
+          <p:cNvPr id="4" name="Picture 3" descr="Diagram, venn diagram&#10;&#10;Description automatically generated">
+            <a:extLst>
+              <a:ext uri="{FF2B5EF4-FFF2-40B4-BE49-F238E27FC236}">
+                <a16:creationId xmlns:a16="http://schemas.microsoft.com/office/drawing/2014/main" id="{E8A96F3E-3011-3D4D-8F5D-DA501A9A2E35}"/>
               </a:ext>
             </a:extLst>
           </p:cNvPr>
@@ -10751,8 +10752,8 @@
         </p:blipFill>
         <p:spPr>
           <a:xfrm>
-            <a:off x="3391916" y="3437904"/>
-            <a:ext cx="3932988" cy="3274969"/>
+            <a:off x="5684937" y="305232"/>
+            <a:ext cx="3366147" cy="3032434"/>
           </a:xfrm>
           <a:prstGeom prst="rect">
             <a:avLst/>
@@ -10761,10 +10762,10 @@
       </p:pic>
       <p:pic>
         <p:nvPicPr>
-          <p:cNvPr id="6" name="Picture 5" descr="Diagram, venn diagram&#10;&#10;Description automatically generated">
-            <a:extLst>
-              <a:ext uri="{FF2B5EF4-FFF2-40B4-BE49-F238E27FC236}">
-                <a16:creationId xmlns:a16="http://schemas.microsoft.com/office/drawing/2014/main" id="{1B5B60BC-D898-4A47-B596-C2D4674E0169}"/>
+          <p:cNvPr id="7" name="Picture 6" descr="Diagram, venn diagram&#10;&#10;Description automatically generated">
+            <a:extLst>
+              <a:ext uri="{FF2B5EF4-FFF2-40B4-BE49-F238E27FC236}">
+                <a16:creationId xmlns:a16="http://schemas.microsoft.com/office/drawing/2014/main" id="{5F115469-36B5-A747-B737-441CE7A7433D}"/>
               </a:ext>
             </a:extLst>
           </p:cNvPr>
@@ -10781,8 +10782,8 @@
         </p:blipFill>
         <p:spPr>
           <a:xfrm>
-            <a:off x="5486400" y="145127"/>
-            <a:ext cx="3932989" cy="3274970"/>
+            <a:off x="1459469" y="311160"/>
+            <a:ext cx="3384375" cy="3048855"/>
           </a:xfrm>
           <a:prstGeom prst="rect">
             <a:avLst/>
@@ -10791,10 +10792,10 @@
       </p:pic>
       <p:pic>
         <p:nvPicPr>
-          <p:cNvPr id="10" name="Picture 9" descr="Diagram, venn diagram&#10;&#10;Description automatically generated">
-            <a:extLst>
-              <a:ext uri="{FF2B5EF4-FFF2-40B4-BE49-F238E27FC236}">
-                <a16:creationId xmlns:a16="http://schemas.microsoft.com/office/drawing/2014/main" id="{76796962-AFFC-3843-B71F-8707CB729E2D}"/>
+          <p:cNvPr id="11" name="Picture 10" descr="Diagram, venn diagram&#10;&#10;Description automatically generated">
+            <a:extLst>
+              <a:ext uri="{FF2B5EF4-FFF2-40B4-BE49-F238E27FC236}">
+                <a16:creationId xmlns:a16="http://schemas.microsoft.com/office/drawing/2014/main" id="{775775FB-2621-D247-A7F9-FD5B34E29904}"/>
               </a:ext>
             </a:extLst>
           </p:cNvPr>
@@ -10811,8 +10812,8 @@
         </p:blipFill>
         <p:spPr>
           <a:xfrm>
-            <a:off x="1576689" y="145125"/>
-            <a:ext cx="3630453" cy="3274971"/>
+            <a:off x="3872853" y="3437904"/>
+            <a:ext cx="3269352" cy="2945236"/>
           </a:xfrm>
           <a:prstGeom prst="rect">
             <a:avLst/>
@@ -10823,6 +10824,1321 @@
     <p:extLst>
       <p:ext uri="{BB962C8B-B14F-4D97-AF65-F5344CB8AC3E}">
         <p14:creationId xmlns:p14="http://schemas.microsoft.com/office/powerpoint/2010/main" val="1749384182"/>
+      </p:ext>
+    </p:extLst>
+  </p:cSld>
+  <p:clrMapOvr>
+    <a:masterClrMapping/>
+  </p:clrMapOvr>
+</p:sld>
+</file>
+
+<file path=ppt/slides/slide8.xml><?xml version="1.0" encoding="utf-8"?>
+<p:sld xmlns:a="http://schemas.openxmlformats.org/drawingml/2006/main" xmlns:r="http://schemas.openxmlformats.org/officeDocument/2006/relationships" xmlns:p="http://schemas.openxmlformats.org/presentationml/2006/main">
+  <p:cSld>
+    <p:spTree>
+      <p:nvGrpSpPr>
+        <p:cNvPr id="1" name=""/>
+        <p:cNvGrpSpPr/>
+        <p:nvPr/>
+      </p:nvGrpSpPr>
+      <p:grpSpPr>
+        <a:xfrm>
+          <a:off x="0" y="0"/>
+          <a:ext cx="0" cy="0"/>
+          <a:chOff x="0" y="0"/>
+          <a:chExt cx="0" cy="0"/>
+        </a:xfrm>
+      </p:grpSpPr>
+      <p:pic>
+        <p:nvPicPr>
+          <p:cNvPr id="3" name="Picture 2" descr="Map&#10;&#10;Description automatically generated">
+            <a:extLst>
+              <a:ext uri="{FF2B5EF4-FFF2-40B4-BE49-F238E27FC236}">
+                <a16:creationId xmlns:a16="http://schemas.microsoft.com/office/drawing/2014/main" id="{75BEBD68-FAAC-D043-8AB4-D9BC94C8FF21}"/>
+              </a:ext>
+            </a:extLst>
+          </p:cNvPr>
+          <p:cNvPicPr>
+            <a:picLocks noChangeAspect="1"/>
+          </p:cNvPicPr>
+          <p:nvPr/>
+        </p:nvPicPr>
+        <p:blipFill>
+          <a:blip r:embed="rId2"/>
+          <a:stretch>
+            <a:fillRect/>
+          </a:stretch>
+        </p:blipFill>
+        <p:spPr>
+          <a:xfrm>
+            <a:off x="38100" y="452887"/>
+            <a:ext cx="12192000" cy="5952226"/>
+          </a:xfrm>
+          <a:prstGeom prst="rect">
+            <a:avLst/>
+          </a:prstGeom>
+        </p:spPr>
+      </p:pic>
+      <p:sp>
+        <p:nvSpPr>
+          <p:cNvPr id="4" name="TextBox 3">
+            <a:extLst>
+              <a:ext uri="{FF2B5EF4-FFF2-40B4-BE49-F238E27FC236}">
+                <a16:creationId xmlns:a16="http://schemas.microsoft.com/office/drawing/2014/main" id="{03803094-A6EA-184E-9DA0-2EC59811DAD9}"/>
+              </a:ext>
+            </a:extLst>
+          </p:cNvPr>
+          <p:cNvSpPr txBox="1"/>
+          <p:nvPr/>
+        </p:nvSpPr>
+        <p:spPr>
+          <a:xfrm>
+            <a:off x="1859694" y="4929204"/>
+            <a:ext cx="1705231" cy="307777"/>
+          </a:xfrm>
+          <a:prstGeom prst="rect">
+            <a:avLst/>
+          </a:prstGeom>
+          <a:noFill/>
+        </p:spPr>
+        <p:txBody>
+          <a:bodyPr wrap="square" rtlCol="0">
+            <a:spAutoFit/>
+          </a:bodyPr>
+          <a:lstStyle/>
+          <a:p>
+            <a:r>
+              <a:rPr lang="en-US" sz="1400" b="1" dirty="0">
+                <a:latin typeface="Arial" panose="020B0604020202020204" pitchFamily="34" charset="0"/>
+                <a:cs typeface="Arial" panose="020B0604020202020204" pitchFamily="34" charset="0"/>
+              </a:rPr>
+              <a:t>Range occupancy</a:t>
+            </a:r>
+          </a:p>
+        </p:txBody>
+      </p:sp>
+      <p:sp>
+        <p:nvSpPr>
+          <p:cNvPr id="5" name="TextBox 4">
+            <a:extLst>
+              <a:ext uri="{FF2B5EF4-FFF2-40B4-BE49-F238E27FC236}">
+                <a16:creationId xmlns:a16="http://schemas.microsoft.com/office/drawing/2014/main" id="{DC96EBDF-E240-194F-843C-CCCFBCE93928}"/>
+              </a:ext>
+            </a:extLst>
+          </p:cNvPr>
+          <p:cNvSpPr txBox="1"/>
+          <p:nvPr/>
+        </p:nvSpPr>
+        <p:spPr>
+          <a:xfrm>
+            <a:off x="1686466" y="5121433"/>
+            <a:ext cx="605480" cy="292388"/>
+          </a:xfrm>
+          <a:prstGeom prst="rect">
+            <a:avLst/>
+          </a:prstGeom>
+          <a:noFill/>
+        </p:spPr>
+        <p:txBody>
+          <a:bodyPr wrap="square" rtlCol="0">
+            <a:spAutoFit/>
+          </a:bodyPr>
+          <a:lstStyle/>
+          <a:p>
+            <a:r>
+              <a:rPr lang="en-US" sz="1300" dirty="0">
+                <a:latin typeface="Arial" panose="020B0604020202020204" pitchFamily="34" charset="0"/>
+                <a:cs typeface="Arial" panose="020B0604020202020204" pitchFamily="34" charset="0"/>
+              </a:rPr>
+              <a:t>Early</a:t>
+            </a:r>
+          </a:p>
+        </p:txBody>
+      </p:sp>
+      <p:sp>
+        <p:nvSpPr>
+          <p:cNvPr id="6" name="TextBox 5">
+            <a:extLst>
+              <a:ext uri="{FF2B5EF4-FFF2-40B4-BE49-F238E27FC236}">
+                <a16:creationId xmlns:a16="http://schemas.microsoft.com/office/drawing/2014/main" id="{84E88B88-3A7E-B247-9A09-7FB50ADAAAC0}"/>
+              </a:ext>
+            </a:extLst>
+          </p:cNvPr>
+          <p:cNvSpPr txBox="1"/>
+          <p:nvPr/>
+        </p:nvSpPr>
+        <p:spPr>
+          <a:xfrm>
+            <a:off x="3105492" y="5121433"/>
+            <a:ext cx="605480" cy="292388"/>
+          </a:xfrm>
+          <a:prstGeom prst="rect">
+            <a:avLst/>
+          </a:prstGeom>
+          <a:noFill/>
+        </p:spPr>
+        <p:txBody>
+          <a:bodyPr wrap="square" rtlCol="0">
+            <a:spAutoFit/>
+          </a:bodyPr>
+          <a:lstStyle/>
+          <a:p>
+            <a:r>
+              <a:rPr lang="en-US" sz="1300" dirty="0">
+                <a:latin typeface="Arial" panose="020B0604020202020204" pitchFamily="34" charset="0"/>
+                <a:cs typeface="Arial" panose="020B0604020202020204" pitchFamily="34" charset="0"/>
+              </a:rPr>
+              <a:t>Late</a:t>
+            </a:r>
+          </a:p>
+        </p:txBody>
+      </p:sp>
+      <p:sp>
+        <p:nvSpPr>
+          <p:cNvPr id="7" name="Oval 6">
+            <a:extLst>
+              <a:ext uri="{FF2B5EF4-FFF2-40B4-BE49-F238E27FC236}">
+                <a16:creationId xmlns:a16="http://schemas.microsoft.com/office/drawing/2014/main" id="{6A71DE0B-AA28-6347-BB3F-9BCF4528910A}"/>
+              </a:ext>
+            </a:extLst>
+          </p:cNvPr>
+          <p:cNvSpPr/>
+          <p:nvPr/>
+        </p:nvSpPr>
+        <p:spPr>
+          <a:xfrm>
+            <a:off x="1791129" y="5559336"/>
+            <a:ext cx="166814" cy="160638"/>
+          </a:xfrm>
+          <a:prstGeom prst="ellipse">
+            <a:avLst/>
+          </a:prstGeom>
+          <a:solidFill>
+            <a:srgbClr val="7470B3"/>
+          </a:solidFill>
+          <a:ln>
+            <a:noFill/>
+          </a:ln>
+        </p:spPr>
+        <p:style>
+          <a:lnRef idx="2">
+            <a:schemeClr val="accent1">
+              <a:shade val="50000"/>
+            </a:schemeClr>
+          </a:lnRef>
+          <a:fillRef idx="1">
+            <a:schemeClr val="accent1"/>
+          </a:fillRef>
+          <a:effectRef idx="0">
+            <a:schemeClr val="accent1"/>
+          </a:effectRef>
+          <a:fontRef idx="minor">
+            <a:schemeClr val="lt1"/>
+          </a:fontRef>
+        </p:style>
+        <p:txBody>
+          <a:bodyPr rtlCol="0" anchor="ctr"/>
+          <a:lstStyle/>
+          <a:p>
+            <a:pPr algn="ctr"/>
+            <a:endParaRPr lang="en-US"/>
+          </a:p>
+        </p:txBody>
+      </p:sp>
+      <p:sp>
+        <p:nvSpPr>
+          <p:cNvPr id="8" name="Oval 7">
+            <a:extLst>
+              <a:ext uri="{FF2B5EF4-FFF2-40B4-BE49-F238E27FC236}">
+                <a16:creationId xmlns:a16="http://schemas.microsoft.com/office/drawing/2014/main" id="{48EF6874-8F47-154D-B10A-366276BA1B00}"/>
+              </a:ext>
+            </a:extLst>
+          </p:cNvPr>
+          <p:cNvSpPr/>
+          <p:nvPr/>
+        </p:nvSpPr>
+        <p:spPr>
+          <a:xfrm>
+            <a:off x="1975579" y="5559281"/>
+            <a:ext cx="166814" cy="160638"/>
+          </a:xfrm>
+          <a:prstGeom prst="ellipse">
+            <a:avLst/>
+          </a:prstGeom>
+          <a:solidFill>
+            <a:srgbClr val="1A9F77"/>
+          </a:solidFill>
+          <a:ln>
+            <a:noFill/>
+          </a:ln>
+        </p:spPr>
+        <p:style>
+          <a:lnRef idx="2">
+            <a:schemeClr val="accent1">
+              <a:shade val="50000"/>
+            </a:schemeClr>
+          </a:lnRef>
+          <a:fillRef idx="1">
+            <a:schemeClr val="accent1"/>
+          </a:fillRef>
+          <a:effectRef idx="0">
+            <a:schemeClr val="accent1"/>
+          </a:effectRef>
+          <a:fontRef idx="minor">
+            <a:schemeClr val="lt1"/>
+          </a:fontRef>
+        </p:style>
+        <p:txBody>
+          <a:bodyPr rtlCol="0" anchor="ctr"/>
+          <a:lstStyle/>
+          <a:p>
+            <a:pPr algn="ctr"/>
+            <a:endParaRPr lang="en-US"/>
+          </a:p>
+        </p:txBody>
+      </p:sp>
+      <p:sp>
+        <p:nvSpPr>
+          <p:cNvPr id="9" name="Oval 8">
+            <a:extLst>
+              <a:ext uri="{FF2B5EF4-FFF2-40B4-BE49-F238E27FC236}">
+                <a16:creationId xmlns:a16="http://schemas.microsoft.com/office/drawing/2014/main" id="{B10A70DC-D1B9-5E47-96B5-BF936CA1E21D}"/>
+              </a:ext>
+            </a:extLst>
+          </p:cNvPr>
+          <p:cNvSpPr/>
+          <p:nvPr/>
+        </p:nvSpPr>
+        <p:spPr>
+          <a:xfrm>
+            <a:off x="1603718" y="5559281"/>
+            <a:ext cx="166814" cy="160638"/>
+          </a:xfrm>
+          <a:prstGeom prst="ellipse">
+            <a:avLst/>
+          </a:prstGeom>
+          <a:solidFill>
+            <a:srgbClr val="DA5F01"/>
+          </a:solidFill>
+          <a:ln>
+            <a:noFill/>
+          </a:ln>
+        </p:spPr>
+        <p:style>
+          <a:lnRef idx="2">
+            <a:schemeClr val="accent1">
+              <a:shade val="50000"/>
+            </a:schemeClr>
+          </a:lnRef>
+          <a:fillRef idx="1">
+            <a:schemeClr val="accent1"/>
+          </a:fillRef>
+          <a:effectRef idx="0">
+            <a:schemeClr val="accent1"/>
+          </a:effectRef>
+          <a:fontRef idx="minor">
+            <a:schemeClr val="lt1"/>
+          </a:fontRef>
+        </p:style>
+        <p:txBody>
+          <a:bodyPr rtlCol="0" anchor="ctr"/>
+          <a:lstStyle/>
+          <a:p>
+            <a:pPr algn="ctr"/>
+            <a:endParaRPr lang="en-US"/>
+          </a:p>
+        </p:txBody>
+      </p:sp>
+      <p:sp>
+        <p:nvSpPr>
+          <p:cNvPr id="10" name="Oval 9">
+            <a:extLst>
+              <a:ext uri="{FF2B5EF4-FFF2-40B4-BE49-F238E27FC236}">
+                <a16:creationId xmlns:a16="http://schemas.microsoft.com/office/drawing/2014/main" id="{6FE2BF56-FD27-174D-AABC-DBE311ADB30E}"/>
+              </a:ext>
+            </a:extLst>
+          </p:cNvPr>
+          <p:cNvSpPr/>
+          <p:nvPr/>
+        </p:nvSpPr>
+        <p:spPr>
+          <a:xfrm>
+            <a:off x="1978540" y="5370515"/>
+            <a:ext cx="166814" cy="160638"/>
+          </a:xfrm>
+          <a:prstGeom prst="ellipse">
+            <a:avLst/>
+          </a:prstGeom>
+          <a:solidFill>
+            <a:srgbClr val="DA5F01"/>
+          </a:solidFill>
+          <a:ln>
+            <a:noFill/>
+          </a:ln>
+        </p:spPr>
+        <p:style>
+          <a:lnRef idx="2">
+            <a:schemeClr val="accent1">
+              <a:shade val="50000"/>
+            </a:schemeClr>
+          </a:lnRef>
+          <a:fillRef idx="1">
+            <a:schemeClr val="accent1"/>
+          </a:fillRef>
+          <a:effectRef idx="0">
+            <a:schemeClr val="accent1"/>
+          </a:effectRef>
+          <a:fontRef idx="minor">
+            <a:schemeClr val="lt1"/>
+          </a:fontRef>
+        </p:style>
+        <p:txBody>
+          <a:bodyPr rtlCol="0" anchor="ctr"/>
+          <a:lstStyle/>
+          <a:p>
+            <a:pPr algn="ctr"/>
+            <a:endParaRPr lang="en-US"/>
+          </a:p>
+        </p:txBody>
+      </p:sp>
+      <p:sp>
+        <p:nvSpPr>
+          <p:cNvPr id="11" name="Oval 10">
+            <a:extLst>
+              <a:ext uri="{FF2B5EF4-FFF2-40B4-BE49-F238E27FC236}">
+                <a16:creationId xmlns:a16="http://schemas.microsoft.com/office/drawing/2014/main" id="{5C1CAE97-1507-5641-B0D0-739738525F22}"/>
+              </a:ext>
+            </a:extLst>
+          </p:cNvPr>
+          <p:cNvSpPr/>
+          <p:nvPr/>
+        </p:nvSpPr>
+        <p:spPr>
+          <a:xfrm>
+            <a:off x="1791129" y="5371734"/>
+            <a:ext cx="166814" cy="160638"/>
+          </a:xfrm>
+          <a:prstGeom prst="ellipse">
+            <a:avLst/>
+          </a:prstGeom>
+          <a:solidFill>
+            <a:srgbClr val="1A9F77"/>
+          </a:solidFill>
+          <a:ln>
+            <a:noFill/>
+          </a:ln>
+        </p:spPr>
+        <p:style>
+          <a:lnRef idx="2">
+            <a:schemeClr val="accent1">
+              <a:shade val="50000"/>
+            </a:schemeClr>
+          </a:lnRef>
+          <a:fillRef idx="1">
+            <a:schemeClr val="accent1"/>
+          </a:fillRef>
+          <a:effectRef idx="0">
+            <a:schemeClr val="accent1"/>
+          </a:effectRef>
+          <a:fontRef idx="minor">
+            <a:schemeClr val="lt1"/>
+          </a:fontRef>
+        </p:style>
+        <p:txBody>
+          <a:bodyPr rtlCol="0" anchor="ctr"/>
+          <a:lstStyle/>
+          <a:p>
+            <a:pPr algn="ctr"/>
+            <a:endParaRPr lang="en-US"/>
+          </a:p>
+        </p:txBody>
+      </p:sp>
+      <p:sp>
+        <p:nvSpPr>
+          <p:cNvPr id="12" name="Oval 11">
+            <a:extLst>
+              <a:ext uri="{FF2B5EF4-FFF2-40B4-BE49-F238E27FC236}">
+                <a16:creationId xmlns:a16="http://schemas.microsoft.com/office/drawing/2014/main" id="{7AD4053F-4162-1441-BC9E-548DB4E5AD6F}"/>
+              </a:ext>
+            </a:extLst>
+          </p:cNvPr>
+          <p:cNvSpPr/>
+          <p:nvPr/>
+        </p:nvSpPr>
+        <p:spPr>
+          <a:xfrm>
+            <a:off x="2160029" y="5564567"/>
+            <a:ext cx="166814" cy="160638"/>
+          </a:xfrm>
+          <a:prstGeom prst="ellipse">
+            <a:avLst/>
+          </a:prstGeom>
+          <a:noFill/>
+          <a:ln>
+            <a:solidFill>
+              <a:srgbClr val="E82187"/>
+            </a:solidFill>
+          </a:ln>
+        </p:spPr>
+        <p:style>
+          <a:lnRef idx="2">
+            <a:schemeClr val="accent1">
+              <a:shade val="50000"/>
+            </a:schemeClr>
+          </a:lnRef>
+          <a:fillRef idx="1">
+            <a:schemeClr val="accent1"/>
+          </a:fillRef>
+          <a:effectRef idx="0">
+            <a:schemeClr val="accent1"/>
+          </a:effectRef>
+          <a:fontRef idx="minor">
+            <a:schemeClr val="lt1"/>
+          </a:fontRef>
+        </p:style>
+        <p:txBody>
+          <a:bodyPr rtlCol="0" anchor="ctr"/>
+          <a:lstStyle/>
+          <a:p>
+            <a:pPr algn="ctr"/>
+            <a:endParaRPr lang="en-US"/>
+          </a:p>
+        </p:txBody>
+      </p:sp>
+      <p:sp>
+        <p:nvSpPr>
+          <p:cNvPr id="13" name="Oval 12">
+            <a:extLst>
+              <a:ext uri="{FF2B5EF4-FFF2-40B4-BE49-F238E27FC236}">
+                <a16:creationId xmlns:a16="http://schemas.microsoft.com/office/drawing/2014/main" id="{915AD0ED-DA0A-9B49-A47B-1C7F3027C553}"/>
+              </a:ext>
+            </a:extLst>
+          </p:cNvPr>
+          <p:cNvSpPr/>
+          <p:nvPr/>
+        </p:nvSpPr>
+        <p:spPr>
+          <a:xfrm>
+            <a:off x="3194004" y="5558051"/>
+            <a:ext cx="166814" cy="160638"/>
+          </a:xfrm>
+          <a:prstGeom prst="ellipse">
+            <a:avLst/>
+          </a:prstGeom>
+          <a:solidFill>
+            <a:srgbClr val="7470B3"/>
+          </a:solidFill>
+          <a:ln>
+            <a:noFill/>
+          </a:ln>
+        </p:spPr>
+        <p:style>
+          <a:lnRef idx="2">
+            <a:schemeClr val="accent1">
+              <a:shade val="50000"/>
+            </a:schemeClr>
+          </a:lnRef>
+          <a:fillRef idx="1">
+            <a:schemeClr val="accent1"/>
+          </a:fillRef>
+          <a:effectRef idx="0">
+            <a:schemeClr val="accent1"/>
+          </a:effectRef>
+          <a:fontRef idx="minor">
+            <a:schemeClr val="lt1"/>
+          </a:fontRef>
+        </p:style>
+        <p:txBody>
+          <a:bodyPr rtlCol="0" anchor="ctr"/>
+          <a:lstStyle/>
+          <a:p>
+            <a:pPr algn="ctr"/>
+            <a:endParaRPr lang="en-US"/>
+          </a:p>
+        </p:txBody>
+      </p:sp>
+      <p:sp>
+        <p:nvSpPr>
+          <p:cNvPr id="14" name="Oval 13">
+            <a:extLst>
+              <a:ext uri="{FF2B5EF4-FFF2-40B4-BE49-F238E27FC236}">
+                <a16:creationId xmlns:a16="http://schemas.microsoft.com/office/drawing/2014/main" id="{4C18C05D-A839-B848-B227-69D6C5F0744C}"/>
+              </a:ext>
+            </a:extLst>
+          </p:cNvPr>
+          <p:cNvSpPr/>
+          <p:nvPr/>
+        </p:nvSpPr>
+        <p:spPr>
+          <a:xfrm>
+            <a:off x="3381415" y="5560135"/>
+            <a:ext cx="166814" cy="160638"/>
+          </a:xfrm>
+          <a:prstGeom prst="ellipse">
+            <a:avLst/>
+          </a:prstGeom>
+          <a:solidFill>
+            <a:srgbClr val="1A9F77"/>
+          </a:solidFill>
+          <a:ln>
+            <a:noFill/>
+          </a:ln>
+        </p:spPr>
+        <p:style>
+          <a:lnRef idx="2">
+            <a:schemeClr val="accent1">
+              <a:shade val="50000"/>
+            </a:schemeClr>
+          </a:lnRef>
+          <a:fillRef idx="1">
+            <a:schemeClr val="accent1"/>
+          </a:fillRef>
+          <a:effectRef idx="0">
+            <a:schemeClr val="accent1"/>
+          </a:effectRef>
+          <a:fontRef idx="minor">
+            <a:schemeClr val="lt1"/>
+          </a:fontRef>
+        </p:style>
+        <p:txBody>
+          <a:bodyPr rtlCol="0" anchor="ctr"/>
+          <a:lstStyle/>
+          <a:p>
+            <a:pPr algn="ctr"/>
+            <a:endParaRPr lang="en-US"/>
+          </a:p>
+        </p:txBody>
+      </p:sp>
+      <p:sp>
+        <p:nvSpPr>
+          <p:cNvPr id="15" name="Oval 14">
+            <a:extLst>
+              <a:ext uri="{FF2B5EF4-FFF2-40B4-BE49-F238E27FC236}">
+                <a16:creationId xmlns:a16="http://schemas.microsoft.com/office/drawing/2014/main" id="{0FD3C64E-FB15-9B41-8408-6C757DE63395}"/>
+              </a:ext>
+            </a:extLst>
+          </p:cNvPr>
+          <p:cNvSpPr/>
+          <p:nvPr/>
+        </p:nvSpPr>
+        <p:spPr>
+          <a:xfrm>
+            <a:off x="3006593" y="5559281"/>
+            <a:ext cx="166814" cy="160638"/>
+          </a:xfrm>
+          <a:prstGeom prst="ellipse">
+            <a:avLst/>
+          </a:prstGeom>
+          <a:solidFill>
+            <a:srgbClr val="DA5F01"/>
+          </a:solidFill>
+          <a:ln>
+            <a:noFill/>
+          </a:ln>
+        </p:spPr>
+        <p:style>
+          <a:lnRef idx="2">
+            <a:schemeClr val="accent1">
+              <a:shade val="50000"/>
+            </a:schemeClr>
+          </a:lnRef>
+          <a:fillRef idx="1">
+            <a:schemeClr val="accent1"/>
+          </a:fillRef>
+          <a:effectRef idx="0">
+            <a:schemeClr val="accent1"/>
+          </a:effectRef>
+          <a:fontRef idx="minor">
+            <a:schemeClr val="lt1"/>
+          </a:fontRef>
+        </p:style>
+        <p:txBody>
+          <a:bodyPr rtlCol="0" anchor="ctr"/>
+          <a:lstStyle/>
+          <a:p>
+            <a:pPr algn="ctr"/>
+            <a:endParaRPr lang="en-US"/>
+          </a:p>
+        </p:txBody>
+      </p:sp>
+      <p:sp>
+        <p:nvSpPr>
+          <p:cNvPr id="16" name="Oval 15">
+            <a:extLst>
+              <a:ext uri="{FF2B5EF4-FFF2-40B4-BE49-F238E27FC236}">
+                <a16:creationId xmlns:a16="http://schemas.microsoft.com/office/drawing/2014/main" id="{8E1EC89F-B4D5-3C49-81FC-6B88519C50B0}"/>
+              </a:ext>
+            </a:extLst>
+          </p:cNvPr>
+          <p:cNvSpPr/>
+          <p:nvPr/>
+        </p:nvSpPr>
+        <p:spPr>
+          <a:xfrm>
+            <a:off x="3381415" y="5369230"/>
+            <a:ext cx="166814" cy="160638"/>
+          </a:xfrm>
+          <a:prstGeom prst="ellipse">
+            <a:avLst/>
+          </a:prstGeom>
+          <a:solidFill>
+            <a:srgbClr val="7470B3"/>
+          </a:solidFill>
+          <a:ln>
+            <a:noFill/>
+          </a:ln>
+        </p:spPr>
+        <p:style>
+          <a:lnRef idx="2">
+            <a:schemeClr val="accent1">
+              <a:shade val="50000"/>
+            </a:schemeClr>
+          </a:lnRef>
+          <a:fillRef idx="1">
+            <a:schemeClr val="accent1"/>
+          </a:fillRef>
+          <a:effectRef idx="0">
+            <a:schemeClr val="accent1"/>
+          </a:effectRef>
+          <a:fontRef idx="minor">
+            <a:schemeClr val="lt1"/>
+          </a:fontRef>
+        </p:style>
+        <p:txBody>
+          <a:bodyPr rtlCol="0" anchor="ctr"/>
+          <a:lstStyle/>
+          <a:p>
+            <a:pPr algn="ctr"/>
+            <a:endParaRPr lang="en-US"/>
+          </a:p>
+        </p:txBody>
+      </p:sp>
+      <p:sp>
+        <p:nvSpPr>
+          <p:cNvPr id="17" name="Oval 16">
+            <a:extLst>
+              <a:ext uri="{FF2B5EF4-FFF2-40B4-BE49-F238E27FC236}">
+                <a16:creationId xmlns:a16="http://schemas.microsoft.com/office/drawing/2014/main" id="{2DEB3AE1-05E1-2B46-AA71-BE21D4538DAC}"/>
+              </a:ext>
+            </a:extLst>
+          </p:cNvPr>
+          <p:cNvSpPr/>
+          <p:nvPr/>
+        </p:nvSpPr>
+        <p:spPr>
+          <a:xfrm>
+            <a:off x="3194004" y="5370449"/>
+            <a:ext cx="166814" cy="160638"/>
+          </a:xfrm>
+          <a:prstGeom prst="ellipse">
+            <a:avLst/>
+          </a:prstGeom>
+          <a:solidFill>
+            <a:srgbClr val="1A9F77"/>
+          </a:solidFill>
+          <a:ln>
+            <a:noFill/>
+          </a:ln>
+        </p:spPr>
+        <p:style>
+          <a:lnRef idx="2">
+            <a:schemeClr val="accent1">
+              <a:shade val="50000"/>
+            </a:schemeClr>
+          </a:lnRef>
+          <a:fillRef idx="1">
+            <a:schemeClr val="accent1"/>
+          </a:fillRef>
+          <a:effectRef idx="0">
+            <a:schemeClr val="accent1"/>
+          </a:effectRef>
+          <a:fontRef idx="minor">
+            <a:schemeClr val="lt1"/>
+          </a:fontRef>
+        </p:style>
+        <p:txBody>
+          <a:bodyPr rtlCol="0" anchor="ctr"/>
+          <a:lstStyle/>
+          <a:p>
+            <a:pPr algn="ctr"/>
+            <a:endParaRPr lang="en-US"/>
+          </a:p>
+        </p:txBody>
+      </p:sp>
+      <p:sp>
+        <p:nvSpPr>
+          <p:cNvPr id="18" name="Oval 17">
+            <a:extLst>
+              <a:ext uri="{FF2B5EF4-FFF2-40B4-BE49-F238E27FC236}">
+                <a16:creationId xmlns:a16="http://schemas.microsoft.com/office/drawing/2014/main" id="{E2028E4F-6D97-274A-9F2B-E6126EF9FF44}"/>
+              </a:ext>
+            </a:extLst>
+          </p:cNvPr>
+          <p:cNvSpPr/>
+          <p:nvPr/>
+        </p:nvSpPr>
+        <p:spPr>
+          <a:xfrm>
+            <a:off x="3565865" y="5557281"/>
+            <a:ext cx="166814" cy="160638"/>
+          </a:xfrm>
+          <a:prstGeom prst="ellipse">
+            <a:avLst/>
+          </a:prstGeom>
+          <a:noFill/>
+          <a:ln>
+            <a:solidFill>
+              <a:srgbClr val="E82187"/>
+            </a:solidFill>
+          </a:ln>
+        </p:spPr>
+        <p:style>
+          <a:lnRef idx="2">
+            <a:schemeClr val="accent1">
+              <a:shade val="50000"/>
+            </a:schemeClr>
+          </a:lnRef>
+          <a:fillRef idx="1">
+            <a:schemeClr val="accent1"/>
+          </a:fillRef>
+          <a:effectRef idx="0">
+            <a:schemeClr val="accent1"/>
+          </a:effectRef>
+          <a:fontRef idx="minor">
+            <a:schemeClr val="lt1"/>
+          </a:fontRef>
+        </p:style>
+        <p:txBody>
+          <a:bodyPr rtlCol="0" anchor="ctr"/>
+          <a:lstStyle/>
+          <a:p>
+            <a:pPr algn="ctr"/>
+            <a:endParaRPr lang="en-US"/>
+          </a:p>
+        </p:txBody>
+      </p:sp>
+      <p:cxnSp>
+        <p:nvCxnSpPr>
+          <p:cNvPr id="20" name="Straight Connector 19">
+            <a:extLst>
+              <a:ext uri="{FF2B5EF4-FFF2-40B4-BE49-F238E27FC236}">
+                <a16:creationId xmlns:a16="http://schemas.microsoft.com/office/drawing/2014/main" id="{9B7B9929-019B-3547-B600-36AA844AA543}"/>
+              </a:ext>
+            </a:extLst>
+          </p:cNvPr>
+          <p:cNvCxnSpPr/>
+          <p:nvPr/>
+        </p:nvCxnSpPr>
+        <p:spPr>
+          <a:xfrm>
+            <a:off x="1603718" y="5537143"/>
+            <a:ext cx="700221" cy="0"/>
+          </a:xfrm>
+          <a:prstGeom prst="line">
+            <a:avLst/>
+          </a:prstGeom>
+          <a:ln w="12700">
+            <a:solidFill>
+              <a:schemeClr val="tx1"/>
+            </a:solidFill>
+          </a:ln>
+        </p:spPr>
+        <p:style>
+          <a:lnRef idx="1">
+            <a:schemeClr val="accent1"/>
+          </a:lnRef>
+          <a:fillRef idx="0">
+            <a:schemeClr val="accent1"/>
+          </a:fillRef>
+          <a:effectRef idx="0">
+            <a:schemeClr val="accent1"/>
+          </a:effectRef>
+          <a:fontRef idx="minor">
+            <a:schemeClr val="tx1"/>
+          </a:fontRef>
+        </p:style>
+      </p:cxnSp>
+      <p:cxnSp>
+        <p:nvCxnSpPr>
+          <p:cNvPr id="21" name="Straight Connector 20">
+            <a:extLst>
+              <a:ext uri="{FF2B5EF4-FFF2-40B4-BE49-F238E27FC236}">
+                <a16:creationId xmlns:a16="http://schemas.microsoft.com/office/drawing/2014/main" id="{A71693C7-1083-474A-B8CE-94128C83E6B9}"/>
+              </a:ext>
+            </a:extLst>
+          </p:cNvPr>
+          <p:cNvCxnSpPr/>
+          <p:nvPr/>
+        </p:nvCxnSpPr>
+        <p:spPr>
+          <a:xfrm>
+            <a:off x="3010707" y="5536262"/>
+            <a:ext cx="700221" cy="0"/>
+          </a:xfrm>
+          <a:prstGeom prst="line">
+            <a:avLst/>
+          </a:prstGeom>
+          <a:ln w="12700">
+            <a:solidFill>
+              <a:schemeClr val="tx1"/>
+            </a:solidFill>
+          </a:ln>
+        </p:spPr>
+        <p:style>
+          <a:lnRef idx="1">
+            <a:schemeClr val="accent1"/>
+          </a:lnRef>
+          <a:fillRef idx="0">
+            <a:schemeClr val="accent1"/>
+          </a:fillRef>
+          <a:effectRef idx="0">
+            <a:schemeClr val="accent1"/>
+          </a:effectRef>
+          <a:fontRef idx="minor">
+            <a:schemeClr val="tx1"/>
+          </a:fontRef>
+        </p:style>
+      </p:cxnSp>
+      <p:sp>
+        <p:nvSpPr>
+          <p:cNvPr id="22" name="TextBox 21">
+            <a:extLst>
+              <a:ext uri="{FF2B5EF4-FFF2-40B4-BE49-F238E27FC236}">
+                <a16:creationId xmlns:a16="http://schemas.microsoft.com/office/drawing/2014/main" id="{F77B3795-36E6-CB4E-8844-70C497F35641}"/>
+              </a:ext>
+            </a:extLst>
+          </p:cNvPr>
+          <p:cNvSpPr txBox="1"/>
+          <p:nvPr/>
+        </p:nvSpPr>
+        <p:spPr>
+          <a:xfrm>
+            <a:off x="1236929" y="5717315"/>
+            <a:ext cx="1656492" cy="292388"/>
+          </a:xfrm>
+          <a:prstGeom prst="rect">
+            <a:avLst/>
+          </a:prstGeom>
+          <a:noFill/>
+        </p:spPr>
+        <p:txBody>
+          <a:bodyPr wrap="square" rtlCol="0">
+            <a:spAutoFit/>
+          </a:bodyPr>
+          <a:lstStyle/>
+          <a:p>
+            <a:r>
+              <a:rPr lang="en-US" sz="1300" dirty="0">
+                <a:latin typeface="Arial" panose="020B0604020202020204" pitchFamily="34" charset="0"/>
+                <a:cs typeface="Arial" panose="020B0604020202020204" pitchFamily="34" charset="0"/>
+              </a:rPr>
+              <a:t>122/226 = 0.54</a:t>
+            </a:r>
+          </a:p>
+        </p:txBody>
+      </p:sp>
+      <p:sp>
+        <p:nvSpPr>
+          <p:cNvPr id="23" name="TextBox 22">
+            <a:extLst>
+              <a:ext uri="{FF2B5EF4-FFF2-40B4-BE49-F238E27FC236}">
+                <a16:creationId xmlns:a16="http://schemas.microsoft.com/office/drawing/2014/main" id="{FE8EA2B8-E4AF-2D46-9D86-EC07EF097A5D}"/>
+              </a:ext>
+            </a:extLst>
+          </p:cNvPr>
+          <p:cNvSpPr txBox="1"/>
+          <p:nvPr/>
+        </p:nvSpPr>
+        <p:spPr>
+          <a:xfrm>
+            <a:off x="2712309" y="5709707"/>
+            <a:ext cx="1656492" cy="292388"/>
+          </a:xfrm>
+          <a:prstGeom prst="rect">
+            <a:avLst/>
+          </a:prstGeom>
+          <a:noFill/>
+        </p:spPr>
+        <p:txBody>
+          <a:bodyPr wrap="square" rtlCol="0">
+            <a:spAutoFit/>
+          </a:bodyPr>
+          <a:lstStyle/>
+          <a:p>
+            <a:r>
+              <a:rPr lang="en-US" sz="1300" dirty="0">
+                <a:latin typeface="Arial" panose="020B0604020202020204" pitchFamily="34" charset="0"/>
+                <a:cs typeface="Arial" panose="020B0604020202020204" pitchFamily="34" charset="0"/>
+              </a:rPr>
+              <a:t>122/226 = 0.71</a:t>
+            </a:r>
+          </a:p>
+        </p:txBody>
+      </p:sp>
+      <p:sp>
+        <p:nvSpPr>
+          <p:cNvPr id="24" name="TextBox 23">
+            <a:extLst>
+              <a:ext uri="{FF2B5EF4-FFF2-40B4-BE49-F238E27FC236}">
+                <a16:creationId xmlns:a16="http://schemas.microsoft.com/office/drawing/2014/main" id="{6B8B3238-92E5-A941-AAD5-C91D0CAA5CB6}"/>
+              </a:ext>
+            </a:extLst>
+          </p:cNvPr>
+          <p:cNvSpPr txBox="1"/>
+          <p:nvPr/>
+        </p:nvSpPr>
+        <p:spPr>
+          <a:xfrm>
+            <a:off x="1076326" y="5977040"/>
+            <a:ext cx="3205162" cy="292388"/>
+          </a:xfrm>
+          <a:prstGeom prst="rect">
+            <a:avLst/>
+          </a:prstGeom>
+          <a:noFill/>
+        </p:spPr>
+        <p:txBody>
+          <a:bodyPr wrap="square" rtlCol="0">
+            <a:spAutoFit/>
+          </a:bodyPr>
+          <a:lstStyle/>
+          <a:p>
+            <a:r>
+              <a:rPr lang="en-US" sz="1300" dirty="0">
+                <a:latin typeface="Arial" panose="020B0604020202020204" pitchFamily="34" charset="0"/>
+                <a:cs typeface="Arial" panose="020B0604020202020204" pitchFamily="34" charset="0"/>
+              </a:rPr>
+              <a:t>Δ Range occupancy = 0.71-0.54 = 0.17</a:t>
+            </a:r>
+          </a:p>
+        </p:txBody>
+      </p:sp>
+      <p:sp>
+        <p:nvSpPr>
+          <p:cNvPr id="25" name="TextBox 24">
+            <a:extLst>
+              <a:ext uri="{FF2B5EF4-FFF2-40B4-BE49-F238E27FC236}">
+                <a16:creationId xmlns:a16="http://schemas.microsoft.com/office/drawing/2014/main" id="{715365A8-6018-6948-A180-157805F82625}"/>
+              </a:ext>
+            </a:extLst>
+          </p:cNvPr>
+          <p:cNvSpPr txBox="1"/>
+          <p:nvPr/>
+        </p:nvSpPr>
+        <p:spPr>
+          <a:xfrm>
+            <a:off x="8097934" y="4967544"/>
+            <a:ext cx="1705231" cy="307777"/>
+          </a:xfrm>
+          <a:prstGeom prst="rect">
+            <a:avLst/>
+          </a:prstGeom>
+          <a:noFill/>
+        </p:spPr>
+        <p:txBody>
+          <a:bodyPr wrap="square" rtlCol="0">
+            <a:spAutoFit/>
+          </a:bodyPr>
+          <a:lstStyle/>
+          <a:p>
+            <a:pPr algn="ctr"/>
+            <a:r>
+              <a:rPr lang="en-US" sz="1400" b="1" dirty="0">
+                <a:latin typeface="Arial" panose="020B0604020202020204" pitchFamily="34" charset="0"/>
+                <a:cs typeface="Arial" panose="020B0604020202020204" pitchFamily="34" charset="0"/>
+              </a:rPr>
+              <a:t>Range area</a:t>
+            </a:r>
+          </a:p>
+        </p:txBody>
+      </p:sp>
+      <p:sp>
+        <p:nvSpPr>
+          <p:cNvPr id="26" name="TextBox 25">
+            <a:extLst>
+              <a:ext uri="{FF2B5EF4-FFF2-40B4-BE49-F238E27FC236}">
+                <a16:creationId xmlns:a16="http://schemas.microsoft.com/office/drawing/2014/main" id="{B32796FE-97DE-0F40-88D9-03B8E828ABC2}"/>
+              </a:ext>
+            </a:extLst>
+          </p:cNvPr>
+          <p:cNvSpPr txBox="1"/>
+          <p:nvPr/>
+        </p:nvSpPr>
+        <p:spPr>
+          <a:xfrm>
+            <a:off x="7924706" y="5159773"/>
+            <a:ext cx="605480" cy="292388"/>
+          </a:xfrm>
+          <a:prstGeom prst="rect">
+            <a:avLst/>
+          </a:prstGeom>
+          <a:noFill/>
+        </p:spPr>
+        <p:txBody>
+          <a:bodyPr wrap="square" rtlCol="0">
+            <a:spAutoFit/>
+          </a:bodyPr>
+          <a:lstStyle/>
+          <a:p>
+            <a:r>
+              <a:rPr lang="en-US" sz="1300" dirty="0">
+                <a:latin typeface="Arial" panose="020B0604020202020204" pitchFamily="34" charset="0"/>
+                <a:cs typeface="Arial" panose="020B0604020202020204" pitchFamily="34" charset="0"/>
+              </a:rPr>
+              <a:t>Early</a:t>
+            </a:r>
+          </a:p>
+        </p:txBody>
+      </p:sp>
+      <p:sp>
+        <p:nvSpPr>
+          <p:cNvPr id="27" name="TextBox 26">
+            <a:extLst>
+              <a:ext uri="{FF2B5EF4-FFF2-40B4-BE49-F238E27FC236}">
+                <a16:creationId xmlns:a16="http://schemas.microsoft.com/office/drawing/2014/main" id="{AAB76394-E0C4-8A47-8FFC-D706D2F053C2}"/>
+              </a:ext>
+            </a:extLst>
+          </p:cNvPr>
+          <p:cNvSpPr txBox="1"/>
+          <p:nvPr/>
+        </p:nvSpPr>
+        <p:spPr>
+          <a:xfrm>
+            <a:off x="9343732" y="5159773"/>
+            <a:ext cx="605480" cy="292388"/>
+          </a:xfrm>
+          <a:prstGeom prst="rect">
+            <a:avLst/>
+          </a:prstGeom>
+          <a:noFill/>
+        </p:spPr>
+        <p:txBody>
+          <a:bodyPr wrap="square" rtlCol="0">
+            <a:spAutoFit/>
+          </a:bodyPr>
+          <a:lstStyle/>
+          <a:p>
+            <a:r>
+              <a:rPr lang="en-US" sz="1300" dirty="0">
+                <a:latin typeface="Arial" panose="020B0604020202020204" pitchFamily="34" charset="0"/>
+                <a:cs typeface="Arial" panose="020B0604020202020204" pitchFamily="34" charset="0"/>
+              </a:rPr>
+              <a:t>Late</a:t>
+            </a:r>
+          </a:p>
+        </p:txBody>
+      </p:sp>
+      <p:sp>
+        <p:nvSpPr>
+          <p:cNvPr id="28" name="TextBox 27">
+            <a:extLst>
+              <a:ext uri="{FF2B5EF4-FFF2-40B4-BE49-F238E27FC236}">
+                <a16:creationId xmlns:a16="http://schemas.microsoft.com/office/drawing/2014/main" id="{C0E3BB06-89A1-B34F-9826-B8E42FF277EA}"/>
+              </a:ext>
+            </a:extLst>
+          </p:cNvPr>
+          <p:cNvSpPr txBox="1"/>
+          <p:nvPr/>
+        </p:nvSpPr>
+        <p:spPr>
+          <a:xfrm>
+            <a:off x="7687240" y="5379553"/>
+            <a:ext cx="1656492" cy="292388"/>
+          </a:xfrm>
+          <a:prstGeom prst="rect">
+            <a:avLst/>
+          </a:prstGeom>
+          <a:noFill/>
+        </p:spPr>
+        <p:txBody>
+          <a:bodyPr wrap="square" rtlCol="0">
+            <a:spAutoFit/>
+          </a:bodyPr>
+          <a:lstStyle/>
+          <a:p>
+            <a:r>
+              <a:rPr lang="en-US" sz="1300" dirty="0">
+                <a:latin typeface="Arial" panose="020B0604020202020204" pitchFamily="34" charset="0"/>
+                <a:cs typeface="Arial" panose="020B0604020202020204" pitchFamily="34" charset="0"/>
+              </a:rPr>
+              <a:t>13.8x10</a:t>
+            </a:r>
+            <a:r>
+              <a:rPr lang="en-US" sz="1300" baseline="30000" dirty="0">
+                <a:latin typeface="Arial" panose="020B0604020202020204" pitchFamily="34" charset="0"/>
+                <a:cs typeface="Arial" panose="020B0604020202020204" pitchFamily="34" charset="0"/>
+              </a:rPr>
+              <a:t>6 </a:t>
+            </a:r>
+            <a:r>
+              <a:rPr lang="en-US" sz="1300" dirty="0">
+                <a:latin typeface="Arial" panose="020B0604020202020204" pitchFamily="34" charset="0"/>
+                <a:cs typeface="Arial" panose="020B0604020202020204" pitchFamily="34" charset="0"/>
+              </a:rPr>
+              <a:t>km</a:t>
+            </a:r>
+            <a:r>
+              <a:rPr lang="en-US" sz="1300" baseline="30000" dirty="0">
+                <a:latin typeface="Arial" panose="020B0604020202020204" pitchFamily="34" charset="0"/>
+                <a:cs typeface="Arial" panose="020B0604020202020204" pitchFamily="34" charset="0"/>
+              </a:rPr>
+              <a:t>2</a:t>
+            </a:r>
+            <a:endParaRPr lang="en-US" sz="1300" dirty="0">
+              <a:latin typeface="Arial" panose="020B0604020202020204" pitchFamily="34" charset="0"/>
+              <a:cs typeface="Arial" panose="020B0604020202020204" pitchFamily="34" charset="0"/>
+            </a:endParaRPr>
+          </a:p>
+        </p:txBody>
+      </p:sp>
+      <p:sp>
+        <p:nvSpPr>
+          <p:cNvPr id="29" name="TextBox 28">
+            <a:extLst>
+              <a:ext uri="{FF2B5EF4-FFF2-40B4-BE49-F238E27FC236}">
+                <a16:creationId xmlns:a16="http://schemas.microsoft.com/office/drawing/2014/main" id="{948746A5-16DB-6341-B109-3C3357A15718}"/>
+              </a:ext>
+            </a:extLst>
+          </p:cNvPr>
+          <p:cNvSpPr txBox="1"/>
+          <p:nvPr/>
+        </p:nvSpPr>
+        <p:spPr>
+          <a:xfrm>
+            <a:off x="8893803" y="5358695"/>
+            <a:ext cx="1656492" cy="292388"/>
+          </a:xfrm>
+          <a:prstGeom prst="rect">
+            <a:avLst/>
+          </a:prstGeom>
+          <a:noFill/>
+        </p:spPr>
+        <p:txBody>
+          <a:bodyPr wrap="square" rtlCol="0">
+            <a:spAutoFit/>
+          </a:bodyPr>
+          <a:lstStyle/>
+          <a:p>
+            <a:r>
+              <a:rPr lang="en-US" sz="1300" dirty="0">
+                <a:latin typeface="Arial" panose="020B0604020202020204" pitchFamily="34" charset="0"/>
+                <a:cs typeface="Arial" panose="020B0604020202020204" pitchFamily="34" charset="0"/>
+              </a:rPr>
+              <a:t>17.3x10</a:t>
+            </a:r>
+            <a:r>
+              <a:rPr lang="en-US" sz="1300" baseline="30000" dirty="0">
+                <a:latin typeface="Arial" panose="020B0604020202020204" pitchFamily="34" charset="0"/>
+                <a:cs typeface="Arial" panose="020B0604020202020204" pitchFamily="34" charset="0"/>
+              </a:rPr>
+              <a:t>6</a:t>
+            </a:r>
+            <a:r>
+              <a:rPr lang="en-US" sz="1300" dirty="0">
+                <a:latin typeface="Arial" panose="020B0604020202020204" pitchFamily="34" charset="0"/>
+                <a:cs typeface="Arial" panose="020B0604020202020204" pitchFamily="34" charset="0"/>
+              </a:rPr>
+              <a:t> km</a:t>
+            </a:r>
+            <a:r>
+              <a:rPr lang="en-US" sz="1300" baseline="30000" dirty="0">
+                <a:latin typeface="Arial" panose="020B0604020202020204" pitchFamily="34" charset="0"/>
+                <a:cs typeface="Arial" panose="020B0604020202020204" pitchFamily="34" charset="0"/>
+              </a:rPr>
+              <a:t>2</a:t>
+            </a:r>
+            <a:endParaRPr lang="en-US" sz="1300" dirty="0">
+              <a:latin typeface="Arial" panose="020B0604020202020204" pitchFamily="34" charset="0"/>
+              <a:cs typeface="Arial" panose="020B0604020202020204" pitchFamily="34" charset="0"/>
+            </a:endParaRPr>
+          </a:p>
+        </p:txBody>
+      </p:sp>
+      <p:sp>
+        <p:nvSpPr>
+          <p:cNvPr id="30" name="TextBox 29">
+            <a:extLst>
+              <a:ext uri="{FF2B5EF4-FFF2-40B4-BE49-F238E27FC236}">
+                <a16:creationId xmlns:a16="http://schemas.microsoft.com/office/drawing/2014/main" id="{A5DA0230-05F0-EA43-806D-83BDD2E0AAEE}"/>
+              </a:ext>
+            </a:extLst>
+          </p:cNvPr>
+          <p:cNvSpPr txBox="1"/>
+          <p:nvPr/>
+        </p:nvSpPr>
+        <p:spPr>
+          <a:xfrm>
+            <a:off x="6410371" y="5976960"/>
+            <a:ext cx="4239629" cy="292388"/>
+          </a:xfrm>
+          <a:prstGeom prst="rect">
+            <a:avLst/>
+          </a:prstGeom>
+          <a:noFill/>
+        </p:spPr>
+        <p:txBody>
+          <a:bodyPr wrap="square" rtlCol="0">
+            <a:spAutoFit/>
+          </a:bodyPr>
+          <a:lstStyle/>
+          <a:p>
+            <a:r>
+              <a:rPr lang="en-US" sz="1300" dirty="0">
+                <a:latin typeface="Arial" panose="020B0604020202020204" pitchFamily="34" charset="0"/>
+                <a:cs typeface="Arial" panose="020B0604020202020204" pitchFamily="34" charset="0"/>
+              </a:rPr>
+              <a:t>Δ Range area = (17.3x10</a:t>
+            </a:r>
+            <a:r>
+              <a:rPr lang="en-US" sz="1300" baseline="30000" dirty="0">
+                <a:latin typeface="Arial" panose="020B0604020202020204" pitchFamily="34" charset="0"/>
+                <a:cs typeface="Arial" panose="020B0604020202020204" pitchFamily="34" charset="0"/>
+              </a:rPr>
+              <a:t>6  -</a:t>
+            </a:r>
+            <a:r>
+              <a:rPr lang="en-US" sz="1300" dirty="0">
+                <a:latin typeface="Arial" panose="020B0604020202020204" pitchFamily="34" charset="0"/>
+                <a:cs typeface="Arial" panose="020B0604020202020204" pitchFamily="34" charset="0"/>
+              </a:rPr>
+              <a:t>13.8x10</a:t>
+            </a:r>
+            <a:r>
+              <a:rPr lang="en-US" sz="1300" baseline="30000" dirty="0">
+                <a:latin typeface="Arial" panose="020B0604020202020204" pitchFamily="34" charset="0"/>
+                <a:cs typeface="Arial" panose="020B0604020202020204" pitchFamily="34" charset="0"/>
+              </a:rPr>
+              <a:t>6</a:t>
+            </a:r>
+            <a:r>
+              <a:rPr lang="en-US" sz="1300" dirty="0">
+                <a:latin typeface="Arial" panose="020B0604020202020204" pitchFamily="34" charset="0"/>
+                <a:cs typeface="Arial" panose="020B0604020202020204" pitchFamily="34" charset="0"/>
+              </a:rPr>
+              <a:t>)/13.8x10</a:t>
+            </a:r>
+            <a:r>
+              <a:rPr lang="en-US" sz="1300" baseline="30000" dirty="0">
+                <a:latin typeface="Arial" panose="020B0604020202020204" pitchFamily="34" charset="0"/>
+                <a:cs typeface="Arial" panose="020B0604020202020204" pitchFamily="34" charset="0"/>
+              </a:rPr>
+              <a:t>6 </a:t>
+            </a:r>
+            <a:r>
+              <a:rPr lang="en-US" sz="1300" dirty="0">
+                <a:latin typeface="Arial" panose="020B0604020202020204" pitchFamily="34" charset="0"/>
+                <a:cs typeface="Arial" panose="020B0604020202020204" pitchFamily="34" charset="0"/>
+              </a:rPr>
+              <a:t>= 0.25</a:t>
+            </a:r>
+          </a:p>
+        </p:txBody>
+      </p:sp>
+    </p:spTree>
+    <p:extLst>
+      <p:ext uri="{BB962C8B-B14F-4D97-AF65-F5344CB8AC3E}">
+        <p14:creationId xmlns:p14="http://schemas.microsoft.com/office/powerpoint/2010/main" val="1570318092"/>
       </p:ext>
     </p:extLst>
   </p:cSld>

--- a/figures/sem_venn_figures.pptx
+++ b/figures/sem_venn_figures.pptx
@@ -204,7 +204,7 @@
           <a:p>
             <a:fld id="{3361DBBF-9048-E34E-A120-F3301ADA26C3}" type="datetimeFigureOut">
               <a:rPr lang="en-US" smtClean="0"/>
-              <a:t>2/7/22</a:t>
+              <a:t>2/10/22</a:t>
             </a:fld>
             <a:endParaRPr lang="en-US"/>
           </a:p>
@@ -879,7 +879,7 @@
           <a:p>
             <a:fld id="{CD91ABF4-99EA-9A4C-8826-87C21CFC9DF7}" type="datetimeFigureOut">
               <a:rPr lang="en-US" smtClean="0"/>
-              <a:t>2/7/22</a:t>
+              <a:t>2/10/22</a:t>
             </a:fld>
             <a:endParaRPr lang="en-US" dirty="0"/>
           </a:p>
@@ -1077,7 +1077,7 @@
           <a:p>
             <a:fld id="{CD91ABF4-99EA-9A4C-8826-87C21CFC9DF7}" type="datetimeFigureOut">
               <a:rPr lang="en-US" smtClean="0"/>
-              <a:t>2/7/22</a:t>
+              <a:t>2/10/22</a:t>
             </a:fld>
             <a:endParaRPr lang="en-US" dirty="0"/>
           </a:p>
@@ -1285,7 +1285,7 @@
           <a:p>
             <a:fld id="{CD91ABF4-99EA-9A4C-8826-87C21CFC9DF7}" type="datetimeFigureOut">
               <a:rPr lang="en-US" smtClean="0"/>
-              <a:t>2/7/22</a:t>
+              <a:t>2/10/22</a:t>
             </a:fld>
             <a:endParaRPr lang="en-US" dirty="0"/>
           </a:p>
@@ -1483,7 +1483,7 @@
           <a:p>
             <a:fld id="{CD91ABF4-99EA-9A4C-8826-87C21CFC9DF7}" type="datetimeFigureOut">
               <a:rPr lang="en-US" smtClean="0"/>
-              <a:t>2/7/22</a:t>
+              <a:t>2/10/22</a:t>
             </a:fld>
             <a:endParaRPr lang="en-US" dirty="0"/>
           </a:p>
@@ -1758,7 +1758,7 @@
           <a:p>
             <a:fld id="{CD91ABF4-99EA-9A4C-8826-87C21CFC9DF7}" type="datetimeFigureOut">
               <a:rPr lang="en-US" smtClean="0"/>
-              <a:t>2/7/22</a:t>
+              <a:t>2/10/22</a:t>
             </a:fld>
             <a:endParaRPr lang="en-US" dirty="0"/>
           </a:p>
@@ -2023,7 +2023,7 @@
           <a:p>
             <a:fld id="{CD91ABF4-99EA-9A4C-8826-87C21CFC9DF7}" type="datetimeFigureOut">
               <a:rPr lang="en-US" smtClean="0"/>
-              <a:t>2/7/22</a:t>
+              <a:t>2/10/22</a:t>
             </a:fld>
             <a:endParaRPr lang="en-US" dirty="0"/>
           </a:p>
@@ -2435,7 +2435,7 @@
           <a:p>
             <a:fld id="{CD91ABF4-99EA-9A4C-8826-87C21CFC9DF7}" type="datetimeFigureOut">
               <a:rPr lang="en-US" smtClean="0"/>
-              <a:t>2/7/22</a:t>
+              <a:t>2/10/22</a:t>
             </a:fld>
             <a:endParaRPr lang="en-US" dirty="0"/>
           </a:p>
@@ -2576,7 +2576,7 @@
           <a:p>
             <a:fld id="{CD91ABF4-99EA-9A4C-8826-87C21CFC9DF7}" type="datetimeFigureOut">
               <a:rPr lang="en-US" smtClean="0"/>
-              <a:t>2/7/22</a:t>
+              <a:t>2/10/22</a:t>
             </a:fld>
             <a:endParaRPr lang="en-US" dirty="0"/>
           </a:p>
@@ -2689,7 +2689,7 @@
           <a:p>
             <a:fld id="{CD91ABF4-99EA-9A4C-8826-87C21CFC9DF7}" type="datetimeFigureOut">
               <a:rPr lang="en-US" smtClean="0"/>
-              <a:t>2/7/22</a:t>
+              <a:t>2/10/22</a:t>
             </a:fld>
             <a:endParaRPr lang="en-US" dirty="0"/>
           </a:p>
@@ -3000,7 +3000,7 @@
           <a:p>
             <a:fld id="{CD91ABF4-99EA-9A4C-8826-87C21CFC9DF7}" type="datetimeFigureOut">
               <a:rPr lang="en-US" smtClean="0"/>
-              <a:t>2/7/22</a:t>
+              <a:t>2/10/22</a:t>
             </a:fld>
             <a:endParaRPr lang="en-US" dirty="0"/>
           </a:p>
@@ -3288,7 +3288,7 @@
           <a:p>
             <a:fld id="{CD91ABF4-99EA-9A4C-8826-87C21CFC9DF7}" type="datetimeFigureOut">
               <a:rPr lang="en-US" smtClean="0"/>
-              <a:t>2/7/22</a:t>
+              <a:t>2/10/22</a:t>
             </a:fld>
             <a:endParaRPr lang="en-US" dirty="0"/>
           </a:p>
@@ -3529,7 +3529,7 @@
           <a:p>
             <a:fld id="{CD91ABF4-99EA-9A4C-8826-87C21CFC9DF7}" type="datetimeFigureOut">
               <a:rPr lang="en-US" smtClean="0"/>
-              <a:t>2/7/22</a:t>
+              <a:t>2/10/22</a:t>
             </a:fld>
             <a:endParaRPr lang="en-US" dirty="0"/>
           </a:p>
@@ -11771,7 +11771,7 @@
                 <a:latin typeface="Arial" panose="020B0604020202020204" pitchFamily="34" charset="0"/>
                 <a:cs typeface="Arial" panose="020B0604020202020204" pitchFamily="34" charset="0"/>
               </a:rPr>
-              <a:t>122/226 = 0.71</a:t>
+              <a:t>160/226 = 0.71</a:t>
             </a:r>
           </a:p>
         </p:txBody>
@@ -12095,14 +12095,14 @@
                 <a:latin typeface="Arial" panose="020B0604020202020204" pitchFamily="34" charset="0"/>
                 <a:cs typeface="Arial" panose="020B0604020202020204" pitchFamily="34" charset="0"/>
               </a:rPr>
-              <a:t>6  -</a:t>
+              <a:t>6 </a:t>
             </a:r>
             <a:r>
               <a:rPr lang="en-US" sz="1300" dirty="0">
                 <a:latin typeface="Arial" panose="020B0604020202020204" pitchFamily="34" charset="0"/>
                 <a:cs typeface="Arial" panose="020B0604020202020204" pitchFamily="34" charset="0"/>
               </a:rPr>
-              <a:t>13.8x10</a:t>
+              <a:t>-13.8x10</a:t>
             </a:r>
             <a:r>
               <a:rPr lang="en-US" sz="1300" baseline="30000" dirty="0">

--- a/figures/sem_venn_figures.pptx
+++ b/figures/sem_venn_figures.pptx
@@ -204,7 +204,7 @@
           <a:p>
             <a:fld id="{3361DBBF-9048-E34E-A120-F3301ADA26C3}" type="datetimeFigureOut">
               <a:rPr lang="en-US" smtClean="0"/>
-              <a:t>2/10/22</a:t>
+              <a:t>2/14/22</a:t>
             </a:fld>
             <a:endParaRPr lang="en-US"/>
           </a:p>
@@ -879,7 +879,7 @@
           <a:p>
             <a:fld id="{CD91ABF4-99EA-9A4C-8826-87C21CFC9DF7}" type="datetimeFigureOut">
               <a:rPr lang="en-US" smtClean="0"/>
-              <a:t>2/10/22</a:t>
+              <a:t>2/14/22</a:t>
             </a:fld>
             <a:endParaRPr lang="en-US" dirty="0"/>
           </a:p>
@@ -1077,7 +1077,7 @@
           <a:p>
             <a:fld id="{CD91ABF4-99EA-9A4C-8826-87C21CFC9DF7}" type="datetimeFigureOut">
               <a:rPr lang="en-US" smtClean="0"/>
-              <a:t>2/10/22</a:t>
+              <a:t>2/14/22</a:t>
             </a:fld>
             <a:endParaRPr lang="en-US" dirty="0"/>
           </a:p>
@@ -1285,7 +1285,7 @@
           <a:p>
             <a:fld id="{CD91ABF4-99EA-9A4C-8826-87C21CFC9DF7}" type="datetimeFigureOut">
               <a:rPr lang="en-US" smtClean="0"/>
-              <a:t>2/10/22</a:t>
+              <a:t>2/14/22</a:t>
             </a:fld>
             <a:endParaRPr lang="en-US" dirty="0"/>
           </a:p>
@@ -1483,7 +1483,7 @@
           <a:p>
             <a:fld id="{CD91ABF4-99EA-9A4C-8826-87C21CFC9DF7}" type="datetimeFigureOut">
               <a:rPr lang="en-US" smtClean="0"/>
-              <a:t>2/10/22</a:t>
+              <a:t>2/14/22</a:t>
             </a:fld>
             <a:endParaRPr lang="en-US" dirty="0"/>
           </a:p>
@@ -1758,7 +1758,7 @@
           <a:p>
             <a:fld id="{CD91ABF4-99EA-9A4C-8826-87C21CFC9DF7}" type="datetimeFigureOut">
               <a:rPr lang="en-US" smtClean="0"/>
-              <a:t>2/10/22</a:t>
+              <a:t>2/14/22</a:t>
             </a:fld>
             <a:endParaRPr lang="en-US" dirty="0"/>
           </a:p>
@@ -2023,7 +2023,7 @@
           <a:p>
             <a:fld id="{CD91ABF4-99EA-9A4C-8826-87C21CFC9DF7}" type="datetimeFigureOut">
               <a:rPr lang="en-US" smtClean="0"/>
-              <a:t>2/10/22</a:t>
+              <a:t>2/14/22</a:t>
             </a:fld>
             <a:endParaRPr lang="en-US" dirty="0"/>
           </a:p>
@@ -2435,7 +2435,7 @@
           <a:p>
             <a:fld id="{CD91ABF4-99EA-9A4C-8826-87C21CFC9DF7}" type="datetimeFigureOut">
               <a:rPr lang="en-US" smtClean="0"/>
-              <a:t>2/10/22</a:t>
+              <a:t>2/14/22</a:t>
             </a:fld>
             <a:endParaRPr lang="en-US" dirty="0"/>
           </a:p>
@@ -2576,7 +2576,7 @@
           <a:p>
             <a:fld id="{CD91ABF4-99EA-9A4C-8826-87C21CFC9DF7}" type="datetimeFigureOut">
               <a:rPr lang="en-US" smtClean="0"/>
-              <a:t>2/10/22</a:t>
+              <a:t>2/14/22</a:t>
             </a:fld>
             <a:endParaRPr lang="en-US" dirty="0"/>
           </a:p>
@@ -2689,7 +2689,7 @@
           <a:p>
             <a:fld id="{CD91ABF4-99EA-9A4C-8826-87C21CFC9DF7}" type="datetimeFigureOut">
               <a:rPr lang="en-US" smtClean="0"/>
-              <a:t>2/10/22</a:t>
+              <a:t>2/14/22</a:t>
             </a:fld>
             <a:endParaRPr lang="en-US" dirty="0"/>
           </a:p>
@@ -3000,7 +3000,7 @@
           <a:p>
             <a:fld id="{CD91ABF4-99EA-9A4C-8826-87C21CFC9DF7}" type="datetimeFigureOut">
               <a:rPr lang="en-US" smtClean="0"/>
-              <a:t>2/10/22</a:t>
+              <a:t>2/14/22</a:t>
             </a:fld>
             <a:endParaRPr lang="en-US" dirty="0"/>
           </a:p>
@@ -3288,7 +3288,7 @@
           <a:p>
             <a:fld id="{CD91ABF4-99EA-9A4C-8826-87C21CFC9DF7}" type="datetimeFigureOut">
               <a:rPr lang="en-US" smtClean="0"/>
-              <a:t>2/10/22</a:t>
+              <a:t>2/14/22</a:t>
             </a:fld>
             <a:endParaRPr lang="en-US" dirty="0"/>
           </a:p>
@@ -3529,7 +3529,7 @@
           <a:p>
             <a:fld id="{CD91ABF4-99EA-9A4C-8826-87C21CFC9DF7}" type="datetimeFigureOut">
               <a:rPr lang="en-US" smtClean="0"/>
-              <a:t>2/10/22</a:t>
+              <a:t>2/14/22</a:t>
             </a:fld>
             <a:endParaRPr lang="en-US" dirty="0"/>
           </a:p>
@@ -4813,7 +4813,7 @@
         </p:nvSpPr>
         <p:spPr>
           <a:xfrm>
-            <a:off x="6057241" y="2948820"/>
+            <a:off x="6070493" y="2948820"/>
             <a:ext cx="982109" cy="369332"/>
           </a:xfrm>
           <a:prstGeom prst="rect">
@@ -4837,7 +4837,7 @@
                 <a:latin typeface="Arial" panose="020B0604020202020204" pitchFamily="34" charset="0"/>
                 <a:cs typeface="Arial" panose="020B0604020202020204" pitchFamily="34" charset="0"/>
               </a:rPr>
-              <a:t>0.391**</a:t>
+              <a:t>0.477*</a:t>
             </a:r>
           </a:p>
         </p:txBody>
@@ -4880,7 +4880,7 @@
                 <a:latin typeface="Arial" panose="020B0604020202020204" pitchFamily="34" charset="0"/>
                 <a:cs typeface="Arial" panose="020B0604020202020204" pitchFamily="34" charset="0"/>
               </a:rPr>
-              <a:t>0.237***</a:t>
+              <a:t>0.247*</a:t>
             </a:r>
           </a:p>
         </p:txBody>
@@ -5041,7 +5041,7 @@
                 <a:latin typeface="Arial" panose="020B0604020202020204" pitchFamily="34" charset="0"/>
                 <a:cs typeface="Arial" panose="020B0604020202020204" pitchFamily="34" charset="0"/>
               </a:rPr>
-              <a:t>= 0.13</a:t>
+              <a:t>= 0.16</a:t>
             </a:r>
           </a:p>
         </p:txBody>
@@ -5148,7 +5148,7 @@
                 <a:latin typeface="Arial" panose="020B0604020202020204" pitchFamily="34" charset="0"/>
                 <a:cs typeface="Arial" panose="020B0604020202020204" pitchFamily="34" charset="0"/>
               </a:rPr>
-              <a:t>-0.161</a:t>
+              <a:t>-0.090</a:t>
             </a:r>
           </a:p>
         </p:txBody>
@@ -5340,7 +5340,7 @@
                 <a:latin typeface="Arial" panose="020B0604020202020204" pitchFamily="34" charset="0"/>
                 <a:cs typeface="Arial" panose="020B0604020202020204" pitchFamily="34" charset="0"/>
               </a:rPr>
-              <a:t>-0.646</a:t>
+              <a:t>-0.900</a:t>
             </a:r>
           </a:p>
         </p:txBody>
@@ -5388,7 +5388,7 @@
                 <a:latin typeface="Arial" panose="020B0604020202020204" pitchFamily="34" charset="0"/>
                 <a:cs typeface="Arial" panose="020B0604020202020204" pitchFamily="34" charset="0"/>
               </a:rPr>
-              <a:t>-0.039</a:t>
+              <a:t>-0.040</a:t>
             </a:r>
           </a:p>
         </p:txBody>
@@ -6319,7 +6319,7 @@
                 <a:latin typeface="Arial" panose="020B0604020202020204" pitchFamily="34" charset="0"/>
                 <a:cs typeface="Arial" panose="020B0604020202020204" pitchFamily="34" charset="0"/>
               </a:rPr>
-              <a:t>0.039**</a:t>
+              <a:t>0.040**</a:t>
             </a:r>
           </a:p>
         </p:txBody>
@@ -6362,7 +6362,7 @@
                 <a:latin typeface="Arial" panose="020B0604020202020204" pitchFamily="34" charset="0"/>
                 <a:cs typeface="Arial" panose="020B0604020202020204" pitchFamily="34" charset="0"/>
               </a:rPr>
-              <a:t>0.407**</a:t>
+              <a:t>0.489**</a:t>
             </a:r>
           </a:p>
         </p:txBody>
@@ -6405,7 +6405,7 @@
                 <a:latin typeface="Arial" panose="020B0604020202020204" pitchFamily="34" charset="0"/>
                 <a:cs typeface="Arial" panose="020B0604020202020204" pitchFamily="34" charset="0"/>
               </a:rPr>
-              <a:t>0.229**</a:t>
+              <a:t>0.209*</a:t>
             </a:r>
           </a:p>
         </p:txBody>
@@ -6566,7 +6566,7 @@
                 <a:latin typeface="Arial" panose="020B0604020202020204" pitchFamily="34" charset="0"/>
                 <a:cs typeface="Arial" panose="020B0604020202020204" pitchFamily="34" charset="0"/>
               </a:rPr>
-              <a:t>= 0.14</a:t>
+              <a:t>= 0.15</a:t>
             </a:r>
           </a:p>
         </p:txBody>
@@ -6673,7 +6673,7 @@
                 <a:latin typeface="Arial" panose="020B0604020202020204" pitchFamily="34" charset="0"/>
                 <a:cs typeface="Arial" panose="020B0604020202020204" pitchFamily="34" charset="0"/>
               </a:rPr>
-              <a:t>-0.133</a:t>
+              <a:t>-0.016</a:t>
             </a:r>
           </a:p>
         </p:txBody>
@@ -6769,7 +6769,7 @@
                 <a:latin typeface="Arial" panose="020B0604020202020204" pitchFamily="34" charset="0"/>
                 <a:cs typeface="Arial" panose="020B0604020202020204" pitchFamily="34" charset="0"/>
               </a:rPr>
-              <a:t>0.002</a:t>
+              <a:t>0.004</a:t>
             </a:r>
           </a:p>
         </p:txBody>
@@ -6865,7 +6865,7 @@
                 <a:latin typeface="Arial" panose="020B0604020202020204" pitchFamily="34" charset="0"/>
                 <a:cs typeface="Arial" panose="020B0604020202020204" pitchFamily="34" charset="0"/>
               </a:rPr>
-              <a:t>-0.779</a:t>
+              <a:t>-0.925</a:t>
             </a:r>
           </a:p>
         </p:txBody>
@@ -7930,7 +7930,7 @@
                 <a:latin typeface="Arial" panose="020B0604020202020204" pitchFamily="34" charset="0"/>
                 <a:cs typeface="Arial" panose="020B0604020202020204" pitchFamily="34" charset="0"/>
               </a:rPr>
-              <a:t>0.307*</a:t>
+              <a:t>0.339**</a:t>
             </a:r>
           </a:p>
         </p:txBody>
@@ -7973,7 +7973,7 @@
                 <a:latin typeface="Arial" panose="020B0604020202020204" pitchFamily="34" charset="0"/>
                 <a:cs typeface="Arial" panose="020B0604020202020204" pitchFamily="34" charset="0"/>
               </a:rPr>
-              <a:t>0.243***</a:t>
+              <a:t>0.248***</a:t>
             </a:r>
           </a:p>
         </p:txBody>
@@ -8134,7 +8134,7 @@
                 <a:latin typeface="Arial" panose="020B0604020202020204" pitchFamily="34" charset="0"/>
                 <a:cs typeface="Arial" panose="020B0604020202020204" pitchFamily="34" charset="0"/>
               </a:rPr>
-              <a:t>= 0.11</a:t>
+              <a:t>= 0.13</a:t>
             </a:r>
           </a:p>
         </p:txBody>
@@ -8241,7 +8241,7 @@
                 <a:latin typeface="Arial" panose="020B0604020202020204" pitchFamily="34" charset="0"/>
                 <a:cs typeface="Arial" panose="020B0604020202020204" pitchFamily="34" charset="0"/>
               </a:rPr>
-              <a:t>-0.034</a:t>
+              <a:t>-0.085</a:t>
             </a:r>
           </a:p>
         </p:txBody>
@@ -8433,7 +8433,7 @@
                 <a:latin typeface="Arial" panose="020B0604020202020204" pitchFamily="34" charset="0"/>
                 <a:cs typeface="Arial" panose="020B0604020202020204" pitchFamily="34" charset="0"/>
               </a:rPr>
-              <a:t>-1.03</a:t>
+              <a:t>-0.34</a:t>
             </a:r>
           </a:p>
         </p:txBody>
@@ -8924,7 +8924,7 @@
                 <a:latin typeface="Arial" panose="020B0604020202020204" pitchFamily="34" charset="0"/>
                 <a:cs typeface="Arial" panose="020B0604020202020204" pitchFamily="34" charset="0"/>
               </a:rPr>
-              <a:t>0.002</a:t>
+              <a:t>-0.010</a:t>
             </a:r>
           </a:p>
         </p:txBody>
@@ -8962,7 +8962,7 @@
                 <a:latin typeface="Arial" panose="020B0604020202020204" pitchFamily="34" charset="0"/>
                 <a:cs typeface="Arial" panose="020B0604020202020204" pitchFamily="34" charset="0"/>
               </a:rPr>
-              <a:t>0.009</a:t>
+              <a:t>0.010</a:t>
             </a:r>
           </a:p>
         </p:txBody>
@@ -9000,7 +9000,7 @@
                 <a:latin typeface="Arial" panose="020B0604020202020204" pitchFamily="34" charset="0"/>
                 <a:cs typeface="Arial" panose="020B0604020202020204" pitchFamily="34" charset="0"/>
               </a:rPr>
-              <a:t>0.001</a:t>
+              <a:t>-0.001</a:t>
             </a:r>
           </a:p>
         </p:txBody>
@@ -9137,7 +9137,7 @@
                 <a:latin typeface="Arial" panose="020B0604020202020204" pitchFamily="34" charset="0"/>
                 <a:cs typeface="Arial" panose="020B0604020202020204" pitchFamily="34" charset="0"/>
               </a:rPr>
-              <a:t>    0.001</a:t>
+              <a:t>    0.003</a:t>
             </a:r>
           </a:p>
         </p:txBody>
@@ -9175,7 +9175,7 @@
                 <a:latin typeface="Arial" panose="020B0604020202020204" pitchFamily="34" charset="0"/>
                 <a:cs typeface="Arial" panose="020B0604020202020204" pitchFamily="34" charset="0"/>
               </a:rPr>
-              <a:t>    -0.002</a:t>
+              <a:t>    -0.001</a:t>
             </a:r>
           </a:p>
         </p:txBody>
@@ -9213,7 +9213,7 @@
                 <a:latin typeface="Arial" panose="020B0604020202020204" pitchFamily="34" charset="0"/>
                 <a:cs typeface="Arial" panose="020B0604020202020204" pitchFamily="34" charset="0"/>
               </a:rPr>
-              <a:t>   -0.004</a:t>
+              <a:t>   -0.002</a:t>
             </a:r>
           </a:p>
         </p:txBody>
@@ -9251,7 +9251,7 @@
                 <a:latin typeface="Arial" panose="020B0604020202020204" pitchFamily="34" charset="0"/>
                 <a:cs typeface="Arial" panose="020B0604020202020204" pitchFamily="34" charset="0"/>
               </a:rPr>
-              <a:t>    -0.010</a:t>
+              <a:t>    -0.012</a:t>
             </a:r>
           </a:p>
         </p:txBody>
@@ -9603,7 +9603,7 @@
                 <a:latin typeface="Arial" panose="020B0604020202020204" pitchFamily="34" charset="0"/>
                 <a:cs typeface="Arial" panose="020B0604020202020204" pitchFamily="34" charset="0"/>
               </a:rPr>
-              <a:t>0.080</a:t>
+              <a:t>0.046</a:t>
             </a:r>
           </a:p>
         </p:txBody>
@@ -9641,7 +9641,7 @@
                 <a:latin typeface="Arial" panose="020B0604020202020204" pitchFamily="34" charset="0"/>
                 <a:cs typeface="Arial" panose="020B0604020202020204" pitchFamily="34" charset="0"/>
               </a:rPr>
-              <a:t>0.013</a:t>
+              <a:t>0.005</a:t>
             </a:r>
           </a:p>
         </p:txBody>
@@ -9679,7 +9679,7 @@
                 <a:latin typeface="Arial" panose="020B0604020202020204" pitchFamily="34" charset="0"/>
                 <a:cs typeface="Arial" panose="020B0604020202020204" pitchFamily="34" charset="0"/>
               </a:rPr>
-              <a:t>0.014</a:t>
+              <a:t>-0.002</a:t>
             </a:r>
           </a:p>
         </p:txBody>
@@ -9717,7 +9717,7 @@
                 <a:latin typeface="Arial" panose="020B0604020202020204" pitchFamily="34" charset="0"/>
                 <a:cs typeface="Arial" panose="020B0604020202020204" pitchFamily="34" charset="0"/>
               </a:rPr>
-              <a:t>0.051</a:t>
+              <a:t>0.026</a:t>
             </a:r>
           </a:p>
         </p:txBody>
@@ -9769,7 +9769,7 @@
                 <a:latin typeface="Arial" panose="020B0604020202020204" pitchFamily="34" charset="0"/>
                 <a:cs typeface="Arial" panose="020B0604020202020204" pitchFamily="34" charset="0"/>
               </a:rPr>
-              <a:t> = 0.14</a:t>
+              <a:t> = 0.10</a:t>
             </a:r>
           </a:p>
         </p:txBody>
@@ -9854,7 +9854,7 @@
                 <a:latin typeface="Arial" panose="020B0604020202020204" pitchFamily="34" charset="0"/>
                 <a:cs typeface="Arial" panose="020B0604020202020204" pitchFamily="34" charset="0"/>
               </a:rPr>
-              <a:t>-0.006</a:t>
+              <a:t>-0.008</a:t>
             </a:r>
           </a:p>
         </p:txBody>
@@ -9892,7 +9892,7 @@
                 <a:latin typeface="Arial" panose="020B0604020202020204" pitchFamily="34" charset="0"/>
                 <a:cs typeface="Arial" panose="020B0604020202020204" pitchFamily="34" charset="0"/>
               </a:rPr>
-              <a:t>-0.006</a:t>
+              <a:t>-0.001</a:t>
             </a:r>
           </a:p>
         </p:txBody>
@@ -9930,7 +9930,7 @@
                 <a:latin typeface="Arial" panose="020B0604020202020204" pitchFamily="34" charset="0"/>
                 <a:cs typeface="Arial" panose="020B0604020202020204" pitchFamily="34" charset="0"/>
               </a:rPr>
-              <a:t>-0.007</a:t>
+              <a:t>-0.002</a:t>
             </a:r>
           </a:p>
         </p:txBody>
@@ -10035,8 +10035,8 @@
         </p:nvSpPr>
         <p:spPr>
           <a:xfrm>
-            <a:off x="4820636" y="1691793"/>
-            <a:ext cx="3239935" cy="3237807"/>
+            <a:off x="4813888" y="1775688"/>
+            <a:ext cx="2825868" cy="2835859"/>
           </a:xfrm>
           <a:prstGeom prst="ellipse">
             <a:avLst/>
@@ -10282,7 +10282,7 @@
                 <a:latin typeface="Arial" panose="020B0604020202020204" pitchFamily="34" charset="0"/>
                 <a:cs typeface="Arial" panose="020B0604020202020204" pitchFamily="34" charset="0"/>
               </a:rPr>
-              <a:t>0.043</a:t>
+              <a:t>0.034</a:t>
             </a:r>
           </a:p>
         </p:txBody>
@@ -10320,7 +10320,7 @@
                 <a:latin typeface="Arial" panose="020B0604020202020204" pitchFamily="34" charset="0"/>
                 <a:cs typeface="Arial" panose="020B0604020202020204" pitchFamily="34" charset="0"/>
               </a:rPr>
-              <a:t>0.030</a:t>
+              <a:t>0.033</a:t>
             </a:r>
           </a:p>
         </p:txBody>
@@ -10358,7 +10358,7 @@
                 <a:latin typeface="Arial" panose="020B0604020202020204" pitchFamily="34" charset="0"/>
                 <a:cs typeface="Arial" panose="020B0604020202020204" pitchFamily="34" charset="0"/>
               </a:rPr>
-              <a:t>-0.0001</a:t>
+              <a:t>-0.011</a:t>
             </a:r>
           </a:p>
         </p:txBody>
@@ -10410,7 +10410,7 @@
                 <a:latin typeface="Arial" panose="020B0604020202020204" pitchFamily="34" charset="0"/>
                 <a:cs typeface="Arial" panose="020B0604020202020204" pitchFamily="34" charset="0"/>
               </a:rPr>
-              <a:t> = 0.06</a:t>
+              <a:t> = 0.09</a:t>
             </a:r>
           </a:p>
         </p:txBody>
@@ -10495,7 +10495,7 @@
                 <a:latin typeface="Arial" panose="020B0604020202020204" pitchFamily="34" charset="0"/>
                 <a:cs typeface="Arial" panose="020B0604020202020204" pitchFamily="34" charset="0"/>
               </a:rPr>
-              <a:t>0.003</a:t>
+              <a:t>0.001</a:t>
             </a:r>
           </a:p>
         </p:txBody>
@@ -10533,7 +10533,7 @@
                 <a:latin typeface="Arial" panose="020B0604020202020204" pitchFamily="34" charset="0"/>
                 <a:cs typeface="Arial" panose="020B0604020202020204" pitchFamily="34" charset="0"/>
               </a:rPr>
-              <a:t>-0.004</a:t>
+              <a:t>0.003</a:t>
             </a:r>
           </a:p>
         </p:txBody>
@@ -10571,7 +10571,7 @@
                 <a:latin typeface="Arial" panose="020B0604020202020204" pitchFamily="34" charset="0"/>
                 <a:cs typeface="Arial" panose="020B0604020202020204" pitchFamily="34" charset="0"/>
               </a:rPr>
-              <a:t>-0.007</a:t>
+              <a:t>0.004</a:t>
             </a:r>
           </a:p>
         </p:txBody>
@@ -10609,7 +10609,7 @@
                 <a:latin typeface="Arial" panose="020B0604020202020204" pitchFamily="34" charset="0"/>
                 <a:cs typeface="Arial" panose="020B0604020202020204" pitchFamily="34" charset="0"/>
               </a:rPr>
-              <a:t>-0.007</a:t>
+              <a:t>-0.006</a:t>
             </a:r>
           </a:p>
         </p:txBody>
@@ -10732,10 +10732,10 @@
       </p:cxnSp>
       <p:pic>
         <p:nvPicPr>
-          <p:cNvPr id="4" name="Picture 3" descr="Diagram, venn diagram&#10;&#10;Description automatically generated">
-            <a:extLst>
-              <a:ext uri="{FF2B5EF4-FFF2-40B4-BE49-F238E27FC236}">
-                <a16:creationId xmlns:a16="http://schemas.microsoft.com/office/drawing/2014/main" id="{E8A96F3E-3011-3D4D-8F5D-DA501A9A2E35}"/>
+          <p:cNvPr id="3" name="Picture 2" descr="Diagram, venn diagram&#10;&#10;Description automatically generated">
+            <a:extLst>
+              <a:ext uri="{FF2B5EF4-FFF2-40B4-BE49-F238E27FC236}">
+                <a16:creationId xmlns:a16="http://schemas.microsoft.com/office/drawing/2014/main" id="{686A2AE3-6E91-444B-87F0-BB6AE75C75BA}"/>
               </a:ext>
             </a:extLst>
           </p:cNvPr>
@@ -10752,8 +10752,8 @@
         </p:blipFill>
         <p:spPr>
           <a:xfrm>
-            <a:off x="5684937" y="305232"/>
-            <a:ext cx="3366147" cy="3032434"/>
+            <a:off x="1497946" y="0"/>
+            <a:ext cx="3860464" cy="3298942"/>
           </a:xfrm>
           <a:prstGeom prst="rect">
             <a:avLst/>
@@ -10762,10 +10762,10 @@
       </p:pic>
       <p:pic>
         <p:nvPicPr>
-          <p:cNvPr id="7" name="Picture 6" descr="Diagram, venn diagram&#10;&#10;Description automatically generated">
-            <a:extLst>
-              <a:ext uri="{FF2B5EF4-FFF2-40B4-BE49-F238E27FC236}">
-                <a16:creationId xmlns:a16="http://schemas.microsoft.com/office/drawing/2014/main" id="{5F115469-36B5-A747-B737-441CE7A7433D}"/>
+          <p:cNvPr id="6" name="Picture 5" descr="Diagram, venn diagram&#10;&#10;Description automatically generated">
+            <a:extLst>
+              <a:ext uri="{FF2B5EF4-FFF2-40B4-BE49-F238E27FC236}">
+                <a16:creationId xmlns:a16="http://schemas.microsoft.com/office/drawing/2014/main" id="{3FC4FCF2-7792-914B-AFE0-9C0126116CAA}"/>
               </a:ext>
             </a:extLst>
           </p:cNvPr>
@@ -10782,8 +10782,8 @@
         </p:blipFill>
         <p:spPr>
           <a:xfrm>
-            <a:off x="1459469" y="311160"/>
-            <a:ext cx="3384375" cy="3048855"/>
+            <a:off x="5486400" y="7"/>
+            <a:ext cx="3909383" cy="3340745"/>
           </a:xfrm>
           <a:prstGeom prst="rect">
             <a:avLst/>
@@ -10792,10 +10792,10 @@
       </p:pic>
       <p:pic>
         <p:nvPicPr>
-          <p:cNvPr id="11" name="Picture 10" descr="Diagram, venn diagram&#10;&#10;Description automatically generated">
-            <a:extLst>
-              <a:ext uri="{FF2B5EF4-FFF2-40B4-BE49-F238E27FC236}">
-                <a16:creationId xmlns:a16="http://schemas.microsoft.com/office/drawing/2014/main" id="{775775FB-2621-D247-A7F9-FD5B34E29904}"/>
+          <p:cNvPr id="14" name="Picture 13" descr="Diagram, venn diagram&#10;&#10;Description automatically generated">
+            <a:extLst>
+              <a:ext uri="{FF2B5EF4-FFF2-40B4-BE49-F238E27FC236}">
+                <a16:creationId xmlns:a16="http://schemas.microsoft.com/office/drawing/2014/main" id="{308E7928-6DCF-6C4B-BBA0-CC492670E22C}"/>
               </a:ext>
             </a:extLst>
           </p:cNvPr>
@@ -10812,8 +10812,8 @@
         </p:blipFill>
         <p:spPr>
           <a:xfrm>
-            <a:off x="3872853" y="3437904"/>
-            <a:ext cx="3269352" cy="2945236"/>
+            <a:off x="3428178" y="3437904"/>
+            <a:ext cx="3909370" cy="3340734"/>
           </a:xfrm>
           <a:prstGeom prst="rect">
             <a:avLst/>

--- a/figures/sem_venn_figures.pptx
+++ b/figures/sem_venn_figures.pptx
@@ -204,7 +204,7 @@
           <a:p>
             <a:fld id="{3361DBBF-9048-E34E-A120-F3301ADA26C3}" type="datetimeFigureOut">
               <a:rPr lang="en-US" smtClean="0"/>
-              <a:t>2/14/22</a:t>
+              <a:t>4/9/22</a:t>
             </a:fld>
             <a:endParaRPr lang="en-US"/>
           </a:p>
@@ -879,7 +879,7 @@
           <a:p>
             <a:fld id="{CD91ABF4-99EA-9A4C-8826-87C21CFC9DF7}" type="datetimeFigureOut">
               <a:rPr lang="en-US" smtClean="0"/>
-              <a:t>2/14/22</a:t>
+              <a:t>4/9/22</a:t>
             </a:fld>
             <a:endParaRPr lang="en-US" dirty="0"/>
           </a:p>
@@ -1077,7 +1077,7 @@
           <a:p>
             <a:fld id="{CD91ABF4-99EA-9A4C-8826-87C21CFC9DF7}" type="datetimeFigureOut">
               <a:rPr lang="en-US" smtClean="0"/>
-              <a:t>2/14/22</a:t>
+              <a:t>4/9/22</a:t>
             </a:fld>
             <a:endParaRPr lang="en-US" dirty="0"/>
           </a:p>
@@ -1285,7 +1285,7 @@
           <a:p>
             <a:fld id="{CD91ABF4-99EA-9A4C-8826-87C21CFC9DF7}" type="datetimeFigureOut">
               <a:rPr lang="en-US" smtClean="0"/>
-              <a:t>2/14/22</a:t>
+              <a:t>4/9/22</a:t>
             </a:fld>
             <a:endParaRPr lang="en-US" dirty="0"/>
           </a:p>
@@ -1483,7 +1483,7 @@
           <a:p>
             <a:fld id="{CD91ABF4-99EA-9A4C-8826-87C21CFC9DF7}" type="datetimeFigureOut">
               <a:rPr lang="en-US" smtClean="0"/>
-              <a:t>2/14/22</a:t>
+              <a:t>4/9/22</a:t>
             </a:fld>
             <a:endParaRPr lang="en-US" dirty="0"/>
           </a:p>
@@ -1758,7 +1758,7 @@
           <a:p>
             <a:fld id="{CD91ABF4-99EA-9A4C-8826-87C21CFC9DF7}" type="datetimeFigureOut">
               <a:rPr lang="en-US" smtClean="0"/>
-              <a:t>2/14/22</a:t>
+              <a:t>4/9/22</a:t>
             </a:fld>
             <a:endParaRPr lang="en-US" dirty="0"/>
           </a:p>
@@ -2023,7 +2023,7 @@
           <a:p>
             <a:fld id="{CD91ABF4-99EA-9A4C-8826-87C21CFC9DF7}" type="datetimeFigureOut">
               <a:rPr lang="en-US" smtClean="0"/>
-              <a:t>2/14/22</a:t>
+              <a:t>4/9/22</a:t>
             </a:fld>
             <a:endParaRPr lang="en-US" dirty="0"/>
           </a:p>
@@ -2435,7 +2435,7 @@
           <a:p>
             <a:fld id="{CD91ABF4-99EA-9A4C-8826-87C21CFC9DF7}" type="datetimeFigureOut">
               <a:rPr lang="en-US" smtClean="0"/>
-              <a:t>2/14/22</a:t>
+              <a:t>4/9/22</a:t>
             </a:fld>
             <a:endParaRPr lang="en-US" dirty="0"/>
           </a:p>
@@ -2576,7 +2576,7 @@
           <a:p>
             <a:fld id="{CD91ABF4-99EA-9A4C-8826-87C21CFC9DF7}" type="datetimeFigureOut">
               <a:rPr lang="en-US" smtClean="0"/>
-              <a:t>2/14/22</a:t>
+              <a:t>4/9/22</a:t>
             </a:fld>
             <a:endParaRPr lang="en-US" dirty="0"/>
           </a:p>
@@ -2689,7 +2689,7 @@
           <a:p>
             <a:fld id="{CD91ABF4-99EA-9A4C-8826-87C21CFC9DF7}" type="datetimeFigureOut">
               <a:rPr lang="en-US" smtClean="0"/>
-              <a:t>2/14/22</a:t>
+              <a:t>4/9/22</a:t>
             </a:fld>
             <a:endParaRPr lang="en-US" dirty="0"/>
           </a:p>
@@ -3000,7 +3000,7 @@
           <a:p>
             <a:fld id="{CD91ABF4-99EA-9A4C-8826-87C21CFC9DF7}" type="datetimeFigureOut">
               <a:rPr lang="en-US" smtClean="0"/>
-              <a:t>2/14/22</a:t>
+              <a:t>4/9/22</a:t>
             </a:fld>
             <a:endParaRPr lang="en-US" dirty="0"/>
           </a:p>
@@ -3288,7 +3288,7 @@
           <a:p>
             <a:fld id="{CD91ABF4-99EA-9A4C-8826-87C21CFC9DF7}" type="datetimeFigureOut">
               <a:rPr lang="en-US" smtClean="0"/>
-              <a:t>2/14/22</a:t>
+              <a:t>4/9/22</a:t>
             </a:fld>
             <a:endParaRPr lang="en-US" dirty="0"/>
           </a:p>
@@ -3529,7 +3529,7 @@
           <a:p>
             <a:fld id="{CD91ABF4-99EA-9A4C-8826-87C21CFC9DF7}" type="datetimeFigureOut">
               <a:rPr lang="en-US" smtClean="0"/>
-              <a:t>2/14/22</a:t>
+              <a:t>4/9/22</a:t>
             </a:fld>
             <a:endParaRPr lang="en-US" dirty="0"/>
           </a:p>
@@ -4258,11 +4258,13 @@
           <a:prstGeom prst="straightConnector1">
             <a:avLst/>
           </a:prstGeom>
-          <a:ln w="38100">
+          <a:ln w="28575">
             <a:solidFill>
-              <a:schemeClr val="tx1"/>
+              <a:schemeClr val="bg2">
+                <a:lumMod val="50000"/>
+              </a:schemeClr>
             </a:solidFill>
-            <a:prstDash val="solid"/>
+            <a:prstDash val="dash"/>
             <a:tailEnd type="triangle" w="lg" len="lg"/>
           </a:ln>
         </p:spPr>
@@ -4732,13 +4734,11 @@
               <a:gd name="adj1" fmla="val 6225000"/>
             </a:avLst>
           </a:prstGeom>
-          <a:ln w="28575">
+          <a:ln w="38100">
             <a:solidFill>
-              <a:schemeClr val="bg2">
-                <a:lumMod val="50000"/>
-              </a:schemeClr>
+              <a:schemeClr val="tx1"/>
             </a:solidFill>
-            <a:prstDash val="dash"/>
+            <a:prstDash val="solid"/>
             <a:headEnd w="lg" len="lg"/>
             <a:tailEnd type="triangle" w="lg" len="lg"/>
           </a:ln>
@@ -4772,7 +4772,7 @@
         </p:nvSpPr>
         <p:spPr>
           <a:xfrm>
-            <a:off x="1987018" y="3080146"/>
+            <a:off x="2167771" y="3093603"/>
             <a:ext cx="946560" cy="369332"/>
           </a:xfrm>
           <a:prstGeom prst="rect">
@@ -4791,10 +4791,15 @@
           <a:p>
             <a:r>
               <a:rPr lang="en-US" dirty="0">
-                <a:latin typeface="Arial" panose="020B0604020202020204" pitchFamily="34" charset="0"/>
-                <a:cs typeface="Arial" panose="020B0604020202020204" pitchFamily="34" charset="0"/>
-              </a:rPr>
-              <a:t>0.040**</a:t>
+                <a:solidFill>
+                  <a:schemeClr val="bg2">
+                    <a:lumMod val="50000"/>
+                  </a:schemeClr>
+                </a:solidFill>
+                <a:latin typeface="Arial" panose="020B0604020202020204" pitchFamily="34" charset="0"/>
+                <a:cs typeface="Arial" panose="020B0604020202020204" pitchFamily="34" charset="0"/>
+              </a:rPr>
+              <a:t>0.036</a:t>
             </a:r>
           </a:p>
         </p:txBody>
@@ -4837,7 +4842,7 @@
                 <a:latin typeface="Arial" panose="020B0604020202020204" pitchFamily="34" charset="0"/>
                 <a:cs typeface="Arial" panose="020B0604020202020204" pitchFamily="34" charset="0"/>
               </a:rPr>
-              <a:t>0.477*</a:t>
+              <a:t>0.370*</a:t>
             </a:r>
           </a:p>
         </p:txBody>
@@ -4880,7 +4885,7 @@
                 <a:latin typeface="Arial" panose="020B0604020202020204" pitchFamily="34" charset="0"/>
                 <a:cs typeface="Arial" panose="020B0604020202020204" pitchFamily="34" charset="0"/>
               </a:rPr>
-              <a:t>0.247*</a:t>
+              <a:t>0.396***</a:t>
             </a:r>
           </a:p>
         </p:txBody>
@@ -4923,7 +4928,7 @@
                 <a:latin typeface="Arial" panose="020B0604020202020204" pitchFamily="34" charset="0"/>
                 <a:cs typeface="Arial" panose="020B0604020202020204" pitchFamily="34" charset="0"/>
               </a:rPr>
-              <a:t>-2.279**</a:t>
+              <a:t>-3.66***</a:t>
             </a:r>
           </a:p>
         </p:txBody>
@@ -4982,7 +4987,7 @@
                 <a:latin typeface="Arial" panose="020B0604020202020204" pitchFamily="34" charset="0"/>
                 <a:cs typeface="Arial" panose="020B0604020202020204" pitchFamily="34" charset="0"/>
               </a:rPr>
-              <a:t>= 0.10</a:t>
+              <a:t>= 0.36</a:t>
             </a:r>
           </a:p>
         </p:txBody>
@@ -5041,7 +5046,7 @@
                 <a:latin typeface="Arial" panose="020B0604020202020204" pitchFamily="34" charset="0"/>
                 <a:cs typeface="Arial" panose="020B0604020202020204" pitchFamily="34" charset="0"/>
               </a:rPr>
-              <a:t>= 0.16</a:t>
+              <a:t>= 0.23</a:t>
             </a:r>
           </a:p>
         </p:txBody>
@@ -5100,7 +5105,7 @@
                 <a:latin typeface="Arial" panose="020B0604020202020204" pitchFamily="34" charset="0"/>
                 <a:cs typeface="Arial" panose="020B0604020202020204" pitchFamily="34" charset="0"/>
               </a:rPr>
-              <a:t>= 0.10</a:t>
+              <a:t>= 0.19</a:t>
             </a:r>
           </a:p>
         </p:txBody>
@@ -5148,7 +5153,7 @@
                 <a:latin typeface="Arial" panose="020B0604020202020204" pitchFamily="34" charset="0"/>
                 <a:cs typeface="Arial" panose="020B0604020202020204" pitchFamily="34" charset="0"/>
               </a:rPr>
-              <a:t>-0.090</a:t>
+              <a:t>0.149</a:t>
             </a:r>
           </a:p>
         </p:txBody>
@@ -5196,7 +5201,7 @@
                 <a:latin typeface="Arial" panose="020B0604020202020204" pitchFamily="34" charset="0"/>
                 <a:cs typeface="Arial" panose="020B0604020202020204" pitchFamily="34" charset="0"/>
               </a:rPr>
-              <a:t>0.486</a:t>
+              <a:t>0.470</a:t>
             </a:r>
           </a:p>
         </p:txBody>
@@ -5216,7 +5221,7 @@
         <p:spPr>
           <a:xfrm>
             <a:off x="5032538" y="3992468"/>
-            <a:ext cx="771792" cy="369332"/>
+            <a:ext cx="837112" cy="369332"/>
           </a:xfrm>
           <a:prstGeom prst="rect">
             <a:avLst/>
@@ -5244,7 +5249,7 @@
                 <a:latin typeface="Arial" panose="020B0604020202020204" pitchFamily="34" charset="0"/>
                 <a:cs typeface="Arial" panose="020B0604020202020204" pitchFamily="34" charset="0"/>
               </a:rPr>
-              <a:t>0.003</a:t>
+              <a:t>-0.014</a:t>
             </a:r>
           </a:p>
         </p:txBody>
@@ -5292,7 +5297,7 @@
                 <a:latin typeface="Arial" panose="020B0604020202020204" pitchFamily="34" charset="0"/>
                 <a:cs typeface="Arial" panose="020B0604020202020204" pitchFamily="34" charset="0"/>
               </a:rPr>
-              <a:t>0.067</a:t>
+              <a:t>0.041</a:t>
             </a:r>
           </a:p>
         </p:txBody>
@@ -5340,7 +5345,7 @@
                 <a:latin typeface="Arial" panose="020B0604020202020204" pitchFamily="34" charset="0"/>
                 <a:cs typeface="Arial" panose="020B0604020202020204" pitchFamily="34" charset="0"/>
               </a:rPr>
-              <a:t>-0.900</a:t>
+              <a:t>0.872</a:t>
             </a:r>
           </a:p>
         </p:txBody>
@@ -5388,7 +5393,7 @@
                 <a:latin typeface="Arial" panose="020B0604020202020204" pitchFamily="34" charset="0"/>
                 <a:cs typeface="Arial" panose="020B0604020202020204" pitchFamily="34" charset="0"/>
               </a:rPr>
-              <a:t>-0.040</a:t>
+              <a:t>0.098</a:t>
             </a:r>
           </a:p>
         </p:txBody>
@@ -5407,8 +5412,8 @@
         </p:nvSpPr>
         <p:spPr>
           <a:xfrm>
-            <a:off x="3544828" y="1189662"/>
-            <a:ext cx="770968" cy="369332"/>
+            <a:off x="3607812" y="958313"/>
+            <a:ext cx="1098850" cy="369332"/>
           </a:xfrm>
           <a:prstGeom prst="rect">
             <a:avLst/>
@@ -5428,15 +5433,10 @@
           <a:p>
             <a:r>
               <a:rPr lang="en-US" dirty="0">
-                <a:solidFill>
-                  <a:schemeClr val="bg2">
-                    <a:lumMod val="50000"/>
-                  </a:schemeClr>
-                </a:solidFill>
-                <a:latin typeface="Arial" panose="020B0604020202020204" pitchFamily="34" charset="0"/>
-                <a:cs typeface="Arial" panose="020B0604020202020204" pitchFamily="34" charset="0"/>
-              </a:rPr>
-              <a:t>0.008</a:t>
+                <a:latin typeface="Arial" panose="020B0604020202020204" pitchFamily="34" charset="0"/>
+                <a:cs typeface="Arial" panose="020B0604020202020204" pitchFamily="34" charset="0"/>
+              </a:rPr>
+              <a:t>0.037***</a:t>
             </a:r>
           </a:p>
         </p:txBody>
@@ -5783,11 +5783,13 @@
           <a:prstGeom prst="straightConnector1">
             <a:avLst/>
           </a:prstGeom>
-          <a:ln w="38100">
+          <a:ln w="28575">
             <a:solidFill>
-              <a:schemeClr val="tx1"/>
+              <a:schemeClr val="bg2">
+                <a:lumMod val="50000"/>
+              </a:schemeClr>
             </a:solidFill>
-            <a:prstDash val="solid"/>
+            <a:prstDash val="dash"/>
             <a:tailEnd type="triangle" w="lg" len="lg"/>
           </a:ln>
         </p:spPr>
@@ -5877,6 +5879,52 @@
           <a:prstGeom prst="straightConnector1">
             <a:avLst/>
           </a:prstGeom>
+          <a:ln w="38100">
+            <a:solidFill>
+              <a:schemeClr val="tx1"/>
+            </a:solidFill>
+            <a:prstDash val="solid"/>
+            <a:tailEnd type="triangle" w="lg" len="lg"/>
+          </a:ln>
+        </p:spPr>
+        <p:style>
+          <a:lnRef idx="1">
+            <a:schemeClr val="accent1"/>
+          </a:lnRef>
+          <a:fillRef idx="0">
+            <a:schemeClr val="accent1"/>
+          </a:fillRef>
+          <a:effectRef idx="0">
+            <a:schemeClr val="accent1"/>
+          </a:effectRef>
+          <a:fontRef idx="minor">
+            <a:schemeClr val="tx1"/>
+          </a:fontRef>
+        </p:style>
+      </p:cxnSp>
+      <p:cxnSp>
+        <p:nvCxnSpPr>
+          <p:cNvPr id="23" name="Straight Arrow Connector 22">
+            <a:extLst>
+              <a:ext uri="{FF2B5EF4-FFF2-40B4-BE49-F238E27FC236}">
+                <a16:creationId xmlns:a16="http://schemas.microsoft.com/office/drawing/2014/main" id="{B09799FA-F7A4-074D-97C1-C7E639CB1DC8}"/>
+              </a:ext>
+            </a:extLst>
+          </p:cNvPr>
+          <p:cNvCxnSpPr>
+            <a:cxnSpLocks/>
+            <a:stCxn id="4" idx="0"/>
+          </p:cNvCxnSpPr>
+          <p:nvPr/>
+        </p:nvCxnSpPr>
+        <p:spPr>
+          <a:xfrm flipV="1">
+            <a:off x="3018274" y="2313020"/>
+            <a:ext cx="2851376" cy="2343957"/>
+          </a:xfrm>
+          <a:prstGeom prst="straightConnector1">
+            <a:avLst/>
+          </a:prstGeom>
           <a:ln w="28575">
             <a:solidFill>
               <a:schemeClr val="bg2">
@@ -5904,23 +5952,69 @@
       </p:cxnSp>
       <p:cxnSp>
         <p:nvCxnSpPr>
-          <p:cNvPr id="23" name="Straight Arrow Connector 22">
-            <a:extLst>
-              <a:ext uri="{FF2B5EF4-FFF2-40B4-BE49-F238E27FC236}">
-                <a16:creationId xmlns:a16="http://schemas.microsoft.com/office/drawing/2014/main" id="{B09799FA-F7A4-074D-97C1-C7E639CB1DC8}"/>
+          <p:cNvPr id="24" name="Straight Arrow Connector 23">
+            <a:extLst>
+              <a:ext uri="{FF2B5EF4-FFF2-40B4-BE49-F238E27FC236}">
+                <a16:creationId xmlns:a16="http://schemas.microsoft.com/office/drawing/2014/main" id="{972A6FB1-BF8C-F441-94FF-7D009FE0A18E}"/>
               </a:ext>
             </a:extLst>
           </p:cNvPr>
           <p:cNvCxnSpPr>
             <a:cxnSpLocks/>
-            <a:stCxn id="4" idx="0"/>
           </p:cNvCxnSpPr>
           <p:nvPr/>
         </p:nvCxnSpPr>
         <p:spPr>
           <a:xfrm flipV="1">
-            <a:off x="3018274" y="2313020"/>
-            <a:ext cx="2851376" cy="2343957"/>
+            <a:off x="6027650" y="2285384"/>
+            <a:ext cx="14062" cy="2343580"/>
+          </a:xfrm>
+          <a:prstGeom prst="straightConnector1">
+            <a:avLst/>
+          </a:prstGeom>
+          <a:ln w="38100">
+            <a:solidFill>
+              <a:schemeClr val="tx1"/>
+            </a:solidFill>
+            <a:prstDash val="solid"/>
+            <a:headEnd w="lg" len="lg"/>
+            <a:tailEnd type="triangle" w="lg" len="lg"/>
+          </a:ln>
+        </p:spPr>
+        <p:style>
+          <a:lnRef idx="1">
+            <a:schemeClr val="accent1"/>
+          </a:lnRef>
+          <a:fillRef idx="0">
+            <a:schemeClr val="accent1"/>
+          </a:fillRef>
+          <a:effectRef idx="0">
+            <a:schemeClr val="accent1"/>
+          </a:effectRef>
+          <a:fontRef idx="minor">
+            <a:schemeClr val="tx1"/>
+          </a:fontRef>
+        </p:style>
+      </p:cxnSp>
+      <p:cxnSp>
+        <p:nvCxnSpPr>
+          <p:cNvPr id="25" name="Straight Arrow Connector 24">
+            <a:extLst>
+              <a:ext uri="{FF2B5EF4-FFF2-40B4-BE49-F238E27FC236}">
+                <a16:creationId xmlns:a16="http://schemas.microsoft.com/office/drawing/2014/main" id="{45A391B6-D398-C84A-A9F8-7C99294FDE76}"/>
+              </a:ext>
+            </a:extLst>
+          </p:cNvPr>
+          <p:cNvCxnSpPr>
+            <a:cxnSpLocks/>
+            <a:stCxn id="6" idx="0"/>
+          </p:cNvCxnSpPr>
+          <p:nvPr/>
+        </p:nvCxnSpPr>
+        <p:spPr>
+          <a:xfrm flipH="1" flipV="1">
+            <a:off x="6155641" y="2297469"/>
+            <a:ext cx="2783417" cy="2345783"/>
           </a:xfrm>
           <a:prstGeom prst="straightConnector1">
             <a:avLst/>
@@ -5952,69 +6046,23 @@
       </p:cxnSp>
       <p:cxnSp>
         <p:nvCxnSpPr>
-          <p:cNvPr id="24" name="Straight Arrow Connector 23">
-            <a:extLst>
-              <a:ext uri="{FF2B5EF4-FFF2-40B4-BE49-F238E27FC236}">
-                <a16:creationId xmlns:a16="http://schemas.microsoft.com/office/drawing/2014/main" id="{972A6FB1-BF8C-F441-94FF-7D009FE0A18E}"/>
+          <p:cNvPr id="33" name="Straight Arrow Connector 32">
+            <a:extLst>
+              <a:ext uri="{FF2B5EF4-FFF2-40B4-BE49-F238E27FC236}">
+                <a16:creationId xmlns:a16="http://schemas.microsoft.com/office/drawing/2014/main" id="{F3C7C845-1D72-394E-9DE1-542D0FCD9A35}"/>
               </a:ext>
             </a:extLst>
           </p:cNvPr>
           <p:cNvCxnSpPr>
             <a:cxnSpLocks/>
+            <a:endCxn id="9" idx="2"/>
           </p:cNvCxnSpPr>
           <p:nvPr/>
         </p:nvCxnSpPr>
         <p:spPr>
           <a:xfrm flipV="1">
-            <a:off x="6027650" y="2285384"/>
-            <a:ext cx="14062" cy="2343580"/>
-          </a:xfrm>
-          <a:prstGeom prst="straightConnector1">
-            <a:avLst/>
-          </a:prstGeom>
-          <a:ln w="38100">
-            <a:solidFill>
-              <a:schemeClr val="tx1"/>
-            </a:solidFill>
-            <a:prstDash val="solid"/>
-            <a:headEnd w="lg" len="lg"/>
-            <a:tailEnd type="triangle" w="lg" len="lg"/>
-          </a:ln>
-        </p:spPr>
-        <p:style>
-          <a:lnRef idx="1">
-            <a:schemeClr val="accent1"/>
-          </a:lnRef>
-          <a:fillRef idx="0">
-            <a:schemeClr val="accent1"/>
-          </a:fillRef>
-          <a:effectRef idx="0">
-            <a:schemeClr val="accent1"/>
-          </a:effectRef>
-          <a:fontRef idx="minor">
-            <a:schemeClr val="tx1"/>
-          </a:fontRef>
-        </p:style>
-      </p:cxnSp>
-      <p:cxnSp>
-        <p:nvCxnSpPr>
-          <p:cNvPr id="25" name="Straight Arrow Connector 24">
-            <a:extLst>
-              <a:ext uri="{FF2B5EF4-FFF2-40B4-BE49-F238E27FC236}">
-                <a16:creationId xmlns:a16="http://schemas.microsoft.com/office/drawing/2014/main" id="{45A391B6-D398-C84A-A9F8-7C99294FDE76}"/>
-              </a:ext>
-            </a:extLst>
-          </p:cNvPr>
-          <p:cNvCxnSpPr>
-            <a:cxnSpLocks/>
-            <a:stCxn id="6" idx="0"/>
-          </p:cNvCxnSpPr>
-          <p:nvPr/>
-        </p:nvCxnSpPr>
-        <p:spPr>
-          <a:xfrm flipH="1" flipV="1">
-            <a:off x="6155641" y="2297469"/>
-            <a:ext cx="2783417" cy="2345783"/>
+            <a:off x="6096000" y="2268893"/>
+            <a:ext cx="2868789" cy="2374362"/>
           </a:xfrm>
           <a:prstGeom prst="straightConnector1">
             <a:avLst/>
@@ -6046,23 +6094,68 @@
       </p:cxnSp>
       <p:cxnSp>
         <p:nvCxnSpPr>
-          <p:cNvPr id="33" name="Straight Arrow Connector 32">
-            <a:extLst>
-              <a:ext uri="{FF2B5EF4-FFF2-40B4-BE49-F238E27FC236}">
-                <a16:creationId xmlns:a16="http://schemas.microsoft.com/office/drawing/2014/main" id="{F3C7C845-1D72-394E-9DE1-542D0FCD9A35}"/>
+          <p:cNvPr id="34" name="Straight Arrow Connector 33">
+            <a:extLst>
+              <a:ext uri="{FF2B5EF4-FFF2-40B4-BE49-F238E27FC236}">
+                <a16:creationId xmlns:a16="http://schemas.microsoft.com/office/drawing/2014/main" id="{DF0A842C-1866-5841-80CD-7B279AE72F53}"/>
               </a:ext>
             </a:extLst>
           </p:cNvPr>
           <p:cNvCxnSpPr>
             <a:cxnSpLocks/>
-            <a:endCxn id="9" idx="2"/>
           </p:cNvCxnSpPr>
           <p:nvPr/>
         </p:nvCxnSpPr>
         <p:spPr>
           <a:xfrm flipV="1">
-            <a:off x="6096000" y="2268893"/>
-            <a:ext cx="2868789" cy="2374362"/>
+            <a:off x="9070921" y="2269993"/>
+            <a:ext cx="37408" cy="2358971"/>
+          </a:xfrm>
+          <a:prstGeom prst="straightConnector1">
+            <a:avLst/>
+          </a:prstGeom>
+          <a:ln w="38100">
+            <a:solidFill>
+              <a:schemeClr val="tx1"/>
+            </a:solidFill>
+            <a:prstDash val="solid"/>
+            <a:headEnd w="lg" len="lg"/>
+            <a:tailEnd type="triangle" w="lg" len="lg"/>
+          </a:ln>
+        </p:spPr>
+        <p:style>
+          <a:lnRef idx="1">
+            <a:schemeClr val="accent1"/>
+          </a:lnRef>
+          <a:fillRef idx="0">
+            <a:schemeClr val="accent1"/>
+          </a:fillRef>
+          <a:effectRef idx="0">
+            <a:schemeClr val="accent1"/>
+          </a:effectRef>
+          <a:fontRef idx="minor">
+            <a:schemeClr val="tx1"/>
+          </a:fontRef>
+        </p:style>
+      </p:cxnSp>
+      <p:cxnSp>
+        <p:nvCxnSpPr>
+          <p:cNvPr id="35" name="Straight Arrow Connector 34">
+            <a:extLst>
+              <a:ext uri="{FF2B5EF4-FFF2-40B4-BE49-F238E27FC236}">
+                <a16:creationId xmlns:a16="http://schemas.microsoft.com/office/drawing/2014/main" id="{C54E97C6-5A60-374B-80FC-3BE7443DC76F}"/>
+              </a:ext>
+            </a:extLst>
+          </p:cNvPr>
+          <p:cNvCxnSpPr>
+            <a:cxnSpLocks/>
+          </p:cNvCxnSpPr>
+          <p:nvPr/>
+        </p:nvCxnSpPr>
+        <p:spPr>
+          <a:xfrm flipV="1">
+            <a:off x="3012345" y="2299670"/>
+            <a:ext cx="5769952" cy="2343581"/>
           </a:xfrm>
           <a:prstGeom prst="straightConnector1">
             <a:avLst/>
@@ -6094,99 +6187,6 @@
       </p:cxnSp>
       <p:cxnSp>
         <p:nvCxnSpPr>
-          <p:cNvPr id="34" name="Straight Arrow Connector 33">
-            <a:extLst>
-              <a:ext uri="{FF2B5EF4-FFF2-40B4-BE49-F238E27FC236}">
-                <a16:creationId xmlns:a16="http://schemas.microsoft.com/office/drawing/2014/main" id="{DF0A842C-1866-5841-80CD-7B279AE72F53}"/>
-              </a:ext>
-            </a:extLst>
-          </p:cNvPr>
-          <p:cNvCxnSpPr>
-            <a:cxnSpLocks/>
-          </p:cNvCxnSpPr>
-          <p:nvPr/>
-        </p:nvCxnSpPr>
-        <p:spPr>
-          <a:xfrm flipV="1">
-            <a:off x="9070921" y="2269993"/>
-            <a:ext cx="37408" cy="2358971"/>
-          </a:xfrm>
-          <a:prstGeom prst="straightConnector1">
-            <a:avLst/>
-          </a:prstGeom>
-          <a:ln w="38100">
-            <a:solidFill>
-              <a:schemeClr val="tx1"/>
-            </a:solidFill>
-            <a:prstDash val="solid"/>
-            <a:headEnd w="lg" len="lg"/>
-            <a:tailEnd type="triangle" w="lg" len="lg"/>
-          </a:ln>
-        </p:spPr>
-        <p:style>
-          <a:lnRef idx="1">
-            <a:schemeClr val="accent1"/>
-          </a:lnRef>
-          <a:fillRef idx="0">
-            <a:schemeClr val="accent1"/>
-          </a:fillRef>
-          <a:effectRef idx="0">
-            <a:schemeClr val="accent1"/>
-          </a:effectRef>
-          <a:fontRef idx="minor">
-            <a:schemeClr val="tx1"/>
-          </a:fontRef>
-        </p:style>
-      </p:cxnSp>
-      <p:cxnSp>
-        <p:nvCxnSpPr>
-          <p:cNvPr id="35" name="Straight Arrow Connector 34">
-            <a:extLst>
-              <a:ext uri="{FF2B5EF4-FFF2-40B4-BE49-F238E27FC236}">
-                <a16:creationId xmlns:a16="http://schemas.microsoft.com/office/drawing/2014/main" id="{C54E97C6-5A60-374B-80FC-3BE7443DC76F}"/>
-              </a:ext>
-            </a:extLst>
-          </p:cNvPr>
-          <p:cNvCxnSpPr>
-            <a:cxnSpLocks/>
-          </p:cNvCxnSpPr>
-          <p:nvPr/>
-        </p:nvCxnSpPr>
-        <p:spPr>
-          <a:xfrm flipV="1">
-            <a:off x="3012345" y="2299670"/>
-            <a:ext cx="5769952" cy="2343581"/>
-          </a:xfrm>
-          <a:prstGeom prst="straightConnector1">
-            <a:avLst/>
-          </a:prstGeom>
-          <a:ln w="28575">
-            <a:solidFill>
-              <a:schemeClr val="bg2">
-                <a:lumMod val="50000"/>
-              </a:schemeClr>
-            </a:solidFill>
-            <a:prstDash val="dash"/>
-            <a:tailEnd type="triangle" w="lg" len="lg"/>
-          </a:ln>
-        </p:spPr>
-        <p:style>
-          <a:lnRef idx="1">
-            <a:schemeClr val="accent1"/>
-          </a:lnRef>
-          <a:fillRef idx="0">
-            <a:schemeClr val="accent1"/>
-          </a:fillRef>
-          <a:effectRef idx="0">
-            <a:schemeClr val="accent1"/>
-          </a:effectRef>
-          <a:fontRef idx="minor">
-            <a:schemeClr val="tx1"/>
-          </a:fontRef>
-        </p:style>
-      </p:cxnSp>
-      <p:cxnSp>
-        <p:nvCxnSpPr>
           <p:cNvPr id="53" name="Elbow Connector 52">
             <a:extLst>
               <a:ext uri="{FF2B5EF4-FFF2-40B4-BE49-F238E27FC236}">
@@ -6208,53 +6208,6 @@
           <a:prstGeom prst="bentConnector3">
             <a:avLst>
               <a:gd name="adj1" fmla="val 3375000"/>
-            </a:avLst>
-          </a:prstGeom>
-          <a:ln w="38100">
-            <a:solidFill>
-              <a:schemeClr val="tx1"/>
-            </a:solidFill>
-            <a:headEnd w="lg" len="lg"/>
-            <a:tailEnd type="triangle" w="lg" len="lg"/>
-          </a:ln>
-        </p:spPr>
-        <p:style>
-          <a:lnRef idx="1">
-            <a:schemeClr val="accent1"/>
-          </a:lnRef>
-          <a:fillRef idx="0">
-            <a:schemeClr val="accent1"/>
-          </a:fillRef>
-          <a:effectRef idx="0">
-            <a:schemeClr val="accent1"/>
-          </a:effectRef>
-          <a:fontRef idx="minor">
-            <a:schemeClr val="tx1"/>
-          </a:fontRef>
-        </p:style>
-      </p:cxnSp>
-      <p:cxnSp>
-        <p:nvCxnSpPr>
-          <p:cNvPr id="57" name="Elbow Connector 56">
-            <a:extLst>
-              <a:ext uri="{FF2B5EF4-FFF2-40B4-BE49-F238E27FC236}">
-                <a16:creationId xmlns:a16="http://schemas.microsoft.com/office/drawing/2014/main" id="{16E261F6-9F61-B444-B2A1-75894B79FF07}"/>
-              </a:ext>
-            </a:extLst>
-          </p:cNvPr>
-          <p:cNvCxnSpPr>
-            <a:cxnSpLocks/>
-          </p:cNvCxnSpPr>
-          <p:nvPr/>
-        </p:nvCxnSpPr>
-        <p:spPr>
-          <a:xfrm rot="16200000" flipV="1">
-            <a:off x="5892749" y="-813961"/>
-            <a:ext cx="9144" cy="5486400"/>
-          </a:xfrm>
-          <a:prstGeom prst="bentConnector3">
-            <a:avLst>
-              <a:gd name="adj1" fmla="val 6225000"/>
             </a:avLst>
           </a:prstGeom>
           <a:ln w="28575">
@@ -6283,6 +6236,54 @@
           </a:fontRef>
         </p:style>
       </p:cxnSp>
+      <p:cxnSp>
+        <p:nvCxnSpPr>
+          <p:cNvPr id="57" name="Elbow Connector 56">
+            <a:extLst>
+              <a:ext uri="{FF2B5EF4-FFF2-40B4-BE49-F238E27FC236}">
+                <a16:creationId xmlns:a16="http://schemas.microsoft.com/office/drawing/2014/main" id="{16E261F6-9F61-B444-B2A1-75894B79FF07}"/>
+              </a:ext>
+            </a:extLst>
+          </p:cNvPr>
+          <p:cNvCxnSpPr>
+            <a:cxnSpLocks/>
+          </p:cNvCxnSpPr>
+          <p:nvPr/>
+        </p:nvCxnSpPr>
+        <p:spPr>
+          <a:xfrm rot="16200000" flipV="1">
+            <a:off x="5892749" y="-813961"/>
+            <a:ext cx="9144" cy="5486400"/>
+          </a:xfrm>
+          <a:prstGeom prst="bentConnector3">
+            <a:avLst>
+              <a:gd name="adj1" fmla="val 6225000"/>
+            </a:avLst>
+          </a:prstGeom>
+          <a:ln w="38100">
+            <a:solidFill>
+              <a:schemeClr val="tx1"/>
+            </a:solidFill>
+            <a:prstDash val="solid"/>
+            <a:headEnd w="lg" len="lg"/>
+            <a:tailEnd type="triangle" w="lg" len="lg"/>
+          </a:ln>
+        </p:spPr>
+        <p:style>
+          <a:lnRef idx="1">
+            <a:schemeClr val="accent1"/>
+          </a:lnRef>
+          <a:fillRef idx="0">
+            <a:schemeClr val="accent1"/>
+          </a:fillRef>
+          <a:effectRef idx="0">
+            <a:schemeClr val="accent1"/>
+          </a:effectRef>
+          <a:fontRef idx="minor">
+            <a:schemeClr val="tx1"/>
+          </a:fontRef>
+        </p:style>
+      </p:cxnSp>
       <p:sp>
         <p:nvSpPr>
           <p:cNvPr id="61" name="TextBox 60">
@@ -6297,8 +6298,8 @@
         </p:nvSpPr>
         <p:spPr>
           <a:xfrm>
-            <a:off x="1987018" y="3080146"/>
-            <a:ext cx="946560" cy="369332"/>
+            <a:off x="2147438" y="3080146"/>
+            <a:ext cx="797242" cy="369332"/>
           </a:xfrm>
           <a:prstGeom prst="rect">
             <a:avLst/>
@@ -6316,10 +6317,15 @@
           <a:p>
             <a:r>
               <a:rPr lang="en-US" dirty="0">
-                <a:latin typeface="Arial" panose="020B0604020202020204" pitchFamily="34" charset="0"/>
-                <a:cs typeface="Arial" panose="020B0604020202020204" pitchFamily="34" charset="0"/>
-              </a:rPr>
-              <a:t>0.040**</a:t>
+                <a:solidFill>
+                  <a:schemeClr val="bg2">
+                    <a:lumMod val="50000"/>
+                  </a:schemeClr>
+                </a:solidFill>
+                <a:latin typeface="Arial" panose="020B0604020202020204" pitchFamily="34" charset="0"/>
+                <a:cs typeface="Arial" panose="020B0604020202020204" pitchFamily="34" charset="0"/>
+              </a:rPr>
+              <a:t>0.001</a:t>
             </a:r>
           </a:p>
         </p:txBody>
@@ -6338,8 +6344,8 @@
         </p:nvSpPr>
         <p:spPr>
           <a:xfrm>
-            <a:off x="6057241" y="2948820"/>
-            <a:ext cx="982109" cy="369332"/>
+            <a:off x="6102670" y="2776738"/>
+            <a:ext cx="1228621" cy="369332"/>
           </a:xfrm>
           <a:prstGeom prst="rect">
             <a:avLst/>
@@ -6362,7 +6368,7 @@
                 <a:latin typeface="Arial" panose="020B0604020202020204" pitchFamily="34" charset="0"/>
                 <a:cs typeface="Arial" panose="020B0604020202020204" pitchFamily="34" charset="0"/>
               </a:rPr>
-              <a:t>0.489**</a:t>
+              <a:t>1.126***</a:t>
             </a:r>
           </a:p>
         </p:txBody>
@@ -6402,10 +6408,15 @@
           <a:p>
             <a:r>
               <a:rPr lang="en-US" dirty="0">
-                <a:latin typeface="Arial" panose="020B0604020202020204" pitchFamily="34" charset="0"/>
-                <a:cs typeface="Arial" panose="020B0604020202020204" pitchFamily="34" charset="0"/>
-              </a:rPr>
-              <a:t>0.209*</a:t>
+                <a:solidFill>
+                  <a:schemeClr val="bg2">
+                    <a:lumMod val="50000"/>
+                  </a:schemeClr>
+                </a:solidFill>
+                <a:latin typeface="Arial" panose="020B0604020202020204" pitchFamily="34" charset="0"/>
+                <a:cs typeface="Arial" panose="020B0604020202020204" pitchFamily="34" charset="0"/>
+              </a:rPr>
+              <a:t>-0.031</a:t>
             </a:r>
           </a:p>
         </p:txBody>
@@ -6424,8 +6435,8 @@
         </p:nvSpPr>
         <p:spPr>
           <a:xfrm>
-            <a:off x="9147088" y="3080146"/>
-            <a:ext cx="1020486" cy="369332"/>
+            <a:off x="9147087" y="3080146"/>
+            <a:ext cx="1142999" cy="369332"/>
           </a:xfrm>
           <a:prstGeom prst="rect">
             <a:avLst/>
@@ -6448,7 +6459,7 @@
                 <a:latin typeface="Arial" panose="020B0604020202020204" pitchFamily="34" charset="0"/>
                 <a:cs typeface="Arial" panose="020B0604020202020204" pitchFamily="34" charset="0"/>
               </a:rPr>
-              <a:t>-2.279**</a:t>
+              <a:t>-4.268***</a:t>
             </a:r>
           </a:p>
         </p:txBody>
@@ -6507,7 +6518,7 @@
                 <a:latin typeface="Arial" panose="020B0604020202020204" pitchFamily="34" charset="0"/>
                 <a:cs typeface="Arial" panose="020B0604020202020204" pitchFamily="34" charset="0"/>
               </a:rPr>
-              <a:t>= 0.09</a:t>
+              <a:t>= 0.39</a:t>
             </a:r>
           </a:p>
         </p:txBody>
@@ -6566,7 +6577,7 @@
                 <a:latin typeface="Arial" panose="020B0604020202020204" pitchFamily="34" charset="0"/>
                 <a:cs typeface="Arial" panose="020B0604020202020204" pitchFamily="34" charset="0"/>
               </a:rPr>
-              <a:t>= 0.15</a:t>
+              <a:t>= 0.34</a:t>
             </a:r>
           </a:p>
         </p:txBody>
@@ -6625,7 +6636,7 @@
                 <a:latin typeface="Arial" panose="020B0604020202020204" pitchFamily="34" charset="0"/>
                 <a:cs typeface="Arial" panose="020B0604020202020204" pitchFamily="34" charset="0"/>
               </a:rPr>
-              <a:t>= 0.10</a:t>
+              <a:t>= 0.23</a:t>
             </a:r>
           </a:p>
         </p:txBody>
@@ -6673,7 +6684,7 @@
                 <a:latin typeface="Arial" panose="020B0604020202020204" pitchFamily="34" charset="0"/>
                 <a:cs typeface="Arial" panose="020B0604020202020204" pitchFamily="34" charset="0"/>
               </a:rPr>
-              <a:t>-0.016</a:t>
+              <a:t>-0.206</a:t>
             </a:r>
           </a:p>
         </p:txBody>
@@ -6721,7 +6732,7 @@
                 <a:latin typeface="Arial" panose="020B0604020202020204" pitchFamily="34" charset="0"/>
                 <a:cs typeface="Arial" panose="020B0604020202020204" pitchFamily="34" charset="0"/>
               </a:rPr>
-              <a:t>0.486</a:t>
+              <a:t>0.435</a:t>
             </a:r>
           </a:p>
         </p:txBody>
@@ -6740,8 +6751,8 @@
         </p:nvSpPr>
         <p:spPr>
           <a:xfrm>
-            <a:off x="5032538" y="3992468"/>
-            <a:ext cx="771792" cy="369332"/>
+            <a:off x="5032537" y="3992468"/>
+            <a:ext cx="842349" cy="369332"/>
           </a:xfrm>
           <a:prstGeom prst="rect">
             <a:avLst/>
@@ -6769,7 +6780,7 @@
                 <a:latin typeface="Arial" panose="020B0604020202020204" pitchFamily="34" charset="0"/>
                 <a:cs typeface="Arial" panose="020B0604020202020204" pitchFamily="34" charset="0"/>
               </a:rPr>
-              <a:t>0.004</a:t>
+              <a:t>-0.030</a:t>
             </a:r>
           </a:p>
         </p:txBody>
@@ -6817,7 +6828,7 @@
                 <a:latin typeface="Arial" panose="020B0604020202020204" pitchFamily="34" charset="0"/>
                 <a:cs typeface="Arial" panose="020B0604020202020204" pitchFamily="34" charset="0"/>
               </a:rPr>
-              <a:t>0.067</a:t>
+              <a:t>0.295</a:t>
             </a:r>
           </a:p>
         </p:txBody>
@@ -6865,7 +6876,7 @@
                 <a:latin typeface="Arial" panose="020B0604020202020204" pitchFamily="34" charset="0"/>
                 <a:cs typeface="Arial" panose="020B0604020202020204" pitchFamily="34" charset="0"/>
               </a:rPr>
-              <a:t>-0.925</a:t>
+              <a:t>2.047</a:t>
             </a:r>
           </a:p>
         </p:txBody>
@@ -6884,8 +6895,49 @@
         </p:nvSpPr>
         <p:spPr>
           <a:xfrm>
-            <a:off x="7385911" y="4060653"/>
-            <a:ext cx="835114" cy="369332"/>
+            <a:off x="4043548" y="2342304"/>
+            <a:ext cx="1012630" cy="369332"/>
+          </a:xfrm>
+          <a:prstGeom prst="rect">
+            <a:avLst/>
+          </a:prstGeom>
+          <a:noFill/>
+          <a:ln>
+            <a:noFill/>
+          </a:ln>
+        </p:spPr>
+        <p:txBody>
+          <a:bodyPr wrap="square" rtlCol="0">
+            <a:spAutoFit/>
+          </a:bodyPr>
+          <a:lstStyle/>
+          <a:p>
+            <a:r>
+              <a:rPr lang="en-US" dirty="0">
+                <a:latin typeface="Arial" panose="020B0604020202020204" pitchFamily="34" charset="0"/>
+                <a:cs typeface="Arial" panose="020B0604020202020204" pitchFamily="34" charset="0"/>
+              </a:rPr>
+              <a:t>0.142*</a:t>
+            </a:r>
+          </a:p>
+        </p:txBody>
+      </p:sp>
+      <p:sp>
+        <p:nvSpPr>
+          <p:cNvPr id="74" name="TextBox 73">
+            <a:extLst>
+              <a:ext uri="{FF2B5EF4-FFF2-40B4-BE49-F238E27FC236}">
+                <a16:creationId xmlns:a16="http://schemas.microsoft.com/office/drawing/2014/main" id="{75474E52-9598-164F-AE5B-29344C178A13}"/>
+              </a:ext>
+            </a:extLst>
+          </p:cNvPr>
+          <p:cNvSpPr txBox="1"/>
+          <p:nvPr/>
+        </p:nvSpPr>
+        <p:spPr>
+          <a:xfrm>
+            <a:off x="3990109" y="962175"/>
+            <a:ext cx="1042428" cy="369332"/>
           </a:xfrm>
           <a:prstGeom prst="rect">
             <a:avLst/>
@@ -6905,63 +6957,10 @@
           <a:p>
             <a:r>
               <a:rPr lang="en-US" dirty="0">
-                <a:solidFill>
-                  <a:schemeClr val="bg2">
-                    <a:lumMod val="50000"/>
-                  </a:schemeClr>
-                </a:solidFill>
-                <a:latin typeface="Arial" panose="020B0604020202020204" pitchFamily="34" charset="0"/>
-                <a:cs typeface="Arial" panose="020B0604020202020204" pitchFamily="34" charset="0"/>
-              </a:rPr>
-              <a:t>-0.040</a:t>
-            </a:r>
-          </a:p>
-        </p:txBody>
-      </p:sp>
-      <p:sp>
-        <p:nvSpPr>
-          <p:cNvPr id="74" name="TextBox 73">
-            <a:extLst>
-              <a:ext uri="{FF2B5EF4-FFF2-40B4-BE49-F238E27FC236}">
-                <a16:creationId xmlns:a16="http://schemas.microsoft.com/office/drawing/2014/main" id="{75474E52-9598-164F-AE5B-29344C178A13}"/>
-              </a:ext>
-            </a:extLst>
-          </p:cNvPr>
-          <p:cNvSpPr txBox="1"/>
-          <p:nvPr/>
-        </p:nvSpPr>
-        <p:spPr>
-          <a:xfrm>
-            <a:off x="3544828" y="1189662"/>
-            <a:ext cx="770968" cy="369332"/>
-          </a:xfrm>
-          <a:prstGeom prst="rect">
-            <a:avLst/>
-          </a:prstGeom>
-          <a:solidFill>
-            <a:schemeClr val="bg1"/>
-          </a:solidFill>
-          <a:ln>
-            <a:noFill/>
-          </a:ln>
-        </p:spPr>
-        <p:txBody>
-          <a:bodyPr wrap="square" rtlCol="0">
-            <a:spAutoFit/>
-          </a:bodyPr>
-          <a:lstStyle/>
-          <a:p>
-            <a:r>
-              <a:rPr lang="en-US" dirty="0">
-                <a:solidFill>
-                  <a:schemeClr val="bg2">
-                    <a:lumMod val="50000"/>
-                  </a:schemeClr>
-                </a:solidFill>
-                <a:latin typeface="Arial" panose="020B0604020202020204" pitchFamily="34" charset="0"/>
-                <a:cs typeface="Arial" panose="020B0604020202020204" pitchFamily="34" charset="0"/>
-              </a:rPr>
-              <a:t>0.008</a:t>
+                <a:latin typeface="Arial" panose="020B0604020202020204" pitchFamily="34" charset="0"/>
+                <a:cs typeface="Arial" panose="020B0604020202020204" pitchFamily="34" charset="0"/>
+              </a:rPr>
+              <a:t>0.042***</a:t>
             </a:r>
           </a:p>
         </p:txBody>
@@ -7351,11 +7350,13 @@
           <a:prstGeom prst="straightConnector1">
             <a:avLst/>
           </a:prstGeom>
-          <a:ln w="38100">
+          <a:ln w="28575">
             <a:solidFill>
-              <a:schemeClr val="tx1"/>
+              <a:schemeClr val="bg2">
+                <a:lumMod val="50000"/>
+              </a:schemeClr>
             </a:solidFill>
-            <a:prstDash val="solid"/>
+            <a:prstDash val="dash"/>
             <a:tailEnd type="triangle" w="lg" len="lg"/>
           </a:ln>
         </p:spPr>
@@ -7540,291 +7541,6 @@
           <a:prstGeom prst="straightConnector1">
             <a:avLst/>
           </a:prstGeom>
-          <a:ln w="38100">
-            <a:solidFill>
-              <a:schemeClr val="tx1"/>
-            </a:solidFill>
-            <a:prstDash val="solid"/>
-            <a:headEnd w="lg" len="lg"/>
-            <a:tailEnd type="triangle" w="lg" len="lg"/>
-          </a:ln>
-        </p:spPr>
-        <p:style>
-          <a:lnRef idx="1">
-            <a:schemeClr val="accent1"/>
-          </a:lnRef>
-          <a:fillRef idx="0">
-            <a:schemeClr val="accent1"/>
-          </a:fillRef>
-          <a:effectRef idx="0">
-            <a:schemeClr val="accent1"/>
-          </a:effectRef>
-          <a:fontRef idx="minor">
-            <a:schemeClr val="tx1"/>
-          </a:fontRef>
-        </p:style>
-      </p:cxnSp>
-      <p:cxnSp>
-        <p:nvCxnSpPr>
-          <p:cNvPr id="25" name="Straight Arrow Connector 24">
-            <a:extLst>
-              <a:ext uri="{FF2B5EF4-FFF2-40B4-BE49-F238E27FC236}">
-                <a16:creationId xmlns:a16="http://schemas.microsoft.com/office/drawing/2014/main" id="{45A391B6-D398-C84A-A9F8-7C99294FDE76}"/>
-              </a:ext>
-            </a:extLst>
-          </p:cNvPr>
-          <p:cNvCxnSpPr>
-            <a:cxnSpLocks/>
-            <a:stCxn id="6" idx="0"/>
-          </p:cNvCxnSpPr>
-          <p:nvPr/>
-        </p:nvCxnSpPr>
-        <p:spPr>
-          <a:xfrm flipH="1" flipV="1">
-            <a:off x="6155641" y="2297469"/>
-            <a:ext cx="2783417" cy="2345783"/>
-          </a:xfrm>
-          <a:prstGeom prst="straightConnector1">
-            <a:avLst/>
-          </a:prstGeom>
-          <a:ln w="28575">
-            <a:solidFill>
-              <a:schemeClr val="bg2">
-                <a:lumMod val="50000"/>
-              </a:schemeClr>
-            </a:solidFill>
-            <a:prstDash val="dash"/>
-            <a:tailEnd type="triangle" w="lg" len="lg"/>
-          </a:ln>
-        </p:spPr>
-        <p:style>
-          <a:lnRef idx="1">
-            <a:schemeClr val="accent1"/>
-          </a:lnRef>
-          <a:fillRef idx="0">
-            <a:schemeClr val="accent1"/>
-          </a:fillRef>
-          <a:effectRef idx="0">
-            <a:schemeClr val="accent1"/>
-          </a:effectRef>
-          <a:fontRef idx="minor">
-            <a:schemeClr val="tx1"/>
-          </a:fontRef>
-        </p:style>
-      </p:cxnSp>
-      <p:cxnSp>
-        <p:nvCxnSpPr>
-          <p:cNvPr id="33" name="Straight Arrow Connector 32">
-            <a:extLst>
-              <a:ext uri="{FF2B5EF4-FFF2-40B4-BE49-F238E27FC236}">
-                <a16:creationId xmlns:a16="http://schemas.microsoft.com/office/drawing/2014/main" id="{F3C7C845-1D72-394E-9DE1-542D0FCD9A35}"/>
-              </a:ext>
-            </a:extLst>
-          </p:cNvPr>
-          <p:cNvCxnSpPr>
-            <a:cxnSpLocks/>
-            <a:endCxn id="9" idx="2"/>
-          </p:cNvCxnSpPr>
-          <p:nvPr/>
-        </p:nvCxnSpPr>
-        <p:spPr>
-          <a:xfrm flipV="1">
-            <a:off x="6096000" y="2268893"/>
-            <a:ext cx="2868789" cy="2374362"/>
-          </a:xfrm>
-          <a:prstGeom prst="straightConnector1">
-            <a:avLst/>
-          </a:prstGeom>
-          <a:ln w="28575">
-            <a:solidFill>
-              <a:schemeClr val="bg2">
-                <a:lumMod val="50000"/>
-              </a:schemeClr>
-            </a:solidFill>
-            <a:prstDash val="dash"/>
-            <a:tailEnd type="triangle" w="lg" len="lg"/>
-          </a:ln>
-        </p:spPr>
-        <p:style>
-          <a:lnRef idx="1">
-            <a:schemeClr val="accent1"/>
-          </a:lnRef>
-          <a:fillRef idx="0">
-            <a:schemeClr val="accent1"/>
-          </a:fillRef>
-          <a:effectRef idx="0">
-            <a:schemeClr val="accent1"/>
-          </a:effectRef>
-          <a:fontRef idx="minor">
-            <a:schemeClr val="tx1"/>
-          </a:fontRef>
-        </p:style>
-      </p:cxnSp>
-      <p:cxnSp>
-        <p:nvCxnSpPr>
-          <p:cNvPr id="34" name="Straight Arrow Connector 33">
-            <a:extLst>
-              <a:ext uri="{FF2B5EF4-FFF2-40B4-BE49-F238E27FC236}">
-                <a16:creationId xmlns:a16="http://schemas.microsoft.com/office/drawing/2014/main" id="{DF0A842C-1866-5841-80CD-7B279AE72F53}"/>
-              </a:ext>
-            </a:extLst>
-          </p:cNvPr>
-          <p:cNvCxnSpPr>
-            <a:cxnSpLocks/>
-          </p:cNvCxnSpPr>
-          <p:nvPr/>
-        </p:nvCxnSpPr>
-        <p:spPr>
-          <a:xfrm flipV="1">
-            <a:off x="9070921" y="2269993"/>
-            <a:ext cx="37408" cy="2358971"/>
-          </a:xfrm>
-          <a:prstGeom prst="straightConnector1">
-            <a:avLst/>
-          </a:prstGeom>
-          <a:ln w="38100">
-            <a:solidFill>
-              <a:schemeClr val="tx1"/>
-            </a:solidFill>
-            <a:prstDash val="solid"/>
-            <a:headEnd w="lg" len="lg"/>
-            <a:tailEnd type="triangle" w="lg" len="lg"/>
-          </a:ln>
-        </p:spPr>
-        <p:style>
-          <a:lnRef idx="1">
-            <a:schemeClr val="accent1"/>
-          </a:lnRef>
-          <a:fillRef idx="0">
-            <a:schemeClr val="accent1"/>
-          </a:fillRef>
-          <a:effectRef idx="0">
-            <a:schemeClr val="accent1"/>
-          </a:effectRef>
-          <a:fontRef idx="minor">
-            <a:schemeClr val="tx1"/>
-          </a:fontRef>
-        </p:style>
-      </p:cxnSp>
-      <p:cxnSp>
-        <p:nvCxnSpPr>
-          <p:cNvPr id="35" name="Straight Arrow Connector 34">
-            <a:extLst>
-              <a:ext uri="{FF2B5EF4-FFF2-40B4-BE49-F238E27FC236}">
-                <a16:creationId xmlns:a16="http://schemas.microsoft.com/office/drawing/2014/main" id="{C54E97C6-5A60-374B-80FC-3BE7443DC76F}"/>
-              </a:ext>
-            </a:extLst>
-          </p:cNvPr>
-          <p:cNvCxnSpPr>
-            <a:cxnSpLocks/>
-          </p:cNvCxnSpPr>
-          <p:nvPr/>
-        </p:nvCxnSpPr>
-        <p:spPr>
-          <a:xfrm flipV="1">
-            <a:off x="3012345" y="2299670"/>
-            <a:ext cx="5769952" cy="2343581"/>
-          </a:xfrm>
-          <a:prstGeom prst="straightConnector1">
-            <a:avLst/>
-          </a:prstGeom>
-          <a:ln w="28575">
-            <a:solidFill>
-              <a:schemeClr val="bg2">
-                <a:lumMod val="50000"/>
-              </a:schemeClr>
-            </a:solidFill>
-            <a:prstDash val="dash"/>
-            <a:tailEnd type="triangle" w="lg" len="lg"/>
-          </a:ln>
-        </p:spPr>
-        <p:style>
-          <a:lnRef idx="1">
-            <a:schemeClr val="accent1"/>
-          </a:lnRef>
-          <a:fillRef idx="0">
-            <a:schemeClr val="accent1"/>
-          </a:fillRef>
-          <a:effectRef idx="0">
-            <a:schemeClr val="accent1"/>
-          </a:effectRef>
-          <a:fontRef idx="minor">
-            <a:schemeClr val="tx1"/>
-          </a:fontRef>
-        </p:style>
-      </p:cxnSp>
-      <p:cxnSp>
-        <p:nvCxnSpPr>
-          <p:cNvPr id="53" name="Elbow Connector 52">
-            <a:extLst>
-              <a:ext uri="{FF2B5EF4-FFF2-40B4-BE49-F238E27FC236}">
-                <a16:creationId xmlns:a16="http://schemas.microsoft.com/office/drawing/2014/main" id="{83342A54-600E-FF4A-BE6C-445538E8BA49}"/>
-              </a:ext>
-            </a:extLst>
-          </p:cNvPr>
-          <p:cNvCxnSpPr>
-            <a:stCxn id="9" idx="0"/>
-            <a:endCxn id="8" idx="0"/>
-          </p:cNvCxnSpPr>
-          <p:nvPr/>
-        </p:nvCxnSpPr>
-        <p:spPr>
-          <a:xfrm rot="16200000" flipV="1">
-            <a:off x="7482893" y="448443"/>
-            <a:ext cx="12700" cy="2963792"/>
-          </a:xfrm>
-          <a:prstGeom prst="bentConnector3">
-            <a:avLst>
-              <a:gd name="adj1" fmla="val 3375000"/>
-            </a:avLst>
-          </a:prstGeom>
-          <a:ln w="38100">
-            <a:solidFill>
-              <a:schemeClr val="tx1"/>
-            </a:solidFill>
-            <a:headEnd w="lg" len="lg"/>
-            <a:tailEnd type="triangle" w="lg" len="lg"/>
-          </a:ln>
-        </p:spPr>
-        <p:style>
-          <a:lnRef idx="1">
-            <a:schemeClr val="accent1"/>
-          </a:lnRef>
-          <a:fillRef idx="0">
-            <a:schemeClr val="accent1"/>
-          </a:fillRef>
-          <a:effectRef idx="0">
-            <a:schemeClr val="accent1"/>
-          </a:effectRef>
-          <a:fontRef idx="minor">
-            <a:schemeClr val="tx1"/>
-          </a:fontRef>
-        </p:style>
-      </p:cxnSp>
-      <p:cxnSp>
-        <p:nvCxnSpPr>
-          <p:cNvPr id="57" name="Elbow Connector 56">
-            <a:extLst>
-              <a:ext uri="{FF2B5EF4-FFF2-40B4-BE49-F238E27FC236}">
-                <a16:creationId xmlns:a16="http://schemas.microsoft.com/office/drawing/2014/main" id="{16E261F6-9F61-B444-B2A1-75894B79FF07}"/>
-              </a:ext>
-            </a:extLst>
-          </p:cNvPr>
-          <p:cNvCxnSpPr>
-            <a:cxnSpLocks/>
-          </p:cNvCxnSpPr>
-          <p:nvPr/>
-        </p:nvCxnSpPr>
-        <p:spPr>
-          <a:xfrm rot="16200000" flipV="1">
-            <a:off x="5892749" y="-813961"/>
-            <a:ext cx="9144" cy="5486400"/>
-          </a:xfrm>
-          <a:prstGeom prst="bentConnector3">
-            <a:avLst>
-              <a:gd name="adj1" fmla="val 6225000"/>
-            </a:avLst>
-          </a:prstGeom>
           <a:ln w="28575">
             <a:solidFill>
               <a:schemeClr val="bg2">
@@ -7851,6 +7567,291 @@
           </a:fontRef>
         </p:style>
       </p:cxnSp>
+      <p:cxnSp>
+        <p:nvCxnSpPr>
+          <p:cNvPr id="25" name="Straight Arrow Connector 24">
+            <a:extLst>
+              <a:ext uri="{FF2B5EF4-FFF2-40B4-BE49-F238E27FC236}">
+                <a16:creationId xmlns:a16="http://schemas.microsoft.com/office/drawing/2014/main" id="{45A391B6-D398-C84A-A9F8-7C99294FDE76}"/>
+              </a:ext>
+            </a:extLst>
+          </p:cNvPr>
+          <p:cNvCxnSpPr>
+            <a:cxnSpLocks/>
+            <a:stCxn id="6" idx="0"/>
+          </p:cNvCxnSpPr>
+          <p:nvPr/>
+        </p:nvCxnSpPr>
+        <p:spPr>
+          <a:xfrm flipH="1" flipV="1">
+            <a:off x="6155641" y="2297469"/>
+            <a:ext cx="2783417" cy="2345783"/>
+          </a:xfrm>
+          <a:prstGeom prst="straightConnector1">
+            <a:avLst/>
+          </a:prstGeom>
+          <a:ln w="28575">
+            <a:solidFill>
+              <a:schemeClr val="bg2">
+                <a:lumMod val="50000"/>
+              </a:schemeClr>
+            </a:solidFill>
+            <a:prstDash val="dash"/>
+            <a:tailEnd type="triangle" w="lg" len="lg"/>
+          </a:ln>
+        </p:spPr>
+        <p:style>
+          <a:lnRef idx="1">
+            <a:schemeClr val="accent1"/>
+          </a:lnRef>
+          <a:fillRef idx="0">
+            <a:schemeClr val="accent1"/>
+          </a:fillRef>
+          <a:effectRef idx="0">
+            <a:schemeClr val="accent1"/>
+          </a:effectRef>
+          <a:fontRef idx="minor">
+            <a:schemeClr val="tx1"/>
+          </a:fontRef>
+        </p:style>
+      </p:cxnSp>
+      <p:cxnSp>
+        <p:nvCxnSpPr>
+          <p:cNvPr id="33" name="Straight Arrow Connector 32">
+            <a:extLst>
+              <a:ext uri="{FF2B5EF4-FFF2-40B4-BE49-F238E27FC236}">
+                <a16:creationId xmlns:a16="http://schemas.microsoft.com/office/drawing/2014/main" id="{F3C7C845-1D72-394E-9DE1-542D0FCD9A35}"/>
+              </a:ext>
+            </a:extLst>
+          </p:cNvPr>
+          <p:cNvCxnSpPr>
+            <a:cxnSpLocks/>
+            <a:endCxn id="9" idx="2"/>
+          </p:cNvCxnSpPr>
+          <p:nvPr/>
+        </p:nvCxnSpPr>
+        <p:spPr>
+          <a:xfrm flipV="1">
+            <a:off x="6096000" y="2268893"/>
+            <a:ext cx="2868789" cy="2374362"/>
+          </a:xfrm>
+          <a:prstGeom prst="straightConnector1">
+            <a:avLst/>
+          </a:prstGeom>
+          <a:ln w="28575">
+            <a:solidFill>
+              <a:schemeClr val="bg2">
+                <a:lumMod val="50000"/>
+              </a:schemeClr>
+            </a:solidFill>
+            <a:prstDash val="dash"/>
+            <a:tailEnd type="triangle" w="lg" len="lg"/>
+          </a:ln>
+        </p:spPr>
+        <p:style>
+          <a:lnRef idx="1">
+            <a:schemeClr val="accent1"/>
+          </a:lnRef>
+          <a:fillRef idx="0">
+            <a:schemeClr val="accent1"/>
+          </a:fillRef>
+          <a:effectRef idx="0">
+            <a:schemeClr val="accent1"/>
+          </a:effectRef>
+          <a:fontRef idx="minor">
+            <a:schemeClr val="tx1"/>
+          </a:fontRef>
+        </p:style>
+      </p:cxnSp>
+      <p:cxnSp>
+        <p:nvCxnSpPr>
+          <p:cNvPr id="34" name="Straight Arrow Connector 33">
+            <a:extLst>
+              <a:ext uri="{FF2B5EF4-FFF2-40B4-BE49-F238E27FC236}">
+                <a16:creationId xmlns:a16="http://schemas.microsoft.com/office/drawing/2014/main" id="{DF0A842C-1866-5841-80CD-7B279AE72F53}"/>
+              </a:ext>
+            </a:extLst>
+          </p:cNvPr>
+          <p:cNvCxnSpPr>
+            <a:cxnSpLocks/>
+          </p:cNvCxnSpPr>
+          <p:nvPr/>
+        </p:nvCxnSpPr>
+        <p:spPr>
+          <a:xfrm flipV="1">
+            <a:off x="9070921" y="2269993"/>
+            <a:ext cx="37408" cy="2358971"/>
+          </a:xfrm>
+          <a:prstGeom prst="straightConnector1">
+            <a:avLst/>
+          </a:prstGeom>
+          <a:ln w="38100">
+            <a:solidFill>
+              <a:schemeClr val="tx1"/>
+            </a:solidFill>
+            <a:prstDash val="solid"/>
+            <a:headEnd w="lg" len="lg"/>
+            <a:tailEnd type="triangle" w="lg" len="lg"/>
+          </a:ln>
+        </p:spPr>
+        <p:style>
+          <a:lnRef idx="1">
+            <a:schemeClr val="accent1"/>
+          </a:lnRef>
+          <a:fillRef idx="0">
+            <a:schemeClr val="accent1"/>
+          </a:fillRef>
+          <a:effectRef idx="0">
+            <a:schemeClr val="accent1"/>
+          </a:effectRef>
+          <a:fontRef idx="minor">
+            <a:schemeClr val="tx1"/>
+          </a:fontRef>
+        </p:style>
+      </p:cxnSp>
+      <p:cxnSp>
+        <p:nvCxnSpPr>
+          <p:cNvPr id="35" name="Straight Arrow Connector 34">
+            <a:extLst>
+              <a:ext uri="{FF2B5EF4-FFF2-40B4-BE49-F238E27FC236}">
+                <a16:creationId xmlns:a16="http://schemas.microsoft.com/office/drawing/2014/main" id="{C54E97C6-5A60-374B-80FC-3BE7443DC76F}"/>
+              </a:ext>
+            </a:extLst>
+          </p:cNvPr>
+          <p:cNvCxnSpPr>
+            <a:cxnSpLocks/>
+          </p:cNvCxnSpPr>
+          <p:nvPr/>
+        </p:nvCxnSpPr>
+        <p:spPr>
+          <a:xfrm flipV="1">
+            <a:off x="3012345" y="2299670"/>
+            <a:ext cx="5769952" cy="2343581"/>
+          </a:xfrm>
+          <a:prstGeom prst="straightConnector1">
+            <a:avLst/>
+          </a:prstGeom>
+          <a:ln w="28575">
+            <a:solidFill>
+              <a:schemeClr val="bg2">
+                <a:lumMod val="50000"/>
+              </a:schemeClr>
+            </a:solidFill>
+            <a:prstDash val="dash"/>
+            <a:tailEnd type="triangle" w="lg" len="lg"/>
+          </a:ln>
+        </p:spPr>
+        <p:style>
+          <a:lnRef idx="1">
+            <a:schemeClr val="accent1"/>
+          </a:lnRef>
+          <a:fillRef idx="0">
+            <a:schemeClr val="accent1"/>
+          </a:fillRef>
+          <a:effectRef idx="0">
+            <a:schemeClr val="accent1"/>
+          </a:effectRef>
+          <a:fontRef idx="minor">
+            <a:schemeClr val="tx1"/>
+          </a:fontRef>
+        </p:style>
+      </p:cxnSp>
+      <p:cxnSp>
+        <p:nvCxnSpPr>
+          <p:cNvPr id="53" name="Elbow Connector 52">
+            <a:extLst>
+              <a:ext uri="{FF2B5EF4-FFF2-40B4-BE49-F238E27FC236}">
+                <a16:creationId xmlns:a16="http://schemas.microsoft.com/office/drawing/2014/main" id="{83342A54-600E-FF4A-BE6C-445538E8BA49}"/>
+              </a:ext>
+            </a:extLst>
+          </p:cNvPr>
+          <p:cNvCxnSpPr>
+            <a:stCxn id="9" idx="0"/>
+            <a:endCxn id="8" idx="0"/>
+          </p:cNvCxnSpPr>
+          <p:nvPr/>
+        </p:nvCxnSpPr>
+        <p:spPr>
+          <a:xfrm rot="16200000" flipV="1">
+            <a:off x="7482893" y="448443"/>
+            <a:ext cx="12700" cy="2963792"/>
+          </a:xfrm>
+          <a:prstGeom prst="bentConnector3">
+            <a:avLst>
+              <a:gd name="adj1" fmla="val 3375000"/>
+            </a:avLst>
+          </a:prstGeom>
+          <a:ln w="38100">
+            <a:solidFill>
+              <a:schemeClr val="tx1"/>
+            </a:solidFill>
+            <a:headEnd w="lg" len="lg"/>
+            <a:tailEnd type="triangle" w="lg" len="lg"/>
+          </a:ln>
+        </p:spPr>
+        <p:style>
+          <a:lnRef idx="1">
+            <a:schemeClr val="accent1"/>
+          </a:lnRef>
+          <a:fillRef idx="0">
+            <a:schemeClr val="accent1"/>
+          </a:fillRef>
+          <a:effectRef idx="0">
+            <a:schemeClr val="accent1"/>
+          </a:effectRef>
+          <a:fontRef idx="minor">
+            <a:schemeClr val="tx1"/>
+          </a:fontRef>
+        </p:style>
+      </p:cxnSp>
+      <p:cxnSp>
+        <p:nvCxnSpPr>
+          <p:cNvPr id="57" name="Elbow Connector 56">
+            <a:extLst>
+              <a:ext uri="{FF2B5EF4-FFF2-40B4-BE49-F238E27FC236}">
+                <a16:creationId xmlns:a16="http://schemas.microsoft.com/office/drawing/2014/main" id="{16E261F6-9F61-B444-B2A1-75894B79FF07}"/>
+              </a:ext>
+            </a:extLst>
+          </p:cNvPr>
+          <p:cNvCxnSpPr>
+            <a:cxnSpLocks/>
+          </p:cNvCxnSpPr>
+          <p:nvPr/>
+        </p:nvCxnSpPr>
+        <p:spPr>
+          <a:xfrm rot="16200000" flipV="1">
+            <a:off x="5892749" y="-813961"/>
+            <a:ext cx="9144" cy="5486400"/>
+          </a:xfrm>
+          <a:prstGeom prst="bentConnector3">
+            <a:avLst>
+              <a:gd name="adj1" fmla="val 6225000"/>
+            </a:avLst>
+          </a:prstGeom>
+          <a:ln w="38100">
+            <a:solidFill>
+              <a:schemeClr val="tx1"/>
+            </a:solidFill>
+            <a:prstDash val="solid"/>
+            <a:headEnd w="lg" len="lg"/>
+            <a:tailEnd type="triangle" w="lg" len="lg"/>
+          </a:ln>
+        </p:spPr>
+        <p:style>
+          <a:lnRef idx="1">
+            <a:schemeClr val="accent1"/>
+          </a:lnRef>
+          <a:fillRef idx="0">
+            <a:schemeClr val="accent1"/>
+          </a:fillRef>
+          <a:effectRef idx="0">
+            <a:schemeClr val="accent1"/>
+          </a:effectRef>
+          <a:fontRef idx="minor">
+            <a:schemeClr val="tx1"/>
+          </a:fontRef>
+        </p:style>
+      </p:cxnSp>
       <p:sp>
         <p:nvSpPr>
           <p:cNvPr id="61" name="TextBox 60">
@@ -7865,7 +7866,7 @@
         </p:nvSpPr>
         <p:spPr>
           <a:xfrm>
-            <a:off x="1987018" y="3080146"/>
+            <a:off x="2160773" y="3094944"/>
             <a:ext cx="946560" cy="369332"/>
           </a:xfrm>
           <a:prstGeom prst="rect">
@@ -7884,10 +7885,15 @@
           <a:p>
             <a:r>
               <a:rPr lang="en-US" dirty="0">
-                <a:latin typeface="Arial" panose="020B0604020202020204" pitchFamily="34" charset="0"/>
-                <a:cs typeface="Arial" panose="020B0604020202020204" pitchFamily="34" charset="0"/>
-              </a:rPr>
-              <a:t>0.040**</a:t>
+                <a:solidFill>
+                  <a:schemeClr val="bg2">
+                    <a:lumMod val="50000"/>
+                  </a:schemeClr>
+                </a:solidFill>
+                <a:latin typeface="Arial" panose="020B0604020202020204" pitchFamily="34" charset="0"/>
+                <a:cs typeface="Arial" panose="020B0604020202020204" pitchFamily="34" charset="0"/>
+              </a:rPr>
+              <a:t>0.037</a:t>
             </a:r>
           </a:p>
         </p:txBody>
@@ -7927,10 +7933,15 @@
           <a:p>
             <a:r>
               <a:rPr lang="en-US" dirty="0">
-                <a:latin typeface="Arial" panose="020B0604020202020204" pitchFamily="34" charset="0"/>
-                <a:cs typeface="Arial" panose="020B0604020202020204" pitchFamily="34" charset="0"/>
-              </a:rPr>
-              <a:t>0.339**</a:t>
+                <a:solidFill>
+                  <a:schemeClr val="bg2">
+                    <a:lumMod val="50000"/>
+                  </a:schemeClr>
+                </a:solidFill>
+                <a:latin typeface="Arial" panose="020B0604020202020204" pitchFamily="34" charset="0"/>
+                <a:cs typeface="Arial" panose="020B0604020202020204" pitchFamily="34" charset="0"/>
+              </a:rPr>
+              <a:t>0.268</a:t>
             </a:r>
           </a:p>
         </p:txBody>
@@ -7973,7 +7984,7 @@
                 <a:latin typeface="Arial" panose="020B0604020202020204" pitchFamily="34" charset="0"/>
                 <a:cs typeface="Arial" panose="020B0604020202020204" pitchFamily="34" charset="0"/>
               </a:rPr>
-              <a:t>0.248***</a:t>
+              <a:t>0.559***</a:t>
             </a:r>
           </a:p>
         </p:txBody>
@@ -7992,8 +8003,8 @@
         </p:nvSpPr>
         <p:spPr>
           <a:xfrm>
-            <a:off x="9147088" y="3080146"/>
-            <a:ext cx="1020486" cy="369332"/>
+            <a:off x="9147087" y="3080146"/>
+            <a:ext cx="1142999" cy="369332"/>
           </a:xfrm>
           <a:prstGeom prst="rect">
             <a:avLst/>
@@ -8016,7 +8027,7 @@
                 <a:latin typeface="Arial" panose="020B0604020202020204" pitchFamily="34" charset="0"/>
                 <a:cs typeface="Arial" panose="020B0604020202020204" pitchFamily="34" charset="0"/>
               </a:rPr>
-              <a:t>-2.279**</a:t>
+              <a:t>-3.657***</a:t>
             </a:r>
           </a:p>
         </p:txBody>
@@ -8075,7 +8086,7 @@
                 <a:latin typeface="Arial" panose="020B0604020202020204" pitchFamily="34" charset="0"/>
                 <a:cs typeface="Arial" panose="020B0604020202020204" pitchFamily="34" charset="0"/>
               </a:rPr>
-              <a:t>= 0.10</a:t>
+              <a:t>= 0.35</a:t>
             </a:r>
           </a:p>
         </p:txBody>
@@ -8134,7 +8145,7 @@
                 <a:latin typeface="Arial" panose="020B0604020202020204" pitchFamily="34" charset="0"/>
                 <a:cs typeface="Arial" panose="020B0604020202020204" pitchFamily="34" charset="0"/>
               </a:rPr>
-              <a:t>= 0.13</a:t>
+              <a:t>= 0.33</a:t>
             </a:r>
           </a:p>
         </p:txBody>
@@ -8193,7 +8204,7 @@
                 <a:latin typeface="Arial" panose="020B0604020202020204" pitchFamily="34" charset="0"/>
                 <a:cs typeface="Arial" panose="020B0604020202020204" pitchFamily="34" charset="0"/>
               </a:rPr>
-              <a:t>= 0.10</a:t>
+              <a:t>= 0.19</a:t>
             </a:r>
           </a:p>
         </p:txBody>
@@ -8241,7 +8252,7 @@
                 <a:latin typeface="Arial" panose="020B0604020202020204" pitchFamily="34" charset="0"/>
                 <a:cs typeface="Arial" panose="020B0604020202020204" pitchFamily="34" charset="0"/>
               </a:rPr>
-              <a:t>-0.085</a:t>
+              <a:t>0.420</a:t>
             </a:r>
           </a:p>
         </p:txBody>
@@ -8289,7 +8300,7 @@
                 <a:latin typeface="Arial" panose="020B0604020202020204" pitchFamily="34" charset="0"/>
                 <a:cs typeface="Arial" panose="020B0604020202020204" pitchFamily="34" charset="0"/>
               </a:rPr>
-              <a:t>0.486</a:t>
+              <a:t>0.469</a:t>
             </a:r>
           </a:p>
         </p:txBody>
@@ -8308,8 +8319,8 @@
         </p:nvSpPr>
         <p:spPr>
           <a:xfrm>
-            <a:off x="5032538" y="3992468"/>
-            <a:ext cx="771792" cy="369332"/>
+            <a:off x="5032537" y="3992468"/>
+            <a:ext cx="852789" cy="369332"/>
           </a:xfrm>
           <a:prstGeom prst="rect">
             <a:avLst/>
@@ -8337,7 +8348,7 @@
                 <a:latin typeface="Arial" panose="020B0604020202020204" pitchFamily="34" charset="0"/>
                 <a:cs typeface="Arial" panose="020B0604020202020204" pitchFamily="34" charset="0"/>
               </a:rPr>
-              <a:t>0.003</a:t>
+              <a:t>-0.013</a:t>
             </a:r>
           </a:p>
         </p:txBody>
@@ -8385,7 +8396,7 @@
                 <a:latin typeface="Arial" panose="020B0604020202020204" pitchFamily="34" charset="0"/>
                 <a:cs typeface="Arial" panose="020B0604020202020204" pitchFamily="34" charset="0"/>
               </a:rPr>
-              <a:t>0.067</a:t>
+              <a:t>0.041</a:t>
             </a:r>
           </a:p>
         </p:txBody>
@@ -8433,7 +8444,7 @@
                 <a:latin typeface="Arial" panose="020B0604020202020204" pitchFamily="34" charset="0"/>
                 <a:cs typeface="Arial" panose="020B0604020202020204" pitchFamily="34" charset="0"/>
               </a:rPr>
-              <a:t>-0.34</a:t>
+              <a:t>0.633</a:t>
             </a:r>
           </a:p>
         </p:txBody>
@@ -8481,7 +8492,7 @@
                 <a:latin typeface="Arial" panose="020B0604020202020204" pitchFamily="34" charset="0"/>
                 <a:cs typeface="Arial" panose="020B0604020202020204" pitchFamily="34" charset="0"/>
               </a:rPr>
-              <a:t>-0.040</a:t>
+              <a:t>0.094</a:t>
             </a:r>
           </a:p>
         </p:txBody>
@@ -8500,8 +8511,8 @@
         </p:nvSpPr>
         <p:spPr>
           <a:xfrm>
-            <a:off x="3544828" y="1189662"/>
-            <a:ext cx="770968" cy="369332"/>
+            <a:off x="3785457" y="949032"/>
+            <a:ext cx="1098851" cy="369332"/>
           </a:xfrm>
           <a:prstGeom prst="rect">
             <a:avLst/>
@@ -8521,15 +8532,10 @@
           <a:p>
             <a:r>
               <a:rPr lang="en-US" dirty="0">
-                <a:solidFill>
-                  <a:schemeClr val="bg2">
-                    <a:lumMod val="50000"/>
-                  </a:schemeClr>
-                </a:solidFill>
-                <a:latin typeface="Arial" panose="020B0604020202020204" pitchFamily="34" charset="0"/>
-                <a:cs typeface="Arial" panose="020B0604020202020204" pitchFamily="34" charset="0"/>
-              </a:rPr>
-              <a:t>0.008</a:t>
+                <a:latin typeface="Arial" panose="020B0604020202020204" pitchFamily="34" charset="0"/>
+                <a:cs typeface="Arial" panose="020B0604020202020204" pitchFamily="34" charset="0"/>
+              </a:rPr>
+              <a:t>0.036**</a:t>
             </a:r>
           </a:p>
         </p:txBody>

--- a/figures/sem_venn_figures.pptx
+++ b/figures/sem_venn_figures.pptx
@@ -204,7 +204,7 @@
           <a:p>
             <a:fld id="{3361DBBF-9048-E34E-A120-F3301ADA26C3}" type="datetimeFigureOut">
               <a:rPr lang="en-US" smtClean="0"/>
-              <a:t>4/9/22</a:t>
+              <a:t>6/2/22</a:t>
             </a:fld>
             <a:endParaRPr lang="en-US"/>
           </a:p>
@@ -879,7 +879,7 @@
           <a:p>
             <a:fld id="{CD91ABF4-99EA-9A4C-8826-87C21CFC9DF7}" type="datetimeFigureOut">
               <a:rPr lang="en-US" smtClean="0"/>
-              <a:t>4/9/22</a:t>
+              <a:t>6/2/22</a:t>
             </a:fld>
             <a:endParaRPr lang="en-US" dirty="0"/>
           </a:p>
@@ -1077,7 +1077,7 @@
           <a:p>
             <a:fld id="{CD91ABF4-99EA-9A4C-8826-87C21CFC9DF7}" type="datetimeFigureOut">
               <a:rPr lang="en-US" smtClean="0"/>
-              <a:t>4/9/22</a:t>
+              <a:t>6/2/22</a:t>
             </a:fld>
             <a:endParaRPr lang="en-US" dirty="0"/>
           </a:p>
@@ -1285,7 +1285,7 @@
           <a:p>
             <a:fld id="{CD91ABF4-99EA-9A4C-8826-87C21CFC9DF7}" type="datetimeFigureOut">
               <a:rPr lang="en-US" smtClean="0"/>
-              <a:t>4/9/22</a:t>
+              <a:t>6/2/22</a:t>
             </a:fld>
             <a:endParaRPr lang="en-US" dirty="0"/>
           </a:p>
@@ -1483,7 +1483,7 @@
           <a:p>
             <a:fld id="{CD91ABF4-99EA-9A4C-8826-87C21CFC9DF7}" type="datetimeFigureOut">
               <a:rPr lang="en-US" smtClean="0"/>
-              <a:t>4/9/22</a:t>
+              <a:t>6/2/22</a:t>
             </a:fld>
             <a:endParaRPr lang="en-US" dirty="0"/>
           </a:p>
@@ -1758,7 +1758,7 @@
           <a:p>
             <a:fld id="{CD91ABF4-99EA-9A4C-8826-87C21CFC9DF7}" type="datetimeFigureOut">
               <a:rPr lang="en-US" smtClean="0"/>
-              <a:t>4/9/22</a:t>
+              <a:t>6/2/22</a:t>
             </a:fld>
             <a:endParaRPr lang="en-US" dirty="0"/>
           </a:p>
@@ -2023,7 +2023,7 @@
           <a:p>
             <a:fld id="{CD91ABF4-99EA-9A4C-8826-87C21CFC9DF7}" type="datetimeFigureOut">
               <a:rPr lang="en-US" smtClean="0"/>
-              <a:t>4/9/22</a:t>
+              <a:t>6/2/22</a:t>
             </a:fld>
             <a:endParaRPr lang="en-US" dirty="0"/>
           </a:p>
@@ -2435,7 +2435,7 @@
           <a:p>
             <a:fld id="{CD91ABF4-99EA-9A4C-8826-87C21CFC9DF7}" type="datetimeFigureOut">
               <a:rPr lang="en-US" smtClean="0"/>
-              <a:t>4/9/22</a:t>
+              <a:t>6/2/22</a:t>
             </a:fld>
             <a:endParaRPr lang="en-US" dirty="0"/>
           </a:p>
@@ -2576,7 +2576,7 @@
           <a:p>
             <a:fld id="{CD91ABF4-99EA-9A4C-8826-87C21CFC9DF7}" type="datetimeFigureOut">
               <a:rPr lang="en-US" smtClean="0"/>
-              <a:t>4/9/22</a:t>
+              <a:t>6/2/22</a:t>
             </a:fld>
             <a:endParaRPr lang="en-US" dirty="0"/>
           </a:p>
@@ -2689,7 +2689,7 @@
           <a:p>
             <a:fld id="{CD91ABF4-99EA-9A4C-8826-87C21CFC9DF7}" type="datetimeFigureOut">
               <a:rPr lang="en-US" smtClean="0"/>
-              <a:t>4/9/22</a:t>
+              <a:t>6/2/22</a:t>
             </a:fld>
             <a:endParaRPr lang="en-US" dirty="0"/>
           </a:p>
@@ -3000,7 +3000,7 @@
           <a:p>
             <a:fld id="{CD91ABF4-99EA-9A4C-8826-87C21CFC9DF7}" type="datetimeFigureOut">
               <a:rPr lang="en-US" smtClean="0"/>
-              <a:t>4/9/22</a:t>
+              <a:t>6/2/22</a:t>
             </a:fld>
             <a:endParaRPr lang="en-US" dirty="0"/>
           </a:p>
@@ -3288,7 +3288,7 @@
           <a:p>
             <a:fld id="{CD91ABF4-99EA-9A4C-8826-87C21CFC9DF7}" type="datetimeFigureOut">
               <a:rPr lang="en-US" smtClean="0"/>
-              <a:t>4/9/22</a:t>
+              <a:t>6/2/22</a:t>
             </a:fld>
             <a:endParaRPr lang="en-US" dirty="0"/>
           </a:p>
@@ -3529,7 +3529,7 @@
           <a:p>
             <a:fld id="{CD91ABF4-99EA-9A4C-8826-87C21CFC9DF7}" type="datetimeFigureOut">
               <a:rPr lang="en-US" smtClean="0"/>
-              <a:t>4/9/22</a:t>
+              <a:t>6/2/22</a:t>
             </a:fld>
             <a:endParaRPr lang="en-US" dirty="0"/>
           </a:p>
@@ -4799,7 +4799,7 @@
                 <a:latin typeface="Arial" panose="020B0604020202020204" pitchFamily="34" charset="0"/>
                 <a:cs typeface="Arial" panose="020B0604020202020204" pitchFamily="34" charset="0"/>
               </a:rPr>
-              <a:t>0.036</a:t>
+              <a:t>0.043</a:t>
             </a:r>
           </a:p>
         </p:txBody>
@@ -4842,7 +4842,7 @@
                 <a:latin typeface="Arial" panose="020B0604020202020204" pitchFamily="34" charset="0"/>
                 <a:cs typeface="Arial" panose="020B0604020202020204" pitchFamily="34" charset="0"/>
               </a:rPr>
-              <a:t>0.370*</a:t>
+              <a:t>0.389*</a:t>
             </a:r>
           </a:p>
         </p:txBody>
@@ -4885,7 +4885,7 @@
                 <a:latin typeface="Arial" panose="020B0604020202020204" pitchFamily="34" charset="0"/>
                 <a:cs typeface="Arial" panose="020B0604020202020204" pitchFamily="34" charset="0"/>
               </a:rPr>
-              <a:t>0.396***</a:t>
+              <a:t>0.353***</a:t>
             </a:r>
           </a:p>
         </p:txBody>
@@ -4928,7 +4928,7 @@
                 <a:latin typeface="Arial" panose="020B0604020202020204" pitchFamily="34" charset="0"/>
                 <a:cs typeface="Arial" panose="020B0604020202020204" pitchFamily="34" charset="0"/>
               </a:rPr>
-              <a:t>-3.66***</a:t>
+              <a:t>-3.58***</a:t>
             </a:r>
           </a:p>
         </p:txBody>
@@ -4987,7 +4987,7 @@
                 <a:latin typeface="Arial" panose="020B0604020202020204" pitchFamily="34" charset="0"/>
                 <a:cs typeface="Arial" panose="020B0604020202020204" pitchFamily="34" charset="0"/>
               </a:rPr>
-              <a:t>= 0.36</a:t>
+              <a:t>= 0.33</a:t>
             </a:r>
           </a:p>
         </p:txBody>
@@ -5046,7 +5046,7 @@
                 <a:latin typeface="Arial" panose="020B0604020202020204" pitchFamily="34" charset="0"/>
                 <a:cs typeface="Arial" panose="020B0604020202020204" pitchFamily="34" charset="0"/>
               </a:rPr>
-              <a:t>= 0.23</a:t>
+              <a:t>= 0.22</a:t>
             </a:r>
           </a:p>
         </p:txBody>
@@ -5153,7 +5153,7 @@
                 <a:latin typeface="Arial" panose="020B0604020202020204" pitchFamily="34" charset="0"/>
                 <a:cs typeface="Arial" panose="020B0604020202020204" pitchFamily="34" charset="0"/>
               </a:rPr>
-              <a:t>0.149</a:t>
+              <a:t>0.190</a:t>
             </a:r>
           </a:p>
         </p:txBody>
@@ -5201,7 +5201,7 @@
                 <a:latin typeface="Arial" panose="020B0604020202020204" pitchFamily="34" charset="0"/>
                 <a:cs typeface="Arial" panose="020B0604020202020204" pitchFamily="34" charset="0"/>
               </a:rPr>
-              <a:t>0.470</a:t>
+              <a:t>0.522</a:t>
             </a:r>
           </a:p>
         </p:txBody>
@@ -5249,7 +5249,7 @@
                 <a:latin typeface="Arial" panose="020B0604020202020204" pitchFamily="34" charset="0"/>
                 <a:cs typeface="Arial" panose="020B0604020202020204" pitchFamily="34" charset="0"/>
               </a:rPr>
-              <a:t>-0.014</a:t>
+              <a:t>-0.008</a:t>
             </a:r>
           </a:p>
         </p:txBody>
@@ -5297,7 +5297,7 @@
                 <a:latin typeface="Arial" panose="020B0604020202020204" pitchFamily="34" charset="0"/>
                 <a:cs typeface="Arial" panose="020B0604020202020204" pitchFamily="34" charset="0"/>
               </a:rPr>
-              <a:t>0.041</a:t>
+              <a:t>0.128</a:t>
             </a:r>
           </a:p>
         </p:txBody>
@@ -5345,7 +5345,7 @@
                 <a:latin typeface="Arial" panose="020B0604020202020204" pitchFamily="34" charset="0"/>
                 <a:cs typeface="Arial" panose="020B0604020202020204" pitchFamily="34" charset="0"/>
               </a:rPr>
-              <a:t>0.872</a:t>
+              <a:t>0.960</a:t>
             </a:r>
           </a:p>
         </p:txBody>
@@ -5393,7 +5393,7 @@
                 <a:latin typeface="Arial" panose="020B0604020202020204" pitchFamily="34" charset="0"/>
                 <a:cs typeface="Arial" panose="020B0604020202020204" pitchFamily="34" charset="0"/>
               </a:rPr>
-              <a:t>0.098</a:t>
+              <a:t>0.080</a:t>
             </a:r>
           </a:p>
         </p:txBody>
@@ -5436,7 +5436,7 @@
                 <a:latin typeface="Arial" panose="020B0604020202020204" pitchFamily="34" charset="0"/>
                 <a:cs typeface="Arial" panose="020B0604020202020204" pitchFamily="34" charset="0"/>
               </a:rPr>
-              <a:t>0.037***</a:t>
+              <a:t>0.032**</a:t>
             </a:r>
           </a:p>
         </p:txBody>
@@ -6325,7 +6325,7 @@
                 <a:latin typeface="Arial" panose="020B0604020202020204" pitchFamily="34" charset="0"/>
                 <a:cs typeface="Arial" panose="020B0604020202020204" pitchFamily="34" charset="0"/>
               </a:rPr>
-              <a:t>0.001</a:t>
+              <a:t>0.019</a:t>
             </a:r>
           </a:p>
         </p:txBody>
@@ -6368,7 +6368,7 @@
                 <a:latin typeface="Arial" panose="020B0604020202020204" pitchFamily="34" charset="0"/>
                 <a:cs typeface="Arial" panose="020B0604020202020204" pitchFamily="34" charset="0"/>
               </a:rPr>
-              <a:t>1.126***</a:t>
+              <a:t>1.013***</a:t>
             </a:r>
           </a:p>
         </p:txBody>
@@ -6416,7 +6416,7 @@
                 <a:latin typeface="Arial" panose="020B0604020202020204" pitchFamily="34" charset="0"/>
                 <a:cs typeface="Arial" panose="020B0604020202020204" pitchFamily="34" charset="0"/>
               </a:rPr>
-              <a:t>-0.031</a:t>
+              <a:t>-0.025</a:t>
             </a:r>
           </a:p>
         </p:txBody>
@@ -6459,7 +6459,7 @@
                 <a:latin typeface="Arial" panose="020B0604020202020204" pitchFamily="34" charset="0"/>
                 <a:cs typeface="Arial" panose="020B0604020202020204" pitchFamily="34" charset="0"/>
               </a:rPr>
-              <a:t>-4.268***</a:t>
+              <a:t>-4.226***</a:t>
             </a:r>
           </a:p>
         </p:txBody>
@@ -6577,7 +6577,7 @@
                 <a:latin typeface="Arial" panose="020B0604020202020204" pitchFamily="34" charset="0"/>
                 <a:cs typeface="Arial" panose="020B0604020202020204" pitchFamily="34" charset="0"/>
               </a:rPr>
-              <a:t>= 0.34</a:t>
+              <a:t>= 0.31</a:t>
             </a:r>
           </a:p>
         </p:txBody>
@@ -6684,7 +6684,7 @@
                 <a:latin typeface="Arial" panose="020B0604020202020204" pitchFamily="34" charset="0"/>
                 <a:cs typeface="Arial" panose="020B0604020202020204" pitchFamily="34" charset="0"/>
               </a:rPr>
-              <a:t>-0.206</a:t>
+              <a:t>-0.133</a:t>
             </a:r>
           </a:p>
         </p:txBody>
@@ -6732,7 +6732,7 @@
                 <a:latin typeface="Arial" panose="020B0604020202020204" pitchFamily="34" charset="0"/>
                 <a:cs typeface="Arial" panose="020B0604020202020204" pitchFamily="34" charset="0"/>
               </a:rPr>
-              <a:t>0.435</a:t>
+              <a:t>0.301</a:t>
             </a:r>
           </a:p>
         </p:txBody>
@@ -6780,7 +6780,7 @@
                 <a:latin typeface="Arial" panose="020B0604020202020204" pitchFamily="34" charset="0"/>
                 <a:cs typeface="Arial" panose="020B0604020202020204" pitchFamily="34" charset="0"/>
               </a:rPr>
-              <a:t>-0.030</a:t>
+              <a:t>-0.024</a:t>
             </a:r>
           </a:p>
         </p:txBody>
@@ -6828,7 +6828,7 @@
                 <a:latin typeface="Arial" panose="020B0604020202020204" pitchFamily="34" charset="0"/>
                 <a:cs typeface="Arial" panose="020B0604020202020204" pitchFamily="34" charset="0"/>
               </a:rPr>
-              <a:t>0.295</a:t>
+              <a:t>0.349</a:t>
             </a:r>
           </a:p>
         </p:txBody>
@@ -6876,7 +6876,7 @@
                 <a:latin typeface="Arial" panose="020B0604020202020204" pitchFamily="34" charset="0"/>
                 <a:cs typeface="Arial" panose="020B0604020202020204" pitchFamily="34" charset="0"/>
               </a:rPr>
-              <a:t>2.047</a:t>
+              <a:t>1.983</a:t>
             </a:r>
           </a:p>
         </p:txBody>
@@ -6917,7 +6917,7 @@
                 <a:latin typeface="Arial" panose="020B0604020202020204" pitchFamily="34" charset="0"/>
                 <a:cs typeface="Arial" panose="020B0604020202020204" pitchFamily="34" charset="0"/>
               </a:rPr>
-              <a:t>0.142*</a:t>
+              <a:t>0.143*</a:t>
             </a:r>
           </a:p>
         </p:txBody>
@@ -6960,7 +6960,7 @@
                 <a:latin typeface="Arial" panose="020B0604020202020204" pitchFamily="34" charset="0"/>
                 <a:cs typeface="Arial" panose="020B0604020202020204" pitchFamily="34" charset="0"/>
               </a:rPr>
-              <a:t>0.042***</a:t>
+              <a:t>0.040***</a:t>
             </a:r>
           </a:p>
         </p:txBody>
@@ -7893,7 +7893,7 @@
                 <a:latin typeface="Arial" panose="020B0604020202020204" pitchFamily="34" charset="0"/>
                 <a:cs typeface="Arial" panose="020B0604020202020204" pitchFamily="34" charset="0"/>
               </a:rPr>
-              <a:t>0.037</a:t>
+              <a:t>0.044</a:t>
             </a:r>
           </a:p>
         </p:txBody>
@@ -7941,7 +7941,7 @@
                 <a:latin typeface="Arial" panose="020B0604020202020204" pitchFamily="34" charset="0"/>
                 <a:cs typeface="Arial" panose="020B0604020202020204" pitchFamily="34" charset="0"/>
               </a:rPr>
-              <a:t>0.268</a:t>
+              <a:t>0.283</a:t>
             </a:r>
           </a:p>
         </p:txBody>
@@ -7984,7 +7984,7 @@
                 <a:latin typeface="Arial" panose="020B0604020202020204" pitchFamily="34" charset="0"/>
                 <a:cs typeface="Arial" panose="020B0604020202020204" pitchFamily="34" charset="0"/>
               </a:rPr>
-              <a:t>0.559***</a:t>
+              <a:t>0.505***</a:t>
             </a:r>
           </a:p>
         </p:txBody>
@@ -8027,7 +8027,7 @@
                 <a:latin typeface="Arial" panose="020B0604020202020204" pitchFamily="34" charset="0"/>
                 <a:cs typeface="Arial" panose="020B0604020202020204" pitchFamily="34" charset="0"/>
               </a:rPr>
-              <a:t>-3.657***</a:t>
+              <a:t>-3.581***</a:t>
             </a:r>
           </a:p>
         </p:txBody>
@@ -8086,7 +8086,7 @@
                 <a:latin typeface="Arial" panose="020B0604020202020204" pitchFamily="34" charset="0"/>
                 <a:cs typeface="Arial" panose="020B0604020202020204" pitchFamily="34" charset="0"/>
               </a:rPr>
-              <a:t>= 0.35</a:t>
+              <a:t>= 0.32</a:t>
             </a:r>
           </a:p>
         </p:txBody>
@@ -8145,7 +8145,7 @@
                 <a:latin typeface="Arial" panose="020B0604020202020204" pitchFamily="34" charset="0"/>
                 <a:cs typeface="Arial" panose="020B0604020202020204" pitchFamily="34" charset="0"/>
               </a:rPr>
-              <a:t>= 0.33</a:t>
+              <a:t>= 0.32</a:t>
             </a:r>
           </a:p>
         </p:txBody>
@@ -8252,7 +8252,7 @@
                 <a:latin typeface="Arial" panose="020B0604020202020204" pitchFamily="34" charset="0"/>
                 <a:cs typeface="Arial" panose="020B0604020202020204" pitchFamily="34" charset="0"/>
               </a:rPr>
-              <a:t>0.420</a:t>
+              <a:t>0.429</a:t>
             </a:r>
           </a:p>
         </p:txBody>
@@ -8300,7 +8300,7 @@
                 <a:latin typeface="Arial" panose="020B0604020202020204" pitchFamily="34" charset="0"/>
                 <a:cs typeface="Arial" panose="020B0604020202020204" pitchFamily="34" charset="0"/>
               </a:rPr>
-              <a:t>0.469</a:t>
+              <a:t>0.522</a:t>
             </a:r>
           </a:p>
         </p:txBody>
@@ -8348,7 +8348,7 @@
                 <a:latin typeface="Arial" panose="020B0604020202020204" pitchFamily="34" charset="0"/>
                 <a:cs typeface="Arial" panose="020B0604020202020204" pitchFamily="34" charset="0"/>
               </a:rPr>
-              <a:t>-0.013</a:t>
+              <a:t>-0.006</a:t>
             </a:r>
           </a:p>
         </p:txBody>
@@ -8396,7 +8396,7 @@
                 <a:latin typeface="Arial" panose="020B0604020202020204" pitchFamily="34" charset="0"/>
                 <a:cs typeface="Arial" panose="020B0604020202020204" pitchFamily="34" charset="0"/>
               </a:rPr>
-              <a:t>0.041</a:t>
+              <a:t>0.128</a:t>
             </a:r>
           </a:p>
         </p:txBody>
@@ -8444,7 +8444,7 @@
                 <a:latin typeface="Arial" panose="020B0604020202020204" pitchFamily="34" charset="0"/>
                 <a:cs typeface="Arial" panose="020B0604020202020204" pitchFamily="34" charset="0"/>
               </a:rPr>
-              <a:t>0.633</a:t>
+              <a:t>0.759</a:t>
             </a:r>
           </a:p>
         </p:txBody>
@@ -8492,7 +8492,7 @@
                 <a:latin typeface="Arial" panose="020B0604020202020204" pitchFamily="34" charset="0"/>
                 <a:cs typeface="Arial" panose="020B0604020202020204" pitchFamily="34" charset="0"/>
               </a:rPr>
-              <a:t>0.094</a:t>
+              <a:t>0.080</a:t>
             </a:r>
           </a:p>
         </p:txBody>
@@ -8535,7 +8535,7 @@
                 <a:latin typeface="Arial" panose="020B0604020202020204" pitchFamily="34" charset="0"/>
                 <a:cs typeface="Arial" panose="020B0604020202020204" pitchFamily="34" charset="0"/>
               </a:rPr>
-              <a:t>0.036**</a:t>
+              <a:t>0.032**</a:t>
             </a:r>
           </a:p>
         </p:txBody>

--- a/figures/sem_venn_figures.pptx
+++ b/figures/sem_venn_figures.pptx
@@ -5,17 +5,19 @@
     <p:sldMasterId id="2147483648" r:id="rId1"/>
   </p:sldMasterIdLst>
   <p:notesMasterIdLst>
-    <p:notesMasterId r:id="rId10"/>
+    <p:notesMasterId r:id="rId12"/>
   </p:notesMasterIdLst>
   <p:sldIdLst>
     <p:sldId id="256" r:id="rId2"/>
     <p:sldId id="261" r:id="rId3"/>
-    <p:sldId id="262" r:id="rId4"/>
-    <p:sldId id="257" r:id="rId5"/>
-    <p:sldId id="258" r:id="rId6"/>
-    <p:sldId id="259" r:id="rId7"/>
-    <p:sldId id="260" r:id="rId8"/>
-    <p:sldId id="263" r:id="rId9"/>
+    <p:sldId id="264" r:id="rId4"/>
+    <p:sldId id="262" r:id="rId5"/>
+    <p:sldId id="265" r:id="rId6"/>
+    <p:sldId id="257" r:id="rId7"/>
+    <p:sldId id="258" r:id="rId8"/>
+    <p:sldId id="259" r:id="rId9"/>
+    <p:sldId id="260" r:id="rId10"/>
+    <p:sldId id="263" r:id="rId11"/>
   </p:sldIdLst>
   <p:sldSz cx="12192000" cy="6858000"/>
   <p:notesSz cx="6858000" cy="9144000"/>
@@ -204,7 +206,7 @@
           <a:p>
             <a:fld id="{3361DBBF-9048-E34E-A120-F3301ADA26C3}" type="datetimeFigureOut">
               <a:rPr lang="en-US" smtClean="0"/>
-              <a:t>6/2/22</a:t>
+              <a:t>7/22/22</a:t>
             </a:fld>
             <a:endParaRPr lang="en-US"/>
           </a:p>
@@ -539,7 +541,7 @@
           <a:p>
             <a:fld id="{B23B3E7E-11E4-144F-B215-ADFB597CAF46}" type="slidenum">
               <a:rPr lang="en-US" smtClean="0"/>
-              <a:t>4</a:t>
+              <a:t>6</a:t>
             </a:fld>
             <a:endParaRPr lang="en-US"/>
           </a:p>
@@ -626,7 +628,7 @@
           <a:p>
             <a:fld id="{B23B3E7E-11E4-144F-B215-ADFB597CAF46}" type="slidenum">
               <a:rPr lang="en-US" smtClean="0"/>
-              <a:t>5</a:t>
+              <a:t>7</a:t>
             </a:fld>
             <a:endParaRPr lang="en-US"/>
           </a:p>
@@ -713,7 +715,7 @@
           <a:p>
             <a:fld id="{B23B3E7E-11E4-144F-B215-ADFB597CAF46}" type="slidenum">
               <a:rPr lang="en-US" smtClean="0"/>
-              <a:t>6</a:t>
+              <a:t>8</a:t>
             </a:fld>
             <a:endParaRPr lang="en-US"/>
           </a:p>
@@ -879,7 +881,7 @@
           <a:p>
             <a:fld id="{CD91ABF4-99EA-9A4C-8826-87C21CFC9DF7}" type="datetimeFigureOut">
               <a:rPr lang="en-US" smtClean="0"/>
-              <a:t>6/2/22</a:t>
+              <a:t>7/22/22</a:t>
             </a:fld>
             <a:endParaRPr lang="en-US" dirty="0"/>
           </a:p>
@@ -1077,7 +1079,7 @@
           <a:p>
             <a:fld id="{CD91ABF4-99EA-9A4C-8826-87C21CFC9DF7}" type="datetimeFigureOut">
               <a:rPr lang="en-US" smtClean="0"/>
-              <a:t>6/2/22</a:t>
+              <a:t>7/22/22</a:t>
             </a:fld>
             <a:endParaRPr lang="en-US" dirty="0"/>
           </a:p>
@@ -1285,7 +1287,7 @@
           <a:p>
             <a:fld id="{CD91ABF4-99EA-9A4C-8826-87C21CFC9DF7}" type="datetimeFigureOut">
               <a:rPr lang="en-US" smtClean="0"/>
-              <a:t>6/2/22</a:t>
+              <a:t>7/22/22</a:t>
             </a:fld>
             <a:endParaRPr lang="en-US" dirty="0"/>
           </a:p>
@@ -1483,7 +1485,7 @@
           <a:p>
             <a:fld id="{CD91ABF4-99EA-9A4C-8826-87C21CFC9DF7}" type="datetimeFigureOut">
               <a:rPr lang="en-US" smtClean="0"/>
-              <a:t>6/2/22</a:t>
+              <a:t>7/22/22</a:t>
             </a:fld>
             <a:endParaRPr lang="en-US" dirty="0"/>
           </a:p>
@@ -1758,7 +1760,7 @@
           <a:p>
             <a:fld id="{CD91ABF4-99EA-9A4C-8826-87C21CFC9DF7}" type="datetimeFigureOut">
               <a:rPr lang="en-US" smtClean="0"/>
-              <a:t>6/2/22</a:t>
+              <a:t>7/22/22</a:t>
             </a:fld>
             <a:endParaRPr lang="en-US" dirty="0"/>
           </a:p>
@@ -2023,7 +2025,7 @@
           <a:p>
             <a:fld id="{CD91ABF4-99EA-9A4C-8826-87C21CFC9DF7}" type="datetimeFigureOut">
               <a:rPr lang="en-US" smtClean="0"/>
-              <a:t>6/2/22</a:t>
+              <a:t>7/22/22</a:t>
             </a:fld>
             <a:endParaRPr lang="en-US" dirty="0"/>
           </a:p>
@@ -2435,7 +2437,7 @@
           <a:p>
             <a:fld id="{CD91ABF4-99EA-9A4C-8826-87C21CFC9DF7}" type="datetimeFigureOut">
               <a:rPr lang="en-US" smtClean="0"/>
-              <a:t>6/2/22</a:t>
+              <a:t>7/22/22</a:t>
             </a:fld>
             <a:endParaRPr lang="en-US" dirty="0"/>
           </a:p>
@@ -2576,7 +2578,7 @@
           <a:p>
             <a:fld id="{CD91ABF4-99EA-9A4C-8826-87C21CFC9DF7}" type="datetimeFigureOut">
               <a:rPr lang="en-US" smtClean="0"/>
-              <a:t>6/2/22</a:t>
+              <a:t>7/22/22</a:t>
             </a:fld>
             <a:endParaRPr lang="en-US" dirty="0"/>
           </a:p>
@@ -2689,7 +2691,7 @@
           <a:p>
             <a:fld id="{CD91ABF4-99EA-9A4C-8826-87C21CFC9DF7}" type="datetimeFigureOut">
               <a:rPr lang="en-US" smtClean="0"/>
-              <a:t>6/2/22</a:t>
+              <a:t>7/22/22</a:t>
             </a:fld>
             <a:endParaRPr lang="en-US" dirty="0"/>
           </a:p>
@@ -3000,7 +3002,7 @@
           <a:p>
             <a:fld id="{CD91ABF4-99EA-9A4C-8826-87C21CFC9DF7}" type="datetimeFigureOut">
               <a:rPr lang="en-US" smtClean="0"/>
-              <a:t>6/2/22</a:t>
+              <a:t>7/22/22</a:t>
             </a:fld>
             <a:endParaRPr lang="en-US" dirty="0"/>
           </a:p>
@@ -3288,7 +3290,7 @@
           <a:p>
             <a:fld id="{CD91ABF4-99EA-9A4C-8826-87C21CFC9DF7}" type="datetimeFigureOut">
               <a:rPr lang="en-US" smtClean="0"/>
-              <a:t>6/2/22</a:t>
+              <a:t>7/22/22</a:t>
             </a:fld>
             <a:endParaRPr lang="en-US" dirty="0"/>
           </a:p>
@@ -3529,7 +3531,7 @@
           <a:p>
             <a:fld id="{CD91ABF4-99EA-9A4C-8826-87C21CFC9DF7}" type="datetimeFigureOut">
               <a:rPr lang="en-US" smtClean="0"/>
-              <a:t>6/2/22</a:t>
+              <a:t>7/22/22</a:t>
             </a:fld>
             <a:endParaRPr lang="en-US" dirty="0"/>
           </a:p>
@@ -5454,6 +5456,1321 @@
 </p:sld>
 </file>
 
+<file path=ppt/slides/slide10.xml><?xml version="1.0" encoding="utf-8"?>
+<p:sld xmlns:a="http://schemas.openxmlformats.org/drawingml/2006/main" xmlns:r="http://schemas.openxmlformats.org/officeDocument/2006/relationships" xmlns:p="http://schemas.openxmlformats.org/presentationml/2006/main">
+  <p:cSld>
+    <p:spTree>
+      <p:nvGrpSpPr>
+        <p:cNvPr id="1" name=""/>
+        <p:cNvGrpSpPr/>
+        <p:nvPr/>
+      </p:nvGrpSpPr>
+      <p:grpSpPr>
+        <a:xfrm>
+          <a:off x="0" y="0"/>
+          <a:ext cx="0" cy="0"/>
+          <a:chOff x="0" y="0"/>
+          <a:chExt cx="0" cy="0"/>
+        </a:xfrm>
+      </p:grpSpPr>
+      <p:pic>
+        <p:nvPicPr>
+          <p:cNvPr id="3" name="Picture 2" descr="Map&#10;&#10;Description automatically generated">
+            <a:extLst>
+              <a:ext uri="{FF2B5EF4-FFF2-40B4-BE49-F238E27FC236}">
+                <a16:creationId xmlns:a16="http://schemas.microsoft.com/office/drawing/2014/main" id="{75BEBD68-FAAC-D043-8AB4-D9BC94C8FF21}"/>
+              </a:ext>
+            </a:extLst>
+          </p:cNvPr>
+          <p:cNvPicPr>
+            <a:picLocks noChangeAspect="1"/>
+          </p:cNvPicPr>
+          <p:nvPr/>
+        </p:nvPicPr>
+        <p:blipFill>
+          <a:blip r:embed="rId2"/>
+          <a:stretch>
+            <a:fillRect/>
+          </a:stretch>
+        </p:blipFill>
+        <p:spPr>
+          <a:xfrm>
+            <a:off x="38100" y="452887"/>
+            <a:ext cx="12192000" cy="5952226"/>
+          </a:xfrm>
+          <a:prstGeom prst="rect">
+            <a:avLst/>
+          </a:prstGeom>
+        </p:spPr>
+      </p:pic>
+      <p:sp>
+        <p:nvSpPr>
+          <p:cNvPr id="4" name="TextBox 3">
+            <a:extLst>
+              <a:ext uri="{FF2B5EF4-FFF2-40B4-BE49-F238E27FC236}">
+                <a16:creationId xmlns:a16="http://schemas.microsoft.com/office/drawing/2014/main" id="{03803094-A6EA-184E-9DA0-2EC59811DAD9}"/>
+              </a:ext>
+            </a:extLst>
+          </p:cNvPr>
+          <p:cNvSpPr txBox="1"/>
+          <p:nvPr/>
+        </p:nvSpPr>
+        <p:spPr>
+          <a:xfrm>
+            <a:off x="1859694" y="4929204"/>
+            <a:ext cx="1705231" cy="307777"/>
+          </a:xfrm>
+          <a:prstGeom prst="rect">
+            <a:avLst/>
+          </a:prstGeom>
+          <a:noFill/>
+        </p:spPr>
+        <p:txBody>
+          <a:bodyPr wrap="square" rtlCol="0">
+            <a:spAutoFit/>
+          </a:bodyPr>
+          <a:lstStyle/>
+          <a:p>
+            <a:r>
+              <a:rPr lang="en-US" sz="1400" b="1" dirty="0">
+                <a:latin typeface="Arial" panose="020B0604020202020204" pitchFamily="34" charset="0"/>
+                <a:cs typeface="Arial" panose="020B0604020202020204" pitchFamily="34" charset="0"/>
+              </a:rPr>
+              <a:t>Range occupancy</a:t>
+            </a:r>
+          </a:p>
+        </p:txBody>
+      </p:sp>
+      <p:sp>
+        <p:nvSpPr>
+          <p:cNvPr id="5" name="TextBox 4">
+            <a:extLst>
+              <a:ext uri="{FF2B5EF4-FFF2-40B4-BE49-F238E27FC236}">
+                <a16:creationId xmlns:a16="http://schemas.microsoft.com/office/drawing/2014/main" id="{DC96EBDF-E240-194F-843C-CCCFBCE93928}"/>
+              </a:ext>
+            </a:extLst>
+          </p:cNvPr>
+          <p:cNvSpPr txBox="1"/>
+          <p:nvPr/>
+        </p:nvSpPr>
+        <p:spPr>
+          <a:xfrm>
+            <a:off x="1686466" y="5121433"/>
+            <a:ext cx="605480" cy="292388"/>
+          </a:xfrm>
+          <a:prstGeom prst="rect">
+            <a:avLst/>
+          </a:prstGeom>
+          <a:noFill/>
+        </p:spPr>
+        <p:txBody>
+          <a:bodyPr wrap="square" rtlCol="0">
+            <a:spAutoFit/>
+          </a:bodyPr>
+          <a:lstStyle/>
+          <a:p>
+            <a:r>
+              <a:rPr lang="en-US" sz="1300" dirty="0">
+                <a:latin typeface="Arial" panose="020B0604020202020204" pitchFamily="34" charset="0"/>
+                <a:cs typeface="Arial" panose="020B0604020202020204" pitchFamily="34" charset="0"/>
+              </a:rPr>
+              <a:t>Early</a:t>
+            </a:r>
+          </a:p>
+        </p:txBody>
+      </p:sp>
+      <p:sp>
+        <p:nvSpPr>
+          <p:cNvPr id="6" name="TextBox 5">
+            <a:extLst>
+              <a:ext uri="{FF2B5EF4-FFF2-40B4-BE49-F238E27FC236}">
+                <a16:creationId xmlns:a16="http://schemas.microsoft.com/office/drawing/2014/main" id="{84E88B88-3A7E-B247-9A09-7FB50ADAAAC0}"/>
+              </a:ext>
+            </a:extLst>
+          </p:cNvPr>
+          <p:cNvSpPr txBox="1"/>
+          <p:nvPr/>
+        </p:nvSpPr>
+        <p:spPr>
+          <a:xfrm>
+            <a:off x="3105492" y="5121433"/>
+            <a:ext cx="605480" cy="292388"/>
+          </a:xfrm>
+          <a:prstGeom prst="rect">
+            <a:avLst/>
+          </a:prstGeom>
+          <a:noFill/>
+        </p:spPr>
+        <p:txBody>
+          <a:bodyPr wrap="square" rtlCol="0">
+            <a:spAutoFit/>
+          </a:bodyPr>
+          <a:lstStyle/>
+          <a:p>
+            <a:r>
+              <a:rPr lang="en-US" sz="1300" dirty="0">
+                <a:latin typeface="Arial" panose="020B0604020202020204" pitchFamily="34" charset="0"/>
+                <a:cs typeface="Arial" panose="020B0604020202020204" pitchFamily="34" charset="0"/>
+              </a:rPr>
+              <a:t>Late</a:t>
+            </a:r>
+          </a:p>
+        </p:txBody>
+      </p:sp>
+      <p:sp>
+        <p:nvSpPr>
+          <p:cNvPr id="7" name="Oval 6">
+            <a:extLst>
+              <a:ext uri="{FF2B5EF4-FFF2-40B4-BE49-F238E27FC236}">
+                <a16:creationId xmlns:a16="http://schemas.microsoft.com/office/drawing/2014/main" id="{6A71DE0B-AA28-6347-BB3F-9BCF4528910A}"/>
+              </a:ext>
+            </a:extLst>
+          </p:cNvPr>
+          <p:cNvSpPr/>
+          <p:nvPr/>
+        </p:nvSpPr>
+        <p:spPr>
+          <a:xfrm>
+            <a:off x="1791129" y="5559336"/>
+            <a:ext cx="166814" cy="160638"/>
+          </a:xfrm>
+          <a:prstGeom prst="ellipse">
+            <a:avLst/>
+          </a:prstGeom>
+          <a:solidFill>
+            <a:srgbClr val="7470B3"/>
+          </a:solidFill>
+          <a:ln>
+            <a:noFill/>
+          </a:ln>
+        </p:spPr>
+        <p:style>
+          <a:lnRef idx="2">
+            <a:schemeClr val="accent1">
+              <a:shade val="50000"/>
+            </a:schemeClr>
+          </a:lnRef>
+          <a:fillRef idx="1">
+            <a:schemeClr val="accent1"/>
+          </a:fillRef>
+          <a:effectRef idx="0">
+            <a:schemeClr val="accent1"/>
+          </a:effectRef>
+          <a:fontRef idx="minor">
+            <a:schemeClr val="lt1"/>
+          </a:fontRef>
+        </p:style>
+        <p:txBody>
+          <a:bodyPr rtlCol="0" anchor="ctr"/>
+          <a:lstStyle/>
+          <a:p>
+            <a:pPr algn="ctr"/>
+            <a:endParaRPr lang="en-US"/>
+          </a:p>
+        </p:txBody>
+      </p:sp>
+      <p:sp>
+        <p:nvSpPr>
+          <p:cNvPr id="8" name="Oval 7">
+            <a:extLst>
+              <a:ext uri="{FF2B5EF4-FFF2-40B4-BE49-F238E27FC236}">
+                <a16:creationId xmlns:a16="http://schemas.microsoft.com/office/drawing/2014/main" id="{48EF6874-8F47-154D-B10A-366276BA1B00}"/>
+              </a:ext>
+            </a:extLst>
+          </p:cNvPr>
+          <p:cNvSpPr/>
+          <p:nvPr/>
+        </p:nvSpPr>
+        <p:spPr>
+          <a:xfrm>
+            <a:off x="1975579" y="5559281"/>
+            <a:ext cx="166814" cy="160638"/>
+          </a:xfrm>
+          <a:prstGeom prst="ellipse">
+            <a:avLst/>
+          </a:prstGeom>
+          <a:solidFill>
+            <a:srgbClr val="1A9F77"/>
+          </a:solidFill>
+          <a:ln>
+            <a:noFill/>
+          </a:ln>
+        </p:spPr>
+        <p:style>
+          <a:lnRef idx="2">
+            <a:schemeClr val="accent1">
+              <a:shade val="50000"/>
+            </a:schemeClr>
+          </a:lnRef>
+          <a:fillRef idx="1">
+            <a:schemeClr val="accent1"/>
+          </a:fillRef>
+          <a:effectRef idx="0">
+            <a:schemeClr val="accent1"/>
+          </a:effectRef>
+          <a:fontRef idx="minor">
+            <a:schemeClr val="lt1"/>
+          </a:fontRef>
+        </p:style>
+        <p:txBody>
+          <a:bodyPr rtlCol="0" anchor="ctr"/>
+          <a:lstStyle/>
+          <a:p>
+            <a:pPr algn="ctr"/>
+            <a:endParaRPr lang="en-US"/>
+          </a:p>
+        </p:txBody>
+      </p:sp>
+      <p:sp>
+        <p:nvSpPr>
+          <p:cNvPr id="9" name="Oval 8">
+            <a:extLst>
+              <a:ext uri="{FF2B5EF4-FFF2-40B4-BE49-F238E27FC236}">
+                <a16:creationId xmlns:a16="http://schemas.microsoft.com/office/drawing/2014/main" id="{B10A70DC-D1B9-5E47-96B5-BF936CA1E21D}"/>
+              </a:ext>
+            </a:extLst>
+          </p:cNvPr>
+          <p:cNvSpPr/>
+          <p:nvPr/>
+        </p:nvSpPr>
+        <p:spPr>
+          <a:xfrm>
+            <a:off x="1603718" y="5559281"/>
+            <a:ext cx="166814" cy="160638"/>
+          </a:xfrm>
+          <a:prstGeom prst="ellipse">
+            <a:avLst/>
+          </a:prstGeom>
+          <a:solidFill>
+            <a:srgbClr val="DA5F01"/>
+          </a:solidFill>
+          <a:ln>
+            <a:noFill/>
+          </a:ln>
+        </p:spPr>
+        <p:style>
+          <a:lnRef idx="2">
+            <a:schemeClr val="accent1">
+              <a:shade val="50000"/>
+            </a:schemeClr>
+          </a:lnRef>
+          <a:fillRef idx="1">
+            <a:schemeClr val="accent1"/>
+          </a:fillRef>
+          <a:effectRef idx="0">
+            <a:schemeClr val="accent1"/>
+          </a:effectRef>
+          <a:fontRef idx="minor">
+            <a:schemeClr val="lt1"/>
+          </a:fontRef>
+        </p:style>
+        <p:txBody>
+          <a:bodyPr rtlCol="0" anchor="ctr"/>
+          <a:lstStyle/>
+          <a:p>
+            <a:pPr algn="ctr"/>
+            <a:endParaRPr lang="en-US"/>
+          </a:p>
+        </p:txBody>
+      </p:sp>
+      <p:sp>
+        <p:nvSpPr>
+          <p:cNvPr id="10" name="Oval 9">
+            <a:extLst>
+              <a:ext uri="{FF2B5EF4-FFF2-40B4-BE49-F238E27FC236}">
+                <a16:creationId xmlns:a16="http://schemas.microsoft.com/office/drawing/2014/main" id="{6FE2BF56-FD27-174D-AABC-DBE311ADB30E}"/>
+              </a:ext>
+            </a:extLst>
+          </p:cNvPr>
+          <p:cNvSpPr/>
+          <p:nvPr/>
+        </p:nvSpPr>
+        <p:spPr>
+          <a:xfrm>
+            <a:off x="1978540" y="5370515"/>
+            <a:ext cx="166814" cy="160638"/>
+          </a:xfrm>
+          <a:prstGeom prst="ellipse">
+            <a:avLst/>
+          </a:prstGeom>
+          <a:solidFill>
+            <a:srgbClr val="DA5F01"/>
+          </a:solidFill>
+          <a:ln>
+            <a:noFill/>
+          </a:ln>
+        </p:spPr>
+        <p:style>
+          <a:lnRef idx="2">
+            <a:schemeClr val="accent1">
+              <a:shade val="50000"/>
+            </a:schemeClr>
+          </a:lnRef>
+          <a:fillRef idx="1">
+            <a:schemeClr val="accent1"/>
+          </a:fillRef>
+          <a:effectRef idx="0">
+            <a:schemeClr val="accent1"/>
+          </a:effectRef>
+          <a:fontRef idx="minor">
+            <a:schemeClr val="lt1"/>
+          </a:fontRef>
+        </p:style>
+        <p:txBody>
+          <a:bodyPr rtlCol="0" anchor="ctr"/>
+          <a:lstStyle/>
+          <a:p>
+            <a:pPr algn="ctr"/>
+            <a:endParaRPr lang="en-US"/>
+          </a:p>
+        </p:txBody>
+      </p:sp>
+      <p:sp>
+        <p:nvSpPr>
+          <p:cNvPr id="11" name="Oval 10">
+            <a:extLst>
+              <a:ext uri="{FF2B5EF4-FFF2-40B4-BE49-F238E27FC236}">
+                <a16:creationId xmlns:a16="http://schemas.microsoft.com/office/drawing/2014/main" id="{5C1CAE97-1507-5641-B0D0-739738525F22}"/>
+              </a:ext>
+            </a:extLst>
+          </p:cNvPr>
+          <p:cNvSpPr/>
+          <p:nvPr/>
+        </p:nvSpPr>
+        <p:spPr>
+          <a:xfrm>
+            <a:off x="1791129" y="5371734"/>
+            <a:ext cx="166814" cy="160638"/>
+          </a:xfrm>
+          <a:prstGeom prst="ellipse">
+            <a:avLst/>
+          </a:prstGeom>
+          <a:solidFill>
+            <a:srgbClr val="1A9F77"/>
+          </a:solidFill>
+          <a:ln>
+            <a:noFill/>
+          </a:ln>
+        </p:spPr>
+        <p:style>
+          <a:lnRef idx="2">
+            <a:schemeClr val="accent1">
+              <a:shade val="50000"/>
+            </a:schemeClr>
+          </a:lnRef>
+          <a:fillRef idx="1">
+            <a:schemeClr val="accent1"/>
+          </a:fillRef>
+          <a:effectRef idx="0">
+            <a:schemeClr val="accent1"/>
+          </a:effectRef>
+          <a:fontRef idx="minor">
+            <a:schemeClr val="lt1"/>
+          </a:fontRef>
+        </p:style>
+        <p:txBody>
+          <a:bodyPr rtlCol="0" anchor="ctr"/>
+          <a:lstStyle/>
+          <a:p>
+            <a:pPr algn="ctr"/>
+            <a:endParaRPr lang="en-US"/>
+          </a:p>
+        </p:txBody>
+      </p:sp>
+      <p:sp>
+        <p:nvSpPr>
+          <p:cNvPr id="12" name="Oval 11">
+            <a:extLst>
+              <a:ext uri="{FF2B5EF4-FFF2-40B4-BE49-F238E27FC236}">
+                <a16:creationId xmlns:a16="http://schemas.microsoft.com/office/drawing/2014/main" id="{7AD4053F-4162-1441-BC9E-548DB4E5AD6F}"/>
+              </a:ext>
+            </a:extLst>
+          </p:cNvPr>
+          <p:cNvSpPr/>
+          <p:nvPr/>
+        </p:nvSpPr>
+        <p:spPr>
+          <a:xfrm>
+            <a:off x="2160029" y="5564567"/>
+            <a:ext cx="166814" cy="160638"/>
+          </a:xfrm>
+          <a:prstGeom prst="ellipse">
+            <a:avLst/>
+          </a:prstGeom>
+          <a:noFill/>
+          <a:ln>
+            <a:solidFill>
+              <a:srgbClr val="E82187"/>
+            </a:solidFill>
+          </a:ln>
+        </p:spPr>
+        <p:style>
+          <a:lnRef idx="2">
+            <a:schemeClr val="accent1">
+              <a:shade val="50000"/>
+            </a:schemeClr>
+          </a:lnRef>
+          <a:fillRef idx="1">
+            <a:schemeClr val="accent1"/>
+          </a:fillRef>
+          <a:effectRef idx="0">
+            <a:schemeClr val="accent1"/>
+          </a:effectRef>
+          <a:fontRef idx="minor">
+            <a:schemeClr val="lt1"/>
+          </a:fontRef>
+        </p:style>
+        <p:txBody>
+          <a:bodyPr rtlCol="0" anchor="ctr"/>
+          <a:lstStyle/>
+          <a:p>
+            <a:pPr algn="ctr"/>
+            <a:endParaRPr lang="en-US"/>
+          </a:p>
+        </p:txBody>
+      </p:sp>
+      <p:sp>
+        <p:nvSpPr>
+          <p:cNvPr id="13" name="Oval 12">
+            <a:extLst>
+              <a:ext uri="{FF2B5EF4-FFF2-40B4-BE49-F238E27FC236}">
+                <a16:creationId xmlns:a16="http://schemas.microsoft.com/office/drawing/2014/main" id="{915AD0ED-DA0A-9B49-A47B-1C7F3027C553}"/>
+              </a:ext>
+            </a:extLst>
+          </p:cNvPr>
+          <p:cNvSpPr/>
+          <p:nvPr/>
+        </p:nvSpPr>
+        <p:spPr>
+          <a:xfrm>
+            <a:off x="3194004" y="5558051"/>
+            <a:ext cx="166814" cy="160638"/>
+          </a:xfrm>
+          <a:prstGeom prst="ellipse">
+            <a:avLst/>
+          </a:prstGeom>
+          <a:solidFill>
+            <a:srgbClr val="7470B3"/>
+          </a:solidFill>
+          <a:ln>
+            <a:noFill/>
+          </a:ln>
+        </p:spPr>
+        <p:style>
+          <a:lnRef idx="2">
+            <a:schemeClr val="accent1">
+              <a:shade val="50000"/>
+            </a:schemeClr>
+          </a:lnRef>
+          <a:fillRef idx="1">
+            <a:schemeClr val="accent1"/>
+          </a:fillRef>
+          <a:effectRef idx="0">
+            <a:schemeClr val="accent1"/>
+          </a:effectRef>
+          <a:fontRef idx="minor">
+            <a:schemeClr val="lt1"/>
+          </a:fontRef>
+        </p:style>
+        <p:txBody>
+          <a:bodyPr rtlCol="0" anchor="ctr"/>
+          <a:lstStyle/>
+          <a:p>
+            <a:pPr algn="ctr"/>
+            <a:endParaRPr lang="en-US"/>
+          </a:p>
+        </p:txBody>
+      </p:sp>
+      <p:sp>
+        <p:nvSpPr>
+          <p:cNvPr id="14" name="Oval 13">
+            <a:extLst>
+              <a:ext uri="{FF2B5EF4-FFF2-40B4-BE49-F238E27FC236}">
+                <a16:creationId xmlns:a16="http://schemas.microsoft.com/office/drawing/2014/main" id="{4C18C05D-A839-B848-B227-69D6C5F0744C}"/>
+              </a:ext>
+            </a:extLst>
+          </p:cNvPr>
+          <p:cNvSpPr/>
+          <p:nvPr/>
+        </p:nvSpPr>
+        <p:spPr>
+          <a:xfrm>
+            <a:off x="3381415" y="5560135"/>
+            <a:ext cx="166814" cy="160638"/>
+          </a:xfrm>
+          <a:prstGeom prst="ellipse">
+            <a:avLst/>
+          </a:prstGeom>
+          <a:solidFill>
+            <a:srgbClr val="1A9F77"/>
+          </a:solidFill>
+          <a:ln>
+            <a:noFill/>
+          </a:ln>
+        </p:spPr>
+        <p:style>
+          <a:lnRef idx="2">
+            <a:schemeClr val="accent1">
+              <a:shade val="50000"/>
+            </a:schemeClr>
+          </a:lnRef>
+          <a:fillRef idx="1">
+            <a:schemeClr val="accent1"/>
+          </a:fillRef>
+          <a:effectRef idx="0">
+            <a:schemeClr val="accent1"/>
+          </a:effectRef>
+          <a:fontRef idx="minor">
+            <a:schemeClr val="lt1"/>
+          </a:fontRef>
+        </p:style>
+        <p:txBody>
+          <a:bodyPr rtlCol="0" anchor="ctr"/>
+          <a:lstStyle/>
+          <a:p>
+            <a:pPr algn="ctr"/>
+            <a:endParaRPr lang="en-US"/>
+          </a:p>
+        </p:txBody>
+      </p:sp>
+      <p:sp>
+        <p:nvSpPr>
+          <p:cNvPr id="15" name="Oval 14">
+            <a:extLst>
+              <a:ext uri="{FF2B5EF4-FFF2-40B4-BE49-F238E27FC236}">
+                <a16:creationId xmlns:a16="http://schemas.microsoft.com/office/drawing/2014/main" id="{0FD3C64E-FB15-9B41-8408-6C757DE63395}"/>
+              </a:ext>
+            </a:extLst>
+          </p:cNvPr>
+          <p:cNvSpPr/>
+          <p:nvPr/>
+        </p:nvSpPr>
+        <p:spPr>
+          <a:xfrm>
+            <a:off x="3006593" y="5559281"/>
+            <a:ext cx="166814" cy="160638"/>
+          </a:xfrm>
+          <a:prstGeom prst="ellipse">
+            <a:avLst/>
+          </a:prstGeom>
+          <a:solidFill>
+            <a:srgbClr val="DA5F01"/>
+          </a:solidFill>
+          <a:ln>
+            <a:noFill/>
+          </a:ln>
+        </p:spPr>
+        <p:style>
+          <a:lnRef idx="2">
+            <a:schemeClr val="accent1">
+              <a:shade val="50000"/>
+            </a:schemeClr>
+          </a:lnRef>
+          <a:fillRef idx="1">
+            <a:schemeClr val="accent1"/>
+          </a:fillRef>
+          <a:effectRef idx="0">
+            <a:schemeClr val="accent1"/>
+          </a:effectRef>
+          <a:fontRef idx="minor">
+            <a:schemeClr val="lt1"/>
+          </a:fontRef>
+        </p:style>
+        <p:txBody>
+          <a:bodyPr rtlCol="0" anchor="ctr"/>
+          <a:lstStyle/>
+          <a:p>
+            <a:pPr algn="ctr"/>
+            <a:endParaRPr lang="en-US"/>
+          </a:p>
+        </p:txBody>
+      </p:sp>
+      <p:sp>
+        <p:nvSpPr>
+          <p:cNvPr id="16" name="Oval 15">
+            <a:extLst>
+              <a:ext uri="{FF2B5EF4-FFF2-40B4-BE49-F238E27FC236}">
+                <a16:creationId xmlns:a16="http://schemas.microsoft.com/office/drawing/2014/main" id="{8E1EC89F-B4D5-3C49-81FC-6B88519C50B0}"/>
+              </a:ext>
+            </a:extLst>
+          </p:cNvPr>
+          <p:cNvSpPr/>
+          <p:nvPr/>
+        </p:nvSpPr>
+        <p:spPr>
+          <a:xfrm>
+            <a:off x="3381415" y="5369230"/>
+            <a:ext cx="166814" cy="160638"/>
+          </a:xfrm>
+          <a:prstGeom prst="ellipse">
+            <a:avLst/>
+          </a:prstGeom>
+          <a:solidFill>
+            <a:srgbClr val="7470B3"/>
+          </a:solidFill>
+          <a:ln>
+            <a:noFill/>
+          </a:ln>
+        </p:spPr>
+        <p:style>
+          <a:lnRef idx="2">
+            <a:schemeClr val="accent1">
+              <a:shade val="50000"/>
+            </a:schemeClr>
+          </a:lnRef>
+          <a:fillRef idx="1">
+            <a:schemeClr val="accent1"/>
+          </a:fillRef>
+          <a:effectRef idx="0">
+            <a:schemeClr val="accent1"/>
+          </a:effectRef>
+          <a:fontRef idx="minor">
+            <a:schemeClr val="lt1"/>
+          </a:fontRef>
+        </p:style>
+        <p:txBody>
+          <a:bodyPr rtlCol="0" anchor="ctr"/>
+          <a:lstStyle/>
+          <a:p>
+            <a:pPr algn="ctr"/>
+            <a:endParaRPr lang="en-US"/>
+          </a:p>
+        </p:txBody>
+      </p:sp>
+      <p:sp>
+        <p:nvSpPr>
+          <p:cNvPr id="17" name="Oval 16">
+            <a:extLst>
+              <a:ext uri="{FF2B5EF4-FFF2-40B4-BE49-F238E27FC236}">
+                <a16:creationId xmlns:a16="http://schemas.microsoft.com/office/drawing/2014/main" id="{2DEB3AE1-05E1-2B46-AA71-BE21D4538DAC}"/>
+              </a:ext>
+            </a:extLst>
+          </p:cNvPr>
+          <p:cNvSpPr/>
+          <p:nvPr/>
+        </p:nvSpPr>
+        <p:spPr>
+          <a:xfrm>
+            <a:off x="3194004" y="5370449"/>
+            <a:ext cx="166814" cy="160638"/>
+          </a:xfrm>
+          <a:prstGeom prst="ellipse">
+            <a:avLst/>
+          </a:prstGeom>
+          <a:solidFill>
+            <a:srgbClr val="1A9F77"/>
+          </a:solidFill>
+          <a:ln>
+            <a:noFill/>
+          </a:ln>
+        </p:spPr>
+        <p:style>
+          <a:lnRef idx="2">
+            <a:schemeClr val="accent1">
+              <a:shade val="50000"/>
+            </a:schemeClr>
+          </a:lnRef>
+          <a:fillRef idx="1">
+            <a:schemeClr val="accent1"/>
+          </a:fillRef>
+          <a:effectRef idx="0">
+            <a:schemeClr val="accent1"/>
+          </a:effectRef>
+          <a:fontRef idx="minor">
+            <a:schemeClr val="lt1"/>
+          </a:fontRef>
+        </p:style>
+        <p:txBody>
+          <a:bodyPr rtlCol="0" anchor="ctr"/>
+          <a:lstStyle/>
+          <a:p>
+            <a:pPr algn="ctr"/>
+            <a:endParaRPr lang="en-US"/>
+          </a:p>
+        </p:txBody>
+      </p:sp>
+      <p:sp>
+        <p:nvSpPr>
+          <p:cNvPr id="18" name="Oval 17">
+            <a:extLst>
+              <a:ext uri="{FF2B5EF4-FFF2-40B4-BE49-F238E27FC236}">
+                <a16:creationId xmlns:a16="http://schemas.microsoft.com/office/drawing/2014/main" id="{E2028E4F-6D97-274A-9F2B-E6126EF9FF44}"/>
+              </a:ext>
+            </a:extLst>
+          </p:cNvPr>
+          <p:cNvSpPr/>
+          <p:nvPr/>
+        </p:nvSpPr>
+        <p:spPr>
+          <a:xfrm>
+            <a:off x="3565865" y="5557281"/>
+            <a:ext cx="166814" cy="160638"/>
+          </a:xfrm>
+          <a:prstGeom prst="ellipse">
+            <a:avLst/>
+          </a:prstGeom>
+          <a:noFill/>
+          <a:ln>
+            <a:solidFill>
+              <a:srgbClr val="E82187"/>
+            </a:solidFill>
+          </a:ln>
+        </p:spPr>
+        <p:style>
+          <a:lnRef idx="2">
+            <a:schemeClr val="accent1">
+              <a:shade val="50000"/>
+            </a:schemeClr>
+          </a:lnRef>
+          <a:fillRef idx="1">
+            <a:schemeClr val="accent1"/>
+          </a:fillRef>
+          <a:effectRef idx="0">
+            <a:schemeClr val="accent1"/>
+          </a:effectRef>
+          <a:fontRef idx="minor">
+            <a:schemeClr val="lt1"/>
+          </a:fontRef>
+        </p:style>
+        <p:txBody>
+          <a:bodyPr rtlCol="0" anchor="ctr"/>
+          <a:lstStyle/>
+          <a:p>
+            <a:pPr algn="ctr"/>
+            <a:endParaRPr lang="en-US"/>
+          </a:p>
+        </p:txBody>
+      </p:sp>
+      <p:cxnSp>
+        <p:nvCxnSpPr>
+          <p:cNvPr id="20" name="Straight Connector 19">
+            <a:extLst>
+              <a:ext uri="{FF2B5EF4-FFF2-40B4-BE49-F238E27FC236}">
+                <a16:creationId xmlns:a16="http://schemas.microsoft.com/office/drawing/2014/main" id="{9B7B9929-019B-3547-B600-36AA844AA543}"/>
+              </a:ext>
+            </a:extLst>
+          </p:cNvPr>
+          <p:cNvCxnSpPr/>
+          <p:nvPr/>
+        </p:nvCxnSpPr>
+        <p:spPr>
+          <a:xfrm>
+            <a:off x="1603718" y="5537143"/>
+            <a:ext cx="700221" cy="0"/>
+          </a:xfrm>
+          <a:prstGeom prst="line">
+            <a:avLst/>
+          </a:prstGeom>
+          <a:ln w="12700">
+            <a:solidFill>
+              <a:schemeClr val="tx1"/>
+            </a:solidFill>
+          </a:ln>
+        </p:spPr>
+        <p:style>
+          <a:lnRef idx="1">
+            <a:schemeClr val="accent1"/>
+          </a:lnRef>
+          <a:fillRef idx="0">
+            <a:schemeClr val="accent1"/>
+          </a:fillRef>
+          <a:effectRef idx="0">
+            <a:schemeClr val="accent1"/>
+          </a:effectRef>
+          <a:fontRef idx="minor">
+            <a:schemeClr val="tx1"/>
+          </a:fontRef>
+        </p:style>
+      </p:cxnSp>
+      <p:cxnSp>
+        <p:nvCxnSpPr>
+          <p:cNvPr id="21" name="Straight Connector 20">
+            <a:extLst>
+              <a:ext uri="{FF2B5EF4-FFF2-40B4-BE49-F238E27FC236}">
+                <a16:creationId xmlns:a16="http://schemas.microsoft.com/office/drawing/2014/main" id="{A71693C7-1083-474A-B8CE-94128C83E6B9}"/>
+              </a:ext>
+            </a:extLst>
+          </p:cNvPr>
+          <p:cNvCxnSpPr/>
+          <p:nvPr/>
+        </p:nvCxnSpPr>
+        <p:spPr>
+          <a:xfrm>
+            <a:off x="3010707" y="5536262"/>
+            <a:ext cx="700221" cy="0"/>
+          </a:xfrm>
+          <a:prstGeom prst="line">
+            <a:avLst/>
+          </a:prstGeom>
+          <a:ln w="12700">
+            <a:solidFill>
+              <a:schemeClr val="tx1"/>
+            </a:solidFill>
+          </a:ln>
+        </p:spPr>
+        <p:style>
+          <a:lnRef idx="1">
+            <a:schemeClr val="accent1"/>
+          </a:lnRef>
+          <a:fillRef idx="0">
+            <a:schemeClr val="accent1"/>
+          </a:fillRef>
+          <a:effectRef idx="0">
+            <a:schemeClr val="accent1"/>
+          </a:effectRef>
+          <a:fontRef idx="minor">
+            <a:schemeClr val="tx1"/>
+          </a:fontRef>
+        </p:style>
+      </p:cxnSp>
+      <p:sp>
+        <p:nvSpPr>
+          <p:cNvPr id="22" name="TextBox 21">
+            <a:extLst>
+              <a:ext uri="{FF2B5EF4-FFF2-40B4-BE49-F238E27FC236}">
+                <a16:creationId xmlns:a16="http://schemas.microsoft.com/office/drawing/2014/main" id="{F77B3795-36E6-CB4E-8844-70C497F35641}"/>
+              </a:ext>
+            </a:extLst>
+          </p:cNvPr>
+          <p:cNvSpPr txBox="1"/>
+          <p:nvPr/>
+        </p:nvSpPr>
+        <p:spPr>
+          <a:xfrm>
+            <a:off x="1236929" y="5717315"/>
+            <a:ext cx="1656492" cy="292388"/>
+          </a:xfrm>
+          <a:prstGeom prst="rect">
+            <a:avLst/>
+          </a:prstGeom>
+          <a:noFill/>
+        </p:spPr>
+        <p:txBody>
+          <a:bodyPr wrap="square" rtlCol="0">
+            <a:spAutoFit/>
+          </a:bodyPr>
+          <a:lstStyle/>
+          <a:p>
+            <a:r>
+              <a:rPr lang="en-US" sz="1300" dirty="0">
+                <a:latin typeface="Arial" panose="020B0604020202020204" pitchFamily="34" charset="0"/>
+                <a:cs typeface="Arial" panose="020B0604020202020204" pitchFamily="34" charset="0"/>
+              </a:rPr>
+              <a:t>122/226 = 0.54</a:t>
+            </a:r>
+          </a:p>
+        </p:txBody>
+      </p:sp>
+      <p:sp>
+        <p:nvSpPr>
+          <p:cNvPr id="23" name="TextBox 22">
+            <a:extLst>
+              <a:ext uri="{FF2B5EF4-FFF2-40B4-BE49-F238E27FC236}">
+                <a16:creationId xmlns:a16="http://schemas.microsoft.com/office/drawing/2014/main" id="{FE8EA2B8-E4AF-2D46-9D86-EC07EF097A5D}"/>
+              </a:ext>
+            </a:extLst>
+          </p:cNvPr>
+          <p:cNvSpPr txBox="1"/>
+          <p:nvPr/>
+        </p:nvSpPr>
+        <p:spPr>
+          <a:xfrm>
+            <a:off x="2712309" y="5709707"/>
+            <a:ext cx="1656492" cy="292388"/>
+          </a:xfrm>
+          <a:prstGeom prst="rect">
+            <a:avLst/>
+          </a:prstGeom>
+          <a:noFill/>
+        </p:spPr>
+        <p:txBody>
+          <a:bodyPr wrap="square" rtlCol="0">
+            <a:spAutoFit/>
+          </a:bodyPr>
+          <a:lstStyle/>
+          <a:p>
+            <a:r>
+              <a:rPr lang="en-US" sz="1300" dirty="0">
+                <a:latin typeface="Arial" panose="020B0604020202020204" pitchFamily="34" charset="0"/>
+                <a:cs typeface="Arial" panose="020B0604020202020204" pitchFamily="34" charset="0"/>
+              </a:rPr>
+              <a:t>160/226 = 0.71</a:t>
+            </a:r>
+          </a:p>
+        </p:txBody>
+      </p:sp>
+      <p:sp>
+        <p:nvSpPr>
+          <p:cNvPr id="24" name="TextBox 23">
+            <a:extLst>
+              <a:ext uri="{FF2B5EF4-FFF2-40B4-BE49-F238E27FC236}">
+                <a16:creationId xmlns:a16="http://schemas.microsoft.com/office/drawing/2014/main" id="{6B8B3238-92E5-A941-AAD5-C91D0CAA5CB6}"/>
+              </a:ext>
+            </a:extLst>
+          </p:cNvPr>
+          <p:cNvSpPr txBox="1"/>
+          <p:nvPr/>
+        </p:nvSpPr>
+        <p:spPr>
+          <a:xfrm>
+            <a:off x="1076326" y="5977040"/>
+            <a:ext cx="3205162" cy="292388"/>
+          </a:xfrm>
+          <a:prstGeom prst="rect">
+            <a:avLst/>
+          </a:prstGeom>
+          <a:noFill/>
+        </p:spPr>
+        <p:txBody>
+          <a:bodyPr wrap="square" rtlCol="0">
+            <a:spAutoFit/>
+          </a:bodyPr>
+          <a:lstStyle/>
+          <a:p>
+            <a:r>
+              <a:rPr lang="en-US" sz="1300" dirty="0">
+                <a:latin typeface="Arial" panose="020B0604020202020204" pitchFamily="34" charset="0"/>
+                <a:cs typeface="Arial" panose="020B0604020202020204" pitchFamily="34" charset="0"/>
+              </a:rPr>
+              <a:t>Δ Range occupancy = 0.71-0.54 = 0.17</a:t>
+            </a:r>
+          </a:p>
+        </p:txBody>
+      </p:sp>
+      <p:sp>
+        <p:nvSpPr>
+          <p:cNvPr id="25" name="TextBox 24">
+            <a:extLst>
+              <a:ext uri="{FF2B5EF4-FFF2-40B4-BE49-F238E27FC236}">
+                <a16:creationId xmlns:a16="http://schemas.microsoft.com/office/drawing/2014/main" id="{715365A8-6018-6948-A180-157805F82625}"/>
+              </a:ext>
+            </a:extLst>
+          </p:cNvPr>
+          <p:cNvSpPr txBox="1"/>
+          <p:nvPr/>
+        </p:nvSpPr>
+        <p:spPr>
+          <a:xfrm>
+            <a:off x="8097934" y="4967544"/>
+            <a:ext cx="1705231" cy="307777"/>
+          </a:xfrm>
+          <a:prstGeom prst="rect">
+            <a:avLst/>
+          </a:prstGeom>
+          <a:noFill/>
+        </p:spPr>
+        <p:txBody>
+          <a:bodyPr wrap="square" rtlCol="0">
+            <a:spAutoFit/>
+          </a:bodyPr>
+          <a:lstStyle/>
+          <a:p>
+            <a:pPr algn="ctr"/>
+            <a:r>
+              <a:rPr lang="en-US" sz="1400" b="1" dirty="0">
+                <a:latin typeface="Arial" panose="020B0604020202020204" pitchFamily="34" charset="0"/>
+                <a:cs typeface="Arial" panose="020B0604020202020204" pitchFamily="34" charset="0"/>
+              </a:rPr>
+              <a:t>Range area</a:t>
+            </a:r>
+          </a:p>
+        </p:txBody>
+      </p:sp>
+      <p:sp>
+        <p:nvSpPr>
+          <p:cNvPr id="26" name="TextBox 25">
+            <a:extLst>
+              <a:ext uri="{FF2B5EF4-FFF2-40B4-BE49-F238E27FC236}">
+                <a16:creationId xmlns:a16="http://schemas.microsoft.com/office/drawing/2014/main" id="{B32796FE-97DE-0F40-88D9-03B8E828ABC2}"/>
+              </a:ext>
+            </a:extLst>
+          </p:cNvPr>
+          <p:cNvSpPr txBox="1"/>
+          <p:nvPr/>
+        </p:nvSpPr>
+        <p:spPr>
+          <a:xfrm>
+            <a:off x="7924706" y="5159773"/>
+            <a:ext cx="605480" cy="292388"/>
+          </a:xfrm>
+          <a:prstGeom prst="rect">
+            <a:avLst/>
+          </a:prstGeom>
+          <a:noFill/>
+        </p:spPr>
+        <p:txBody>
+          <a:bodyPr wrap="square" rtlCol="0">
+            <a:spAutoFit/>
+          </a:bodyPr>
+          <a:lstStyle/>
+          <a:p>
+            <a:r>
+              <a:rPr lang="en-US" sz="1300" dirty="0">
+                <a:latin typeface="Arial" panose="020B0604020202020204" pitchFamily="34" charset="0"/>
+                <a:cs typeface="Arial" panose="020B0604020202020204" pitchFamily="34" charset="0"/>
+              </a:rPr>
+              <a:t>Early</a:t>
+            </a:r>
+          </a:p>
+        </p:txBody>
+      </p:sp>
+      <p:sp>
+        <p:nvSpPr>
+          <p:cNvPr id="27" name="TextBox 26">
+            <a:extLst>
+              <a:ext uri="{FF2B5EF4-FFF2-40B4-BE49-F238E27FC236}">
+                <a16:creationId xmlns:a16="http://schemas.microsoft.com/office/drawing/2014/main" id="{AAB76394-E0C4-8A47-8FFC-D706D2F053C2}"/>
+              </a:ext>
+            </a:extLst>
+          </p:cNvPr>
+          <p:cNvSpPr txBox="1"/>
+          <p:nvPr/>
+        </p:nvSpPr>
+        <p:spPr>
+          <a:xfrm>
+            <a:off x="9343732" y="5159773"/>
+            <a:ext cx="605480" cy="292388"/>
+          </a:xfrm>
+          <a:prstGeom prst="rect">
+            <a:avLst/>
+          </a:prstGeom>
+          <a:noFill/>
+        </p:spPr>
+        <p:txBody>
+          <a:bodyPr wrap="square" rtlCol="0">
+            <a:spAutoFit/>
+          </a:bodyPr>
+          <a:lstStyle/>
+          <a:p>
+            <a:r>
+              <a:rPr lang="en-US" sz="1300" dirty="0">
+                <a:latin typeface="Arial" panose="020B0604020202020204" pitchFamily="34" charset="0"/>
+                <a:cs typeface="Arial" panose="020B0604020202020204" pitchFamily="34" charset="0"/>
+              </a:rPr>
+              <a:t>Late</a:t>
+            </a:r>
+          </a:p>
+        </p:txBody>
+      </p:sp>
+      <p:sp>
+        <p:nvSpPr>
+          <p:cNvPr id="28" name="TextBox 27">
+            <a:extLst>
+              <a:ext uri="{FF2B5EF4-FFF2-40B4-BE49-F238E27FC236}">
+                <a16:creationId xmlns:a16="http://schemas.microsoft.com/office/drawing/2014/main" id="{C0E3BB06-89A1-B34F-9826-B8E42FF277EA}"/>
+              </a:ext>
+            </a:extLst>
+          </p:cNvPr>
+          <p:cNvSpPr txBox="1"/>
+          <p:nvPr/>
+        </p:nvSpPr>
+        <p:spPr>
+          <a:xfrm>
+            <a:off x="7687240" y="5379553"/>
+            <a:ext cx="1656492" cy="292388"/>
+          </a:xfrm>
+          <a:prstGeom prst="rect">
+            <a:avLst/>
+          </a:prstGeom>
+          <a:noFill/>
+        </p:spPr>
+        <p:txBody>
+          <a:bodyPr wrap="square" rtlCol="0">
+            <a:spAutoFit/>
+          </a:bodyPr>
+          <a:lstStyle/>
+          <a:p>
+            <a:r>
+              <a:rPr lang="en-US" sz="1300" dirty="0">
+                <a:latin typeface="Arial" panose="020B0604020202020204" pitchFamily="34" charset="0"/>
+                <a:cs typeface="Arial" panose="020B0604020202020204" pitchFamily="34" charset="0"/>
+              </a:rPr>
+              <a:t>13.8x10</a:t>
+            </a:r>
+            <a:r>
+              <a:rPr lang="en-US" sz="1300" baseline="30000" dirty="0">
+                <a:latin typeface="Arial" panose="020B0604020202020204" pitchFamily="34" charset="0"/>
+                <a:cs typeface="Arial" panose="020B0604020202020204" pitchFamily="34" charset="0"/>
+              </a:rPr>
+              <a:t>6 </a:t>
+            </a:r>
+            <a:r>
+              <a:rPr lang="en-US" sz="1300" dirty="0">
+                <a:latin typeface="Arial" panose="020B0604020202020204" pitchFamily="34" charset="0"/>
+                <a:cs typeface="Arial" panose="020B0604020202020204" pitchFamily="34" charset="0"/>
+              </a:rPr>
+              <a:t>km</a:t>
+            </a:r>
+            <a:r>
+              <a:rPr lang="en-US" sz="1300" baseline="30000" dirty="0">
+                <a:latin typeface="Arial" panose="020B0604020202020204" pitchFamily="34" charset="0"/>
+                <a:cs typeface="Arial" panose="020B0604020202020204" pitchFamily="34" charset="0"/>
+              </a:rPr>
+              <a:t>2</a:t>
+            </a:r>
+            <a:endParaRPr lang="en-US" sz="1300" dirty="0">
+              <a:latin typeface="Arial" panose="020B0604020202020204" pitchFamily="34" charset="0"/>
+              <a:cs typeface="Arial" panose="020B0604020202020204" pitchFamily="34" charset="0"/>
+            </a:endParaRPr>
+          </a:p>
+        </p:txBody>
+      </p:sp>
+      <p:sp>
+        <p:nvSpPr>
+          <p:cNvPr id="29" name="TextBox 28">
+            <a:extLst>
+              <a:ext uri="{FF2B5EF4-FFF2-40B4-BE49-F238E27FC236}">
+                <a16:creationId xmlns:a16="http://schemas.microsoft.com/office/drawing/2014/main" id="{948746A5-16DB-6341-B109-3C3357A15718}"/>
+              </a:ext>
+            </a:extLst>
+          </p:cNvPr>
+          <p:cNvSpPr txBox="1"/>
+          <p:nvPr/>
+        </p:nvSpPr>
+        <p:spPr>
+          <a:xfrm>
+            <a:off x="8893803" y="5358695"/>
+            <a:ext cx="1656492" cy="292388"/>
+          </a:xfrm>
+          <a:prstGeom prst="rect">
+            <a:avLst/>
+          </a:prstGeom>
+          <a:noFill/>
+        </p:spPr>
+        <p:txBody>
+          <a:bodyPr wrap="square" rtlCol="0">
+            <a:spAutoFit/>
+          </a:bodyPr>
+          <a:lstStyle/>
+          <a:p>
+            <a:r>
+              <a:rPr lang="en-US" sz="1300" dirty="0">
+                <a:latin typeface="Arial" panose="020B0604020202020204" pitchFamily="34" charset="0"/>
+                <a:cs typeface="Arial" panose="020B0604020202020204" pitchFamily="34" charset="0"/>
+              </a:rPr>
+              <a:t>17.3x10</a:t>
+            </a:r>
+            <a:r>
+              <a:rPr lang="en-US" sz="1300" baseline="30000" dirty="0">
+                <a:latin typeface="Arial" panose="020B0604020202020204" pitchFamily="34" charset="0"/>
+                <a:cs typeface="Arial" panose="020B0604020202020204" pitchFamily="34" charset="0"/>
+              </a:rPr>
+              <a:t>6</a:t>
+            </a:r>
+            <a:r>
+              <a:rPr lang="en-US" sz="1300" dirty="0">
+                <a:latin typeface="Arial" panose="020B0604020202020204" pitchFamily="34" charset="0"/>
+                <a:cs typeface="Arial" panose="020B0604020202020204" pitchFamily="34" charset="0"/>
+              </a:rPr>
+              <a:t> km</a:t>
+            </a:r>
+            <a:r>
+              <a:rPr lang="en-US" sz="1300" baseline="30000" dirty="0">
+                <a:latin typeface="Arial" panose="020B0604020202020204" pitchFamily="34" charset="0"/>
+                <a:cs typeface="Arial" panose="020B0604020202020204" pitchFamily="34" charset="0"/>
+              </a:rPr>
+              <a:t>2</a:t>
+            </a:r>
+            <a:endParaRPr lang="en-US" sz="1300" dirty="0">
+              <a:latin typeface="Arial" panose="020B0604020202020204" pitchFamily="34" charset="0"/>
+              <a:cs typeface="Arial" panose="020B0604020202020204" pitchFamily="34" charset="0"/>
+            </a:endParaRPr>
+          </a:p>
+        </p:txBody>
+      </p:sp>
+      <p:sp>
+        <p:nvSpPr>
+          <p:cNvPr id="30" name="TextBox 29">
+            <a:extLst>
+              <a:ext uri="{FF2B5EF4-FFF2-40B4-BE49-F238E27FC236}">
+                <a16:creationId xmlns:a16="http://schemas.microsoft.com/office/drawing/2014/main" id="{A5DA0230-05F0-EA43-806D-83BDD2E0AAEE}"/>
+              </a:ext>
+            </a:extLst>
+          </p:cNvPr>
+          <p:cNvSpPr txBox="1"/>
+          <p:nvPr/>
+        </p:nvSpPr>
+        <p:spPr>
+          <a:xfrm>
+            <a:off x="6410371" y="5976960"/>
+            <a:ext cx="4239629" cy="292388"/>
+          </a:xfrm>
+          <a:prstGeom prst="rect">
+            <a:avLst/>
+          </a:prstGeom>
+          <a:noFill/>
+        </p:spPr>
+        <p:txBody>
+          <a:bodyPr wrap="square" rtlCol="0">
+            <a:spAutoFit/>
+          </a:bodyPr>
+          <a:lstStyle/>
+          <a:p>
+            <a:r>
+              <a:rPr lang="en-US" sz="1300" dirty="0">
+                <a:latin typeface="Arial" panose="020B0604020202020204" pitchFamily="34" charset="0"/>
+                <a:cs typeface="Arial" panose="020B0604020202020204" pitchFamily="34" charset="0"/>
+              </a:rPr>
+              <a:t>Δ Range area = (17.3x10</a:t>
+            </a:r>
+            <a:r>
+              <a:rPr lang="en-US" sz="1300" baseline="30000" dirty="0">
+                <a:latin typeface="Arial" panose="020B0604020202020204" pitchFamily="34" charset="0"/>
+                <a:cs typeface="Arial" panose="020B0604020202020204" pitchFamily="34" charset="0"/>
+              </a:rPr>
+              <a:t>6 </a:t>
+            </a:r>
+            <a:r>
+              <a:rPr lang="en-US" sz="1300" dirty="0">
+                <a:latin typeface="Arial" panose="020B0604020202020204" pitchFamily="34" charset="0"/>
+                <a:cs typeface="Arial" panose="020B0604020202020204" pitchFamily="34" charset="0"/>
+              </a:rPr>
+              <a:t>-13.8x10</a:t>
+            </a:r>
+            <a:r>
+              <a:rPr lang="en-US" sz="1300" baseline="30000" dirty="0">
+                <a:latin typeface="Arial" panose="020B0604020202020204" pitchFamily="34" charset="0"/>
+                <a:cs typeface="Arial" panose="020B0604020202020204" pitchFamily="34" charset="0"/>
+              </a:rPr>
+              <a:t>6</a:t>
+            </a:r>
+            <a:r>
+              <a:rPr lang="en-US" sz="1300" dirty="0">
+                <a:latin typeface="Arial" panose="020B0604020202020204" pitchFamily="34" charset="0"/>
+                <a:cs typeface="Arial" panose="020B0604020202020204" pitchFamily="34" charset="0"/>
+              </a:rPr>
+              <a:t>)/13.8x10</a:t>
+            </a:r>
+            <a:r>
+              <a:rPr lang="en-US" sz="1300" baseline="30000" dirty="0">
+                <a:latin typeface="Arial" panose="020B0604020202020204" pitchFamily="34" charset="0"/>
+                <a:cs typeface="Arial" panose="020B0604020202020204" pitchFamily="34" charset="0"/>
+              </a:rPr>
+              <a:t>6 </a:t>
+            </a:r>
+            <a:r>
+              <a:rPr lang="en-US" sz="1300" dirty="0">
+                <a:latin typeface="Arial" panose="020B0604020202020204" pitchFamily="34" charset="0"/>
+                <a:cs typeface="Arial" panose="020B0604020202020204" pitchFamily="34" charset="0"/>
+              </a:rPr>
+              <a:t>= 0.25</a:t>
+            </a:r>
+          </a:p>
+        </p:txBody>
+      </p:sp>
+    </p:spTree>
+    <p:extLst>
+      <p:ext uri="{BB962C8B-B14F-4D97-AF65-F5344CB8AC3E}">
+        <p14:creationId xmlns:p14="http://schemas.microsoft.com/office/powerpoint/2010/main" val="1570318092"/>
+      </p:ext>
+    </p:extLst>
+  </p:cSld>
+  <p:clrMapOvr>
+    <a:masterClrMapping/>
+  </p:clrMapOvr>
+</p:sld>
+</file>
+
 <file path=ppt/slides/slide2.xml><?xml version="1.0" encoding="utf-8"?>
 <p:sld xmlns:a="http://schemas.openxmlformats.org/drawingml/2006/main" xmlns:r="http://schemas.openxmlformats.org/officeDocument/2006/relationships" xmlns:p="http://schemas.openxmlformats.org/presentationml/2006/main">
   <p:cSld>
@@ -7400,11 +8717,9 @@
           </a:prstGeom>
           <a:ln w="28575">
             <a:solidFill>
-              <a:schemeClr val="bg2">
-                <a:lumMod val="50000"/>
-              </a:schemeClr>
+              <a:schemeClr val="tx1"/>
             </a:solidFill>
-            <a:prstDash val="dash"/>
+            <a:prstDash val="solid"/>
             <a:headEnd w="lg" len="lg"/>
             <a:tailEnd type="triangle" w="lg" len="lg"/>
           </a:ln>
@@ -7446,7 +8761,7 @@
           <a:prstGeom prst="straightConnector1">
             <a:avLst/>
           </a:prstGeom>
-          <a:ln w="28575">
+          <a:ln w="38100">
             <a:solidFill>
               <a:schemeClr val="bg2">
                 <a:lumMod val="50000"/>
@@ -7541,13 +8856,11 @@
           <a:prstGeom prst="straightConnector1">
             <a:avLst/>
           </a:prstGeom>
-          <a:ln w="28575">
+          <a:ln w="38100">
             <a:solidFill>
-              <a:schemeClr val="bg2">
-                <a:lumMod val="50000"/>
-              </a:schemeClr>
+              <a:schemeClr val="tx1"/>
             </a:solidFill>
-            <a:prstDash val="dash"/>
+            <a:prstDash val="solid"/>
             <a:headEnd w="lg" len="lg"/>
             <a:tailEnd type="triangle" w="lg" len="lg"/>
           </a:ln>
@@ -7781,10 +9094,11 @@
               <a:gd name="adj1" fmla="val 3375000"/>
             </a:avLst>
           </a:prstGeom>
-          <a:ln w="38100">
+          <a:ln w="28575">
             <a:solidFill>
               <a:schemeClr val="tx1"/>
             </a:solidFill>
+            <a:prstDash val="solid"/>
             <a:headEnd w="lg" len="lg"/>
             <a:tailEnd type="triangle" w="lg" len="lg"/>
           </a:ln>
@@ -7866,8 +9180,8 @@
         </p:nvSpPr>
         <p:spPr>
           <a:xfrm>
-            <a:off x="2160773" y="3094944"/>
-            <a:ext cx="946560" cy="369332"/>
+            <a:off x="2147438" y="3080146"/>
+            <a:ext cx="797242" cy="369332"/>
           </a:xfrm>
           <a:prstGeom prst="rect">
             <a:avLst/>
@@ -7893,7 +9207,7 @@
                 <a:latin typeface="Arial" panose="020B0604020202020204" pitchFamily="34" charset="0"/>
                 <a:cs typeface="Arial" panose="020B0604020202020204" pitchFamily="34" charset="0"/>
               </a:rPr>
-              <a:t>0.044</a:t>
+              <a:t>0.011</a:t>
             </a:r>
           </a:p>
         </p:txBody>
@@ -7912,8 +9226,8 @@
         </p:nvSpPr>
         <p:spPr>
           <a:xfrm>
-            <a:off x="6057241" y="2948820"/>
-            <a:ext cx="982109" cy="369332"/>
+            <a:off x="6084741" y="2776738"/>
+            <a:ext cx="1228621" cy="369332"/>
           </a:xfrm>
           <a:prstGeom prst="rect">
             <a:avLst/>
@@ -7933,15 +9247,10 @@
           <a:p>
             <a:r>
               <a:rPr lang="en-US" dirty="0">
-                <a:solidFill>
-                  <a:schemeClr val="bg2">
-                    <a:lumMod val="50000"/>
-                  </a:schemeClr>
-                </a:solidFill>
-                <a:latin typeface="Arial" panose="020B0604020202020204" pitchFamily="34" charset="0"/>
-                <a:cs typeface="Arial" panose="020B0604020202020204" pitchFamily="34" charset="0"/>
-              </a:rPr>
-              <a:t>0.283</a:t>
+                <a:latin typeface="Arial" panose="020B0604020202020204" pitchFamily="34" charset="0"/>
+                <a:cs typeface="Arial" panose="020B0604020202020204" pitchFamily="34" charset="0"/>
+              </a:rPr>
+              <a:t>1.032***</a:t>
             </a:r>
           </a:p>
         </p:txBody>
@@ -7984,7 +9293,7 @@
                 <a:latin typeface="Arial" panose="020B0604020202020204" pitchFamily="34" charset="0"/>
                 <a:cs typeface="Arial" panose="020B0604020202020204" pitchFamily="34" charset="0"/>
               </a:rPr>
-              <a:t>0.505***</a:t>
+              <a:t>0.192*</a:t>
             </a:r>
           </a:p>
         </p:txBody>
@@ -8027,7 +9336,7 @@
                 <a:latin typeface="Arial" panose="020B0604020202020204" pitchFamily="34" charset="0"/>
                 <a:cs typeface="Arial" panose="020B0604020202020204" pitchFamily="34" charset="0"/>
               </a:rPr>
-              <a:t>-3.581***</a:t>
+              <a:t>-4.444***</a:t>
             </a:r>
           </a:p>
         </p:txBody>
@@ -8086,7 +9395,7 @@
                 <a:latin typeface="Arial" panose="020B0604020202020204" pitchFamily="34" charset="0"/>
                 <a:cs typeface="Arial" panose="020B0604020202020204" pitchFamily="34" charset="0"/>
               </a:rPr>
-              <a:t>= 0.32</a:t>
+              <a:t>= 0.35</a:t>
             </a:r>
           </a:p>
         </p:txBody>
@@ -8145,7 +9454,7 @@
                 <a:latin typeface="Arial" panose="020B0604020202020204" pitchFamily="34" charset="0"/>
                 <a:cs typeface="Arial" panose="020B0604020202020204" pitchFamily="34" charset="0"/>
               </a:rPr>
-              <a:t>= 0.32</a:t>
+              <a:t>= 0.38</a:t>
             </a:r>
           </a:p>
         </p:txBody>
@@ -8204,7 +9513,7 @@
                 <a:latin typeface="Arial" panose="020B0604020202020204" pitchFamily="34" charset="0"/>
                 <a:cs typeface="Arial" panose="020B0604020202020204" pitchFamily="34" charset="0"/>
               </a:rPr>
-              <a:t>= 0.19</a:t>
+              <a:t>= 0.25</a:t>
             </a:r>
           </a:p>
         </p:txBody>
@@ -8252,7 +9561,7 @@
                 <a:latin typeface="Arial" panose="020B0604020202020204" pitchFamily="34" charset="0"/>
                 <a:cs typeface="Arial" panose="020B0604020202020204" pitchFamily="34" charset="0"/>
               </a:rPr>
-              <a:t>0.429</a:t>
+              <a:t>0.660</a:t>
             </a:r>
           </a:p>
         </p:txBody>
@@ -8300,7 +9609,7 @@
                 <a:latin typeface="Arial" panose="020B0604020202020204" pitchFamily="34" charset="0"/>
                 <a:cs typeface="Arial" panose="020B0604020202020204" pitchFamily="34" charset="0"/>
               </a:rPr>
-              <a:t>0.522</a:t>
+              <a:t>0.585</a:t>
             </a:r>
           </a:p>
         </p:txBody>
@@ -8320,7 +9629,50 @@
         <p:spPr>
           <a:xfrm>
             <a:off x="5032537" y="3992468"/>
-            <a:ext cx="852789" cy="369332"/>
+            <a:ext cx="842349" cy="369332"/>
+          </a:xfrm>
+          <a:prstGeom prst="rect">
+            <a:avLst/>
+          </a:prstGeom>
+          <a:solidFill>
+            <a:schemeClr val="bg1"/>
+          </a:solidFill>
+          <a:ln>
+            <a:noFill/>
+          </a:ln>
+        </p:spPr>
+        <p:txBody>
+          <a:bodyPr wrap="square" rtlCol="0">
+            <a:spAutoFit/>
+          </a:bodyPr>
+          <a:lstStyle/>
+          <a:p>
+            <a:r>
+              <a:rPr lang="en-US" dirty="0">
+                <a:latin typeface="Arial" panose="020B0604020202020204" pitchFamily="34" charset="0"/>
+                <a:cs typeface="Arial" panose="020B0604020202020204" pitchFamily="34" charset="0"/>
+              </a:rPr>
+              <a:t>-0.033</a:t>
+            </a:r>
+          </a:p>
+        </p:txBody>
+      </p:sp>
+      <p:sp>
+        <p:nvSpPr>
+          <p:cNvPr id="71" name="TextBox 70">
+            <a:extLst>
+              <a:ext uri="{FF2B5EF4-FFF2-40B4-BE49-F238E27FC236}">
+                <a16:creationId xmlns:a16="http://schemas.microsoft.com/office/drawing/2014/main" id="{6B98E97C-1B36-944E-A865-F1204C4BBA49}"/>
+              </a:ext>
+            </a:extLst>
+          </p:cNvPr>
+          <p:cNvSpPr txBox="1"/>
+          <p:nvPr/>
+        </p:nvSpPr>
+        <p:spPr>
+          <a:xfrm>
+            <a:off x="6313849" y="3992468"/>
+            <a:ext cx="763676" cy="369332"/>
           </a:xfrm>
           <a:prstGeom prst="rect">
             <a:avLst/>
@@ -8348,17 +9700,17 @@
                 <a:latin typeface="Arial" panose="020B0604020202020204" pitchFamily="34" charset="0"/>
                 <a:cs typeface="Arial" panose="020B0604020202020204" pitchFamily="34" charset="0"/>
               </a:rPr>
-              <a:t>-0.006</a:t>
-            </a:r>
-          </a:p>
-        </p:txBody>
-      </p:sp>
-      <p:sp>
-        <p:nvSpPr>
-          <p:cNvPr id="71" name="TextBox 70">
-            <a:extLst>
-              <a:ext uri="{FF2B5EF4-FFF2-40B4-BE49-F238E27FC236}">
-                <a16:creationId xmlns:a16="http://schemas.microsoft.com/office/drawing/2014/main" id="{6B98E97C-1B36-944E-A865-F1204C4BBA49}"/>
+              <a:t>0.185</a:t>
+            </a:r>
+          </a:p>
+        </p:txBody>
+      </p:sp>
+      <p:sp>
+        <p:nvSpPr>
+          <p:cNvPr id="72" name="TextBox 71">
+            <a:extLst>
+              <a:ext uri="{FF2B5EF4-FFF2-40B4-BE49-F238E27FC236}">
+                <a16:creationId xmlns:a16="http://schemas.microsoft.com/office/drawing/2014/main" id="{3075672F-4EB4-B24A-B2F0-3967306C59CB}"/>
               </a:ext>
             </a:extLst>
           </p:cNvPr>
@@ -8367,8 +9719,8 @@
         </p:nvSpPr>
         <p:spPr>
           <a:xfrm>
-            <a:off x="6313849" y="3992468"/>
-            <a:ext cx="763676" cy="369332"/>
+            <a:off x="7752459" y="3593673"/>
+            <a:ext cx="835114" cy="369332"/>
           </a:xfrm>
           <a:prstGeom prst="rect">
             <a:avLst/>
@@ -8396,17 +9748,17 @@
                 <a:latin typeface="Arial" panose="020B0604020202020204" pitchFamily="34" charset="0"/>
                 <a:cs typeface="Arial" panose="020B0604020202020204" pitchFamily="34" charset="0"/>
               </a:rPr>
-              <a:t>0.128</a:t>
-            </a:r>
-          </a:p>
-        </p:txBody>
-      </p:sp>
-      <p:sp>
-        <p:nvSpPr>
-          <p:cNvPr id="72" name="TextBox 71">
-            <a:extLst>
-              <a:ext uri="{FF2B5EF4-FFF2-40B4-BE49-F238E27FC236}">
-                <a16:creationId xmlns:a16="http://schemas.microsoft.com/office/drawing/2014/main" id="{3075672F-4EB4-B24A-B2F0-3967306C59CB}"/>
+              <a:t>-1.037</a:t>
+            </a:r>
+          </a:p>
+        </p:txBody>
+      </p:sp>
+      <p:sp>
+        <p:nvSpPr>
+          <p:cNvPr id="73" name="TextBox 72">
+            <a:extLst>
+              <a:ext uri="{FF2B5EF4-FFF2-40B4-BE49-F238E27FC236}">
+                <a16:creationId xmlns:a16="http://schemas.microsoft.com/office/drawing/2014/main" id="{8DC21F49-3588-BE45-8572-119EAD0A1329}"/>
               </a:ext>
             </a:extLst>
           </p:cNvPr>
@@ -8415,15 +9767,13 @@
         </p:nvSpPr>
         <p:spPr>
           <a:xfrm>
-            <a:off x="7752459" y="3593673"/>
-            <a:ext cx="835114" cy="369332"/>
-          </a:xfrm>
-          <a:prstGeom prst="rect">
-            <a:avLst/>
-          </a:prstGeom>
-          <a:solidFill>
-            <a:schemeClr val="bg1"/>
-          </a:solidFill>
+            <a:off x="4043548" y="2342304"/>
+            <a:ext cx="1012630" cy="369332"/>
+          </a:xfrm>
+          <a:prstGeom prst="rect">
+            <a:avLst/>
+          </a:prstGeom>
+          <a:noFill/>
           <a:ln>
             <a:noFill/>
           </a:ln>
@@ -8444,17 +9794,17 @@
                 <a:latin typeface="Arial" panose="020B0604020202020204" pitchFamily="34" charset="0"/>
                 <a:cs typeface="Arial" panose="020B0604020202020204" pitchFamily="34" charset="0"/>
               </a:rPr>
-              <a:t>0.759</a:t>
-            </a:r>
-          </a:p>
-        </p:txBody>
-      </p:sp>
-      <p:sp>
-        <p:nvSpPr>
-          <p:cNvPr id="73" name="TextBox 72">
-            <a:extLst>
-              <a:ext uri="{FF2B5EF4-FFF2-40B4-BE49-F238E27FC236}">
-                <a16:creationId xmlns:a16="http://schemas.microsoft.com/office/drawing/2014/main" id="{8DC21F49-3588-BE45-8572-119EAD0A1329}"/>
+              <a:t>0.093</a:t>
+            </a:r>
+          </a:p>
+        </p:txBody>
+      </p:sp>
+      <p:sp>
+        <p:nvSpPr>
+          <p:cNvPr id="74" name="TextBox 73">
+            <a:extLst>
+              <a:ext uri="{FF2B5EF4-FFF2-40B4-BE49-F238E27FC236}">
+                <a16:creationId xmlns:a16="http://schemas.microsoft.com/office/drawing/2014/main" id="{75474E52-9598-164F-AE5B-29344C178A13}"/>
               </a:ext>
             </a:extLst>
           </p:cNvPr>
@@ -8463,8 +9813,8 @@
         </p:nvSpPr>
         <p:spPr>
           <a:xfrm>
-            <a:off x="7385911" y="4060653"/>
-            <a:ext cx="835114" cy="369332"/>
+            <a:off x="3990109" y="962175"/>
+            <a:ext cx="1042428" cy="369332"/>
           </a:xfrm>
           <a:prstGeom prst="rect">
             <a:avLst/>
@@ -8484,25 +9834,20 @@
           <a:p>
             <a:r>
               <a:rPr lang="en-US" dirty="0">
-                <a:solidFill>
-                  <a:schemeClr val="bg2">
-                    <a:lumMod val="50000"/>
-                  </a:schemeClr>
-                </a:solidFill>
-                <a:latin typeface="Arial" panose="020B0604020202020204" pitchFamily="34" charset="0"/>
-                <a:cs typeface="Arial" panose="020B0604020202020204" pitchFamily="34" charset="0"/>
-              </a:rPr>
-              <a:t>0.080</a:t>
-            </a:r>
-          </a:p>
-        </p:txBody>
-      </p:sp>
-      <p:sp>
-        <p:nvSpPr>
-          <p:cNvPr id="74" name="TextBox 73">
-            <a:extLst>
-              <a:ext uri="{FF2B5EF4-FFF2-40B4-BE49-F238E27FC236}">
-                <a16:creationId xmlns:a16="http://schemas.microsoft.com/office/drawing/2014/main" id="{75474E52-9598-164F-AE5B-29344C178A13}"/>
+                <a:latin typeface="Arial" panose="020B0604020202020204" pitchFamily="34" charset="0"/>
+                <a:cs typeface="Arial" panose="020B0604020202020204" pitchFamily="34" charset="0"/>
+              </a:rPr>
+              <a:t>0.036***</a:t>
+            </a:r>
+          </a:p>
+        </p:txBody>
+      </p:sp>
+      <p:sp>
+        <p:nvSpPr>
+          <p:cNvPr id="37" name="TextBox 36">
+            <a:extLst>
+              <a:ext uri="{FF2B5EF4-FFF2-40B4-BE49-F238E27FC236}">
+                <a16:creationId xmlns:a16="http://schemas.microsoft.com/office/drawing/2014/main" id="{5AF5F606-C9E1-CD42-AD80-06E77D1BEC84}"/>
               </a:ext>
             </a:extLst>
           </p:cNvPr>
@@ -8511,8 +9856,8 @@
         </p:nvSpPr>
         <p:spPr>
           <a:xfrm>
-            <a:off x="3785457" y="949032"/>
-            <a:ext cx="1098851" cy="369332"/>
+            <a:off x="1798651" y="865022"/>
+            <a:ext cx="2244897" cy="369332"/>
           </a:xfrm>
           <a:prstGeom prst="rect">
             <a:avLst/>
@@ -8531,54 +9876,11 @@
           <a:lstStyle/>
           <a:p>
             <a:r>
-              <a:rPr lang="en-US" dirty="0">
-                <a:latin typeface="Arial" panose="020B0604020202020204" pitchFamily="34" charset="0"/>
-                <a:cs typeface="Arial" panose="020B0604020202020204" pitchFamily="34" charset="0"/>
-              </a:rPr>
-              <a:t>0.032**</a:t>
-            </a:r>
-          </a:p>
-        </p:txBody>
-      </p:sp>
-      <p:sp>
-        <p:nvSpPr>
-          <p:cNvPr id="36" name="TextBox 35">
-            <a:extLst>
-              <a:ext uri="{FF2B5EF4-FFF2-40B4-BE49-F238E27FC236}">
-                <a16:creationId xmlns:a16="http://schemas.microsoft.com/office/drawing/2014/main" id="{A6F4CB6D-2D5D-2647-AC61-A3D73AF4F8E4}"/>
-              </a:ext>
-            </a:extLst>
-          </p:cNvPr>
-          <p:cNvSpPr txBox="1"/>
-          <p:nvPr/>
-        </p:nvSpPr>
-        <p:spPr>
-          <a:xfrm>
-            <a:off x="1803139" y="865022"/>
-            <a:ext cx="2045483" cy="369332"/>
-          </a:xfrm>
-          <a:prstGeom prst="rect">
-            <a:avLst/>
-          </a:prstGeom>
-          <a:solidFill>
-            <a:schemeClr val="bg1"/>
-          </a:solidFill>
-          <a:ln>
-            <a:noFill/>
-          </a:ln>
-        </p:spPr>
-        <p:txBody>
-          <a:bodyPr wrap="square" rtlCol="0">
-            <a:spAutoFit/>
-          </a:bodyPr>
-          <a:lstStyle/>
-          <a:p>
-            <a:r>
               <a:rPr lang="en-US" b="1" dirty="0">
                 <a:latin typeface="Arial" panose="020B0604020202020204" pitchFamily="34" charset="0"/>
                 <a:cs typeface="Arial" panose="020B0604020202020204" pitchFamily="34" charset="0"/>
               </a:rPr>
-              <a:t>B. Concavity = 3</a:t>
+              <a:t>B. Concavity = 1.5</a:t>
             </a:r>
           </a:p>
         </p:txBody>
@@ -8586,7 +9888,7 @@
     </p:spTree>
     <p:extLst>
       <p:ext uri="{BB962C8B-B14F-4D97-AF65-F5344CB8AC3E}">
-        <p14:creationId xmlns:p14="http://schemas.microsoft.com/office/powerpoint/2010/main" val="4149222957"/>
+        <p14:creationId xmlns:p14="http://schemas.microsoft.com/office/powerpoint/2010/main" val="977977909"/>
       </p:ext>
     </p:extLst>
   </p:cSld>
@@ -8615,28 +9917,29 @@
       </p:grpSpPr>
       <p:sp>
         <p:nvSpPr>
-          <p:cNvPr id="2" name="Oval 1">
-            <a:extLst>
-              <a:ext uri="{FF2B5EF4-FFF2-40B4-BE49-F238E27FC236}">
-                <a16:creationId xmlns:a16="http://schemas.microsoft.com/office/drawing/2014/main" id="{ABDFBAC5-1D7C-4844-B9F9-941E6CABA206}"/>
-              </a:ext>
-            </a:extLst>
-          </p:cNvPr>
-          <p:cNvSpPr/>
-          <p:nvPr/>
-        </p:nvSpPr>
-        <p:spPr>
-          <a:xfrm>
-            <a:off x="2792627" y="1499570"/>
-            <a:ext cx="3070320" cy="2937348"/>
-          </a:xfrm>
-          <a:prstGeom prst="ellipse">
+          <p:cNvPr id="4" name="TextBox 3">
+            <a:extLst>
+              <a:ext uri="{FF2B5EF4-FFF2-40B4-BE49-F238E27FC236}">
+                <a16:creationId xmlns:a16="http://schemas.microsoft.com/office/drawing/2014/main" id="{A2830E8C-CB8D-2342-B74C-673CBF250C64}"/>
+              </a:ext>
+            </a:extLst>
+          </p:cNvPr>
+          <p:cNvSpPr txBox="1"/>
+          <p:nvPr/>
+        </p:nvSpPr>
+        <p:spPr>
+          <a:xfrm>
+            <a:off x="1961370" y="4656977"/>
+            <a:ext cx="2113808" cy="338554"/>
+          </a:xfrm>
+          <a:prstGeom prst="rect">
             <a:avLst/>
           </a:prstGeom>
           <a:solidFill>
-            <a:srgbClr val="D883FF">
-              <a:alpha val="50196"/>
-            </a:srgbClr>
+            <a:schemeClr val="accent6">
+              <a:lumMod val="60000"/>
+              <a:lumOff val="40000"/>
+            </a:schemeClr>
           </a:solidFill>
           <a:ln>
             <a:solidFill>
@@ -8644,55 +9947,47 @@
             </a:solidFill>
           </a:ln>
         </p:spPr>
-        <p:style>
-          <a:lnRef idx="2">
-            <a:schemeClr val="accent1">
-              <a:shade val="50000"/>
+        <p:txBody>
+          <a:bodyPr wrap="square" rtlCol="0">
+            <a:spAutoFit/>
+          </a:bodyPr>
+          <a:lstStyle/>
+          <a:p>
+            <a:r>
+              <a:rPr lang="en-US" sz="1600" dirty="0">
+                <a:latin typeface="Arial" panose="020B0604020202020204" pitchFamily="34" charset="0"/>
+                <a:cs typeface="Arial" panose="020B0604020202020204" pitchFamily="34" charset="0"/>
+              </a:rPr>
+              <a:t>Habitat niche breadth</a:t>
+            </a:r>
+          </a:p>
+        </p:txBody>
+      </p:sp>
+      <p:sp>
+        <p:nvSpPr>
+          <p:cNvPr id="5" name="TextBox 4">
+            <a:extLst>
+              <a:ext uri="{FF2B5EF4-FFF2-40B4-BE49-F238E27FC236}">
+                <a16:creationId xmlns:a16="http://schemas.microsoft.com/office/drawing/2014/main" id="{57B79E2B-E3EF-2D4D-9016-FA2EFDECFDA8}"/>
+              </a:ext>
+            </a:extLst>
+          </p:cNvPr>
+          <p:cNvSpPr txBox="1"/>
+          <p:nvPr/>
+        </p:nvSpPr>
+        <p:spPr>
+          <a:xfrm>
+            <a:off x="4878472" y="4643063"/>
+            <a:ext cx="2183111" cy="338554"/>
+          </a:xfrm>
+          <a:prstGeom prst="rect">
+            <a:avLst/>
+          </a:prstGeom>
+          <a:solidFill>
+            <a:schemeClr val="accent6">
+              <a:lumMod val="60000"/>
+              <a:lumOff val="40000"/>
             </a:schemeClr>
-          </a:lnRef>
-          <a:fillRef idx="1">
-            <a:schemeClr val="accent1"/>
-          </a:fillRef>
-          <a:effectRef idx="0">
-            <a:schemeClr val="accent1"/>
-          </a:effectRef>
-          <a:fontRef idx="minor">
-            <a:schemeClr val="lt1"/>
-          </a:fontRef>
-        </p:style>
-        <p:txBody>
-          <a:bodyPr rtlCol="0" anchor="ctr"/>
-          <a:lstStyle/>
-          <a:p>
-            <a:pPr algn="ctr"/>
-            <a:endParaRPr lang="en-US"/>
-          </a:p>
-        </p:txBody>
-      </p:sp>
-      <p:sp>
-        <p:nvSpPr>
-          <p:cNvPr id="3" name="Oval 2">
-            <a:extLst>
-              <a:ext uri="{FF2B5EF4-FFF2-40B4-BE49-F238E27FC236}">
-                <a16:creationId xmlns:a16="http://schemas.microsoft.com/office/drawing/2014/main" id="{50F6445B-A35C-1549-949B-2546B11108E8}"/>
-              </a:ext>
-            </a:extLst>
-          </p:cNvPr>
-          <p:cNvSpPr/>
-          <p:nvPr/>
-        </p:nvSpPr>
-        <p:spPr>
-          <a:xfrm>
-            <a:off x="4849093" y="1828836"/>
-            <a:ext cx="2558607" cy="2471508"/>
-          </a:xfrm>
-          <a:prstGeom prst="ellipse">
-            <a:avLst/>
-          </a:prstGeom>
-          <a:solidFill>
-            <a:srgbClr val="76D6FF">
-              <a:alpha val="50196"/>
-            </a:srgbClr>
           </a:solidFill>
           <a:ln>
             <a:solidFill>
@@ -8700,55 +9995,47 @@
             </a:solidFill>
           </a:ln>
         </p:spPr>
-        <p:style>
-          <a:lnRef idx="2">
-            <a:schemeClr val="accent1">
-              <a:shade val="50000"/>
+        <p:txBody>
+          <a:bodyPr wrap="square" rtlCol="0">
+            <a:spAutoFit/>
+          </a:bodyPr>
+          <a:lstStyle/>
+          <a:p>
+            <a:r>
+              <a:rPr lang="en-US" sz="1600" dirty="0">
+                <a:latin typeface="Arial" panose="020B0604020202020204" pitchFamily="34" charset="0"/>
+                <a:cs typeface="Arial" panose="020B0604020202020204" pitchFamily="34" charset="0"/>
+              </a:rPr>
+              <a:t>Climate niche breadth</a:t>
+            </a:r>
+          </a:p>
+        </p:txBody>
+      </p:sp>
+      <p:sp>
+        <p:nvSpPr>
+          <p:cNvPr id="6" name="TextBox 5">
+            <a:extLst>
+              <a:ext uri="{FF2B5EF4-FFF2-40B4-BE49-F238E27FC236}">
+                <a16:creationId xmlns:a16="http://schemas.microsoft.com/office/drawing/2014/main" id="{5939E09C-1A89-6440-B5EA-C79A0949A2CC}"/>
+              </a:ext>
+            </a:extLst>
+          </p:cNvPr>
+          <p:cNvSpPr txBox="1"/>
+          <p:nvPr/>
+        </p:nvSpPr>
+        <p:spPr>
+          <a:xfrm>
+            <a:off x="8011885" y="4643252"/>
+            <a:ext cx="1854346" cy="338554"/>
+          </a:xfrm>
+          <a:prstGeom prst="rect">
+            <a:avLst/>
+          </a:prstGeom>
+          <a:solidFill>
+            <a:schemeClr val="accent6">
+              <a:lumMod val="60000"/>
+              <a:lumOff val="40000"/>
             </a:schemeClr>
-          </a:lnRef>
-          <a:fillRef idx="1">
-            <a:schemeClr val="accent1"/>
-          </a:fillRef>
-          <a:effectRef idx="0">
-            <a:schemeClr val="accent1"/>
-          </a:effectRef>
-          <a:fontRef idx="minor">
-            <a:schemeClr val="lt1"/>
-          </a:fontRef>
-        </p:style>
-        <p:txBody>
-          <a:bodyPr rtlCol="0" anchor="ctr"/>
-          <a:lstStyle/>
-          <a:p>
-            <a:pPr algn="ctr"/>
-            <a:endParaRPr lang="en-US"/>
-          </a:p>
-        </p:txBody>
-      </p:sp>
-      <p:sp>
-        <p:nvSpPr>
-          <p:cNvPr id="4" name="Oval 3">
-            <a:extLst>
-              <a:ext uri="{FF2B5EF4-FFF2-40B4-BE49-F238E27FC236}">
-                <a16:creationId xmlns:a16="http://schemas.microsoft.com/office/drawing/2014/main" id="{C8F89E68-3A52-8247-A1FE-A8CF47352C31}"/>
-              </a:ext>
-            </a:extLst>
-          </p:cNvPr>
-          <p:cNvSpPr/>
-          <p:nvPr/>
-        </p:nvSpPr>
-        <p:spPr>
-          <a:xfrm>
-            <a:off x="4070526" y="3032390"/>
-            <a:ext cx="2548736" cy="2652948"/>
-          </a:xfrm>
-          <a:prstGeom prst="ellipse">
-            <a:avLst/>
-          </a:prstGeom>
-          <a:solidFill>
-            <a:srgbClr val="4E8F00">
-              <a:alpha val="50196"/>
-            </a:srgbClr>
           </a:solidFill>
           <a:ln>
             <a:solidFill>
@@ -8756,62 +10043,14 @@
             </a:solidFill>
           </a:ln>
         </p:spPr>
-        <p:style>
-          <a:lnRef idx="2">
-            <a:schemeClr val="accent1">
-              <a:shade val="50000"/>
-            </a:schemeClr>
-          </a:lnRef>
-          <a:fillRef idx="1">
-            <a:schemeClr val="accent1"/>
-          </a:fillRef>
-          <a:effectRef idx="0">
-            <a:schemeClr val="accent1"/>
-          </a:effectRef>
-          <a:fontRef idx="minor">
-            <a:schemeClr val="lt1"/>
-          </a:fontRef>
-        </p:style>
-        <p:txBody>
-          <a:bodyPr rtlCol="0" anchor="ctr"/>
-          <a:lstStyle/>
-          <a:p>
-            <a:pPr algn="ctr"/>
-            <a:endParaRPr lang="en-US"/>
-          </a:p>
-        </p:txBody>
-      </p:sp>
-      <p:sp>
-        <p:nvSpPr>
-          <p:cNvPr id="5" name="TextBox 4">
-            <a:extLst>
-              <a:ext uri="{FF2B5EF4-FFF2-40B4-BE49-F238E27FC236}">
-                <a16:creationId xmlns:a16="http://schemas.microsoft.com/office/drawing/2014/main" id="{468C6069-BA96-9E40-8437-18F5A8D5A767}"/>
-              </a:ext>
-            </a:extLst>
-          </p:cNvPr>
-          <p:cNvSpPr txBox="1"/>
-          <p:nvPr/>
-        </p:nvSpPr>
-        <p:spPr>
-          <a:xfrm>
-            <a:off x="5651131" y="2244544"/>
-            <a:ext cx="1922974" cy="646331"/>
-          </a:xfrm>
-          <a:prstGeom prst="rect">
-            <a:avLst/>
-          </a:prstGeom>
-          <a:noFill/>
-        </p:spPr>
         <p:txBody>
           <a:bodyPr wrap="square" rtlCol="0">
             <a:spAutoFit/>
           </a:bodyPr>
           <a:lstStyle/>
           <a:p>
-            <a:pPr algn="ctr"/>
-            <a:r>
-              <a:rPr lang="en-US" dirty="0">
+            <a:r>
+              <a:rPr lang="en-US" sz="1600" dirty="0">
                 <a:latin typeface="Arial" panose="020B0604020202020204" pitchFamily="34" charset="0"/>
                 <a:cs typeface="Arial" panose="020B0604020202020204" pitchFamily="34" charset="0"/>
               </a:rPr>
@@ -8822,10 +10061,10 @@
       </p:sp>
       <p:sp>
         <p:nvSpPr>
-          <p:cNvPr id="6" name="TextBox 5">
-            <a:extLst>
-              <a:ext uri="{FF2B5EF4-FFF2-40B4-BE49-F238E27FC236}">
-                <a16:creationId xmlns:a16="http://schemas.microsoft.com/office/drawing/2014/main" id="{AA65B116-EA42-DE4A-AFA1-1F5F883DF204}"/>
+          <p:cNvPr id="7" name="TextBox 6">
+            <a:extLst>
+              <a:ext uri="{FF2B5EF4-FFF2-40B4-BE49-F238E27FC236}">
+                <a16:creationId xmlns:a16="http://schemas.microsoft.com/office/drawing/2014/main" id="{2C2485D8-F4C8-824F-B3D1-42CCAB075F42}"/>
               </a:ext>
             </a:extLst>
           </p:cNvPr>
@@ -8834,13 +10073,23 @@
         </p:nvSpPr>
         <p:spPr>
           <a:xfrm>
-            <a:off x="4629165" y="4516980"/>
-            <a:ext cx="1840675" cy="369332"/>
-          </a:xfrm>
-          <a:prstGeom prst="rect">
-            <a:avLst/>
-          </a:prstGeom>
-          <a:noFill/>
+            <a:off x="1983179" y="1930339"/>
+            <a:ext cx="2006930" cy="338554"/>
+          </a:xfrm>
+          <a:prstGeom prst="rect">
+            <a:avLst/>
+          </a:prstGeom>
+          <a:solidFill>
+            <a:schemeClr val="accent5">
+              <a:lumMod val="60000"/>
+              <a:lumOff val="40000"/>
+            </a:schemeClr>
+          </a:solidFill>
+          <a:ln>
+            <a:solidFill>
+              <a:schemeClr val="tx1"/>
+            </a:solidFill>
+          </a:ln>
         </p:spPr>
         <p:txBody>
           <a:bodyPr wrap="square" rtlCol="0">
@@ -8849,21 +10098,21 @@
           <a:lstStyle/>
           <a:p>
             <a:r>
-              <a:rPr lang="en-US" dirty="0">
-                <a:latin typeface="Arial" panose="020B0604020202020204" pitchFamily="34" charset="0"/>
-                <a:cs typeface="Arial" panose="020B0604020202020204" pitchFamily="34" charset="0"/>
-              </a:rPr>
-              <a:t>Body size</a:t>
-            </a:r>
-          </a:p>
-        </p:txBody>
-      </p:sp>
-      <p:sp>
-        <p:nvSpPr>
-          <p:cNvPr id="7" name="TextBox 6">
-            <a:extLst>
-              <a:ext uri="{FF2B5EF4-FFF2-40B4-BE49-F238E27FC236}">
-                <a16:creationId xmlns:a16="http://schemas.microsoft.com/office/drawing/2014/main" id="{A72E2609-B025-0840-BB63-D989569E86F1}"/>
+              <a:rPr lang="en-US" sz="1600" dirty="0">
+                <a:latin typeface="Arial" panose="020B0604020202020204" pitchFamily="34" charset="0"/>
+                <a:cs typeface="Arial" panose="020B0604020202020204" pitchFamily="34" charset="0"/>
+              </a:rPr>
+              <a:t>Δ Range occupancy</a:t>
+            </a:r>
+          </a:p>
+        </p:txBody>
+      </p:sp>
+      <p:sp>
+        <p:nvSpPr>
+          <p:cNvPr id="8" name="TextBox 7">
+            <a:extLst>
+              <a:ext uri="{FF2B5EF4-FFF2-40B4-BE49-F238E27FC236}">
+                <a16:creationId xmlns:a16="http://schemas.microsoft.com/office/drawing/2014/main" id="{22848059-02D7-8846-819C-2D63C22A5FAD}"/>
               </a:ext>
             </a:extLst>
           </p:cNvPr>
@@ -8872,13 +10121,23 @@
         </p:nvSpPr>
         <p:spPr>
           <a:xfrm>
-            <a:off x="3564576" y="2201393"/>
-            <a:ext cx="1173680" cy="646331"/>
-          </a:xfrm>
-          <a:prstGeom prst="rect">
-            <a:avLst/>
-          </a:prstGeom>
-          <a:noFill/>
+            <a:off x="5285013" y="1930339"/>
+            <a:ext cx="1431968" cy="338554"/>
+          </a:xfrm>
+          <a:prstGeom prst="rect">
+            <a:avLst/>
+          </a:prstGeom>
+          <a:solidFill>
+            <a:schemeClr val="accent5">
+              <a:lumMod val="60000"/>
+              <a:lumOff val="40000"/>
+            </a:schemeClr>
+          </a:solidFill>
+          <a:ln>
+            <a:solidFill>
+              <a:schemeClr val="tx1"/>
+            </a:solidFill>
+          </a:ln>
         </p:spPr>
         <p:txBody>
           <a:bodyPr wrap="square" rtlCol="0">
@@ -8886,13 +10145,12 @@
           </a:bodyPr>
           <a:lstStyle/>
           <a:p>
-            <a:pPr algn="ctr"/>
-            <a:r>
-              <a:rPr lang="en-US" dirty="0">
-                <a:latin typeface="Arial" panose="020B0604020202020204" pitchFamily="34" charset="0"/>
-                <a:cs typeface="Arial" panose="020B0604020202020204" pitchFamily="34" charset="0"/>
-              </a:rPr>
-              <a:t>Migratory distance</a:t>
+            <a:r>
+              <a:rPr lang="en-US" sz="1600" dirty="0">
+                <a:latin typeface="Arial" panose="020B0604020202020204" pitchFamily="34" charset="0"/>
+                <a:cs typeface="Arial" panose="020B0604020202020204" pitchFamily="34" charset="0"/>
+              </a:rPr>
+              <a:t>Δ Range area</a:t>
             </a:r>
           </a:p>
         </p:txBody>
@@ -8902,7 +10160,7 @@
           <p:cNvPr id="9" name="TextBox 8">
             <a:extLst>
               <a:ext uri="{FF2B5EF4-FFF2-40B4-BE49-F238E27FC236}">
-                <a16:creationId xmlns:a16="http://schemas.microsoft.com/office/drawing/2014/main" id="{1E601120-75B5-5749-850E-37BB69F4F026}"/>
+                <a16:creationId xmlns:a16="http://schemas.microsoft.com/office/drawing/2014/main" id="{A381E936-BD09-3B4E-8B21-194D90CF179C}"/>
               </a:ext>
             </a:extLst>
           </p:cNvPr>
@@ -8911,13 +10169,23 @@
         </p:nvSpPr>
         <p:spPr>
           <a:xfrm>
-            <a:off x="6216010" y="2799664"/>
-            <a:ext cx="1191690" cy="369332"/>
-          </a:xfrm>
-          <a:prstGeom prst="rect">
-            <a:avLst/>
-          </a:prstGeom>
-          <a:noFill/>
+            <a:off x="8116784" y="1930339"/>
+            <a:ext cx="1696010" cy="338554"/>
+          </a:xfrm>
+          <a:prstGeom prst="rect">
+            <a:avLst/>
+          </a:prstGeom>
+          <a:solidFill>
+            <a:schemeClr val="accent5">
+              <a:lumMod val="60000"/>
+              <a:lumOff val="40000"/>
+            </a:schemeClr>
+          </a:solidFill>
+          <a:ln>
+            <a:solidFill>
+              <a:schemeClr val="tx1"/>
+            </a:solidFill>
+          </a:ln>
         </p:spPr>
         <p:txBody>
           <a:bodyPr wrap="square" rtlCol="0">
@@ -8926,21 +10194,545 @@
           <a:lstStyle/>
           <a:p>
             <a:r>
-              <a:rPr lang="en-US" dirty="0">
-                <a:latin typeface="Arial" panose="020B0604020202020204" pitchFamily="34" charset="0"/>
-                <a:cs typeface="Arial" panose="020B0604020202020204" pitchFamily="34" charset="0"/>
-              </a:rPr>
-              <a:t>-0.010</a:t>
-            </a:r>
-          </a:p>
-        </p:txBody>
-      </p:sp>
-      <p:sp>
-        <p:nvSpPr>
-          <p:cNvPr id="10" name="TextBox 9">
-            <a:extLst>
-              <a:ext uri="{FF2B5EF4-FFF2-40B4-BE49-F238E27FC236}">
-                <a16:creationId xmlns:a16="http://schemas.microsoft.com/office/drawing/2014/main" id="{0D888F98-CF7C-0346-818A-B2A92BCEBF31}"/>
+              <a:rPr lang="en-US" sz="1600" dirty="0">
+                <a:latin typeface="Arial" panose="020B0604020202020204" pitchFamily="34" charset="0"/>
+                <a:cs typeface="Arial" panose="020B0604020202020204" pitchFamily="34" charset="0"/>
+              </a:rPr>
+              <a:t>Population trend</a:t>
+            </a:r>
+          </a:p>
+        </p:txBody>
+      </p:sp>
+      <p:cxnSp>
+        <p:nvCxnSpPr>
+          <p:cNvPr id="18" name="Straight Arrow Connector 17">
+            <a:extLst>
+              <a:ext uri="{FF2B5EF4-FFF2-40B4-BE49-F238E27FC236}">
+                <a16:creationId xmlns:a16="http://schemas.microsoft.com/office/drawing/2014/main" id="{DF06F7F1-EE0B-4849-8837-E59A2B8A8A1E}"/>
+              </a:ext>
+            </a:extLst>
+          </p:cNvPr>
+          <p:cNvCxnSpPr>
+            <a:cxnSpLocks/>
+            <a:stCxn id="4" idx="0"/>
+            <a:endCxn id="7" idx="2"/>
+          </p:cNvCxnSpPr>
+          <p:nvPr/>
+        </p:nvCxnSpPr>
+        <p:spPr>
+          <a:xfrm flipH="1" flipV="1">
+            <a:off x="2986644" y="2268893"/>
+            <a:ext cx="31630" cy="2388084"/>
+          </a:xfrm>
+          <a:prstGeom prst="straightConnector1">
+            <a:avLst/>
+          </a:prstGeom>
+          <a:ln w="28575">
+            <a:solidFill>
+              <a:schemeClr val="bg2">
+                <a:lumMod val="50000"/>
+              </a:schemeClr>
+            </a:solidFill>
+            <a:prstDash val="dash"/>
+            <a:tailEnd type="triangle" w="lg" len="lg"/>
+          </a:ln>
+        </p:spPr>
+        <p:style>
+          <a:lnRef idx="1">
+            <a:schemeClr val="accent1"/>
+          </a:lnRef>
+          <a:fillRef idx="0">
+            <a:schemeClr val="accent1"/>
+          </a:fillRef>
+          <a:effectRef idx="0">
+            <a:schemeClr val="accent1"/>
+          </a:effectRef>
+          <a:fontRef idx="minor">
+            <a:schemeClr val="tx1"/>
+          </a:fontRef>
+        </p:style>
+      </p:cxnSp>
+      <p:cxnSp>
+        <p:nvCxnSpPr>
+          <p:cNvPr id="19" name="Straight Arrow Connector 18">
+            <a:extLst>
+              <a:ext uri="{FF2B5EF4-FFF2-40B4-BE49-F238E27FC236}">
+                <a16:creationId xmlns:a16="http://schemas.microsoft.com/office/drawing/2014/main" id="{50C60737-CACA-F84D-8894-31E466033DF1}"/>
+              </a:ext>
+            </a:extLst>
+          </p:cNvPr>
+          <p:cNvCxnSpPr>
+            <a:cxnSpLocks/>
+            <a:stCxn id="5" idx="0"/>
+          </p:cNvCxnSpPr>
+          <p:nvPr/>
+        </p:nvCxnSpPr>
+        <p:spPr>
+          <a:xfrm flipH="1" flipV="1">
+            <a:off x="3084000" y="2299483"/>
+            <a:ext cx="2886028" cy="2343580"/>
+          </a:xfrm>
+          <a:prstGeom prst="straightConnector1">
+            <a:avLst/>
+          </a:prstGeom>
+          <a:ln w="28575">
+            <a:solidFill>
+              <a:schemeClr val="bg2">
+                <a:lumMod val="50000"/>
+              </a:schemeClr>
+            </a:solidFill>
+            <a:prstDash val="dash"/>
+            <a:headEnd w="lg" len="lg"/>
+            <a:tailEnd type="triangle" w="lg" len="lg"/>
+          </a:ln>
+        </p:spPr>
+        <p:style>
+          <a:lnRef idx="1">
+            <a:schemeClr val="accent1"/>
+          </a:lnRef>
+          <a:fillRef idx="0">
+            <a:schemeClr val="accent1"/>
+          </a:fillRef>
+          <a:effectRef idx="0">
+            <a:schemeClr val="accent1"/>
+          </a:effectRef>
+          <a:fontRef idx="minor">
+            <a:schemeClr val="tx1"/>
+          </a:fontRef>
+        </p:style>
+      </p:cxnSp>
+      <p:cxnSp>
+        <p:nvCxnSpPr>
+          <p:cNvPr id="21" name="Straight Arrow Connector 20">
+            <a:extLst>
+              <a:ext uri="{FF2B5EF4-FFF2-40B4-BE49-F238E27FC236}">
+                <a16:creationId xmlns:a16="http://schemas.microsoft.com/office/drawing/2014/main" id="{AFBBAC6A-9674-F346-85B0-8DBDA2C997AE}"/>
+              </a:ext>
+            </a:extLst>
+          </p:cNvPr>
+          <p:cNvCxnSpPr>
+            <a:cxnSpLocks/>
+          </p:cNvCxnSpPr>
+          <p:nvPr/>
+        </p:nvCxnSpPr>
+        <p:spPr>
+          <a:xfrm flipH="1" flipV="1">
+            <a:off x="3210388" y="2299671"/>
+            <a:ext cx="5844856" cy="2343580"/>
+          </a:xfrm>
+          <a:prstGeom prst="straightConnector1">
+            <a:avLst/>
+          </a:prstGeom>
+          <a:ln w="28575">
+            <a:solidFill>
+              <a:schemeClr val="bg2">
+                <a:lumMod val="50000"/>
+              </a:schemeClr>
+            </a:solidFill>
+            <a:prstDash val="dash"/>
+            <a:tailEnd type="triangle" w="lg" len="lg"/>
+          </a:ln>
+        </p:spPr>
+        <p:style>
+          <a:lnRef idx="1">
+            <a:schemeClr val="accent1"/>
+          </a:lnRef>
+          <a:fillRef idx="0">
+            <a:schemeClr val="accent1"/>
+          </a:fillRef>
+          <a:effectRef idx="0">
+            <a:schemeClr val="accent1"/>
+          </a:effectRef>
+          <a:fontRef idx="minor">
+            <a:schemeClr val="tx1"/>
+          </a:fontRef>
+        </p:style>
+      </p:cxnSp>
+      <p:cxnSp>
+        <p:nvCxnSpPr>
+          <p:cNvPr id="23" name="Straight Arrow Connector 22">
+            <a:extLst>
+              <a:ext uri="{FF2B5EF4-FFF2-40B4-BE49-F238E27FC236}">
+                <a16:creationId xmlns:a16="http://schemas.microsoft.com/office/drawing/2014/main" id="{B09799FA-F7A4-074D-97C1-C7E639CB1DC8}"/>
+              </a:ext>
+            </a:extLst>
+          </p:cNvPr>
+          <p:cNvCxnSpPr>
+            <a:cxnSpLocks/>
+            <a:stCxn id="4" idx="0"/>
+          </p:cNvCxnSpPr>
+          <p:nvPr/>
+        </p:nvCxnSpPr>
+        <p:spPr>
+          <a:xfrm flipV="1">
+            <a:off x="3018274" y="2313020"/>
+            <a:ext cx="2851376" cy="2343957"/>
+          </a:xfrm>
+          <a:prstGeom prst="straightConnector1">
+            <a:avLst/>
+          </a:prstGeom>
+          <a:ln w="28575">
+            <a:solidFill>
+              <a:schemeClr val="bg2">
+                <a:lumMod val="50000"/>
+              </a:schemeClr>
+            </a:solidFill>
+            <a:prstDash val="dash"/>
+            <a:tailEnd type="triangle" w="lg" len="lg"/>
+          </a:ln>
+        </p:spPr>
+        <p:style>
+          <a:lnRef idx="1">
+            <a:schemeClr val="accent1"/>
+          </a:lnRef>
+          <a:fillRef idx="0">
+            <a:schemeClr val="accent1"/>
+          </a:fillRef>
+          <a:effectRef idx="0">
+            <a:schemeClr val="accent1"/>
+          </a:effectRef>
+          <a:fontRef idx="minor">
+            <a:schemeClr val="tx1"/>
+          </a:fontRef>
+        </p:style>
+      </p:cxnSp>
+      <p:cxnSp>
+        <p:nvCxnSpPr>
+          <p:cNvPr id="24" name="Straight Arrow Connector 23">
+            <a:extLst>
+              <a:ext uri="{FF2B5EF4-FFF2-40B4-BE49-F238E27FC236}">
+                <a16:creationId xmlns:a16="http://schemas.microsoft.com/office/drawing/2014/main" id="{972A6FB1-BF8C-F441-94FF-7D009FE0A18E}"/>
+              </a:ext>
+            </a:extLst>
+          </p:cNvPr>
+          <p:cNvCxnSpPr>
+            <a:cxnSpLocks/>
+          </p:cNvCxnSpPr>
+          <p:nvPr/>
+        </p:nvCxnSpPr>
+        <p:spPr>
+          <a:xfrm flipV="1">
+            <a:off x="6027650" y="2285384"/>
+            <a:ext cx="14062" cy="2343580"/>
+          </a:xfrm>
+          <a:prstGeom prst="straightConnector1">
+            <a:avLst/>
+          </a:prstGeom>
+          <a:ln w="28575">
+            <a:solidFill>
+              <a:schemeClr val="tx1"/>
+            </a:solidFill>
+            <a:prstDash val="solid"/>
+            <a:headEnd w="lg" len="lg"/>
+            <a:tailEnd type="triangle" w="lg" len="lg"/>
+          </a:ln>
+        </p:spPr>
+        <p:style>
+          <a:lnRef idx="1">
+            <a:schemeClr val="accent1"/>
+          </a:lnRef>
+          <a:fillRef idx="0">
+            <a:schemeClr val="accent1"/>
+          </a:fillRef>
+          <a:effectRef idx="0">
+            <a:schemeClr val="accent1"/>
+          </a:effectRef>
+          <a:fontRef idx="minor">
+            <a:schemeClr val="tx1"/>
+          </a:fontRef>
+        </p:style>
+      </p:cxnSp>
+      <p:cxnSp>
+        <p:nvCxnSpPr>
+          <p:cNvPr id="25" name="Straight Arrow Connector 24">
+            <a:extLst>
+              <a:ext uri="{FF2B5EF4-FFF2-40B4-BE49-F238E27FC236}">
+                <a16:creationId xmlns:a16="http://schemas.microsoft.com/office/drawing/2014/main" id="{45A391B6-D398-C84A-A9F8-7C99294FDE76}"/>
+              </a:ext>
+            </a:extLst>
+          </p:cNvPr>
+          <p:cNvCxnSpPr>
+            <a:cxnSpLocks/>
+            <a:stCxn id="6" idx="0"/>
+          </p:cNvCxnSpPr>
+          <p:nvPr/>
+        </p:nvCxnSpPr>
+        <p:spPr>
+          <a:xfrm flipH="1" flipV="1">
+            <a:off x="6155641" y="2297469"/>
+            <a:ext cx="2783417" cy="2345783"/>
+          </a:xfrm>
+          <a:prstGeom prst="straightConnector1">
+            <a:avLst/>
+          </a:prstGeom>
+          <a:ln w="28575">
+            <a:solidFill>
+              <a:schemeClr val="bg2">
+                <a:lumMod val="50000"/>
+              </a:schemeClr>
+            </a:solidFill>
+            <a:prstDash val="dash"/>
+            <a:tailEnd type="triangle" w="lg" len="lg"/>
+          </a:ln>
+        </p:spPr>
+        <p:style>
+          <a:lnRef idx="1">
+            <a:schemeClr val="accent1"/>
+          </a:lnRef>
+          <a:fillRef idx="0">
+            <a:schemeClr val="accent1"/>
+          </a:fillRef>
+          <a:effectRef idx="0">
+            <a:schemeClr val="accent1"/>
+          </a:effectRef>
+          <a:fontRef idx="minor">
+            <a:schemeClr val="tx1"/>
+          </a:fontRef>
+        </p:style>
+      </p:cxnSp>
+      <p:cxnSp>
+        <p:nvCxnSpPr>
+          <p:cNvPr id="33" name="Straight Arrow Connector 32">
+            <a:extLst>
+              <a:ext uri="{FF2B5EF4-FFF2-40B4-BE49-F238E27FC236}">
+                <a16:creationId xmlns:a16="http://schemas.microsoft.com/office/drawing/2014/main" id="{F3C7C845-1D72-394E-9DE1-542D0FCD9A35}"/>
+              </a:ext>
+            </a:extLst>
+          </p:cNvPr>
+          <p:cNvCxnSpPr>
+            <a:cxnSpLocks/>
+            <a:endCxn id="9" idx="2"/>
+          </p:cNvCxnSpPr>
+          <p:nvPr/>
+        </p:nvCxnSpPr>
+        <p:spPr>
+          <a:xfrm flipV="1">
+            <a:off x="6096000" y="2268893"/>
+            <a:ext cx="2868789" cy="2374362"/>
+          </a:xfrm>
+          <a:prstGeom prst="straightConnector1">
+            <a:avLst/>
+          </a:prstGeom>
+          <a:ln w="28575">
+            <a:solidFill>
+              <a:schemeClr val="bg2">
+                <a:lumMod val="50000"/>
+              </a:schemeClr>
+            </a:solidFill>
+            <a:prstDash val="dash"/>
+            <a:tailEnd type="triangle" w="lg" len="lg"/>
+          </a:ln>
+        </p:spPr>
+        <p:style>
+          <a:lnRef idx="1">
+            <a:schemeClr val="accent1"/>
+          </a:lnRef>
+          <a:fillRef idx="0">
+            <a:schemeClr val="accent1"/>
+          </a:fillRef>
+          <a:effectRef idx="0">
+            <a:schemeClr val="accent1"/>
+          </a:effectRef>
+          <a:fontRef idx="minor">
+            <a:schemeClr val="tx1"/>
+          </a:fontRef>
+        </p:style>
+      </p:cxnSp>
+      <p:cxnSp>
+        <p:nvCxnSpPr>
+          <p:cNvPr id="34" name="Straight Arrow Connector 33">
+            <a:extLst>
+              <a:ext uri="{FF2B5EF4-FFF2-40B4-BE49-F238E27FC236}">
+                <a16:creationId xmlns:a16="http://schemas.microsoft.com/office/drawing/2014/main" id="{DF0A842C-1866-5841-80CD-7B279AE72F53}"/>
+              </a:ext>
+            </a:extLst>
+          </p:cNvPr>
+          <p:cNvCxnSpPr>
+            <a:cxnSpLocks/>
+          </p:cNvCxnSpPr>
+          <p:nvPr/>
+        </p:nvCxnSpPr>
+        <p:spPr>
+          <a:xfrm flipV="1">
+            <a:off x="9070921" y="2269993"/>
+            <a:ext cx="37408" cy="2358971"/>
+          </a:xfrm>
+          <a:prstGeom prst="straightConnector1">
+            <a:avLst/>
+          </a:prstGeom>
+          <a:ln w="38100">
+            <a:solidFill>
+              <a:schemeClr val="tx1"/>
+            </a:solidFill>
+            <a:prstDash val="solid"/>
+            <a:headEnd w="lg" len="lg"/>
+            <a:tailEnd type="triangle" w="lg" len="lg"/>
+          </a:ln>
+        </p:spPr>
+        <p:style>
+          <a:lnRef idx="1">
+            <a:schemeClr val="accent1"/>
+          </a:lnRef>
+          <a:fillRef idx="0">
+            <a:schemeClr val="accent1"/>
+          </a:fillRef>
+          <a:effectRef idx="0">
+            <a:schemeClr val="accent1"/>
+          </a:effectRef>
+          <a:fontRef idx="minor">
+            <a:schemeClr val="tx1"/>
+          </a:fontRef>
+        </p:style>
+      </p:cxnSp>
+      <p:cxnSp>
+        <p:nvCxnSpPr>
+          <p:cNvPr id="35" name="Straight Arrow Connector 34">
+            <a:extLst>
+              <a:ext uri="{FF2B5EF4-FFF2-40B4-BE49-F238E27FC236}">
+                <a16:creationId xmlns:a16="http://schemas.microsoft.com/office/drawing/2014/main" id="{C54E97C6-5A60-374B-80FC-3BE7443DC76F}"/>
+              </a:ext>
+            </a:extLst>
+          </p:cNvPr>
+          <p:cNvCxnSpPr>
+            <a:cxnSpLocks/>
+          </p:cNvCxnSpPr>
+          <p:nvPr/>
+        </p:nvCxnSpPr>
+        <p:spPr>
+          <a:xfrm flipV="1">
+            <a:off x="3012345" y="2299670"/>
+            <a:ext cx="5769952" cy="2343581"/>
+          </a:xfrm>
+          <a:prstGeom prst="straightConnector1">
+            <a:avLst/>
+          </a:prstGeom>
+          <a:ln w="28575">
+            <a:solidFill>
+              <a:schemeClr val="bg2">
+                <a:lumMod val="50000"/>
+              </a:schemeClr>
+            </a:solidFill>
+            <a:prstDash val="dash"/>
+            <a:tailEnd type="triangle" w="lg" len="lg"/>
+          </a:ln>
+        </p:spPr>
+        <p:style>
+          <a:lnRef idx="1">
+            <a:schemeClr val="accent1"/>
+          </a:lnRef>
+          <a:fillRef idx="0">
+            <a:schemeClr val="accent1"/>
+          </a:fillRef>
+          <a:effectRef idx="0">
+            <a:schemeClr val="accent1"/>
+          </a:effectRef>
+          <a:fontRef idx="minor">
+            <a:schemeClr val="tx1"/>
+          </a:fontRef>
+        </p:style>
+      </p:cxnSp>
+      <p:cxnSp>
+        <p:nvCxnSpPr>
+          <p:cNvPr id="53" name="Elbow Connector 52">
+            <a:extLst>
+              <a:ext uri="{FF2B5EF4-FFF2-40B4-BE49-F238E27FC236}">
+                <a16:creationId xmlns:a16="http://schemas.microsoft.com/office/drawing/2014/main" id="{83342A54-600E-FF4A-BE6C-445538E8BA49}"/>
+              </a:ext>
+            </a:extLst>
+          </p:cNvPr>
+          <p:cNvCxnSpPr>
+            <a:stCxn id="9" idx="0"/>
+            <a:endCxn id="8" idx="0"/>
+          </p:cNvCxnSpPr>
+          <p:nvPr/>
+        </p:nvCxnSpPr>
+        <p:spPr>
+          <a:xfrm rot="16200000" flipV="1">
+            <a:off x="7482893" y="448443"/>
+            <a:ext cx="12700" cy="2963792"/>
+          </a:xfrm>
+          <a:prstGeom prst="bentConnector3">
+            <a:avLst>
+              <a:gd name="adj1" fmla="val 3375000"/>
+            </a:avLst>
+          </a:prstGeom>
+          <a:ln w="38100">
+            <a:solidFill>
+              <a:schemeClr val="tx1"/>
+            </a:solidFill>
+            <a:headEnd w="lg" len="lg"/>
+            <a:tailEnd type="triangle" w="lg" len="lg"/>
+          </a:ln>
+        </p:spPr>
+        <p:style>
+          <a:lnRef idx="1">
+            <a:schemeClr val="accent1"/>
+          </a:lnRef>
+          <a:fillRef idx="0">
+            <a:schemeClr val="accent1"/>
+          </a:fillRef>
+          <a:effectRef idx="0">
+            <a:schemeClr val="accent1"/>
+          </a:effectRef>
+          <a:fontRef idx="minor">
+            <a:schemeClr val="tx1"/>
+          </a:fontRef>
+        </p:style>
+      </p:cxnSp>
+      <p:cxnSp>
+        <p:nvCxnSpPr>
+          <p:cNvPr id="57" name="Elbow Connector 56">
+            <a:extLst>
+              <a:ext uri="{FF2B5EF4-FFF2-40B4-BE49-F238E27FC236}">
+                <a16:creationId xmlns:a16="http://schemas.microsoft.com/office/drawing/2014/main" id="{16E261F6-9F61-B444-B2A1-75894B79FF07}"/>
+              </a:ext>
+            </a:extLst>
+          </p:cNvPr>
+          <p:cNvCxnSpPr>
+            <a:cxnSpLocks/>
+          </p:cNvCxnSpPr>
+          <p:nvPr/>
+        </p:nvCxnSpPr>
+        <p:spPr>
+          <a:xfrm rot="16200000" flipV="1">
+            <a:off x="5892749" y="-813961"/>
+            <a:ext cx="9144" cy="5486400"/>
+          </a:xfrm>
+          <a:prstGeom prst="bentConnector3">
+            <a:avLst>
+              <a:gd name="adj1" fmla="val 6225000"/>
+            </a:avLst>
+          </a:prstGeom>
+          <a:ln w="38100">
+            <a:solidFill>
+              <a:schemeClr val="tx1"/>
+            </a:solidFill>
+            <a:prstDash val="solid"/>
+            <a:headEnd w="lg" len="lg"/>
+            <a:tailEnd type="triangle" w="lg" len="lg"/>
+          </a:ln>
+        </p:spPr>
+        <p:style>
+          <a:lnRef idx="1">
+            <a:schemeClr val="accent1"/>
+          </a:lnRef>
+          <a:fillRef idx="0">
+            <a:schemeClr val="accent1"/>
+          </a:fillRef>
+          <a:effectRef idx="0">
+            <a:schemeClr val="accent1"/>
+          </a:effectRef>
+          <a:fontRef idx="minor">
+            <a:schemeClr val="tx1"/>
+          </a:fontRef>
+        </p:style>
+      </p:cxnSp>
+      <p:sp>
+        <p:nvSpPr>
+          <p:cNvPr id="61" name="TextBox 60">
+            <a:extLst>
+              <a:ext uri="{FF2B5EF4-FFF2-40B4-BE49-F238E27FC236}">
+                <a16:creationId xmlns:a16="http://schemas.microsoft.com/office/drawing/2014/main" id="{7F237DD3-2F5C-974E-9CE0-F803003B66D9}"/>
               </a:ext>
             </a:extLst>
           </p:cNvPr>
@@ -8949,13 +10741,16 @@
         </p:nvSpPr>
         <p:spPr>
           <a:xfrm>
-            <a:off x="3780706" y="2847724"/>
-            <a:ext cx="1191690" cy="369332"/>
+            <a:off x="2160773" y="3094944"/>
+            <a:ext cx="946560" cy="369332"/>
           </a:xfrm>
           <a:prstGeom prst="rect">
             <a:avLst/>
           </a:prstGeom>
           <a:noFill/>
+          <a:ln>
+            <a:noFill/>
+          </a:ln>
         </p:spPr>
         <p:txBody>
           <a:bodyPr wrap="square" rtlCol="0">
@@ -8965,20 +10760,25 @@
           <a:p>
             <a:r>
               <a:rPr lang="en-US" dirty="0">
-                <a:latin typeface="Arial" panose="020B0604020202020204" pitchFamily="34" charset="0"/>
-                <a:cs typeface="Arial" panose="020B0604020202020204" pitchFamily="34" charset="0"/>
-              </a:rPr>
-              <a:t>0.010</a:t>
-            </a:r>
-          </a:p>
-        </p:txBody>
-      </p:sp>
-      <p:sp>
-        <p:nvSpPr>
-          <p:cNvPr id="11" name="TextBox 10">
-            <a:extLst>
-              <a:ext uri="{FF2B5EF4-FFF2-40B4-BE49-F238E27FC236}">
-                <a16:creationId xmlns:a16="http://schemas.microsoft.com/office/drawing/2014/main" id="{5D136E10-03A2-F545-A119-5BEAD2691EC4}"/>
+                <a:solidFill>
+                  <a:schemeClr val="bg2">
+                    <a:lumMod val="50000"/>
+                  </a:schemeClr>
+                </a:solidFill>
+                <a:latin typeface="Arial" panose="020B0604020202020204" pitchFamily="34" charset="0"/>
+                <a:cs typeface="Arial" panose="020B0604020202020204" pitchFamily="34" charset="0"/>
+              </a:rPr>
+              <a:t>0.041</a:t>
+            </a:r>
+          </a:p>
+        </p:txBody>
+      </p:sp>
+      <p:sp>
+        <p:nvSpPr>
+          <p:cNvPr id="62" name="TextBox 61">
+            <a:extLst>
+              <a:ext uri="{FF2B5EF4-FFF2-40B4-BE49-F238E27FC236}">
+                <a16:creationId xmlns:a16="http://schemas.microsoft.com/office/drawing/2014/main" id="{DE1188E0-30F3-4B44-B6BF-33657D52FA8A}"/>
               </a:ext>
             </a:extLst>
           </p:cNvPr>
@@ -8987,13 +10787,18 @@
         </p:nvSpPr>
         <p:spPr>
           <a:xfrm>
-            <a:off x="4221766" y="3889145"/>
-            <a:ext cx="1191690" cy="369332"/>
-          </a:xfrm>
-          <a:prstGeom prst="rect">
-            <a:avLst/>
-          </a:prstGeom>
-          <a:noFill/>
+            <a:off x="6057241" y="2948820"/>
+            <a:ext cx="1108196" cy="369332"/>
+          </a:xfrm>
+          <a:prstGeom prst="rect">
+            <a:avLst/>
+          </a:prstGeom>
+          <a:solidFill>
+            <a:schemeClr val="bg1"/>
+          </a:solidFill>
+          <a:ln>
+            <a:noFill/>
+          </a:ln>
         </p:spPr>
         <p:txBody>
           <a:bodyPr wrap="square" rtlCol="0">
@@ -9006,17 +10811,17 @@
                 <a:latin typeface="Arial" panose="020B0604020202020204" pitchFamily="34" charset="0"/>
                 <a:cs typeface="Arial" panose="020B0604020202020204" pitchFamily="34" charset="0"/>
               </a:rPr>
-              <a:t>-0.001</a:t>
-            </a:r>
-          </a:p>
-        </p:txBody>
-      </p:sp>
-      <p:sp>
-        <p:nvSpPr>
-          <p:cNvPr id="13" name="TextBox 12">
-            <a:extLst>
-              <a:ext uri="{FF2B5EF4-FFF2-40B4-BE49-F238E27FC236}">
-                <a16:creationId xmlns:a16="http://schemas.microsoft.com/office/drawing/2014/main" id="{1ABC6687-76B3-B042-A4FC-8BFFF12A1B71}"/>
+              <a:t>0.590***</a:t>
+            </a:r>
+          </a:p>
+        </p:txBody>
+      </p:sp>
+      <p:sp>
+        <p:nvSpPr>
+          <p:cNvPr id="63" name="TextBox 62">
+            <a:extLst>
+              <a:ext uri="{FF2B5EF4-FFF2-40B4-BE49-F238E27FC236}">
+                <a16:creationId xmlns:a16="http://schemas.microsoft.com/office/drawing/2014/main" id="{7D9A6CDB-03FE-7B45-94EA-C7318C14533D}"/>
               </a:ext>
             </a:extLst>
           </p:cNvPr>
@@ -9025,13 +10830,18 @@
         </p:nvSpPr>
         <p:spPr>
           <a:xfrm>
-            <a:off x="6847107" y="5227058"/>
-            <a:ext cx="1698668" cy="369332"/>
-          </a:xfrm>
-          <a:prstGeom prst="rect">
-            <a:avLst/>
-          </a:prstGeom>
-          <a:noFill/>
+            <a:off x="6982937" y="1551222"/>
+            <a:ext cx="1028948" cy="369332"/>
+          </a:xfrm>
+          <a:prstGeom prst="rect">
+            <a:avLst/>
+          </a:prstGeom>
+          <a:solidFill>
+            <a:schemeClr val="bg1"/>
+          </a:solidFill>
+          <a:ln>
+            <a:noFill/>
+          </a:ln>
         </p:spPr>
         <p:txBody>
           <a:bodyPr wrap="square" rtlCol="0">
@@ -9044,31 +10854,17 @@
                 <a:latin typeface="Arial" panose="020B0604020202020204" pitchFamily="34" charset="0"/>
                 <a:cs typeface="Arial" panose="020B0604020202020204" pitchFamily="34" charset="0"/>
               </a:rPr>
-              <a:t>Total R</a:t>
-            </a:r>
-            <a:r>
-              <a:rPr lang="en-US" baseline="30000" dirty="0">
-                <a:latin typeface="Arial" panose="020B0604020202020204" pitchFamily="34" charset="0"/>
-                <a:cs typeface="Arial" panose="020B0604020202020204" pitchFamily="34" charset="0"/>
-              </a:rPr>
-              <a:t>2</a:t>
-            </a:r>
-            <a:r>
-              <a:rPr lang="en-US" dirty="0">
-                <a:latin typeface="Arial" panose="020B0604020202020204" pitchFamily="34" charset="0"/>
-                <a:cs typeface="Arial" panose="020B0604020202020204" pitchFamily="34" charset="0"/>
-              </a:rPr>
-              <a:t> = 0.03</a:t>
-            </a:r>
-          </a:p>
-        </p:txBody>
-      </p:sp>
-      <p:sp>
-        <p:nvSpPr>
-          <p:cNvPr id="14" name="TextBox 13">
-            <a:extLst>
-              <a:ext uri="{FF2B5EF4-FFF2-40B4-BE49-F238E27FC236}">
-                <a16:creationId xmlns:a16="http://schemas.microsoft.com/office/drawing/2014/main" id="{B2E904DA-61D3-5D47-AD47-932D13DDF817}"/>
+              <a:t>0.339***</a:t>
+            </a:r>
+          </a:p>
+        </p:txBody>
+      </p:sp>
+      <p:sp>
+        <p:nvSpPr>
+          <p:cNvPr id="64" name="TextBox 63">
+            <a:extLst>
+              <a:ext uri="{FF2B5EF4-FFF2-40B4-BE49-F238E27FC236}">
+                <a16:creationId xmlns:a16="http://schemas.microsoft.com/office/drawing/2014/main" id="{01CF280E-35E6-5C49-A4E7-4477CCE1C83C}"/>
               </a:ext>
             </a:extLst>
           </p:cNvPr>
@@ -9077,13 +10873,18 @@
         </p:nvSpPr>
         <p:spPr>
           <a:xfrm>
-            <a:off x="3062569" y="853239"/>
-            <a:ext cx="2430234" cy="646331"/>
-          </a:xfrm>
-          <a:prstGeom prst="rect">
-            <a:avLst/>
-          </a:prstGeom>
-          <a:noFill/>
+            <a:off x="9147087" y="3080146"/>
+            <a:ext cx="1142999" cy="369332"/>
+          </a:xfrm>
+          <a:prstGeom prst="rect">
+            <a:avLst/>
+          </a:prstGeom>
+          <a:solidFill>
+            <a:schemeClr val="bg1"/>
+          </a:solidFill>
+          <a:ln>
+            <a:noFill/>
+          </a:ln>
         </p:spPr>
         <p:txBody>
           <a:bodyPr wrap="square" rtlCol="0">
@@ -9096,26 +10897,17 @@
                 <a:latin typeface="Arial" panose="020B0604020202020204" pitchFamily="34" charset="0"/>
                 <a:cs typeface="Arial" panose="020B0604020202020204" pitchFamily="34" charset="0"/>
               </a:rPr>
-              <a:t>Response: </a:t>
-            </a:r>
-          </a:p>
-          <a:p>
-            <a:r>
-              <a:rPr lang="en-US" dirty="0">
-                <a:latin typeface="Arial" panose="020B0604020202020204" pitchFamily="34" charset="0"/>
-                <a:cs typeface="Arial" panose="020B0604020202020204" pitchFamily="34" charset="0"/>
-              </a:rPr>
-              <a:t>Population trend</a:t>
-            </a:r>
-          </a:p>
-        </p:txBody>
-      </p:sp>
-      <p:sp>
-        <p:nvSpPr>
-          <p:cNvPr id="15" name="TextBox 14">
-            <a:extLst>
-              <a:ext uri="{FF2B5EF4-FFF2-40B4-BE49-F238E27FC236}">
-                <a16:creationId xmlns:a16="http://schemas.microsoft.com/office/drawing/2014/main" id="{931B04C7-4682-484D-8E28-42E78AF540F6}"/>
+              <a:t>-3.581***</a:t>
+            </a:r>
+          </a:p>
+        </p:txBody>
+      </p:sp>
+      <p:sp>
+        <p:nvSpPr>
+          <p:cNvPr id="65" name="TextBox 64">
+            <a:extLst>
+              <a:ext uri="{FF2B5EF4-FFF2-40B4-BE49-F238E27FC236}">
+                <a16:creationId xmlns:a16="http://schemas.microsoft.com/office/drawing/2014/main" id="{11881172-249F-6945-AA11-ADEA2F47D833}"/>
               </a:ext>
             </a:extLst>
           </p:cNvPr>
@@ -9124,13 +10916,20 @@
         </p:nvSpPr>
         <p:spPr>
           <a:xfrm>
-            <a:off x="5549503" y="3732554"/>
-            <a:ext cx="1191690" cy="369332"/>
-          </a:xfrm>
-          <a:prstGeom prst="rect">
-            <a:avLst/>
-          </a:prstGeom>
-          <a:noFill/>
+            <a:off x="1811722" y="1516772"/>
+            <a:ext cx="1143000" cy="369332"/>
+          </a:xfrm>
+          <a:prstGeom prst="rect">
+            <a:avLst/>
+          </a:prstGeom>
+          <a:solidFill>
+            <a:schemeClr val="bg1"/>
+          </a:solidFill>
+          <a:ln>
+            <a:solidFill>
+              <a:schemeClr val="tx1"/>
+            </a:solidFill>
+          </a:ln>
         </p:spPr>
         <p:txBody>
           <a:bodyPr wrap="square" rtlCol="0">
@@ -9143,17 +10942,31 @@
                 <a:latin typeface="Arial" panose="020B0604020202020204" pitchFamily="34" charset="0"/>
                 <a:cs typeface="Arial" panose="020B0604020202020204" pitchFamily="34" charset="0"/>
               </a:rPr>
-              <a:t>    0.003</a:t>
-            </a:r>
-          </a:p>
-        </p:txBody>
-      </p:sp>
-      <p:sp>
-        <p:nvSpPr>
-          <p:cNvPr id="16" name="TextBox 15">
-            <a:extLst>
-              <a:ext uri="{FF2B5EF4-FFF2-40B4-BE49-F238E27FC236}">
-                <a16:creationId xmlns:a16="http://schemas.microsoft.com/office/drawing/2014/main" id="{03C64C24-8110-CC4E-A8B8-DCC0C5EC93CA}"/>
+              <a:t>R</a:t>
+            </a:r>
+            <a:r>
+              <a:rPr lang="en-US" baseline="30000" dirty="0">
+                <a:latin typeface="Arial" panose="020B0604020202020204" pitchFamily="34" charset="0"/>
+                <a:cs typeface="Arial" panose="020B0604020202020204" pitchFamily="34" charset="0"/>
+              </a:rPr>
+              <a:t>2 </a:t>
+            </a:r>
+            <a:r>
+              <a:rPr lang="en-US" dirty="0">
+                <a:latin typeface="Arial" panose="020B0604020202020204" pitchFamily="34" charset="0"/>
+                <a:cs typeface="Arial" panose="020B0604020202020204" pitchFamily="34" charset="0"/>
+              </a:rPr>
+              <a:t>= 0.33</a:t>
+            </a:r>
+          </a:p>
+        </p:txBody>
+      </p:sp>
+      <p:sp>
+        <p:nvSpPr>
+          <p:cNvPr id="66" name="TextBox 65">
+            <a:extLst>
+              <a:ext uri="{FF2B5EF4-FFF2-40B4-BE49-F238E27FC236}">
+                <a16:creationId xmlns:a16="http://schemas.microsoft.com/office/drawing/2014/main" id="{13470268-36AA-D447-9BC4-B2084AF7F89E}"/>
               </a:ext>
             </a:extLst>
           </p:cNvPr>
@@ -9162,13 +10975,20 @@
         </p:nvSpPr>
         <p:spPr>
           <a:xfrm>
-            <a:off x="4693484" y="3197875"/>
-            <a:ext cx="1191690" cy="369332"/>
-          </a:xfrm>
-          <a:prstGeom prst="rect">
-            <a:avLst/>
-          </a:prstGeom>
-          <a:noFill/>
+            <a:off x="4754321" y="1516772"/>
+            <a:ext cx="1143000" cy="369332"/>
+          </a:xfrm>
+          <a:prstGeom prst="rect">
+            <a:avLst/>
+          </a:prstGeom>
+          <a:solidFill>
+            <a:schemeClr val="bg1"/>
+          </a:solidFill>
+          <a:ln>
+            <a:solidFill>
+              <a:schemeClr val="tx1"/>
+            </a:solidFill>
+          </a:ln>
         </p:spPr>
         <p:txBody>
           <a:bodyPr wrap="square" rtlCol="0">
@@ -9181,17 +11001,31 @@
                 <a:latin typeface="Arial" panose="020B0604020202020204" pitchFamily="34" charset="0"/>
                 <a:cs typeface="Arial" panose="020B0604020202020204" pitchFamily="34" charset="0"/>
               </a:rPr>
-              <a:t>    -0.001</a:t>
-            </a:r>
-          </a:p>
-        </p:txBody>
-      </p:sp>
-      <p:sp>
-        <p:nvSpPr>
-          <p:cNvPr id="17" name="TextBox 16">
-            <a:extLst>
-              <a:ext uri="{FF2B5EF4-FFF2-40B4-BE49-F238E27FC236}">
-                <a16:creationId xmlns:a16="http://schemas.microsoft.com/office/drawing/2014/main" id="{A7BF877D-C41B-8D4E-A6B8-52FF866DF85F}"/>
+              <a:t>R</a:t>
+            </a:r>
+            <a:r>
+              <a:rPr lang="en-US" baseline="30000" dirty="0">
+                <a:latin typeface="Arial" panose="020B0604020202020204" pitchFamily="34" charset="0"/>
+                <a:cs typeface="Arial" panose="020B0604020202020204" pitchFamily="34" charset="0"/>
+              </a:rPr>
+              <a:t>2 </a:t>
+            </a:r>
+            <a:r>
+              <a:rPr lang="en-US" dirty="0">
+                <a:latin typeface="Arial" panose="020B0604020202020204" pitchFamily="34" charset="0"/>
+                <a:cs typeface="Arial" panose="020B0604020202020204" pitchFamily="34" charset="0"/>
+              </a:rPr>
+              <a:t>= 0.24</a:t>
+            </a:r>
+          </a:p>
+        </p:txBody>
+      </p:sp>
+      <p:sp>
+        <p:nvSpPr>
+          <p:cNvPr id="67" name="TextBox 66">
+            <a:extLst>
+              <a:ext uri="{FF2B5EF4-FFF2-40B4-BE49-F238E27FC236}">
+                <a16:creationId xmlns:a16="http://schemas.microsoft.com/office/drawing/2014/main" id="{723B4A81-5B5B-D64E-98DB-FB4E06A7606B}"/>
               </a:ext>
             </a:extLst>
           </p:cNvPr>
@@ -9200,13 +11034,20 @@
         </p:nvSpPr>
         <p:spPr>
           <a:xfrm>
-            <a:off x="4805610" y="2512692"/>
-            <a:ext cx="1191690" cy="369332"/>
-          </a:xfrm>
-          <a:prstGeom prst="rect">
-            <a:avLst/>
-          </a:prstGeom>
-          <a:noFill/>
+            <a:off x="9089625" y="1530229"/>
+            <a:ext cx="1143000" cy="369332"/>
+          </a:xfrm>
+          <a:prstGeom prst="rect">
+            <a:avLst/>
+          </a:prstGeom>
+          <a:solidFill>
+            <a:schemeClr val="bg1"/>
+          </a:solidFill>
+          <a:ln>
+            <a:solidFill>
+              <a:schemeClr val="tx1"/>
+            </a:solidFill>
+          </a:ln>
         </p:spPr>
         <p:txBody>
           <a:bodyPr wrap="square" rtlCol="0">
@@ -9219,17 +11060,31 @@
                 <a:latin typeface="Arial" panose="020B0604020202020204" pitchFamily="34" charset="0"/>
                 <a:cs typeface="Arial" panose="020B0604020202020204" pitchFamily="34" charset="0"/>
               </a:rPr>
-              <a:t>   -0.002</a:t>
-            </a:r>
-          </a:p>
-        </p:txBody>
-      </p:sp>
-      <p:sp>
-        <p:nvSpPr>
-          <p:cNvPr id="18" name="TextBox 17">
-            <a:extLst>
-              <a:ext uri="{FF2B5EF4-FFF2-40B4-BE49-F238E27FC236}">
-                <a16:creationId xmlns:a16="http://schemas.microsoft.com/office/drawing/2014/main" id="{7ECEB26D-2648-FA45-9390-6736BC12E74B}"/>
+              <a:t>R</a:t>
+            </a:r>
+            <a:r>
+              <a:rPr lang="en-US" baseline="30000" dirty="0">
+                <a:latin typeface="Arial" panose="020B0604020202020204" pitchFamily="34" charset="0"/>
+                <a:cs typeface="Arial" panose="020B0604020202020204" pitchFamily="34" charset="0"/>
+              </a:rPr>
+              <a:t>2 </a:t>
+            </a:r>
+            <a:r>
+              <a:rPr lang="en-US" dirty="0">
+                <a:latin typeface="Arial" panose="020B0604020202020204" pitchFamily="34" charset="0"/>
+                <a:cs typeface="Arial" panose="020B0604020202020204" pitchFamily="34" charset="0"/>
+              </a:rPr>
+              <a:t>= 0.19</a:t>
+            </a:r>
+          </a:p>
+        </p:txBody>
+      </p:sp>
+      <p:sp>
+        <p:nvSpPr>
+          <p:cNvPr id="68" name="TextBox 67">
+            <a:extLst>
+              <a:ext uri="{FF2B5EF4-FFF2-40B4-BE49-F238E27FC236}">
+                <a16:creationId xmlns:a16="http://schemas.microsoft.com/office/drawing/2014/main" id="{229F2343-9840-634F-8470-AB22B0378E21}"/>
               </a:ext>
             </a:extLst>
           </p:cNvPr>
@@ -9238,13 +11093,18 @@
         </p:nvSpPr>
         <p:spPr>
           <a:xfrm>
-            <a:off x="4585506" y="4820412"/>
-            <a:ext cx="1191690" cy="369332"/>
-          </a:xfrm>
-          <a:prstGeom prst="rect">
-            <a:avLst/>
-          </a:prstGeom>
-          <a:noFill/>
+            <a:off x="3413535" y="3643420"/>
+            <a:ext cx="870174" cy="369332"/>
+          </a:xfrm>
+          <a:prstGeom prst="rect">
+            <a:avLst/>
+          </a:prstGeom>
+          <a:solidFill>
+            <a:schemeClr val="bg1"/>
+          </a:solidFill>
+          <a:ln>
+            <a:noFill/>
+          </a:ln>
         </p:spPr>
         <p:txBody>
           <a:bodyPr wrap="square" rtlCol="0">
@@ -9254,10 +11114,341 @@
           <a:p>
             <a:r>
               <a:rPr lang="en-US" dirty="0">
-                <a:latin typeface="Arial" panose="020B0604020202020204" pitchFamily="34" charset="0"/>
-                <a:cs typeface="Arial" panose="020B0604020202020204" pitchFamily="34" charset="0"/>
-              </a:rPr>
-              <a:t>    -0.012</a:t>
+                <a:solidFill>
+                  <a:schemeClr val="bg2">
+                    <a:lumMod val="50000"/>
+                  </a:schemeClr>
+                </a:solidFill>
+                <a:latin typeface="Arial" panose="020B0604020202020204" pitchFamily="34" charset="0"/>
+                <a:cs typeface="Arial" panose="020B0604020202020204" pitchFamily="34" charset="0"/>
+              </a:rPr>
+              <a:t>0.114</a:t>
+            </a:r>
+          </a:p>
+        </p:txBody>
+      </p:sp>
+      <p:sp>
+        <p:nvSpPr>
+          <p:cNvPr id="69" name="TextBox 68">
+            <a:extLst>
+              <a:ext uri="{FF2B5EF4-FFF2-40B4-BE49-F238E27FC236}">
+                <a16:creationId xmlns:a16="http://schemas.microsoft.com/office/drawing/2014/main" id="{6157ED4D-535A-C846-879D-D9CC38289BB5}"/>
+              </a:ext>
+            </a:extLst>
+          </p:cNvPr>
+          <p:cNvSpPr txBox="1"/>
+          <p:nvPr/>
+        </p:nvSpPr>
+        <p:spPr>
+          <a:xfrm>
+            <a:off x="3871886" y="4056879"/>
+            <a:ext cx="771792" cy="369332"/>
+          </a:xfrm>
+          <a:prstGeom prst="rect">
+            <a:avLst/>
+          </a:prstGeom>
+          <a:solidFill>
+            <a:schemeClr val="bg1"/>
+          </a:solidFill>
+          <a:ln>
+            <a:noFill/>
+          </a:ln>
+        </p:spPr>
+        <p:txBody>
+          <a:bodyPr wrap="square" rtlCol="0">
+            <a:spAutoFit/>
+          </a:bodyPr>
+          <a:lstStyle/>
+          <a:p>
+            <a:r>
+              <a:rPr lang="en-US" dirty="0">
+                <a:solidFill>
+                  <a:schemeClr val="bg2">
+                    <a:lumMod val="50000"/>
+                  </a:schemeClr>
+                </a:solidFill>
+                <a:latin typeface="Arial" panose="020B0604020202020204" pitchFamily="34" charset="0"/>
+                <a:cs typeface="Arial" panose="020B0604020202020204" pitchFamily="34" charset="0"/>
+              </a:rPr>
+              <a:t>0.522</a:t>
+            </a:r>
+          </a:p>
+        </p:txBody>
+      </p:sp>
+      <p:sp>
+        <p:nvSpPr>
+          <p:cNvPr id="70" name="TextBox 69">
+            <a:extLst>
+              <a:ext uri="{FF2B5EF4-FFF2-40B4-BE49-F238E27FC236}">
+                <a16:creationId xmlns:a16="http://schemas.microsoft.com/office/drawing/2014/main" id="{B4F4D1A2-F6D4-4B43-9819-9DFD1AD36783}"/>
+              </a:ext>
+            </a:extLst>
+          </p:cNvPr>
+          <p:cNvSpPr txBox="1"/>
+          <p:nvPr/>
+        </p:nvSpPr>
+        <p:spPr>
+          <a:xfrm>
+            <a:off x="5032537" y="3992468"/>
+            <a:ext cx="852789" cy="369332"/>
+          </a:xfrm>
+          <a:prstGeom prst="rect">
+            <a:avLst/>
+          </a:prstGeom>
+          <a:solidFill>
+            <a:schemeClr val="bg1"/>
+          </a:solidFill>
+          <a:ln>
+            <a:noFill/>
+          </a:ln>
+        </p:spPr>
+        <p:txBody>
+          <a:bodyPr wrap="square" rtlCol="0">
+            <a:spAutoFit/>
+          </a:bodyPr>
+          <a:lstStyle/>
+          <a:p>
+            <a:r>
+              <a:rPr lang="en-US" dirty="0">
+                <a:solidFill>
+                  <a:schemeClr val="bg2">
+                    <a:lumMod val="50000"/>
+                  </a:schemeClr>
+                </a:solidFill>
+                <a:latin typeface="Arial" panose="020B0604020202020204" pitchFamily="34" charset="0"/>
+                <a:cs typeface="Arial" panose="020B0604020202020204" pitchFamily="34" charset="0"/>
+              </a:rPr>
+              <a:t>-0.004</a:t>
+            </a:r>
+          </a:p>
+        </p:txBody>
+      </p:sp>
+      <p:sp>
+        <p:nvSpPr>
+          <p:cNvPr id="71" name="TextBox 70">
+            <a:extLst>
+              <a:ext uri="{FF2B5EF4-FFF2-40B4-BE49-F238E27FC236}">
+                <a16:creationId xmlns:a16="http://schemas.microsoft.com/office/drawing/2014/main" id="{6B98E97C-1B36-944E-A865-F1204C4BBA49}"/>
+              </a:ext>
+            </a:extLst>
+          </p:cNvPr>
+          <p:cNvSpPr txBox="1"/>
+          <p:nvPr/>
+        </p:nvSpPr>
+        <p:spPr>
+          <a:xfrm>
+            <a:off x="6313849" y="3992468"/>
+            <a:ext cx="763676" cy="369332"/>
+          </a:xfrm>
+          <a:prstGeom prst="rect">
+            <a:avLst/>
+          </a:prstGeom>
+          <a:solidFill>
+            <a:schemeClr val="bg1"/>
+          </a:solidFill>
+          <a:ln>
+            <a:noFill/>
+          </a:ln>
+        </p:spPr>
+        <p:txBody>
+          <a:bodyPr wrap="square" rtlCol="0">
+            <a:spAutoFit/>
+          </a:bodyPr>
+          <a:lstStyle/>
+          <a:p>
+            <a:r>
+              <a:rPr lang="en-US" dirty="0">
+                <a:solidFill>
+                  <a:schemeClr val="bg2">
+                    <a:lumMod val="50000"/>
+                  </a:schemeClr>
+                </a:solidFill>
+                <a:latin typeface="Arial" panose="020B0604020202020204" pitchFamily="34" charset="0"/>
+                <a:cs typeface="Arial" panose="020B0604020202020204" pitchFamily="34" charset="0"/>
+              </a:rPr>
+              <a:t>0.128</a:t>
+            </a:r>
+          </a:p>
+        </p:txBody>
+      </p:sp>
+      <p:sp>
+        <p:nvSpPr>
+          <p:cNvPr id="72" name="TextBox 71">
+            <a:extLst>
+              <a:ext uri="{FF2B5EF4-FFF2-40B4-BE49-F238E27FC236}">
+                <a16:creationId xmlns:a16="http://schemas.microsoft.com/office/drawing/2014/main" id="{3075672F-4EB4-B24A-B2F0-3967306C59CB}"/>
+              </a:ext>
+            </a:extLst>
+          </p:cNvPr>
+          <p:cNvSpPr txBox="1"/>
+          <p:nvPr/>
+        </p:nvSpPr>
+        <p:spPr>
+          <a:xfrm>
+            <a:off x="7752459" y="3593673"/>
+            <a:ext cx="835114" cy="369332"/>
+          </a:xfrm>
+          <a:prstGeom prst="rect">
+            <a:avLst/>
+          </a:prstGeom>
+          <a:solidFill>
+            <a:schemeClr val="bg1"/>
+          </a:solidFill>
+          <a:ln>
+            <a:noFill/>
+          </a:ln>
+        </p:spPr>
+        <p:txBody>
+          <a:bodyPr wrap="square" rtlCol="0">
+            <a:spAutoFit/>
+          </a:bodyPr>
+          <a:lstStyle/>
+          <a:p>
+            <a:r>
+              <a:rPr lang="en-US" dirty="0">
+                <a:solidFill>
+                  <a:schemeClr val="bg2">
+                    <a:lumMod val="50000"/>
+                  </a:schemeClr>
+                </a:solidFill>
+                <a:latin typeface="Arial" panose="020B0604020202020204" pitchFamily="34" charset="0"/>
+                <a:cs typeface="Arial" panose="020B0604020202020204" pitchFamily="34" charset="0"/>
+              </a:rPr>
+              <a:t>-0.521</a:t>
+            </a:r>
+          </a:p>
+        </p:txBody>
+      </p:sp>
+      <p:sp>
+        <p:nvSpPr>
+          <p:cNvPr id="73" name="TextBox 72">
+            <a:extLst>
+              <a:ext uri="{FF2B5EF4-FFF2-40B4-BE49-F238E27FC236}">
+                <a16:creationId xmlns:a16="http://schemas.microsoft.com/office/drawing/2014/main" id="{8DC21F49-3588-BE45-8572-119EAD0A1329}"/>
+              </a:ext>
+            </a:extLst>
+          </p:cNvPr>
+          <p:cNvSpPr txBox="1"/>
+          <p:nvPr/>
+        </p:nvSpPr>
+        <p:spPr>
+          <a:xfrm>
+            <a:off x="7385911" y="4060653"/>
+            <a:ext cx="835114" cy="369332"/>
+          </a:xfrm>
+          <a:prstGeom prst="rect">
+            <a:avLst/>
+          </a:prstGeom>
+          <a:solidFill>
+            <a:schemeClr val="bg1"/>
+          </a:solidFill>
+          <a:ln>
+            <a:noFill/>
+          </a:ln>
+        </p:spPr>
+        <p:txBody>
+          <a:bodyPr wrap="square" rtlCol="0">
+            <a:spAutoFit/>
+          </a:bodyPr>
+          <a:lstStyle/>
+          <a:p>
+            <a:r>
+              <a:rPr lang="en-US" dirty="0">
+                <a:solidFill>
+                  <a:schemeClr val="bg2">
+                    <a:lumMod val="50000"/>
+                  </a:schemeClr>
+                </a:solidFill>
+                <a:latin typeface="Arial" panose="020B0604020202020204" pitchFamily="34" charset="0"/>
+                <a:cs typeface="Arial" panose="020B0604020202020204" pitchFamily="34" charset="0"/>
+              </a:rPr>
+              <a:t>0.086</a:t>
+            </a:r>
+          </a:p>
+        </p:txBody>
+      </p:sp>
+      <p:sp>
+        <p:nvSpPr>
+          <p:cNvPr id="74" name="TextBox 73">
+            <a:extLst>
+              <a:ext uri="{FF2B5EF4-FFF2-40B4-BE49-F238E27FC236}">
+                <a16:creationId xmlns:a16="http://schemas.microsoft.com/office/drawing/2014/main" id="{75474E52-9598-164F-AE5B-29344C178A13}"/>
+              </a:ext>
+            </a:extLst>
+          </p:cNvPr>
+          <p:cNvSpPr txBox="1"/>
+          <p:nvPr/>
+        </p:nvSpPr>
+        <p:spPr>
+          <a:xfrm>
+            <a:off x="3946818" y="949032"/>
+            <a:ext cx="1098851" cy="369332"/>
+          </a:xfrm>
+          <a:prstGeom prst="rect">
+            <a:avLst/>
+          </a:prstGeom>
+          <a:solidFill>
+            <a:schemeClr val="bg1"/>
+          </a:solidFill>
+          <a:ln>
+            <a:noFill/>
+          </a:ln>
+        </p:spPr>
+        <p:txBody>
+          <a:bodyPr wrap="square" rtlCol="0">
+            <a:spAutoFit/>
+          </a:bodyPr>
+          <a:lstStyle/>
+          <a:p>
+            <a:r>
+              <a:rPr lang="en-US" dirty="0">
+                <a:latin typeface="Arial" panose="020B0604020202020204" pitchFamily="34" charset="0"/>
+                <a:cs typeface="Arial" panose="020B0604020202020204" pitchFamily="34" charset="0"/>
+              </a:rPr>
+              <a:t>0.032**</a:t>
+            </a:r>
+          </a:p>
+        </p:txBody>
+      </p:sp>
+      <p:sp>
+        <p:nvSpPr>
+          <p:cNvPr id="36" name="TextBox 35">
+            <a:extLst>
+              <a:ext uri="{FF2B5EF4-FFF2-40B4-BE49-F238E27FC236}">
+                <a16:creationId xmlns:a16="http://schemas.microsoft.com/office/drawing/2014/main" id="{A6F4CB6D-2D5D-2647-AC61-A3D73AF4F8E4}"/>
+              </a:ext>
+            </a:extLst>
+          </p:cNvPr>
+          <p:cNvSpPr txBox="1"/>
+          <p:nvPr/>
+        </p:nvSpPr>
+        <p:spPr>
+          <a:xfrm>
+            <a:off x="1803139" y="865022"/>
+            <a:ext cx="2186970" cy="369332"/>
+          </a:xfrm>
+          <a:prstGeom prst="rect">
+            <a:avLst/>
+          </a:prstGeom>
+          <a:solidFill>
+            <a:schemeClr val="bg1"/>
+          </a:solidFill>
+          <a:ln>
+            <a:noFill/>
+          </a:ln>
+        </p:spPr>
+        <p:txBody>
+          <a:bodyPr wrap="square" rtlCol="0">
+            <a:spAutoFit/>
+          </a:bodyPr>
+          <a:lstStyle/>
+          <a:p>
+            <a:r>
+              <a:rPr lang="en-US" b="1" dirty="0">
+                <a:latin typeface="Arial" panose="020B0604020202020204" pitchFamily="34" charset="0"/>
+                <a:cs typeface="Arial" panose="020B0604020202020204" pitchFamily="34" charset="0"/>
+              </a:rPr>
+              <a:t>C. Concavity = 2.5</a:t>
             </a:r>
           </a:p>
         </p:txBody>
@@ -9265,7 +11456,7 @@
     </p:spTree>
     <p:extLst>
       <p:ext uri="{BB962C8B-B14F-4D97-AF65-F5344CB8AC3E}">
-        <p14:creationId xmlns:p14="http://schemas.microsoft.com/office/powerpoint/2010/main" val="2114340536"/>
+        <p14:creationId xmlns:p14="http://schemas.microsoft.com/office/powerpoint/2010/main" val="4149222957"/>
       </p:ext>
     </p:extLst>
   </p:cSld>
@@ -9294,28 +11485,29 @@
       </p:grpSpPr>
       <p:sp>
         <p:nvSpPr>
-          <p:cNvPr id="15" name="Oval 14">
-            <a:extLst>
-              <a:ext uri="{FF2B5EF4-FFF2-40B4-BE49-F238E27FC236}">
-                <a16:creationId xmlns:a16="http://schemas.microsoft.com/office/drawing/2014/main" id="{FB38B2EB-7AE2-0040-B297-19057AA3F54E}"/>
-              </a:ext>
-            </a:extLst>
-          </p:cNvPr>
-          <p:cNvSpPr/>
-          <p:nvPr/>
-        </p:nvSpPr>
-        <p:spPr>
-          <a:xfrm>
-            <a:off x="3258293" y="1696686"/>
-            <a:ext cx="2604654" cy="2740232"/>
-          </a:xfrm>
-          <a:prstGeom prst="ellipse">
+          <p:cNvPr id="4" name="TextBox 3">
+            <a:extLst>
+              <a:ext uri="{FF2B5EF4-FFF2-40B4-BE49-F238E27FC236}">
+                <a16:creationId xmlns:a16="http://schemas.microsoft.com/office/drawing/2014/main" id="{A2830E8C-CB8D-2342-B74C-673CBF250C64}"/>
+              </a:ext>
+            </a:extLst>
+          </p:cNvPr>
+          <p:cNvSpPr txBox="1"/>
+          <p:nvPr/>
+        </p:nvSpPr>
+        <p:spPr>
+          <a:xfrm>
+            <a:off x="1961370" y="4656977"/>
+            <a:ext cx="2113808" cy="338554"/>
+          </a:xfrm>
+          <a:prstGeom prst="rect">
             <a:avLst/>
           </a:prstGeom>
           <a:solidFill>
-            <a:srgbClr val="D883FF">
-              <a:alpha val="50196"/>
-            </a:srgbClr>
+            <a:schemeClr val="accent6">
+              <a:lumMod val="60000"/>
+              <a:lumOff val="40000"/>
+            </a:schemeClr>
           </a:solidFill>
           <a:ln>
             <a:solidFill>
@@ -9323,55 +11515,47 @@
             </a:solidFill>
           </a:ln>
         </p:spPr>
-        <p:style>
-          <a:lnRef idx="2">
-            <a:schemeClr val="accent1">
-              <a:shade val="50000"/>
+        <p:txBody>
+          <a:bodyPr wrap="square" rtlCol="0">
+            <a:spAutoFit/>
+          </a:bodyPr>
+          <a:lstStyle/>
+          <a:p>
+            <a:r>
+              <a:rPr lang="en-US" sz="1600" dirty="0">
+                <a:latin typeface="Arial" panose="020B0604020202020204" pitchFamily="34" charset="0"/>
+                <a:cs typeface="Arial" panose="020B0604020202020204" pitchFamily="34" charset="0"/>
+              </a:rPr>
+              <a:t>Habitat niche breadth</a:t>
+            </a:r>
+          </a:p>
+        </p:txBody>
+      </p:sp>
+      <p:sp>
+        <p:nvSpPr>
+          <p:cNvPr id="5" name="TextBox 4">
+            <a:extLst>
+              <a:ext uri="{FF2B5EF4-FFF2-40B4-BE49-F238E27FC236}">
+                <a16:creationId xmlns:a16="http://schemas.microsoft.com/office/drawing/2014/main" id="{57B79E2B-E3EF-2D4D-9016-FA2EFDECFDA8}"/>
+              </a:ext>
+            </a:extLst>
+          </p:cNvPr>
+          <p:cNvSpPr txBox="1"/>
+          <p:nvPr/>
+        </p:nvSpPr>
+        <p:spPr>
+          <a:xfrm>
+            <a:off x="4878472" y="4643063"/>
+            <a:ext cx="2183111" cy="338554"/>
+          </a:xfrm>
+          <a:prstGeom prst="rect">
+            <a:avLst/>
+          </a:prstGeom>
+          <a:solidFill>
+            <a:schemeClr val="accent6">
+              <a:lumMod val="60000"/>
+              <a:lumOff val="40000"/>
             </a:schemeClr>
-          </a:lnRef>
-          <a:fillRef idx="1">
-            <a:schemeClr val="accent1"/>
-          </a:fillRef>
-          <a:effectRef idx="0">
-            <a:schemeClr val="accent1"/>
-          </a:effectRef>
-          <a:fontRef idx="minor">
-            <a:schemeClr val="lt1"/>
-          </a:fontRef>
-        </p:style>
-        <p:txBody>
-          <a:bodyPr rtlCol="0" anchor="ctr"/>
-          <a:lstStyle/>
-          <a:p>
-            <a:pPr algn="ctr"/>
-            <a:endParaRPr lang="en-US"/>
-          </a:p>
-        </p:txBody>
-      </p:sp>
-      <p:sp>
-        <p:nvSpPr>
-          <p:cNvPr id="16" name="Oval 15">
-            <a:extLst>
-              <a:ext uri="{FF2B5EF4-FFF2-40B4-BE49-F238E27FC236}">
-                <a16:creationId xmlns:a16="http://schemas.microsoft.com/office/drawing/2014/main" id="{4946C67C-741D-EA42-B1C0-20A39E5A59F1}"/>
-              </a:ext>
-            </a:extLst>
-          </p:cNvPr>
-          <p:cNvSpPr/>
-          <p:nvPr/>
-        </p:nvSpPr>
-        <p:spPr>
-          <a:xfrm>
-            <a:off x="4846120" y="1408670"/>
-            <a:ext cx="3755163" cy="3636858"/>
-          </a:xfrm>
-          <a:prstGeom prst="ellipse">
-            <a:avLst/>
-          </a:prstGeom>
-          <a:solidFill>
-            <a:srgbClr val="76D6FF">
-              <a:alpha val="50196"/>
-            </a:srgbClr>
           </a:solidFill>
           <a:ln>
             <a:solidFill>
@@ -9379,55 +11563,47 @@
             </a:solidFill>
           </a:ln>
         </p:spPr>
-        <p:style>
-          <a:lnRef idx="2">
-            <a:schemeClr val="accent1">
-              <a:shade val="50000"/>
+        <p:txBody>
+          <a:bodyPr wrap="square" rtlCol="0">
+            <a:spAutoFit/>
+          </a:bodyPr>
+          <a:lstStyle/>
+          <a:p>
+            <a:r>
+              <a:rPr lang="en-US" sz="1600" dirty="0">
+                <a:latin typeface="Arial" panose="020B0604020202020204" pitchFamily="34" charset="0"/>
+                <a:cs typeface="Arial" panose="020B0604020202020204" pitchFamily="34" charset="0"/>
+              </a:rPr>
+              <a:t>Climate niche breadth</a:t>
+            </a:r>
+          </a:p>
+        </p:txBody>
+      </p:sp>
+      <p:sp>
+        <p:nvSpPr>
+          <p:cNvPr id="6" name="TextBox 5">
+            <a:extLst>
+              <a:ext uri="{FF2B5EF4-FFF2-40B4-BE49-F238E27FC236}">
+                <a16:creationId xmlns:a16="http://schemas.microsoft.com/office/drawing/2014/main" id="{5939E09C-1A89-6440-B5EA-C79A0949A2CC}"/>
+              </a:ext>
+            </a:extLst>
+          </p:cNvPr>
+          <p:cNvSpPr txBox="1"/>
+          <p:nvPr/>
+        </p:nvSpPr>
+        <p:spPr>
+          <a:xfrm>
+            <a:off x="8011885" y="4643252"/>
+            <a:ext cx="1854346" cy="338554"/>
+          </a:xfrm>
+          <a:prstGeom prst="rect">
+            <a:avLst/>
+          </a:prstGeom>
+          <a:solidFill>
+            <a:schemeClr val="accent6">
+              <a:lumMod val="60000"/>
+              <a:lumOff val="40000"/>
             </a:schemeClr>
-          </a:lnRef>
-          <a:fillRef idx="1">
-            <a:schemeClr val="accent1"/>
-          </a:fillRef>
-          <a:effectRef idx="0">
-            <a:schemeClr val="accent1"/>
-          </a:effectRef>
-          <a:fontRef idx="minor">
-            <a:schemeClr val="lt1"/>
-          </a:fontRef>
-        </p:style>
-        <p:txBody>
-          <a:bodyPr rtlCol="0" anchor="ctr"/>
-          <a:lstStyle/>
-          <a:p>
-            <a:pPr algn="ctr"/>
-            <a:endParaRPr lang="en-US"/>
-          </a:p>
-        </p:txBody>
-      </p:sp>
-      <p:sp>
-        <p:nvSpPr>
-          <p:cNvPr id="17" name="Oval 16">
-            <a:extLst>
-              <a:ext uri="{FF2B5EF4-FFF2-40B4-BE49-F238E27FC236}">
-                <a16:creationId xmlns:a16="http://schemas.microsoft.com/office/drawing/2014/main" id="{5E710C7B-AE6D-304F-AC97-493F8752B745}"/>
-              </a:ext>
-            </a:extLst>
-          </p:cNvPr>
-          <p:cNvSpPr/>
-          <p:nvPr/>
-        </p:nvSpPr>
-        <p:spPr>
-          <a:xfrm>
-            <a:off x="3906982" y="2995550"/>
-            <a:ext cx="2854035" cy="2882736"/>
-          </a:xfrm>
-          <a:prstGeom prst="ellipse">
-            <a:avLst/>
-          </a:prstGeom>
-          <a:solidFill>
-            <a:srgbClr val="4E8F00">
-              <a:alpha val="50196"/>
-            </a:srgbClr>
           </a:solidFill>
           <a:ln>
             <a:solidFill>
@@ -9435,76 +11611,28 @@
             </a:solidFill>
           </a:ln>
         </p:spPr>
-        <p:style>
-          <a:lnRef idx="2">
-            <a:schemeClr val="accent1">
-              <a:shade val="50000"/>
-            </a:schemeClr>
-          </a:lnRef>
-          <a:fillRef idx="1">
-            <a:schemeClr val="accent1"/>
-          </a:fillRef>
-          <a:effectRef idx="0">
-            <a:schemeClr val="accent1"/>
-          </a:effectRef>
-          <a:fontRef idx="minor">
-            <a:schemeClr val="lt1"/>
-          </a:fontRef>
-        </p:style>
-        <p:txBody>
-          <a:bodyPr rtlCol="0" anchor="ctr"/>
-          <a:lstStyle/>
-          <a:p>
-            <a:pPr algn="ctr"/>
-            <a:endParaRPr lang="en-US"/>
-          </a:p>
-        </p:txBody>
-      </p:sp>
-      <p:sp>
-        <p:nvSpPr>
-          <p:cNvPr id="5" name="TextBox 4">
-            <a:extLst>
-              <a:ext uri="{FF2B5EF4-FFF2-40B4-BE49-F238E27FC236}">
-                <a16:creationId xmlns:a16="http://schemas.microsoft.com/office/drawing/2014/main" id="{468C6069-BA96-9E40-8437-18F5A8D5A767}"/>
-              </a:ext>
-            </a:extLst>
-          </p:cNvPr>
-          <p:cNvSpPr txBox="1"/>
-          <p:nvPr/>
-        </p:nvSpPr>
-        <p:spPr>
-          <a:xfrm>
-            <a:off x="6168559" y="2343901"/>
-            <a:ext cx="1840675" cy="646331"/>
-          </a:xfrm>
-          <a:prstGeom prst="rect">
-            <a:avLst/>
-          </a:prstGeom>
-          <a:noFill/>
-        </p:spPr>
         <p:txBody>
           <a:bodyPr wrap="square" rtlCol="0">
             <a:spAutoFit/>
           </a:bodyPr>
           <a:lstStyle/>
           <a:p>
-            <a:pPr algn="ctr"/>
-            <a:r>
-              <a:rPr lang="en-US" dirty="0">
-                <a:latin typeface="Arial" panose="020B0604020202020204" pitchFamily="34" charset="0"/>
-                <a:cs typeface="Arial" panose="020B0604020202020204" pitchFamily="34" charset="0"/>
-              </a:rPr>
-              <a:t>Climate niche breadth</a:t>
-            </a:r>
-          </a:p>
-        </p:txBody>
-      </p:sp>
-      <p:sp>
-        <p:nvSpPr>
-          <p:cNvPr id="6" name="TextBox 5">
-            <a:extLst>
-              <a:ext uri="{FF2B5EF4-FFF2-40B4-BE49-F238E27FC236}">
-                <a16:creationId xmlns:a16="http://schemas.microsoft.com/office/drawing/2014/main" id="{AA65B116-EA42-DE4A-AFA1-1F5F883DF204}"/>
+            <a:r>
+              <a:rPr lang="en-US" sz="1600" dirty="0">
+                <a:latin typeface="Arial" panose="020B0604020202020204" pitchFamily="34" charset="0"/>
+                <a:cs typeface="Arial" panose="020B0604020202020204" pitchFamily="34" charset="0"/>
+              </a:rPr>
+              <a:t>Diet niche breadth</a:t>
+            </a:r>
+          </a:p>
+        </p:txBody>
+      </p:sp>
+      <p:sp>
+        <p:nvSpPr>
+          <p:cNvPr id="7" name="TextBox 6">
+            <a:extLst>
+              <a:ext uri="{FF2B5EF4-FFF2-40B4-BE49-F238E27FC236}">
+                <a16:creationId xmlns:a16="http://schemas.microsoft.com/office/drawing/2014/main" id="{2C2485D8-F4C8-824F-B3D1-42CCAB075F42}"/>
               </a:ext>
             </a:extLst>
           </p:cNvPr>
@@ -9513,13 +11641,23 @@
         </p:nvSpPr>
         <p:spPr>
           <a:xfrm>
-            <a:off x="4413661" y="4907909"/>
-            <a:ext cx="1840675" cy="369332"/>
-          </a:xfrm>
-          <a:prstGeom prst="rect">
-            <a:avLst/>
-          </a:prstGeom>
-          <a:noFill/>
+            <a:off x="1983179" y="1930339"/>
+            <a:ext cx="2006930" cy="338554"/>
+          </a:xfrm>
+          <a:prstGeom prst="rect">
+            <a:avLst/>
+          </a:prstGeom>
+          <a:solidFill>
+            <a:schemeClr val="accent5">
+              <a:lumMod val="60000"/>
+              <a:lumOff val="40000"/>
+            </a:schemeClr>
+          </a:solidFill>
+          <a:ln>
+            <a:solidFill>
+              <a:schemeClr val="tx1"/>
+            </a:solidFill>
+          </a:ln>
         </p:spPr>
         <p:txBody>
           <a:bodyPr wrap="square" rtlCol="0">
@@ -9528,21 +11666,21 @@
           <a:lstStyle/>
           <a:p>
             <a:r>
-              <a:rPr lang="en-US" dirty="0">
-                <a:latin typeface="Arial" panose="020B0604020202020204" pitchFamily="34" charset="0"/>
-                <a:cs typeface="Arial" panose="020B0604020202020204" pitchFamily="34" charset="0"/>
-              </a:rPr>
-              <a:t>Body size</a:t>
-            </a:r>
-          </a:p>
-        </p:txBody>
-      </p:sp>
-      <p:sp>
-        <p:nvSpPr>
-          <p:cNvPr id="7" name="TextBox 6">
-            <a:extLst>
-              <a:ext uri="{FF2B5EF4-FFF2-40B4-BE49-F238E27FC236}">
-                <a16:creationId xmlns:a16="http://schemas.microsoft.com/office/drawing/2014/main" id="{A72E2609-B025-0840-BB63-D989569E86F1}"/>
+              <a:rPr lang="en-US" sz="1600" dirty="0">
+                <a:latin typeface="Arial" panose="020B0604020202020204" pitchFamily="34" charset="0"/>
+                <a:cs typeface="Arial" panose="020B0604020202020204" pitchFamily="34" charset="0"/>
+              </a:rPr>
+              <a:t>Δ Range occupancy</a:t>
+            </a:r>
+          </a:p>
+        </p:txBody>
+      </p:sp>
+      <p:sp>
+        <p:nvSpPr>
+          <p:cNvPr id="8" name="TextBox 7">
+            <a:extLst>
+              <a:ext uri="{FF2B5EF4-FFF2-40B4-BE49-F238E27FC236}">
+                <a16:creationId xmlns:a16="http://schemas.microsoft.com/office/drawing/2014/main" id="{22848059-02D7-8846-819C-2D63C22A5FAD}"/>
               </a:ext>
             </a:extLst>
           </p:cNvPr>
@@ -9551,13 +11689,23 @@
         </p:nvSpPr>
         <p:spPr>
           <a:xfrm>
-            <a:off x="3564576" y="2201393"/>
-            <a:ext cx="1173680" cy="646331"/>
-          </a:xfrm>
-          <a:prstGeom prst="rect">
-            <a:avLst/>
-          </a:prstGeom>
-          <a:noFill/>
+            <a:off x="5285013" y="1930339"/>
+            <a:ext cx="1431968" cy="338554"/>
+          </a:xfrm>
+          <a:prstGeom prst="rect">
+            <a:avLst/>
+          </a:prstGeom>
+          <a:solidFill>
+            <a:schemeClr val="accent5">
+              <a:lumMod val="60000"/>
+              <a:lumOff val="40000"/>
+            </a:schemeClr>
+          </a:solidFill>
+          <a:ln>
+            <a:solidFill>
+              <a:schemeClr val="tx1"/>
+            </a:solidFill>
+          </a:ln>
         </p:spPr>
         <p:txBody>
           <a:bodyPr wrap="square" rtlCol="0">
@@ -9565,13 +11713,12 @@
           </a:bodyPr>
           <a:lstStyle/>
           <a:p>
-            <a:pPr algn="ctr"/>
-            <a:r>
-              <a:rPr lang="en-US" dirty="0">
-                <a:latin typeface="Arial" panose="020B0604020202020204" pitchFamily="34" charset="0"/>
-                <a:cs typeface="Arial" panose="020B0604020202020204" pitchFamily="34" charset="0"/>
-              </a:rPr>
-              <a:t>Migratory distance</a:t>
+            <a:r>
+              <a:rPr lang="en-US" sz="1600" dirty="0">
+                <a:latin typeface="Arial" panose="020B0604020202020204" pitchFamily="34" charset="0"/>
+                <a:cs typeface="Arial" panose="020B0604020202020204" pitchFamily="34" charset="0"/>
+              </a:rPr>
+              <a:t>Δ Range area</a:t>
             </a:r>
           </a:p>
         </p:txBody>
@@ -9581,7 +11728,7 @@
           <p:cNvPr id="9" name="TextBox 8">
             <a:extLst>
               <a:ext uri="{FF2B5EF4-FFF2-40B4-BE49-F238E27FC236}">
-                <a16:creationId xmlns:a16="http://schemas.microsoft.com/office/drawing/2014/main" id="{1E601120-75B5-5749-850E-37BB69F4F026}"/>
+                <a16:creationId xmlns:a16="http://schemas.microsoft.com/office/drawing/2014/main" id="{A381E936-BD09-3B4E-8B21-194D90CF179C}"/>
               </a:ext>
             </a:extLst>
           </p:cNvPr>
@@ -9590,13 +11737,23 @@
         </p:nvSpPr>
         <p:spPr>
           <a:xfrm>
-            <a:off x="6544391" y="3037279"/>
-            <a:ext cx="1191690" cy="369332"/>
-          </a:xfrm>
-          <a:prstGeom prst="rect">
-            <a:avLst/>
-          </a:prstGeom>
-          <a:noFill/>
+            <a:off x="8116784" y="1930339"/>
+            <a:ext cx="1696010" cy="338554"/>
+          </a:xfrm>
+          <a:prstGeom prst="rect">
+            <a:avLst/>
+          </a:prstGeom>
+          <a:solidFill>
+            <a:schemeClr val="accent5">
+              <a:lumMod val="60000"/>
+              <a:lumOff val="40000"/>
+            </a:schemeClr>
+          </a:solidFill>
+          <a:ln>
+            <a:solidFill>
+              <a:schemeClr val="tx1"/>
+            </a:solidFill>
+          </a:ln>
         </p:spPr>
         <p:txBody>
           <a:bodyPr wrap="square" rtlCol="0">
@@ -9605,21 +11762,547 @@
           <a:lstStyle/>
           <a:p>
             <a:r>
-              <a:rPr lang="en-US" dirty="0">
-                <a:latin typeface="Arial" panose="020B0604020202020204" pitchFamily="34" charset="0"/>
-                <a:cs typeface="Arial" panose="020B0604020202020204" pitchFamily="34" charset="0"/>
-              </a:rPr>
-              <a:t>0.046</a:t>
-            </a:r>
-          </a:p>
-        </p:txBody>
-      </p:sp>
-      <p:sp>
-        <p:nvSpPr>
-          <p:cNvPr id="10" name="TextBox 9">
-            <a:extLst>
-              <a:ext uri="{FF2B5EF4-FFF2-40B4-BE49-F238E27FC236}">
-                <a16:creationId xmlns:a16="http://schemas.microsoft.com/office/drawing/2014/main" id="{0D888F98-CF7C-0346-818A-B2A92BCEBF31}"/>
+              <a:rPr lang="en-US" sz="1600" dirty="0">
+                <a:latin typeface="Arial" panose="020B0604020202020204" pitchFamily="34" charset="0"/>
+                <a:cs typeface="Arial" panose="020B0604020202020204" pitchFamily="34" charset="0"/>
+              </a:rPr>
+              <a:t>Population trend</a:t>
+            </a:r>
+          </a:p>
+        </p:txBody>
+      </p:sp>
+      <p:cxnSp>
+        <p:nvCxnSpPr>
+          <p:cNvPr id="18" name="Straight Arrow Connector 17">
+            <a:extLst>
+              <a:ext uri="{FF2B5EF4-FFF2-40B4-BE49-F238E27FC236}">
+                <a16:creationId xmlns:a16="http://schemas.microsoft.com/office/drawing/2014/main" id="{DF06F7F1-EE0B-4849-8837-E59A2B8A8A1E}"/>
+              </a:ext>
+            </a:extLst>
+          </p:cNvPr>
+          <p:cNvCxnSpPr>
+            <a:cxnSpLocks/>
+            <a:stCxn id="4" idx="0"/>
+            <a:endCxn id="7" idx="2"/>
+          </p:cNvCxnSpPr>
+          <p:nvPr/>
+        </p:nvCxnSpPr>
+        <p:spPr>
+          <a:xfrm flipH="1" flipV="1">
+            <a:off x="2986644" y="2268893"/>
+            <a:ext cx="31630" cy="2388084"/>
+          </a:xfrm>
+          <a:prstGeom prst="straightConnector1">
+            <a:avLst/>
+          </a:prstGeom>
+          <a:ln w="28575">
+            <a:solidFill>
+              <a:schemeClr val="bg2">
+                <a:lumMod val="50000"/>
+              </a:schemeClr>
+            </a:solidFill>
+            <a:prstDash val="dash"/>
+            <a:tailEnd type="triangle" w="lg" len="lg"/>
+          </a:ln>
+        </p:spPr>
+        <p:style>
+          <a:lnRef idx="1">
+            <a:schemeClr val="accent1"/>
+          </a:lnRef>
+          <a:fillRef idx="0">
+            <a:schemeClr val="accent1"/>
+          </a:fillRef>
+          <a:effectRef idx="0">
+            <a:schemeClr val="accent1"/>
+          </a:effectRef>
+          <a:fontRef idx="minor">
+            <a:schemeClr val="tx1"/>
+          </a:fontRef>
+        </p:style>
+      </p:cxnSp>
+      <p:cxnSp>
+        <p:nvCxnSpPr>
+          <p:cNvPr id="19" name="Straight Arrow Connector 18">
+            <a:extLst>
+              <a:ext uri="{FF2B5EF4-FFF2-40B4-BE49-F238E27FC236}">
+                <a16:creationId xmlns:a16="http://schemas.microsoft.com/office/drawing/2014/main" id="{50C60737-CACA-F84D-8894-31E466033DF1}"/>
+              </a:ext>
+            </a:extLst>
+          </p:cNvPr>
+          <p:cNvCxnSpPr>
+            <a:cxnSpLocks/>
+            <a:stCxn id="5" idx="0"/>
+          </p:cNvCxnSpPr>
+          <p:nvPr/>
+        </p:nvCxnSpPr>
+        <p:spPr>
+          <a:xfrm flipH="1" flipV="1">
+            <a:off x="3084000" y="2299483"/>
+            <a:ext cx="2886028" cy="2343580"/>
+          </a:xfrm>
+          <a:prstGeom prst="straightConnector1">
+            <a:avLst/>
+          </a:prstGeom>
+          <a:ln w="28575">
+            <a:solidFill>
+              <a:schemeClr val="bg2">
+                <a:lumMod val="50000"/>
+              </a:schemeClr>
+            </a:solidFill>
+            <a:prstDash val="dash"/>
+            <a:headEnd w="lg" len="lg"/>
+            <a:tailEnd type="triangle" w="lg" len="lg"/>
+          </a:ln>
+        </p:spPr>
+        <p:style>
+          <a:lnRef idx="1">
+            <a:schemeClr val="accent1"/>
+          </a:lnRef>
+          <a:fillRef idx="0">
+            <a:schemeClr val="accent1"/>
+          </a:fillRef>
+          <a:effectRef idx="0">
+            <a:schemeClr val="accent1"/>
+          </a:effectRef>
+          <a:fontRef idx="minor">
+            <a:schemeClr val="tx1"/>
+          </a:fontRef>
+        </p:style>
+      </p:cxnSp>
+      <p:cxnSp>
+        <p:nvCxnSpPr>
+          <p:cNvPr id="21" name="Straight Arrow Connector 20">
+            <a:extLst>
+              <a:ext uri="{FF2B5EF4-FFF2-40B4-BE49-F238E27FC236}">
+                <a16:creationId xmlns:a16="http://schemas.microsoft.com/office/drawing/2014/main" id="{AFBBAC6A-9674-F346-85B0-8DBDA2C997AE}"/>
+              </a:ext>
+            </a:extLst>
+          </p:cNvPr>
+          <p:cNvCxnSpPr>
+            <a:cxnSpLocks/>
+          </p:cNvCxnSpPr>
+          <p:nvPr/>
+        </p:nvCxnSpPr>
+        <p:spPr>
+          <a:xfrm flipH="1" flipV="1">
+            <a:off x="3210388" y="2299671"/>
+            <a:ext cx="5844856" cy="2343580"/>
+          </a:xfrm>
+          <a:prstGeom prst="straightConnector1">
+            <a:avLst/>
+          </a:prstGeom>
+          <a:ln w="28575">
+            <a:solidFill>
+              <a:schemeClr val="bg2">
+                <a:lumMod val="50000"/>
+              </a:schemeClr>
+            </a:solidFill>
+            <a:prstDash val="dash"/>
+            <a:tailEnd type="triangle" w="lg" len="lg"/>
+          </a:ln>
+        </p:spPr>
+        <p:style>
+          <a:lnRef idx="1">
+            <a:schemeClr val="accent1"/>
+          </a:lnRef>
+          <a:fillRef idx="0">
+            <a:schemeClr val="accent1"/>
+          </a:fillRef>
+          <a:effectRef idx="0">
+            <a:schemeClr val="accent1"/>
+          </a:effectRef>
+          <a:fontRef idx="minor">
+            <a:schemeClr val="tx1"/>
+          </a:fontRef>
+        </p:style>
+      </p:cxnSp>
+      <p:cxnSp>
+        <p:nvCxnSpPr>
+          <p:cNvPr id="23" name="Straight Arrow Connector 22">
+            <a:extLst>
+              <a:ext uri="{FF2B5EF4-FFF2-40B4-BE49-F238E27FC236}">
+                <a16:creationId xmlns:a16="http://schemas.microsoft.com/office/drawing/2014/main" id="{B09799FA-F7A4-074D-97C1-C7E639CB1DC8}"/>
+              </a:ext>
+            </a:extLst>
+          </p:cNvPr>
+          <p:cNvCxnSpPr>
+            <a:cxnSpLocks/>
+            <a:stCxn id="4" idx="0"/>
+          </p:cNvCxnSpPr>
+          <p:nvPr/>
+        </p:nvCxnSpPr>
+        <p:spPr>
+          <a:xfrm flipV="1">
+            <a:off x="3018274" y="2313020"/>
+            <a:ext cx="2851376" cy="2343957"/>
+          </a:xfrm>
+          <a:prstGeom prst="straightConnector1">
+            <a:avLst/>
+          </a:prstGeom>
+          <a:ln w="28575">
+            <a:solidFill>
+              <a:schemeClr val="bg2">
+                <a:lumMod val="50000"/>
+              </a:schemeClr>
+            </a:solidFill>
+            <a:prstDash val="dash"/>
+            <a:tailEnd type="triangle" w="lg" len="lg"/>
+          </a:ln>
+        </p:spPr>
+        <p:style>
+          <a:lnRef idx="1">
+            <a:schemeClr val="accent1"/>
+          </a:lnRef>
+          <a:fillRef idx="0">
+            <a:schemeClr val="accent1"/>
+          </a:fillRef>
+          <a:effectRef idx="0">
+            <a:schemeClr val="accent1"/>
+          </a:effectRef>
+          <a:fontRef idx="minor">
+            <a:schemeClr val="tx1"/>
+          </a:fontRef>
+        </p:style>
+      </p:cxnSp>
+      <p:cxnSp>
+        <p:nvCxnSpPr>
+          <p:cNvPr id="24" name="Straight Arrow Connector 23">
+            <a:extLst>
+              <a:ext uri="{FF2B5EF4-FFF2-40B4-BE49-F238E27FC236}">
+                <a16:creationId xmlns:a16="http://schemas.microsoft.com/office/drawing/2014/main" id="{972A6FB1-BF8C-F441-94FF-7D009FE0A18E}"/>
+              </a:ext>
+            </a:extLst>
+          </p:cNvPr>
+          <p:cNvCxnSpPr>
+            <a:cxnSpLocks/>
+          </p:cNvCxnSpPr>
+          <p:nvPr/>
+        </p:nvCxnSpPr>
+        <p:spPr>
+          <a:xfrm flipV="1">
+            <a:off x="6027650" y="2285384"/>
+            <a:ext cx="14062" cy="2343580"/>
+          </a:xfrm>
+          <a:prstGeom prst="straightConnector1">
+            <a:avLst/>
+          </a:prstGeom>
+          <a:ln w="28575">
+            <a:solidFill>
+              <a:schemeClr val="bg2">
+                <a:lumMod val="50000"/>
+              </a:schemeClr>
+            </a:solidFill>
+            <a:prstDash val="dash"/>
+            <a:headEnd w="lg" len="lg"/>
+            <a:tailEnd type="triangle" w="lg" len="lg"/>
+          </a:ln>
+        </p:spPr>
+        <p:style>
+          <a:lnRef idx="1">
+            <a:schemeClr val="accent1"/>
+          </a:lnRef>
+          <a:fillRef idx="0">
+            <a:schemeClr val="accent1"/>
+          </a:fillRef>
+          <a:effectRef idx="0">
+            <a:schemeClr val="accent1"/>
+          </a:effectRef>
+          <a:fontRef idx="minor">
+            <a:schemeClr val="tx1"/>
+          </a:fontRef>
+        </p:style>
+      </p:cxnSp>
+      <p:cxnSp>
+        <p:nvCxnSpPr>
+          <p:cNvPr id="25" name="Straight Arrow Connector 24">
+            <a:extLst>
+              <a:ext uri="{FF2B5EF4-FFF2-40B4-BE49-F238E27FC236}">
+                <a16:creationId xmlns:a16="http://schemas.microsoft.com/office/drawing/2014/main" id="{45A391B6-D398-C84A-A9F8-7C99294FDE76}"/>
+              </a:ext>
+            </a:extLst>
+          </p:cNvPr>
+          <p:cNvCxnSpPr>
+            <a:cxnSpLocks/>
+            <a:stCxn id="6" idx="0"/>
+          </p:cNvCxnSpPr>
+          <p:nvPr/>
+        </p:nvCxnSpPr>
+        <p:spPr>
+          <a:xfrm flipH="1" flipV="1">
+            <a:off x="6155641" y="2297469"/>
+            <a:ext cx="2783417" cy="2345783"/>
+          </a:xfrm>
+          <a:prstGeom prst="straightConnector1">
+            <a:avLst/>
+          </a:prstGeom>
+          <a:ln w="28575">
+            <a:solidFill>
+              <a:schemeClr val="bg2">
+                <a:lumMod val="50000"/>
+              </a:schemeClr>
+            </a:solidFill>
+            <a:prstDash val="dash"/>
+            <a:tailEnd type="triangle" w="lg" len="lg"/>
+          </a:ln>
+        </p:spPr>
+        <p:style>
+          <a:lnRef idx="1">
+            <a:schemeClr val="accent1"/>
+          </a:lnRef>
+          <a:fillRef idx="0">
+            <a:schemeClr val="accent1"/>
+          </a:fillRef>
+          <a:effectRef idx="0">
+            <a:schemeClr val="accent1"/>
+          </a:effectRef>
+          <a:fontRef idx="minor">
+            <a:schemeClr val="tx1"/>
+          </a:fontRef>
+        </p:style>
+      </p:cxnSp>
+      <p:cxnSp>
+        <p:nvCxnSpPr>
+          <p:cNvPr id="33" name="Straight Arrow Connector 32">
+            <a:extLst>
+              <a:ext uri="{FF2B5EF4-FFF2-40B4-BE49-F238E27FC236}">
+                <a16:creationId xmlns:a16="http://schemas.microsoft.com/office/drawing/2014/main" id="{F3C7C845-1D72-394E-9DE1-542D0FCD9A35}"/>
+              </a:ext>
+            </a:extLst>
+          </p:cNvPr>
+          <p:cNvCxnSpPr>
+            <a:cxnSpLocks/>
+            <a:endCxn id="9" idx="2"/>
+          </p:cNvCxnSpPr>
+          <p:nvPr/>
+        </p:nvCxnSpPr>
+        <p:spPr>
+          <a:xfrm flipV="1">
+            <a:off x="6096000" y="2268893"/>
+            <a:ext cx="2868789" cy="2374362"/>
+          </a:xfrm>
+          <a:prstGeom prst="straightConnector1">
+            <a:avLst/>
+          </a:prstGeom>
+          <a:ln w="28575">
+            <a:solidFill>
+              <a:schemeClr val="bg2">
+                <a:lumMod val="50000"/>
+              </a:schemeClr>
+            </a:solidFill>
+            <a:prstDash val="dash"/>
+            <a:tailEnd type="triangle" w="lg" len="lg"/>
+          </a:ln>
+        </p:spPr>
+        <p:style>
+          <a:lnRef idx="1">
+            <a:schemeClr val="accent1"/>
+          </a:lnRef>
+          <a:fillRef idx="0">
+            <a:schemeClr val="accent1"/>
+          </a:fillRef>
+          <a:effectRef idx="0">
+            <a:schemeClr val="accent1"/>
+          </a:effectRef>
+          <a:fontRef idx="minor">
+            <a:schemeClr val="tx1"/>
+          </a:fontRef>
+        </p:style>
+      </p:cxnSp>
+      <p:cxnSp>
+        <p:nvCxnSpPr>
+          <p:cNvPr id="34" name="Straight Arrow Connector 33">
+            <a:extLst>
+              <a:ext uri="{FF2B5EF4-FFF2-40B4-BE49-F238E27FC236}">
+                <a16:creationId xmlns:a16="http://schemas.microsoft.com/office/drawing/2014/main" id="{DF0A842C-1866-5841-80CD-7B279AE72F53}"/>
+              </a:ext>
+            </a:extLst>
+          </p:cNvPr>
+          <p:cNvCxnSpPr>
+            <a:cxnSpLocks/>
+          </p:cNvCxnSpPr>
+          <p:nvPr/>
+        </p:nvCxnSpPr>
+        <p:spPr>
+          <a:xfrm flipV="1">
+            <a:off x="9070921" y="2269993"/>
+            <a:ext cx="37408" cy="2358971"/>
+          </a:xfrm>
+          <a:prstGeom prst="straightConnector1">
+            <a:avLst/>
+          </a:prstGeom>
+          <a:ln w="38100">
+            <a:solidFill>
+              <a:schemeClr val="tx1"/>
+            </a:solidFill>
+            <a:prstDash val="solid"/>
+            <a:headEnd w="lg" len="lg"/>
+            <a:tailEnd type="triangle" w="lg" len="lg"/>
+          </a:ln>
+        </p:spPr>
+        <p:style>
+          <a:lnRef idx="1">
+            <a:schemeClr val="accent1"/>
+          </a:lnRef>
+          <a:fillRef idx="0">
+            <a:schemeClr val="accent1"/>
+          </a:fillRef>
+          <a:effectRef idx="0">
+            <a:schemeClr val="accent1"/>
+          </a:effectRef>
+          <a:fontRef idx="minor">
+            <a:schemeClr val="tx1"/>
+          </a:fontRef>
+        </p:style>
+      </p:cxnSp>
+      <p:cxnSp>
+        <p:nvCxnSpPr>
+          <p:cNvPr id="35" name="Straight Arrow Connector 34">
+            <a:extLst>
+              <a:ext uri="{FF2B5EF4-FFF2-40B4-BE49-F238E27FC236}">
+                <a16:creationId xmlns:a16="http://schemas.microsoft.com/office/drawing/2014/main" id="{C54E97C6-5A60-374B-80FC-3BE7443DC76F}"/>
+              </a:ext>
+            </a:extLst>
+          </p:cNvPr>
+          <p:cNvCxnSpPr>
+            <a:cxnSpLocks/>
+          </p:cNvCxnSpPr>
+          <p:nvPr/>
+        </p:nvCxnSpPr>
+        <p:spPr>
+          <a:xfrm flipV="1">
+            <a:off x="3012345" y="2299670"/>
+            <a:ext cx="5769952" cy="2343581"/>
+          </a:xfrm>
+          <a:prstGeom prst="straightConnector1">
+            <a:avLst/>
+          </a:prstGeom>
+          <a:ln w="28575">
+            <a:solidFill>
+              <a:schemeClr val="bg2">
+                <a:lumMod val="50000"/>
+              </a:schemeClr>
+            </a:solidFill>
+            <a:prstDash val="dash"/>
+            <a:tailEnd type="triangle" w="lg" len="lg"/>
+          </a:ln>
+        </p:spPr>
+        <p:style>
+          <a:lnRef idx="1">
+            <a:schemeClr val="accent1"/>
+          </a:lnRef>
+          <a:fillRef idx="0">
+            <a:schemeClr val="accent1"/>
+          </a:fillRef>
+          <a:effectRef idx="0">
+            <a:schemeClr val="accent1"/>
+          </a:effectRef>
+          <a:fontRef idx="minor">
+            <a:schemeClr val="tx1"/>
+          </a:fontRef>
+        </p:style>
+      </p:cxnSp>
+      <p:cxnSp>
+        <p:nvCxnSpPr>
+          <p:cNvPr id="53" name="Elbow Connector 52">
+            <a:extLst>
+              <a:ext uri="{FF2B5EF4-FFF2-40B4-BE49-F238E27FC236}">
+                <a16:creationId xmlns:a16="http://schemas.microsoft.com/office/drawing/2014/main" id="{83342A54-600E-FF4A-BE6C-445538E8BA49}"/>
+              </a:ext>
+            </a:extLst>
+          </p:cNvPr>
+          <p:cNvCxnSpPr>
+            <a:stCxn id="9" idx="0"/>
+            <a:endCxn id="8" idx="0"/>
+          </p:cNvCxnSpPr>
+          <p:nvPr/>
+        </p:nvCxnSpPr>
+        <p:spPr>
+          <a:xfrm rot="16200000" flipV="1">
+            <a:off x="7482893" y="448443"/>
+            <a:ext cx="12700" cy="2963792"/>
+          </a:xfrm>
+          <a:prstGeom prst="bentConnector3">
+            <a:avLst>
+              <a:gd name="adj1" fmla="val 3375000"/>
+            </a:avLst>
+          </a:prstGeom>
+          <a:ln w="38100">
+            <a:solidFill>
+              <a:schemeClr val="tx1"/>
+            </a:solidFill>
+            <a:headEnd w="lg" len="lg"/>
+            <a:tailEnd type="triangle" w="lg" len="lg"/>
+          </a:ln>
+        </p:spPr>
+        <p:style>
+          <a:lnRef idx="1">
+            <a:schemeClr val="accent1"/>
+          </a:lnRef>
+          <a:fillRef idx="0">
+            <a:schemeClr val="accent1"/>
+          </a:fillRef>
+          <a:effectRef idx="0">
+            <a:schemeClr val="accent1"/>
+          </a:effectRef>
+          <a:fontRef idx="minor">
+            <a:schemeClr val="tx1"/>
+          </a:fontRef>
+        </p:style>
+      </p:cxnSp>
+      <p:cxnSp>
+        <p:nvCxnSpPr>
+          <p:cNvPr id="57" name="Elbow Connector 56">
+            <a:extLst>
+              <a:ext uri="{FF2B5EF4-FFF2-40B4-BE49-F238E27FC236}">
+                <a16:creationId xmlns:a16="http://schemas.microsoft.com/office/drawing/2014/main" id="{16E261F6-9F61-B444-B2A1-75894B79FF07}"/>
+              </a:ext>
+            </a:extLst>
+          </p:cNvPr>
+          <p:cNvCxnSpPr>
+            <a:cxnSpLocks/>
+          </p:cNvCxnSpPr>
+          <p:nvPr/>
+        </p:nvCxnSpPr>
+        <p:spPr>
+          <a:xfrm rot="16200000" flipV="1">
+            <a:off x="5892749" y="-813961"/>
+            <a:ext cx="9144" cy="5486400"/>
+          </a:xfrm>
+          <a:prstGeom prst="bentConnector3">
+            <a:avLst>
+              <a:gd name="adj1" fmla="val 6225000"/>
+            </a:avLst>
+          </a:prstGeom>
+          <a:ln w="38100">
+            <a:solidFill>
+              <a:schemeClr val="tx1"/>
+            </a:solidFill>
+            <a:prstDash val="solid"/>
+            <a:headEnd w="lg" len="lg"/>
+            <a:tailEnd type="triangle" w="lg" len="lg"/>
+          </a:ln>
+        </p:spPr>
+        <p:style>
+          <a:lnRef idx="1">
+            <a:schemeClr val="accent1"/>
+          </a:lnRef>
+          <a:fillRef idx="0">
+            <a:schemeClr val="accent1"/>
+          </a:fillRef>
+          <a:effectRef idx="0">
+            <a:schemeClr val="accent1"/>
+          </a:effectRef>
+          <a:fontRef idx="minor">
+            <a:schemeClr val="tx1"/>
+          </a:fontRef>
+        </p:style>
+      </p:cxnSp>
+      <p:sp>
+        <p:nvSpPr>
+          <p:cNvPr id="61" name="TextBox 60">
+            <a:extLst>
+              <a:ext uri="{FF2B5EF4-FFF2-40B4-BE49-F238E27FC236}">
+                <a16:creationId xmlns:a16="http://schemas.microsoft.com/office/drawing/2014/main" id="{7F237DD3-2F5C-974E-9CE0-F803003B66D9}"/>
               </a:ext>
             </a:extLst>
           </p:cNvPr>
@@ -9628,13 +12311,16 @@
         </p:nvSpPr>
         <p:spPr>
           <a:xfrm>
-            <a:off x="3764874" y="2835274"/>
-            <a:ext cx="1191690" cy="369332"/>
+            <a:off x="2160773" y="3094944"/>
+            <a:ext cx="946560" cy="369332"/>
           </a:xfrm>
           <a:prstGeom prst="rect">
             <a:avLst/>
           </a:prstGeom>
           <a:noFill/>
+          <a:ln>
+            <a:noFill/>
+          </a:ln>
         </p:spPr>
         <p:txBody>
           <a:bodyPr wrap="square" rtlCol="0">
@@ -9644,20 +12330,25 @@
           <a:p>
             <a:r>
               <a:rPr lang="en-US" dirty="0">
-                <a:latin typeface="Arial" panose="020B0604020202020204" pitchFamily="34" charset="0"/>
-                <a:cs typeface="Arial" panose="020B0604020202020204" pitchFamily="34" charset="0"/>
-              </a:rPr>
-              <a:t>0.005</a:t>
-            </a:r>
-          </a:p>
-        </p:txBody>
-      </p:sp>
-      <p:sp>
-        <p:nvSpPr>
-          <p:cNvPr id="11" name="TextBox 10">
-            <a:extLst>
-              <a:ext uri="{FF2B5EF4-FFF2-40B4-BE49-F238E27FC236}">
-                <a16:creationId xmlns:a16="http://schemas.microsoft.com/office/drawing/2014/main" id="{5D136E10-03A2-F545-A119-5BEAD2691EC4}"/>
+                <a:solidFill>
+                  <a:schemeClr val="bg2">
+                    <a:lumMod val="50000"/>
+                  </a:schemeClr>
+                </a:solidFill>
+                <a:latin typeface="Arial" panose="020B0604020202020204" pitchFamily="34" charset="0"/>
+                <a:cs typeface="Arial" panose="020B0604020202020204" pitchFamily="34" charset="0"/>
+              </a:rPr>
+              <a:t>0.044</a:t>
+            </a:r>
+          </a:p>
+        </p:txBody>
+      </p:sp>
+      <p:sp>
+        <p:nvSpPr>
+          <p:cNvPr id="62" name="TextBox 61">
+            <a:extLst>
+              <a:ext uri="{FF2B5EF4-FFF2-40B4-BE49-F238E27FC236}">
+                <a16:creationId xmlns:a16="http://schemas.microsoft.com/office/drawing/2014/main" id="{DE1188E0-30F3-4B44-B6BF-33657D52FA8A}"/>
               </a:ext>
             </a:extLst>
           </p:cNvPr>
@@ -9666,13 +12357,18 @@
         </p:nvSpPr>
         <p:spPr>
           <a:xfrm>
-            <a:off x="4842406" y="5227058"/>
-            <a:ext cx="1191690" cy="369332"/>
-          </a:xfrm>
-          <a:prstGeom prst="rect">
-            <a:avLst/>
-          </a:prstGeom>
-          <a:noFill/>
+            <a:off x="6057241" y="2948820"/>
+            <a:ext cx="982109" cy="369332"/>
+          </a:xfrm>
+          <a:prstGeom prst="rect">
+            <a:avLst/>
+          </a:prstGeom>
+          <a:solidFill>
+            <a:schemeClr val="bg1"/>
+          </a:solidFill>
+          <a:ln>
+            <a:noFill/>
+          </a:ln>
         </p:spPr>
         <p:txBody>
           <a:bodyPr wrap="square" rtlCol="0">
@@ -9682,20 +12378,25 @@
           <a:p>
             <a:r>
               <a:rPr lang="en-US" dirty="0">
-                <a:latin typeface="Arial" panose="020B0604020202020204" pitchFamily="34" charset="0"/>
-                <a:cs typeface="Arial" panose="020B0604020202020204" pitchFamily="34" charset="0"/>
-              </a:rPr>
-              <a:t>-0.002</a:t>
-            </a:r>
-          </a:p>
-        </p:txBody>
-      </p:sp>
-      <p:sp>
-        <p:nvSpPr>
-          <p:cNvPr id="12" name="TextBox 11">
-            <a:extLst>
-              <a:ext uri="{FF2B5EF4-FFF2-40B4-BE49-F238E27FC236}">
-                <a16:creationId xmlns:a16="http://schemas.microsoft.com/office/drawing/2014/main" id="{635EA56D-DF4F-6F4A-A26E-A3B901D534A4}"/>
+                <a:solidFill>
+                  <a:schemeClr val="bg2">
+                    <a:lumMod val="50000"/>
+                  </a:schemeClr>
+                </a:solidFill>
+                <a:latin typeface="Arial" panose="020B0604020202020204" pitchFamily="34" charset="0"/>
+                <a:cs typeface="Arial" panose="020B0604020202020204" pitchFamily="34" charset="0"/>
+              </a:rPr>
+              <a:t>0.283</a:t>
+            </a:r>
+          </a:p>
+        </p:txBody>
+      </p:sp>
+      <p:sp>
+        <p:nvSpPr>
+          <p:cNvPr id="63" name="TextBox 62">
+            <a:extLst>
+              <a:ext uri="{FF2B5EF4-FFF2-40B4-BE49-F238E27FC236}">
+                <a16:creationId xmlns:a16="http://schemas.microsoft.com/office/drawing/2014/main" id="{7D9A6CDB-03FE-7B45-94EA-C7318C14533D}"/>
               </a:ext>
             </a:extLst>
           </p:cNvPr>
@@ -9704,13 +12405,18 @@
         </p:nvSpPr>
         <p:spPr>
           <a:xfrm>
-            <a:off x="5021987" y="2532317"/>
-            <a:ext cx="1191690" cy="369332"/>
-          </a:xfrm>
-          <a:prstGeom prst="rect">
-            <a:avLst/>
-          </a:prstGeom>
-          <a:noFill/>
+            <a:off x="6982937" y="1551222"/>
+            <a:ext cx="1028948" cy="369332"/>
+          </a:xfrm>
+          <a:prstGeom prst="rect">
+            <a:avLst/>
+          </a:prstGeom>
+          <a:solidFill>
+            <a:schemeClr val="bg1"/>
+          </a:solidFill>
+          <a:ln>
+            <a:noFill/>
+          </a:ln>
         </p:spPr>
         <p:txBody>
           <a:bodyPr wrap="square" rtlCol="0">
@@ -9723,17 +12429,17 @@
                 <a:latin typeface="Arial" panose="020B0604020202020204" pitchFamily="34" charset="0"/>
                 <a:cs typeface="Arial" panose="020B0604020202020204" pitchFamily="34" charset="0"/>
               </a:rPr>
-              <a:t>0.026</a:t>
-            </a:r>
-          </a:p>
-        </p:txBody>
-      </p:sp>
-      <p:sp>
-        <p:nvSpPr>
-          <p:cNvPr id="13" name="TextBox 12">
-            <a:extLst>
-              <a:ext uri="{FF2B5EF4-FFF2-40B4-BE49-F238E27FC236}">
-                <a16:creationId xmlns:a16="http://schemas.microsoft.com/office/drawing/2014/main" id="{1ABC6687-76B3-B042-A4FC-8BFFF12A1B71}"/>
+              <a:t>0.505***</a:t>
+            </a:r>
+          </a:p>
+        </p:txBody>
+      </p:sp>
+      <p:sp>
+        <p:nvSpPr>
+          <p:cNvPr id="64" name="TextBox 63">
+            <a:extLst>
+              <a:ext uri="{FF2B5EF4-FFF2-40B4-BE49-F238E27FC236}">
+                <a16:creationId xmlns:a16="http://schemas.microsoft.com/office/drawing/2014/main" id="{01CF280E-35E6-5C49-A4E7-4477CCE1C83C}"/>
               </a:ext>
             </a:extLst>
           </p:cNvPr>
@@ -9742,13 +12448,18 @@
         </p:nvSpPr>
         <p:spPr>
           <a:xfrm>
-            <a:off x="6847107" y="5227058"/>
-            <a:ext cx="1698668" cy="369332"/>
-          </a:xfrm>
-          <a:prstGeom prst="rect">
-            <a:avLst/>
-          </a:prstGeom>
-          <a:noFill/>
+            <a:off x="9147087" y="3080146"/>
+            <a:ext cx="1142999" cy="369332"/>
+          </a:xfrm>
+          <a:prstGeom prst="rect">
+            <a:avLst/>
+          </a:prstGeom>
+          <a:solidFill>
+            <a:schemeClr val="bg1"/>
+          </a:solidFill>
+          <a:ln>
+            <a:noFill/>
+          </a:ln>
         </p:spPr>
         <p:txBody>
           <a:bodyPr wrap="square" rtlCol="0">
@@ -9761,31 +12472,17 @@
                 <a:latin typeface="Arial" panose="020B0604020202020204" pitchFamily="34" charset="0"/>
                 <a:cs typeface="Arial" panose="020B0604020202020204" pitchFamily="34" charset="0"/>
               </a:rPr>
-              <a:t>Total R</a:t>
-            </a:r>
-            <a:r>
-              <a:rPr lang="en-US" baseline="30000" dirty="0">
-                <a:latin typeface="Arial" panose="020B0604020202020204" pitchFamily="34" charset="0"/>
-                <a:cs typeface="Arial" panose="020B0604020202020204" pitchFamily="34" charset="0"/>
-              </a:rPr>
-              <a:t>2</a:t>
-            </a:r>
-            <a:r>
-              <a:rPr lang="en-US" dirty="0">
-                <a:latin typeface="Arial" panose="020B0604020202020204" pitchFamily="34" charset="0"/>
-                <a:cs typeface="Arial" panose="020B0604020202020204" pitchFamily="34" charset="0"/>
-              </a:rPr>
-              <a:t> = 0.10</a:t>
-            </a:r>
-          </a:p>
-        </p:txBody>
-      </p:sp>
-      <p:sp>
-        <p:nvSpPr>
-          <p:cNvPr id="14" name="TextBox 13">
-            <a:extLst>
-              <a:ext uri="{FF2B5EF4-FFF2-40B4-BE49-F238E27FC236}">
-                <a16:creationId xmlns:a16="http://schemas.microsoft.com/office/drawing/2014/main" id="{B2E904DA-61D3-5D47-AD47-932D13DDF817}"/>
+              <a:t>-3.581***</a:t>
+            </a:r>
+          </a:p>
+        </p:txBody>
+      </p:sp>
+      <p:sp>
+        <p:nvSpPr>
+          <p:cNvPr id="65" name="TextBox 64">
+            <a:extLst>
+              <a:ext uri="{FF2B5EF4-FFF2-40B4-BE49-F238E27FC236}">
+                <a16:creationId xmlns:a16="http://schemas.microsoft.com/office/drawing/2014/main" id="{11881172-249F-6945-AA11-ADEA2F47D833}"/>
               </a:ext>
             </a:extLst>
           </p:cNvPr>
@@ -9794,13 +12491,20 @@
         </p:nvSpPr>
         <p:spPr>
           <a:xfrm>
-            <a:off x="3062569" y="853239"/>
-            <a:ext cx="2430234" cy="646331"/>
-          </a:xfrm>
-          <a:prstGeom prst="rect">
-            <a:avLst/>
-          </a:prstGeom>
-          <a:noFill/>
+            <a:off x="1811722" y="1516772"/>
+            <a:ext cx="1143000" cy="369332"/>
+          </a:xfrm>
+          <a:prstGeom prst="rect">
+            <a:avLst/>
+          </a:prstGeom>
+          <a:solidFill>
+            <a:schemeClr val="bg1"/>
+          </a:solidFill>
+          <a:ln>
+            <a:solidFill>
+              <a:schemeClr val="tx1"/>
+            </a:solidFill>
+          </a:ln>
         </p:spPr>
         <p:txBody>
           <a:bodyPr wrap="square" rtlCol="0">
@@ -9813,26 +12517,31 @@
                 <a:latin typeface="Arial" panose="020B0604020202020204" pitchFamily="34" charset="0"/>
                 <a:cs typeface="Arial" panose="020B0604020202020204" pitchFamily="34" charset="0"/>
               </a:rPr>
-              <a:t>Response: </a:t>
-            </a:r>
-          </a:p>
-          <a:p>
+              <a:t>R</a:t>
+            </a:r>
+            <a:r>
+              <a:rPr lang="en-US" baseline="30000" dirty="0">
+                <a:latin typeface="Arial" panose="020B0604020202020204" pitchFamily="34" charset="0"/>
+                <a:cs typeface="Arial" panose="020B0604020202020204" pitchFamily="34" charset="0"/>
+              </a:rPr>
+              <a:t>2 </a:t>
+            </a:r>
             <a:r>
               <a:rPr lang="en-US" dirty="0">
                 <a:latin typeface="Arial" panose="020B0604020202020204" pitchFamily="34" charset="0"/>
                 <a:cs typeface="Arial" panose="020B0604020202020204" pitchFamily="34" charset="0"/>
               </a:rPr>
-              <a:t>Δ Range area</a:t>
-            </a:r>
-          </a:p>
-        </p:txBody>
-      </p:sp>
-      <p:sp>
-        <p:nvSpPr>
-          <p:cNvPr id="18" name="TextBox 17">
-            <a:extLst>
-              <a:ext uri="{FF2B5EF4-FFF2-40B4-BE49-F238E27FC236}">
-                <a16:creationId xmlns:a16="http://schemas.microsoft.com/office/drawing/2014/main" id="{7A448C98-C00D-3945-8F42-44BDA3E9E311}"/>
+              <a:t>= 0.32</a:t>
+            </a:r>
+          </a:p>
+        </p:txBody>
+      </p:sp>
+      <p:sp>
+        <p:nvSpPr>
+          <p:cNvPr id="66" name="TextBox 65">
+            <a:extLst>
+              <a:ext uri="{FF2B5EF4-FFF2-40B4-BE49-F238E27FC236}">
+                <a16:creationId xmlns:a16="http://schemas.microsoft.com/office/drawing/2014/main" id="{13470268-36AA-D447-9BC4-B2084AF7F89E}"/>
               </a:ext>
             </a:extLst>
           </p:cNvPr>
@@ -9841,13 +12550,20 @@
         </p:nvSpPr>
         <p:spPr>
           <a:xfrm>
-            <a:off x="5677191" y="3973685"/>
-            <a:ext cx="1191690" cy="369332"/>
-          </a:xfrm>
-          <a:prstGeom prst="rect">
-            <a:avLst/>
-          </a:prstGeom>
-          <a:noFill/>
+            <a:off x="4754321" y="1516772"/>
+            <a:ext cx="1143000" cy="369332"/>
+          </a:xfrm>
+          <a:prstGeom prst="rect">
+            <a:avLst/>
+          </a:prstGeom>
+          <a:solidFill>
+            <a:schemeClr val="bg1"/>
+          </a:solidFill>
+          <a:ln>
+            <a:solidFill>
+              <a:schemeClr val="tx1"/>
+            </a:solidFill>
+          </a:ln>
         </p:spPr>
         <p:txBody>
           <a:bodyPr wrap="square" rtlCol="0">
@@ -9860,17 +12576,31 @@
                 <a:latin typeface="Arial" panose="020B0604020202020204" pitchFamily="34" charset="0"/>
                 <a:cs typeface="Arial" panose="020B0604020202020204" pitchFamily="34" charset="0"/>
               </a:rPr>
-              <a:t>-0.008</a:t>
-            </a:r>
-          </a:p>
-        </p:txBody>
-      </p:sp>
-      <p:sp>
-        <p:nvSpPr>
-          <p:cNvPr id="19" name="TextBox 18">
-            <a:extLst>
-              <a:ext uri="{FF2B5EF4-FFF2-40B4-BE49-F238E27FC236}">
-                <a16:creationId xmlns:a16="http://schemas.microsoft.com/office/drawing/2014/main" id="{7437538F-20F8-1243-A954-D362466845B5}"/>
+              <a:t>R</a:t>
+            </a:r>
+            <a:r>
+              <a:rPr lang="en-US" baseline="30000" dirty="0">
+                <a:latin typeface="Arial" panose="020B0604020202020204" pitchFamily="34" charset="0"/>
+                <a:cs typeface="Arial" panose="020B0604020202020204" pitchFamily="34" charset="0"/>
+              </a:rPr>
+              <a:t>2 </a:t>
+            </a:r>
+            <a:r>
+              <a:rPr lang="en-US" dirty="0">
+                <a:latin typeface="Arial" panose="020B0604020202020204" pitchFamily="34" charset="0"/>
+                <a:cs typeface="Arial" panose="020B0604020202020204" pitchFamily="34" charset="0"/>
+              </a:rPr>
+              <a:t>= 0.32</a:t>
+            </a:r>
+          </a:p>
+        </p:txBody>
+      </p:sp>
+      <p:sp>
+        <p:nvSpPr>
+          <p:cNvPr id="67" name="TextBox 66">
+            <a:extLst>
+              <a:ext uri="{FF2B5EF4-FFF2-40B4-BE49-F238E27FC236}">
+                <a16:creationId xmlns:a16="http://schemas.microsoft.com/office/drawing/2014/main" id="{723B4A81-5B5B-D64E-98DB-FB4E06A7606B}"/>
               </a:ext>
             </a:extLst>
           </p:cNvPr>
@@ -9879,13 +12609,20 @@
         </p:nvSpPr>
         <p:spPr>
           <a:xfrm>
-            <a:off x="4956564" y="3260113"/>
-            <a:ext cx="1191690" cy="369332"/>
-          </a:xfrm>
-          <a:prstGeom prst="rect">
-            <a:avLst/>
-          </a:prstGeom>
-          <a:noFill/>
+            <a:off x="9089625" y="1530229"/>
+            <a:ext cx="1143000" cy="369332"/>
+          </a:xfrm>
+          <a:prstGeom prst="rect">
+            <a:avLst/>
+          </a:prstGeom>
+          <a:solidFill>
+            <a:schemeClr val="bg1"/>
+          </a:solidFill>
+          <a:ln>
+            <a:solidFill>
+              <a:schemeClr val="tx1"/>
+            </a:solidFill>
+          </a:ln>
         </p:spPr>
         <p:txBody>
           <a:bodyPr wrap="square" rtlCol="0">
@@ -9898,17 +12635,31 @@
                 <a:latin typeface="Arial" panose="020B0604020202020204" pitchFamily="34" charset="0"/>
                 <a:cs typeface="Arial" panose="020B0604020202020204" pitchFamily="34" charset="0"/>
               </a:rPr>
-              <a:t>-0.001</a:t>
-            </a:r>
-          </a:p>
-        </p:txBody>
-      </p:sp>
-      <p:sp>
-        <p:nvSpPr>
-          <p:cNvPr id="20" name="TextBox 19">
-            <a:extLst>
-              <a:ext uri="{FF2B5EF4-FFF2-40B4-BE49-F238E27FC236}">
-                <a16:creationId xmlns:a16="http://schemas.microsoft.com/office/drawing/2014/main" id="{29C52A15-D948-2E4D-A453-929ABD17C398}"/>
+              <a:t>R</a:t>
+            </a:r>
+            <a:r>
+              <a:rPr lang="en-US" baseline="30000" dirty="0">
+                <a:latin typeface="Arial" panose="020B0604020202020204" pitchFamily="34" charset="0"/>
+                <a:cs typeface="Arial" panose="020B0604020202020204" pitchFamily="34" charset="0"/>
+              </a:rPr>
+              <a:t>2 </a:t>
+            </a:r>
+            <a:r>
+              <a:rPr lang="en-US" dirty="0">
+                <a:latin typeface="Arial" panose="020B0604020202020204" pitchFamily="34" charset="0"/>
+                <a:cs typeface="Arial" panose="020B0604020202020204" pitchFamily="34" charset="0"/>
+              </a:rPr>
+              <a:t>= 0.19</a:t>
+            </a:r>
+          </a:p>
+        </p:txBody>
+      </p:sp>
+      <p:sp>
+        <p:nvSpPr>
+          <p:cNvPr id="68" name="TextBox 67">
+            <a:extLst>
+              <a:ext uri="{FF2B5EF4-FFF2-40B4-BE49-F238E27FC236}">
+                <a16:creationId xmlns:a16="http://schemas.microsoft.com/office/drawing/2014/main" id="{229F2343-9840-634F-8470-AB22B0378E21}"/>
               </a:ext>
             </a:extLst>
           </p:cNvPr>
@@ -9917,13 +12668,18 @@
         </p:nvSpPr>
         <p:spPr>
           <a:xfrm>
-            <a:off x="4195839" y="3769498"/>
-            <a:ext cx="1191690" cy="369332"/>
-          </a:xfrm>
-          <a:prstGeom prst="rect">
-            <a:avLst/>
-          </a:prstGeom>
-          <a:noFill/>
+            <a:off x="3413535" y="3643420"/>
+            <a:ext cx="870174" cy="369332"/>
+          </a:xfrm>
+          <a:prstGeom prst="rect">
+            <a:avLst/>
+          </a:prstGeom>
+          <a:solidFill>
+            <a:schemeClr val="bg1"/>
+          </a:solidFill>
+          <a:ln>
+            <a:noFill/>
+          </a:ln>
         </p:spPr>
         <p:txBody>
           <a:bodyPr wrap="square" rtlCol="0">
@@ -9933,10 +12689,341 @@
           <a:p>
             <a:r>
               <a:rPr lang="en-US" dirty="0">
-                <a:latin typeface="Arial" panose="020B0604020202020204" pitchFamily="34" charset="0"/>
-                <a:cs typeface="Arial" panose="020B0604020202020204" pitchFamily="34" charset="0"/>
-              </a:rPr>
-              <a:t>-0.002</a:t>
+                <a:solidFill>
+                  <a:schemeClr val="bg2">
+                    <a:lumMod val="50000"/>
+                  </a:schemeClr>
+                </a:solidFill>
+                <a:latin typeface="Arial" panose="020B0604020202020204" pitchFamily="34" charset="0"/>
+                <a:cs typeface="Arial" panose="020B0604020202020204" pitchFamily="34" charset="0"/>
+              </a:rPr>
+              <a:t>0.429</a:t>
+            </a:r>
+          </a:p>
+        </p:txBody>
+      </p:sp>
+      <p:sp>
+        <p:nvSpPr>
+          <p:cNvPr id="69" name="TextBox 68">
+            <a:extLst>
+              <a:ext uri="{FF2B5EF4-FFF2-40B4-BE49-F238E27FC236}">
+                <a16:creationId xmlns:a16="http://schemas.microsoft.com/office/drawing/2014/main" id="{6157ED4D-535A-C846-879D-D9CC38289BB5}"/>
+              </a:ext>
+            </a:extLst>
+          </p:cNvPr>
+          <p:cNvSpPr txBox="1"/>
+          <p:nvPr/>
+        </p:nvSpPr>
+        <p:spPr>
+          <a:xfrm>
+            <a:off x="3871886" y="4056879"/>
+            <a:ext cx="771792" cy="369332"/>
+          </a:xfrm>
+          <a:prstGeom prst="rect">
+            <a:avLst/>
+          </a:prstGeom>
+          <a:solidFill>
+            <a:schemeClr val="bg1"/>
+          </a:solidFill>
+          <a:ln>
+            <a:noFill/>
+          </a:ln>
+        </p:spPr>
+        <p:txBody>
+          <a:bodyPr wrap="square" rtlCol="0">
+            <a:spAutoFit/>
+          </a:bodyPr>
+          <a:lstStyle/>
+          <a:p>
+            <a:r>
+              <a:rPr lang="en-US" dirty="0">
+                <a:solidFill>
+                  <a:schemeClr val="bg2">
+                    <a:lumMod val="50000"/>
+                  </a:schemeClr>
+                </a:solidFill>
+                <a:latin typeface="Arial" panose="020B0604020202020204" pitchFamily="34" charset="0"/>
+                <a:cs typeface="Arial" panose="020B0604020202020204" pitchFamily="34" charset="0"/>
+              </a:rPr>
+              <a:t>0.522</a:t>
+            </a:r>
+          </a:p>
+        </p:txBody>
+      </p:sp>
+      <p:sp>
+        <p:nvSpPr>
+          <p:cNvPr id="70" name="TextBox 69">
+            <a:extLst>
+              <a:ext uri="{FF2B5EF4-FFF2-40B4-BE49-F238E27FC236}">
+                <a16:creationId xmlns:a16="http://schemas.microsoft.com/office/drawing/2014/main" id="{B4F4D1A2-F6D4-4B43-9819-9DFD1AD36783}"/>
+              </a:ext>
+            </a:extLst>
+          </p:cNvPr>
+          <p:cNvSpPr txBox="1"/>
+          <p:nvPr/>
+        </p:nvSpPr>
+        <p:spPr>
+          <a:xfrm>
+            <a:off x="5032537" y="3992468"/>
+            <a:ext cx="852789" cy="369332"/>
+          </a:xfrm>
+          <a:prstGeom prst="rect">
+            <a:avLst/>
+          </a:prstGeom>
+          <a:solidFill>
+            <a:schemeClr val="bg1"/>
+          </a:solidFill>
+          <a:ln>
+            <a:noFill/>
+          </a:ln>
+        </p:spPr>
+        <p:txBody>
+          <a:bodyPr wrap="square" rtlCol="0">
+            <a:spAutoFit/>
+          </a:bodyPr>
+          <a:lstStyle/>
+          <a:p>
+            <a:r>
+              <a:rPr lang="en-US" dirty="0">
+                <a:solidFill>
+                  <a:schemeClr val="bg2">
+                    <a:lumMod val="50000"/>
+                  </a:schemeClr>
+                </a:solidFill>
+                <a:latin typeface="Arial" panose="020B0604020202020204" pitchFamily="34" charset="0"/>
+                <a:cs typeface="Arial" panose="020B0604020202020204" pitchFamily="34" charset="0"/>
+              </a:rPr>
+              <a:t>-0.006</a:t>
+            </a:r>
+          </a:p>
+        </p:txBody>
+      </p:sp>
+      <p:sp>
+        <p:nvSpPr>
+          <p:cNvPr id="71" name="TextBox 70">
+            <a:extLst>
+              <a:ext uri="{FF2B5EF4-FFF2-40B4-BE49-F238E27FC236}">
+                <a16:creationId xmlns:a16="http://schemas.microsoft.com/office/drawing/2014/main" id="{6B98E97C-1B36-944E-A865-F1204C4BBA49}"/>
+              </a:ext>
+            </a:extLst>
+          </p:cNvPr>
+          <p:cNvSpPr txBox="1"/>
+          <p:nvPr/>
+        </p:nvSpPr>
+        <p:spPr>
+          <a:xfrm>
+            <a:off x="6313849" y="3992468"/>
+            <a:ext cx="763676" cy="369332"/>
+          </a:xfrm>
+          <a:prstGeom prst="rect">
+            <a:avLst/>
+          </a:prstGeom>
+          <a:solidFill>
+            <a:schemeClr val="bg1"/>
+          </a:solidFill>
+          <a:ln>
+            <a:noFill/>
+          </a:ln>
+        </p:spPr>
+        <p:txBody>
+          <a:bodyPr wrap="square" rtlCol="0">
+            <a:spAutoFit/>
+          </a:bodyPr>
+          <a:lstStyle/>
+          <a:p>
+            <a:r>
+              <a:rPr lang="en-US" dirty="0">
+                <a:solidFill>
+                  <a:schemeClr val="bg2">
+                    <a:lumMod val="50000"/>
+                  </a:schemeClr>
+                </a:solidFill>
+                <a:latin typeface="Arial" panose="020B0604020202020204" pitchFamily="34" charset="0"/>
+                <a:cs typeface="Arial" panose="020B0604020202020204" pitchFamily="34" charset="0"/>
+              </a:rPr>
+              <a:t>0.128</a:t>
+            </a:r>
+          </a:p>
+        </p:txBody>
+      </p:sp>
+      <p:sp>
+        <p:nvSpPr>
+          <p:cNvPr id="72" name="TextBox 71">
+            <a:extLst>
+              <a:ext uri="{FF2B5EF4-FFF2-40B4-BE49-F238E27FC236}">
+                <a16:creationId xmlns:a16="http://schemas.microsoft.com/office/drawing/2014/main" id="{3075672F-4EB4-B24A-B2F0-3967306C59CB}"/>
+              </a:ext>
+            </a:extLst>
+          </p:cNvPr>
+          <p:cNvSpPr txBox="1"/>
+          <p:nvPr/>
+        </p:nvSpPr>
+        <p:spPr>
+          <a:xfrm>
+            <a:off x="7752459" y="3593673"/>
+            <a:ext cx="835114" cy="369332"/>
+          </a:xfrm>
+          <a:prstGeom prst="rect">
+            <a:avLst/>
+          </a:prstGeom>
+          <a:solidFill>
+            <a:schemeClr val="bg1"/>
+          </a:solidFill>
+          <a:ln>
+            <a:noFill/>
+          </a:ln>
+        </p:spPr>
+        <p:txBody>
+          <a:bodyPr wrap="square" rtlCol="0">
+            <a:spAutoFit/>
+          </a:bodyPr>
+          <a:lstStyle/>
+          <a:p>
+            <a:r>
+              <a:rPr lang="en-US" dirty="0">
+                <a:solidFill>
+                  <a:schemeClr val="bg2">
+                    <a:lumMod val="50000"/>
+                  </a:schemeClr>
+                </a:solidFill>
+                <a:latin typeface="Arial" panose="020B0604020202020204" pitchFamily="34" charset="0"/>
+                <a:cs typeface="Arial" panose="020B0604020202020204" pitchFamily="34" charset="0"/>
+              </a:rPr>
+              <a:t>0.759</a:t>
+            </a:r>
+          </a:p>
+        </p:txBody>
+      </p:sp>
+      <p:sp>
+        <p:nvSpPr>
+          <p:cNvPr id="73" name="TextBox 72">
+            <a:extLst>
+              <a:ext uri="{FF2B5EF4-FFF2-40B4-BE49-F238E27FC236}">
+                <a16:creationId xmlns:a16="http://schemas.microsoft.com/office/drawing/2014/main" id="{8DC21F49-3588-BE45-8572-119EAD0A1329}"/>
+              </a:ext>
+            </a:extLst>
+          </p:cNvPr>
+          <p:cNvSpPr txBox="1"/>
+          <p:nvPr/>
+        </p:nvSpPr>
+        <p:spPr>
+          <a:xfrm>
+            <a:off x="7385911" y="4060653"/>
+            <a:ext cx="835114" cy="369332"/>
+          </a:xfrm>
+          <a:prstGeom prst="rect">
+            <a:avLst/>
+          </a:prstGeom>
+          <a:solidFill>
+            <a:schemeClr val="bg1"/>
+          </a:solidFill>
+          <a:ln>
+            <a:noFill/>
+          </a:ln>
+        </p:spPr>
+        <p:txBody>
+          <a:bodyPr wrap="square" rtlCol="0">
+            <a:spAutoFit/>
+          </a:bodyPr>
+          <a:lstStyle/>
+          <a:p>
+            <a:r>
+              <a:rPr lang="en-US" dirty="0">
+                <a:solidFill>
+                  <a:schemeClr val="bg2">
+                    <a:lumMod val="50000"/>
+                  </a:schemeClr>
+                </a:solidFill>
+                <a:latin typeface="Arial" panose="020B0604020202020204" pitchFamily="34" charset="0"/>
+                <a:cs typeface="Arial" panose="020B0604020202020204" pitchFamily="34" charset="0"/>
+              </a:rPr>
+              <a:t>0.080</a:t>
+            </a:r>
+          </a:p>
+        </p:txBody>
+      </p:sp>
+      <p:sp>
+        <p:nvSpPr>
+          <p:cNvPr id="74" name="TextBox 73">
+            <a:extLst>
+              <a:ext uri="{FF2B5EF4-FFF2-40B4-BE49-F238E27FC236}">
+                <a16:creationId xmlns:a16="http://schemas.microsoft.com/office/drawing/2014/main" id="{75474E52-9598-164F-AE5B-29344C178A13}"/>
+              </a:ext>
+            </a:extLst>
+          </p:cNvPr>
+          <p:cNvSpPr txBox="1"/>
+          <p:nvPr/>
+        </p:nvSpPr>
+        <p:spPr>
+          <a:xfrm>
+            <a:off x="3785457" y="949032"/>
+            <a:ext cx="1098851" cy="369332"/>
+          </a:xfrm>
+          <a:prstGeom prst="rect">
+            <a:avLst/>
+          </a:prstGeom>
+          <a:solidFill>
+            <a:schemeClr val="bg1"/>
+          </a:solidFill>
+          <a:ln>
+            <a:noFill/>
+          </a:ln>
+        </p:spPr>
+        <p:txBody>
+          <a:bodyPr wrap="square" rtlCol="0">
+            <a:spAutoFit/>
+          </a:bodyPr>
+          <a:lstStyle/>
+          <a:p>
+            <a:r>
+              <a:rPr lang="en-US" dirty="0">
+                <a:latin typeface="Arial" panose="020B0604020202020204" pitchFamily="34" charset="0"/>
+                <a:cs typeface="Arial" panose="020B0604020202020204" pitchFamily="34" charset="0"/>
+              </a:rPr>
+              <a:t>0.032**</a:t>
+            </a:r>
+          </a:p>
+        </p:txBody>
+      </p:sp>
+      <p:sp>
+        <p:nvSpPr>
+          <p:cNvPr id="36" name="TextBox 35">
+            <a:extLst>
+              <a:ext uri="{FF2B5EF4-FFF2-40B4-BE49-F238E27FC236}">
+                <a16:creationId xmlns:a16="http://schemas.microsoft.com/office/drawing/2014/main" id="{A6F4CB6D-2D5D-2647-AC61-A3D73AF4F8E4}"/>
+              </a:ext>
+            </a:extLst>
+          </p:cNvPr>
+          <p:cNvSpPr txBox="1"/>
+          <p:nvPr/>
+        </p:nvSpPr>
+        <p:spPr>
+          <a:xfrm>
+            <a:off x="1803139" y="865022"/>
+            <a:ext cx="2045483" cy="369332"/>
+          </a:xfrm>
+          <a:prstGeom prst="rect">
+            <a:avLst/>
+          </a:prstGeom>
+          <a:solidFill>
+            <a:schemeClr val="bg1"/>
+          </a:solidFill>
+          <a:ln>
+            <a:noFill/>
+          </a:ln>
+        </p:spPr>
+        <p:txBody>
+          <a:bodyPr wrap="square" rtlCol="0">
+            <a:spAutoFit/>
+          </a:bodyPr>
+          <a:lstStyle/>
+          <a:p>
+            <a:r>
+              <a:rPr lang="en-US" b="1" dirty="0">
+                <a:latin typeface="Arial" panose="020B0604020202020204" pitchFamily="34" charset="0"/>
+                <a:cs typeface="Arial" panose="020B0604020202020204" pitchFamily="34" charset="0"/>
+              </a:rPr>
+              <a:t>D. Concavity = 3</a:t>
             </a:r>
           </a:p>
         </p:txBody>
@@ -9944,7 +13031,7 @@
     </p:spTree>
     <p:extLst>
       <p:ext uri="{BB962C8B-B14F-4D97-AF65-F5344CB8AC3E}">
-        <p14:creationId xmlns:p14="http://schemas.microsoft.com/office/powerpoint/2010/main" val="128356054"/>
+        <p14:creationId xmlns:p14="http://schemas.microsoft.com/office/powerpoint/2010/main" val="991638419"/>
       </p:ext>
     </p:extLst>
   </p:cSld>
@@ -9973,10 +13060,10 @@
       </p:grpSpPr>
       <p:sp>
         <p:nvSpPr>
-          <p:cNvPr id="16" name="Oval 15">
-            <a:extLst>
-              <a:ext uri="{FF2B5EF4-FFF2-40B4-BE49-F238E27FC236}">
-                <a16:creationId xmlns:a16="http://schemas.microsoft.com/office/drawing/2014/main" id="{D3A9B734-5CD6-0346-BB13-FFCD7B9319B6}"/>
+          <p:cNvPr id="2" name="Oval 1">
+            <a:extLst>
+              <a:ext uri="{FF2B5EF4-FFF2-40B4-BE49-F238E27FC236}">
+                <a16:creationId xmlns:a16="http://schemas.microsoft.com/office/drawing/2014/main" id="{ABDFBAC5-1D7C-4844-B9F9-941E6CABA206}"/>
               </a:ext>
             </a:extLst>
           </p:cNvPr>
@@ -9985,8 +13072,8 @@
         </p:nvSpPr>
         <p:spPr>
           <a:xfrm>
-            <a:off x="3258293" y="1696686"/>
-            <a:ext cx="2604654" cy="2740232"/>
+            <a:off x="2792627" y="1499570"/>
+            <a:ext cx="3070320" cy="2937348"/>
           </a:xfrm>
           <a:prstGeom prst="ellipse">
             <a:avLst/>
@@ -10029,10 +13116,10 @@
       </p:sp>
       <p:sp>
         <p:nvSpPr>
-          <p:cNvPr id="17" name="Oval 16">
-            <a:extLst>
-              <a:ext uri="{FF2B5EF4-FFF2-40B4-BE49-F238E27FC236}">
-                <a16:creationId xmlns:a16="http://schemas.microsoft.com/office/drawing/2014/main" id="{5B84AC04-C576-984A-956E-3BEF13835382}"/>
+          <p:cNvPr id="3" name="Oval 2">
+            <a:extLst>
+              <a:ext uri="{FF2B5EF4-FFF2-40B4-BE49-F238E27FC236}">
+                <a16:creationId xmlns:a16="http://schemas.microsoft.com/office/drawing/2014/main" id="{50F6445B-A35C-1549-949B-2546B11108E8}"/>
               </a:ext>
             </a:extLst>
           </p:cNvPr>
@@ -10041,8 +13128,8 @@
         </p:nvSpPr>
         <p:spPr>
           <a:xfrm>
-            <a:off x="4813888" y="1775688"/>
-            <a:ext cx="2825868" cy="2835859"/>
+            <a:off x="4849093" y="1828836"/>
+            <a:ext cx="2558607" cy="2471508"/>
           </a:xfrm>
           <a:prstGeom prst="ellipse">
             <a:avLst/>
@@ -10085,10 +13172,10 @@
       </p:sp>
       <p:sp>
         <p:nvSpPr>
-          <p:cNvPr id="18" name="Oval 17">
-            <a:extLst>
-              <a:ext uri="{FF2B5EF4-FFF2-40B4-BE49-F238E27FC236}">
-                <a16:creationId xmlns:a16="http://schemas.microsoft.com/office/drawing/2014/main" id="{74672F33-6D1B-4C41-A681-D01F0F267F3B}"/>
+          <p:cNvPr id="4" name="Oval 3">
+            <a:extLst>
+              <a:ext uri="{FF2B5EF4-FFF2-40B4-BE49-F238E27FC236}">
+                <a16:creationId xmlns:a16="http://schemas.microsoft.com/office/drawing/2014/main" id="{C8F89E68-3A52-8247-A1FE-A8CF47352C31}"/>
               </a:ext>
             </a:extLst>
           </p:cNvPr>
@@ -10097,8 +13184,8 @@
         </p:nvSpPr>
         <p:spPr>
           <a:xfrm>
-            <a:off x="3956507" y="3097417"/>
-            <a:ext cx="2634190" cy="2687655"/>
+            <a:off x="4070526" y="3032390"/>
+            <a:ext cx="2548736" cy="2652948"/>
           </a:xfrm>
           <a:prstGeom prst="ellipse">
             <a:avLst/>
@@ -10153,8 +13240,8 @@
         </p:nvSpPr>
         <p:spPr>
           <a:xfrm>
-            <a:off x="5710796" y="2503246"/>
-            <a:ext cx="1840675" cy="646331"/>
+            <a:off x="5651131" y="2244544"/>
+            <a:ext cx="1922974" cy="646331"/>
           </a:xfrm>
           <a:prstGeom prst="rect">
             <a:avLst/>
@@ -10173,7 +13260,7 @@
                 <a:latin typeface="Arial" panose="020B0604020202020204" pitchFamily="34" charset="0"/>
                 <a:cs typeface="Arial" panose="020B0604020202020204" pitchFamily="34" charset="0"/>
               </a:rPr>
-              <a:t>Habitat niche breadth</a:t>
+              <a:t>Diet niche breadth</a:t>
             </a:r>
           </a:p>
         </p:txBody>
@@ -10192,7 +13279,7 @@
         </p:nvSpPr>
         <p:spPr>
           <a:xfrm>
-            <a:off x="4425756" y="4750488"/>
+            <a:off x="4629165" y="4516980"/>
             <a:ext cx="1840675" cy="369332"/>
           </a:xfrm>
           <a:prstGeom prst="rect">
@@ -10269,7 +13356,7 @@
         </p:nvSpPr>
         <p:spPr>
           <a:xfrm>
-            <a:off x="6342956" y="3104457"/>
+            <a:off x="6216010" y="2799664"/>
             <a:ext cx="1191690" cy="369332"/>
           </a:xfrm>
           <a:prstGeom prst="rect">
@@ -10288,7 +13375,7 @@
                 <a:latin typeface="Arial" panose="020B0604020202020204" pitchFamily="34" charset="0"/>
                 <a:cs typeface="Arial" panose="020B0604020202020204" pitchFamily="34" charset="0"/>
               </a:rPr>
-              <a:t>0.034</a:t>
+              <a:t>-0.010</a:t>
             </a:r>
           </a:p>
         </p:txBody>
@@ -10307,7 +13394,7 @@
         </p:nvSpPr>
         <p:spPr>
           <a:xfrm>
-            <a:off x="3820892" y="2821299"/>
+            <a:off x="3780706" y="2847724"/>
             <a:ext cx="1191690" cy="369332"/>
           </a:xfrm>
           <a:prstGeom prst="rect">
@@ -10326,17 +13413,17 @@
                 <a:latin typeface="Arial" panose="020B0604020202020204" pitchFamily="34" charset="0"/>
                 <a:cs typeface="Arial" panose="020B0604020202020204" pitchFamily="34" charset="0"/>
               </a:rPr>
-              <a:t>0.033</a:t>
-            </a:r>
-          </a:p>
-        </p:txBody>
-      </p:sp>
-      <p:sp>
-        <p:nvSpPr>
-          <p:cNvPr id="12" name="TextBox 11">
-            <a:extLst>
-              <a:ext uri="{FF2B5EF4-FFF2-40B4-BE49-F238E27FC236}">
-                <a16:creationId xmlns:a16="http://schemas.microsoft.com/office/drawing/2014/main" id="{635EA56D-DF4F-6F4A-A26E-A3B901D534A4}"/>
+              <a:t>0.010</a:t>
+            </a:r>
+          </a:p>
+        </p:txBody>
+      </p:sp>
+      <p:sp>
+        <p:nvSpPr>
+          <p:cNvPr id="11" name="TextBox 10">
+            <a:extLst>
+              <a:ext uri="{FF2B5EF4-FFF2-40B4-BE49-F238E27FC236}">
+                <a16:creationId xmlns:a16="http://schemas.microsoft.com/office/drawing/2014/main" id="{5D136E10-03A2-F545-A119-5BEAD2691EC4}"/>
               </a:ext>
             </a:extLst>
           </p:cNvPr>
@@ -10345,7 +13432,7 @@
         </p:nvSpPr>
         <p:spPr>
           <a:xfrm>
-            <a:off x="4560620" y="5064546"/>
+            <a:off x="4221766" y="3889145"/>
             <a:ext cx="1191690" cy="369332"/>
           </a:xfrm>
           <a:prstGeom prst="rect">
@@ -10364,7 +13451,7 @@
                 <a:latin typeface="Arial" panose="020B0604020202020204" pitchFamily="34" charset="0"/>
                 <a:cs typeface="Arial" panose="020B0604020202020204" pitchFamily="34" charset="0"/>
               </a:rPr>
-              <a:t>-0.011</a:t>
+              <a:t>-0.001</a:t>
             </a:r>
           </a:p>
         </p:txBody>
@@ -10416,7 +13503,7 @@
                 <a:latin typeface="Arial" panose="020B0604020202020204" pitchFamily="34" charset="0"/>
                 <a:cs typeface="Arial" panose="020B0604020202020204" pitchFamily="34" charset="0"/>
               </a:rPr>
-              <a:t> = 0.09</a:t>
+              <a:t> = 0.03</a:t>
             </a:r>
           </a:p>
         </p:txBody>
@@ -10463,7 +13550,7 @@
                 <a:latin typeface="Arial" panose="020B0604020202020204" pitchFamily="34" charset="0"/>
                 <a:cs typeface="Arial" panose="020B0604020202020204" pitchFamily="34" charset="0"/>
               </a:rPr>
-              <a:t>Δ Range occupancy</a:t>
+              <a:t>Population trend</a:t>
             </a:r>
           </a:p>
         </p:txBody>
@@ -10473,7 +13560,7 @@
           <p:cNvPr id="15" name="TextBox 14">
             <a:extLst>
               <a:ext uri="{FF2B5EF4-FFF2-40B4-BE49-F238E27FC236}">
-                <a16:creationId xmlns:a16="http://schemas.microsoft.com/office/drawing/2014/main" id="{1BE283E6-FA2F-2649-9C5C-01F6B90E748E}"/>
+                <a16:creationId xmlns:a16="http://schemas.microsoft.com/office/drawing/2014/main" id="{931B04C7-4682-484D-8E28-42E78AF540F6}"/>
               </a:ext>
             </a:extLst>
           </p:cNvPr>
@@ -10482,7 +13569,7 @@
         </p:nvSpPr>
         <p:spPr>
           <a:xfrm>
-            <a:off x="5012582" y="3201737"/>
+            <a:off x="5549503" y="3732554"/>
             <a:ext cx="1191690" cy="369332"/>
           </a:xfrm>
           <a:prstGeom prst="rect">
@@ -10501,17 +13588,17 @@
                 <a:latin typeface="Arial" panose="020B0604020202020204" pitchFamily="34" charset="0"/>
                 <a:cs typeface="Arial" panose="020B0604020202020204" pitchFamily="34" charset="0"/>
               </a:rPr>
-              <a:t>0.001</a:t>
-            </a:r>
-          </a:p>
-        </p:txBody>
-      </p:sp>
-      <p:sp>
-        <p:nvSpPr>
-          <p:cNvPr id="19" name="TextBox 18">
-            <a:extLst>
-              <a:ext uri="{FF2B5EF4-FFF2-40B4-BE49-F238E27FC236}">
-                <a16:creationId xmlns:a16="http://schemas.microsoft.com/office/drawing/2014/main" id="{D45C2AEA-599D-514D-99FC-0EEAC9E6C3A6}"/>
+              <a:t>    0.003</a:t>
+            </a:r>
+          </a:p>
+        </p:txBody>
+      </p:sp>
+      <p:sp>
+        <p:nvSpPr>
+          <p:cNvPr id="16" name="TextBox 15">
+            <a:extLst>
+              <a:ext uri="{FF2B5EF4-FFF2-40B4-BE49-F238E27FC236}">
+                <a16:creationId xmlns:a16="http://schemas.microsoft.com/office/drawing/2014/main" id="{03C64C24-8110-CC4E-A8B8-DCC0C5EC93CA}"/>
               </a:ext>
             </a:extLst>
           </p:cNvPr>
@@ -10520,7 +13607,7 @@
         </p:nvSpPr>
         <p:spPr>
           <a:xfrm>
-            <a:off x="5747111" y="3996999"/>
+            <a:off x="4693484" y="3197875"/>
             <a:ext cx="1191690" cy="369332"/>
           </a:xfrm>
           <a:prstGeom prst="rect">
@@ -10539,17 +13626,17 @@
                 <a:latin typeface="Arial" panose="020B0604020202020204" pitchFamily="34" charset="0"/>
                 <a:cs typeface="Arial" panose="020B0604020202020204" pitchFamily="34" charset="0"/>
               </a:rPr>
-              <a:t>0.003</a:t>
-            </a:r>
-          </a:p>
-        </p:txBody>
-      </p:sp>
-      <p:sp>
-        <p:nvSpPr>
-          <p:cNvPr id="20" name="TextBox 19">
-            <a:extLst>
-              <a:ext uri="{FF2B5EF4-FFF2-40B4-BE49-F238E27FC236}">
-                <a16:creationId xmlns:a16="http://schemas.microsoft.com/office/drawing/2014/main" id="{2EE6FE01-9CD9-5A4E-8A4C-38AC0ADDFC28}"/>
+              <a:t>    -0.001</a:t>
+            </a:r>
+          </a:p>
+        </p:txBody>
+      </p:sp>
+      <p:sp>
+        <p:nvSpPr>
+          <p:cNvPr id="17" name="TextBox 16">
+            <a:extLst>
+              <a:ext uri="{FF2B5EF4-FFF2-40B4-BE49-F238E27FC236}">
+                <a16:creationId xmlns:a16="http://schemas.microsoft.com/office/drawing/2014/main" id="{A7BF877D-C41B-8D4E-A6B8-52FF866DF85F}"/>
               </a:ext>
             </a:extLst>
           </p:cNvPr>
@@ -10558,7 +13645,7 @@
         </p:nvSpPr>
         <p:spPr>
           <a:xfrm>
-            <a:off x="4142411" y="3777256"/>
+            <a:off x="4805610" y="2512692"/>
             <a:ext cx="1191690" cy="369332"/>
           </a:xfrm>
           <a:prstGeom prst="rect">
@@ -10577,17 +13664,17 @@
                 <a:latin typeface="Arial" panose="020B0604020202020204" pitchFamily="34" charset="0"/>
                 <a:cs typeface="Arial" panose="020B0604020202020204" pitchFamily="34" charset="0"/>
               </a:rPr>
-              <a:t>0.004</a:t>
-            </a:r>
-          </a:p>
-        </p:txBody>
-      </p:sp>
-      <p:sp>
-        <p:nvSpPr>
-          <p:cNvPr id="21" name="TextBox 20">
-            <a:extLst>
-              <a:ext uri="{FF2B5EF4-FFF2-40B4-BE49-F238E27FC236}">
-                <a16:creationId xmlns:a16="http://schemas.microsoft.com/office/drawing/2014/main" id="{5A2A41AC-37B8-3A43-9997-E6848A0D1F9B}"/>
+              <a:t>   -0.002</a:t>
+            </a:r>
+          </a:p>
+        </p:txBody>
+      </p:sp>
+      <p:sp>
+        <p:nvSpPr>
+          <p:cNvPr id="18" name="TextBox 17">
+            <a:extLst>
+              <a:ext uri="{FF2B5EF4-FFF2-40B4-BE49-F238E27FC236}">
+                <a16:creationId xmlns:a16="http://schemas.microsoft.com/office/drawing/2014/main" id="{7ECEB26D-2648-FA45-9390-6736BC12E74B}"/>
               </a:ext>
             </a:extLst>
           </p:cNvPr>
@@ -10596,7 +13683,7 @@
         </p:nvSpPr>
         <p:spPr>
           <a:xfrm>
-            <a:off x="4892435" y="2535861"/>
+            <a:off x="4585506" y="4820412"/>
             <a:ext cx="1191690" cy="369332"/>
           </a:xfrm>
           <a:prstGeom prst="rect">
@@ -10615,7 +13702,7 @@
                 <a:latin typeface="Arial" panose="020B0604020202020204" pitchFamily="34" charset="0"/>
                 <a:cs typeface="Arial" panose="020B0604020202020204" pitchFamily="34" charset="0"/>
               </a:rPr>
-              <a:t>-0.006</a:t>
+              <a:t>    -0.012</a:t>
             </a:r>
           </a:p>
         </p:txBody>
@@ -10623,7 +13710,7 @@
     </p:spTree>
     <p:extLst>
       <p:ext uri="{BB962C8B-B14F-4D97-AF65-F5344CB8AC3E}">
-        <p14:creationId xmlns:p14="http://schemas.microsoft.com/office/powerpoint/2010/main" val="1063157910"/>
+        <p14:creationId xmlns:p14="http://schemas.microsoft.com/office/powerpoint/2010/main" val="2114340536"/>
       </p:ext>
     </p:extLst>
   </p:cSld>
@@ -10650,28 +13737,31 @@
           <a:chExt cx="0" cy="0"/>
         </a:xfrm>
       </p:grpSpPr>
-      <p:cxnSp>
-        <p:nvCxnSpPr>
-          <p:cNvPr id="12" name="Straight Connector 11">
-            <a:extLst>
-              <a:ext uri="{FF2B5EF4-FFF2-40B4-BE49-F238E27FC236}">
-                <a16:creationId xmlns:a16="http://schemas.microsoft.com/office/drawing/2014/main" id="{2FA85D60-BCA4-B949-9830-F93A1CEB99C1}"/>
-              </a:ext>
-            </a:extLst>
-          </p:cNvPr>
-          <p:cNvCxnSpPr>
-            <a:cxnSpLocks/>
-          </p:cNvCxnSpPr>
-          <p:nvPr/>
-        </p:nvCxnSpPr>
-        <p:spPr>
-          <a:xfrm>
-            <a:off x="5358410" y="0"/>
-            <a:ext cx="0" cy="3598221"/>
-          </a:xfrm>
-          <a:prstGeom prst="line">
-            <a:avLst/>
-          </a:prstGeom>
+      <p:sp>
+        <p:nvSpPr>
+          <p:cNvPr id="15" name="Oval 14">
+            <a:extLst>
+              <a:ext uri="{FF2B5EF4-FFF2-40B4-BE49-F238E27FC236}">
+                <a16:creationId xmlns:a16="http://schemas.microsoft.com/office/drawing/2014/main" id="{FB38B2EB-7AE2-0040-B297-19057AA3F54E}"/>
+              </a:ext>
+            </a:extLst>
+          </p:cNvPr>
+          <p:cNvSpPr/>
+          <p:nvPr/>
+        </p:nvSpPr>
+        <p:spPr>
+          <a:xfrm>
+            <a:off x="3258293" y="1696686"/>
+            <a:ext cx="2604654" cy="2740232"/>
+          </a:xfrm>
+          <a:prstGeom prst="ellipse">
+            <a:avLst/>
+          </a:prstGeom>
+          <a:solidFill>
+            <a:srgbClr val="D883FF">
+              <a:alpha val="50196"/>
+            </a:srgbClr>
+          </a:solidFill>
           <a:ln>
             <a:solidFill>
               <a:schemeClr val="tx1"/>
@@ -10679,42 +13769,55 @@
           </a:ln>
         </p:spPr>
         <p:style>
-          <a:lnRef idx="1">
-            <a:schemeClr val="accent1"/>
+          <a:lnRef idx="2">
+            <a:schemeClr val="accent1">
+              <a:shade val="50000"/>
+            </a:schemeClr>
           </a:lnRef>
-          <a:fillRef idx="0">
+          <a:fillRef idx="1">
             <a:schemeClr val="accent1"/>
           </a:fillRef>
           <a:effectRef idx="0">
             <a:schemeClr val="accent1"/>
           </a:effectRef>
           <a:fontRef idx="minor">
-            <a:schemeClr val="tx1"/>
+            <a:schemeClr val="lt1"/>
           </a:fontRef>
         </p:style>
-      </p:cxnSp>
-      <p:cxnSp>
-        <p:nvCxnSpPr>
-          <p:cNvPr id="9" name="Straight Connector 8">
-            <a:extLst>
-              <a:ext uri="{FF2B5EF4-FFF2-40B4-BE49-F238E27FC236}">
-                <a16:creationId xmlns:a16="http://schemas.microsoft.com/office/drawing/2014/main" id="{1844228F-E7D7-EE43-B023-758DCF8E935C}"/>
-              </a:ext>
-            </a:extLst>
-          </p:cNvPr>
-          <p:cNvCxnSpPr>
-            <a:cxnSpLocks/>
-          </p:cNvCxnSpPr>
-          <p:nvPr/>
-        </p:nvCxnSpPr>
-        <p:spPr>
-          <a:xfrm>
-            <a:off x="712520" y="3420096"/>
-            <a:ext cx="9547761" cy="0"/>
-          </a:xfrm>
-          <a:prstGeom prst="line">
-            <a:avLst/>
-          </a:prstGeom>
+        <p:txBody>
+          <a:bodyPr rtlCol="0" anchor="ctr"/>
+          <a:lstStyle/>
+          <a:p>
+            <a:pPr algn="ctr"/>
+            <a:endParaRPr lang="en-US"/>
+          </a:p>
+        </p:txBody>
+      </p:sp>
+      <p:sp>
+        <p:nvSpPr>
+          <p:cNvPr id="16" name="Oval 15">
+            <a:extLst>
+              <a:ext uri="{FF2B5EF4-FFF2-40B4-BE49-F238E27FC236}">
+                <a16:creationId xmlns:a16="http://schemas.microsoft.com/office/drawing/2014/main" id="{4946C67C-741D-EA42-B1C0-20A39E5A59F1}"/>
+              </a:ext>
+            </a:extLst>
+          </p:cNvPr>
+          <p:cNvSpPr/>
+          <p:nvPr/>
+        </p:nvSpPr>
+        <p:spPr>
+          <a:xfrm>
+            <a:off x="4846120" y="1408670"/>
+            <a:ext cx="3755163" cy="3636858"/>
+          </a:xfrm>
+          <a:prstGeom prst="ellipse">
+            <a:avLst/>
+          </a:prstGeom>
+          <a:solidFill>
+            <a:srgbClr val="76D6FF">
+              <a:alpha val="50196"/>
+            </a:srgbClr>
+          </a:solidFill>
           <a:ln>
             <a:solidFill>
               <a:schemeClr val="tx1"/>
@@ -10722,114 +13825,571 @@
           </a:ln>
         </p:spPr>
         <p:style>
-          <a:lnRef idx="1">
-            <a:schemeClr val="accent1"/>
+          <a:lnRef idx="2">
+            <a:schemeClr val="accent1">
+              <a:shade val="50000"/>
+            </a:schemeClr>
           </a:lnRef>
-          <a:fillRef idx="0">
+          <a:fillRef idx="1">
             <a:schemeClr val="accent1"/>
           </a:fillRef>
           <a:effectRef idx="0">
             <a:schemeClr val="accent1"/>
           </a:effectRef>
           <a:fontRef idx="minor">
-            <a:schemeClr val="tx1"/>
+            <a:schemeClr val="lt1"/>
           </a:fontRef>
         </p:style>
-      </p:cxnSp>
-      <p:pic>
-        <p:nvPicPr>
-          <p:cNvPr id="3" name="Picture 2" descr="Diagram, venn diagram&#10;&#10;Description automatically generated">
-            <a:extLst>
-              <a:ext uri="{FF2B5EF4-FFF2-40B4-BE49-F238E27FC236}">
-                <a16:creationId xmlns:a16="http://schemas.microsoft.com/office/drawing/2014/main" id="{686A2AE3-6E91-444B-87F0-BB6AE75C75BA}"/>
-              </a:ext>
-            </a:extLst>
-          </p:cNvPr>
-          <p:cNvPicPr>
-            <a:picLocks noChangeAspect="1"/>
-          </p:cNvPicPr>
-          <p:nvPr/>
-        </p:nvPicPr>
-        <p:blipFill>
-          <a:blip r:embed="rId2"/>
-          <a:stretch>
-            <a:fillRect/>
-          </a:stretch>
-        </p:blipFill>
-        <p:spPr>
-          <a:xfrm>
-            <a:off x="1497946" y="0"/>
-            <a:ext cx="3860464" cy="3298942"/>
-          </a:xfrm>
-          <a:prstGeom prst="rect">
-            <a:avLst/>
-          </a:prstGeom>
-        </p:spPr>
-      </p:pic>
-      <p:pic>
-        <p:nvPicPr>
-          <p:cNvPr id="6" name="Picture 5" descr="Diagram, venn diagram&#10;&#10;Description automatically generated">
-            <a:extLst>
-              <a:ext uri="{FF2B5EF4-FFF2-40B4-BE49-F238E27FC236}">
-                <a16:creationId xmlns:a16="http://schemas.microsoft.com/office/drawing/2014/main" id="{3FC4FCF2-7792-914B-AFE0-9C0126116CAA}"/>
-              </a:ext>
-            </a:extLst>
-          </p:cNvPr>
-          <p:cNvPicPr>
-            <a:picLocks noChangeAspect="1"/>
-          </p:cNvPicPr>
-          <p:nvPr/>
-        </p:nvPicPr>
-        <p:blipFill>
-          <a:blip r:embed="rId3"/>
-          <a:stretch>
-            <a:fillRect/>
-          </a:stretch>
-        </p:blipFill>
-        <p:spPr>
-          <a:xfrm>
-            <a:off x="5486400" y="7"/>
-            <a:ext cx="3909383" cy="3340745"/>
-          </a:xfrm>
-          <a:prstGeom prst="rect">
-            <a:avLst/>
-          </a:prstGeom>
-        </p:spPr>
-      </p:pic>
-      <p:pic>
-        <p:nvPicPr>
-          <p:cNvPr id="14" name="Picture 13" descr="Diagram, venn diagram&#10;&#10;Description automatically generated">
-            <a:extLst>
-              <a:ext uri="{FF2B5EF4-FFF2-40B4-BE49-F238E27FC236}">
-                <a16:creationId xmlns:a16="http://schemas.microsoft.com/office/drawing/2014/main" id="{308E7928-6DCF-6C4B-BBA0-CC492670E22C}"/>
-              </a:ext>
-            </a:extLst>
-          </p:cNvPr>
-          <p:cNvPicPr>
-            <a:picLocks noChangeAspect="1"/>
-          </p:cNvPicPr>
-          <p:nvPr/>
-        </p:nvPicPr>
-        <p:blipFill>
-          <a:blip r:embed="rId4"/>
-          <a:stretch>
-            <a:fillRect/>
-          </a:stretch>
-        </p:blipFill>
-        <p:spPr>
-          <a:xfrm>
-            <a:off x="3428178" y="3437904"/>
-            <a:ext cx="3909370" cy="3340734"/>
-          </a:xfrm>
-          <a:prstGeom prst="rect">
-            <a:avLst/>
-          </a:prstGeom>
-        </p:spPr>
-      </p:pic>
+        <p:txBody>
+          <a:bodyPr rtlCol="0" anchor="ctr"/>
+          <a:lstStyle/>
+          <a:p>
+            <a:pPr algn="ctr"/>
+            <a:endParaRPr lang="en-US"/>
+          </a:p>
+        </p:txBody>
+      </p:sp>
+      <p:sp>
+        <p:nvSpPr>
+          <p:cNvPr id="17" name="Oval 16">
+            <a:extLst>
+              <a:ext uri="{FF2B5EF4-FFF2-40B4-BE49-F238E27FC236}">
+                <a16:creationId xmlns:a16="http://schemas.microsoft.com/office/drawing/2014/main" id="{5E710C7B-AE6D-304F-AC97-493F8752B745}"/>
+              </a:ext>
+            </a:extLst>
+          </p:cNvPr>
+          <p:cNvSpPr/>
+          <p:nvPr/>
+        </p:nvSpPr>
+        <p:spPr>
+          <a:xfrm>
+            <a:off x="3906982" y="2995550"/>
+            <a:ext cx="2854035" cy="2882736"/>
+          </a:xfrm>
+          <a:prstGeom prst="ellipse">
+            <a:avLst/>
+          </a:prstGeom>
+          <a:solidFill>
+            <a:srgbClr val="4E8F00">
+              <a:alpha val="50196"/>
+            </a:srgbClr>
+          </a:solidFill>
+          <a:ln>
+            <a:solidFill>
+              <a:schemeClr val="tx1"/>
+            </a:solidFill>
+          </a:ln>
+        </p:spPr>
+        <p:style>
+          <a:lnRef idx="2">
+            <a:schemeClr val="accent1">
+              <a:shade val="50000"/>
+            </a:schemeClr>
+          </a:lnRef>
+          <a:fillRef idx="1">
+            <a:schemeClr val="accent1"/>
+          </a:fillRef>
+          <a:effectRef idx="0">
+            <a:schemeClr val="accent1"/>
+          </a:effectRef>
+          <a:fontRef idx="minor">
+            <a:schemeClr val="lt1"/>
+          </a:fontRef>
+        </p:style>
+        <p:txBody>
+          <a:bodyPr rtlCol="0" anchor="ctr"/>
+          <a:lstStyle/>
+          <a:p>
+            <a:pPr algn="ctr"/>
+            <a:endParaRPr lang="en-US"/>
+          </a:p>
+        </p:txBody>
+      </p:sp>
+      <p:sp>
+        <p:nvSpPr>
+          <p:cNvPr id="5" name="TextBox 4">
+            <a:extLst>
+              <a:ext uri="{FF2B5EF4-FFF2-40B4-BE49-F238E27FC236}">
+                <a16:creationId xmlns:a16="http://schemas.microsoft.com/office/drawing/2014/main" id="{468C6069-BA96-9E40-8437-18F5A8D5A767}"/>
+              </a:ext>
+            </a:extLst>
+          </p:cNvPr>
+          <p:cNvSpPr txBox="1"/>
+          <p:nvPr/>
+        </p:nvSpPr>
+        <p:spPr>
+          <a:xfrm>
+            <a:off x="6168559" y="2343901"/>
+            <a:ext cx="1840675" cy="646331"/>
+          </a:xfrm>
+          <a:prstGeom prst="rect">
+            <a:avLst/>
+          </a:prstGeom>
+          <a:noFill/>
+        </p:spPr>
+        <p:txBody>
+          <a:bodyPr wrap="square" rtlCol="0">
+            <a:spAutoFit/>
+          </a:bodyPr>
+          <a:lstStyle/>
+          <a:p>
+            <a:pPr algn="ctr"/>
+            <a:r>
+              <a:rPr lang="en-US" dirty="0">
+                <a:latin typeface="Arial" panose="020B0604020202020204" pitchFamily="34" charset="0"/>
+                <a:cs typeface="Arial" panose="020B0604020202020204" pitchFamily="34" charset="0"/>
+              </a:rPr>
+              <a:t>Climate niche breadth</a:t>
+            </a:r>
+          </a:p>
+        </p:txBody>
+      </p:sp>
+      <p:sp>
+        <p:nvSpPr>
+          <p:cNvPr id="6" name="TextBox 5">
+            <a:extLst>
+              <a:ext uri="{FF2B5EF4-FFF2-40B4-BE49-F238E27FC236}">
+                <a16:creationId xmlns:a16="http://schemas.microsoft.com/office/drawing/2014/main" id="{AA65B116-EA42-DE4A-AFA1-1F5F883DF204}"/>
+              </a:ext>
+            </a:extLst>
+          </p:cNvPr>
+          <p:cNvSpPr txBox="1"/>
+          <p:nvPr/>
+        </p:nvSpPr>
+        <p:spPr>
+          <a:xfrm>
+            <a:off x="4413661" y="4907909"/>
+            <a:ext cx="1840675" cy="369332"/>
+          </a:xfrm>
+          <a:prstGeom prst="rect">
+            <a:avLst/>
+          </a:prstGeom>
+          <a:noFill/>
+        </p:spPr>
+        <p:txBody>
+          <a:bodyPr wrap="square" rtlCol="0">
+            <a:spAutoFit/>
+          </a:bodyPr>
+          <a:lstStyle/>
+          <a:p>
+            <a:r>
+              <a:rPr lang="en-US" dirty="0">
+                <a:latin typeface="Arial" panose="020B0604020202020204" pitchFamily="34" charset="0"/>
+                <a:cs typeface="Arial" panose="020B0604020202020204" pitchFamily="34" charset="0"/>
+              </a:rPr>
+              <a:t>Body size</a:t>
+            </a:r>
+          </a:p>
+        </p:txBody>
+      </p:sp>
+      <p:sp>
+        <p:nvSpPr>
+          <p:cNvPr id="7" name="TextBox 6">
+            <a:extLst>
+              <a:ext uri="{FF2B5EF4-FFF2-40B4-BE49-F238E27FC236}">
+                <a16:creationId xmlns:a16="http://schemas.microsoft.com/office/drawing/2014/main" id="{A72E2609-B025-0840-BB63-D989569E86F1}"/>
+              </a:ext>
+            </a:extLst>
+          </p:cNvPr>
+          <p:cNvSpPr txBox="1"/>
+          <p:nvPr/>
+        </p:nvSpPr>
+        <p:spPr>
+          <a:xfrm>
+            <a:off x="3564576" y="2201393"/>
+            <a:ext cx="1173680" cy="646331"/>
+          </a:xfrm>
+          <a:prstGeom prst="rect">
+            <a:avLst/>
+          </a:prstGeom>
+          <a:noFill/>
+        </p:spPr>
+        <p:txBody>
+          <a:bodyPr wrap="square" rtlCol="0">
+            <a:spAutoFit/>
+          </a:bodyPr>
+          <a:lstStyle/>
+          <a:p>
+            <a:pPr algn="ctr"/>
+            <a:r>
+              <a:rPr lang="en-US" dirty="0">
+                <a:latin typeface="Arial" panose="020B0604020202020204" pitchFamily="34" charset="0"/>
+                <a:cs typeface="Arial" panose="020B0604020202020204" pitchFamily="34" charset="0"/>
+              </a:rPr>
+              <a:t>Migratory distance</a:t>
+            </a:r>
+          </a:p>
+        </p:txBody>
+      </p:sp>
+      <p:sp>
+        <p:nvSpPr>
+          <p:cNvPr id="9" name="TextBox 8">
+            <a:extLst>
+              <a:ext uri="{FF2B5EF4-FFF2-40B4-BE49-F238E27FC236}">
+                <a16:creationId xmlns:a16="http://schemas.microsoft.com/office/drawing/2014/main" id="{1E601120-75B5-5749-850E-37BB69F4F026}"/>
+              </a:ext>
+            </a:extLst>
+          </p:cNvPr>
+          <p:cNvSpPr txBox="1"/>
+          <p:nvPr/>
+        </p:nvSpPr>
+        <p:spPr>
+          <a:xfrm>
+            <a:off x="6544391" y="3037279"/>
+            <a:ext cx="1191690" cy="369332"/>
+          </a:xfrm>
+          <a:prstGeom prst="rect">
+            <a:avLst/>
+          </a:prstGeom>
+          <a:noFill/>
+        </p:spPr>
+        <p:txBody>
+          <a:bodyPr wrap="square" rtlCol="0">
+            <a:spAutoFit/>
+          </a:bodyPr>
+          <a:lstStyle/>
+          <a:p>
+            <a:r>
+              <a:rPr lang="en-US" dirty="0">
+                <a:latin typeface="Arial" panose="020B0604020202020204" pitchFamily="34" charset="0"/>
+                <a:cs typeface="Arial" panose="020B0604020202020204" pitchFamily="34" charset="0"/>
+              </a:rPr>
+              <a:t>0.046</a:t>
+            </a:r>
+          </a:p>
+        </p:txBody>
+      </p:sp>
+      <p:sp>
+        <p:nvSpPr>
+          <p:cNvPr id="10" name="TextBox 9">
+            <a:extLst>
+              <a:ext uri="{FF2B5EF4-FFF2-40B4-BE49-F238E27FC236}">
+                <a16:creationId xmlns:a16="http://schemas.microsoft.com/office/drawing/2014/main" id="{0D888F98-CF7C-0346-818A-B2A92BCEBF31}"/>
+              </a:ext>
+            </a:extLst>
+          </p:cNvPr>
+          <p:cNvSpPr txBox="1"/>
+          <p:nvPr/>
+        </p:nvSpPr>
+        <p:spPr>
+          <a:xfrm>
+            <a:off x="3764874" y="2835274"/>
+            <a:ext cx="1191690" cy="369332"/>
+          </a:xfrm>
+          <a:prstGeom prst="rect">
+            <a:avLst/>
+          </a:prstGeom>
+          <a:noFill/>
+        </p:spPr>
+        <p:txBody>
+          <a:bodyPr wrap="square" rtlCol="0">
+            <a:spAutoFit/>
+          </a:bodyPr>
+          <a:lstStyle/>
+          <a:p>
+            <a:r>
+              <a:rPr lang="en-US" dirty="0">
+                <a:latin typeface="Arial" panose="020B0604020202020204" pitchFamily="34" charset="0"/>
+                <a:cs typeface="Arial" panose="020B0604020202020204" pitchFamily="34" charset="0"/>
+              </a:rPr>
+              <a:t>0.005</a:t>
+            </a:r>
+          </a:p>
+        </p:txBody>
+      </p:sp>
+      <p:sp>
+        <p:nvSpPr>
+          <p:cNvPr id="11" name="TextBox 10">
+            <a:extLst>
+              <a:ext uri="{FF2B5EF4-FFF2-40B4-BE49-F238E27FC236}">
+                <a16:creationId xmlns:a16="http://schemas.microsoft.com/office/drawing/2014/main" id="{5D136E10-03A2-F545-A119-5BEAD2691EC4}"/>
+              </a:ext>
+            </a:extLst>
+          </p:cNvPr>
+          <p:cNvSpPr txBox="1"/>
+          <p:nvPr/>
+        </p:nvSpPr>
+        <p:spPr>
+          <a:xfrm>
+            <a:off x="4842406" y="5227058"/>
+            <a:ext cx="1191690" cy="369332"/>
+          </a:xfrm>
+          <a:prstGeom prst="rect">
+            <a:avLst/>
+          </a:prstGeom>
+          <a:noFill/>
+        </p:spPr>
+        <p:txBody>
+          <a:bodyPr wrap="square" rtlCol="0">
+            <a:spAutoFit/>
+          </a:bodyPr>
+          <a:lstStyle/>
+          <a:p>
+            <a:r>
+              <a:rPr lang="en-US" dirty="0">
+                <a:latin typeface="Arial" panose="020B0604020202020204" pitchFamily="34" charset="0"/>
+                <a:cs typeface="Arial" panose="020B0604020202020204" pitchFamily="34" charset="0"/>
+              </a:rPr>
+              <a:t>-0.002</a:t>
+            </a:r>
+          </a:p>
+        </p:txBody>
+      </p:sp>
+      <p:sp>
+        <p:nvSpPr>
+          <p:cNvPr id="12" name="TextBox 11">
+            <a:extLst>
+              <a:ext uri="{FF2B5EF4-FFF2-40B4-BE49-F238E27FC236}">
+                <a16:creationId xmlns:a16="http://schemas.microsoft.com/office/drawing/2014/main" id="{635EA56D-DF4F-6F4A-A26E-A3B901D534A4}"/>
+              </a:ext>
+            </a:extLst>
+          </p:cNvPr>
+          <p:cNvSpPr txBox="1"/>
+          <p:nvPr/>
+        </p:nvSpPr>
+        <p:spPr>
+          <a:xfrm>
+            <a:off x="5021987" y="2532317"/>
+            <a:ext cx="1191690" cy="369332"/>
+          </a:xfrm>
+          <a:prstGeom prst="rect">
+            <a:avLst/>
+          </a:prstGeom>
+          <a:noFill/>
+        </p:spPr>
+        <p:txBody>
+          <a:bodyPr wrap="square" rtlCol="0">
+            <a:spAutoFit/>
+          </a:bodyPr>
+          <a:lstStyle/>
+          <a:p>
+            <a:r>
+              <a:rPr lang="en-US" dirty="0">
+                <a:latin typeface="Arial" panose="020B0604020202020204" pitchFamily="34" charset="0"/>
+                <a:cs typeface="Arial" panose="020B0604020202020204" pitchFamily="34" charset="0"/>
+              </a:rPr>
+              <a:t>0.026</a:t>
+            </a:r>
+          </a:p>
+        </p:txBody>
+      </p:sp>
+      <p:sp>
+        <p:nvSpPr>
+          <p:cNvPr id="13" name="TextBox 12">
+            <a:extLst>
+              <a:ext uri="{FF2B5EF4-FFF2-40B4-BE49-F238E27FC236}">
+                <a16:creationId xmlns:a16="http://schemas.microsoft.com/office/drawing/2014/main" id="{1ABC6687-76B3-B042-A4FC-8BFFF12A1B71}"/>
+              </a:ext>
+            </a:extLst>
+          </p:cNvPr>
+          <p:cNvSpPr txBox="1"/>
+          <p:nvPr/>
+        </p:nvSpPr>
+        <p:spPr>
+          <a:xfrm>
+            <a:off x="6847107" y="5227058"/>
+            <a:ext cx="1698668" cy="369332"/>
+          </a:xfrm>
+          <a:prstGeom prst="rect">
+            <a:avLst/>
+          </a:prstGeom>
+          <a:noFill/>
+        </p:spPr>
+        <p:txBody>
+          <a:bodyPr wrap="square" rtlCol="0">
+            <a:spAutoFit/>
+          </a:bodyPr>
+          <a:lstStyle/>
+          <a:p>
+            <a:r>
+              <a:rPr lang="en-US" dirty="0">
+                <a:latin typeface="Arial" panose="020B0604020202020204" pitchFamily="34" charset="0"/>
+                <a:cs typeface="Arial" panose="020B0604020202020204" pitchFamily="34" charset="0"/>
+              </a:rPr>
+              <a:t>Total R</a:t>
+            </a:r>
+            <a:r>
+              <a:rPr lang="en-US" baseline="30000" dirty="0">
+                <a:latin typeface="Arial" panose="020B0604020202020204" pitchFamily="34" charset="0"/>
+                <a:cs typeface="Arial" panose="020B0604020202020204" pitchFamily="34" charset="0"/>
+              </a:rPr>
+              <a:t>2</a:t>
+            </a:r>
+            <a:r>
+              <a:rPr lang="en-US" dirty="0">
+                <a:latin typeface="Arial" panose="020B0604020202020204" pitchFamily="34" charset="0"/>
+                <a:cs typeface="Arial" panose="020B0604020202020204" pitchFamily="34" charset="0"/>
+              </a:rPr>
+              <a:t> = 0.10</a:t>
+            </a:r>
+          </a:p>
+        </p:txBody>
+      </p:sp>
+      <p:sp>
+        <p:nvSpPr>
+          <p:cNvPr id="14" name="TextBox 13">
+            <a:extLst>
+              <a:ext uri="{FF2B5EF4-FFF2-40B4-BE49-F238E27FC236}">
+                <a16:creationId xmlns:a16="http://schemas.microsoft.com/office/drawing/2014/main" id="{B2E904DA-61D3-5D47-AD47-932D13DDF817}"/>
+              </a:ext>
+            </a:extLst>
+          </p:cNvPr>
+          <p:cNvSpPr txBox="1"/>
+          <p:nvPr/>
+        </p:nvSpPr>
+        <p:spPr>
+          <a:xfrm>
+            <a:off x="3062569" y="853239"/>
+            <a:ext cx="2430234" cy="646331"/>
+          </a:xfrm>
+          <a:prstGeom prst="rect">
+            <a:avLst/>
+          </a:prstGeom>
+          <a:noFill/>
+        </p:spPr>
+        <p:txBody>
+          <a:bodyPr wrap="square" rtlCol="0">
+            <a:spAutoFit/>
+          </a:bodyPr>
+          <a:lstStyle/>
+          <a:p>
+            <a:r>
+              <a:rPr lang="en-US" dirty="0">
+                <a:latin typeface="Arial" panose="020B0604020202020204" pitchFamily="34" charset="0"/>
+                <a:cs typeface="Arial" panose="020B0604020202020204" pitchFamily="34" charset="0"/>
+              </a:rPr>
+              <a:t>Response: </a:t>
+            </a:r>
+          </a:p>
+          <a:p>
+            <a:r>
+              <a:rPr lang="en-US" dirty="0">
+                <a:latin typeface="Arial" panose="020B0604020202020204" pitchFamily="34" charset="0"/>
+                <a:cs typeface="Arial" panose="020B0604020202020204" pitchFamily="34" charset="0"/>
+              </a:rPr>
+              <a:t>Δ Range area</a:t>
+            </a:r>
+          </a:p>
+        </p:txBody>
+      </p:sp>
+      <p:sp>
+        <p:nvSpPr>
+          <p:cNvPr id="18" name="TextBox 17">
+            <a:extLst>
+              <a:ext uri="{FF2B5EF4-FFF2-40B4-BE49-F238E27FC236}">
+                <a16:creationId xmlns:a16="http://schemas.microsoft.com/office/drawing/2014/main" id="{7A448C98-C00D-3945-8F42-44BDA3E9E311}"/>
+              </a:ext>
+            </a:extLst>
+          </p:cNvPr>
+          <p:cNvSpPr txBox="1"/>
+          <p:nvPr/>
+        </p:nvSpPr>
+        <p:spPr>
+          <a:xfrm>
+            <a:off x="5677191" y="3973685"/>
+            <a:ext cx="1191690" cy="369332"/>
+          </a:xfrm>
+          <a:prstGeom prst="rect">
+            <a:avLst/>
+          </a:prstGeom>
+          <a:noFill/>
+        </p:spPr>
+        <p:txBody>
+          <a:bodyPr wrap="square" rtlCol="0">
+            <a:spAutoFit/>
+          </a:bodyPr>
+          <a:lstStyle/>
+          <a:p>
+            <a:r>
+              <a:rPr lang="en-US" dirty="0">
+                <a:latin typeface="Arial" panose="020B0604020202020204" pitchFamily="34" charset="0"/>
+                <a:cs typeface="Arial" panose="020B0604020202020204" pitchFamily="34" charset="0"/>
+              </a:rPr>
+              <a:t>-0.008</a:t>
+            </a:r>
+          </a:p>
+        </p:txBody>
+      </p:sp>
+      <p:sp>
+        <p:nvSpPr>
+          <p:cNvPr id="19" name="TextBox 18">
+            <a:extLst>
+              <a:ext uri="{FF2B5EF4-FFF2-40B4-BE49-F238E27FC236}">
+                <a16:creationId xmlns:a16="http://schemas.microsoft.com/office/drawing/2014/main" id="{7437538F-20F8-1243-A954-D362466845B5}"/>
+              </a:ext>
+            </a:extLst>
+          </p:cNvPr>
+          <p:cNvSpPr txBox="1"/>
+          <p:nvPr/>
+        </p:nvSpPr>
+        <p:spPr>
+          <a:xfrm>
+            <a:off x="4956564" y="3260113"/>
+            <a:ext cx="1191690" cy="369332"/>
+          </a:xfrm>
+          <a:prstGeom prst="rect">
+            <a:avLst/>
+          </a:prstGeom>
+          <a:noFill/>
+        </p:spPr>
+        <p:txBody>
+          <a:bodyPr wrap="square" rtlCol="0">
+            <a:spAutoFit/>
+          </a:bodyPr>
+          <a:lstStyle/>
+          <a:p>
+            <a:r>
+              <a:rPr lang="en-US" dirty="0">
+                <a:latin typeface="Arial" panose="020B0604020202020204" pitchFamily="34" charset="0"/>
+                <a:cs typeface="Arial" panose="020B0604020202020204" pitchFamily="34" charset="0"/>
+              </a:rPr>
+              <a:t>-0.001</a:t>
+            </a:r>
+          </a:p>
+        </p:txBody>
+      </p:sp>
+      <p:sp>
+        <p:nvSpPr>
+          <p:cNvPr id="20" name="TextBox 19">
+            <a:extLst>
+              <a:ext uri="{FF2B5EF4-FFF2-40B4-BE49-F238E27FC236}">
+                <a16:creationId xmlns:a16="http://schemas.microsoft.com/office/drawing/2014/main" id="{29C52A15-D948-2E4D-A453-929ABD17C398}"/>
+              </a:ext>
+            </a:extLst>
+          </p:cNvPr>
+          <p:cNvSpPr txBox="1"/>
+          <p:nvPr/>
+        </p:nvSpPr>
+        <p:spPr>
+          <a:xfrm>
+            <a:off x="4195839" y="3769498"/>
+            <a:ext cx="1191690" cy="369332"/>
+          </a:xfrm>
+          <a:prstGeom prst="rect">
+            <a:avLst/>
+          </a:prstGeom>
+          <a:noFill/>
+        </p:spPr>
+        <p:txBody>
+          <a:bodyPr wrap="square" rtlCol="0">
+            <a:spAutoFit/>
+          </a:bodyPr>
+          <a:lstStyle/>
+          <a:p>
+            <a:r>
+              <a:rPr lang="en-US" dirty="0">
+                <a:latin typeface="Arial" panose="020B0604020202020204" pitchFamily="34" charset="0"/>
+                <a:cs typeface="Arial" panose="020B0604020202020204" pitchFamily="34" charset="0"/>
+              </a:rPr>
+              <a:t>-0.002</a:t>
+            </a:r>
+          </a:p>
+        </p:txBody>
+      </p:sp>
     </p:spTree>
     <p:extLst>
       <p:ext uri="{BB962C8B-B14F-4D97-AF65-F5344CB8AC3E}">
-        <p14:creationId xmlns:p14="http://schemas.microsoft.com/office/powerpoint/2010/main" val="1749384182"/>
+        <p14:creationId xmlns:p14="http://schemas.microsoft.com/office/powerpoint/2010/main" val="128356054"/>
       </p:ext>
     </p:extLst>
   </p:cSld>
@@ -10856,156 +14416,12 @@
           <a:chExt cx="0" cy="0"/>
         </a:xfrm>
       </p:grpSpPr>
-      <p:pic>
-        <p:nvPicPr>
-          <p:cNvPr id="3" name="Picture 2" descr="Map&#10;&#10;Description automatically generated">
-            <a:extLst>
-              <a:ext uri="{FF2B5EF4-FFF2-40B4-BE49-F238E27FC236}">
-                <a16:creationId xmlns:a16="http://schemas.microsoft.com/office/drawing/2014/main" id="{75BEBD68-FAAC-D043-8AB4-D9BC94C8FF21}"/>
-              </a:ext>
-            </a:extLst>
-          </p:cNvPr>
-          <p:cNvPicPr>
-            <a:picLocks noChangeAspect="1"/>
-          </p:cNvPicPr>
-          <p:nvPr/>
-        </p:nvPicPr>
-        <p:blipFill>
-          <a:blip r:embed="rId2"/>
-          <a:stretch>
-            <a:fillRect/>
-          </a:stretch>
-        </p:blipFill>
-        <p:spPr>
-          <a:xfrm>
-            <a:off x="38100" y="452887"/>
-            <a:ext cx="12192000" cy="5952226"/>
-          </a:xfrm>
-          <a:prstGeom prst="rect">
-            <a:avLst/>
-          </a:prstGeom>
-        </p:spPr>
-      </p:pic>
-      <p:sp>
-        <p:nvSpPr>
-          <p:cNvPr id="4" name="TextBox 3">
-            <a:extLst>
-              <a:ext uri="{FF2B5EF4-FFF2-40B4-BE49-F238E27FC236}">
-                <a16:creationId xmlns:a16="http://schemas.microsoft.com/office/drawing/2014/main" id="{03803094-A6EA-184E-9DA0-2EC59811DAD9}"/>
-              </a:ext>
-            </a:extLst>
-          </p:cNvPr>
-          <p:cNvSpPr txBox="1"/>
-          <p:nvPr/>
-        </p:nvSpPr>
-        <p:spPr>
-          <a:xfrm>
-            <a:off x="1859694" y="4929204"/>
-            <a:ext cx="1705231" cy="307777"/>
-          </a:xfrm>
-          <a:prstGeom prst="rect">
-            <a:avLst/>
-          </a:prstGeom>
-          <a:noFill/>
-        </p:spPr>
-        <p:txBody>
-          <a:bodyPr wrap="square" rtlCol="0">
-            <a:spAutoFit/>
-          </a:bodyPr>
-          <a:lstStyle/>
-          <a:p>
-            <a:r>
-              <a:rPr lang="en-US" sz="1400" b="1" dirty="0">
-                <a:latin typeface="Arial" panose="020B0604020202020204" pitchFamily="34" charset="0"/>
-                <a:cs typeface="Arial" panose="020B0604020202020204" pitchFamily="34" charset="0"/>
-              </a:rPr>
-              <a:t>Range occupancy</a:t>
-            </a:r>
-          </a:p>
-        </p:txBody>
-      </p:sp>
-      <p:sp>
-        <p:nvSpPr>
-          <p:cNvPr id="5" name="TextBox 4">
-            <a:extLst>
-              <a:ext uri="{FF2B5EF4-FFF2-40B4-BE49-F238E27FC236}">
-                <a16:creationId xmlns:a16="http://schemas.microsoft.com/office/drawing/2014/main" id="{DC96EBDF-E240-194F-843C-CCCFBCE93928}"/>
-              </a:ext>
-            </a:extLst>
-          </p:cNvPr>
-          <p:cNvSpPr txBox="1"/>
-          <p:nvPr/>
-        </p:nvSpPr>
-        <p:spPr>
-          <a:xfrm>
-            <a:off x="1686466" y="5121433"/>
-            <a:ext cx="605480" cy="292388"/>
-          </a:xfrm>
-          <a:prstGeom prst="rect">
-            <a:avLst/>
-          </a:prstGeom>
-          <a:noFill/>
-        </p:spPr>
-        <p:txBody>
-          <a:bodyPr wrap="square" rtlCol="0">
-            <a:spAutoFit/>
-          </a:bodyPr>
-          <a:lstStyle/>
-          <a:p>
-            <a:r>
-              <a:rPr lang="en-US" sz="1300" dirty="0">
-                <a:latin typeface="Arial" panose="020B0604020202020204" pitchFamily="34" charset="0"/>
-                <a:cs typeface="Arial" panose="020B0604020202020204" pitchFamily="34" charset="0"/>
-              </a:rPr>
-              <a:t>Early</a:t>
-            </a:r>
-          </a:p>
-        </p:txBody>
-      </p:sp>
-      <p:sp>
-        <p:nvSpPr>
-          <p:cNvPr id="6" name="TextBox 5">
-            <a:extLst>
-              <a:ext uri="{FF2B5EF4-FFF2-40B4-BE49-F238E27FC236}">
-                <a16:creationId xmlns:a16="http://schemas.microsoft.com/office/drawing/2014/main" id="{84E88B88-3A7E-B247-9A09-7FB50ADAAAC0}"/>
-              </a:ext>
-            </a:extLst>
-          </p:cNvPr>
-          <p:cNvSpPr txBox="1"/>
-          <p:nvPr/>
-        </p:nvSpPr>
-        <p:spPr>
-          <a:xfrm>
-            <a:off x="3105492" y="5121433"/>
-            <a:ext cx="605480" cy="292388"/>
-          </a:xfrm>
-          <a:prstGeom prst="rect">
-            <a:avLst/>
-          </a:prstGeom>
-          <a:noFill/>
-        </p:spPr>
-        <p:txBody>
-          <a:bodyPr wrap="square" rtlCol="0">
-            <a:spAutoFit/>
-          </a:bodyPr>
-          <a:lstStyle/>
-          <a:p>
-            <a:r>
-              <a:rPr lang="en-US" sz="1300" dirty="0">
-                <a:latin typeface="Arial" panose="020B0604020202020204" pitchFamily="34" charset="0"/>
-                <a:cs typeface="Arial" panose="020B0604020202020204" pitchFamily="34" charset="0"/>
-              </a:rPr>
-              <a:t>Late</a:t>
-            </a:r>
-          </a:p>
-        </p:txBody>
-      </p:sp>
-      <p:sp>
-        <p:nvSpPr>
-          <p:cNvPr id="7" name="Oval 6">
-            <a:extLst>
-              <a:ext uri="{FF2B5EF4-FFF2-40B4-BE49-F238E27FC236}">
-                <a16:creationId xmlns:a16="http://schemas.microsoft.com/office/drawing/2014/main" id="{6A71DE0B-AA28-6347-BB3F-9BCF4528910A}"/>
+      <p:sp>
+        <p:nvSpPr>
+          <p:cNvPr id="16" name="Oval 15">
+            <a:extLst>
+              <a:ext uri="{FF2B5EF4-FFF2-40B4-BE49-F238E27FC236}">
+                <a16:creationId xmlns:a16="http://schemas.microsoft.com/office/drawing/2014/main" id="{D3A9B734-5CD6-0346-BB13-FFCD7B9319B6}"/>
               </a:ext>
             </a:extLst>
           </p:cNvPr>
@@ -11014,17 +14430,21 @@
         </p:nvSpPr>
         <p:spPr>
           <a:xfrm>
-            <a:off x="1791129" y="5559336"/>
-            <a:ext cx="166814" cy="160638"/>
+            <a:off x="3258293" y="1696686"/>
+            <a:ext cx="2604654" cy="2740232"/>
           </a:xfrm>
           <a:prstGeom prst="ellipse">
             <a:avLst/>
           </a:prstGeom>
           <a:solidFill>
-            <a:srgbClr val="7470B3"/>
+            <a:srgbClr val="D883FF">
+              <a:alpha val="50196"/>
+            </a:srgbClr>
           </a:solidFill>
           <a:ln>
-            <a:noFill/>
+            <a:solidFill>
+              <a:schemeClr val="tx1"/>
+            </a:solidFill>
           </a:ln>
         </p:spPr>
         <p:style>
@@ -11054,10 +14474,10 @@
       </p:sp>
       <p:sp>
         <p:nvSpPr>
-          <p:cNvPr id="8" name="Oval 7">
-            <a:extLst>
-              <a:ext uri="{FF2B5EF4-FFF2-40B4-BE49-F238E27FC236}">
-                <a16:creationId xmlns:a16="http://schemas.microsoft.com/office/drawing/2014/main" id="{48EF6874-8F47-154D-B10A-366276BA1B00}"/>
+          <p:cNvPr id="17" name="Oval 16">
+            <a:extLst>
+              <a:ext uri="{FF2B5EF4-FFF2-40B4-BE49-F238E27FC236}">
+                <a16:creationId xmlns:a16="http://schemas.microsoft.com/office/drawing/2014/main" id="{5B84AC04-C576-984A-956E-3BEF13835382}"/>
               </a:ext>
             </a:extLst>
           </p:cNvPr>
@@ -11066,17 +14486,21 @@
         </p:nvSpPr>
         <p:spPr>
           <a:xfrm>
-            <a:off x="1975579" y="5559281"/>
-            <a:ext cx="166814" cy="160638"/>
+            <a:off x="4813888" y="1775688"/>
+            <a:ext cx="2825868" cy="2835859"/>
           </a:xfrm>
           <a:prstGeom prst="ellipse">
             <a:avLst/>
           </a:prstGeom>
           <a:solidFill>
-            <a:srgbClr val="1A9F77"/>
+            <a:srgbClr val="76D6FF">
+              <a:alpha val="50196"/>
+            </a:srgbClr>
           </a:solidFill>
           <a:ln>
-            <a:noFill/>
+            <a:solidFill>
+              <a:schemeClr val="tx1"/>
+            </a:solidFill>
           </a:ln>
         </p:spPr>
         <p:style>
@@ -11106,10 +14530,10 @@
       </p:sp>
       <p:sp>
         <p:nvSpPr>
-          <p:cNvPr id="9" name="Oval 8">
-            <a:extLst>
-              <a:ext uri="{FF2B5EF4-FFF2-40B4-BE49-F238E27FC236}">
-                <a16:creationId xmlns:a16="http://schemas.microsoft.com/office/drawing/2014/main" id="{B10A70DC-D1B9-5E47-96B5-BF936CA1E21D}"/>
+          <p:cNvPr id="18" name="Oval 17">
+            <a:extLst>
+              <a:ext uri="{FF2B5EF4-FFF2-40B4-BE49-F238E27FC236}">
+                <a16:creationId xmlns:a16="http://schemas.microsoft.com/office/drawing/2014/main" id="{74672F33-6D1B-4C41-A681-D01F0F267F3B}"/>
               </a:ext>
             </a:extLst>
           </p:cNvPr>
@@ -11118,17 +14542,21 @@
         </p:nvSpPr>
         <p:spPr>
           <a:xfrm>
-            <a:off x="1603718" y="5559281"/>
-            <a:ext cx="166814" cy="160638"/>
+            <a:off x="3956507" y="3097417"/>
+            <a:ext cx="2634190" cy="2687655"/>
           </a:xfrm>
           <a:prstGeom prst="ellipse">
             <a:avLst/>
           </a:prstGeom>
           <a:solidFill>
-            <a:srgbClr val="DA5F01"/>
+            <a:srgbClr val="4E8F00">
+              <a:alpha val="50196"/>
+            </a:srgbClr>
           </a:solidFill>
           <a:ln>
-            <a:noFill/>
+            <a:solidFill>
+              <a:schemeClr val="tx1"/>
+            </a:solidFill>
           </a:ln>
         </p:spPr>
         <p:style>
@@ -11158,493 +14586,538 @@
       </p:sp>
       <p:sp>
         <p:nvSpPr>
-          <p:cNvPr id="10" name="Oval 9">
-            <a:extLst>
-              <a:ext uri="{FF2B5EF4-FFF2-40B4-BE49-F238E27FC236}">
-                <a16:creationId xmlns:a16="http://schemas.microsoft.com/office/drawing/2014/main" id="{6FE2BF56-FD27-174D-AABC-DBE311ADB30E}"/>
-              </a:ext>
-            </a:extLst>
-          </p:cNvPr>
-          <p:cNvSpPr/>
-          <p:nvPr/>
-        </p:nvSpPr>
-        <p:spPr>
-          <a:xfrm>
-            <a:off x="1978540" y="5370515"/>
-            <a:ext cx="166814" cy="160638"/>
-          </a:xfrm>
-          <a:prstGeom prst="ellipse">
-            <a:avLst/>
-          </a:prstGeom>
-          <a:solidFill>
-            <a:srgbClr val="DA5F01"/>
-          </a:solidFill>
-          <a:ln>
-            <a:noFill/>
-          </a:ln>
-        </p:spPr>
-        <p:style>
-          <a:lnRef idx="2">
-            <a:schemeClr val="accent1">
-              <a:shade val="50000"/>
-            </a:schemeClr>
-          </a:lnRef>
-          <a:fillRef idx="1">
-            <a:schemeClr val="accent1"/>
-          </a:fillRef>
-          <a:effectRef idx="0">
-            <a:schemeClr val="accent1"/>
-          </a:effectRef>
-          <a:fontRef idx="minor">
-            <a:schemeClr val="lt1"/>
-          </a:fontRef>
-        </p:style>
-        <p:txBody>
-          <a:bodyPr rtlCol="0" anchor="ctr"/>
+          <p:cNvPr id="5" name="TextBox 4">
+            <a:extLst>
+              <a:ext uri="{FF2B5EF4-FFF2-40B4-BE49-F238E27FC236}">
+                <a16:creationId xmlns:a16="http://schemas.microsoft.com/office/drawing/2014/main" id="{468C6069-BA96-9E40-8437-18F5A8D5A767}"/>
+              </a:ext>
+            </a:extLst>
+          </p:cNvPr>
+          <p:cNvSpPr txBox="1"/>
+          <p:nvPr/>
+        </p:nvSpPr>
+        <p:spPr>
+          <a:xfrm>
+            <a:off x="5710796" y="2503246"/>
+            <a:ext cx="1840675" cy="646331"/>
+          </a:xfrm>
+          <a:prstGeom prst="rect">
+            <a:avLst/>
+          </a:prstGeom>
+          <a:noFill/>
+        </p:spPr>
+        <p:txBody>
+          <a:bodyPr wrap="square" rtlCol="0">
+            <a:spAutoFit/>
+          </a:bodyPr>
           <a:lstStyle/>
           <a:p>
             <a:pPr algn="ctr"/>
-            <a:endParaRPr lang="en-US"/>
-          </a:p>
-        </p:txBody>
-      </p:sp>
-      <p:sp>
-        <p:nvSpPr>
-          <p:cNvPr id="11" name="Oval 10">
-            <a:extLst>
-              <a:ext uri="{FF2B5EF4-FFF2-40B4-BE49-F238E27FC236}">
-                <a16:creationId xmlns:a16="http://schemas.microsoft.com/office/drawing/2014/main" id="{5C1CAE97-1507-5641-B0D0-739738525F22}"/>
-              </a:ext>
-            </a:extLst>
-          </p:cNvPr>
-          <p:cNvSpPr/>
-          <p:nvPr/>
-        </p:nvSpPr>
-        <p:spPr>
-          <a:xfrm>
-            <a:off x="1791129" y="5371734"/>
-            <a:ext cx="166814" cy="160638"/>
-          </a:xfrm>
-          <a:prstGeom prst="ellipse">
-            <a:avLst/>
-          </a:prstGeom>
-          <a:solidFill>
-            <a:srgbClr val="1A9F77"/>
-          </a:solidFill>
-          <a:ln>
-            <a:noFill/>
-          </a:ln>
-        </p:spPr>
-        <p:style>
-          <a:lnRef idx="2">
-            <a:schemeClr val="accent1">
-              <a:shade val="50000"/>
-            </a:schemeClr>
-          </a:lnRef>
-          <a:fillRef idx="1">
-            <a:schemeClr val="accent1"/>
-          </a:fillRef>
-          <a:effectRef idx="0">
-            <a:schemeClr val="accent1"/>
-          </a:effectRef>
-          <a:fontRef idx="minor">
-            <a:schemeClr val="lt1"/>
-          </a:fontRef>
-        </p:style>
-        <p:txBody>
-          <a:bodyPr rtlCol="0" anchor="ctr"/>
+            <a:r>
+              <a:rPr lang="en-US" dirty="0">
+                <a:latin typeface="Arial" panose="020B0604020202020204" pitchFamily="34" charset="0"/>
+                <a:cs typeface="Arial" panose="020B0604020202020204" pitchFamily="34" charset="0"/>
+              </a:rPr>
+              <a:t>Habitat niche breadth</a:t>
+            </a:r>
+          </a:p>
+        </p:txBody>
+      </p:sp>
+      <p:sp>
+        <p:nvSpPr>
+          <p:cNvPr id="6" name="TextBox 5">
+            <a:extLst>
+              <a:ext uri="{FF2B5EF4-FFF2-40B4-BE49-F238E27FC236}">
+                <a16:creationId xmlns:a16="http://schemas.microsoft.com/office/drawing/2014/main" id="{AA65B116-EA42-DE4A-AFA1-1F5F883DF204}"/>
+              </a:ext>
+            </a:extLst>
+          </p:cNvPr>
+          <p:cNvSpPr txBox="1"/>
+          <p:nvPr/>
+        </p:nvSpPr>
+        <p:spPr>
+          <a:xfrm>
+            <a:off x="4425756" y="4750488"/>
+            <a:ext cx="1840675" cy="369332"/>
+          </a:xfrm>
+          <a:prstGeom prst="rect">
+            <a:avLst/>
+          </a:prstGeom>
+          <a:noFill/>
+        </p:spPr>
+        <p:txBody>
+          <a:bodyPr wrap="square" rtlCol="0">
+            <a:spAutoFit/>
+          </a:bodyPr>
+          <a:lstStyle/>
+          <a:p>
+            <a:r>
+              <a:rPr lang="en-US" dirty="0">
+                <a:latin typeface="Arial" panose="020B0604020202020204" pitchFamily="34" charset="0"/>
+                <a:cs typeface="Arial" panose="020B0604020202020204" pitchFamily="34" charset="0"/>
+              </a:rPr>
+              <a:t>Body size</a:t>
+            </a:r>
+          </a:p>
+        </p:txBody>
+      </p:sp>
+      <p:sp>
+        <p:nvSpPr>
+          <p:cNvPr id="7" name="TextBox 6">
+            <a:extLst>
+              <a:ext uri="{FF2B5EF4-FFF2-40B4-BE49-F238E27FC236}">
+                <a16:creationId xmlns:a16="http://schemas.microsoft.com/office/drawing/2014/main" id="{A72E2609-B025-0840-BB63-D989569E86F1}"/>
+              </a:ext>
+            </a:extLst>
+          </p:cNvPr>
+          <p:cNvSpPr txBox="1"/>
+          <p:nvPr/>
+        </p:nvSpPr>
+        <p:spPr>
+          <a:xfrm>
+            <a:off x="3564576" y="2201393"/>
+            <a:ext cx="1173680" cy="646331"/>
+          </a:xfrm>
+          <a:prstGeom prst="rect">
+            <a:avLst/>
+          </a:prstGeom>
+          <a:noFill/>
+        </p:spPr>
+        <p:txBody>
+          <a:bodyPr wrap="square" rtlCol="0">
+            <a:spAutoFit/>
+          </a:bodyPr>
           <a:lstStyle/>
           <a:p>
             <a:pPr algn="ctr"/>
-            <a:endParaRPr lang="en-US"/>
-          </a:p>
-        </p:txBody>
-      </p:sp>
-      <p:sp>
-        <p:nvSpPr>
-          <p:cNvPr id="12" name="Oval 11">
-            <a:extLst>
-              <a:ext uri="{FF2B5EF4-FFF2-40B4-BE49-F238E27FC236}">
-                <a16:creationId xmlns:a16="http://schemas.microsoft.com/office/drawing/2014/main" id="{7AD4053F-4162-1441-BC9E-548DB4E5AD6F}"/>
-              </a:ext>
-            </a:extLst>
-          </p:cNvPr>
-          <p:cNvSpPr/>
-          <p:nvPr/>
-        </p:nvSpPr>
-        <p:spPr>
-          <a:xfrm>
-            <a:off x="2160029" y="5564567"/>
-            <a:ext cx="166814" cy="160638"/>
-          </a:xfrm>
-          <a:prstGeom prst="ellipse">
+            <a:r>
+              <a:rPr lang="en-US" dirty="0">
+                <a:latin typeface="Arial" panose="020B0604020202020204" pitchFamily="34" charset="0"/>
+                <a:cs typeface="Arial" panose="020B0604020202020204" pitchFamily="34" charset="0"/>
+              </a:rPr>
+              <a:t>Migratory distance</a:t>
+            </a:r>
+          </a:p>
+        </p:txBody>
+      </p:sp>
+      <p:sp>
+        <p:nvSpPr>
+          <p:cNvPr id="9" name="TextBox 8">
+            <a:extLst>
+              <a:ext uri="{FF2B5EF4-FFF2-40B4-BE49-F238E27FC236}">
+                <a16:creationId xmlns:a16="http://schemas.microsoft.com/office/drawing/2014/main" id="{1E601120-75B5-5749-850E-37BB69F4F026}"/>
+              </a:ext>
+            </a:extLst>
+          </p:cNvPr>
+          <p:cNvSpPr txBox="1"/>
+          <p:nvPr/>
+        </p:nvSpPr>
+        <p:spPr>
+          <a:xfrm>
+            <a:off x="6342956" y="3104457"/>
+            <a:ext cx="1191690" cy="369332"/>
+          </a:xfrm>
+          <a:prstGeom prst="rect">
             <a:avLst/>
           </a:prstGeom>
           <a:noFill/>
-          <a:ln>
-            <a:solidFill>
-              <a:srgbClr val="E82187"/>
-            </a:solidFill>
-          </a:ln>
-        </p:spPr>
-        <p:style>
-          <a:lnRef idx="2">
-            <a:schemeClr val="accent1">
-              <a:shade val="50000"/>
-            </a:schemeClr>
-          </a:lnRef>
-          <a:fillRef idx="1">
-            <a:schemeClr val="accent1"/>
-          </a:fillRef>
-          <a:effectRef idx="0">
-            <a:schemeClr val="accent1"/>
-          </a:effectRef>
-          <a:fontRef idx="minor">
-            <a:schemeClr val="lt1"/>
-          </a:fontRef>
-        </p:style>
-        <p:txBody>
-          <a:bodyPr rtlCol="0" anchor="ctr"/>
-          <a:lstStyle/>
-          <a:p>
-            <a:pPr algn="ctr"/>
-            <a:endParaRPr lang="en-US"/>
-          </a:p>
-        </p:txBody>
-      </p:sp>
-      <p:sp>
-        <p:nvSpPr>
-          <p:cNvPr id="13" name="Oval 12">
-            <a:extLst>
-              <a:ext uri="{FF2B5EF4-FFF2-40B4-BE49-F238E27FC236}">
-                <a16:creationId xmlns:a16="http://schemas.microsoft.com/office/drawing/2014/main" id="{915AD0ED-DA0A-9B49-A47B-1C7F3027C553}"/>
-              </a:ext>
-            </a:extLst>
-          </p:cNvPr>
-          <p:cNvSpPr/>
-          <p:nvPr/>
-        </p:nvSpPr>
-        <p:spPr>
-          <a:xfrm>
-            <a:off x="3194004" y="5558051"/>
-            <a:ext cx="166814" cy="160638"/>
-          </a:xfrm>
-          <a:prstGeom prst="ellipse">
-            <a:avLst/>
-          </a:prstGeom>
-          <a:solidFill>
-            <a:srgbClr val="7470B3"/>
-          </a:solidFill>
-          <a:ln>
-            <a:noFill/>
-          </a:ln>
-        </p:spPr>
-        <p:style>
-          <a:lnRef idx="2">
-            <a:schemeClr val="accent1">
-              <a:shade val="50000"/>
-            </a:schemeClr>
-          </a:lnRef>
-          <a:fillRef idx="1">
-            <a:schemeClr val="accent1"/>
-          </a:fillRef>
-          <a:effectRef idx="0">
-            <a:schemeClr val="accent1"/>
-          </a:effectRef>
-          <a:fontRef idx="minor">
-            <a:schemeClr val="lt1"/>
-          </a:fontRef>
-        </p:style>
-        <p:txBody>
-          <a:bodyPr rtlCol="0" anchor="ctr"/>
-          <a:lstStyle/>
-          <a:p>
-            <a:pPr algn="ctr"/>
-            <a:endParaRPr lang="en-US"/>
-          </a:p>
-        </p:txBody>
-      </p:sp>
-      <p:sp>
-        <p:nvSpPr>
-          <p:cNvPr id="14" name="Oval 13">
-            <a:extLst>
-              <a:ext uri="{FF2B5EF4-FFF2-40B4-BE49-F238E27FC236}">
-                <a16:creationId xmlns:a16="http://schemas.microsoft.com/office/drawing/2014/main" id="{4C18C05D-A839-B848-B227-69D6C5F0744C}"/>
-              </a:ext>
-            </a:extLst>
-          </p:cNvPr>
-          <p:cNvSpPr/>
-          <p:nvPr/>
-        </p:nvSpPr>
-        <p:spPr>
-          <a:xfrm>
-            <a:off x="3381415" y="5560135"/>
-            <a:ext cx="166814" cy="160638"/>
-          </a:xfrm>
-          <a:prstGeom prst="ellipse">
-            <a:avLst/>
-          </a:prstGeom>
-          <a:solidFill>
-            <a:srgbClr val="1A9F77"/>
-          </a:solidFill>
-          <a:ln>
-            <a:noFill/>
-          </a:ln>
-        </p:spPr>
-        <p:style>
-          <a:lnRef idx="2">
-            <a:schemeClr val="accent1">
-              <a:shade val="50000"/>
-            </a:schemeClr>
-          </a:lnRef>
-          <a:fillRef idx="1">
-            <a:schemeClr val="accent1"/>
-          </a:fillRef>
-          <a:effectRef idx="0">
-            <a:schemeClr val="accent1"/>
-          </a:effectRef>
-          <a:fontRef idx="minor">
-            <a:schemeClr val="lt1"/>
-          </a:fontRef>
-        </p:style>
-        <p:txBody>
-          <a:bodyPr rtlCol="0" anchor="ctr"/>
-          <a:lstStyle/>
-          <a:p>
-            <a:pPr algn="ctr"/>
-            <a:endParaRPr lang="en-US"/>
-          </a:p>
-        </p:txBody>
-      </p:sp>
-      <p:sp>
-        <p:nvSpPr>
-          <p:cNvPr id="15" name="Oval 14">
-            <a:extLst>
-              <a:ext uri="{FF2B5EF4-FFF2-40B4-BE49-F238E27FC236}">
-                <a16:creationId xmlns:a16="http://schemas.microsoft.com/office/drawing/2014/main" id="{0FD3C64E-FB15-9B41-8408-6C757DE63395}"/>
-              </a:ext>
-            </a:extLst>
-          </p:cNvPr>
-          <p:cNvSpPr/>
-          <p:nvPr/>
-        </p:nvSpPr>
-        <p:spPr>
-          <a:xfrm>
-            <a:off x="3006593" y="5559281"/>
-            <a:ext cx="166814" cy="160638"/>
-          </a:xfrm>
-          <a:prstGeom prst="ellipse">
-            <a:avLst/>
-          </a:prstGeom>
-          <a:solidFill>
-            <a:srgbClr val="DA5F01"/>
-          </a:solidFill>
-          <a:ln>
-            <a:noFill/>
-          </a:ln>
-        </p:spPr>
-        <p:style>
-          <a:lnRef idx="2">
-            <a:schemeClr val="accent1">
-              <a:shade val="50000"/>
-            </a:schemeClr>
-          </a:lnRef>
-          <a:fillRef idx="1">
-            <a:schemeClr val="accent1"/>
-          </a:fillRef>
-          <a:effectRef idx="0">
-            <a:schemeClr val="accent1"/>
-          </a:effectRef>
-          <a:fontRef idx="minor">
-            <a:schemeClr val="lt1"/>
-          </a:fontRef>
-        </p:style>
-        <p:txBody>
-          <a:bodyPr rtlCol="0" anchor="ctr"/>
-          <a:lstStyle/>
-          <a:p>
-            <a:pPr algn="ctr"/>
-            <a:endParaRPr lang="en-US"/>
-          </a:p>
-        </p:txBody>
-      </p:sp>
-      <p:sp>
-        <p:nvSpPr>
-          <p:cNvPr id="16" name="Oval 15">
-            <a:extLst>
-              <a:ext uri="{FF2B5EF4-FFF2-40B4-BE49-F238E27FC236}">
-                <a16:creationId xmlns:a16="http://schemas.microsoft.com/office/drawing/2014/main" id="{8E1EC89F-B4D5-3C49-81FC-6B88519C50B0}"/>
-              </a:ext>
-            </a:extLst>
-          </p:cNvPr>
-          <p:cNvSpPr/>
-          <p:nvPr/>
-        </p:nvSpPr>
-        <p:spPr>
-          <a:xfrm>
-            <a:off x="3381415" y="5369230"/>
-            <a:ext cx="166814" cy="160638"/>
-          </a:xfrm>
-          <a:prstGeom prst="ellipse">
-            <a:avLst/>
-          </a:prstGeom>
-          <a:solidFill>
-            <a:srgbClr val="7470B3"/>
-          </a:solidFill>
-          <a:ln>
-            <a:noFill/>
-          </a:ln>
-        </p:spPr>
-        <p:style>
-          <a:lnRef idx="2">
-            <a:schemeClr val="accent1">
-              <a:shade val="50000"/>
-            </a:schemeClr>
-          </a:lnRef>
-          <a:fillRef idx="1">
-            <a:schemeClr val="accent1"/>
-          </a:fillRef>
-          <a:effectRef idx="0">
-            <a:schemeClr val="accent1"/>
-          </a:effectRef>
-          <a:fontRef idx="minor">
-            <a:schemeClr val="lt1"/>
-          </a:fontRef>
-        </p:style>
-        <p:txBody>
-          <a:bodyPr rtlCol="0" anchor="ctr"/>
-          <a:lstStyle/>
-          <a:p>
-            <a:pPr algn="ctr"/>
-            <a:endParaRPr lang="en-US"/>
-          </a:p>
-        </p:txBody>
-      </p:sp>
-      <p:sp>
-        <p:nvSpPr>
-          <p:cNvPr id="17" name="Oval 16">
-            <a:extLst>
-              <a:ext uri="{FF2B5EF4-FFF2-40B4-BE49-F238E27FC236}">
-                <a16:creationId xmlns:a16="http://schemas.microsoft.com/office/drawing/2014/main" id="{2DEB3AE1-05E1-2B46-AA71-BE21D4538DAC}"/>
-              </a:ext>
-            </a:extLst>
-          </p:cNvPr>
-          <p:cNvSpPr/>
-          <p:nvPr/>
-        </p:nvSpPr>
-        <p:spPr>
-          <a:xfrm>
-            <a:off x="3194004" y="5370449"/>
-            <a:ext cx="166814" cy="160638"/>
-          </a:xfrm>
-          <a:prstGeom prst="ellipse">
-            <a:avLst/>
-          </a:prstGeom>
-          <a:solidFill>
-            <a:srgbClr val="1A9F77"/>
-          </a:solidFill>
-          <a:ln>
-            <a:noFill/>
-          </a:ln>
-        </p:spPr>
-        <p:style>
-          <a:lnRef idx="2">
-            <a:schemeClr val="accent1">
-              <a:shade val="50000"/>
-            </a:schemeClr>
-          </a:lnRef>
-          <a:fillRef idx="1">
-            <a:schemeClr val="accent1"/>
-          </a:fillRef>
-          <a:effectRef idx="0">
-            <a:schemeClr val="accent1"/>
-          </a:effectRef>
-          <a:fontRef idx="minor">
-            <a:schemeClr val="lt1"/>
-          </a:fontRef>
-        </p:style>
-        <p:txBody>
-          <a:bodyPr rtlCol="0" anchor="ctr"/>
-          <a:lstStyle/>
-          <a:p>
-            <a:pPr algn="ctr"/>
-            <a:endParaRPr lang="en-US"/>
-          </a:p>
-        </p:txBody>
-      </p:sp>
-      <p:sp>
-        <p:nvSpPr>
-          <p:cNvPr id="18" name="Oval 17">
-            <a:extLst>
-              <a:ext uri="{FF2B5EF4-FFF2-40B4-BE49-F238E27FC236}">
-                <a16:creationId xmlns:a16="http://schemas.microsoft.com/office/drawing/2014/main" id="{E2028E4F-6D97-274A-9F2B-E6126EF9FF44}"/>
-              </a:ext>
-            </a:extLst>
-          </p:cNvPr>
-          <p:cNvSpPr/>
-          <p:nvPr/>
-        </p:nvSpPr>
-        <p:spPr>
-          <a:xfrm>
-            <a:off x="3565865" y="5557281"/>
-            <a:ext cx="166814" cy="160638"/>
-          </a:xfrm>
-          <a:prstGeom prst="ellipse">
+        </p:spPr>
+        <p:txBody>
+          <a:bodyPr wrap="square" rtlCol="0">
+            <a:spAutoFit/>
+          </a:bodyPr>
+          <a:lstStyle/>
+          <a:p>
+            <a:r>
+              <a:rPr lang="en-US" dirty="0">
+                <a:latin typeface="Arial" panose="020B0604020202020204" pitchFamily="34" charset="0"/>
+                <a:cs typeface="Arial" panose="020B0604020202020204" pitchFamily="34" charset="0"/>
+              </a:rPr>
+              <a:t>0.034</a:t>
+            </a:r>
+          </a:p>
+        </p:txBody>
+      </p:sp>
+      <p:sp>
+        <p:nvSpPr>
+          <p:cNvPr id="10" name="TextBox 9">
+            <a:extLst>
+              <a:ext uri="{FF2B5EF4-FFF2-40B4-BE49-F238E27FC236}">
+                <a16:creationId xmlns:a16="http://schemas.microsoft.com/office/drawing/2014/main" id="{0D888F98-CF7C-0346-818A-B2A92BCEBF31}"/>
+              </a:ext>
+            </a:extLst>
+          </p:cNvPr>
+          <p:cNvSpPr txBox="1"/>
+          <p:nvPr/>
+        </p:nvSpPr>
+        <p:spPr>
+          <a:xfrm>
+            <a:off x="3820892" y="2821299"/>
+            <a:ext cx="1191690" cy="369332"/>
+          </a:xfrm>
+          <a:prstGeom prst="rect">
             <a:avLst/>
           </a:prstGeom>
           <a:noFill/>
-          <a:ln>
-            <a:solidFill>
-              <a:srgbClr val="E82187"/>
-            </a:solidFill>
-          </a:ln>
-        </p:spPr>
-        <p:style>
-          <a:lnRef idx="2">
-            <a:schemeClr val="accent1">
-              <a:shade val="50000"/>
-            </a:schemeClr>
-          </a:lnRef>
-          <a:fillRef idx="1">
-            <a:schemeClr val="accent1"/>
-          </a:fillRef>
-          <a:effectRef idx="0">
-            <a:schemeClr val="accent1"/>
-          </a:effectRef>
-          <a:fontRef idx="minor">
-            <a:schemeClr val="lt1"/>
-          </a:fontRef>
-        </p:style>
-        <p:txBody>
-          <a:bodyPr rtlCol="0" anchor="ctr"/>
-          <a:lstStyle/>
-          <a:p>
-            <a:pPr algn="ctr"/>
-            <a:endParaRPr lang="en-US"/>
-          </a:p>
-        </p:txBody>
-      </p:sp>
+        </p:spPr>
+        <p:txBody>
+          <a:bodyPr wrap="square" rtlCol="0">
+            <a:spAutoFit/>
+          </a:bodyPr>
+          <a:lstStyle/>
+          <a:p>
+            <a:r>
+              <a:rPr lang="en-US" dirty="0">
+                <a:latin typeface="Arial" panose="020B0604020202020204" pitchFamily="34" charset="0"/>
+                <a:cs typeface="Arial" panose="020B0604020202020204" pitchFamily="34" charset="0"/>
+              </a:rPr>
+              <a:t>0.033</a:t>
+            </a:r>
+          </a:p>
+        </p:txBody>
+      </p:sp>
+      <p:sp>
+        <p:nvSpPr>
+          <p:cNvPr id="12" name="TextBox 11">
+            <a:extLst>
+              <a:ext uri="{FF2B5EF4-FFF2-40B4-BE49-F238E27FC236}">
+                <a16:creationId xmlns:a16="http://schemas.microsoft.com/office/drawing/2014/main" id="{635EA56D-DF4F-6F4A-A26E-A3B901D534A4}"/>
+              </a:ext>
+            </a:extLst>
+          </p:cNvPr>
+          <p:cNvSpPr txBox="1"/>
+          <p:nvPr/>
+        </p:nvSpPr>
+        <p:spPr>
+          <a:xfrm>
+            <a:off x="4560620" y="5064546"/>
+            <a:ext cx="1191690" cy="369332"/>
+          </a:xfrm>
+          <a:prstGeom prst="rect">
+            <a:avLst/>
+          </a:prstGeom>
+          <a:noFill/>
+        </p:spPr>
+        <p:txBody>
+          <a:bodyPr wrap="square" rtlCol="0">
+            <a:spAutoFit/>
+          </a:bodyPr>
+          <a:lstStyle/>
+          <a:p>
+            <a:r>
+              <a:rPr lang="en-US" dirty="0">
+                <a:latin typeface="Arial" panose="020B0604020202020204" pitchFamily="34" charset="0"/>
+                <a:cs typeface="Arial" panose="020B0604020202020204" pitchFamily="34" charset="0"/>
+              </a:rPr>
+              <a:t>-0.011</a:t>
+            </a:r>
+          </a:p>
+        </p:txBody>
+      </p:sp>
+      <p:sp>
+        <p:nvSpPr>
+          <p:cNvPr id="13" name="TextBox 12">
+            <a:extLst>
+              <a:ext uri="{FF2B5EF4-FFF2-40B4-BE49-F238E27FC236}">
+                <a16:creationId xmlns:a16="http://schemas.microsoft.com/office/drawing/2014/main" id="{1ABC6687-76B3-B042-A4FC-8BFFF12A1B71}"/>
+              </a:ext>
+            </a:extLst>
+          </p:cNvPr>
+          <p:cNvSpPr txBox="1"/>
+          <p:nvPr/>
+        </p:nvSpPr>
+        <p:spPr>
+          <a:xfrm>
+            <a:off x="6847107" y="5227058"/>
+            <a:ext cx="1698668" cy="369332"/>
+          </a:xfrm>
+          <a:prstGeom prst="rect">
+            <a:avLst/>
+          </a:prstGeom>
+          <a:noFill/>
+        </p:spPr>
+        <p:txBody>
+          <a:bodyPr wrap="square" rtlCol="0">
+            <a:spAutoFit/>
+          </a:bodyPr>
+          <a:lstStyle/>
+          <a:p>
+            <a:r>
+              <a:rPr lang="en-US" dirty="0">
+                <a:latin typeface="Arial" panose="020B0604020202020204" pitchFamily="34" charset="0"/>
+                <a:cs typeface="Arial" panose="020B0604020202020204" pitchFamily="34" charset="0"/>
+              </a:rPr>
+              <a:t>Total R</a:t>
+            </a:r>
+            <a:r>
+              <a:rPr lang="en-US" baseline="30000" dirty="0">
+                <a:latin typeface="Arial" panose="020B0604020202020204" pitchFamily="34" charset="0"/>
+                <a:cs typeface="Arial" panose="020B0604020202020204" pitchFamily="34" charset="0"/>
+              </a:rPr>
+              <a:t>2</a:t>
+            </a:r>
+            <a:r>
+              <a:rPr lang="en-US" dirty="0">
+                <a:latin typeface="Arial" panose="020B0604020202020204" pitchFamily="34" charset="0"/>
+                <a:cs typeface="Arial" panose="020B0604020202020204" pitchFamily="34" charset="0"/>
+              </a:rPr>
+              <a:t> = 0.09</a:t>
+            </a:r>
+          </a:p>
+        </p:txBody>
+      </p:sp>
+      <p:sp>
+        <p:nvSpPr>
+          <p:cNvPr id="14" name="TextBox 13">
+            <a:extLst>
+              <a:ext uri="{FF2B5EF4-FFF2-40B4-BE49-F238E27FC236}">
+                <a16:creationId xmlns:a16="http://schemas.microsoft.com/office/drawing/2014/main" id="{B2E904DA-61D3-5D47-AD47-932D13DDF817}"/>
+              </a:ext>
+            </a:extLst>
+          </p:cNvPr>
+          <p:cNvSpPr txBox="1"/>
+          <p:nvPr/>
+        </p:nvSpPr>
+        <p:spPr>
+          <a:xfrm>
+            <a:off x="3062569" y="853239"/>
+            <a:ext cx="2430234" cy="646331"/>
+          </a:xfrm>
+          <a:prstGeom prst="rect">
+            <a:avLst/>
+          </a:prstGeom>
+          <a:noFill/>
+        </p:spPr>
+        <p:txBody>
+          <a:bodyPr wrap="square" rtlCol="0">
+            <a:spAutoFit/>
+          </a:bodyPr>
+          <a:lstStyle/>
+          <a:p>
+            <a:r>
+              <a:rPr lang="en-US" dirty="0">
+                <a:latin typeface="Arial" panose="020B0604020202020204" pitchFamily="34" charset="0"/>
+                <a:cs typeface="Arial" panose="020B0604020202020204" pitchFamily="34" charset="0"/>
+              </a:rPr>
+              <a:t>Response: </a:t>
+            </a:r>
+          </a:p>
+          <a:p>
+            <a:r>
+              <a:rPr lang="en-US" dirty="0">
+                <a:latin typeface="Arial" panose="020B0604020202020204" pitchFamily="34" charset="0"/>
+                <a:cs typeface="Arial" panose="020B0604020202020204" pitchFamily="34" charset="0"/>
+              </a:rPr>
+              <a:t>Δ Range occupancy</a:t>
+            </a:r>
+          </a:p>
+        </p:txBody>
+      </p:sp>
+      <p:sp>
+        <p:nvSpPr>
+          <p:cNvPr id="15" name="TextBox 14">
+            <a:extLst>
+              <a:ext uri="{FF2B5EF4-FFF2-40B4-BE49-F238E27FC236}">
+                <a16:creationId xmlns:a16="http://schemas.microsoft.com/office/drawing/2014/main" id="{1BE283E6-FA2F-2649-9C5C-01F6B90E748E}"/>
+              </a:ext>
+            </a:extLst>
+          </p:cNvPr>
+          <p:cNvSpPr txBox="1"/>
+          <p:nvPr/>
+        </p:nvSpPr>
+        <p:spPr>
+          <a:xfrm>
+            <a:off x="5012582" y="3201737"/>
+            <a:ext cx="1191690" cy="369332"/>
+          </a:xfrm>
+          <a:prstGeom prst="rect">
+            <a:avLst/>
+          </a:prstGeom>
+          <a:noFill/>
+        </p:spPr>
+        <p:txBody>
+          <a:bodyPr wrap="square" rtlCol="0">
+            <a:spAutoFit/>
+          </a:bodyPr>
+          <a:lstStyle/>
+          <a:p>
+            <a:r>
+              <a:rPr lang="en-US" dirty="0">
+                <a:latin typeface="Arial" panose="020B0604020202020204" pitchFamily="34" charset="0"/>
+                <a:cs typeface="Arial" panose="020B0604020202020204" pitchFamily="34" charset="0"/>
+              </a:rPr>
+              <a:t>0.001</a:t>
+            </a:r>
+          </a:p>
+        </p:txBody>
+      </p:sp>
+      <p:sp>
+        <p:nvSpPr>
+          <p:cNvPr id="19" name="TextBox 18">
+            <a:extLst>
+              <a:ext uri="{FF2B5EF4-FFF2-40B4-BE49-F238E27FC236}">
+                <a16:creationId xmlns:a16="http://schemas.microsoft.com/office/drawing/2014/main" id="{D45C2AEA-599D-514D-99FC-0EEAC9E6C3A6}"/>
+              </a:ext>
+            </a:extLst>
+          </p:cNvPr>
+          <p:cNvSpPr txBox="1"/>
+          <p:nvPr/>
+        </p:nvSpPr>
+        <p:spPr>
+          <a:xfrm>
+            <a:off x="5747111" y="3996999"/>
+            <a:ext cx="1191690" cy="369332"/>
+          </a:xfrm>
+          <a:prstGeom prst="rect">
+            <a:avLst/>
+          </a:prstGeom>
+          <a:noFill/>
+        </p:spPr>
+        <p:txBody>
+          <a:bodyPr wrap="square" rtlCol="0">
+            <a:spAutoFit/>
+          </a:bodyPr>
+          <a:lstStyle/>
+          <a:p>
+            <a:r>
+              <a:rPr lang="en-US" dirty="0">
+                <a:latin typeface="Arial" panose="020B0604020202020204" pitchFamily="34" charset="0"/>
+                <a:cs typeface="Arial" panose="020B0604020202020204" pitchFamily="34" charset="0"/>
+              </a:rPr>
+              <a:t>0.003</a:t>
+            </a:r>
+          </a:p>
+        </p:txBody>
+      </p:sp>
+      <p:sp>
+        <p:nvSpPr>
+          <p:cNvPr id="20" name="TextBox 19">
+            <a:extLst>
+              <a:ext uri="{FF2B5EF4-FFF2-40B4-BE49-F238E27FC236}">
+                <a16:creationId xmlns:a16="http://schemas.microsoft.com/office/drawing/2014/main" id="{2EE6FE01-9CD9-5A4E-8A4C-38AC0ADDFC28}"/>
+              </a:ext>
+            </a:extLst>
+          </p:cNvPr>
+          <p:cNvSpPr txBox="1"/>
+          <p:nvPr/>
+        </p:nvSpPr>
+        <p:spPr>
+          <a:xfrm>
+            <a:off x="4142411" y="3777256"/>
+            <a:ext cx="1191690" cy="369332"/>
+          </a:xfrm>
+          <a:prstGeom prst="rect">
+            <a:avLst/>
+          </a:prstGeom>
+          <a:noFill/>
+        </p:spPr>
+        <p:txBody>
+          <a:bodyPr wrap="square" rtlCol="0">
+            <a:spAutoFit/>
+          </a:bodyPr>
+          <a:lstStyle/>
+          <a:p>
+            <a:r>
+              <a:rPr lang="en-US" dirty="0">
+                <a:latin typeface="Arial" panose="020B0604020202020204" pitchFamily="34" charset="0"/>
+                <a:cs typeface="Arial" panose="020B0604020202020204" pitchFamily="34" charset="0"/>
+              </a:rPr>
+              <a:t>0.004</a:t>
+            </a:r>
+          </a:p>
+        </p:txBody>
+      </p:sp>
+      <p:sp>
+        <p:nvSpPr>
+          <p:cNvPr id="21" name="TextBox 20">
+            <a:extLst>
+              <a:ext uri="{FF2B5EF4-FFF2-40B4-BE49-F238E27FC236}">
+                <a16:creationId xmlns:a16="http://schemas.microsoft.com/office/drawing/2014/main" id="{5A2A41AC-37B8-3A43-9997-E6848A0D1F9B}"/>
+              </a:ext>
+            </a:extLst>
+          </p:cNvPr>
+          <p:cNvSpPr txBox="1"/>
+          <p:nvPr/>
+        </p:nvSpPr>
+        <p:spPr>
+          <a:xfrm>
+            <a:off x="4892435" y="2535861"/>
+            <a:ext cx="1191690" cy="369332"/>
+          </a:xfrm>
+          <a:prstGeom prst="rect">
+            <a:avLst/>
+          </a:prstGeom>
+          <a:noFill/>
+        </p:spPr>
+        <p:txBody>
+          <a:bodyPr wrap="square" rtlCol="0">
+            <a:spAutoFit/>
+          </a:bodyPr>
+          <a:lstStyle/>
+          <a:p>
+            <a:r>
+              <a:rPr lang="en-US" dirty="0">
+                <a:latin typeface="Arial" panose="020B0604020202020204" pitchFamily="34" charset="0"/>
+                <a:cs typeface="Arial" panose="020B0604020202020204" pitchFamily="34" charset="0"/>
+              </a:rPr>
+              <a:t>-0.006</a:t>
+            </a:r>
+          </a:p>
+        </p:txBody>
+      </p:sp>
+    </p:spTree>
+    <p:extLst>
+      <p:ext uri="{BB962C8B-B14F-4D97-AF65-F5344CB8AC3E}">
+        <p14:creationId xmlns:p14="http://schemas.microsoft.com/office/powerpoint/2010/main" val="1063157910"/>
+      </p:ext>
+    </p:extLst>
+  </p:cSld>
+  <p:clrMapOvr>
+    <a:masterClrMapping/>
+  </p:clrMapOvr>
+</p:sld>
+</file>
+
+<file path=ppt/slides/slide9.xml><?xml version="1.0" encoding="utf-8"?>
+<p:sld xmlns:a="http://schemas.openxmlformats.org/drawingml/2006/main" xmlns:r="http://schemas.openxmlformats.org/officeDocument/2006/relationships" xmlns:p="http://schemas.openxmlformats.org/presentationml/2006/main">
+  <p:cSld>
+    <p:spTree>
+      <p:nvGrpSpPr>
+        <p:cNvPr id="1" name=""/>
+        <p:cNvGrpSpPr/>
+        <p:nvPr/>
+      </p:nvGrpSpPr>
+      <p:grpSpPr>
+        <a:xfrm>
+          <a:off x="0" y="0"/>
+          <a:ext cx="0" cy="0"/>
+          <a:chOff x="0" y="0"/>
+          <a:chExt cx="0" cy="0"/>
+        </a:xfrm>
+      </p:grpSpPr>
       <p:cxnSp>
         <p:nvCxnSpPr>
-          <p:cNvPr id="20" name="Straight Connector 19">
-            <a:extLst>
-              <a:ext uri="{FF2B5EF4-FFF2-40B4-BE49-F238E27FC236}">
-                <a16:creationId xmlns:a16="http://schemas.microsoft.com/office/drawing/2014/main" id="{9B7B9929-019B-3547-B600-36AA844AA543}"/>
-              </a:ext>
-            </a:extLst>
-          </p:cNvPr>
-          <p:cNvCxnSpPr/>
+          <p:cNvPr id="12" name="Straight Connector 11">
+            <a:extLst>
+              <a:ext uri="{FF2B5EF4-FFF2-40B4-BE49-F238E27FC236}">
+                <a16:creationId xmlns:a16="http://schemas.microsoft.com/office/drawing/2014/main" id="{2FA85D60-BCA4-B949-9830-F93A1CEB99C1}"/>
+              </a:ext>
+            </a:extLst>
+          </p:cNvPr>
+          <p:cNvCxnSpPr>
+            <a:cxnSpLocks/>
+          </p:cNvCxnSpPr>
           <p:nvPr/>
         </p:nvCxnSpPr>
         <p:spPr>
           <a:xfrm>
-            <a:off x="1603718" y="5537143"/>
-            <a:ext cx="700221" cy="0"/>
+            <a:off x="5358410" y="0"/>
+            <a:ext cx="0" cy="3598221"/>
           </a:xfrm>
           <a:prstGeom prst="line">
             <a:avLst/>
           </a:prstGeom>
-          <a:ln w="12700">
+          <a:ln>
             <a:solidFill>
               <a:schemeClr val="tx1"/>
             </a:solidFill>
@@ -11667,25 +15140,27 @@
       </p:cxnSp>
       <p:cxnSp>
         <p:nvCxnSpPr>
-          <p:cNvPr id="21" name="Straight Connector 20">
-            <a:extLst>
-              <a:ext uri="{FF2B5EF4-FFF2-40B4-BE49-F238E27FC236}">
-                <a16:creationId xmlns:a16="http://schemas.microsoft.com/office/drawing/2014/main" id="{A71693C7-1083-474A-B8CE-94128C83E6B9}"/>
-              </a:ext>
-            </a:extLst>
-          </p:cNvPr>
-          <p:cNvCxnSpPr/>
+          <p:cNvPr id="9" name="Straight Connector 8">
+            <a:extLst>
+              <a:ext uri="{FF2B5EF4-FFF2-40B4-BE49-F238E27FC236}">
+                <a16:creationId xmlns:a16="http://schemas.microsoft.com/office/drawing/2014/main" id="{1844228F-E7D7-EE43-B023-758DCF8E935C}"/>
+              </a:ext>
+            </a:extLst>
+          </p:cNvPr>
+          <p:cNvCxnSpPr>
+            <a:cxnSpLocks/>
+          </p:cNvCxnSpPr>
           <p:nvPr/>
         </p:nvCxnSpPr>
         <p:spPr>
           <a:xfrm>
-            <a:off x="3010707" y="5536262"/>
-            <a:ext cx="700221" cy="0"/>
+            <a:off x="712520" y="3420096"/>
+            <a:ext cx="9547761" cy="0"/>
           </a:xfrm>
           <a:prstGeom prst="line">
             <a:avLst/>
           </a:prstGeom>
-          <a:ln w="12700">
+          <a:ln>
             <a:solidFill>
               <a:schemeClr val="tx1"/>
             </a:solidFill>
@@ -11706,445 +15181,100 @@
           </a:fontRef>
         </p:style>
       </p:cxnSp>
-      <p:sp>
-        <p:nvSpPr>
-          <p:cNvPr id="22" name="TextBox 21">
-            <a:extLst>
-              <a:ext uri="{FF2B5EF4-FFF2-40B4-BE49-F238E27FC236}">
-                <a16:creationId xmlns:a16="http://schemas.microsoft.com/office/drawing/2014/main" id="{F77B3795-36E6-CB4E-8844-70C497F35641}"/>
-              </a:ext>
-            </a:extLst>
-          </p:cNvPr>
-          <p:cNvSpPr txBox="1"/>
-          <p:nvPr/>
-        </p:nvSpPr>
-        <p:spPr>
-          <a:xfrm>
-            <a:off x="1236929" y="5717315"/>
-            <a:ext cx="1656492" cy="292388"/>
-          </a:xfrm>
-          <a:prstGeom prst="rect">
-            <a:avLst/>
-          </a:prstGeom>
-          <a:noFill/>
-        </p:spPr>
-        <p:txBody>
-          <a:bodyPr wrap="square" rtlCol="0">
-            <a:spAutoFit/>
-          </a:bodyPr>
-          <a:lstStyle/>
-          <a:p>
-            <a:r>
-              <a:rPr lang="en-US" sz="1300" dirty="0">
-                <a:latin typeface="Arial" panose="020B0604020202020204" pitchFamily="34" charset="0"/>
-                <a:cs typeface="Arial" panose="020B0604020202020204" pitchFamily="34" charset="0"/>
-              </a:rPr>
-              <a:t>122/226 = 0.54</a:t>
-            </a:r>
-          </a:p>
-        </p:txBody>
-      </p:sp>
-      <p:sp>
-        <p:nvSpPr>
-          <p:cNvPr id="23" name="TextBox 22">
-            <a:extLst>
-              <a:ext uri="{FF2B5EF4-FFF2-40B4-BE49-F238E27FC236}">
-                <a16:creationId xmlns:a16="http://schemas.microsoft.com/office/drawing/2014/main" id="{FE8EA2B8-E4AF-2D46-9D86-EC07EF097A5D}"/>
-              </a:ext>
-            </a:extLst>
-          </p:cNvPr>
-          <p:cNvSpPr txBox="1"/>
-          <p:nvPr/>
-        </p:nvSpPr>
-        <p:spPr>
-          <a:xfrm>
-            <a:off x="2712309" y="5709707"/>
-            <a:ext cx="1656492" cy="292388"/>
-          </a:xfrm>
-          <a:prstGeom prst="rect">
-            <a:avLst/>
-          </a:prstGeom>
-          <a:noFill/>
-        </p:spPr>
-        <p:txBody>
-          <a:bodyPr wrap="square" rtlCol="0">
-            <a:spAutoFit/>
-          </a:bodyPr>
-          <a:lstStyle/>
-          <a:p>
-            <a:r>
-              <a:rPr lang="en-US" sz="1300" dirty="0">
-                <a:latin typeface="Arial" panose="020B0604020202020204" pitchFamily="34" charset="0"/>
-                <a:cs typeface="Arial" panose="020B0604020202020204" pitchFamily="34" charset="0"/>
-              </a:rPr>
-              <a:t>160/226 = 0.71</a:t>
-            </a:r>
-          </a:p>
-        </p:txBody>
-      </p:sp>
-      <p:sp>
-        <p:nvSpPr>
-          <p:cNvPr id="24" name="TextBox 23">
-            <a:extLst>
-              <a:ext uri="{FF2B5EF4-FFF2-40B4-BE49-F238E27FC236}">
-                <a16:creationId xmlns:a16="http://schemas.microsoft.com/office/drawing/2014/main" id="{6B8B3238-92E5-A941-AAD5-C91D0CAA5CB6}"/>
-              </a:ext>
-            </a:extLst>
-          </p:cNvPr>
-          <p:cNvSpPr txBox="1"/>
-          <p:nvPr/>
-        </p:nvSpPr>
-        <p:spPr>
-          <a:xfrm>
-            <a:off x="1076326" y="5977040"/>
-            <a:ext cx="3205162" cy="292388"/>
-          </a:xfrm>
-          <a:prstGeom prst="rect">
-            <a:avLst/>
-          </a:prstGeom>
-          <a:noFill/>
-        </p:spPr>
-        <p:txBody>
-          <a:bodyPr wrap="square" rtlCol="0">
-            <a:spAutoFit/>
-          </a:bodyPr>
-          <a:lstStyle/>
-          <a:p>
-            <a:r>
-              <a:rPr lang="en-US" sz="1300" dirty="0">
-                <a:latin typeface="Arial" panose="020B0604020202020204" pitchFamily="34" charset="0"/>
-                <a:cs typeface="Arial" panose="020B0604020202020204" pitchFamily="34" charset="0"/>
-              </a:rPr>
-              <a:t>Δ Range occupancy = 0.71-0.54 = 0.17</a:t>
-            </a:r>
-          </a:p>
-        </p:txBody>
-      </p:sp>
-      <p:sp>
-        <p:nvSpPr>
-          <p:cNvPr id="25" name="TextBox 24">
-            <a:extLst>
-              <a:ext uri="{FF2B5EF4-FFF2-40B4-BE49-F238E27FC236}">
-                <a16:creationId xmlns:a16="http://schemas.microsoft.com/office/drawing/2014/main" id="{715365A8-6018-6948-A180-157805F82625}"/>
-              </a:ext>
-            </a:extLst>
-          </p:cNvPr>
-          <p:cNvSpPr txBox="1"/>
-          <p:nvPr/>
-        </p:nvSpPr>
-        <p:spPr>
-          <a:xfrm>
-            <a:off x="8097934" y="4967544"/>
-            <a:ext cx="1705231" cy="307777"/>
-          </a:xfrm>
-          <a:prstGeom prst="rect">
-            <a:avLst/>
-          </a:prstGeom>
-          <a:noFill/>
-        </p:spPr>
-        <p:txBody>
-          <a:bodyPr wrap="square" rtlCol="0">
-            <a:spAutoFit/>
-          </a:bodyPr>
-          <a:lstStyle/>
-          <a:p>
-            <a:pPr algn="ctr"/>
-            <a:r>
-              <a:rPr lang="en-US" sz="1400" b="1" dirty="0">
-                <a:latin typeface="Arial" panose="020B0604020202020204" pitchFamily="34" charset="0"/>
-                <a:cs typeface="Arial" panose="020B0604020202020204" pitchFamily="34" charset="0"/>
-              </a:rPr>
-              <a:t>Range area</a:t>
-            </a:r>
-          </a:p>
-        </p:txBody>
-      </p:sp>
-      <p:sp>
-        <p:nvSpPr>
-          <p:cNvPr id="26" name="TextBox 25">
-            <a:extLst>
-              <a:ext uri="{FF2B5EF4-FFF2-40B4-BE49-F238E27FC236}">
-                <a16:creationId xmlns:a16="http://schemas.microsoft.com/office/drawing/2014/main" id="{B32796FE-97DE-0F40-88D9-03B8E828ABC2}"/>
-              </a:ext>
-            </a:extLst>
-          </p:cNvPr>
-          <p:cNvSpPr txBox="1"/>
-          <p:nvPr/>
-        </p:nvSpPr>
-        <p:spPr>
-          <a:xfrm>
-            <a:off x="7924706" y="5159773"/>
-            <a:ext cx="605480" cy="292388"/>
-          </a:xfrm>
-          <a:prstGeom prst="rect">
-            <a:avLst/>
-          </a:prstGeom>
-          <a:noFill/>
-        </p:spPr>
-        <p:txBody>
-          <a:bodyPr wrap="square" rtlCol="0">
-            <a:spAutoFit/>
-          </a:bodyPr>
-          <a:lstStyle/>
-          <a:p>
-            <a:r>
-              <a:rPr lang="en-US" sz="1300" dirty="0">
-                <a:latin typeface="Arial" panose="020B0604020202020204" pitchFamily="34" charset="0"/>
-                <a:cs typeface="Arial" panose="020B0604020202020204" pitchFamily="34" charset="0"/>
-              </a:rPr>
-              <a:t>Early</a:t>
-            </a:r>
-          </a:p>
-        </p:txBody>
-      </p:sp>
-      <p:sp>
-        <p:nvSpPr>
-          <p:cNvPr id="27" name="TextBox 26">
-            <a:extLst>
-              <a:ext uri="{FF2B5EF4-FFF2-40B4-BE49-F238E27FC236}">
-                <a16:creationId xmlns:a16="http://schemas.microsoft.com/office/drawing/2014/main" id="{AAB76394-E0C4-8A47-8FFC-D706D2F053C2}"/>
-              </a:ext>
-            </a:extLst>
-          </p:cNvPr>
-          <p:cNvSpPr txBox="1"/>
-          <p:nvPr/>
-        </p:nvSpPr>
-        <p:spPr>
-          <a:xfrm>
-            <a:off x="9343732" y="5159773"/>
-            <a:ext cx="605480" cy="292388"/>
-          </a:xfrm>
-          <a:prstGeom prst="rect">
-            <a:avLst/>
-          </a:prstGeom>
-          <a:noFill/>
-        </p:spPr>
-        <p:txBody>
-          <a:bodyPr wrap="square" rtlCol="0">
-            <a:spAutoFit/>
-          </a:bodyPr>
-          <a:lstStyle/>
-          <a:p>
-            <a:r>
-              <a:rPr lang="en-US" sz="1300" dirty="0">
-                <a:latin typeface="Arial" panose="020B0604020202020204" pitchFamily="34" charset="0"/>
-                <a:cs typeface="Arial" panose="020B0604020202020204" pitchFamily="34" charset="0"/>
-              </a:rPr>
-              <a:t>Late</a:t>
-            </a:r>
-          </a:p>
-        </p:txBody>
-      </p:sp>
-      <p:sp>
-        <p:nvSpPr>
-          <p:cNvPr id="28" name="TextBox 27">
-            <a:extLst>
-              <a:ext uri="{FF2B5EF4-FFF2-40B4-BE49-F238E27FC236}">
-                <a16:creationId xmlns:a16="http://schemas.microsoft.com/office/drawing/2014/main" id="{C0E3BB06-89A1-B34F-9826-B8E42FF277EA}"/>
-              </a:ext>
-            </a:extLst>
-          </p:cNvPr>
-          <p:cNvSpPr txBox="1"/>
-          <p:nvPr/>
-        </p:nvSpPr>
-        <p:spPr>
-          <a:xfrm>
-            <a:off x="7687240" y="5379553"/>
-            <a:ext cx="1656492" cy="292388"/>
-          </a:xfrm>
-          <a:prstGeom prst="rect">
-            <a:avLst/>
-          </a:prstGeom>
-          <a:noFill/>
-        </p:spPr>
-        <p:txBody>
-          <a:bodyPr wrap="square" rtlCol="0">
-            <a:spAutoFit/>
-          </a:bodyPr>
-          <a:lstStyle/>
-          <a:p>
-            <a:r>
-              <a:rPr lang="en-US" sz="1300" dirty="0">
-                <a:latin typeface="Arial" panose="020B0604020202020204" pitchFamily="34" charset="0"/>
-                <a:cs typeface="Arial" panose="020B0604020202020204" pitchFamily="34" charset="0"/>
-              </a:rPr>
-              <a:t>13.8x10</a:t>
-            </a:r>
-            <a:r>
-              <a:rPr lang="en-US" sz="1300" baseline="30000" dirty="0">
-                <a:latin typeface="Arial" panose="020B0604020202020204" pitchFamily="34" charset="0"/>
-                <a:cs typeface="Arial" panose="020B0604020202020204" pitchFamily="34" charset="0"/>
-              </a:rPr>
-              <a:t>6 </a:t>
-            </a:r>
-            <a:r>
-              <a:rPr lang="en-US" sz="1300" dirty="0">
-                <a:latin typeface="Arial" panose="020B0604020202020204" pitchFamily="34" charset="0"/>
-                <a:cs typeface="Arial" panose="020B0604020202020204" pitchFamily="34" charset="0"/>
-              </a:rPr>
-              <a:t>km</a:t>
-            </a:r>
-            <a:r>
-              <a:rPr lang="en-US" sz="1300" baseline="30000" dirty="0">
-                <a:latin typeface="Arial" panose="020B0604020202020204" pitchFamily="34" charset="0"/>
-                <a:cs typeface="Arial" panose="020B0604020202020204" pitchFamily="34" charset="0"/>
-              </a:rPr>
-              <a:t>2</a:t>
-            </a:r>
-            <a:endParaRPr lang="en-US" sz="1300" dirty="0">
-              <a:latin typeface="Arial" panose="020B0604020202020204" pitchFamily="34" charset="0"/>
-              <a:cs typeface="Arial" panose="020B0604020202020204" pitchFamily="34" charset="0"/>
-            </a:endParaRPr>
-          </a:p>
-        </p:txBody>
-      </p:sp>
-      <p:sp>
-        <p:nvSpPr>
-          <p:cNvPr id="29" name="TextBox 28">
-            <a:extLst>
-              <a:ext uri="{FF2B5EF4-FFF2-40B4-BE49-F238E27FC236}">
-                <a16:creationId xmlns:a16="http://schemas.microsoft.com/office/drawing/2014/main" id="{948746A5-16DB-6341-B109-3C3357A15718}"/>
-              </a:ext>
-            </a:extLst>
-          </p:cNvPr>
-          <p:cNvSpPr txBox="1"/>
-          <p:nvPr/>
-        </p:nvSpPr>
-        <p:spPr>
-          <a:xfrm>
-            <a:off x="8893803" y="5358695"/>
-            <a:ext cx="1656492" cy="292388"/>
-          </a:xfrm>
-          <a:prstGeom prst="rect">
-            <a:avLst/>
-          </a:prstGeom>
-          <a:noFill/>
-        </p:spPr>
-        <p:txBody>
-          <a:bodyPr wrap="square" rtlCol="0">
-            <a:spAutoFit/>
-          </a:bodyPr>
-          <a:lstStyle/>
-          <a:p>
-            <a:r>
-              <a:rPr lang="en-US" sz="1300" dirty="0">
-                <a:latin typeface="Arial" panose="020B0604020202020204" pitchFamily="34" charset="0"/>
-                <a:cs typeface="Arial" panose="020B0604020202020204" pitchFamily="34" charset="0"/>
-              </a:rPr>
-              <a:t>17.3x10</a:t>
-            </a:r>
-            <a:r>
-              <a:rPr lang="en-US" sz="1300" baseline="30000" dirty="0">
-                <a:latin typeface="Arial" panose="020B0604020202020204" pitchFamily="34" charset="0"/>
-                <a:cs typeface="Arial" panose="020B0604020202020204" pitchFamily="34" charset="0"/>
-              </a:rPr>
-              <a:t>6</a:t>
-            </a:r>
-            <a:r>
-              <a:rPr lang="en-US" sz="1300" dirty="0">
-                <a:latin typeface="Arial" panose="020B0604020202020204" pitchFamily="34" charset="0"/>
-                <a:cs typeface="Arial" panose="020B0604020202020204" pitchFamily="34" charset="0"/>
-              </a:rPr>
-              <a:t> km</a:t>
-            </a:r>
-            <a:r>
-              <a:rPr lang="en-US" sz="1300" baseline="30000" dirty="0">
-                <a:latin typeface="Arial" panose="020B0604020202020204" pitchFamily="34" charset="0"/>
-                <a:cs typeface="Arial" panose="020B0604020202020204" pitchFamily="34" charset="0"/>
-              </a:rPr>
-              <a:t>2</a:t>
-            </a:r>
-            <a:endParaRPr lang="en-US" sz="1300" dirty="0">
-              <a:latin typeface="Arial" panose="020B0604020202020204" pitchFamily="34" charset="0"/>
-              <a:cs typeface="Arial" panose="020B0604020202020204" pitchFamily="34" charset="0"/>
-            </a:endParaRPr>
-          </a:p>
-        </p:txBody>
-      </p:sp>
-      <p:sp>
-        <p:nvSpPr>
-          <p:cNvPr id="30" name="TextBox 29">
-            <a:extLst>
-              <a:ext uri="{FF2B5EF4-FFF2-40B4-BE49-F238E27FC236}">
-                <a16:creationId xmlns:a16="http://schemas.microsoft.com/office/drawing/2014/main" id="{A5DA0230-05F0-EA43-806D-83BDD2E0AAEE}"/>
-              </a:ext>
-            </a:extLst>
-          </p:cNvPr>
-          <p:cNvSpPr txBox="1"/>
-          <p:nvPr/>
-        </p:nvSpPr>
-        <p:spPr>
-          <a:xfrm>
-            <a:off x="6410371" y="5976960"/>
-            <a:ext cx="4239629" cy="292388"/>
-          </a:xfrm>
-          <a:prstGeom prst="rect">
-            <a:avLst/>
-          </a:prstGeom>
-          <a:noFill/>
-        </p:spPr>
-        <p:txBody>
-          <a:bodyPr wrap="square" rtlCol="0">
-            <a:spAutoFit/>
-          </a:bodyPr>
-          <a:lstStyle/>
-          <a:p>
-            <a:r>
-              <a:rPr lang="en-US" sz="1300" dirty="0">
-                <a:latin typeface="Arial" panose="020B0604020202020204" pitchFamily="34" charset="0"/>
-                <a:cs typeface="Arial" panose="020B0604020202020204" pitchFamily="34" charset="0"/>
-              </a:rPr>
-              <a:t>Δ Range area = (17.3x10</a:t>
-            </a:r>
-            <a:r>
-              <a:rPr lang="en-US" sz="1300" baseline="30000" dirty="0">
-                <a:latin typeface="Arial" panose="020B0604020202020204" pitchFamily="34" charset="0"/>
-                <a:cs typeface="Arial" panose="020B0604020202020204" pitchFamily="34" charset="0"/>
-              </a:rPr>
-              <a:t>6 </a:t>
-            </a:r>
-            <a:r>
-              <a:rPr lang="en-US" sz="1300" dirty="0">
-                <a:latin typeface="Arial" panose="020B0604020202020204" pitchFamily="34" charset="0"/>
-                <a:cs typeface="Arial" panose="020B0604020202020204" pitchFamily="34" charset="0"/>
-              </a:rPr>
-              <a:t>-13.8x10</a:t>
-            </a:r>
-            <a:r>
-              <a:rPr lang="en-US" sz="1300" baseline="30000" dirty="0">
-                <a:latin typeface="Arial" panose="020B0604020202020204" pitchFamily="34" charset="0"/>
-                <a:cs typeface="Arial" panose="020B0604020202020204" pitchFamily="34" charset="0"/>
-              </a:rPr>
-              <a:t>6</a:t>
-            </a:r>
-            <a:r>
-              <a:rPr lang="en-US" sz="1300" dirty="0">
-                <a:latin typeface="Arial" panose="020B0604020202020204" pitchFamily="34" charset="0"/>
-                <a:cs typeface="Arial" panose="020B0604020202020204" pitchFamily="34" charset="0"/>
-              </a:rPr>
-              <a:t>)/13.8x10</a:t>
-            </a:r>
-            <a:r>
-              <a:rPr lang="en-US" sz="1300" baseline="30000" dirty="0">
-                <a:latin typeface="Arial" panose="020B0604020202020204" pitchFamily="34" charset="0"/>
-                <a:cs typeface="Arial" panose="020B0604020202020204" pitchFamily="34" charset="0"/>
-              </a:rPr>
-              <a:t>6 </a:t>
-            </a:r>
-            <a:r>
-              <a:rPr lang="en-US" sz="1300" dirty="0">
-                <a:latin typeface="Arial" panose="020B0604020202020204" pitchFamily="34" charset="0"/>
-                <a:cs typeface="Arial" panose="020B0604020202020204" pitchFamily="34" charset="0"/>
-              </a:rPr>
-              <a:t>= 0.25</a:t>
-            </a:r>
-          </a:p>
-        </p:txBody>
-      </p:sp>
+      <p:pic>
+        <p:nvPicPr>
+          <p:cNvPr id="3" name="Picture 2" descr="Diagram, venn diagram&#10;&#10;Description automatically generated">
+            <a:extLst>
+              <a:ext uri="{FF2B5EF4-FFF2-40B4-BE49-F238E27FC236}">
+                <a16:creationId xmlns:a16="http://schemas.microsoft.com/office/drawing/2014/main" id="{686A2AE3-6E91-444B-87F0-BB6AE75C75BA}"/>
+              </a:ext>
+            </a:extLst>
+          </p:cNvPr>
+          <p:cNvPicPr>
+            <a:picLocks noChangeAspect="1"/>
+          </p:cNvPicPr>
+          <p:nvPr/>
+        </p:nvPicPr>
+        <p:blipFill>
+          <a:blip r:embed="rId2"/>
+          <a:stretch>
+            <a:fillRect/>
+          </a:stretch>
+        </p:blipFill>
+        <p:spPr>
+          <a:xfrm>
+            <a:off x="1497946" y="0"/>
+            <a:ext cx="3860464" cy="3298942"/>
+          </a:xfrm>
+          <a:prstGeom prst="rect">
+            <a:avLst/>
+          </a:prstGeom>
+        </p:spPr>
+      </p:pic>
+      <p:pic>
+        <p:nvPicPr>
+          <p:cNvPr id="6" name="Picture 5" descr="Diagram, venn diagram&#10;&#10;Description automatically generated">
+            <a:extLst>
+              <a:ext uri="{FF2B5EF4-FFF2-40B4-BE49-F238E27FC236}">
+                <a16:creationId xmlns:a16="http://schemas.microsoft.com/office/drawing/2014/main" id="{3FC4FCF2-7792-914B-AFE0-9C0126116CAA}"/>
+              </a:ext>
+            </a:extLst>
+          </p:cNvPr>
+          <p:cNvPicPr>
+            <a:picLocks noChangeAspect="1"/>
+          </p:cNvPicPr>
+          <p:nvPr/>
+        </p:nvPicPr>
+        <p:blipFill>
+          <a:blip r:embed="rId3"/>
+          <a:stretch>
+            <a:fillRect/>
+          </a:stretch>
+        </p:blipFill>
+        <p:spPr>
+          <a:xfrm>
+            <a:off x="5486400" y="7"/>
+            <a:ext cx="3909383" cy="3340745"/>
+          </a:xfrm>
+          <a:prstGeom prst="rect">
+            <a:avLst/>
+          </a:prstGeom>
+        </p:spPr>
+      </p:pic>
+      <p:pic>
+        <p:nvPicPr>
+          <p:cNvPr id="14" name="Picture 13" descr="Diagram, venn diagram&#10;&#10;Description automatically generated">
+            <a:extLst>
+              <a:ext uri="{FF2B5EF4-FFF2-40B4-BE49-F238E27FC236}">
+                <a16:creationId xmlns:a16="http://schemas.microsoft.com/office/drawing/2014/main" id="{308E7928-6DCF-6C4B-BBA0-CC492670E22C}"/>
+              </a:ext>
+            </a:extLst>
+          </p:cNvPr>
+          <p:cNvPicPr>
+            <a:picLocks noChangeAspect="1"/>
+          </p:cNvPicPr>
+          <p:nvPr/>
+        </p:nvPicPr>
+        <p:blipFill>
+          <a:blip r:embed="rId4"/>
+          <a:stretch>
+            <a:fillRect/>
+          </a:stretch>
+        </p:blipFill>
+        <p:spPr>
+          <a:xfrm>
+            <a:off x="3428178" y="3437904"/>
+            <a:ext cx="3909370" cy="3340734"/>
+          </a:xfrm>
+          <a:prstGeom prst="rect">
+            <a:avLst/>
+          </a:prstGeom>
+        </p:spPr>
+      </p:pic>
     </p:spTree>
     <p:extLst>
       <p:ext uri="{BB962C8B-B14F-4D97-AF65-F5344CB8AC3E}">
-        <p14:creationId xmlns:p14="http://schemas.microsoft.com/office/powerpoint/2010/main" val="1570318092"/>
+        <p14:creationId xmlns:p14="http://schemas.microsoft.com/office/powerpoint/2010/main" val="1749384182"/>
       </p:ext>
     </p:extLst>
   </p:cSld>
